--- a/doc/ref_arch/kubernetes/figures/k8s-ref-arch-figures.pptx
+++ b/doc/ref_arch/kubernetes/figures/k8s-ref-arch-figures.pptx
@@ -6,6 +6,7 @@
   </p:sldMasterIdLst>
   <p:sldIdLst>
     <p:sldId id="1078" r:id="rId2"/>
+    <p:sldId id="1079" r:id="rId3"/>
   </p:sldIdLst>
   <p:sldSz cx="12192000" cy="6858000"/>
   <p:notesSz cx="6858000" cy="9144000"/>
@@ -104,6 +105,11 @@
       </a:defRPr>
     </a:lvl9pPr>
   </p:defaultTextStyle>
+  <p:extLst>
+    <p:ext uri="{EFAFB233-063F-42B5-8137-9DF3F51BA10A}">
+      <p15:sldGuideLst xmlns:p15="http://schemas.microsoft.com/office/powerpoint/2012/main"/>
+    </p:ext>
+  </p:extLst>
 </p:presentation>
 </file>
 
@@ -175,7 +181,7 @@
           <a:p>
             <a:fld id="{F9D3E6FF-AC24-BE43-AFD3-27417514DD0F}" type="datetimeFigureOut">
               <a:rPr lang="en-GB" smtClean="0"/>
-              <a:t>20/09/2019</a:t>
+              <a:t>08/10/2019</a:t>
             </a:fld>
             <a:endParaRPr lang="en-GB"/>
           </a:p>
@@ -416,7 +422,7 @@
           <a:p>
             <a:fld id="{F9D3E6FF-AC24-BE43-AFD3-27417514DD0F}" type="datetimeFigureOut">
               <a:rPr lang="en-GB" smtClean="0"/>
-              <a:t>20/09/2019</a:t>
+              <a:t>08/10/2019</a:t>
             </a:fld>
             <a:endParaRPr lang="en-GB"/>
           </a:p>
@@ -11135,6 +11141,3115 @@
 </p:sld>
 </file>
 
+<file path=ppt/slides/slide2.xml><?xml version="1.0" encoding="utf-8"?>
+<p:sld xmlns:a="http://schemas.openxmlformats.org/drawingml/2006/main" xmlns:r="http://schemas.openxmlformats.org/officeDocument/2006/relationships" xmlns:p="http://schemas.openxmlformats.org/presentationml/2006/main">
+  <p:cSld>
+    <p:spTree>
+      <p:nvGrpSpPr>
+        <p:cNvPr id="1" name=""/>
+        <p:cNvGrpSpPr/>
+        <p:nvPr/>
+      </p:nvGrpSpPr>
+      <p:grpSpPr>
+        <a:xfrm>
+          <a:off x="0" y="0"/>
+          <a:ext cx="0" cy="0"/>
+          <a:chOff x="0" y="0"/>
+          <a:chExt cx="0" cy="0"/>
+        </a:xfrm>
+      </p:grpSpPr>
+      <p:sp>
+        <p:nvSpPr>
+          <p:cNvPr id="3" name="Rectangle 2">
+            <a:extLst>
+              <a:ext uri="{FF2B5EF4-FFF2-40B4-BE49-F238E27FC236}">
+                <a16:creationId xmlns:a16="http://schemas.microsoft.com/office/drawing/2014/main" id="{C02E7C3C-33FA-5F47-8B59-2DE82187401D}"/>
+              </a:ext>
+            </a:extLst>
+          </p:cNvPr>
+          <p:cNvSpPr/>
+          <p:nvPr/>
+        </p:nvSpPr>
+        <p:spPr>
+          <a:xfrm>
+            <a:off x="6210035" y="1618520"/>
+            <a:ext cx="1590492" cy="728099"/>
+          </a:xfrm>
+          <a:prstGeom prst="rect">
+            <a:avLst/>
+          </a:prstGeom>
+          <a:solidFill>
+            <a:schemeClr val="accent1"/>
+          </a:solidFill>
+          <a:ln>
+            <a:noFill/>
+          </a:ln>
+        </p:spPr>
+        <p:style>
+          <a:lnRef idx="0">
+            <a:scrgbClr r="0" g="0" b="0"/>
+          </a:lnRef>
+          <a:fillRef idx="0">
+            <a:scrgbClr r="0" g="0" b="0"/>
+          </a:fillRef>
+          <a:effectRef idx="0">
+            <a:scrgbClr r="0" g="0" b="0"/>
+          </a:effectRef>
+          <a:fontRef idx="minor">
+            <a:schemeClr val="lt1"/>
+          </a:fontRef>
+        </p:style>
+        <p:txBody>
+          <a:bodyPr spcFirstLastPara="0" vert="horz" wrap="square" lIns="6350" tIns="6350" rIns="6350" bIns="6350" numCol="1" spcCol="1270" rtlCol="0" anchor="ctr" anchorCtr="0">
+            <a:noAutofit/>
+          </a:bodyPr>
+          <a:lstStyle/>
+          <a:p>
+            <a:pPr algn="ctr" defTabSz="444500">
+              <a:lnSpc>
+                <a:spcPct val="90000"/>
+              </a:lnSpc>
+              <a:spcBef>
+                <a:spcPct val="0"/>
+              </a:spcBef>
+              <a:spcAft>
+                <a:spcPct val="35000"/>
+              </a:spcAft>
+            </a:pPr>
+            <a:r>
+              <a:rPr lang="en-GB" sz="1400" kern="1200" dirty="0">
+                <a:solidFill>
+                  <a:schemeClr val="bg1"/>
+                </a:solidFill>
+                <a:latin typeface="Vodafone Rg" pitchFamily="34" charset="0"/>
+                <a:ea typeface="+mn-ea"/>
+                <a:cs typeface="+mn-cs"/>
+              </a:rPr>
+              <a:t>Domain Orchestrator (NFVO)</a:t>
+            </a:r>
+          </a:p>
+        </p:txBody>
+      </p:sp>
+      <p:sp>
+        <p:nvSpPr>
+          <p:cNvPr id="4" name="Rectangle 3">
+            <a:extLst>
+              <a:ext uri="{FF2B5EF4-FFF2-40B4-BE49-F238E27FC236}">
+                <a16:creationId xmlns:a16="http://schemas.microsoft.com/office/drawing/2014/main" id="{E4AA880B-E4B3-744A-AA66-58B16C41AC20}"/>
+              </a:ext>
+            </a:extLst>
+          </p:cNvPr>
+          <p:cNvSpPr/>
+          <p:nvPr/>
+        </p:nvSpPr>
+        <p:spPr>
+          <a:xfrm>
+            <a:off x="5715150" y="4319343"/>
+            <a:ext cx="1590490" cy="364050"/>
+          </a:xfrm>
+          <a:prstGeom prst="rect">
+            <a:avLst/>
+          </a:prstGeom>
+          <a:solidFill>
+            <a:schemeClr val="accent1"/>
+          </a:solidFill>
+          <a:ln>
+            <a:noFill/>
+          </a:ln>
+        </p:spPr>
+        <p:style>
+          <a:lnRef idx="0">
+            <a:scrgbClr r="0" g="0" b="0"/>
+          </a:lnRef>
+          <a:fillRef idx="0">
+            <a:scrgbClr r="0" g="0" b="0"/>
+          </a:fillRef>
+          <a:effectRef idx="0">
+            <a:scrgbClr r="0" g="0" b="0"/>
+          </a:effectRef>
+          <a:fontRef idx="minor">
+            <a:schemeClr val="lt1"/>
+          </a:fontRef>
+        </p:style>
+        <p:txBody>
+          <a:bodyPr spcFirstLastPara="0" vert="horz" wrap="square" lIns="6350" tIns="6350" rIns="6350" bIns="6350" numCol="1" spcCol="1270" rtlCol="0" anchor="ctr" anchorCtr="0">
+            <a:noAutofit/>
+          </a:bodyPr>
+          <a:lstStyle/>
+          <a:p>
+            <a:pPr algn="ctr" defTabSz="444500">
+              <a:lnSpc>
+                <a:spcPct val="90000"/>
+              </a:lnSpc>
+              <a:spcBef>
+                <a:spcPct val="0"/>
+              </a:spcBef>
+              <a:spcAft>
+                <a:spcPct val="35000"/>
+              </a:spcAft>
+            </a:pPr>
+            <a:r>
+              <a:rPr lang="en-GB" sz="1400" kern="1200" dirty="0">
+                <a:solidFill>
+                  <a:schemeClr val="bg1"/>
+                </a:solidFill>
+                <a:latin typeface="Vodafone Rg" pitchFamily="34" charset="0"/>
+                <a:ea typeface="+mn-ea"/>
+                <a:cs typeface="+mn-cs"/>
+              </a:rPr>
+              <a:t>VIM</a:t>
+            </a:r>
+          </a:p>
+        </p:txBody>
+      </p:sp>
+      <p:sp>
+        <p:nvSpPr>
+          <p:cNvPr id="5" name="Rectangle 4">
+            <a:extLst>
+              <a:ext uri="{FF2B5EF4-FFF2-40B4-BE49-F238E27FC236}">
+                <a16:creationId xmlns:a16="http://schemas.microsoft.com/office/drawing/2014/main" id="{1BDAF012-022C-FE41-9606-53ED102BDF7E}"/>
+              </a:ext>
+            </a:extLst>
+          </p:cNvPr>
+          <p:cNvSpPr/>
+          <p:nvPr/>
+        </p:nvSpPr>
+        <p:spPr>
+          <a:xfrm>
+            <a:off x="5715150" y="4759039"/>
+            <a:ext cx="1590490" cy="364050"/>
+          </a:xfrm>
+          <a:prstGeom prst="rect">
+            <a:avLst/>
+          </a:prstGeom>
+          <a:solidFill>
+            <a:schemeClr val="accent1"/>
+          </a:solidFill>
+          <a:ln>
+            <a:noFill/>
+          </a:ln>
+        </p:spPr>
+        <p:style>
+          <a:lnRef idx="0">
+            <a:scrgbClr r="0" g="0" b="0"/>
+          </a:lnRef>
+          <a:fillRef idx="0">
+            <a:scrgbClr r="0" g="0" b="0"/>
+          </a:fillRef>
+          <a:effectRef idx="0">
+            <a:scrgbClr r="0" g="0" b="0"/>
+          </a:effectRef>
+          <a:fontRef idx="minor">
+            <a:schemeClr val="lt1"/>
+          </a:fontRef>
+        </p:style>
+        <p:txBody>
+          <a:bodyPr spcFirstLastPara="0" vert="horz" wrap="square" lIns="6350" tIns="6350" rIns="6350" bIns="6350" numCol="1" spcCol="1270" rtlCol="0" anchor="ctr" anchorCtr="0">
+            <a:noAutofit/>
+          </a:bodyPr>
+          <a:lstStyle/>
+          <a:p>
+            <a:pPr algn="ctr" defTabSz="444500">
+              <a:lnSpc>
+                <a:spcPct val="90000"/>
+              </a:lnSpc>
+              <a:spcBef>
+                <a:spcPct val="0"/>
+              </a:spcBef>
+              <a:spcAft>
+                <a:spcPct val="35000"/>
+              </a:spcAft>
+            </a:pPr>
+            <a:r>
+              <a:rPr lang="en-GB" sz="1400" kern="1200" dirty="0">
+                <a:solidFill>
+                  <a:schemeClr val="bg1"/>
+                </a:solidFill>
+                <a:latin typeface="Vodafone Rg" pitchFamily="34" charset="0"/>
+                <a:ea typeface="+mn-ea"/>
+                <a:cs typeface="+mn-cs"/>
+              </a:rPr>
+              <a:t>PIM</a:t>
+            </a:r>
+          </a:p>
+        </p:txBody>
+      </p:sp>
+      <p:sp>
+        <p:nvSpPr>
+          <p:cNvPr id="6" name="Rectangle 5">
+            <a:extLst>
+              <a:ext uri="{FF2B5EF4-FFF2-40B4-BE49-F238E27FC236}">
+                <a16:creationId xmlns:a16="http://schemas.microsoft.com/office/drawing/2014/main" id="{787A50DE-58A7-7B4A-902B-F0C380CBEF52}"/>
+              </a:ext>
+            </a:extLst>
+          </p:cNvPr>
+          <p:cNvSpPr/>
+          <p:nvPr/>
+        </p:nvSpPr>
+        <p:spPr>
+          <a:xfrm>
+            <a:off x="5715150" y="5204543"/>
+            <a:ext cx="1590490" cy="364050"/>
+          </a:xfrm>
+          <a:prstGeom prst="rect">
+            <a:avLst/>
+          </a:prstGeom>
+          <a:solidFill>
+            <a:schemeClr val="accent1"/>
+          </a:solidFill>
+          <a:ln>
+            <a:noFill/>
+          </a:ln>
+        </p:spPr>
+        <p:style>
+          <a:lnRef idx="0">
+            <a:scrgbClr r="0" g="0" b="0"/>
+          </a:lnRef>
+          <a:fillRef idx="0">
+            <a:scrgbClr r="0" g="0" b="0"/>
+          </a:fillRef>
+          <a:effectRef idx="0">
+            <a:scrgbClr r="0" g="0" b="0"/>
+          </a:effectRef>
+          <a:fontRef idx="minor">
+            <a:schemeClr val="lt1"/>
+          </a:fontRef>
+        </p:style>
+        <p:txBody>
+          <a:bodyPr spcFirstLastPara="0" vert="horz" wrap="square" lIns="6350" tIns="6350" rIns="6350" bIns="6350" numCol="1" spcCol="1270" rtlCol="0" anchor="ctr" anchorCtr="0">
+            <a:noAutofit/>
+          </a:bodyPr>
+          <a:lstStyle/>
+          <a:p>
+            <a:pPr algn="ctr" defTabSz="444500">
+              <a:lnSpc>
+                <a:spcPct val="90000"/>
+              </a:lnSpc>
+              <a:spcBef>
+                <a:spcPct val="0"/>
+              </a:spcBef>
+              <a:spcAft>
+                <a:spcPct val="35000"/>
+              </a:spcAft>
+            </a:pPr>
+            <a:r>
+              <a:rPr lang="en-GB" sz="1400" dirty="0">
+                <a:solidFill>
+                  <a:schemeClr val="bg1"/>
+                </a:solidFill>
+                <a:latin typeface="Vodafone Rg" pitchFamily="34" charset="0"/>
+              </a:rPr>
+              <a:t>DC-</a:t>
+            </a:r>
+            <a:r>
+              <a:rPr lang="en-GB" sz="1400" dirty="0" err="1">
+                <a:solidFill>
+                  <a:schemeClr val="bg1"/>
+                </a:solidFill>
+                <a:latin typeface="Vodafone Rg" pitchFamily="34" charset="0"/>
+              </a:rPr>
+              <a:t>SDNc</a:t>
+            </a:r>
+            <a:endParaRPr lang="en-GB" sz="1400" kern="1200" dirty="0">
+              <a:solidFill>
+                <a:schemeClr val="bg1"/>
+              </a:solidFill>
+              <a:latin typeface="Vodafone Rg" pitchFamily="34" charset="0"/>
+              <a:ea typeface="+mn-ea"/>
+              <a:cs typeface="+mn-cs"/>
+            </a:endParaRPr>
+          </a:p>
+        </p:txBody>
+      </p:sp>
+      <p:sp>
+        <p:nvSpPr>
+          <p:cNvPr id="7" name="Rectangle 6">
+            <a:extLst>
+              <a:ext uri="{FF2B5EF4-FFF2-40B4-BE49-F238E27FC236}">
+                <a16:creationId xmlns:a16="http://schemas.microsoft.com/office/drawing/2014/main" id="{CDD66064-06B6-604A-9975-97B60DDAC26D}"/>
+              </a:ext>
+            </a:extLst>
+          </p:cNvPr>
+          <p:cNvSpPr/>
+          <p:nvPr/>
+        </p:nvSpPr>
+        <p:spPr>
+          <a:xfrm>
+            <a:off x="2571912" y="4319343"/>
+            <a:ext cx="2722733" cy="364050"/>
+          </a:xfrm>
+          <a:prstGeom prst="rect">
+            <a:avLst/>
+          </a:prstGeom>
+          <a:solidFill>
+            <a:schemeClr val="accent1"/>
+          </a:solidFill>
+          <a:ln>
+            <a:noFill/>
+          </a:ln>
+        </p:spPr>
+        <p:style>
+          <a:lnRef idx="0">
+            <a:scrgbClr r="0" g="0" b="0"/>
+          </a:lnRef>
+          <a:fillRef idx="0">
+            <a:scrgbClr r="0" g="0" b="0"/>
+          </a:fillRef>
+          <a:effectRef idx="0">
+            <a:scrgbClr r="0" g="0" b="0"/>
+          </a:effectRef>
+          <a:fontRef idx="minor">
+            <a:schemeClr val="lt1"/>
+          </a:fontRef>
+        </p:style>
+        <p:txBody>
+          <a:bodyPr spcFirstLastPara="0" vert="horz" wrap="square" lIns="6350" tIns="6350" rIns="6350" bIns="6350" numCol="1" spcCol="1270" rtlCol="0" anchor="ctr" anchorCtr="0">
+            <a:noAutofit/>
+          </a:bodyPr>
+          <a:lstStyle/>
+          <a:p>
+            <a:pPr algn="ctr" defTabSz="444500">
+              <a:lnSpc>
+                <a:spcPct val="90000"/>
+              </a:lnSpc>
+              <a:spcBef>
+                <a:spcPct val="0"/>
+              </a:spcBef>
+              <a:spcAft>
+                <a:spcPct val="35000"/>
+              </a:spcAft>
+            </a:pPr>
+            <a:r>
+              <a:rPr lang="en-GB" sz="1200" kern="1200" dirty="0">
+                <a:solidFill>
+                  <a:schemeClr val="bg1"/>
+                </a:solidFill>
+                <a:latin typeface="Vodafone Rg" pitchFamily="34" charset="0"/>
+                <a:ea typeface="+mn-ea"/>
+                <a:cs typeface="+mn-cs"/>
+              </a:rPr>
+              <a:t>Virtual Resources Hypervisor</a:t>
+            </a:r>
+          </a:p>
+        </p:txBody>
+      </p:sp>
+      <p:sp>
+        <p:nvSpPr>
+          <p:cNvPr id="8" name="Rectangle 7">
+            <a:extLst>
+              <a:ext uri="{FF2B5EF4-FFF2-40B4-BE49-F238E27FC236}">
+                <a16:creationId xmlns:a16="http://schemas.microsoft.com/office/drawing/2014/main" id="{BB598D7F-0504-9143-999B-A12679C2A57B}"/>
+              </a:ext>
+            </a:extLst>
+          </p:cNvPr>
+          <p:cNvSpPr/>
+          <p:nvPr/>
+        </p:nvSpPr>
+        <p:spPr>
+          <a:xfrm>
+            <a:off x="2571912" y="4759039"/>
+            <a:ext cx="2722733" cy="364050"/>
+          </a:xfrm>
+          <a:prstGeom prst="rect">
+            <a:avLst/>
+          </a:prstGeom>
+          <a:solidFill>
+            <a:schemeClr val="accent1"/>
+          </a:solidFill>
+          <a:ln>
+            <a:noFill/>
+          </a:ln>
+        </p:spPr>
+        <p:style>
+          <a:lnRef idx="0">
+            <a:scrgbClr r="0" g="0" b="0"/>
+          </a:lnRef>
+          <a:fillRef idx="0">
+            <a:scrgbClr r="0" g="0" b="0"/>
+          </a:fillRef>
+          <a:effectRef idx="0">
+            <a:scrgbClr r="0" g="0" b="0"/>
+          </a:effectRef>
+          <a:fontRef idx="minor">
+            <a:schemeClr val="lt1"/>
+          </a:fontRef>
+        </p:style>
+        <p:txBody>
+          <a:bodyPr spcFirstLastPara="0" vert="horz" wrap="square" lIns="6350" tIns="6350" rIns="6350" bIns="6350" numCol="1" spcCol="1270" rtlCol="0" anchor="ctr" anchorCtr="0">
+            <a:noAutofit/>
+          </a:bodyPr>
+          <a:lstStyle/>
+          <a:p>
+            <a:pPr algn="ctr" defTabSz="444500">
+              <a:lnSpc>
+                <a:spcPct val="90000"/>
+              </a:lnSpc>
+              <a:spcBef>
+                <a:spcPct val="0"/>
+              </a:spcBef>
+              <a:spcAft>
+                <a:spcPct val="35000"/>
+              </a:spcAft>
+            </a:pPr>
+            <a:r>
+              <a:rPr lang="en-GB" sz="1200" kern="1200" dirty="0">
+                <a:solidFill>
+                  <a:schemeClr val="bg1"/>
+                </a:solidFill>
+                <a:latin typeface="Vodafone Rg" pitchFamily="34" charset="0"/>
+                <a:ea typeface="+mn-ea"/>
+                <a:cs typeface="+mn-cs"/>
+              </a:rPr>
+              <a:t>Physical Resources (computing)</a:t>
+            </a:r>
+          </a:p>
+        </p:txBody>
+      </p:sp>
+      <p:sp>
+        <p:nvSpPr>
+          <p:cNvPr id="9" name="Rectangle 8">
+            <a:extLst>
+              <a:ext uri="{FF2B5EF4-FFF2-40B4-BE49-F238E27FC236}">
+                <a16:creationId xmlns:a16="http://schemas.microsoft.com/office/drawing/2014/main" id="{6C17C4C4-B134-934B-BA6C-2CC64D9C5518}"/>
+              </a:ext>
+            </a:extLst>
+          </p:cNvPr>
+          <p:cNvSpPr/>
+          <p:nvPr/>
+        </p:nvSpPr>
+        <p:spPr>
+          <a:xfrm>
+            <a:off x="2571911" y="5204543"/>
+            <a:ext cx="2722733" cy="364050"/>
+          </a:xfrm>
+          <a:prstGeom prst="rect">
+            <a:avLst/>
+          </a:prstGeom>
+          <a:solidFill>
+            <a:schemeClr val="accent1"/>
+          </a:solidFill>
+          <a:ln>
+            <a:noFill/>
+          </a:ln>
+        </p:spPr>
+        <p:style>
+          <a:lnRef idx="0">
+            <a:scrgbClr r="0" g="0" b="0"/>
+          </a:lnRef>
+          <a:fillRef idx="0">
+            <a:scrgbClr r="0" g="0" b="0"/>
+          </a:fillRef>
+          <a:effectRef idx="0">
+            <a:scrgbClr r="0" g="0" b="0"/>
+          </a:effectRef>
+          <a:fontRef idx="minor">
+            <a:schemeClr val="lt1"/>
+          </a:fontRef>
+        </p:style>
+        <p:txBody>
+          <a:bodyPr spcFirstLastPara="0" vert="horz" wrap="square" lIns="6350" tIns="6350" rIns="6350" bIns="6350" numCol="1" spcCol="1270" rtlCol="0" anchor="ctr" anchorCtr="0">
+            <a:noAutofit/>
+          </a:bodyPr>
+          <a:lstStyle/>
+          <a:p>
+            <a:pPr algn="ctr" defTabSz="444500">
+              <a:lnSpc>
+                <a:spcPct val="90000"/>
+              </a:lnSpc>
+              <a:spcBef>
+                <a:spcPct val="0"/>
+              </a:spcBef>
+              <a:spcAft>
+                <a:spcPct val="35000"/>
+              </a:spcAft>
+            </a:pPr>
+            <a:r>
+              <a:rPr lang="en-GB" sz="1200" kern="1200" dirty="0">
+                <a:solidFill>
+                  <a:schemeClr val="bg1"/>
+                </a:solidFill>
+                <a:latin typeface="Vodafone Rg" pitchFamily="34" charset="0"/>
+                <a:ea typeface="+mn-ea"/>
+                <a:cs typeface="+mn-cs"/>
+              </a:rPr>
+              <a:t>DC Network Underlay</a:t>
+            </a:r>
+          </a:p>
+        </p:txBody>
+      </p:sp>
+      <p:cxnSp>
+        <p:nvCxnSpPr>
+          <p:cNvPr id="10" name="Straight Connector 9">
+            <a:extLst>
+              <a:ext uri="{FF2B5EF4-FFF2-40B4-BE49-F238E27FC236}">
+                <a16:creationId xmlns:a16="http://schemas.microsoft.com/office/drawing/2014/main" id="{0C9D2657-F8D2-A94F-855D-E7FBF54D1F52}"/>
+              </a:ext>
+            </a:extLst>
+          </p:cNvPr>
+          <p:cNvCxnSpPr>
+            <a:stCxn id="4" idx="1"/>
+            <a:endCxn id="7" idx="3"/>
+          </p:cNvCxnSpPr>
+          <p:nvPr/>
+        </p:nvCxnSpPr>
+        <p:spPr>
+          <a:xfrm flipH="1">
+            <a:off x="5294645" y="4501369"/>
+            <a:ext cx="420505" cy="0"/>
+          </a:xfrm>
+          <a:prstGeom prst="line">
+            <a:avLst/>
+          </a:prstGeom>
+          <a:ln w="19050"/>
+        </p:spPr>
+        <p:style>
+          <a:lnRef idx="1">
+            <a:schemeClr val="accent1"/>
+          </a:lnRef>
+          <a:fillRef idx="0">
+            <a:schemeClr val="accent1"/>
+          </a:fillRef>
+          <a:effectRef idx="0">
+            <a:schemeClr val="accent1"/>
+          </a:effectRef>
+          <a:fontRef idx="minor">
+            <a:schemeClr val="tx1"/>
+          </a:fontRef>
+        </p:style>
+      </p:cxnSp>
+      <p:cxnSp>
+        <p:nvCxnSpPr>
+          <p:cNvPr id="11" name="Straight Connector 10">
+            <a:extLst>
+              <a:ext uri="{FF2B5EF4-FFF2-40B4-BE49-F238E27FC236}">
+                <a16:creationId xmlns:a16="http://schemas.microsoft.com/office/drawing/2014/main" id="{9744AF08-4AF0-D24D-B654-13F0DBC52B8C}"/>
+              </a:ext>
+            </a:extLst>
+          </p:cNvPr>
+          <p:cNvCxnSpPr>
+            <a:cxnSpLocks/>
+            <a:stCxn id="5" idx="1"/>
+            <a:endCxn id="8" idx="3"/>
+          </p:cNvCxnSpPr>
+          <p:nvPr/>
+        </p:nvCxnSpPr>
+        <p:spPr>
+          <a:xfrm flipH="1">
+            <a:off x="5294645" y="4941065"/>
+            <a:ext cx="420505" cy="0"/>
+          </a:xfrm>
+          <a:prstGeom prst="line">
+            <a:avLst/>
+          </a:prstGeom>
+          <a:ln w="19050"/>
+        </p:spPr>
+        <p:style>
+          <a:lnRef idx="1">
+            <a:schemeClr val="accent1"/>
+          </a:lnRef>
+          <a:fillRef idx="0">
+            <a:schemeClr val="accent1"/>
+          </a:fillRef>
+          <a:effectRef idx="0">
+            <a:schemeClr val="accent1"/>
+          </a:effectRef>
+          <a:fontRef idx="minor">
+            <a:schemeClr val="tx1"/>
+          </a:fontRef>
+        </p:style>
+      </p:cxnSp>
+      <p:cxnSp>
+        <p:nvCxnSpPr>
+          <p:cNvPr id="12" name="Straight Connector 11">
+            <a:extLst>
+              <a:ext uri="{FF2B5EF4-FFF2-40B4-BE49-F238E27FC236}">
+                <a16:creationId xmlns:a16="http://schemas.microsoft.com/office/drawing/2014/main" id="{B140D6DD-7681-F247-AFE5-DC67E25BDECE}"/>
+              </a:ext>
+            </a:extLst>
+          </p:cNvPr>
+          <p:cNvCxnSpPr>
+            <a:cxnSpLocks/>
+          </p:cNvCxnSpPr>
+          <p:nvPr/>
+        </p:nvCxnSpPr>
+        <p:spPr>
+          <a:xfrm flipH="1">
+            <a:off x="5294645" y="5380761"/>
+            <a:ext cx="420505" cy="0"/>
+          </a:xfrm>
+          <a:prstGeom prst="line">
+            <a:avLst/>
+          </a:prstGeom>
+          <a:ln w="19050"/>
+        </p:spPr>
+        <p:style>
+          <a:lnRef idx="1">
+            <a:schemeClr val="accent1"/>
+          </a:lnRef>
+          <a:fillRef idx="0">
+            <a:schemeClr val="accent1"/>
+          </a:fillRef>
+          <a:effectRef idx="0">
+            <a:schemeClr val="accent1"/>
+          </a:effectRef>
+          <a:fontRef idx="minor">
+            <a:schemeClr val="tx1"/>
+          </a:fontRef>
+        </p:style>
+      </p:cxnSp>
+      <p:cxnSp>
+        <p:nvCxnSpPr>
+          <p:cNvPr id="13" name="Elbow Connector 12">
+            <a:extLst>
+              <a:ext uri="{FF2B5EF4-FFF2-40B4-BE49-F238E27FC236}">
+                <a16:creationId xmlns:a16="http://schemas.microsoft.com/office/drawing/2014/main" id="{D849AAFB-4591-104B-A0AA-CCE9530CE958}"/>
+              </a:ext>
+            </a:extLst>
+          </p:cNvPr>
+          <p:cNvCxnSpPr>
+            <a:stCxn id="3" idx="3"/>
+            <a:endCxn id="4" idx="3"/>
+          </p:cNvCxnSpPr>
+          <p:nvPr/>
+        </p:nvCxnSpPr>
+        <p:spPr>
+          <a:xfrm flipH="1">
+            <a:off x="7305640" y="1982571"/>
+            <a:ext cx="494887" cy="2518799"/>
+          </a:xfrm>
+          <a:prstGeom prst="bentConnector3">
+            <a:avLst>
+              <a:gd name="adj1" fmla="val -81502"/>
+            </a:avLst>
+          </a:prstGeom>
+          <a:ln w="19050"/>
+        </p:spPr>
+        <p:style>
+          <a:lnRef idx="1">
+            <a:schemeClr val="accent1"/>
+          </a:lnRef>
+          <a:fillRef idx="0">
+            <a:schemeClr val="accent1"/>
+          </a:fillRef>
+          <a:effectRef idx="0">
+            <a:schemeClr val="accent1"/>
+          </a:effectRef>
+          <a:fontRef idx="minor">
+            <a:schemeClr val="tx1"/>
+          </a:fontRef>
+        </p:style>
+      </p:cxnSp>
+      <p:cxnSp>
+        <p:nvCxnSpPr>
+          <p:cNvPr id="14" name="Elbow Connector 13">
+            <a:extLst>
+              <a:ext uri="{FF2B5EF4-FFF2-40B4-BE49-F238E27FC236}">
+                <a16:creationId xmlns:a16="http://schemas.microsoft.com/office/drawing/2014/main" id="{87DE84E0-5196-954A-B264-AB286CBAEA4D}"/>
+              </a:ext>
+            </a:extLst>
+          </p:cNvPr>
+          <p:cNvCxnSpPr>
+            <a:cxnSpLocks/>
+            <a:stCxn id="3" idx="3"/>
+            <a:endCxn id="6" idx="3"/>
+          </p:cNvCxnSpPr>
+          <p:nvPr/>
+        </p:nvCxnSpPr>
+        <p:spPr>
+          <a:xfrm flipH="1">
+            <a:off x="7305640" y="1982571"/>
+            <a:ext cx="494887" cy="3403998"/>
+          </a:xfrm>
+          <a:prstGeom prst="bentConnector3">
+            <a:avLst>
+              <a:gd name="adj1" fmla="val -185547"/>
+            </a:avLst>
+          </a:prstGeom>
+          <a:ln w="19050"/>
+        </p:spPr>
+        <p:style>
+          <a:lnRef idx="1">
+            <a:schemeClr val="accent1"/>
+          </a:lnRef>
+          <a:fillRef idx="0">
+            <a:schemeClr val="accent1"/>
+          </a:fillRef>
+          <a:effectRef idx="0">
+            <a:schemeClr val="accent1"/>
+          </a:effectRef>
+          <a:fontRef idx="minor">
+            <a:schemeClr val="tx1"/>
+          </a:fontRef>
+        </p:style>
+      </p:cxnSp>
+      <p:sp>
+        <p:nvSpPr>
+          <p:cNvPr id="15" name="Rectangle 14">
+            <a:extLst>
+              <a:ext uri="{FF2B5EF4-FFF2-40B4-BE49-F238E27FC236}">
+                <a16:creationId xmlns:a16="http://schemas.microsoft.com/office/drawing/2014/main" id="{7CFDE89F-28A3-6542-8E09-8CF223F054FD}"/>
+              </a:ext>
+            </a:extLst>
+          </p:cNvPr>
+          <p:cNvSpPr/>
+          <p:nvPr/>
+        </p:nvSpPr>
+        <p:spPr>
+          <a:xfrm>
+            <a:off x="2571909" y="3123282"/>
+            <a:ext cx="1246667" cy="364050"/>
+          </a:xfrm>
+          <a:prstGeom prst="rect">
+            <a:avLst/>
+          </a:prstGeom>
+          <a:solidFill>
+            <a:schemeClr val="accent2"/>
+          </a:solidFill>
+          <a:ln>
+            <a:noFill/>
+          </a:ln>
+        </p:spPr>
+        <p:style>
+          <a:lnRef idx="0">
+            <a:scrgbClr r="0" g="0" b="0"/>
+          </a:lnRef>
+          <a:fillRef idx="0">
+            <a:scrgbClr r="0" g="0" b="0"/>
+          </a:fillRef>
+          <a:effectRef idx="0">
+            <a:scrgbClr r="0" g="0" b="0"/>
+          </a:effectRef>
+          <a:fontRef idx="minor">
+            <a:schemeClr val="lt1"/>
+          </a:fontRef>
+        </p:style>
+        <p:txBody>
+          <a:bodyPr spcFirstLastPara="0" vert="horz" wrap="square" lIns="6350" tIns="6350" rIns="6350" bIns="6350" numCol="1" spcCol="1270" rtlCol="0" anchor="ctr" anchorCtr="0">
+            <a:noAutofit/>
+          </a:bodyPr>
+          <a:lstStyle/>
+          <a:p>
+            <a:pPr algn="ctr" defTabSz="444500">
+              <a:lnSpc>
+                <a:spcPct val="90000"/>
+              </a:lnSpc>
+              <a:spcBef>
+                <a:spcPct val="0"/>
+              </a:spcBef>
+              <a:spcAft>
+                <a:spcPct val="35000"/>
+              </a:spcAft>
+            </a:pPr>
+            <a:r>
+              <a:rPr lang="en-GB" sz="1400" kern="1200" dirty="0">
+                <a:solidFill>
+                  <a:schemeClr val="bg1"/>
+                </a:solidFill>
+                <a:latin typeface="Vodafone Rg" pitchFamily="34" charset="0"/>
+                <a:ea typeface="+mn-ea"/>
+                <a:cs typeface="+mn-cs"/>
+              </a:rPr>
+              <a:t>VNF1</a:t>
+            </a:r>
+          </a:p>
+        </p:txBody>
+      </p:sp>
+      <p:sp>
+        <p:nvSpPr>
+          <p:cNvPr id="16" name="Rectangle 15">
+            <a:extLst>
+              <a:ext uri="{FF2B5EF4-FFF2-40B4-BE49-F238E27FC236}">
+                <a16:creationId xmlns:a16="http://schemas.microsoft.com/office/drawing/2014/main" id="{DBA57121-CE6B-344F-B9C5-A78529ED4BF1}"/>
+              </a:ext>
+            </a:extLst>
+          </p:cNvPr>
+          <p:cNvSpPr/>
+          <p:nvPr/>
+        </p:nvSpPr>
+        <p:spPr>
+          <a:xfrm>
+            <a:off x="4039672" y="3123282"/>
+            <a:ext cx="1246667" cy="364050"/>
+          </a:xfrm>
+          <a:prstGeom prst="rect">
+            <a:avLst/>
+          </a:prstGeom>
+          <a:solidFill>
+            <a:schemeClr val="accent3"/>
+          </a:solidFill>
+          <a:ln>
+            <a:noFill/>
+          </a:ln>
+        </p:spPr>
+        <p:style>
+          <a:lnRef idx="0">
+            <a:scrgbClr r="0" g="0" b="0"/>
+          </a:lnRef>
+          <a:fillRef idx="0">
+            <a:scrgbClr r="0" g="0" b="0"/>
+          </a:fillRef>
+          <a:effectRef idx="0">
+            <a:scrgbClr r="0" g="0" b="0"/>
+          </a:effectRef>
+          <a:fontRef idx="minor">
+            <a:schemeClr val="lt1"/>
+          </a:fontRef>
+        </p:style>
+        <p:txBody>
+          <a:bodyPr spcFirstLastPara="0" vert="horz" wrap="square" lIns="6350" tIns="6350" rIns="6350" bIns="6350" numCol="1" spcCol="1270" rtlCol="0" anchor="ctr" anchorCtr="0">
+            <a:noAutofit/>
+          </a:bodyPr>
+          <a:lstStyle/>
+          <a:p>
+            <a:pPr algn="ctr" defTabSz="444500">
+              <a:lnSpc>
+                <a:spcPct val="90000"/>
+              </a:lnSpc>
+              <a:spcBef>
+                <a:spcPct val="0"/>
+              </a:spcBef>
+              <a:spcAft>
+                <a:spcPct val="35000"/>
+              </a:spcAft>
+            </a:pPr>
+            <a:r>
+              <a:rPr lang="en-GB" sz="1400" kern="1200" dirty="0">
+                <a:solidFill>
+                  <a:schemeClr val="bg1"/>
+                </a:solidFill>
+                <a:latin typeface="Vodafone Rg" pitchFamily="34" charset="0"/>
+                <a:ea typeface="+mn-ea"/>
+                <a:cs typeface="+mn-cs"/>
+              </a:rPr>
+              <a:t>VNF2</a:t>
+            </a:r>
+          </a:p>
+        </p:txBody>
+      </p:sp>
+      <p:sp>
+        <p:nvSpPr>
+          <p:cNvPr id="17" name="Rectangle 16">
+            <a:extLst>
+              <a:ext uri="{FF2B5EF4-FFF2-40B4-BE49-F238E27FC236}">
+                <a16:creationId xmlns:a16="http://schemas.microsoft.com/office/drawing/2014/main" id="{9EE12B2F-182E-D94D-9906-F4DA230BF32A}"/>
+              </a:ext>
+            </a:extLst>
+          </p:cNvPr>
+          <p:cNvSpPr/>
+          <p:nvPr/>
+        </p:nvSpPr>
+        <p:spPr>
+          <a:xfrm>
+            <a:off x="2571909" y="3919929"/>
+            <a:ext cx="598144" cy="364050"/>
+          </a:xfrm>
+          <a:prstGeom prst="rect">
+            <a:avLst/>
+          </a:prstGeom>
+          <a:solidFill>
+            <a:schemeClr val="accent1">
+              <a:alpha val="50000"/>
+            </a:schemeClr>
+          </a:solidFill>
+          <a:ln>
+            <a:noFill/>
+          </a:ln>
+        </p:spPr>
+        <p:style>
+          <a:lnRef idx="0">
+            <a:scrgbClr r="0" g="0" b="0"/>
+          </a:lnRef>
+          <a:fillRef idx="0">
+            <a:scrgbClr r="0" g="0" b="0"/>
+          </a:fillRef>
+          <a:effectRef idx="0">
+            <a:scrgbClr r="0" g="0" b="0"/>
+          </a:effectRef>
+          <a:fontRef idx="minor">
+            <a:schemeClr val="lt1"/>
+          </a:fontRef>
+        </p:style>
+        <p:txBody>
+          <a:bodyPr spcFirstLastPara="0" vert="horz" wrap="square" lIns="6350" tIns="6350" rIns="6350" bIns="6350" numCol="1" spcCol="1270" rtlCol="0" anchor="ctr" anchorCtr="0">
+            <a:noAutofit/>
+          </a:bodyPr>
+          <a:lstStyle/>
+          <a:p>
+            <a:pPr algn="ctr" defTabSz="444500">
+              <a:lnSpc>
+                <a:spcPct val="90000"/>
+              </a:lnSpc>
+              <a:spcBef>
+                <a:spcPct val="0"/>
+              </a:spcBef>
+              <a:spcAft>
+                <a:spcPct val="35000"/>
+              </a:spcAft>
+            </a:pPr>
+            <a:r>
+              <a:rPr lang="en-GB" sz="1100" kern="1200" dirty="0">
+                <a:solidFill>
+                  <a:schemeClr val="bg1"/>
+                </a:solidFill>
+                <a:latin typeface="Vodafone Rg" pitchFamily="34" charset="0"/>
+                <a:ea typeface="+mn-ea"/>
+                <a:cs typeface="+mn-cs"/>
+              </a:rPr>
+              <a:t>Worker Node</a:t>
+            </a:r>
+          </a:p>
+        </p:txBody>
+      </p:sp>
+      <p:sp>
+        <p:nvSpPr>
+          <p:cNvPr id="18" name="Rounded Rectangle 17">
+            <a:extLst>
+              <a:ext uri="{FF2B5EF4-FFF2-40B4-BE49-F238E27FC236}">
+                <a16:creationId xmlns:a16="http://schemas.microsoft.com/office/drawing/2014/main" id="{261F79BF-0F19-EF43-BACF-A4E2E8F0573A}"/>
+              </a:ext>
+            </a:extLst>
+          </p:cNvPr>
+          <p:cNvSpPr/>
+          <p:nvPr/>
+        </p:nvSpPr>
+        <p:spPr>
+          <a:xfrm>
+            <a:off x="2440324" y="2912994"/>
+            <a:ext cx="2974463" cy="1010392"/>
+          </a:xfrm>
+          <a:prstGeom prst="roundRect">
+            <a:avLst>
+              <a:gd name="adj" fmla="val 6280"/>
+            </a:avLst>
+          </a:prstGeom>
+          <a:noFill/>
+          <a:ln w="25400" cap="flat" cmpd="sng" algn="ctr">
+            <a:solidFill>
+              <a:schemeClr val="bg2"/>
+            </a:solidFill>
+            <a:prstDash val="sysDash"/>
+          </a:ln>
+          <a:effectLst/>
+        </p:spPr>
+        <p:style>
+          <a:lnRef idx="2">
+            <a:scrgbClr r="0" g="0" b="0"/>
+          </a:lnRef>
+          <a:fillRef idx="1">
+            <a:scrgbClr r="0" g="0" b="0"/>
+          </a:fillRef>
+          <a:effectRef idx="0">
+            <a:scrgbClr r="0" g="0" b="0"/>
+          </a:effectRef>
+          <a:fontRef idx="minor">
+            <a:schemeClr val="lt1"/>
+          </a:fontRef>
+        </p:style>
+        <p:txBody>
+          <a:bodyPr spcFirstLastPara="0" vert="horz" wrap="square" lIns="6350" tIns="6350" rIns="6350" bIns="6350" numCol="1" spcCol="1270" rtlCol="0" anchor="t" anchorCtr="0">
+            <a:noAutofit/>
+          </a:bodyPr>
+          <a:lstStyle/>
+          <a:p>
+            <a:pPr algn="ctr" defTabSz="444500">
+              <a:lnSpc>
+                <a:spcPct val="90000"/>
+              </a:lnSpc>
+              <a:spcBef>
+                <a:spcPct val="0"/>
+              </a:spcBef>
+              <a:spcAft>
+                <a:spcPct val="35000"/>
+              </a:spcAft>
+            </a:pPr>
+            <a:r>
+              <a:rPr lang="en-GB" sz="1100" kern="1200" dirty="0">
+                <a:solidFill>
+                  <a:srgbClr val="34342B"/>
+                </a:solidFill>
+                <a:latin typeface="Vodafone Rg" pitchFamily="34" charset="0"/>
+                <a:ea typeface="+mn-ea"/>
+                <a:cs typeface="+mn-cs"/>
+              </a:rPr>
+              <a:t>Network Service (incl. connectivity)</a:t>
+            </a:r>
+          </a:p>
+        </p:txBody>
+      </p:sp>
+      <p:sp>
+        <p:nvSpPr>
+          <p:cNvPr id="19" name="TextBox 18">
+            <a:extLst>
+              <a:ext uri="{FF2B5EF4-FFF2-40B4-BE49-F238E27FC236}">
+                <a16:creationId xmlns:a16="http://schemas.microsoft.com/office/drawing/2014/main" id="{E5755E54-DE10-7B48-9D94-45AF4607DCE3}"/>
+              </a:ext>
+            </a:extLst>
+          </p:cNvPr>
+          <p:cNvSpPr txBox="1"/>
+          <p:nvPr/>
+        </p:nvSpPr>
+        <p:spPr>
+          <a:xfrm>
+            <a:off x="7864736" y="3508020"/>
+            <a:ext cx="617332" cy="234985"/>
+          </a:xfrm>
+          <a:prstGeom prst="rect">
+            <a:avLst/>
+          </a:prstGeom>
+        </p:spPr>
+        <p:txBody>
+          <a:bodyPr wrap="square" lIns="0" tIns="0" rIns="0" bIns="0" rtlCol="0">
+            <a:noAutofit/>
+          </a:bodyPr>
+          <a:lstStyle/>
+          <a:p>
+            <a:pPr marL="0" indent="0">
+              <a:buFont typeface="Arial" pitchFamily="34" charset="0"/>
+              <a:buNone/>
+            </a:pPr>
+            <a:r>
+              <a:rPr lang="en-GB" sz="1200" dirty="0">
+                <a:latin typeface="Vodafone Rg" pitchFamily="34" charset="0"/>
+              </a:rPr>
+              <a:t>Or-Vi</a:t>
+            </a:r>
+          </a:p>
+        </p:txBody>
+      </p:sp>
+      <p:sp>
+        <p:nvSpPr>
+          <p:cNvPr id="20" name="TextBox 19">
+            <a:extLst>
+              <a:ext uri="{FF2B5EF4-FFF2-40B4-BE49-F238E27FC236}">
+                <a16:creationId xmlns:a16="http://schemas.microsoft.com/office/drawing/2014/main" id="{067472F6-6A23-BA4D-AE63-52BF4C5F0860}"/>
+              </a:ext>
+            </a:extLst>
+          </p:cNvPr>
+          <p:cNvSpPr txBox="1"/>
+          <p:nvPr/>
+        </p:nvSpPr>
+        <p:spPr>
+          <a:xfrm>
+            <a:off x="4781073" y="1632767"/>
+            <a:ext cx="835771" cy="234985"/>
+          </a:xfrm>
+          <a:prstGeom prst="rect">
+            <a:avLst/>
+          </a:prstGeom>
+        </p:spPr>
+        <p:txBody>
+          <a:bodyPr wrap="none" lIns="0" tIns="0" rIns="0" bIns="0" rtlCol="0">
+            <a:noAutofit/>
+          </a:bodyPr>
+          <a:lstStyle/>
+          <a:p>
+            <a:pPr marL="0" indent="0">
+              <a:buFont typeface="Arial" pitchFamily="34" charset="0"/>
+              <a:buNone/>
+            </a:pPr>
+            <a:r>
+              <a:rPr lang="en-GB" sz="1200" dirty="0">
+                <a:latin typeface="Vodafone Rg" pitchFamily="34" charset="0"/>
+              </a:rPr>
+              <a:t>Or-</a:t>
+            </a:r>
+            <a:r>
+              <a:rPr lang="en-GB" sz="1200" dirty="0" err="1">
+                <a:latin typeface="Vodafone Rg" pitchFamily="34" charset="0"/>
+              </a:rPr>
+              <a:t>Vnfm</a:t>
+            </a:r>
+            <a:r>
+              <a:rPr lang="en-GB" sz="1200" dirty="0">
+                <a:latin typeface="Vodafone Rg" pitchFamily="34" charset="0"/>
+              </a:rPr>
+              <a:t> / </a:t>
+            </a:r>
+            <a:br>
+              <a:rPr lang="en-GB" sz="1200" dirty="0">
+                <a:latin typeface="Vodafone Rg" pitchFamily="34" charset="0"/>
+              </a:rPr>
+            </a:br>
+            <a:r>
+              <a:rPr lang="en-GB" sz="1200" dirty="0">
+                <a:latin typeface="Vodafone Rg" pitchFamily="34" charset="0"/>
+              </a:rPr>
+              <a:t>SOL003</a:t>
+            </a:r>
+          </a:p>
+        </p:txBody>
+      </p:sp>
+      <p:sp>
+        <p:nvSpPr>
+          <p:cNvPr id="21" name="Rectangle 20">
+            <a:extLst>
+              <a:ext uri="{FF2B5EF4-FFF2-40B4-BE49-F238E27FC236}">
+                <a16:creationId xmlns:a16="http://schemas.microsoft.com/office/drawing/2014/main" id="{7B03EC1F-9EAE-1148-9F93-1B76BAD26CA2}"/>
+              </a:ext>
+            </a:extLst>
+          </p:cNvPr>
+          <p:cNvSpPr/>
+          <p:nvPr/>
+        </p:nvSpPr>
+        <p:spPr>
+          <a:xfrm>
+            <a:off x="3603026" y="1088018"/>
+            <a:ext cx="1010793" cy="371243"/>
+          </a:xfrm>
+          <a:prstGeom prst="rect">
+            <a:avLst/>
+          </a:prstGeom>
+          <a:solidFill>
+            <a:schemeClr val="accent1"/>
+          </a:solidFill>
+          <a:ln>
+            <a:noFill/>
+          </a:ln>
+        </p:spPr>
+        <p:style>
+          <a:lnRef idx="0">
+            <a:scrgbClr r="0" g="0" b="0"/>
+          </a:lnRef>
+          <a:fillRef idx="0">
+            <a:scrgbClr r="0" g="0" b="0"/>
+          </a:fillRef>
+          <a:effectRef idx="0">
+            <a:scrgbClr r="0" g="0" b="0"/>
+          </a:effectRef>
+          <a:fontRef idx="minor">
+            <a:schemeClr val="lt1"/>
+          </a:fontRef>
+        </p:style>
+        <p:txBody>
+          <a:bodyPr spcFirstLastPara="0" vert="horz" wrap="square" lIns="6350" tIns="6350" rIns="6350" bIns="6350" numCol="1" spcCol="1270" rtlCol="0" anchor="ctr" anchorCtr="0">
+            <a:noAutofit/>
+          </a:bodyPr>
+          <a:lstStyle/>
+          <a:p>
+            <a:pPr algn="ctr" defTabSz="444500">
+              <a:lnSpc>
+                <a:spcPct val="90000"/>
+              </a:lnSpc>
+              <a:spcBef>
+                <a:spcPct val="0"/>
+              </a:spcBef>
+              <a:spcAft>
+                <a:spcPct val="35000"/>
+              </a:spcAft>
+            </a:pPr>
+            <a:r>
+              <a:rPr lang="en-GB" sz="1400" kern="1200" dirty="0">
+                <a:solidFill>
+                  <a:schemeClr val="bg1"/>
+                </a:solidFill>
+                <a:latin typeface="Vodafone Rg" pitchFamily="34" charset="0"/>
+                <a:ea typeface="+mn-ea"/>
+                <a:cs typeface="+mn-cs"/>
+              </a:rPr>
+              <a:t>OSS/NSO</a:t>
+            </a:r>
+          </a:p>
+        </p:txBody>
+      </p:sp>
+      <p:cxnSp>
+        <p:nvCxnSpPr>
+          <p:cNvPr id="22" name="Straight Connector 21">
+            <a:extLst>
+              <a:ext uri="{FF2B5EF4-FFF2-40B4-BE49-F238E27FC236}">
+                <a16:creationId xmlns:a16="http://schemas.microsoft.com/office/drawing/2014/main" id="{CBC7B30F-1727-1347-82AC-33A22D6C2A2E}"/>
+              </a:ext>
+            </a:extLst>
+          </p:cNvPr>
+          <p:cNvCxnSpPr>
+            <a:cxnSpLocks/>
+            <a:stCxn id="3" idx="0"/>
+            <a:endCxn id="21" idx="3"/>
+          </p:cNvCxnSpPr>
+          <p:nvPr/>
+        </p:nvCxnSpPr>
+        <p:spPr>
+          <a:xfrm flipH="1" flipV="1">
+            <a:off x="4613820" y="1273640"/>
+            <a:ext cx="2391462" cy="344881"/>
+          </a:xfrm>
+          <a:prstGeom prst="line">
+            <a:avLst/>
+          </a:prstGeom>
+          <a:ln w="19050"/>
+        </p:spPr>
+        <p:style>
+          <a:lnRef idx="1">
+            <a:schemeClr val="accent1"/>
+          </a:lnRef>
+          <a:fillRef idx="0">
+            <a:schemeClr val="accent1"/>
+          </a:fillRef>
+          <a:effectRef idx="0">
+            <a:schemeClr val="accent1"/>
+          </a:effectRef>
+          <a:fontRef idx="minor">
+            <a:schemeClr val="tx1"/>
+          </a:fontRef>
+        </p:style>
+      </p:cxnSp>
+      <p:sp>
+        <p:nvSpPr>
+          <p:cNvPr id="23" name="TextBox 22">
+            <a:extLst>
+              <a:ext uri="{FF2B5EF4-FFF2-40B4-BE49-F238E27FC236}">
+                <a16:creationId xmlns:a16="http://schemas.microsoft.com/office/drawing/2014/main" id="{003969F0-0C29-E047-A060-500F650D4877}"/>
+              </a:ext>
+            </a:extLst>
+          </p:cNvPr>
+          <p:cNvSpPr txBox="1"/>
+          <p:nvPr/>
+        </p:nvSpPr>
+        <p:spPr>
+          <a:xfrm>
+            <a:off x="5414788" y="1143214"/>
+            <a:ext cx="748918" cy="234985"/>
+          </a:xfrm>
+          <a:prstGeom prst="rect">
+            <a:avLst/>
+          </a:prstGeom>
+        </p:spPr>
+        <p:txBody>
+          <a:bodyPr wrap="none" lIns="0" tIns="0" rIns="0" bIns="0" rtlCol="0">
+            <a:noAutofit/>
+          </a:bodyPr>
+          <a:lstStyle/>
+          <a:p>
+            <a:pPr marL="0" indent="0">
+              <a:buFont typeface="Arial" pitchFamily="34" charset="0"/>
+              <a:buNone/>
+            </a:pPr>
+            <a:r>
+              <a:rPr lang="en-GB" sz="1200" dirty="0" err="1">
+                <a:latin typeface="Vodafone Rg" pitchFamily="34" charset="0"/>
+              </a:rPr>
+              <a:t>Os</a:t>
+            </a:r>
+            <a:r>
+              <a:rPr lang="en-GB" sz="1200" dirty="0">
+                <a:latin typeface="Vodafone Rg" pitchFamily="34" charset="0"/>
+              </a:rPr>
+              <a:t>-Ma / SOL005</a:t>
+            </a:r>
+          </a:p>
+        </p:txBody>
+      </p:sp>
+      <p:sp>
+        <p:nvSpPr>
+          <p:cNvPr id="24" name="Rectangle 23">
+            <a:extLst>
+              <a:ext uri="{FF2B5EF4-FFF2-40B4-BE49-F238E27FC236}">
+                <a16:creationId xmlns:a16="http://schemas.microsoft.com/office/drawing/2014/main" id="{B33D8A8F-C5CA-FB40-8838-EDCCDD3B2D69}"/>
+              </a:ext>
+            </a:extLst>
+          </p:cNvPr>
+          <p:cNvSpPr/>
+          <p:nvPr/>
+        </p:nvSpPr>
+        <p:spPr>
+          <a:xfrm>
+            <a:off x="2571909" y="2059588"/>
+            <a:ext cx="1246667" cy="364050"/>
+          </a:xfrm>
+          <a:prstGeom prst="rect">
+            <a:avLst/>
+          </a:prstGeom>
+          <a:solidFill>
+            <a:schemeClr val="accent2"/>
+          </a:solidFill>
+          <a:ln>
+            <a:noFill/>
+          </a:ln>
+        </p:spPr>
+        <p:style>
+          <a:lnRef idx="0">
+            <a:scrgbClr r="0" g="0" b="0"/>
+          </a:lnRef>
+          <a:fillRef idx="0">
+            <a:scrgbClr r="0" g="0" b="0"/>
+          </a:fillRef>
+          <a:effectRef idx="0">
+            <a:scrgbClr r="0" g="0" b="0"/>
+          </a:effectRef>
+          <a:fontRef idx="minor">
+            <a:schemeClr val="lt1"/>
+          </a:fontRef>
+        </p:style>
+        <p:txBody>
+          <a:bodyPr spcFirstLastPara="0" vert="horz" wrap="square" lIns="6350" tIns="6350" rIns="6350" bIns="6350" numCol="1" spcCol="1270" rtlCol="0" anchor="ctr" anchorCtr="0">
+            <a:noAutofit/>
+          </a:bodyPr>
+          <a:lstStyle/>
+          <a:p>
+            <a:pPr algn="ctr" defTabSz="444500">
+              <a:lnSpc>
+                <a:spcPct val="90000"/>
+              </a:lnSpc>
+              <a:spcBef>
+                <a:spcPct val="0"/>
+              </a:spcBef>
+              <a:spcAft>
+                <a:spcPct val="35000"/>
+              </a:spcAft>
+            </a:pPr>
+            <a:r>
+              <a:rPr lang="en-GB" sz="1400" kern="1200" dirty="0">
+                <a:solidFill>
+                  <a:schemeClr val="bg1"/>
+                </a:solidFill>
+                <a:latin typeface="Vodafone Rg" pitchFamily="34" charset="0"/>
+                <a:ea typeface="+mn-ea"/>
+                <a:cs typeface="+mn-cs"/>
+              </a:rPr>
+              <a:t>VNFM</a:t>
+            </a:r>
+          </a:p>
+        </p:txBody>
+      </p:sp>
+      <p:sp>
+        <p:nvSpPr>
+          <p:cNvPr id="25" name="Rectangle 24">
+            <a:extLst>
+              <a:ext uri="{FF2B5EF4-FFF2-40B4-BE49-F238E27FC236}">
+                <a16:creationId xmlns:a16="http://schemas.microsoft.com/office/drawing/2014/main" id="{9876B1C4-8589-7344-860D-2B8E208535EC}"/>
+              </a:ext>
+            </a:extLst>
+          </p:cNvPr>
+          <p:cNvSpPr/>
+          <p:nvPr/>
+        </p:nvSpPr>
+        <p:spPr>
+          <a:xfrm>
+            <a:off x="4039672" y="2059588"/>
+            <a:ext cx="1246667" cy="364050"/>
+          </a:xfrm>
+          <a:prstGeom prst="rect">
+            <a:avLst/>
+          </a:prstGeom>
+          <a:solidFill>
+            <a:schemeClr val="accent3"/>
+          </a:solidFill>
+          <a:ln>
+            <a:noFill/>
+          </a:ln>
+        </p:spPr>
+        <p:style>
+          <a:lnRef idx="0">
+            <a:scrgbClr r="0" g="0" b="0"/>
+          </a:lnRef>
+          <a:fillRef idx="0">
+            <a:scrgbClr r="0" g="0" b="0"/>
+          </a:fillRef>
+          <a:effectRef idx="0">
+            <a:scrgbClr r="0" g="0" b="0"/>
+          </a:effectRef>
+          <a:fontRef idx="minor">
+            <a:schemeClr val="lt1"/>
+          </a:fontRef>
+        </p:style>
+        <p:txBody>
+          <a:bodyPr spcFirstLastPara="0" vert="horz" wrap="square" lIns="6350" tIns="6350" rIns="6350" bIns="6350" numCol="1" spcCol="1270" rtlCol="0" anchor="ctr" anchorCtr="0">
+            <a:noAutofit/>
+          </a:bodyPr>
+          <a:lstStyle/>
+          <a:p>
+            <a:pPr algn="ctr" defTabSz="444500">
+              <a:lnSpc>
+                <a:spcPct val="90000"/>
+              </a:lnSpc>
+              <a:spcBef>
+                <a:spcPct val="0"/>
+              </a:spcBef>
+              <a:spcAft>
+                <a:spcPct val="35000"/>
+              </a:spcAft>
+            </a:pPr>
+            <a:r>
+              <a:rPr lang="en-GB" sz="1400" kern="1200" dirty="0">
+                <a:solidFill>
+                  <a:schemeClr val="bg1"/>
+                </a:solidFill>
+                <a:latin typeface="Vodafone Rg" pitchFamily="34" charset="0"/>
+                <a:ea typeface="+mn-ea"/>
+                <a:cs typeface="+mn-cs"/>
+              </a:rPr>
+              <a:t>VNFM</a:t>
+            </a:r>
+          </a:p>
+        </p:txBody>
+      </p:sp>
+      <p:cxnSp>
+        <p:nvCxnSpPr>
+          <p:cNvPr id="26" name="Elbow Connector 25">
+            <a:extLst>
+              <a:ext uri="{FF2B5EF4-FFF2-40B4-BE49-F238E27FC236}">
+                <a16:creationId xmlns:a16="http://schemas.microsoft.com/office/drawing/2014/main" id="{98F677DC-720B-C14D-8906-FE5CDAB0DE8E}"/>
+              </a:ext>
+            </a:extLst>
+          </p:cNvPr>
+          <p:cNvCxnSpPr>
+            <a:cxnSpLocks/>
+            <a:stCxn id="3" idx="1"/>
+            <a:endCxn id="25" idx="0"/>
+          </p:cNvCxnSpPr>
+          <p:nvPr/>
+        </p:nvCxnSpPr>
+        <p:spPr>
+          <a:xfrm rot="10800000" flipV="1">
+            <a:off x="4663008" y="1982569"/>
+            <a:ext cx="1547029" cy="77018"/>
+          </a:xfrm>
+          <a:prstGeom prst="bentConnector2">
+            <a:avLst/>
+          </a:prstGeom>
+          <a:ln w="19050"/>
+        </p:spPr>
+        <p:style>
+          <a:lnRef idx="1">
+            <a:schemeClr val="accent1"/>
+          </a:lnRef>
+          <a:fillRef idx="0">
+            <a:schemeClr val="accent1"/>
+          </a:fillRef>
+          <a:effectRef idx="0">
+            <a:schemeClr val="accent1"/>
+          </a:effectRef>
+          <a:fontRef idx="minor">
+            <a:schemeClr val="tx1"/>
+          </a:fontRef>
+        </p:style>
+      </p:cxnSp>
+      <p:cxnSp>
+        <p:nvCxnSpPr>
+          <p:cNvPr id="27" name="Elbow Connector 26">
+            <a:extLst>
+              <a:ext uri="{FF2B5EF4-FFF2-40B4-BE49-F238E27FC236}">
+                <a16:creationId xmlns:a16="http://schemas.microsoft.com/office/drawing/2014/main" id="{00176410-72FC-7845-B758-30C6E85F5416}"/>
+              </a:ext>
+            </a:extLst>
+          </p:cNvPr>
+          <p:cNvCxnSpPr>
+            <a:cxnSpLocks/>
+            <a:stCxn id="3" idx="1"/>
+            <a:endCxn id="24" idx="0"/>
+          </p:cNvCxnSpPr>
+          <p:nvPr/>
+        </p:nvCxnSpPr>
+        <p:spPr>
+          <a:xfrm rot="10800000" flipV="1">
+            <a:off x="3195245" y="1982569"/>
+            <a:ext cx="3014792" cy="77018"/>
+          </a:xfrm>
+          <a:prstGeom prst="bentConnector2">
+            <a:avLst/>
+          </a:prstGeom>
+          <a:ln w="19050"/>
+        </p:spPr>
+        <p:style>
+          <a:lnRef idx="1">
+            <a:schemeClr val="accent1"/>
+          </a:lnRef>
+          <a:fillRef idx="0">
+            <a:schemeClr val="accent1"/>
+          </a:fillRef>
+          <a:effectRef idx="0">
+            <a:schemeClr val="accent1"/>
+          </a:effectRef>
+          <a:fontRef idx="minor">
+            <a:schemeClr val="tx1"/>
+          </a:fontRef>
+        </p:style>
+      </p:cxnSp>
+      <p:cxnSp>
+        <p:nvCxnSpPr>
+          <p:cNvPr id="28" name="Elbow Connector 27">
+            <a:extLst>
+              <a:ext uri="{FF2B5EF4-FFF2-40B4-BE49-F238E27FC236}">
+                <a16:creationId xmlns:a16="http://schemas.microsoft.com/office/drawing/2014/main" id="{B0DBA3CC-198D-2D46-8F13-E76D5BF997CC}"/>
+              </a:ext>
+            </a:extLst>
+          </p:cNvPr>
+          <p:cNvCxnSpPr>
+            <a:cxnSpLocks/>
+            <a:stCxn id="25" idx="2"/>
+            <a:endCxn id="4" idx="0"/>
+          </p:cNvCxnSpPr>
+          <p:nvPr/>
+        </p:nvCxnSpPr>
+        <p:spPr>
+          <a:xfrm rot="16200000" flipH="1">
+            <a:off x="4638850" y="2447795"/>
+            <a:ext cx="1895705" cy="1847390"/>
+          </a:xfrm>
+          <a:prstGeom prst="bentConnector3">
+            <a:avLst>
+              <a:gd name="adj1" fmla="val 15151"/>
+            </a:avLst>
+          </a:prstGeom>
+          <a:ln w="19050"/>
+        </p:spPr>
+        <p:style>
+          <a:lnRef idx="1">
+            <a:schemeClr val="accent1"/>
+          </a:lnRef>
+          <a:fillRef idx="0">
+            <a:schemeClr val="accent1"/>
+          </a:fillRef>
+          <a:effectRef idx="0">
+            <a:schemeClr val="accent1"/>
+          </a:effectRef>
+          <a:fontRef idx="minor">
+            <a:schemeClr val="tx1"/>
+          </a:fontRef>
+        </p:style>
+      </p:cxnSp>
+      <p:cxnSp>
+        <p:nvCxnSpPr>
+          <p:cNvPr id="29" name="Elbow Connector 28">
+            <a:extLst>
+              <a:ext uri="{FF2B5EF4-FFF2-40B4-BE49-F238E27FC236}">
+                <a16:creationId xmlns:a16="http://schemas.microsoft.com/office/drawing/2014/main" id="{BF99BDC9-DD7D-834E-B241-21E6A5EC89DA}"/>
+              </a:ext>
+            </a:extLst>
+          </p:cNvPr>
+          <p:cNvCxnSpPr>
+            <a:cxnSpLocks/>
+            <a:stCxn id="24" idx="2"/>
+            <a:endCxn id="4" idx="0"/>
+          </p:cNvCxnSpPr>
+          <p:nvPr/>
+        </p:nvCxnSpPr>
+        <p:spPr>
+          <a:xfrm rot="16200000" flipH="1">
+            <a:off x="3904968" y="1713914"/>
+            <a:ext cx="1895705" cy="3315153"/>
+          </a:xfrm>
+          <a:prstGeom prst="bentConnector3">
+            <a:avLst>
+              <a:gd name="adj1" fmla="val 15151"/>
+            </a:avLst>
+          </a:prstGeom>
+          <a:ln w="19050"/>
+        </p:spPr>
+        <p:style>
+          <a:lnRef idx="1">
+            <a:schemeClr val="accent1"/>
+          </a:lnRef>
+          <a:fillRef idx="0">
+            <a:schemeClr val="accent1"/>
+          </a:fillRef>
+          <a:effectRef idx="0">
+            <a:schemeClr val="accent1"/>
+          </a:effectRef>
+          <a:fontRef idx="minor">
+            <a:schemeClr val="tx1"/>
+          </a:fontRef>
+        </p:style>
+      </p:cxnSp>
+      <p:cxnSp>
+        <p:nvCxnSpPr>
+          <p:cNvPr id="30" name="Straight Connector 29">
+            <a:extLst>
+              <a:ext uri="{FF2B5EF4-FFF2-40B4-BE49-F238E27FC236}">
+                <a16:creationId xmlns:a16="http://schemas.microsoft.com/office/drawing/2014/main" id="{D345634E-F8E5-874F-BF9E-239E3A682850}"/>
+              </a:ext>
+            </a:extLst>
+          </p:cNvPr>
+          <p:cNvCxnSpPr>
+            <a:cxnSpLocks/>
+          </p:cNvCxnSpPr>
+          <p:nvPr/>
+        </p:nvCxnSpPr>
+        <p:spPr>
+          <a:xfrm>
+            <a:off x="2962680" y="2423639"/>
+            <a:ext cx="0" cy="699643"/>
+          </a:xfrm>
+          <a:prstGeom prst="line">
+            <a:avLst/>
+          </a:prstGeom>
+          <a:ln w="19050"/>
+        </p:spPr>
+        <p:style>
+          <a:lnRef idx="1">
+            <a:schemeClr val="accent2"/>
+          </a:lnRef>
+          <a:fillRef idx="0">
+            <a:schemeClr val="accent2"/>
+          </a:fillRef>
+          <a:effectRef idx="0">
+            <a:schemeClr val="accent2"/>
+          </a:effectRef>
+          <a:fontRef idx="minor">
+            <a:schemeClr val="tx1"/>
+          </a:fontRef>
+        </p:style>
+      </p:cxnSp>
+      <p:cxnSp>
+        <p:nvCxnSpPr>
+          <p:cNvPr id="31" name="Straight Connector 30">
+            <a:extLst>
+              <a:ext uri="{FF2B5EF4-FFF2-40B4-BE49-F238E27FC236}">
+                <a16:creationId xmlns:a16="http://schemas.microsoft.com/office/drawing/2014/main" id="{B4441E32-2D28-5444-B217-7320E293B436}"/>
+              </a:ext>
+            </a:extLst>
+          </p:cNvPr>
+          <p:cNvCxnSpPr>
+            <a:cxnSpLocks/>
+          </p:cNvCxnSpPr>
+          <p:nvPr/>
+        </p:nvCxnSpPr>
+        <p:spPr>
+          <a:xfrm>
+            <a:off x="4357767" y="2423639"/>
+            <a:ext cx="0" cy="699643"/>
+          </a:xfrm>
+          <a:prstGeom prst="line">
+            <a:avLst/>
+          </a:prstGeom>
+          <a:ln w="19050"/>
+        </p:spPr>
+        <p:style>
+          <a:lnRef idx="1">
+            <a:schemeClr val="accent3"/>
+          </a:lnRef>
+          <a:fillRef idx="0">
+            <a:schemeClr val="accent3"/>
+          </a:fillRef>
+          <a:effectRef idx="0">
+            <a:schemeClr val="accent3"/>
+          </a:effectRef>
+          <a:fontRef idx="minor">
+            <a:schemeClr val="tx1"/>
+          </a:fontRef>
+        </p:style>
+      </p:cxnSp>
+      <p:cxnSp>
+        <p:nvCxnSpPr>
+          <p:cNvPr id="32" name="Straight Connector 31">
+            <a:extLst>
+              <a:ext uri="{FF2B5EF4-FFF2-40B4-BE49-F238E27FC236}">
+                <a16:creationId xmlns:a16="http://schemas.microsoft.com/office/drawing/2014/main" id="{8DDDF92C-1DF2-D147-87A0-B57976C1170F}"/>
+              </a:ext>
+            </a:extLst>
+          </p:cNvPr>
+          <p:cNvCxnSpPr>
+            <a:cxnSpLocks/>
+          </p:cNvCxnSpPr>
+          <p:nvPr/>
+        </p:nvCxnSpPr>
+        <p:spPr>
+          <a:xfrm flipH="1">
+            <a:off x="2870980" y="1446080"/>
+            <a:ext cx="947597" cy="631768"/>
+          </a:xfrm>
+          <a:prstGeom prst="line">
+            <a:avLst/>
+          </a:prstGeom>
+          <a:ln w="19050"/>
+        </p:spPr>
+        <p:style>
+          <a:lnRef idx="1">
+            <a:schemeClr val="accent2"/>
+          </a:lnRef>
+          <a:fillRef idx="0">
+            <a:schemeClr val="accent2"/>
+          </a:fillRef>
+          <a:effectRef idx="0">
+            <a:schemeClr val="accent2"/>
+          </a:effectRef>
+          <a:fontRef idx="minor">
+            <a:schemeClr val="tx1"/>
+          </a:fontRef>
+        </p:style>
+      </p:cxnSp>
+      <p:cxnSp>
+        <p:nvCxnSpPr>
+          <p:cNvPr id="33" name="Straight Connector 32">
+            <a:extLst>
+              <a:ext uri="{FF2B5EF4-FFF2-40B4-BE49-F238E27FC236}">
+                <a16:creationId xmlns:a16="http://schemas.microsoft.com/office/drawing/2014/main" id="{7C40188E-97D1-8E4B-A554-3DEC0659B1BA}"/>
+              </a:ext>
+            </a:extLst>
+          </p:cNvPr>
+          <p:cNvCxnSpPr>
+            <a:cxnSpLocks/>
+          </p:cNvCxnSpPr>
+          <p:nvPr/>
+        </p:nvCxnSpPr>
+        <p:spPr>
+          <a:xfrm>
+            <a:off x="4357767" y="1459261"/>
+            <a:ext cx="99790" cy="640856"/>
+          </a:xfrm>
+          <a:prstGeom prst="line">
+            <a:avLst/>
+          </a:prstGeom>
+          <a:ln w="19050"/>
+        </p:spPr>
+        <p:style>
+          <a:lnRef idx="1">
+            <a:schemeClr val="accent3"/>
+          </a:lnRef>
+          <a:fillRef idx="0">
+            <a:schemeClr val="accent3"/>
+          </a:fillRef>
+          <a:effectRef idx="0">
+            <a:schemeClr val="accent3"/>
+          </a:effectRef>
+          <a:fontRef idx="minor">
+            <a:schemeClr val="tx1"/>
+          </a:fontRef>
+        </p:style>
+      </p:cxnSp>
+      <p:sp>
+        <p:nvSpPr>
+          <p:cNvPr id="34" name="Rectangle 33">
+            <a:extLst>
+              <a:ext uri="{FF2B5EF4-FFF2-40B4-BE49-F238E27FC236}">
+                <a16:creationId xmlns:a16="http://schemas.microsoft.com/office/drawing/2014/main" id="{9CB68DD3-CBDA-3C4A-ABFF-CA71DCB3A1A9}"/>
+              </a:ext>
+            </a:extLst>
+          </p:cNvPr>
+          <p:cNvSpPr/>
+          <p:nvPr/>
+        </p:nvSpPr>
+        <p:spPr>
+          <a:xfrm>
+            <a:off x="6620393" y="2860748"/>
+            <a:ext cx="1136485" cy="480153"/>
+          </a:xfrm>
+          <a:prstGeom prst="rect">
+            <a:avLst/>
+          </a:prstGeom>
+          <a:solidFill>
+            <a:schemeClr val="accent5"/>
+          </a:solidFill>
+          <a:ln>
+            <a:noFill/>
+          </a:ln>
+        </p:spPr>
+        <p:style>
+          <a:lnRef idx="0">
+            <a:scrgbClr r="0" g="0" b="0"/>
+          </a:lnRef>
+          <a:fillRef idx="0">
+            <a:scrgbClr r="0" g="0" b="0"/>
+          </a:fillRef>
+          <a:effectRef idx="0">
+            <a:scrgbClr r="0" g="0" b="0"/>
+          </a:effectRef>
+          <a:fontRef idx="minor">
+            <a:schemeClr val="lt1"/>
+          </a:fontRef>
+        </p:style>
+        <p:txBody>
+          <a:bodyPr spcFirstLastPara="0" vert="horz" wrap="square" lIns="6350" tIns="6350" rIns="6350" bIns="6350" numCol="1" spcCol="1270" rtlCol="0" anchor="ctr" anchorCtr="0">
+            <a:noAutofit/>
+          </a:bodyPr>
+          <a:lstStyle/>
+          <a:p>
+            <a:pPr algn="ctr" defTabSz="444500">
+              <a:lnSpc>
+                <a:spcPct val="90000"/>
+              </a:lnSpc>
+              <a:spcBef>
+                <a:spcPct val="0"/>
+              </a:spcBef>
+              <a:spcAft>
+                <a:spcPct val="35000"/>
+              </a:spcAft>
+            </a:pPr>
+            <a:r>
+              <a:rPr lang="en-GB" sz="1400" kern="1200" dirty="0">
+                <a:solidFill>
+                  <a:schemeClr val="bg1"/>
+                </a:solidFill>
+                <a:latin typeface="Vodafone Rg" pitchFamily="34" charset="0"/>
+                <a:ea typeface="+mn-ea"/>
+                <a:cs typeface="+mn-cs"/>
+              </a:rPr>
+              <a:t>CaaS Manager</a:t>
+            </a:r>
+          </a:p>
+        </p:txBody>
+      </p:sp>
+      <p:cxnSp>
+        <p:nvCxnSpPr>
+          <p:cNvPr id="35" name="Straight Connector 34">
+            <a:extLst>
+              <a:ext uri="{FF2B5EF4-FFF2-40B4-BE49-F238E27FC236}">
+                <a16:creationId xmlns:a16="http://schemas.microsoft.com/office/drawing/2014/main" id="{2E130946-4DD3-994E-85F2-E5A079916A13}"/>
+              </a:ext>
+            </a:extLst>
+          </p:cNvPr>
+          <p:cNvCxnSpPr>
+            <a:cxnSpLocks/>
+            <a:stCxn id="3" idx="2"/>
+            <a:endCxn id="34" idx="0"/>
+          </p:cNvCxnSpPr>
+          <p:nvPr/>
+        </p:nvCxnSpPr>
+        <p:spPr>
+          <a:xfrm>
+            <a:off x="7005281" y="2346620"/>
+            <a:ext cx="183354" cy="514128"/>
+          </a:xfrm>
+          <a:prstGeom prst="line">
+            <a:avLst/>
+          </a:prstGeom>
+          <a:ln w="19050"/>
+        </p:spPr>
+        <p:style>
+          <a:lnRef idx="1">
+            <a:schemeClr val="accent5"/>
+          </a:lnRef>
+          <a:fillRef idx="0">
+            <a:schemeClr val="accent5"/>
+          </a:fillRef>
+          <a:effectRef idx="0">
+            <a:schemeClr val="accent5"/>
+          </a:effectRef>
+          <a:fontRef idx="minor">
+            <a:schemeClr val="tx1"/>
+          </a:fontRef>
+        </p:style>
+      </p:cxnSp>
+      <p:cxnSp>
+        <p:nvCxnSpPr>
+          <p:cNvPr id="36" name="Straight Connector 35">
+            <a:extLst>
+              <a:ext uri="{FF2B5EF4-FFF2-40B4-BE49-F238E27FC236}">
+                <a16:creationId xmlns:a16="http://schemas.microsoft.com/office/drawing/2014/main" id="{AC286A32-EDF5-3D43-81FD-DDCCBB497346}"/>
+              </a:ext>
+            </a:extLst>
+          </p:cNvPr>
+          <p:cNvCxnSpPr>
+            <a:cxnSpLocks/>
+            <a:stCxn id="34" idx="2"/>
+          </p:cNvCxnSpPr>
+          <p:nvPr/>
+        </p:nvCxnSpPr>
+        <p:spPr>
+          <a:xfrm flipH="1">
+            <a:off x="6908023" y="3340901"/>
+            <a:ext cx="280612" cy="978442"/>
+          </a:xfrm>
+          <a:prstGeom prst="line">
+            <a:avLst/>
+          </a:prstGeom>
+          <a:ln w="19050"/>
+        </p:spPr>
+        <p:style>
+          <a:lnRef idx="1">
+            <a:schemeClr val="accent5"/>
+          </a:lnRef>
+          <a:fillRef idx="0">
+            <a:schemeClr val="accent5"/>
+          </a:fillRef>
+          <a:effectRef idx="0">
+            <a:schemeClr val="accent5"/>
+          </a:effectRef>
+          <a:fontRef idx="minor">
+            <a:schemeClr val="tx1"/>
+          </a:fontRef>
+        </p:style>
+      </p:cxnSp>
+      <p:sp>
+        <p:nvSpPr>
+          <p:cNvPr id="37" name="Rectangle 36">
+            <a:extLst>
+              <a:ext uri="{FF2B5EF4-FFF2-40B4-BE49-F238E27FC236}">
+                <a16:creationId xmlns:a16="http://schemas.microsoft.com/office/drawing/2014/main" id="{06DA3B13-1461-5A42-937A-F64626C9B8D0}"/>
+              </a:ext>
+            </a:extLst>
+          </p:cNvPr>
+          <p:cNvSpPr/>
+          <p:nvPr/>
+        </p:nvSpPr>
+        <p:spPr>
+          <a:xfrm>
+            <a:off x="3195446" y="3919929"/>
+            <a:ext cx="598144" cy="364050"/>
+          </a:xfrm>
+          <a:prstGeom prst="rect">
+            <a:avLst/>
+          </a:prstGeom>
+          <a:solidFill>
+            <a:schemeClr val="accent1">
+              <a:alpha val="50000"/>
+            </a:schemeClr>
+          </a:solidFill>
+          <a:ln>
+            <a:noFill/>
+          </a:ln>
+        </p:spPr>
+        <p:style>
+          <a:lnRef idx="0">
+            <a:scrgbClr r="0" g="0" b="0"/>
+          </a:lnRef>
+          <a:fillRef idx="0">
+            <a:scrgbClr r="0" g="0" b="0"/>
+          </a:fillRef>
+          <a:effectRef idx="0">
+            <a:scrgbClr r="0" g="0" b="0"/>
+          </a:effectRef>
+          <a:fontRef idx="minor">
+            <a:schemeClr val="lt1"/>
+          </a:fontRef>
+        </p:style>
+        <p:txBody>
+          <a:bodyPr spcFirstLastPara="0" vert="horz" wrap="square" lIns="6350" tIns="6350" rIns="6350" bIns="6350" numCol="1" spcCol="1270" rtlCol="0" anchor="ctr" anchorCtr="0">
+            <a:noAutofit/>
+          </a:bodyPr>
+          <a:lstStyle/>
+          <a:p>
+            <a:pPr algn="ctr" defTabSz="444500">
+              <a:lnSpc>
+                <a:spcPct val="90000"/>
+              </a:lnSpc>
+              <a:spcBef>
+                <a:spcPct val="0"/>
+              </a:spcBef>
+              <a:spcAft>
+                <a:spcPct val="35000"/>
+              </a:spcAft>
+            </a:pPr>
+            <a:r>
+              <a:rPr lang="en-GB" sz="1100" kern="1200" dirty="0">
+                <a:solidFill>
+                  <a:schemeClr val="bg1"/>
+                </a:solidFill>
+                <a:latin typeface="Vodafone Rg" pitchFamily="34" charset="0"/>
+                <a:ea typeface="+mn-ea"/>
+                <a:cs typeface="+mn-cs"/>
+              </a:rPr>
+              <a:t>Worker Node</a:t>
+            </a:r>
+          </a:p>
+        </p:txBody>
+      </p:sp>
+      <p:sp>
+        <p:nvSpPr>
+          <p:cNvPr id="38" name="Rectangle 37">
+            <a:extLst>
+              <a:ext uri="{FF2B5EF4-FFF2-40B4-BE49-F238E27FC236}">
+                <a16:creationId xmlns:a16="http://schemas.microsoft.com/office/drawing/2014/main" id="{74A2D338-D7FA-8141-B4E9-5F9E6563145D}"/>
+              </a:ext>
+            </a:extLst>
+          </p:cNvPr>
+          <p:cNvSpPr/>
+          <p:nvPr/>
+        </p:nvSpPr>
+        <p:spPr>
+          <a:xfrm>
+            <a:off x="3841867" y="3919929"/>
+            <a:ext cx="598144" cy="364050"/>
+          </a:xfrm>
+          <a:prstGeom prst="rect">
+            <a:avLst/>
+          </a:prstGeom>
+          <a:solidFill>
+            <a:schemeClr val="accent1">
+              <a:alpha val="50000"/>
+            </a:schemeClr>
+          </a:solidFill>
+          <a:ln>
+            <a:noFill/>
+          </a:ln>
+        </p:spPr>
+        <p:style>
+          <a:lnRef idx="0">
+            <a:scrgbClr r="0" g="0" b="0"/>
+          </a:lnRef>
+          <a:fillRef idx="0">
+            <a:scrgbClr r="0" g="0" b="0"/>
+          </a:fillRef>
+          <a:effectRef idx="0">
+            <a:scrgbClr r="0" g="0" b="0"/>
+          </a:effectRef>
+          <a:fontRef idx="minor">
+            <a:schemeClr val="lt1"/>
+          </a:fontRef>
+        </p:style>
+        <p:txBody>
+          <a:bodyPr spcFirstLastPara="0" vert="horz" wrap="square" lIns="6350" tIns="6350" rIns="6350" bIns="6350" numCol="1" spcCol="1270" rtlCol="0" anchor="ctr" anchorCtr="0">
+            <a:noAutofit/>
+          </a:bodyPr>
+          <a:lstStyle/>
+          <a:p>
+            <a:pPr algn="ctr" defTabSz="444500">
+              <a:lnSpc>
+                <a:spcPct val="90000"/>
+              </a:lnSpc>
+              <a:spcBef>
+                <a:spcPct val="0"/>
+              </a:spcBef>
+              <a:spcAft>
+                <a:spcPct val="35000"/>
+              </a:spcAft>
+            </a:pPr>
+            <a:r>
+              <a:rPr lang="en-GB" sz="1100" kern="1200" dirty="0">
+                <a:solidFill>
+                  <a:schemeClr val="bg1"/>
+                </a:solidFill>
+                <a:latin typeface="Vodafone Rg" pitchFamily="34" charset="0"/>
+                <a:ea typeface="+mn-ea"/>
+                <a:cs typeface="+mn-cs"/>
+              </a:rPr>
+              <a:t>Worker Node</a:t>
+            </a:r>
+          </a:p>
+        </p:txBody>
+      </p:sp>
+      <p:sp>
+        <p:nvSpPr>
+          <p:cNvPr id="39" name="Rectangle 38">
+            <a:extLst>
+              <a:ext uri="{FF2B5EF4-FFF2-40B4-BE49-F238E27FC236}">
+                <a16:creationId xmlns:a16="http://schemas.microsoft.com/office/drawing/2014/main" id="{D669049C-A026-D643-A211-D61EB0A12B2B}"/>
+              </a:ext>
+            </a:extLst>
+          </p:cNvPr>
+          <p:cNvSpPr/>
+          <p:nvPr/>
+        </p:nvSpPr>
+        <p:spPr>
+          <a:xfrm>
+            <a:off x="4453961" y="3919929"/>
+            <a:ext cx="598144" cy="364050"/>
+          </a:xfrm>
+          <a:prstGeom prst="rect">
+            <a:avLst/>
+          </a:prstGeom>
+          <a:solidFill>
+            <a:schemeClr val="accent1">
+              <a:alpha val="50000"/>
+            </a:schemeClr>
+          </a:solidFill>
+          <a:ln>
+            <a:noFill/>
+          </a:ln>
+        </p:spPr>
+        <p:style>
+          <a:lnRef idx="0">
+            <a:scrgbClr r="0" g="0" b="0"/>
+          </a:lnRef>
+          <a:fillRef idx="0">
+            <a:scrgbClr r="0" g="0" b="0"/>
+          </a:fillRef>
+          <a:effectRef idx="0">
+            <a:scrgbClr r="0" g="0" b="0"/>
+          </a:effectRef>
+          <a:fontRef idx="minor">
+            <a:schemeClr val="lt1"/>
+          </a:fontRef>
+        </p:style>
+        <p:txBody>
+          <a:bodyPr spcFirstLastPara="0" vert="horz" wrap="square" lIns="6350" tIns="6350" rIns="6350" bIns="6350" numCol="1" spcCol="1270" rtlCol="0" anchor="ctr" anchorCtr="0">
+            <a:noAutofit/>
+          </a:bodyPr>
+          <a:lstStyle/>
+          <a:p>
+            <a:pPr algn="ctr" defTabSz="444500">
+              <a:lnSpc>
+                <a:spcPct val="90000"/>
+              </a:lnSpc>
+              <a:spcBef>
+                <a:spcPct val="0"/>
+              </a:spcBef>
+              <a:spcAft>
+                <a:spcPct val="35000"/>
+              </a:spcAft>
+            </a:pPr>
+            <a:r>
+              <a:rPr lang="en-GB" sz="1100" kern="1200" dirty="0">
+                <a:solidFill>
+                  <a:schemeClr val="bg1"/>
+                </a:solidFill>
+                <a:latin typeface="Vodafone Rg" pitchFamily="34" charset="0"/>
+                <a:ea typeface="+mn-ea"/>
+                <a:cs typeface="+mn-cs"/>
+              </a:rPr>
+              <a:t>Worker Node</a:t>
+            </a:r>
+          </a:p>
+        </p:txBody>
+      </p:sp>
+      <p:sp>
+        <p:nvSpPr>
+          <p:cNvPr id="40" name="Rectangle 39">
+            <a:extLst>
+              <a:ext uri="{FF2B5EF4-FFF2-40B4-BE49-F238E27FC236}">
+                <a16:creationId xmlns:a16="http://schemas.microsoft.com/office/drawing/2014/main" id="{4BBEB608-5AFC-E54F-889B-A04E3B74341B}"/>
+              </a:ext>
+            </a:extLst>
+          </p:cNvPr>
+          <p:cNvSpPr/>
+          <p:nvPr/>
+        </p:nvSpPr>
+        <p:spPr>
+          <a:xfrm>
+            <a:off x="2571907" y="3744692"/>
+            <a:ext cx="598144" cy="158380"/>
+          </a:xfrm>
+          <a:prstGeom prst="rect">
+            <a:avLst/>
+          </a:prstGeom>
+          <a:solidFill>
+            <a:schemeClr val="accent2">
+              <a:alpha val="50000"/>
+            </a:schemeClr>
+          </a:solidFill>
+          <a:ln>
+            <a:noFill/>
+          </a:ln>
+        </p:spPr>
+        <p:style>
+          <a:lnRef idx="0">
+            <a:scrgbClr r="0" g="0" b="0"/>
+          </a:lnRef>
+          <a:fillRef idx="0">
+            <a:scrgbClr r="0" g="0" b="0"/>
+          </a:fillRef>
+          <a:effectRef idx="0">
+            <a:scrgbClr r="0" g="0" b="0"/>
+          </a:effectRef>
+          <a:fontRef idx="minor">
+            <a:schemeClr val="lt1"/>
+          </a:fontRef>
+        </p:style>
+        <p:txBody>
+          <a:bodyPr spcFirstLastPara="0" vert="horz" wrap="square" lIns="6350" tIns="6350" rIns="6350" bIns="6350" numCol="1" spcCol="1270" rtlCol="0" anchor="ctr" anchorCtr="0">
+            <a:noAutofit/>
+          </a:bodyPr>
+          <a:lstStyle/>
+          <a:p>
+            <a:pPr algn="ctr" defTabSz="444500">
+              <a:lnSpc>
+                <a:spcPct val="90000"/>
+              </a:lnSpc>
+              <a:spcBef>
+                <a:spcPct val="0"/>
+              </a:spcBef>
+              <a:spcAft>
+                <a:spcPct val="35000"/>
+              </a:spcAft>
+            </a:pPr>
+            <a:r>
+              <a:rPr lang="en-GB" sz="1100" kern="1200" dirty="0">
+                <a:solidFill>
+                  <a:schemeClr val="bg1"/>
+                </a:solidFill>
+                <a:latin typeface="Vodafone Rg" pitchFamily="34" charset="0"/>
+                <a:ea typeface="+mn-ea"/>
+                <a:cs typeface="+mn-cs"/>
+              </a:rPr>
+              <a:t>Pod</a:t>
+            </a:r>
+          </a:p>
+        </p:txBody>
+      </p:sp>
+      <p:sp>
+        <p:nvSpPr>
+          <p:cNvPr id="41" name="Rectangle 40">
+            <a:extLst>
+              <a:ext uri="{FF2B5EF4-FFF2-40B4-BE49-F238E27FC236}">
+                <a16:creationId xmlns:a16="http://schemas.microsoft.com/office/drawing/2014/main" id="{13490576-95E7-B54A-B2F4-8B1C79ABFC86}"/>
+              </a:ext>
+            </a:extLst>
+          </p:cNvPr>
+          <p:cNvSpPr/>
+          <p:nvPr/>
+        </p:nvSpPr>
+        <p:spPr>
+          <a:xfrm>
+            <a:off x="2571905" y="3541946"/>
+            <a:ext cx="598144" cy="158380"/>
+          </a:xfrm>
+          <a:prstGeom prst="rect">
+            <a:avLst/>
+          </a:prstGeom>
+          <a:solidFill>
+            <a:schemeClr val="accent2">
+              <a:alpha val="50000"/>
+            </a:schemeClr>
+          </a:solidFill>
+          <a:ln>
+            <a:noFill/>
+          </a:ln>
+        </p:spPr>
+        <p:style>
+          <a:lnRef idx="0">
+            <a:scrgbClr r="0" g="0" b="0"/>
+          </a:lnRef>
+          <a:fillRef idx="0">
+            <a:scrgbClr r="0" g="0" b="0"/>
+          </a:fillRef>
+          <a:effectRef idx="0">
+            <a:scrgbClr r="0" g="0" b="0"/>
+          </a:effectRef>
+          <a:fontRef idx="minor">
+            <a:schemeClr val="lt1"/>
+          </a:fontRef>
+        </p:style>
+        <p:txBody>
+          <a:bodyPr spcFirstLastPara="0" vert="horz" wrap="square" lIns="6350" tIns="6350" rIns="6350" bIns="6350" numCol="1" spcCol="1270" rtlCol="0" anchor="ctr" anchorCtr="0">
+            <a:noAutofit/>
+          </a:bodyPr>
+          <a:lstStyle/>
+          <a:p>
+            <a:pPr algn="ctr" defTabSz="444500">
+              <a:lnSpc>
+                <a:spcPct val="90000"/>
+              </a:lnSpc>
+              <a:spcBef>
+                <a:spcPct val="0"/>
+              </a:spcBef>
+              <a:spcAft>
+                <a:spcPct val="35000"/>
+              </a:spcAft>
+            </a:pPr>
+            <a:r>
+              <a:rPr lang="en-GB" sz="1100" kern="1200" dirty="0">
+                <a:solidFill>
+                  <a:schemeClr val="bg1"/>
+                </a:solidFill>
+                <a:latin typeface="Vodafone Rg" pitchFamily="34" charset="0"/>
+                <a:ea typeface="+mn-ea"/>
+                <a:cs typeface="+mn-cs"/>
+              </a:rPr>
+              <a:t>Pod</a:t>
+            </a:r>
+          </a:p>
+        </p:txBody>
+      </p:sp>
+      <p:sp>
+        <p:nvSpPr>
+          <p:cNvPr id="42" name="Rectangle 41">
+            <a:extLst>
+              <a:ext uri="{FF2B5EF4-FFF2-40B4-BE49-F238E27FC236}">
+                <a16:creationId xmlns:a16="http://schemas.microsoft.com/office/drawing/2014/main" id="{5D312E2B-BAC4-D543-B9C4-AC632BA2CE58}"/>
+              </a:ext>
+            </a:extLst>
+          </p:cNvPr>
+          <p:cNvSpPr/>
+          <p:nvPr/>
+        </p:nvSpPr>
+        <p:spPr>
+          <a:xfrm>
+            <a:off x="3206960" y="3743005"/>
+            <a:ext cx="598144" cy="158380"/>
+          </a:xfrm>
+          <a:prstGeom prst="rect">
+            <a:avLst/>
+          </a:prstGeom>
+          <a:solidFill>
+            <a:schemeClr val="accent2">
+              <a:alpha val="50000"/>
+            </a:schemeClr>
+          </a:solidFill>
+          <a:ln>
+            <a:noFill/>
+          </a:ln>
+        </p:spPr>
+        <p:style>
+          <a:lnRef idx="0">
+            <a:scrgbClr r="0" g="0" b="0"/>
+          </a:lnRef>
+          <a:fillRef idx="0">
+            <a:scrgbClr r="0" g="0" b="0"/>
+          </a:fillRef>
+          <a:effectRef idx="0">
+            <a:scrgbClr r="0" g="0" b="0"/>
+          </a:effectRef>
+          <a:fontRef idx="minor">
+            <a:schemeClr val="lt1"/>
+          </a:fontRef>
+        </p:style>
+        <p:txBody>
+          <a:bodyPr spcFirstLastPara="0" vert="horz" wrap="square" lIns="6350" tIns="6350" rIns="6350" bIns="6350" numCol="1" spcCol="1270" rtlCol="0" anchor="ctr" anchorCtr="0">
+            <a:noAutofit/>
+          </a:bodyPr>
+          <a:lstStyle/>
+          <a:p>
+            <a:pPr algn="ctr" defTabSz="444500">
+              <a:lnSpc>
+                <a:spcPct val="90000"/>
+              </a:lnSpc>
+              <a:spcBef>
+                <a:spcPct val="0"/>
+              </a:spcBef>
+              <a:spcAft>
+                <a:spcPct val="35000"/>
+              </a:spcAft>
+            </a:pPr>
+            <a:r>
+              <a:rPr lang="en-GB" sz="1100" kern="1200" dirty="0">
+                <a:solidFill>
+                  <a:schemeClr val="bg1"/>
+                </a:solidFill>
+                <a:latin typeface="Vodafone Rg" pitchFamily="34" charset="0"/>
+                <a:ea typeface="+mn-ea"/>
+                <a:cs typeface="+mn-cs"/>
+              </a:rPr>
+              <a:t>Pod</a:t>
+            </a:r>
+          </a:p>
+        </p:txBody>
+      </p:sp>
+      <p:sp>
+        <p:nvSpPr>
+          <p:cNvPr id="43" name="Rectangle 42">
+            <a:extLst>
+              <a:ext uri="{FF2B5EF4-FFF2-40B4-BE49-F238E27FC236}">
+                <a16:creationId xmlns:a16="http://schemas.microsoft.com/office/drawing/2014/main" id="{C52AE4C9-663C-F14B-A19E-92CE29FB7638}"/>
+              </a:ext>
+            </a:extLst>
+          </p:cNvPr>
+          <p:cNvSpPr/>
+          <p:nvPr/>
+        </p:nvSpPr>
+        <p:spPr>
+          <a:xfrm>
+            <a:off x="3206959" y="3540259"/>
+            <a:ext cx="598144" cy="158380"/>
+          </a:xfrm>
+          <a:prstGeom prst="rect">
+            <a:avLst/>
+          </a:prstGeom>
+          <a:solidFill>
+            <a:schemeClr val="accent2">
+              <a:alpha val="50000"/>
+            </a:schemeClr>
+          </a:solidFill>
+          <a:ln>
+            <a:noFill/>
+          </a:ln>
+        </p:spPr>
+        <p:style>
+          <a:lnRef idx="0">
+            <a:scrgbClr r="0" g="0" b="0"/>
+          </a:lnRef>
+          <a:fillRef idx="0">
+            <a:scrgbClr r="0" g="0" b="0"/>
+          </a:fillRef>
+          <a:effectRef idx="0">
+            <a:scrgbClr r="0" g="0" b="0"/>
+          </a:effectRef>
+          <a:fontRef idx="minor">
+            <a:schemeClr val="lt1"/>
+          </a:fontRef>
+        </p:style>
+        <p:txBody>
+          <a:bodyPr spcFirstLastPara="0" vert="horz" wrap="square" lIns="6350" tIns="6350" rIns="6350" bIns="6350" numCol="1" spcCol="1270" rtlCol="0" anchor="ctr" anchorCtr="0">
+            <a:noAutofit/>
+          </a:bodyPr>
+          <a:lstStyle/>
+          <a:p>
+            <a:pPr algn="ctr" defTabSz="444500">
+              <a:lnSpc>
+                <a:spcPct val="90000"/>
+              </a:lnSpc>
+              <a:spcBef>
+                <a:spcPct val="0"/>
+              </a:spcBef>
+              <a:spcAft>
+                <a:spcPct val="35000"/>
+              </a:spcAft>
+            </a:pPr>
+            <a:r>
+              <a:rPr lang="en-GB" sz="1100" kern="1200" dirty="0">
+                <a:solidFill>
+                  <a:schemeClr val="bg1"/>
+                </a:solidFill>
+                <a:latin typeface="Vodafone Rg" pitchFamily="34" charset="0"/>
+                <a:ea typeface="+mn-ea"/>
+                <a:cs typeface="+mn-cs"/>
+              </a:rPr>
+              <a:t>Pod</a:t>
+            </a:r>
+          </a:p>
+        </p:txBody>
+      </p:sp>
+      <p:sp>
+        <p:nvSpPr>
+          <p:cNvPr id="44" name="Rectangle 43">
+            <a:extLst>
+              <a:ext uri="{FF2B5EF4-FFF2-40B4-BE49-F238E27FC236}">
+                <a16:creationId xmlns:a16="http://schemas.microsoft.com/office/drawing/2014/main" id="{3E34B038-3B30-6640-8349-C50D27C07EFD}"/>
+              </a:ext>
+            </a:extLst>
+          </p:cNvPr>
+          <p:cNvSpPr/>
+          <p:nvPr/>
+        </p:nvSpPr>
+        <p:spPr>
+          <a:xfrm>
+            <a:off x="3841869" y="3736243"/>
+            <a:ext cx="598144" cy="158380"/>
+          </a:xfrm>
+          <a:prstGeom prst="rect">
+            <a:avLst/>
+          </a:prstGeom>
+          <a:solidFill>
+            <a:schemeClr val="accent3">
+              <a:alpha val="50000"/>
+            </a:schemeClr>
+          </a:solidFill>
+          <a:ln>
+            <a:noFill/>
+          </a:ln>
+        </p:spPr>
+        <p:style>
+          <a:lnRef idx="0">
+            <a:scrgbClr r="0" g="0" b="0"/>
+          </a:lnRef>
+          <a:fillRef idx="0">
+            <a:scrgbClr r="0" g="0" b="0"/>
+          </a:fillRef>
+          <a:effectRef idx="0">
+            <a:scrgbClr r="0" g="0" b="0"/>
+          </a:effectRef>
+          <a:fontRef idx="minor">
+            <a:schemeClr val="lt1"/>
+          </a:fontRef>
+        </p:style>
+        <p:txBody>
+          <a:bodyPr spcFirstLastPara="0" vert="horz" wrap="square" lIns="6350" tIns="6350" rIns="6350" bIns="6350" numCol="1" spcCol="1270" rtlCol="0" anchor="ctr" anchorCtr="0">
+            <a:noAutofit/>
+          </a:bodyPr>
+          <a:lstStyle/>
+          <a:p>
+            <a:pPr algn="ctr" defTabSz="444500">
+              <a:lnSpc>
+                <a:spcPct val="90000"/>
+              </a:lnSpc>
+              <a:spcBef>
+                <a:spcPct val="0"/>
+              </a:spcBef>
+              <a:spcAft>
+                <a:spcPct val="35000"/>
+              </a:spcAft>
+            </a:pPr>
+            <a:r>
+              <a:rPr lang="en-GB" sz="1100" kern="1200" dirty="0">
+                <a:solidFill>
+                  <a:schemeClr val="bg1"/>
+                </a:solidFill>
+                <a:latin typeface="Vodafone Rg" pitchFamily="34" charset="0"/>
+                <a:ea typeface="+mn-ea"/>
+                <a:cs typeface="+mn-cs"/>
+              </a:rPr>
+              <a:t>Pod</a:t>
+            </a:r>
+          </a:p>
+        </p:txBody>
+      </p:sp>
+      <p:sp>
+        <p:nvSpPr>
+          <p:cNvPr id="45" name="Rectangle 44">
+            <a:extLst>
+              <a:ext uri="{FF2B5EF4-FFF2-40B4-BE49-F238E27FC236}">
+                <a16:creationId xmlns:a16="http://schemas.microsoft.com/office/drawing/2014/main" id="{E9A37996-5BB6-D747-AA36-D204127649F2}"/>
+              </a:ext>
+            </a:extLst>
+          </p:cNvPr>
+          <p:cNvSpPr/>
+          <p:nvPr/>
+        </p:nvSpPr>
+        <p:spPr>
+          <a:xfrm>
+            <a:off x="3841867" y="3533498"/>
+            <a:ext cx="598144" cy="158380"/>
+          </a:xfrm>
+          <a:prstGeom prst="rect">
+            <a:avLst/>
+          </a:prstGeom>
+          <a:solidFill>
+            <a:schemeClr val="accent3">
+              <a:alpha val="50000"/>
+            </a:schemeClr>
+          </a:solidFill>
+          <a:ln>
+            <a:noFill/>
+          </a:ln>
+        </p:spPr>
+        <p:style>
+          <a:lnRef idx="0">
+            <a:scrgbClr r="0" g="0" b="0"/>
+          </a:lnRef>
+          <a:fillRef idx="0">
+            <a:scrgbClr r="0" g="0" b="0"/>
+          </a:fillRef>
+          <a:effectRef idx="0">
+            <a:scrgbClr r="0" g="0" b="0"/>
+          </a:effectRef>
+          <a:fontRef idx="minor">
+            <a:schemeClr val="lt1"/>
+          </a:fontRef>
+        </p:style>
+        <p:txBody>
+          <a:bodyPr spcFirstLastPara="0" vert="horz" wrap="square" lIns="6350" tIns="6350" rIns="6350" bIns="6350" numCol="1" spcCol="1270" rtlCol="0" anchor="ctr" anchorCtr="0">
+            <a:noAutofit/>
+          </a:bodyPr>
+          <a:lstStyle/>
+          <a:p>
+            <a:pPr algn="ctr" defTabSz="444500">
+              <a:lnSpc>
+                <a:spcPct val="90000"/>
+              </a:lnSpc>
+              <a:spcBef>
+                <a:spcPct val="0"/>
+              </a:spcBef>
+              <a:spcAft>
+                <a:spcPct val="35000"/>
+              </a:spcAft>
+            </a:pPr>
+            <a:r>
+              <a:rPr lang="en-GB" sz="1100" kern="1200" dirty="0">
+                <a:solidFill>
+                  <a:schemeClr val="bg1"/>
+                </a:solidFill>
+                <a:latin typeface="Vodafone Rg" pitchFamily="34" charset="0"/>
+                <a:ea typeface="+mn-ea"/>
+                <a:cs typeface="+mn-cs"/>
+              </a:rPr>
+              <a:t>Pod</a:t>
+            </a:r>
+          </a:p>
+        </p:txBody>
+      </p:sp>
+      <p:sp>
+        <p:nvSpPr>
+          <p:cNvPr id="46" name="Rectangle 45">
+            <a:extLst>
+              <a:ext uri="{FF2B5EF4-FFF2-40B4-BE49-F238E27FC236}">
+                <a16:creationId xmlns:a16="http://schemas.microsoft.com/office/drawing/2014/main" id="{8A217395-3F5D-214D-ADBF-6E69487660E8}"/>
+              </a:ext>
+            </a:extLst>
+          </p:cNvPr>
+          <p:cNvSpPr/>
+          <p:nvPr/>
+        </p:nvSpPr>
+        <p:spPr>
+          <a:xfrm>
+            <a:off x="5085275" y="3912780"/>
+            <a:ext cx="598144" cy="364050"/>
+          </a:xfrm>
+          <a:prstGeom prst="rect">
+            <a:avLst/>
+          </a:prstGeom>
+          <a:solidFill>
+            <a:schemeClr val="accent1">
+              <a:alpha val="50000"/>
+            </a:schemeClr>
+          </a:solidFill>
+          <a:ln>
+            <a:noFill/>
+          </a:ln>
+        </p:spPr>
+        <p:style>
+          <a:lnRef idx="0">
+            <a:scrgbClr r="0" g="0" b="0"/>
+          </a:lnRef>
+          <a:fillRef idx="0">
+            <a:scrgbClr r="0" g="0" b="0"/>
+          </a:fillRef>
+          <a:effectRef idx="0">
+            <a:scrgbClr r="0" g="0" b="0"/>
+          </a:effectRef>
+          <a:fontRef idx="minor">
+            <a:schemeClr val="lt1"/>
+          </a:fontRef>
+        </p:style>
+        <p:txBody>
+          <a:bodyPr spcFirstLastPara="0" vert="horz" wrap="square" lIns="6350" tIns="6350" rIns="6350" bIns="6350" numCol="1" spcCol="1270" rtlCol="0" anchor="ctr" anchorCtr="0">
+            <a:noAutofit/>
+          </a:bodyPr>
+          <a:lstStyle/>
+          <a:p>
+            <a:pPr algn="ctr" defTabSz="444500">
+              <a:lnSpc>
+                <a:spcPct val="90000"/>
+              </a:lnSpc>
+              <a:spcBef>
+                <a:spcPct val="0"/>
+              </a:spcBef>
+              <a:spcAft>
+                <a:spcPct val="35000"/>
+              </a:spcAft>
+            </a:pPr>
+            <a:r>
+              <a:rPr lang="en-GB" sz="1100" kern="1200" dirty="0">
+                <a:solidFill>
+                  <a:schemeClr val="bg1"/>
+                </a:solidFill>
+                <a:latin typeface="Vodafone Rg" pitchFamily="34" charset="0"/>
+                <a:ea typeface="+mn-ea"/>
+                <a:cs typeface="+mn-cs"/>
+              </a:rPr>
+              <a:t>Master Nodes</a:t>
+            </a:r>
+          </a:p>
+        </p:txBody>
+      </p:sp>
+      <p:sp>
+        <p:nvSpPr>
+          <p:cNvPr id="47" name="Rectangle 46">
+            <a:extLst>
+              <a:ext uri="{FF2B5EF4-FFF2-40B4-BE49-F238E27FC236}">
+                <a16:creationId xmlns:a16="http://schemas.microsoft.com/office/drawing/2014/main" id="{E8731A1B-0CCD-AC4D-B619-2B4F49CA5DFF}"/>
+              </a:ext>
+            </a:extLst>
+          </p:cNvPr>
+          <p:cNvSpPr/>
+          <p:nvPr/>
+        </p:nvSpPr>
+        <p:spPr>
+          <a:xfrm>
+            <a:off x="4465203" y="3732019"/>
+            <a:ext cx="598144" cy="158380"/>
+          </a:xfrm>
+          <a:prstGeom prst="rect">
+            <a:avLst/>
+          </a:prstGeom>
+          <a:solidFill>
+            <a:schemeClr val="accent3">
+              <a:alpha val="50000"/>
+            </a:schemeClr>
+          </a:solidFill>
+          <a:ln>
+            <a:noFill/>
+          </a:ln>
+        </p:spPr>
+        <p:style>
+          <a:lnRef idx="0">
+            <a:scrgbClr r="0" g="0" b="0"/>
+          </a:lnRef>
+          <a:fillRef idx="0">
+            <a:scrgbClr r="0" g="0" b="0"/>
+          </a:fillRef>
+          <a:effectRef idx="0">
+            <a:scrgbClr r="0" g="0" b="0"/>
+          </a:effectRef>
+          <a:fontRef idx="minor">
+            <a:schemeClr val="lt1"/>
+          </a:fontRef>
+        </p:style>
+        <p:txBody>
+          <a:bodyPr spcFirstLastPara="0" vert="horz" wrap="square" lIns="6350" tIns="6350" rIns="6350" bIns="6350" numCol="1" spcCol="1270" rtlCol="0" anchor="ctr" anchorCtr="0">
+            <a:noAutofit/>
+          </a:bodyPr>
+          <a:lstStyle/>
+          <a:p>
+            <a:pPr algn="ctr" defTabSz="444500">
+              <a:lnSpc>
+                <a:spcPct val="90000"/>
+              </a:lnSpc>
+              <a:spcBef>
+                <a:spcPct val="0"/>
+              </a:spcBef>
+              <a:spcAft>
+                <a:spcPct val="35000"/>
+              </a:spcAft>
+            </a:pPr>
+            <a:r>
+              <a:rPr lang="en-GB" sz="1100" kern="1200" dirty="0">
+                <a:solidFill>
+                  <a:schemeClr val="bg1"/>
+                </a:solidFill>
+                <a:latin typeface="Vodafone Rg" pitchFamily="34" charset="0"/>
+                <a:ea typeface="+mn-ea"/>
+                <a:cs typeface="+mn-cs"/>
+              </a:rPr>
+              <a:t>Pod</a:t>
+            </a:r>
+          </a:p>
+        </p:txBody>
+      </p:sp>
+      <p:sp>
+        <p:nvSpPr>
+          <p:cNvPr id="48" name="Rectangle 47">
+            <a:extLst>
+              <a:ext uri="{FF2B5EF4-FFF2-40B4-BE49-F238E27FC236}">
+                <a16:creationId xmlns:a16="http://schemas.microsoft.com/office/drawing/2014/main" id="{B5C7B044-E003-3B46-9E8F-96F25059A776}"/>
+              </a:ext>
+            </a:extLst>
+          </p:cNvPr>
+          <p:cNvSpPr/>
+          <p:nvPr/>
+        </p:nvSpPr>
+        <p:spPr>
+          <a:xfrm>
+            <a:off x="4465202" y="3529274"/>
+            <a:ext cx="598144" cy="158380"/>
+          </a:xfrm>
+          <a:prstGeom prst="rect">
+            <a:avLst/>
+          </a:prstGeom>
+          <a:solidFill>
+            <a:schemeClr val="accent3">
+              <a:alpha val="50000"/>
+            </a:schemeClr>
+          </a:solidFill>
+          <a:ln>
+            <a:noFill/>
+          </a:ln>
+        </p:spPr>
+        <p:style>
+          <a:lnRef idx="0">
+            <a:scrgbClr r="0" g="0" b="0"/>
+          </a:lnRef>
+          <a:fillRef idx="0">
+            <a:scrgbClr r="0" g="0" b="0"/>
+          </a:fillRef>
+          <a:effectRef idx="0">
+            <a:scrgbClr r="0" g="0" b="0"/>
+          </a:effectRef>
+          <a:fontRef idx="minor">
+            <a:schemeClr val="lt1"/>
+          </a:fontRef>
+        </p:style>
+        <p:txBody>
+          <a:bodyPr spcFirstLastPara="0" vert="horz" wrap="square" lIns="6350" tIns="6350" rIns="6350" bIns="6350" numCol="1" spcCol="1270" rtlCol="0" anchor="ctr" anchorCtr="0">
+            <a:noAutofit/>
+          </a:bodyPr>
+          <a:lstStyle/>
+          <a:p>
+            <a:pPr algn="ctr" defTabSz="444500">
+              <a:lnSpc>
+                <a:spcPct val="90000"/>
+              </a:lnSpc>
+              <a:spcBef>
+                <a:spcPct val="0"/>
+              </a:spcBef>
+              <a:spcAft>
+                <a:spcPct val="35000"/>
+              </a:spcAft>
+            </a:pPr>
+            <a:r>
+              <a:rPr lang="en-GB" sz="1100" kern="1200" dirty="0">
+                <a:solidFill>
+                  <a:schemeClr val="bg1"/>
+                </a:solidFill>
+                <a:latin typeface="Vodafone Rg" pitchFamily="34" charset="0"/>
+                <a:ea typeface="+mn-ea"/>
+                <a:cs typeface="+mn-cs"/>
+              </a:rPr>
+              <a:t>Pod</a:t>
+            </a:r>
+          </a:p>
+        </p:txBody>
+      </p:sp>
+      <p:sp>
+        <p:nvSpPr>
+          <p:cNvPr id="49" name="Rounded Rectangle 48">
+            <a:extLst>
+              <a:ext uri="{FF2B5EF4-FFF2-40B4-BE49-F238E27FC236}">
+                <a16:creationId xmlns:a16="http://schemas.microsoft.com/office/drawing/2014/main" id="{A7EF17C7-995A-2C47-8BC3-748625DEC738}"/>
+              </a:ext>
+            </a:extLst>
+          </p:cNvPr>
+          <p:cNvSpPr/>
+          <p:nvPr/>
+        </p:nvSpPr>
+        <p:spPr>
+          <a:xfrm rot="5400000">
+            <a:off x="3304981" y="1871699"/>
+            <a:ext cx="1458599" cy="3436700"/>
+          </a:xfrm>
+          <a:prstGeom prst="roundRect">
+            <a:avLst>
+              <a:gd name="adj" fmla="val 6280"/>
+            </a:avLst>
+          </a:prstGeom>
+          <a:noFill/>
+          <a:ln w="25400" cap="flat" cmpd="sng" algn="ctr">
+            <a:solidFill>
+              <a:schemeClr val="accent1">
+                <a:lumMod val="40000"/>
+                <a:lumOff val="60000"/>
+              </a:schemeClr>
+            </a:solidFill>
+            <a:prstDash val="sysDash"/>
+          </a:ln>
+          <a:effectLst/>
+        </p:spPr>
+        <p:style>
+          <a:lnRef idx="2">
+            <a:scrgbClr r="0" g="0" b="0"/>
+          </a:lnRef>
+          <a:fillRef idx="1">
+            <a:scrgbClr r="0" g="0" b="0"/>
+          </a:fillRef>
+          <a:effectRef idx="0">
+            <a:scrgbClr r="0" g="0" b="0"/>
+          </a:effectRef>
+          <a:fontRef idx="minor">
+            <a:schemeClr val="lt1"/>
+          </a:fontRef>
+        </p:style>
+        <p:txBody>
+          <a:bodyPr spcFirstLastPara="0" vert="horz" wrap="square" lIns="6350" tIns="6350" rIns="180000" bIns="6350" numCol="1" spcCol="1270" rtlCol="0" anchor="t" anchorCtr="0">
+            <a:noAutofit/>
+          </a:bodyPr>
+          <a:lstStyle/>
+          <a:p>
+            <a:pPr algn="ctr" defTabSz="444500">
+              <a:lnSpc>
+                <a:spcPct val="90000"/>
+              </a:lnSpc>
+              <a:spcBef>
+                <a:spcPct val="0"/>
+              </a:spcBef>
+              <a:spcAft>
+                <a:spcPct val="35000"/>
+              </a:spcAft>
+            </a:pPr>
+            <a:r>
+              <a:rPr lang="en-GB" sz="1100" kern="1200" dirty="0">
+                <a:solidFill>
+                  <a:srgbClr val="34342B"/>
+                </a:solidFill>
+                <a:latin typeface="Vodafone Rg" pitchFamily="34" charset="0"/>
+                <a:ea typeface="+mn-ea"/>
+                <a:cs typeface="+mn-cs"/>
+              </a:rPr>
+              <a:t>K8s Cluster</a:t>
+            </a:r>
+          </a:p>
+        </p:txBody>
+      </p:sp>
+      <p:sp>
+        <p:nvSpPr>
+          <p:cNvPr id="50" name="TextBox 49">
+            <a:extLst>
+              <a:ext uri="{FF2B5EF4-FFF2-40B4-BE49-F238E27FC236}">
+                <a16:creationId xmlns:a16="http://schemas.microsoft.com/office/drawing/2014/main" id="{5B0CBF22-32A7-E745-96B6-EFB6CD9C1E93}"/>
+              </a:ext>
+            </a:extLst>
+          </p:cNvPr>
+          <p:cNvSpPr txBox="1"/>
+          <p:nvPr/>
+        </p:nvSpPr>
+        <p:spPr>
+          <a:xfrm>
+            <a:off x="6004198" y="3839768"/>
+            <a:ext cx="748918" cy="234985"/>
+          </a:xfrm>
+          <a:prstGeom prst="rect">
+            <a:avLst/>
+          </a:prstGeom>
+          <a:noFill/>
+        </p:spPr>
+        <p:txBody>
+          <a:bodyPr wrap="none" lIns="0" tIns="0" rIns="0" bIns="0" rtlCol="0">
+            <a:noAutofit/>
+          </a:bodyPr>
+          <a:lstStyle/>
+          <a:p>
+            <a:pPr marL="0" indent="0">
+              <a:buFont typeface="Arial" pitchFamily="34" charset="0"/>
+              <a:buNone/>
+            </a:pPr>
+            <a:r>
+              <a:rPr lang="en-GB" sz="1200" dirty="0">
+                <a:latin typeface="Vodafone Rg" pitchFamily="34" charset="0"/>
+              </a:rPr>
+              <a:t>Vi-</a:t>
+            </a:r>
+            <a:r>
+              <a:rPr lang="en-GB" sz="1200" dirty="0" err="1">
+                <a:latin typeface="Vodafone Rg" pitchFamily="34" charset="0"/>
+              </a:rPr>
+              <a:t>Vnfm</a:t>
+            </a:r>
+            <a:endParaRPr lang="en-GB" sz="1200" dirty="0">
+              <a:latin typeface="Vodafone Rg" pitchFamily="34" charset="0"/>
+            </a:endParaRPr>
+          </a:p>
+        </p:txBody>
+      </p:sp>
+      <p:cxnSp>
+        <p:nvCxnSpPr>
+          <p:cNvPr id="51" name="Straight Connector 50">
+            <a:extLst>
+              <a:ext uri="{FF2B5EF4-FFF2-40B4-BE49-F238E27FC236}">
+                <a16:creationId xmlns:a16="http://schemas.microsoft.com/office/drawing/2014/main" id="{69B73143-4FAC-6741-A5D2-A2BEEC6B401E}"/>
+              </a:ext>
+            </a:extLst>
+          </p:cNvPr>
+          <p:cNvCxnSpPr>
+            <a:cxnSpLocks/>
+            <a:stCxn id="34" idx="1"/>
+            <a:endCxn id="49" idx="0"/>
+          </p:cNvCxnSpPr>
+          <p:nvPr/>
+        </p:nvCxnSpPr>
+        <p:spPr>
+          <a:xfrm flipH="1">
+            <a:off x="5752630" y="3100825"/>
+            <a:ext cx="867763" cy="489224"/>
+          </a:xfrm>
+          <a:prstGeom prst="line">
+            <a:avLst/>
+          </a:prstGeom>
+          <a:ln w="19050"/>
+        </p:spPr>
+        <p:style>
+          <a:lnRef idx="1">
+            <a:schemeClr val="accent5"/>
+          </a:lnRef>
+          <a:fillRef idx="0">
+            <a:schemeClr val="accent5"/>
+          </a:fillRef>
+          <a:effectRef idx="0">
+            <a:schemeClr val="accent5"/>
+          </a:effectRef>
+          <a:fontRef idx="minor">
+            <a:schemeClr val="tx1"/>
+          </a:fontRef>
+        </p:style>
+      </p:cxnSp>
+      <p:cxnSp>
+        <p:nvCxnSpPr>
+          <p:cNvPr id="52" name="Straight Connector 51">
+            <a:extLst>
+              <a:ext uri="{FF2B5EF4-FFF2-40B4-BE49-F238E27FC236}">
+                <a16:creationId xmlns:a16="http://schemas.microsoft.com/office/drawing/2014/main" id="{0DB1F0DE-D37F-1949-AB6F-39F2A51E8B7E}"/>
+              </a:ext>
+            </a:extLst>
+          </p:cNvPr>
+          <p:cNvCxnSpPr>
+            <a:cxnSpLocks/>
+            <a:endCxn id="46" idx="0"/>
+          </p:cNvCxnSpPr>
+          <p:nvPr/>
+        </p:nvCxnSpPr>
+        <p:spPr>
+          <a:xfrm>
+            <a:off x="4990332" y="2419126"/>
+            <a:ext cx="394016" cy="1493654"/>
+          </a:xfrm>
+          <a:prstGeom prst="line">
+            <a:avLst/>
+          </a:prstGeom>
+          <a:ln w="19050"/>
+        </p:spPr>
+        <p:style>
+          <a:lnRef idx="1">
+            <a:schemeClr val="accent5"/>
+          </a:lnRef>
+          <a:fillRef idx="0">
+            <a:schemeClr val="accent5"/>
+          </a:fillRef>
+          <a:effectRef idx="0">
+            <a:schemeClr val="accent5"/>
+          </a:effectRef>
+          <a:fontRef idx="minor">
+            <a:schemeClr val="tx1"/>
+          </a:fontRef>
+        </p:style>
+      </p:cxnSp>
+      <p:sp>
+        <p:nvSpPr>
+          <p:cNvPr id="54" name="TextBox 53">
+            <a:extLst>
+              <a:ext uri="{FF2B5EF4-FFF2-40B4-BE49-F238E27FC236}">
+                <a16:creationId xmlns:a16="http://schemas.microsoft.com/office/drawing/2014/main" id="{B2EC5586-B42D-CF4C-B43F-7B6FB0904BB4}"/>
+              </a:ext>
+            </a:extLst>
+          </p:cNvPr>
+          <p:cNvSpPr txBox="1"/>
+          <p:nvPr/>
+        </p:nvSpPr>
+        <p:spPr>
+          <a:xfrm>
+            <a:off x="7082648" y="3730986"/>
+            <a:ext cx="617332" cy="234985"/>
+          </a:xfrm>
+          <a:prstGeom prst="rect">
+            <a:avLst/>
+          </a:prstGeom>
+        </p:spPr>
+        <p:txBody>
+          <a:bodyPr wrap="square" lIns="0" tIns="0" rIns="0" bIns="0" rtlCol="0">
+            <a:noAutofit/>
+          </a:bodyPr>
+          <a:lstStyle/>
+          <a:p>
+            <a:pPr marL="0" indent="0">
+              <a:buFont typeface="Arial" pitchFamily="34" charset="0"/>
+              <a:buNone/>
+            </a:pPr>
+            <a:r>
+              <a:rPr lang="en-GB" sz="1200" dirty="0">
+                <a:latin typeface="Vodafone Rg" pitchFamily="34" charset="0"/>
+              </a:rPr>
+              <a:t>NEW-If2</a:t>
+            </a:r>
+          </a:p>
+        </p:txBody>
+      </p:sp>
+      <p:sp>
+        <p:nvSpPr>
+          <p:cNvPr id="55" name="TextBox 54">
+            <a:extLst>
+              <a:ext uri="{FF2B5EF4-FFF2-40B4-BE49-F238E27FC236}">
+                <a16:creationId xmlns:a16="http://schemas.microsoft.com/office/drawing/2014/main" id="{8E563811-62F0-7846-A094-EDA5E2B63E7D}"/>
+              </a:ext>
+            </a:extLst>
+          </p:cNvPr>
+          <p:cNvSpPr txBox="1"/>
+          <p:nvPr/>
+        </p:nvSpPr>
+        <p:spPr>
+          <a:xfrm>
+            <a:off x="7152391" y="2505744"/>
+            <a:ext cx="617332" cy="234985"/>
+          </a:xfrm>
+          <a:prstGeom prst="rect">
+            <a:avLst/>
+          </a:prstGeom>
+        </p:spPr>
+        <p:txBody>
+          <a:bodyPr wrap="square" lIns="0" tIns="0" rIns="0" bIns="0" rtlCol="0">
+            <a:noAutofit/>
+          </a:bodyPr>
+          <a:lstStyle/>
+          <a:p>
+            <a:pPr marL="0" indent="0">
+              <a:buFont typeface="Arial" pitchFamily="34" charset="0"/>
+              <a:buNone/>
+            </a:pPr>
+            <a:r>
+              <a:rPr lang="en-GB" sz="1200" dirty="0">
+                <a:latin typeface="Vodafone Rg" pitchFamily="34" charset="0"/>
+              </a:rPr>
+              <a:t>NEW-If1</a:t>
+            </a:r>
+          </a:p>
+        </p:txBody>
+      </p:sp>
+    </p:spTree>
+    <p:extLst>
+      <p:ext uri="{BB962C8B-B14F-4D97-AF65-F5344CB8AC3E}">
+        <p14:creationId xmlns:p14="http://schemas.microsoft.com/office/powerpoint/2010/main" val="3382381542"/>
+      </p:ext>
+    </p:extLst>
+  </p:cSld>
+  <p:clrMapOvr>
+    <a:masterClrMapping/>
+  </p:clrMapOvr>
+</p:sld>
+</file>
+
 <file path=ppt/theme/theme1.xml><?xml version="1.0" encoding="utf-8"?>
 <a:theme xmlns:a="http://schemas.openxmlformats.org/drawingml/2006/main" name="Office Theme">
   <a:themeElements>

--- a/doc/ref_arch/kubernetes/figures/k8s-ref-arch-figures.pptx
+++ b/doc/ref_arch/kubernetes/figures/k8s-ref-arch-figures.pptx
@@ -2,18 +2,19 @@
 <file path=ppt/presentation.xml><?xml version="1.0" encoding="utf-8"?>
 <p:presentation xmlns:a="http://schemas.openxmlformats.org/drawingml/2006/main" xmlns:r="http://schemas.openxmlformats.org/officeDocument/2006/relationships" xmlns:p="http://schemas.openxmlformats.org/presentationml/2006/main" saveSubsetFonts="1" autoCompressPictures="0">
   <p:sldMasterIdLst>
-    <p:sldMasterId id="2147483648" r:id="rId1"/>
+    <p:sldMasterId id="2147483655" r:id="rId1"/>
   </p:sldMasterIdLst>
   <p:sldIdLst>
     <p:sldId id="1078" r:id="rId2"/>
+    <p:sldId id="1079" r:id="rId3"/>
   </p:sldIdLst>
-  <p:sldSz cx="12192000" cy="6858000"/>
+  <p:sldSz cx="18291175" cy="10288588"/>
   <p:notesSz cx="6858000" cy="9144000"/>
   <p:defaultTextStyle>
     <a:defPPr>
       <a:defRPr lang="en-US"/>
     </a:defPPr>
-    <a:lvl1pPr marL="0" algn="l" defTabSz="914400" rtl="0" eaLnBrk="1" latinLnBrk="0" hangingPunct="1">
+    <a:lvl1pPr marL="0" algn="l" defTabSz="457200" rtl="0" eaLnBrk="1" latinLnBrk="0" hangingPunct="1">
       <a:defRPr sz="1800" kern="1200">
         <a:solidFill>
           <a:schemeClr val="tx1"/>
@@ -23,7 +24,7 @@
         <a:cs typeface="+mn-cs"/>
       </a:defRPr>
     </a:lvl1pPr>
-    <a:lvl2pPr marL="457200" algn="l" defTabSz="914400" rtl="0" eaLnBrk="1" latinLnBrk="0" hangingPunct="1">
+    <a:lvl2pPr marL="457200" algn="l" defTabSz="457200" rtl="0" eaLnBrk="1" latinLnBrk="0" hangingPunct="1">
       <a:defRPr sz="1800" kern="1200">
         <a:solidFill>
           <a:schemeClr val="tx1"/>
@@ -33,7 +34,7 @@
         <a:cs typeface="+mn-cs"/>
       </a:defRPr>
     </a:lvl2pPr>
-    <a:lvl3pPr marL="914400" algn="l" defTabSz="914400" rtl="0" eaLnBrk="1" latinLnBrk="0" hangingPunct="1">
+    <a:lvl3pPr marL="914400" algn="l" defTabSz="457200" rtl="0" eaLnBrk="1" latinLnBrk="0" hangingPunct="1">
       <a:defRPr sz="1800" kern="1200">
         <a:solidFill>
           <a:schemeClr val="tx1"/>
@@ -43,7 +44,7 @@
         <a:cs typeface="+mn-cs"/>
       </a:defRPr>
     </a:lvl3pPr>
-    <a:lvl4pPr marL="1371600" algn="l" defTabSz="914400" rtl="0" eaLnBrk="1" latinLnBrk="0" hangingPunct="1">
+    <a:lvl4pPr marL="1371600" algn="l" defTabSz="457200" rtl="0" eaLnBrk="1" latinLnBrk="0" hangingPunct="1">
       <a:defRPr sz="1800" kern="1200">
         <a:solidFill>
           <a:schemeClr val="tx1"/>
@@ -53,7 +54,7 @@
         <a:cs typeface="+mn-cs"/>
       </a:defRPr>
     </a:lvl4pPr>
-    <a:lvl5pPr marL="1828800" algn="l" defTabSz="914400" rtl="0" eaLnBrk="1" latinLnBrk="0" hangingPunct="1">
+    <a:lvl5pPr marL="1828800" algn="l" defTabSz="457200" rtl="0" eaLnBrk="1" latinLnBrk="0" hangingPunct="1">
       <a:defRPr sz="1800" kern="1200">
         <a:solidFill>
           <a:schemeClr val="tx1"/>
@@ -63,7 +64,7 @@
         <a:cs typeface="+mn-cs"/>
       </a:defRPr>
     </a:lvl5pPr>
-    <a:lvl6pPr marL="2286000" algn="l" defTabSz="914400" rtl="0" eaLnBrk="1" latinLnBrk="0" hangingPunct="1">
+    <a:lvl6pPr marL="2286000" algn="l" defTabSz="457200" rtl="0" eaLnBrk="1" latinLnBrk="0" hangingPunct="1">
       <a:defRPr sz="1800" kern="1200">
         <a:solidFill>
           <a:schemeClr val="tx1"/>
@@ -73,7 +74,7 @@
         <a:cs typeface="+mn-cs"/>
       </a:defRPr>
     </a:lvl6pPr>
-    <a:lvl7pPr marL="2743200" algn="l" defTabSz="914400" rtl="0" eaLnBrk="1" latinLnBrk="0" hangingPunct="1">
+    <a:lvl7pPr marL="2743200" algn="l" defTabSz="457200" rtl="0" eaLnBrk="1" latinLnBrk="0" hangingPunct="1">
       <a:defRPr sz="1800" kern="1200">
         <a:solidFill>
           <a:schemeClr val="tx1"/>
@@ -83,7 +84,7 @@
         <a:cs typeface="+mn-cs"/>
       </a:defRPr>
     </a:lvl7pPr>
-    <a:lvl8pPr marL="3200400" algn="l" defTabSz="914400" rtl="0" eaLnBrk="1" latinLnBrk="0" hangingPunct="1">
+    <a:lvl8pPr marL="3200400" algn="l" defTabSz="457200" rtl="0" eaLnBrk="1" latinLnBrk="0" hangingPunct="1">
       <a:defRPr sz="1800" kern="1200">
         <a:solidFill>
           <a:schemeClr val="tx1"/>
@@ -93,7 +94,7 @@
         <a:cs typeface="+mn-cs"/>
       </a:defRPr>
     </a:lvl8pPr>
-    <a:lvl9pPr marL="3657600" algn="l" defTabSz="914400" rtl="0" eaLnBrk="1" latinLnBrk="0" hangingPunct="1">
+    <a:lvl9pPr marL="3657600" algn="l" defTabSz="457200" rtl="0" eaLnBrk="1" latinLnBrk="0" hangingPunct="1">
       <a:defRPr sz="1800" kern="1200">
         <a:solidFill>
           <a:schemeClr val="tx1"/>
@@ -104,12 +105,17 @@
       </a:defRPr>
     </a:lvl9pPr>
   </p:defaultTextStyle>
+  <p:extLst>
+    <p:ext uri="{EFAFB233-063F-42B5-8137-9DF3F51BA10A}">
+      <p15:sldGuideLst xmlns:p15="http://schemas.microsoft.com/office/powerpoint/2012/main"/>
+    </p:ext>
+  </p:extLst>
 </p:presentation>
 </file>
 
 <file path=ppt/slideLayouts/slideLayout1.xml><?xml version="1.0" encoding="utf-8"?>
-<p:sldLayout xmlns:a="http://schemas.openxmlformats.org/drawingml/2006/main" xmlns:r="http://schemas.openxmlformats.org/officeDocument/2006/relationships" xmlns:p="http://schemas.openxmlformats.org/presentationml/2006/main" type="titleOnly" preserve="1">
-  <p:cSld name="Title Only">
+<p:sldLayout xmlns:a="http://schemas.openxmlformats.org/drawingml/2006/main" xmlns:r="http://schemas.openxmlformats.org/officeDocument/2006/relationships" xmlns:p="http://schemas.openxmlformats.org/presentationml/2006/main" type="title" preserve="1">
+  <p:cSld name="Title Slide">
     <p:spTree>
       <p:nvGrpSpPr>
         <p:cNvPr id="1" name=""/>
@@ -126,41 +132,104 @@
       </p:grpSpPr>
       <p:sp>
         <p:nvSpPr>
-          <p:cNvPr id="2" name="Title 1">
-            <a:extLst>
-              <a:ext uri="{FF2B5EF4-FFF2-40B4-BE49-F238E27FC236}">
-                <a16:creationId xmlns:a16="http://schemas.microsoft.com/office/drawing/2014/main" id="{5465B7E3-7849-4B4E-865A-A01D9FE8563F}"/>
-              </a:ext>
-            </a:extLst>
-          </p:cNvPr>
+          <p:cNvPr id="2" name="Title 1"/>
           <p:cNvSpPr>
             <a:spLocks noGrp="1"/>
           </p:cNvSpPr>
           <p:nvPr>
-            <p:ph type="title"/>
+            <p:ph type="ctrTitle"/>
           </p:nvPr>
         </p:nvSpPr>
-        <p:spPr/>
+        <p:spPr>
+          <a:xfrm>
+            <a:off x="2286397" y="1683804"/>
+            <a:ext cx="13718381" cy="3581953"/>
+          </a:xfrm>
+        </p:spPr>
         <p:txBody>
-          <a:bodyPr/>
-          <a:lstStyle/>
+          <a:bodyPr anchor="b"/>
+          <a:lstStyle>
+            <a:lvl1pPr algn="ctr">
+              <a:defRPr sz="9001"/>
+            </a:lvl1pPr>
+          </a:lstStyle>
           <a:p>
             <a:r>
               <a:rPr lang="en-GB"/>
               <a:t>Click to edit Master title style</a:t>
             </a:r>
+            <a:endParaRPr lang="en-US" dirty="0"/>
           </a:p>
         </p:txBody>
       </p:sp>
       <p:sp>
         <p:nvSpPr>
-          <p:cNvPr id="3" name="Date Placeholder 2">
-            <a:extLst>
-              <a:ext uri="{FF2B5EF4-FFF2-40B4-BE49-F238E27FC236}">
-                <a16:creationId xmlns:a16="http://schemas.microsoft.com/office/drawing/2014/main" id="{7B50CDFA-0B9D-E14B-937D-9BA38BC1D21D}"/>
-              </a:ext>
-            </a:extLst>
-          </p:cNvPr>
+          <p:cNvPr id="3" name="Subtitle 2"/>
+          <p:cNvSpPr>
+            <a:spLocks noGrp="1"/>
+          </p:cNvSpPr>
+          <p:nvPr>
+            <p:ph type="subTitle" idx="1"/>
+          </p:nvPr>
+        </p:nvSpPr>
+        <p:spPr>
+          <a:xfrm>
+            <a:off x="2286397" y="5403891"/>
+            <a:ext cx="13718381" cy="2484026"/>
+          </a:xfrm>
+        </p:spPr>
+        <p:txBody>
+          <a:bodyPr/>
+          <a:lstStyle>
+            <a:lvl1pPr marL="0" indent="0" algn="ctr">
+              <a:buNone/>
+              <a:defRPr sz="3600"/>
+            </a:lvl1pPr>
+            <a:lvl2pPr marL="685891" indent="0" algn="ctr">
+              <a:buNone/>
+              <a:defRPr sz="3000"/>
+            </a:lvl2pPr>
+            <a:lvl3pPr marL="1371783" indent="0" algn="ctr">
+              <a:buNone/>
+              <a:defRPr sz="2700"/>
+            </a:lvl3pPr>
+            <a:lvl4pPr marL="2057674" indent="0" algn="ctr">
+              <a:buNone/>
+              <a:defRPr sz="2400"/>
+            </a:lvl4pPr>
+            <a:lvl5pPr marL="2743566" indent="0" algn="ctr">
+              <a:buNone/>
+              <a:defRPr sz="2400"/>
+            </a:lvl5pPr>
+            <a:lvl6pPr marL="3429457" indent="0" algn="ctr">
+              <a:buNone/>
+              <a:defRPr sz="2400"/>
+            </a:lvl6pPr>
+            <a:lvl7pPr marL="4115349" indent="0" algn="ctr">
+              <a:buNone/>
+              <a:defRPr sz="2400"/>
+            </a:lvl7pPr>
+            <a:lvl8pPr marL="4801240" indent="0" algn="ctr">
+              <a:buNone/>
+              <a:defRPr sz="2400"/>
+            </a:lvl8pPr>
+            <a:lvl9pPr marL="5487132" indent="0" algn="ctr">
+              <a:buNone/>
+              <a:defRPr sz="2400"/>
+            </a:lvl9pPr>
+          </a:lstStyle>
+          <a:p>
+            <a:r>
+              <a:rPr lang="en-GB"/>
+              <a:t>Click to edit Master subtitle style</a:t>
+            </a:r>
+            <a:endParaRPr lang="en-US" dirty="0"/>
+          </a:p>
+        </p:txBody>
+      </p:sp>
+      <p:sp>
+        <p:nvSpPr>
+          <p:cNvPr id="4" name="Date Placeholder 3"/>
           <p:cNvSpPr>
             <a:spLocks noGrp="1"/>
           </p:cNvSpPr>
@@ -175,7 +244,7 @@
           <a:p>
             <a:fld id="{F9D3E6FF-AC24-BE43-AFD3-27417514DD0F}" type="datetimeFigureOut">
               <a:rPr lang="en-GB" smtClean="0"/>
-              <a:t>20/09/2019</a:t>
+              <a:t>29/10/2019</a:t>
             </a:fld>
             <a:endParaRPr lang="en-GB"/>
           </a:p>
@@ -183,13 +252,7 @@
       </p:sp>
       <p:sp>
         <p:nvSpPr>
-          <p:cNvPr id="4" name="Footer Placeholder 3">
-            <a:extLst>
-              <a:ext uri="{FF2B5EF4-FFF2-40B4-BE49-F238E27FC236}">
-                <a16:creationId xmlns:a16="http://schemas.microsoft.com/office/drawing/2014/main" id="{F7FF651E-33FE-0D4E-AE97-28B70004977A}"/>
-              </a:ext>
-            </a:extLst>
-          </p:cNvPr>
+          <p:cNvPr id="5" name="Footer Placeholder 4"/>
           <p:cNvSpPr>
             <a:spLocks noGrp="1"/>
           </p:cNvSpPr>
@@ -208,13 +271,7 @@
       </p:sp>
       <p:sp>
         <p:nvSpPr>
-          <p:cNvPr id="5" name="Slide Number Placeholder 4">
-            <a:extLst>
-              <a:ext uri="{FF2B5EF4-FFF2-40B4-BE49-F238E27FC236}">
-                <a16:creationId xmlns:a16="http://schemas.microsoft.com/office/drawing/2014/main" id="{6B42AC34-00B5-F144-A499-0CCF2FEA3540}"/>
-              </a:ext>
-            </a:extLst>
-          </p:cNvPr>
+          <p:cNvPr id="6" name="Slide Number Placeholder 5"/>
           <p:cNvSpPr>
             <a:spLocks noGrp="1"/>
           </p:cNvSpPr>
@@ -238,7 +295,2119 @@
     </p:spTree>
     <p:extLst>
       <p:ext uri="{BB962C8B-B14F-4D97-AF65-F5344CB8AC3E}">
-        <p14:creationId xmlns:p14="http://schemas.microsoft.com/office/powerpoint/2010/main" val="1204610300"/>
+        <p14:creationId xmlns:p14="http://schemas.microsoft.com/office/powerpoint/2010/main" val="4083495342"/>
+      </p:ext>
+    </p:extLst>
+  </p:cSld>
+  <p:clrMapOvr>
+    <a:masterClrMapping/>
+  </p:clrMapOvr>
+</p:sldLayout>
+</file>
+
+<file path=ppt/slideLayouts/slideLayout10.xml><?xml version="1.0" encoding="utf-8"?>
+<p:sldLayout xmlns:a="http://schemas.openxmlformats.org/drawingml/2006/main" xmlns:r="http://schemas.openxmlformats.org/officeDocument/2006/relationships" xmlns:p="http://schemas.openxmlformats.org/presentationml/2006/main" type="vertTx" preserve="1">
+  <p:cSld name="Title and Vertical Text">
+    <p:spTree>
+      <p:nvGrpSpPr>
+        <p:cNvPr id="1" name=""/>
+        <p:cNvGrpSpPr/>
+        <p:nvPr/>
+      </p:nvGrpSpPr>
+      <p:grpSpPr>
+        <a:xfrm>
+          <a:off x="0" y="0"/>
+          <a:ext cx="0" cy="0"/>
+          <a:chOff x="0" y="0"/>
+          <a:chExt cx="0" cy="0"/>
+        </a:xfrm>
+      </p:grpSpPr>
+      <p:sp>
+        <p:nvSpPr>
+          <p:cNvPr id="2" name="Title 1"/>
+          <p:cNvSpPr>
+            <a:spLocks noGrp="1"/>
+          </p:cNvSpPr>
+          <p:nvPr>
+            <p:ph type="title"/>
+          </p:nvPr>
+        </p:nvSpPr>
+        <p:spPr/>
+        <p:txBody>
+          <a:bodyPr/>
+          <a:lstStyle/>
+          <a:p>
+            <a:r>
+              <a:rPr lang="en-GB"/>
+              <a:t>Click to edit Master title style</a:t>
+            </a:r>
+            <a:endParaRPr lang="en-US" dirty="0"/>
+          </a:p>
+        </p:txBody>
+      </p:sp>
+      <p:sp>
+        <p:nvSpPr>
+          <p:cNvPr id="3" name="Vertical Text Placeholder 2"/>
+          <p:cNvSpPr>
+            <a:spLocks noGrp="1"/>
+          </p:cNvSpPr>
+          <p:nvPr>
+            <p:ph type="body" orient="vert" idx="1"/>
+          </p:nvPr>
+        </p:nvSpPr>
+        <p:spPr/>
+        <p:txBody>
+          <a:bodyPr vert="eaVert"/>
+          <a:lstStyle/>
+          <a:p>
+            <a:pPr lvl="0"/>
+            <a:r>
+              <a:rPr lang="en-GB"/>
+              <a:t>Click to edit Master text styles</a:t>
+            </a:r>
+          </a:p>
+          <a:p>
+            <a:pPr lvl="1"/>
+            <a:r>
+              <a:rPr lang="en-GB"/>
+              <a:t>Second level</a:t>
+            </a:r>
+          </a:p>
+          <a:p>
+            <a:pPr lvl="2"/>
+            <a:r>
+              <a:rPr lang="en-GB"/>
+              <a:t>Third level</a:t>
+            </a:r>
+          </a:p>
+          <a:p>
+            <a:pPr lvl="3"/>
+            <a:r>
+              <a:rPr lang="en-GB"/>
+              <a:t>Fourth level</a:t>
+            </a:r>
+          </a:p>
+          <a:p>
+            <a:pPr lvl="4"/>
+            <a:r>
+              <a:rPr lang="en-GB"/>
+              <a:t>Fifth level</a:t>
+            </a:r>
+            <a:endParaRPr lang="en-US" dirty="0"/>
+          </a:p>
+        </p:txBody>
+      </p:sp>
+      <p:sp>
+        <p:nvSpPr>
+          <p:cNvPr id="4" name="Date Placeholder 3"/>
+          <p:cNvSpPr>
+            <a:spLocks noGrp="1"/>
+          </p:cNvSpPr>
+          <p:nvPr>
+            <p:ph type="dt" sz="half" idx="10"/>
+          </p:nvPr>
+        </p:nvSpPr>
+        <p:spPr/>
+        <p:txBody>
+          <a:bodyPr/>
+          <a:lstStyle/>
+          <a:p>
+            <a:fld id="{F9D3E6FF-AC24-BE43-AFD3-27417514DD0F}" type="datetimeFigureOut">
+              <a:rPr lang="en-GB" smtClean="0"/>
+              <a:t>29/10/2019</a:t>
+            </a:fld>
+            <a:endParaRPr lang="en-GB"/>
+          </a:p>
+        </p:txBody>
+      </p:sp>
+      <p:sp>
+        <p:nvSpPr>
+          <p:cNvPr id="5" name="Footer Placeholder 4"/>
+          <p:cNvSpPr>
+            <a:spLocks noGrp="1"/>
+          </p:cNvSpPr>
+          <p:nvPr>
+            <p:ph type="ftr" sz="quarter" idx="11"/>
+          </p:nvPr>
+        </p:nvSpPr>
+        <p:spPr/>
+        <p:txBody>
+          <a:bodyPr/>
+          <a:lstStyle/>
+          <a:p>
+            <a:endParaRPr lang="en-GB"/>
+          </a:p>
+        </p:txBody>
+      </p:sp>
+      <p:sp>
+        <p:nvSpPr>
+          <p:cNvPr id="6" name="Slide Number Placeholder 5"/>
+          <p:cNvSpPr>
+            <a:spLocks noGrp="1"/>
+          </p:cNvSpPr>
+          <p:nvPr>
+            <p:ph type="sldNum" sz="quarter" idx="12"/>
+          </p:nvPr>
+        </p:nvSpPr>
+        <p:spPr/>
+        <p:txBody>
+          <a:bodyPr/>
+          <a:lstStyle/>
+          <a:p>
+            <a:fld id="{E7BF77D1-BCE9-F840-9DDE-1CBE1AA5F573}" type="slidenum">
+              <a:rPr lang="en-GB" smtClean="0"/>
+              <a:t>‹#›</a:t>
+            </a:fld>
+            <a:endParaRPr lang="en-GB"/>
+          </a:p>
+        </p:txBody>
+      </p:sp>
+    </p:spTree>
+    <p:extLst>
+      <p:ext uri="{BB962C8B-B14F-4D97-AF65-F5344CB8AC3E}">
+        <p14:creationId xmlns:p14="http://schemas.microsoft.com/office/powerpoint/2010/main" val="1908533417"/>
+      </p:ext>
+    </p:extLst>
+  </p:cSld>
+  <p:clrMapOvr>
+    <a:masterClrMapping/>
+  </p:clrMapOvr>
+</p:sldLayout>
+</file>
+
+<file path=ppt/slideLayouts/slideLayout11.xml><?xml version="1.0" encoding="utf-8"?>
+<p:sldLayout xmlns:a="http://schemas.openxmlformats.org/drawingml/2006/main" xmlns:r="http://schemas.openxmlformats.org/officeDocument/2006/relationships" xmlns:p="http://schemas.openxmlformats.org/presentationml/2006/main" type="vertTitleAndTx" preserve="1">
+  <p:cSld name="Vertical Title and Text">
+    <p:spTree>
+      <p:nvGrpSpPr>
+        <p:cNvPr id="1" name=""/>
+        <p:cNvGrpSpPr/>
+        <p:nvPr/>
+      </p:nvGrpSpPr>
+      <p:grpSpPr>
+        <a:xfrm>
+          <a:off x="0" y="0"/>
+          <a:ext cx="0" cy="0"/>
+          <a:chOff x="0" y="0"/>
+          <a:chExt cx="0" cy="0"/>
+        </a:xfrm>
+      </p:grpSpPr>
+      <p:sp>
+        <p:nvSpPr>
+          <p:cNvPr id="2" name="Vertical Title 1"/>
+          <p:cNvSpPr>
+            <a:spLocks noGrp="1"/>
+          </p:cNvSpPr>
+          <p:nvPr>
+            <p:ph type="title" orient="vert"/>
+          </p:nvPr>
+        </p:nvSpPr>
+        <p:spPr>
+          <a:xfrm>
+            <a:off x="13089622" y="547772"/>
+            <a:ext cx="3944035" cy="8719103"/>
+          </a:xfrm>
+        </p:spPr>
+        <p:txBody>
+          <a:bodyPr vert="eaVert"/>
+          <a:lstStyle/>
+          <a:p>
+            <a:r>
+              <a:rPr lang="en-GB"/>
+              <a:t>Click to edit Master title style</a:t>
+            </a:r>
+            <a:endParaRPr lang="en-US" dirty="0"/>
+          </a:p>
+        </p:txBody>
+      </p:sp>
+      <p:sp>
+        <p:nvSpPr>
+          <p:cNvPr id="3" name="Vertical Text Placeholder 2"/>
+          <p:cNvSpPr>
+            <a:spLocks noGrp="1"/>
+          </p:cNvSpPr>
+          <p:nvPr>
+            <p:ph type="body" orient="vert" idx="1"/>
+          </p:nvPr>
+        </p:nvSpPr>
+        <p:spPr>
+          <a:xfrm>
+            <a:off x="1257518" y="547772"/>
+            <a:ext cx="11603464" cy="8719103"/>
+          </a:xfrm>
+        </p:spPr>
+        <p:txBody>
+          <a:bodyPr vert="eaVert"/>
+          <a:lstStyle/>
+          <a:p>
+            <a:pPr lvl="0"/>
+            <a:r>
+              <a:rPr lang="en-GB"/>
+              <a:t>Click to edit Master text styles</a:t>
+            </a:r>
+          </a:p>
+          <a:p>
+            <a:pPr lvl="1"/>
+            <a:r>
+              <a:rPr lang="en-GB"/>
+              <a:t>Second level</a:t>
+            </a:r>
+          </a:p>
+          <a:p>
+            <a:pPr lvl="2"/>
+            <a:r>
+              <a:rPr lang="en-GB"/>
+              <a:t>Third level</a:t>
+            </a:r>
+          </a:p>
+          <a:p>
+            <a:pPr lvl="3"/>
+            <a:r>
+              <a:rPr lang="en-GB"/>
+              <a:t>Fourth level</a:t>
+            </a:r>
+          </a:p>
+          <a:p>
+            <a:pPr lvl="4"/>
+            <a:r>
+              <a:rPr lang="en-GB"/>
+              <a:t>Fifth level</a:t>
+            </a:r>
+            <a:endParaRPr lang="en-US" dirty="0"/>
+          </a:p>
+        </p:txBody>
+      </p:sp>
+      <p:sp>
+        <p:nvSpPr>
+          <p:cNvPr id="4" name="Date Placeholder 3"/>
+          <p:cNvSpPr>
+            <a:spLocks noGrp="1"/>
+          </p:cNvSpPr>
+          <p:nvPr>
+            <p:ph type="dt" sz="half" idx="10"/>
+          </p:nvPr>
+        </p:nvSpPr>
+        <p:spPr/>
+        <p:txBody>
+          <a:bodyPr/>
+          <a:lstStyle/>
+          <a:p>
+            <a:fld id="{F9D3E6FF-AC24-BE43-AFD3-27417514DD0F}" type="datetimeFigureOut">
+              <a:rPr lang="en-GB" smtClean="0"/>
+              <a:t>29/10/2019</a:t>
+            </a:fld>
+            <a:endParaRPr lang="en-GB"/>
+          </a:p>
+        </p:txBody>
+      </p:sp>
+      <p:sp>
+        <p:nvSpPr>
+          <p:cNvPr id="5" name="Footer Placeholder 4"/>
+          <p:cNvSpPr>
+            <a:spLocks noGrp="1"/>
+          </p:cNvSpPr>
+          <p:nvPr>
+            <p:ph type="ftr" sz="quarter" idx="11"/>
+          </p:nvPr>
+        </p:nvSpPr>
+        <p:spPr/>
+        <p:txBody>
+          <a:bodyPr/>
+          <a:lstStyle/>
+          <a:p>
+            <a:endParaRPr lang="en-GB"/>
+          </a:p>
+        </p:txBody>
+      </p:sp>
+      <p:sp>
+        <p:nvSpPr>
+          <p:cNvPr id="6" name="Slide Number Placeholder 5"/>
+          <p:cNvSpPr>
+            <a:spLocks noGrp="1"/>
+          </p:cNvSpPr>
+          <p:nvPr>
+            <p:ph type="sldNum" sz="quarter" idx="12"/>
+          </p:nvPr>
+        </p:nvSpPr>
+        <p:spPr/>
+        <p:txBody>
+          <a:bodyPr/>
+          <a:lstStyle/>
+          <a:p>
+            <a:fld id="{E7BF77D1-BCE9-F840-9DDE-1CBE1AA5F573}" type="slidenum">
+              <a:rPr lang="en-GB" smtClean="0"/>
+              <a:t>‹#›</a:t>
+            </a:fld>
+            <a:endParaRPr lang="en-GB"/>
+          </a:p>
+        </p:txBody>
+      </p:sp>
+    </p:spTree>
+    <p:extLst>
+      <p:ext uri="{BB962C8B-B14F-4D97-AF65-F5344CB8AC3E}">
+        <p14:creationId xmlns:p14="http://schemas.microsoft.com/office/powerpoint/2010/main" val="291295863"/>
+      </p:ext>
+    </p:extLst>
+  </p:cSld>
+  <p:clrMapOvr>
+    <a:masterClrMapping/>
+  </p:clrMapOvr>
+</p:sldLayout>
+</file>
+
+<file path=ppt/slideLayouts/slideLayout2.xml><?xml version="1.0" encoding="utf-8"?>
+<p:sldLayout xmlns:a="http://schemas.openxmlformats.org/drawingml/2006/main" xmlns:r="http://schemas.openxmlformats.org/officeDocument/2006/relationships" xmlns:p="http://schemas.openxmlformats.org/presentationml/2006/main" type="obj" preserve="1">
+  <p:cSld name="Title and Content">
+    <p:spTree>
+      <p:nvGrpSpPr>
+        <p:cNvPr id="1" name=""/>
+        <p:cNvGrpSpPr/>
+        <p:nvPr/>
+      </p:nvGrpSpPr>
+      <p:grpSpPr>
+        <a:xfrm>
+          <a:off x="0" y="0"/>
+          <a:ext cx="0" cy="0"/>
+          <a:chOff x="0" y="0"/>
+          <a:chExt cx="0" cy="0"/>
+        </a:xfrm>
+      </p:grpSpPr>
+      <p:sp>
+        <p:nvSpPr>
+          <p:cNvPr id="2" name="Title 1"/>
+          <p:cNvSpPr>
+            <a:spLocks noGrp="1"/>
+          </p:cNvSpPr>
+          <p:nvPr>
+            <p:ph type="title"/>
+          </p:nvPr>
+        </p:nvSpPr>
+        <p:spPr/>
+        <p:txBody>
+          <a:bodyPr/>
+          <a:lstStyle/>
+          <a:p>
+            <a:r>
+              <a:rPr lang="en-GB"/>
+              <a:t>Click to edit Master title style</a:t>
+            </a:r>
+            <a:endParaRPr lang="en-US" dirty="0"/>
+          </a:p>
+        </p:txBody>
+      </p:sp>
+      <p:sp>
+        <p:nvSpPr>
+          <p:cNvPr id="3" name="Content Placeholder 2"/>
+          <p:cNvSpPr>
+            <a:spLocks noGrp="1"/>
+          </p:cNvSpPr>
+          <p:nvPr>
+            <p:ph idx="1"/>
+          </p:nvPr>
+        </p:nvSpPr>
+        <p:spPr/>
+        <p:txBody>
+          <a:bodyPr/>
+          <a:lstStyle/>
+          <a:p>
+            <a:pPr lvl="0"/>
+            <a:r>
+              <a:rPr lang="en-GB"/>
+              <a:t>Click to edit Master text styles</a:t>
+            </a:r>
+          </a:p>
+          <a:p>
+            <a:pPr lvl="1"/>
+            <a:r>
+              <a:rPr lang="en-GB"/>
+              <a:t>Second level</a:t>
+            </a:r>
+          </a:p>
+          <a:p>
+            <a:pPr lvl="2"/>
+            <a:r>
+              <a:rPr lang="en-GB"/>
+              <a:t>Third level</a:t>
+            </a:r>
+          </a:p>
+          <a:p>
+            <a:pPr lvl="3"/>
+            <a:r>
+              <a:rPr lang="en-GB"/>
+              <a:t>Fourth level</a:t>
+            </a:r>
+          </a:p>
+          <a:p>
+            <a:pPr lvl="4"/>
+            <a:r>
+              <a:rPr lang="en-GB"/>
+              <a:t>Fifth level</a:t>
+            </a:r>
+            <a:endParaRPr lang="en-US" dirty="0"/>
+          </a:p>
+        </p:txBody>
+      </p:sp>
+      <p:sp>
+        <p:nvSpPr>
+          <p:cNvPr id="4" name="Date Placeholder 3"/>
+          <p:cNvSpPr>
+            <a:spLocks noGrp="1"/>
+          </p:cNvSpPr>
+          <p:nvPr>
+            <p:ph type="dt" sz="half" idx="10"/>
+          </p:nvPr>
+        </p:nvSpPr>
+        <p:spPr/>
+        <p:txBody>
+          <a:bodyPr/>
+          <a:lstStyle/>
+          <a:p>
+            <a:fld id="{F9D3E6FF-AC24-BE43-AFD3-27417514DD0F}" type="datetimeFigureOut">
+              <a:rPr lang="en-GB" smtClean="0"/>
+              <a:t>29/10/2019</a:t>
+            </a:fld>
+            <a:endParaRPr lang="en-GB"/>
+          </a:p>
+        </p:txBody>
+      </p:sp>
+      <p:sp>
+        <p:nvSpPr>
+          <p:cNvPr id="5" name="Footer Placeholder 4"/>
+          <p:cNvSpPr>
+            <a:spLocks noGrp="1"/>
+          </p:cNvSpPr>
+          <p:nvPr>
+            <p:ph type="ftr" sz="quarter" idx="11"/>
+          </p:nvPr>
+        </p:nvSpPr>
+        <p:spPr/>
+        <p:txBody>
+          <a:bodyPr/>
+          <a:lstStyle/>
+          <a:p>
+            <a:endParaRPr lang="en-GB"/>
+          </a:p>
+        </p:txBody>
+      </p:sp>
+      <p:sp>
+        <p:nvSpPr>
+          <p:cNvPr id="6" name="Slide Number Placeholder 5"/>
+          <p:cNvSpPr>
+            <a:spLocks noGrp="1"/>
+          </p:cNvSpPr>
+          <p:nvPr>
+            <p:ph type="sldNum" sz="quarter" idx="12"/>
+          </p:nvPr>
+        </p:nvSpPr>
+        <p:spPr/>
+        <p:txBody>
+          <a:bodyPr/>
+          <a:lstStyle/>
+          <a:p>
+            <a:fld id="{E7BF77D1-BCE9-F840-9DDE-1CBE1AA5F573}" type="slidenum">
+              <a:rPr lang="en-GB" smtClean="0"/>
+              <a:t>‹#›</a:t>
+            </a:fld>
+            <a:endParaRPr lang="en-GB"/>
+          </a:p>
+        </p:txBody>
+      </p:sp>
+    </p:spTree>
+    <p:extLst>
+      <p:ext uri="{BB962C8B-B14F-4D97-AF65-F5344CB8AC3E}">
+        <p14:creationId xmlns:p14="http://schemas.microsoft.com/office/powerpoint/2010/main" val="1804965458"/>
+      </p:ext>
+    </p:extLst>
+  </p:cSld>
+  <p:clrMapOvr>
+    <a:masterClrMapping/>
+  </p:clrMapOvr>
+</p:sldLayout>
+</file>
+
+<file path=ppt/slideLayouts/slideLayout3.xml><?xml version="1.0" encoding="utf-8"?>
+<p:sldLayout xmlns:a="http://schemas.openxmlformats.org/drawingml/2006/main" xmlns:r="http://schemas.openxmlformats.org/officeDocument/2006/relationships" xmlns:p="http://schemas.openxmlformats.org/presentationml/2006/main" type="secHead" preserve="1">
+  <p:cSld name="Section Header">
+    <p:spTree>
+      <p:nvGrpSpPr>
+        <p:cNvPr id="1" name=""/>
+        <p:cNvGrpSpPr/>
+        <p:nvPr/>
+      </p:nvGrpSpPr>
+      <p:grpSpPr>
+        <a:xfrm>
+          <a:off x="0" y="0"/>
+          <a:ext cx="0" cy="0"/>
+          <a:chOff x="0" y="0"/>
+          <a:chExt cx="0" cy="0"/>
+        </a:xfrm>
+      </p:grpSpPr>
+      <p:sp>
+        <p:nvSpPr>
+          <p:cNvPr id="2" name="Title 1"/>
+          <p:cNvSpPr>
+            <a:spLocks noGrp="1"/>
+          </p:cNvSpPr>
+          <p:nvPr>
+            <p:ph type="title"/>
+          </p:nvPr>
+        </p:nvSpPr>
+        <p:spPr>
+          <a:xfrm>
+            <a:off x="1247992" y="2565004"/>
+            <a:ext cx="15776138" cy="4279766"/>
+          </a:xfrm>
+        </p:spPr>
+        <p:txBody>
+          <a:bodyPr anchor="b"/>
+          <a:lstStyle>
+            <a:lvl1pPr>
+              <a:defRPr sz="9001"/>
+            </a:lvl1pPr>
+          </a:lstStyle>
+          <a:p>
+            <a:r>
+              <a:rPr lang="en-GB"/>
+              <a:t>Click to edit Master title style</a:t>
+            </a:r>
+            <a:endParaRPr lang="en-US" dirty="0"/>
+          </a:p>
+        </p:txBody>
+      </p:sp>
+      <p:sp>
+        <p:nvSpPr>
+          <p:cNvPr id="3" name="Text Placeholder 2"/>
+          <p:cNvSpPr>
+            <a:spLocks noGrp="1"/>
+          </p:cNvSpPr>
+          <p:nvPr>
+            <p:ph type="body" idx="1"/>
+          </p:nvPr>
+        </p:nvSpPr>
+        <p:spPr>
+          <a:xfrm>
+            <a:off x="1247992" y="6885258"/>
+            <a:ext cx="15776138" cy="2250628"/>
+          </a:xfrm>
+        </p:spPr>
+        <p:txBody>
+          <a:bodyPr/>
+          <a:lstStyle>
+            <a:lvl1pPr marL="0" indent="0">
+              <a:buNone/>
+              <a:defRPr sz="3600">
+                <a:solidFill>
+                  <a:schemeClr val="tx1">
+                    <a:tint val="75000"/>
+                  </a:schemeClr>
+                </a:solidFill>
+              </a:defRPr>
+            </a:lvl1pPr>
+            <a:lvl2pPr marL="685891" indent="0">
+              <a:buNone/>
+              <a:defRPr sz="3000">
+                <a:solidFill>
+                  <a:schemeClr val="tx1">
+                    <a:tint val="75000"/>
+                  </a:schemeClr>
+                </a:solidFill>
+              </a:defRPr>
+            </a:lvl2pPr>
+            <a:lvl3pPr marL="1371783" indent="0">
+              <a:buNone/>
+              <a:defRPr sz="2700">
+                <a:solidFill>
+                  <a:schemeClr val="tx1">
+                    <a:tint val="75000"/>
+                  </a:schemeClr>
+                </a:solidFill>
+              </a:defRPr>
+            </a:lvl3pPr>
+            <a:lvl4pPr marL="2057674" indent="0">
+              <a:buNone/>
+              <a:defRPr sz="2400">
+                <a:solidFill>
+                  <a:schemeClr val="tx1">
+                    <a:tint val="75000"/>
+                  </a:schemeClr>
+                </a:solidFill>
+              </a:defRPr>
+            </a:lvl4pPr>
+            <a:lvl5pPr marL="2743566" indent="0">
+              <a:buNone/>
+              <a:defRPr sz="2400">
+                <a:solidFill>
+                  <a:schemeClr val="tx1">
+                    <a:tint val="75000"/>
+                  </a:schemeClr>
+                </a:solidFill>
+              </a:defRPr>
+            </a:lvl5pPr>
+            <a:lvl6pPr marL="3429457" indent="0">
+              <a:buNone/>
+              <a:defRPr sz="2400">
+                <a:solidFill>
+                  <a:schemeClr val="tx1">
+                    <a:tint val="75000"/>
+                  </a:schemeClr>
+                </a:solidFill>
+              </a:defRPr>
+            </a:lvl6pPr>
+            <a:lvl7pPr marL="4115349" indent="0">
+              <a:buNone/>
+              <a:defRPr sz="2400">
+                <a:solidFill>
+                  <a:schemeClr val="tx1">
+                    <a:tint val="75000"/>
+                  </a:schemeClr>
+                </a:solidFill>
+              </a:defRPr>
+            </a:lvl7pPr>
+            <a:lvl8pPr marL="4801240" indent="0">
+              <a:buNone/>
+              <a:defRPr sz="2400">
+                <a:solidFill>
+                  <a:schemeClr val="tx1">
+                    <a:tint val="75000"/>
+                  </a:schemeClr>
+                </a:solidFill>
+              </a:defRPr>
+            </a:lvl8pPr>
+            <a:lvl9pPr marL="5487132" indent="0">
+              <a:buNone/>
+              <a:defRPr sz="2400">
+                <a:solidFill>
+                  <a:schemeClr val="tx1">
+                    <a:tint val="75000"/>
+                  </a:schemeClr>
+                </a:solidFill>
+              </a:defRPr>
+            </a:lvl9pPr>
+          </a:lstStyle>
+          <a:p>
+            <a:pPr lvl="0"/>
+            <a:r>
+              <a:rPr lang="en-GB"/>
+              <a:t>Click to edit Master text styles</a:t>
+            </a:r>
+          </a:p>
+        </p:txBody>
+      </p:sp>
+      <p:sp>
+        <p:nvSpPr>
+          <p:cNvPr id="4" name="Date Placeholder 3"/>
+          <p:cNvSpPr>
+            <a:spLocks noGrp="1"/>
+          </p:cNvSpPr>
+          <p:nvPr>
+            <p:ph type="dt" sz="half" idx="10"/>
+          </p:nvPr>
+        </p:nvSpPr>
+        <p:spPr/>
+        <p:txBody>
+          <a:bodyPr/>
+          <a:lstStyle/>
+          <a:p>
+            <a:fld id="{F9D3E6FF-AC24-BE43-AFD3-27417514DD0F}" type="datetimeFigureOut">
+              <a:rPr lang="en-GB" smtClean="0"/>
+              <a:t>29/10/2019</a:t>
+            </a:fld>
+            <a:endParaRPr lang="en-GB"/>
+          </a:p>
+        </p:txBody>
+      </p:sp>
+      <p:sp>
+        <p:nvSpPr>
+          <p:cNvPr id="5" name="Footer Placeholder 4"/>
+          <p:cNvSpPr>
+            <a:spLocks noGrp="1"/>
+          </p:cNvSpPr>
+          <p:nvPr>
+            <p:ph type="ftr" sz="quarter" idx="11"/>
+          </p:nvPr>
+        </p:nvSpPr>
+        <p:spPr/>
+        <p:txBody>
+          <a:bodyPr/>
+          <a:lstStyle/>
+          <a:p>
+            <a:endParaRPr lang="en-GB"/>
+          </a:p>
+        </p:txBody>
+      </p:sp>
+      <p:sp>
+        <p:nvSpPr>
+          <p:cNvPr id="6" name="Slide Number Placeholder 5"/>
+          <p:cNvSpPr>
+            <a:spLocks noGrp="1"/>
+          </p:cNvSpPr>
+          <p:nvPr>
+            <p:ph type="sldNum" sz="quarter" idx="12"/>
+          </p:nvPr>
+        </p:nvSpPr>
+        <p:spPr/>
+        <p:txBody>
+          <a:bodyPr/>
+          <a:lstStyle/>
+          <a:p>
+            <a:fld id="{E7BF77D1-BCE9-F840-9DDE-1CBE1AA5F573}" type="slidenum">
+              <a:rPr lang="en-GB" smtClean="0"/>
+              <a:t>‹#›</a:t>
+            </a:fld>
+            <a:endParaRPr lang="en-GB"/>
+          </a:p>
+        </p:txBody>
+      </p:sp>
+    </p:spTree>
+    <p:extLst>
+      <p:ext uri="{BB962C8B-B14F-4D97-AF65-F5344CB8AC3E}">
+        <p14:creationId xmlns:p14="http://schemas.microsoft.com/office/powerpoint/2010/main" val="1634775277"/>
+      </p:ext>
+    </p:extLst>
+  </p:cSld>
+  <p:clrMapOvr>
+    <a:masterClrMapping/>
+  </p:clrMapOvr>
+</p:sldLayout>
+</file>
+
+<file path=ppt/slideLayouts/slideLayout4.xml><?xml version="1.0" encoding="utf-8"?>
+<p:sldLayout xmlns:a="http://schemas.openxmlformats.org/drawingml/2006/main" xmlns:r="http://schemas.openxmlformats.org/officeDocument/2006/relationships" xmlns:p="http://schemas.openxmlformats.org/presentationml/2006/main" type="twoObj" preserve="1">
+  <p:cSld name="Two Content">
+    <p:spTree>
+      <p:nvGrpSpPr>
+        <p:cNvPr id="1" name=""/>
+        <p:cNvGrpSpPr/>
+        <p:nvPr/>
+      </p:nvGrpSpPr>
+      <p:grpSpPr>
+        <a:xfrm>
+          <a:off x="0" y="0"/>
+          <a:ext cx="0" cy="0"/>
+          <a:chOff x="0" y="0"/>
+          <a:chExt cx="0" cy="0"/>
+        </a:xfrm>
+      </p:grpSpPr>
+      <p:sp>
+        <p:nvSpPr>
+          <p:cNvPr id="2" name="Title 1"/>
+          <p:cNvSpPr>
+            <a:spLocks noGrp="1"/>
+          </p:cNvSpPr>
+          <p:nvPr>
+            <p:ph type="title"/>
+          </p:nvPr>
+        </p:nvSpPr>
+        <p:spPr/>
+        <p:txBody>
+          <a:bodyPr/>
+          <a:lstStyle/>
+          <a:p>
+            <a:r>
+              <a:rPr lang="en-GB"/>
+              <a:t>Click to edit Master title style</a:t>
+            </a:r>
+            <a:endParaRPr lang="en-US" dirty="0"/>
+          </a:p>
+        </p:txBody>
+      </p:sp>
+      <p:sp>
+        <p:nvSpPr>
+          <p:cNvPr id="3" name="Content Placeholder 2"/>
+          <p:cNvSpPr>
+            <a:spLocks noGrp="1"/>
+          </p:cNvSpPr>
+          <p:nvPr>
+            <p:ph sz="half" idx="1"/>
+          </p:nvPr>
+        </p:nvSpPr>
+        <p:spPr>
+          <a:xfrm>
+            <a:off x="1257518" y="2738860"/>
+            <a:ext cx="7773749" cy="6528015"/>
+          </a:xfrm>
+        </p:spPr>
+        <p:txBody>
+          <a:bodyPr/>
+          <a:lstStyle/>
+          <a:p>
+            <a:pPr lvl="0"/>
+            <a:r>
+              <a:rPr lang="en-GB"/>
+              <a:t>Click to edit Master text styles</a:t>
+            </a:r>
+          </a:p>
+          <a:p>
+            <a:pPr lvl="1"/>
+            <a:r>
+              <a:rPr lang="en-GB"/>
+              <a:t>Second level</a:t>
+            </a:r>
+          </a:p>
+          <a:p>
+            <a:pPr lvl="2"/>
+            <a:r>
+              <a:rPr lang="en-GB"/>
+              <a:t>Third level</a:t>
+            </a:r>
+          </a:p>
+          <a:p>
+            <a:pPr lvl="3"/>
+            <a:r>
+              <a:rPr lang="en-GB"/>
+              <a:t>Fourth level</a:t>
+            </a:r>
+          </a:p>
+          <a:p>
+            <a:pPr lvl="4"/>
+            <a:r>
+              <a:rPr lang="en-GB"/>
+              <a:t>Fifth level</a:t>
+            </a:r>
+            <a:endParaRPr lang="en-US" dirty="0"/>
+          </a:p>
+        </p:txBody>
+      </p:sp>
+      <p:sp>
+        <p:nvSpPr>
+          <p:cNvPr id="4" name="Content Placeholder 3"/>
+          <p:cNvSpPr>
+            <a:spLocks noGrp="1"/>
+          </p:cNvSpPr>
+          <p:nvPr>
+            <p:ph sz="half" idx="2"/>
+          </p:nvPr>
+        </p:nvSpPr>
+        <p:spPr>
+          <a:xfrm>
+            <a:off x="9259908" y="2738860"/>
+            <a:ext cx="7773749" cy="6528015"/>
+          </a:xfrm>
+        </p:spPr>
+        <p:txBody>
+          <a:bodyPr/>
+          <a:lstStyle/>
+          <a:p>
+            <a:pPr lvl="0"/>
+            <a:r>
+              <a:rPr lang="en-GB"/>
+              <a:t>Click to edit Master text styles</a:t>
+            </a:r>
+          </a:p>
+          <a:p>
+            <a:pPr lvl="1"/>
+            <a:r>
+              <a:rPr lang="en-GB"/>
+              <a:t>Second level</a:t>
+            </a:r>
+          </a:p>
+          <a:p>
+            <a:pPr lvl="2"/>
+            <a:r>
+              <a:rPr lang="en-GB"/>
+              <a:t>Third level</a:t>
+            </a:r>
+          </a:p>
+          <a:p>
+            <a:pPr lvl="3"/>
+            <a:r>
+              <a:rPr lang="en-GB"/>
+              <a:t>Fourth level</a:t>
+            </a:r>
+          </a:p>
+          <a:p>
+            <a:pPr lvl="4"/>
+            <a:r>
+              <a:rPr lang="en-GB"/>
+              <a:t>Fifth level</a:t>
+            </a:r>
+            <a:endParaRPr lang="en-US" dirty="0"/>
+          </a:p>
+        </p:txBody>
+      </p:sp>
+      <p:sp>
+        <p:nvSpPr>
+          <p:cNvPr id="5" name="Date Placeholder 4"/>
+          <p:cNvSpPr>
+            <a:spLocks noGrp="1"/>
+          </p:cNvSpPr>
+          <p:nvPr>
+            <p:ph type="dt" sz="half" idx="10"/>
+          </p:nvPr>
+        </p:nvSpPr>
+        <p:spPr/>
+        <p:txBody>
+          <a:bodyPr/>
+          <a:lstStyle/>
+          <a:p>
+            <a:fld id="{F9D3E6FF-AC24-BE43-AFD3-27417514DD0F}" type="datetimeFigureOut">
+              <a:rPr lang="en-GB" smtClean="0"/>
+              <a:t>29/10/2019</a:t>
+            </a:fld>
+            <a:endParaRPr lang="en-GB"/>
+          </a:p>
+        </p:txBody>
+      </p:sp>
+      <p:sp>
+        <p:nvSpPr>
+          <p:cNvPr id="6" name="Footer Placeholder 5"/>
+          <p:cNvSpPr>
+            <a:spLocks noGrp="1"/>
+          </p:cNvSpPr>
+          <p:nvPr>
+            <p:ph type="ftr" sz="quarter" idx="11"/>
+          </p:nvPr>
+        </p:nvSpPr>
+        <p:spPr/>
+        <p:txBody>
+          <a:bodyPr/>
+          <a:lstStyle/>
+          <a:p>
+            <a:endParaRPr lang="en-GB"/>
+          </a:p>
+        </p:txBody>
+      </p:sp>
+      <p:sp>
+        <p:nvSpPr>
+          <p:cNvPr id="7" name="Slide Number Placeholder 6"/>
+          <p:cNvSpPr>
+            <a:spLocks noGrp="1"/>
+          </p:cNvSpPr>
+          <p:nvPr>
+            <p:ph type="sldNum" sz="quarter" idx="12"/>
+          </p:nvPr>
+        </p:nvSpPr>
+        <p:spPr/>
+        <p:txBody>
+          <a:bodyPr/>
+          <a:lstStyle/>
+          <a:p>
+            <a:fld id="{E7BF77D1-BCE9-F840-9DDE-1CBE1AA5F573}" type="slidenum">
+              <a:rPr lang="en-GB" smtClean="0"/>
+              <a:t>‹#›</a:t>
+            </a:fld>
+            <a:endParaRPr lang="en-GB"/>
+          </a:p>
+        </p:txBody>
+      </p:sp>
+    </p:spTree>
+    <p:extLst>
+      <p:ext uri="{BB962C8B-B14F-4D97-AF65-F5344CB8AC3E}">
+        <p14:creationId xmlns:p14="http://schemas.microsoft.com/office/powerpoint/2010/main" val="953182217"/>
+      </p:ext>
+    </p:extLst>
+  </p:cSld>
+  <p:clrMapOvr>
+    <a:masterClrMapping/>
+  </p:clrMapOvr>
+</p:sldLayout>
+</file>
+
+<file path=ppt/slideLayouts/slideLayout5.xml><?xml version="1.0" encoding="utf-8"?>
+<p:sldLayout xmlns:a="http://schemas.openxmlformats.org/drawingml/2006/main" xmlns:r="http://schemas.openxmlformats.org/officeDocument/2006/relationships" xmlns:p="http://schemas.openxmlformats.org/presentationml/2006/main" type="twoTxTwoObj" preserve="1">
+  <p:cSld name="Comparison">
+    <p:spTree>
+      <p:nvGrpSpPr>
+        <p:cNvPr id="1" name=""/>
+        <p:cNvGrpSpPr/>
+        <p:nvPr/>
+      </p:nvGrpSpPr>
+      <p:grpSpPr>
+        <a:xfrm>
+          <a:off x="0" y="0"/>
+          <a:ext cx="0" cy="0"/>
+          <a:chOff x="0" y="0"/>
+          <a:chExt cx="0" cy="0"/>
+        </a:xfrm>
+      </p:grpSpPr>
+      <p:sp>
+        <p:nvSpPr>
+          <p:cNvPr id="2" name="Title 1"/>
+          <p:cNvSpPr>
+            <a:spLocks noGrp="1"/>
+          </p:cNvSpPr>
+          <p:nvPr>
+            <p:ph type="title"/>
+          </p:nvPr>
+        </p:nvSpPr>
+        <p:spPr>
+          <a:xfrm>
+            <a:off x="1259901" y="547773"/>
+            <a:ext cx="15776138" cy="1988651"/>
+          </a:xfrm>
+        </p:spPr>
+        <p:txBody>
+          <a:bodyPr/>
+          <a:lstStyle/>
+          <a:p>
+            <a:r>
+              <a:rPr lang="en-GB"/>
+              <a:t>Click to edit Master title style</a:t>
+            </a:r>
+            <a:endParaRPr lang="en-US" dirty="0"/>
+          </a:p>
+        </p:txBody>
+      </p:sp>
+      <p:sp>
+        <p:nvSpPr>
+          <p:cNvPr id="3" name="Text Placeholder 2"/>
+          <p:cNvSpPr>
+            <a:spLocks noGrp="1"/>
+          </p:cNvSpPr>
+          <p:nvPr>
+            <p:ph type="body" idx="1"/>
+          </p:nvPr>
+        </p:nvSpPr>
+        <p:spPr>
+          <a:xfrm>
+            <a:off x="1259901" y="2522134"/>
+            <a:ext cx="7738024" cy="1236059"/>
+          </a:xfrm>
+        </p:spPr>
+        <p:txBody>
+          <a:bodyPr anchor="b"/>
+          <a:lstStyle>
+            <a:lvl1pPr marL="0" indent="0">
+              <a:buNone/>
+              <a:defRPr sz="3600" b="1"/>
+            </a:lvl1pPr>
+            <a:lvl2pPr marL="685891" indent="0">
+              <a:buNone/>
+              <a:defRPr sz="3000" b="1"/>
+            </a:lvl2pPr>
+            <a:lvl3pPr marL="1371783" indent="0">
+              <a:buNone/>
+              <a:defRPr sz="2700" b="1"/>
+            </a:lvl3pPr>
+            <a:lvl4pPr marL="2057674" indent="0">
+              <a:buNone/>
+              <a:defRPr sz="2400" b="1"/>
+            </a:lvl4pPr>
+            <a:lvl5pPr marL="2743566" indent="0">
+              <a:buNone/>
+              <a:defRPr sz="2400" b="1"/>
+            </a:lvl5pPr>
+            <a:lvl6pPr marL="3429457" indent="0">
+              <a:buNone/>
+              <a:defRPr sz="2400" b="1"/>
+            </a:lvl6pPr>
+            <a:lvl7pPr marL="4115349" indent="0">
+              <a:buNone/>
+              <a:defRPr sz="2400" b="1"/>
+            </a:lvl7pPr>
+            <a:lvl8pPr marL="4801240" indent="0">
+              <a:buNone/>
+              <a:defRPr sz="2400" b="1"/>
+            </a:lvl8pPr>
+            <a:lvl9pPr marL="5487132" indent="0">
+              <a:buNone/>
+              <a:defRPr sz="2400" b="1"/>
+            </a:lvl9pPr>
+          </a:lstStyle>
+          <a:p>
+            <a:pPr lvl="0"/>
+            <a:r>
+              <a:rPr lang="en-GB"/>
+              <a:t>Click to edit Master text styles</a:t>
+            </a:r>
+          </a:p>
+        </p:txBody>
+      </p:sp>
+      <p:sp>
+        <p:nvSpPr>
+          <p:cNvPr id="4" name="Content Placeholder 3"/>
+          <p:cNvSpPr>
+            <a:spLocks noGrp="1"/>
+          </p:cNvSpPr>
+          <p:nvPr>
+            <p:ph sz="half" idx="2"/>
+          </p:nvPr>
+        </p:nvSpPr>
+        <p:spPr>
+          <a:xfrm>
+            <a:off x="1259901" y="3758193"/>
+            <a:ext cx="7738024" cy="5527735"/>
+          </a:xfrm>
+        </p:spPr>
+        <p:txBody>
+          <a:bodyPr/>
+          <a:lstStyle/>
+          <a:p>
+            <a:pPr lvl="0"/>
+            <a:r>
+              <a:rPr lang="en-GB"/>
+              <a:t>Click to edit Master text styles</a:t>
+            </a:r>
+          </a:p>
+          <a:p>
+            <a:pPr lvl="1"/>
+            <a:r>
+              <a:rPr lang="en-GB"/>
+              <a:t>Second level</a:t>
+            </a:r>
+          </a:p>
+          <a:p>
+            <a:pPr lvl="2"/>
+            <a:r>
+              <a:rPr lang="en-GB"/>
+              <a:t>Third level</a:t>
+            </a:r>
+          </a:p>
+          <a:p>
+            <a:pPr lvl="3"/>
+            <a:r>
+              <a:rPr lang="en-GB"/>
+              <a:t>Fourth level</a:t>
+            </a:r>
+          </a:p>
+          <a:p>
+            <a:pPr lvl="4"/>
+            <a:r>
+              <a:rPr lang="en-GB"/>
+              <a:t>Fifth level</a:t>
+            </a:r>
+            <a:endParaRPr lang="en-US" dirty="0"/>
+          </a:p>
+        </p:txBody>
+      </p:sp>
+      <p:sp>
+        <p:nvSpPr>
+          <p:cNvPr id="5" name="Text Placeholder 4"/>
+          <p:cNvSpPr>
+            <a:spLocks noGrp="1"/>
+          </p:cNvSpPr>
+          <p:nvPr>
+            <p:ph type="body" sz="quarter" idx="3"/>
+          </p:nvPr>
+        </p:nvSpPr>
+        <p:spPr>
+          <a:xfrm>
+            <a:off x="9259907" y="2522134"/>
+            <a:ext cx="7776132" cy="1236059"/>
+          </a:xfrm>
+        </p:spPr>
+        <p:txBody>
+          <a:bodyPr anchor="b"/>
+          <a:lstStyle>
+            <a:lvl1pPr marL="0" indent="0">
+              <a:buNone/>
+              <a:defRPr sz="3600" b="1"/>
+            </a:lvl1pPr>
+            <a:lvl2pPr marL="685891" indent="0">
+              <a:buNone/>
+              <a:defRPr sz="3000" b="1"/>
+            </a:lvl2pPr>
+            <a:lvl3pPr marL="1371783" indent="0">
+              <a:buNone/>
+              <a:defRPr sz="2700" b="1"/>
+            </a:lvl3pPr>
+            <a:lvl4pPr marL="2057674" indent="0">
+              <a:buNone/>
+              <a:defRPr sz="2400" b="1"/>
+            </a:lvl4pPr>
+            <a:lvl5pPr marL="2743566" indent="0">
+              <a:buNone/>
+              <a:defRPr sz="2400" b="1"/>
+            </a:lvl5pPr>
+            <a:lvl6pPr marL="3429457" indent="0">
+              <a:buNone/>
+              <a:defRPr sz="2400" b="1"/>
+            </a:lvl6pPr>
+            <a:lvl7pPr marL="4115349" indent="0">
+              <a:buNone/>
+              <a:defRPr sz="2400" b="1"/>
+            </a:lvl7pPr>
+            <a:lvl8pPr marL="4801240" indent="0">
+              <a:buNone/>
+              <a:defRPr sz="2400" b="1"/>
+            </a:lvl8pPr>
+            <a:lvl9pPr marL="5487132" indent="0">
+              <a:buNone/>
+              <a:defRPr sz="2400" b="1"/>
+            </a:lvl9pPr>
+          </a:lstStyle>
+          <a:p>
+            <a:pPr lvl="0"/>
+            <a:r>
+              <a:rPr lang="en-GB"/>
+              <a:t>Click to edit Master text styles</a:t>
+            </a:r>
+          </a:p>
+        </p:txBody>
+      </p:sp>
+      <p:sp>
+        <p:nvSpPr>
+          <p:cNvPr id="6" name="Content Placeholder 5"/>
+          <p:cNvSpPr>
+            <a:spLocks noGrp="1"/>
+          </p:cNvSpPr>
+          <p:nvPr>
+            <p:ph sz="quarter" idx="4"/>
+          </p:nvPr>
+        </p:nvSpPr>
+        <p:spPr>
+          <a:xfrm>
+            <a:off x="9259907" y="3758193"/>
+            <a:ext cx="7776132" cy="5527735"/>
+          </a:xfrm>
+        </p:spPr>
+        <p:txBody>
+          <a:bodyPr/>
+          <a:lstStyle/>
+          <a:p>
+            <a:pPr lvl="0"/>
+            <a:r>
+              <a:rPr lang="en-GB"/>
+              <a:t>Click to edit Master text styles</a:t>
+            </a:r>
+          </a:p>
+          <a:p>
+            <a:pPr lvl="1"/>
+            <a:r>
+              <a:rPr lang="en-GB"/>
+              <a:t>Second level</a:t>
+            </a:r>
+          </a:p>
+          <a:p>
+            <a:pPr lvl="2"/>
+            <a:r>
+              <a:rPr lang="en-GB"/>
+              <a:t>Third level</a:t>
+            </a:r>
+          </a:p>
+          <a:p>
+            <a:pPr lvl="3"/>
+            <a:r>
+              <a:rPr lang="en-GB"/>
+              <a:t>Fourth level</a:t>
+            </a:r>
+          </a:p>
+          <a:p>
+            <a:pPr lvl="4"/>
+            <a:r>
+              <a:rPr lang="en-GB"/>
+              <a:t>Fifth level</a:t>
+            </a:r>
+            <a:endParaRPr lang="en-US" dirty="0"/>
+          </a:p>
+        </p:txBody>
+      </p:sp>
+      <p:sp>
+        <p:nvSpPr>
+          <p:cNvPr id="7" name="Date Placeholder 6"/>
+          <p:cNvSpPr>
+            <a:spLocks noGrp="1"/>
+          </p:cNvSpPr>
+          <p:nvPr>
+            <p:ph type="dt" sz="half" idx="10"/>
+          </p:nvPr>
+        </p:nvSpPr>
+        <p:spPr/>
+        <p:txBody>
+          <a:bodyPr/>
+          <a:lstStyle/>
+          <a:p>
+            <a:fld id="{F9D3E6FF-AC24-BE43-AFD3-27417514DD0F}" type="datetimeFigureOut">
+              <a:rPr lang="en-GB" smtClean="0"/>
+              <a:t>29/10/2019</a:t>
+            </a:fld>
+            <a:endParaRPr lang="en-GB"/>
+          </a:p>
+        </p:txBody>
+      </p:sp>
+      <p:sp>
+        <p:nvSpPr>
+          <p:cNvPr id="8" name="Footer Placeholder 7"/>
+          <p:cNvSpPr>
+            <a:spLocks noGrp="1"/>
+          </p:cNvSpPr>
+          <p:nvPr>
+            <p:ph type="ftr" sz="quarter" idx="11"/>
+          </p:nvPr>
+        </p:nvSpPr>
+        <p:spPr/>
+        <p:txBody>
+          <a:bodyPr/>
+          <a:lstStyle/>
+          <a:p>
+            <a:endParaRPr lang="en-GB"/>
+          </a:p>
+        </p:txBody>
+      </p:sp>
+      <p:sp>
+        <p:nvSpPr>
+          <p:cNvPr id="9" name="Slide Number Placeholder 8"/>
+          <p:cNvSpPr>
+            <a:spLocks noGrp="1"/>
+          </p:cNvSpPr>
+          <p:nvPr>
+            <p:ph type="sldNum" sz="quarter" idx="12"/>
+          </p:nvPr>
+        </p:nvSpPr>
+        <p:spPr/>
+        <p:txBody>
+          <a:bodyPr/>
+          <a:lstStyle/>
+          <a:p>
+            <a:fld id="{E7BF77D1-BCE9-F840-9DDE-1CBE1AA5F573}" type="slidenum">
+              <a:rPr lang="en-GB" smtClean="0"/>
+              <a:t>‹#›</a:t>
+            </a:fld>
+            <a:endParaRPr lang="en-GB"/>
+          </a:p>
+        </p:txBody>
+      </p:sp>
+    </p:spTree>
+    <p:extLst>
+      <p:ext uri="{BB962C8B-B14F-4D97-AF65-F5344CB8AC3E}">
+        <p14:creationId xmlns:p14="http://schemas.microsoft.com/office/powerpoint/2010/main" val="3405834582"/>
+      </p:ext>
+    </p:extLst>
+  </p:cSld>
+  <p:clrMapOvr>
+    <a:masterClrMapping/>
+  </p:clrMapOvr>
+</p:sldLayout>
+</file>
+
+<file path=ppt/slideLayouts/slideLayout6.xml><?xml version="1.0" encoding="utf-8"?>
+<p:sldLayout xmlns:a="http://schemas.openxmlformats.org/drawingml/2006/main" xmlns:r="http://schemas.openxmlformats.org/officeDocument/2006/relationships" xmlns:p="http://schemas.openxmlformats.org/presentationml/2006/main" type="titleOnly" preserve="1">
+  <p:cSld name="Title Only">
+    <p:spTree>
+      <p:nvGrpSpPr>
+        <p:cNvPr id="1" name=""/>
+        <p:cNvGrpSpPr/>
+        <p:nvPr/>
+      </p:nvGrpSpPr>
+      <p:grpSpPr>
+        <a:xfrm>
+          <a:off x="0" y="0"/>
+          <a:ext cx="0" cy="0"/>
+          <a:chOff x="0" y="0"/>
+          <a:chExt cx="0" cy="0"/>
+        </a:xfrm>
+      </p:grpSpPr>
+      <p:sp>
+        <p:nvSpPr>
+          <p:cNvPr id="2" name="Title 1"/>
+          <p:cNvSpPr>
+            <a:spLocks noGrp="1"/>
+          </p:cNvSpPr>
+          <p:nvPr>
+            <p:ph type="title"/>
+          </p:nvPr>
+        </p:nvSpPr>
+        <p:spPr/>
+        <p:txBody>
+          <a:bodyPr/>
+          <a:lstStyle/>
+          <a:p>
+            <a:r>
+              <a:rPr lang="en-GB"/>
+              <a:t>Click to edit Master title style</a:t>
+            </a:r>
+            <a:endParaRPr lang="en-US" dirty="0"/>
+          </a:p>
+        </p:txBody>
+      </p:sp>
+      <p:sp>
+        <p:nvSpPr>
+          <p:cNvPr id="3" name="Date Placeholder 2"/>
+          <p:cNvSpPr>
+            <a:spLocks noGrp="1"/>
+          </p:cNvSpPr>
+          <p:nvPr>
+            <p:ph type="dt" sz="half" idx="10"/>
+          </p:nvPr>
+        </p:nvSpPr>
+        <p:spPr/>
+        <p:txBody>
+          <a:bodyPr/>
+          <a:lstStyle/>
+          <a:p>
+            <a:fld id="{F9D3E6FF-AC24-BE43-AFD3-27417514DD0F}" type="datetimeFigureOut">
+              <a:rPr lang="en-GB" smtClean="0"/>
+              <a:t>29/10/2019</a:t>
+            </a:fld>
+            <a:endParaRPr lang="en-GB"/>
+          </a:p>
+        </p:txBody>
+      </p:sp>
+      <p:sp>
+        <p:nvSpPr>
+          <p:cNvPr id="4" name="Footer Placeholder 3"/>
+          <p:cNvSpPr>
+            <a:spLocks noGrp="1"/>
+          </p:cNvSpPr>
+          <p:nvPr>
+            <p:ph type="ftr" sz="quarter" idx="11"/>
+          </p:nvPr>
+        </p:nvSpPr>
+        <p:spPr/>
+        <p:txBody>
+          <a:bodyPr/>
+          <a:lstStyle/>
+          <a:p>
+            <a:endParaRPr lang="en-GB"/>
+          </a:p>
+        </p:txBody>
+      </p:sp>
+      <p:sp>
+        <p:nvSpPr>
+          <p:cNvPr id="5" name="Slide Number Placeholder 4"/>
+          <p:cNvSpPr>
+            <a:spLocks noGrp="1"/>
+          </p:cNvSpPr>
+          <p:nvPr>
+            <p:ph type="sldNum" sz="quarter" idx="12"/>
+          </p:nvPr>
+        </p:nvSpPr>
+        <p:spPr/>
+        <p:txBody>
+          <a:bodyPr/>
+          <a:lstStyle/>
+          <a:p>
+            <a:fld id="{E7BF77D1-BCE9-F840-9DDE-1CBE1AA5F573}" type="slidenum">
+              <a:rPr lang="en-GB" smtClean="0"/>
+              <a:t>‹#›</a:t>
+            </a:fld>
+            <a:endParaRPr lang="en-GB"/>
+          </a:p>
+        </p:txBody>
+      </p:sp>
+    </p:spTree>
+    <p:extLst>
+      <p:ext uri="{BB962C8B-B14F-4D97-AF65-F5344CB8AC3E}">
+        <p14:creationId xmlns:p14="http://schemas.microsoft.com/office/powerpoint/2010/main" val="2325427131"/>
+      </p:ext>
+    </p:extLst>
+  </p:cSld>
+  <p:clrMapOvr>
+    <a:masterClrMapping/>
+  </p:clrMapOvr>
+</p:sldLayout>
+</file>
+
+<file path=ppt/slideLayouts/slideLayout7.xml><?xml version="1.0" encoding="utf-8"?>
+<p:sldLayout xmlns:a="http://schemas.openxmlformats.org/drawingml/2006/main" xmlns:r="http://schemas.openxmlformats.org/officeDocument/2006/relationships" xmlns:p="http://schemas.openxmlformats.org/presentationml/2006/main" type="blank" preserve="1">
+  <p:cSld name="Blank">
+    <p:spTree>
+      <p:nvGrpSpPr>
+        <p:cNvPr id="1" name=""/>
+        <p:cNvGrpSpPr/>
+        <p:nvPr/>
+      </p:nvGrpSpPr>
+      <p:grpSpPr>
+        <a:xfrm>
+          <a:off x="0" y="0"/>
+          <a:ext cx="0" cy="0"/>
+          <a:chOff x="0" y="0"/>
+          <a:chExt cx="0" cy="0"/>
+        </a:xfrm>
+      </p:grpSpPr>
+      <p:sp>
+        <p:nvSpPr>
+          <p:cNvPr id="2" name="Date Placeholder 1"/>
+          <p:cNvSpPr>
+            <a:spLocks noGrp="1"/>
+          </p:cNvSpPr>
+          <p:nvPr>
+            <p:ph type="dt" sz="half" idx="10"/>
+          </p:nvPr>
+        </p:nvSpPr>
+        <p:spPr/>
+        <p:txBody>
+          <a:bodyPr/>
+          <a:lstStyle/>
+          <a:p>
+            <a:fld id="{F9D3E6FF-AC24-BE43-AFD3-27417514DD0F}" type="datetimeFigureOut">
+              <a:rPr lang="en-GB" smtClean="0"/>
+              <a:t>29/10/2019</a:t>
+            </a:fld>
+            <a:endParaRPr lang="en-GB"/>
+          </a:p>
+        </p:txBody>
+      </p:sp>
+      <p:sp>
+        <p:nvSpPr>
+          <p:cNvPr id="3" name="Footer Placeholder 2"/>
+          <p:cNvSpPr>
+            <a:spLocks noGrp="1"/>
+          </p:cNvSpPr>
+          <p:nvPr>
+            <p:ph type="ftr" sz="quarter" idx="11"/>
+          </p:nvPr>
+        </p:nvSpPr>
+        <p:spPr/>
+        <p:txBody>
+          <a:bodyPr/>
+          <a:lstStyle/>
+          <a:p>
+            <a:endParaRPr lang="en-GB"/>
+          </a:p>
+        </p:txBody>
+      </p:sp>
+      <p:sp>
+        <p:nvSpPr>
+          <p:cNvPr id="4" name="Slide Number Placeholder 3"/>
+          <p:cNvSpPr>
+            <a:spLocks noGrp="1"/>
+          </p:cNvSpPr>
+          <p:nvPr>
+            <p:ph type="sldNum" sz="quarter" idx="12"/>
+          </p:nvPr>
+        </p:nvSpPr>
+        <p:spPr/>
+        <p:txBody>
+          <a:bodyPr/>
+          <a:lstStyle/>
+          <a:p>
+            <a:fld id="{E7BF77D1-BCE9-F840-9DDE-1CBE1AA5F573}" type="slidenum">
+              <a:rPr lang="en-GB" smtClean="0"/>
+              <a:t>‹#›</a:t>
+            </a:fld>
+            <a:endParaRPr lang="en-GB"/>
+          </a:p>
+        </p:txBody>
+      </p:sp>
+    </p:spTree>
+    <p:extLst>
+      <p:ext uri="{BB962C8B-B14F-4D97-AF65-F5344CB8AC3E}">
+        <p14:creationId xmlns:p14="http://schemas.microsoft.com/office/powerpoint/2010/main" val="1076801396"/>
+      </p:ext>
+    </p:extLst>
+  </p:cSld>
+  <p:clrMapOvr>
+    <a:masterClrMapping/>
+  </p:clrMapOvr>
+</p:sldLayout>
+</file>
+
+<file path=ppt/slideLayouts/slideLayout8.xml><?xml version="1.0" encoding="utf-8"?>
+<p:sldLayout xmlns:a="http://schemas.openxmlformats.org/drawingml/2006/main" xmlns:r="http://schemas.openxmlformats.org/officeDocument/2006/relationships" xmlns:p="http://schemas.openxmlformats.org/presentationml/2006/main" type="objTx" preserve="1">
+  <p:cSld name="Content with Caption">
+    <p:spTree>
+      <p:nvGrpSpPr>
+        <p:cNvPr id="1" name=""/>
+        <p:cNvGrpSpPr/>
+        <p:nvPr/>
+      </p:nvGrpSpPr>
+      <p:grpSpPr>
+        <a:xfrm>
+          <a:off x="0" y="0"/>
+          <a:ext cx="0" cy="0"/>
+          <a:chOff x="0" y="0"/>
+          <a:chExt cx="0" cy="0"/>
+        </a:xfrm>
+      </p:grpSpPr>
+      <p:sp>
+        <p:nvSpPr>
+          <p:cNvPr id="2" name="Title 1"/>
+          <p:cNvSpPr>
+            <a:spLocks noGrp="1"/>
+          </p:cNvSpPr>
+          <p:nvPr>
+            <p:ph type="title"/>
+          </p:nvPr>
+        </p:nvSpPr>
+        <p:spPr>
+          <a:xfrm>
+            <a:off x="1259901" y="685906"/>
+            <a:ext cx="5899380" cy="2400671"/>
+          </a:xfrm>
+        </p:spPr>
+        <p:txBody>
+          <a:bodyPr anchor="b"/>
+          <a:lstStyle>
+            <a:lvl1pPr>
+              <a:defRPr sz="4801"/>
+            </a:lvl1pPr>
+          </a:lstStyle>
+          <a:p>
+            <a:r>
+              <a:rPr lang="en-GB"/>
+              <a:t>Click to edit Master title style</a:t>
+            </a:r>
+            <a:endParaRPr lang="en-US" dirty="0"/>
+          </a:p>
+        </p:txBody>
+      </p:sp>
+      <p:sp>
+        <p:nvSpPr>
+          <p:cNvPr id="3" name="Content Placeholder 2"/>
+          <p:cNvSpPr>
+            <a:spLocks noGrp="1"/>
+          </p:cNvSpPr>
+          <p:nvPr>
+            <p:ph idx="1"/>
+          </p:nvPr>
+        </p:nvSpPr>
+        <p:spPr>
+          <a:xfrm>
+            <a:off x="7776132" y="1481367"/>
+            <a:ext cx="9259907" cy="7311566"/>
+          </a:xfrm>
+        </p:spPr>
+        <p:txBody>
+          <a:bodyPr/>
+          <a:lstStyle>
+            <a:lvl1pPr>
+              <a:defRPr sz="4801"/>
+            </a:lvl1pPr>
+            <a:lvl2pPr>
+              <a:defRPr sz="4201"/>
+            </a:lvl2pPr>
+            <a:lvl3pPr>
+              <a:defRPr sz="3600"/>
+            </a:lvl3pPr>
+            <a:lvl4pPr>
+              <a:defRPr sz="3000"/>
+            </a:lvl4pPr>
+            <a:lvl5pPr>
+              <a:defRPr sz="3000"/>
+            </a:lvl5pPr>
+            <a:lvl6pPr>
+              <a:defRPr sz="3000"/>
+            </a:lvl6pPr>
+            <a:lvl7pPr>
+              <a:defRPr sz="3000"/>
+            </a:lvl7pPr>
+            <a:lvl8pPr>
+              <a:defRPr sz="3000"/>
+            </a:lvl8pPr>
+            <a:lvl9pPr>
+              <a:defRPr sz="3000"/>
+            </a:lvl9pPr>
+          </a:lstStyle>
+          <a:p>
+            <a:pPr lvl="0"/>
+            <a:r>
+              <a:rPr lang="en-GB"/>
+              <a:t>Click to edit Master text styles</a:t>
+            </a:r>
+          </a:p>
+          <a:p>
+            <a:pPr lvl="1"/>
+            <a:r>
+              <a:rPr lang="en-GB"/>
+              <a:t>Second level</a:t>
+            </a:r>
+          </a:p>
+          <a:p>
+            <a:pPr lvl="2"/>
+            <a:r>
+              <a:rPr lang="en-GB"/>
+              <a:t>Third level</a:t>
+            </a:r>
+          </a:p>
+          <a:p>
+            <a:pPr lvl="3"/>
+            <a:r>
+              <a:rPr lang="en-GB"/>
+              <a:t>Fourth level</a:t>
+            </a:r>
+          </a:p>
+          <a:p>
+            <a:pPr lvl="4"/>
+            <a:r>
+              <a:rPr lang="en-GB"/>
+              <a:t>Fifth level</a:t>
+            </a:r>
+            <a:endParaRPr lang="en-US" dirty="0"/>
+          </a:p>
+        </p:txBody>
+      </p:sp>
+      <p:sp>
+        <p:nvSpPr>
+          <p:cNvPr id="4" name="Text Placeholder 3"/>
+          <p:cNvSpPr>
+            <a:spLocks noGrp="1"/>
+          </p:cNvSpPr>
+          <p:nvPr>
+            <p:ph type="body" sz="half" idx="2"/>
+          </p:nvPr>
+        </p:nvSpPr>
+        <p:spPr>
+          <a:xfrm>
+            <a:off x="1259901" y="3086576"/>
+            <a:ext cx="5899380" cy="5718265"/>
+          </a:xfrm>
+        </p:spPr>
+        <p:txBody>
+          <a:bodyPr/>
+          <a:lstStyle>
+            <a:lvl1pPr marL="0" indent="0">
+              <a:buNone/>
+              <a:defRPr sz="2400"/>
+            </a:lvl1pPr>
+            <a:lvl2pPr marL="685891" indent="0">
+              <a:buNone/>
+              <a:defRPr sz="2100"/>
+            </a:lvl2pPr>
+            <a:lvl3pPr marL="1371783" indent="0">
+              <a:buNone/>
+              <a:defRPr sz="1800"/>
+            </a:lvl3pPr>
+            <a:lvl4pPr marL="2057674" indent="0">
+              <a:buNone/>
+              <a:defRPr sz="1500"/>
+            </a:lvl4pPr>
+            <a:lvl5pPr marL="2743566" indent="0">
+              <a:buNone/>
+              <a:defRPr sz="1500"/>
+            </a:lvl5pPr>
+            <a:lvl6pPr marL="3429457" indent="0">
+              <a:buNone/>
+              <a:defRPr sz="1500"/>
+            </a:lvl6pPr>
+            <a:lvl7pPr marL="4115349" indent="0">
+              <a:buNone/>
+              <a:defRPr sz="1500"/>
+            </a:lvl7pPr>
+            <a:lvl8pPr marL="4801240" indent="0">
+              <a:buNone/>
+              <a:defRPr sz="1500"/>
+            </a:lvl8pPr>
+            <a:lvl9pPr marL="5487132" indent="0">
+              <a:buNone/>
+              <a:defRPr sz="1500"/>
+            </a:lvl9pPr>
+          </a:lstStyle>
+          <a:p>
+            <a:pPr lvl="0"/>
+            <a:r>
+              <a:rPr lang="en-GB"/>
+              <a:t>Click to edit Master text styles</a:t>
+            </a:r>
+          </a:p>
+        </p:txBody>
+      </p:sp>
+      <p:sp>
+        <p:nvSpPr>
+          <p:cNvPr id="5" name="Date Placeholder 4"/>
+          <p:cNvSpPr>
+            <a:spLocks noGrp="1"/>
+          </p:cNvSpPr>
+          <p:nvPr>
+            <p:ph type="dt" sz="half" idx="10"/>
+          </p:nvPr>
+        </p:nvSpPr>
+        <p:spPr/>
+        <p:txBody>
+          <a:bodyPr/>
+          <a:lstStyle/>
+          <a:p>
+            <a:fld id="{F9D3E6FF-AC24-BE43-AFD3-27417514DD0F}" type="datetimeFigureOut">
+              <a:rPr lang="en-GB" smtClean="0"/>
+              <a:t>29/10/2019</a:t>
+            </a:fld>
+            <a:endParaRPr lang="en-GB"/>
+          </a:p>
+        </p:txBody>
+      </p:sp>
+      <p:sp>
+        <p:nvSpPr>
+          <p:cNvPr id="6" name="Footer Placeholder 5"/>
+          <p:cNvSpPr>
+            <a:spLocks noGrp="1"/>
+          </p:cNvSpPr>
+          <p:nvPr>
+            <p:ph type="ftr" sz="quarter" idx="11"/>
+          </p:nvPr>
+        </p:nvSpPr>
+        <p:spPr/>
+        <p:txBody>
+          <a:bodyPr/>
+          <a:lstStyle/>
+          <a:p>
+            <a:endParaRPr lang="en-GB"/>
+          </a:p>
+        </p:txBody>
+      </p:sp>
+      <p:sp>
+        <p:nvSpPr>
+          <p:cNvPr id="7" name="Slide Number Placeholder 6"/>
+          <p:cNvSpPr>
+            <a:spLocks noGrp="1"/>
+          </p:cNvSpPr>
+          <p:nvPr>
+            <p:ph type="sldNum" sz="quarter" idx="12"/>
+          </p:nvPr>
+        </p:nvSpPr>
+        <p:spPr/>
+        <p:txBody>
+          <a:bodyPr/>
+          <a:lstStyle/>
+          <a:p>
+            <a:fld id="{E7BF77D1-BCE9-F840-9DDE-1CBE1AA5F573}" type="slidenum">
+              <a:rPr lang="en-GB" smtClean="0"/>
+              <a:t>‹#›</a:t>
+            </a:fld>
+            <a:endParaRPr lang="en-GB"/>
+          </a:p>
+        </p:txBody>
+      </p:sp>
+    </p:spTree>
+    <p:extLst>
+      <p:ext uri="{BB962C8B-B14F-4D97-AF65-F5344CB8AC3E}">
+        <p14:creationId xmlns:p14="http://schemas.microsoft.com/office/powerpoint/2010/main" val="2601906709"/>
+      </p:ext>
+    </p:extLst>
+  </p:cSld>
+  <p:clrMapOvr>
+    <a:masterClrMapping/>
+  </p:clrMapOvr>
+</p:sldLayout>
+</file>
+
+<file path=ppt/slideLayouts/slideLayout9.xml><?xml version="1.0" encoding="utf-8"?>
+<p:sldLayout xmlns:a="http://schemas.openxmlformats.org/drawingml/2006/main" xmlns:r="http://schemas.openxmlformats.org/officeDocument/2006/relationships" xmlns:p="http://schemas.openxmlformats.org/presentationml/2006/main" type="picTx" preserve="1">
+  <p:cSld name="Picture with Caption">
+    <p:spTree>
+      <p:nvGrpSpPr>
+        <p:cNvPr id="1" name=""/>
+        <p:cNvGrpSpPr/>
+        <p:nvPr/>
+      </p:nvGrpSpPr>
+      <p:grpSpPr>
+        <a:xfrm>
+          <a:off x="0" y="0"/>
+          <a:ext cx="0" cy="0"/>
+          <a:chOff x="0" y="0"/>
+          <a:chExt cx="0" cy="0"/>
+        </a:xfrm>
+      </p:grpSpPr>
+      <p:sp>
+        <p:nvSpPr>
+          <p:cNvPr id="2" name="Title 1"/>
+          <p:cNvSpPr>
+            <a:spLocks noGrp="1"/>
+          </p:cNvSpPr>
+          <p:nvPr>
+            <p:ph type="title"/>
+          </p:nvPr>
+        </p:nvSpPr>
+        <p:spPr>
+          <a:xfrm>
+            <a:off x="1259901" y="685906"/>
+            <a:ext cx="5899380" cy="2400671"/>
+          </a:xfrm>
+        </p:spPr>
+        <p:txBody>
+          <a:bodyPr anchor="b"/>
+          <a:lstStyle>
+            <a:lvl1pPr>
+              <a:defRPr sz="4801"/>
+            </a:lvl1pPr>
+          </a:lstStyle>
+          <a:p>
+            <a:r>
+              <a:rPr lang="en-GB"/>
+              <a:t>Click to edit Master title style</a:t>
+            </a:r>
+            <a:endParaRPr lang="en-US" dirty="0"/>
+          </a:p>
+        </p:txBody>
+      </p:sp>
+      <p:sp>
+        <p:nvSpPr>
+          <p:cNvPr id="3" name="Picture Placeholder 2"/>
+          <p:cNvSpPr>
+            <a:spLocks noGrp="1" noChangeAspect="1"/>
+          </p:cNvSpPr>
+          <p:nvPr>
+            <p:ph type="pic" idx="1"/>
+          </p:nvPr>
+        </p:nvSpPr>
+        <p:spPr>
+          <a:xfrm>
+            <a:off x="7776132" y="1481367"/>
+            <a:ext cx="9259907" cy="7311566"/>
+          </a:xfrm>
+        </p:spPr>
+        <p:txBody>
+          <a:bodyPr anchor="t"/>
+          <a:lstStyle>
+            <a:lvl1pPr marL="0" indent="0">
+              <a:buNone/>
+              <a:defRPr sz="4801"/>
+            </a:lvl1pPr>
+            <a:lvl2pPr marL="685891" indent="0">
+              <a:buNone/>
+              <a:defRPr sz="4201"/>
+            </a:lvl2pPr>
+            <a:lvl3pPr marL="1371783" indent="0">
+              <a:buNone/>
+              <a:defRPr sz="3600"/>
+            </a:lvl3pPr>
+            <a:lvl4pPr marL="2057674" indent="0">
+              <a:buNone/>
+              <a:defRPr sz="3000"/>
+            </a:lvl4pPr>
+            <a:lvl5pPr marL="2743566" indent="0">
+              <a:buNone/>
+              <a:defRPr sz="3000"/>
+            </a:lvl5pPr>
+            <a:lvl6pPr marL="3429457" indent="0">
+              <a:buNone/>
+              <a:defRPr sz="3000"/>
+            </a:lvl6pPr>
+            <a:lvl7pPr marL="4115349" indent="0">
+              <a:buNone/>
+              <a:defRPr sz="3000"/>
+            </a:lvl7pPr>
+            <a:lvl8pPr marL="4801240" indent="0">
+              <a:buNone/>
+              <a:defRPr sz="3000"/>
+            </a:lvl8pPr>
+            <a:lvl9pPr marL="5487132" indent="0">
+              <a:buNone/>
+              <a:defRPr sz="3000"/>
+            </a:lvl9pPr>
+          </a:lstStyle>
+          <a:p>
+            <a:r>
+              <a:rPr lang="en-GB"/>
+              <a:t>Click icon to add picture</a:t>
+            </a:r>
+            <a:endParaRPr lang="en-US" dirty="0"/>
+          </a:p>
+        </p:txBody>
+      </p:sp>
+      <p:sp>
+        <p:nvSpPr>
+          <p:cNvPr id="4" name="Text Placeholder 3"/>
+          <p:cNvSpPr>
+            <a:spLocks noGrp="1"/>
+          </p:cNvSpPr>
+          <p:nvPr>
+            <p:ph type="body" sz="half" idx="2"/>
+          </p:nvPr>
+        </p:nvSpPr>
+        <p:spPr>
+          <a:xfrm>
+            <a:off x="1259901" y="3086576"/>
+            <a:ext cx="5899380" cy="5718265"/>
+          </a:xfrm>
+        </p:spPr>
+        <p:txBody>
+          <a:bodyPr/>
+          <a:lstStyle>
+            <a:lvl1pPr marL="0" indent="0">
+              <a:buNone/>
+              <a:defRPr sz="2400"/>
+            </a:lvl1pPr>
+            <a:lvl2pPr marL="685891" indent="0">
+              <a:buNone/>
+              <a:defRPr sz="2100"/>
+            </a:lvl2pPr>
+            <a:lvl3pPr marL="1371783" indent="0">
+              <a:buNone/>
+              <a:defRPr sz="1800"/>
+            </a:lvl3pPr>
+            <a:lvl4pPr marL="2057674" indent="0">
+              <a:buNone/>
+              <a:defRPr sz="1500"/>
+            </a:lvl4pPr>
+            <a:lvl5pPr marL="2743566" indent="0">
+              <a:buNone/>
+              <a:defRPr sz="1500"/>
+            </a:lvl5pPr>
+            <a:lvl6pPr marL="3429457" indent="0">
+              <a:buNone/>
+              <a:defRPr sz="1500"/>
+            </a:lvl6pPr>
+            <a:lvl7pPr marL="4115349" indent="0">
+              <a:buNone/>
+              <a:defRPr sz="1500"/>
+            </a:lvl7pPr>
+            <a:lvl8pPr marL="4801240" indent="0">
+              <a:buNone/>
+              <a:defRPr sz="1500"/>
+            </a:lvl8pPr>
+            <a:lvl9pPr marL="5487132" indent="0">
+              <a:buNone/>
+              <a:defRPr sz="1500"/>
+            </a:lvl9pPr>
+          </a:lstStyle>
+          <a:p>
+            <a:pPr lvl="0"/>
+            <a:r>
+              <a:rPr lang="en-GB"/>
+              <a:t>Click to edit Master text styles</a:t>
+            </a:r>
+          </a:p>
+        </p:txBody>
+      </p:sp>
+      <p:sp>
+        <p:nvSpPr>
+          <p:cNvPr id="5" name="Date Placeholder 4"/>
+          <p:cNvSpPr>
+            <a:spLocks noGrp="1"/>
+          </p:cNvSpPr>
+          <p:nvPr>
+            <p:ph type="dt" sz="half" idx="10"/>
+          </p:nvPr>
+        </p:nvSpPr>
+        <p:spPr/>
+        <p:txBody>
+          <a:bodyPr/>
+          <a:lstStyle/>
+          <a:p>
+            <a:fld id="{F9D3E6FF-AC24-BE43-AFD3-27417514DD0F}" type="datetimeFigureOut">
+              <a:rPr lang="en-GB" smtClean="0"/>
+              <a:t>29/10/2019</a:t>
+            </a:fld>
+            <a:endParaRPr lang="en-GB"/>
+          </a:p>
+        </p:txBody>
+      </p:sp>
+      <p:sp>
+        <p:nvSpPr>
+          <p:cNvPr id="6" name="Footer Placeholder 5"/>
+          <p:cNvSpPr>
+            <a:spLocks noGrp="1"/>
+          </p:cNvSpPr>
+          <p:nvPr>
+            <p:ph type="ftr" sz="quarter" idx="11"/>
+          </p:nvPr>
+        </p:nvSpPr>
+        <p:spPr/>
+        <p:txBody>
+          <a:bodyPr/>
+          <a:lstStyle/>
+          <a:p>
+            <a:endParaRPr lang="en-GB"/>
+          </a:p>
+        </p:txBody>
+      </p:sp>
+      <p:sp>
+        <p:nvSpPr>
+          <p:cNvPr id="7" name="Slide Number Placeholder 6"/>
+          <p:cNvSpPr>
+            <a:spLocks noGrp="1"/>
+          </p:cNvSpPr>
+          <p:nvPr>
+            <p:ph type="sldNum" sz="quarter" idx="12"/>
+          </p:nvPr>
+        </p:nvSpPr>
+        <p:spPr/>
+        <p:txBody>
+          <a:bodyPr/>
+          <a:lstStyle/>
+          <a:p>
+            <a:fld id="{E7BF77D1-BCE9-F840-9DDE-1CBE1AA5F573}" type="slidenum">
+              <a:rPr lang="en-GB" smtClean="0"/>
+              <a:t>‹#›</a:t>
+            </a:fld>
+            <a:endParaRPr lang="en-GB"/>
+          </a:p>
+        </p:txBody>
+      </p:sp>
+    </p:spTree>
+    <p:extLst>
+      <p:ext uri="{BB962C8B-B14F-4D97-AF65-F5344CB8AC3E}">
+        <p14:creationId xmlns:p14="http://schemas.microsoft.com/office/powerpoint/2010/main" val="1890638614"/>
       </p:ext>
     </p:extLst>
   </p:cSld>
@@ -272,13 +2441,7 @@
       </p:grpSpPr>
       <p:sp>
         <p:nvSpPr>
-          <p:cNvPr id="2" name="Title Placeholder 1">
-            <a:extLst>
-              <a:ext uri="{FF2B5EF4-FFF2-40B4-BE49-F238E27FC236}">
-                <a16:creationId xmlns:a16="http://schemas.microsoft.com/office/drawing/2014/main" id="{B700F425-33B9-EF43-AD6D-BD9D0C5E698E}"/>
-              </a:ext>
-            </a:extLst>
-          </p:cNvPr>
+          <p:cNvPr id="2" name="Title Placeholder 1"/>
           <p:cNvSpPr>
             <a:spLocks noGrp="1"/>
           </p:cNvSpPr>
@@ -288,8 +2451,8 @@
         </p:nvSpPr>
         <p:spPr>
           <a:xfrm>
-            <a:off x="838200" y="365125"/>
-            <a:ext cx="10515600" cy="1325563"/>
+            <a:off x="1257519" y="547773"/>
+            <a:ext cx="15776138" cy="1988651"/>
           </a:xfrm>
           <a:prstGeom prst="rect">
             <a:avLst/>
@@ -305,18 +2468,13 @@
               <a:rPr lang="en-GB"/>
               <a:t>Click to edit Master title style</a:t>
             </a:r>
+            <a:endParaRPr lang="en-US" dirty="0"/>
           </a:p>
         </p:txBody>
       </p:sp>
       <p:sp>
         <p:nvSpPr>
-          <p:cNvPr id="3" name="Text Placeholder 2">
-            <a:extLst>
-              <a:ext uri="{FF2B5EF4-FFF2-40B4-BE49-F238E27FC236}">
-                <a16:creationId xmlns:a16="http://schemas.microsoft.com/office/drawing/2014/main" id="{3470F10E-8E47-C344-BAF3-A67FF4B1D098}"/>
-              </a:ext>
-            </a:extLst>
-          </p:cNvPr>
+          <p:cNvPr id="3" name="Text Placeholder 2"/>
           <p:cNvSpPr>
             <a:spLocks noGrp="1"/>
           </p:cNvSpPr>
@@ -326,8 +2484,8 @@
         </p:nvSpPr>
         <p:spPr>
           <a:xfrm>
-            <a:off x="838200" y="1825625"/>
-            <a:ext cx="10515600" cy="4351338"/>
+            <a:off x="1257519" y="2738860"/>
+            <a:ext cx="15776138" cy="6528015"/>
           </a:xfrm>
           <a:prstGeom prst="rect">
             <a:avLst/>
@@ -372,18 +2530,13 @@
               <a:rPr lang="en-GB"/>
               <a:t>Fifth level</a:t>
             </a:r>
+            <a:endParaRPr lang="en-US" dirty="0"/>
           </a:p>
         </p:txBody>
       </p:sp>
       <p:sp>
         <p:nvSpPr>
-          <p:cNvPr id="4" name="Date Placeholder 3">
-            <a:extLst>
-              <a:ext uri="{FF2B5EF4-FFF2-40B4-BE49-F238E27FC236}">
-                <a16:creationId xmlns:a16="http://schemas.microsoft.com/office/drawing/2014/main" id="{4E4664CE-BFD8-FD40-9C46-A7796BAE516E}"/>
-              </a:ext>
-            </a:extLst>
-          </p:cNvPr>
+          <p:cNvPr id="4" name="Date Placeholder 3"/>
           <p:cNvSpPr>
             <a:spLocks noGrp="1"/>
           </p:cNvSpPr>
@@ -393,8 +2546,8 @@
         </p:nvSpPr>
         <p:spPr>
           <a:xfrm>
-            <a:off x="838200" y="6356350"/>
-            <a:ext cx="2743200" cy="365125"/>
+            <a:off x="1257518" y="9535998"/>
+            <a:ext cx="4115514" cy="547772"/>
           </a:xfrm>
           <a:prstGeom prst="rect">
             <a:avLst/>
@@ -404,7 +2557,7 @@
           <a:bodyPr vert="horz" lIns="91440" tIns="45720" rIns="91440" bIns="45720" rtlCol="0" anchor="ctr"/>
           <a:lstStyle>
             <a:lvl1pPr algn="l">
-              <a:defRPr sz="1200">
+              <a:defRPr sz="1800">
                 <a:solidFill>
                   <a:schemeClr val="tx1">
                     <a:tint val="75000"/>
@@ -416,7 +2569,7 @@
           <a:p>
             <a:fld id="{F9D3E6FF-AC24-BE43-AFD3-27417514DD0F}" type="datetimeFigureOut">
               <a:rPr lang="en-GB" smtClean="0"/>
-              <a:t>20/09/2019</a:t>
+              <a:t>29/10/2019</a:t>
             </a:fld>
             <a:endParaRPr lang="en-GB"/>
           </a:p>
@@ -424,13 +2577,7 @@
       </p:sp>
       <p:sp>
         <p:nvSpPr>
-          <p:cNvPr id="5" name="Footer Placeholder 4">
-            <a:extLst>
-              <a:ext uri="{FF2B5EF4-FFF2-40B4-BE49-F238E27FC236}">
-                <a16:creationId xmlns:a16="http://schemas.microsoft.com/office/drawing/2014/main" id="{EC468575-B289-D440-BC2E-AB454A47A513}"/>
-              </a:ext>
-            </a:extLst>
-          </p:cNvPr>
+          <p:cNvPr id="5" name="Footer Placeholder 4"/>
           <p:cNvSpPr>
             <a:spLocks noGrp="1"/>
           </p:cNvSpPr>
@@ -440,8 +2587,8 @@
         </p:nvSpPr>
         <p:spPr>
           <a:xfrm>
-            <a:off x="4038600" y="6356350"/>
-            <a:ext cx="4114800" cy="365125"/>
+            <a:off x="6058952" y="9535998"/>
+            <a:ext cx="6173272" cy="547772"/>
           </a:xfrm>
           <a:prstGeom prst="rect">
             <a:avLst/>
@@ -451,7 +2598,7 @@
           <a:bodyPr vert="horz" lIns="91440" tIns="45720" rIns="91440" bIns="45720" rtlCol="0" anchor="ctr"/>
           <a:lstStyle>
             <a:lvl1pPr algn="ctr">
-              <a:defRPr sz="1200">
+              <a:defRPr sz="1800">
                 <a:solidFill>
                   <a:schemeClr val="tx1">
                     <a:tint val="75000"/>
@@ -467,13 +2614,7 @@
       </p:sp>
       <p:sp>
         <p:nvSpPr>
-          <p:cNvPr id="6" name="Slide Number Placeholder 5">
-            <a:extLst>
-              <a:ext uri="{FF2B5EF4-FFF2-40B4-BE49-F238E27FC236}">
-                <a16:creationId xmlns:a16="http://schemas.microsoft.com/office/drawing/2014/main" id="{9383EFAD-D72A-0548-AC67-270F8F2DE662}"/>
-              </a:ext>
-            </a:extLst>
-          </p:cNvPr>
+          <p:cNvPr id="6" name="Slide Number Placeholder 5"/>
           <p:cNvSpPr>
             <a:spLocks noGrp="1"/>
           </p:cNvSpPr>
@@ -483,8 +2624,8 @@
         </p:nvSpPr>
         <p:spPr>
           <a:xfrm>
-            <a:off x="8610600" y="6356350"/>
-            <a:ext cx="2743200" cy="365125"/>
+            <a:off x="12918143" y="9535998"/>
+            <a:ext cx="4115514" cy="547772"/>
           </a:xfrm>
           <a:prstGeom prst="rect">
             <a:avLst/>
@@ -494,7 +2635,7 @@
           <a:bodyPr vert="horz" lIns="91440" tIns="45720" rIns="91440" bIns="45720" rtlCol="0" anchor="ctr"/>
           <a:lstStyle>
             <a:lvl1pPr algn="r">
-              <a:defRPr sz="1200">
+              <a:defRPr sz="1800">
                 <a:solidFill>
                   <a:schemeClr val="tx1">
                     <a:tint val="75000"/>
@@ -515,17 +2656,27 @@
     </p:spTree>
     <p:extLst>
       <p:ext uri="{BB962C8B-B14F-4D97-AF65-F5344CB8AC3E}">
-        <p14:creationId xmlns:p14="http://schemas.microsoft.com/office/powerpoint/2010/main" val="2158798315"/>
+        <p14:creationId xmlns:p14="http://schemas.microsoft.com/office/powerpoint/2010/main" val="4248235535"/>
       </p:ext>
     </p:extLst>
   </p:cSld>
   <p:clrMap bg1="lt1" tx1="dk1" bg2="lt2" tx2="dk2" accent1="accent1" accent2="accent2" accent3="accent3" accent4="accent4" accent5="accent5" accent6="accent6" hlink="hlink" folHlink="folHlink"/>
   <p:sldLayoutIdLst>
-    <p:sldLayoutId id="2147483654" r:id="rId1"/>
+    <p:sldLayoutId id="2147483656" r:id="rId1"/>
+    <p:sldLayoutId id="2147483657" r:id="rId2"/>
+    <p:sldLayoutId id="2147483658" r:id="rId3"/>
+    <p:sldLayoutId id="2147483659" r:id="rId4"/>
+    <p:sldLayoutId id="2147483660" r:id="rId5"/>
+    <p:sldLayoutId id="2147483661" r:id="rId6"/>
+    <p:sldLayoutId id="2147483662" r:id="rId7"/>
+    <p:sldLayoutId id="2147483663" r:id="rId8"/>
+    <p:sldLayoutId id="2147483664" r:id="rId9"/>
+    <p:sldLayoutId id="2147483665" r:id="rId10"/>
+    <p:sldLayoutId id="2147483666" r:id="rId11"/>
   </p:sldLayoutIdLst>
   <p:txStyles>
     <p:titleStyle>
-      <a:lvl1pPr algn="l" defTabSz="914400" rtl="0" eaLnBrk="1" latinLnBrk="0" hangingPunct="1">
+      <a:lvl1pPr algn="l" defTabSz="1371783" rtl="0" eaLnBrk="1" latinLnBrk="0" hangingPunct="1">
         <a:lnSpc>
           <a:spcPct val="90000"/>
         </a:lnSpc>
@@ -533,7 +2684,7 @@
           <a:spcPct val="0"/>
         </a:spcBef>
         <a:buNone/>
-        <a:defRPr sz="4400" kern="1200">
+        <a:defRPr sz="6601" kern="1200">
           <a:solidFill>
             <a:schemeClr val="tx1"/>
           </a:solidFill>
@@ -544,16 +2695,16 @@
       </a:lvl1pPr>
     </p:titleStyle>
     <p:bodyStyle>
-      <a:lvl1pPr marL="228600" indent="-228600" algn="l" defTabSz="914400" rtl="0" eaLnBrk="1" latinLnBrk="0" hangingPunct="1">
+      <a:lvl1pPr marL="342946" indent="-342946" algn="l" defTabSz="1371783" rtl="0" eaLnBrk="1" latinLnBrk="0" hangingPunct="1">
         <a:lnSpc>
           <a:spcPct val="90000"/>
         </a:lnSpc>
         <a:spcBef>
-          <a:spcPts val="1000"/>
+          <a:spcPts val="1500"/>
         </a:spcBef>
         <a:buFont typeface="Arial" panose="020B0604020202020204" pitchFamily="34" charset="0"/>
         <a:buChar char="•"/>
-        <a:defRPr sz="2800" kern="1200">
+        <a:defRPr sz="4201" kern="1200">
           <a:solidFill>
             <a:schemeClr val="tx1"/>
           </a:solidFill>
@@ -562,16 +2713,16 @@
           <a:cs typeface="+mn-cs"/>
         </a:defRPr>
       </a:lvl1pPr>
-      <a:lvl2pPr marL="685800" indent="-228600" algn="l" defTabSz="914400" rtl="0" eaLnBrk="1" latinLnBrk="0" hangingPunct="1">
+      <a:lvl2pPr marL="1028837" indent="-342946" algn="l" defTabSz="1371783" rtl="0" eaLnBrk="1" latinLnBrk="0" hangingPunct="1">
         <a:lnSpc>
           <a:spcPct val="90000"/>
         </a:lnSpc>
         <a:spcBef>
-          <a:spcPts val="500"/>
+          <a:spcPts val="750"/>
         </a:spcBef>
         <a:buFont typeface="Arial" panose="020B0604020202020204" pitchFamily="34" charset="0"/>
         <a:buChar char="•"/>
-        <a:defRPr sz="2400" kern="1200">
+        <a:defRPr sz="3600" kern="1200">
           <a:solidFill>
             <a:schemeClr val="tx1"/>
           </a:solidFill>
@@ -580,16 +2731,16 @@
           <a:cs typeface="+mn-cs"/>
         </a:defRPr>
       </a:lvl2pPr>
-      <a:lvl3pPr marL="1143000" indent="-228600" algn="l" defTabSz="914400" rtl="0" eaLnBrk="1" latinLnBrk="0" hangingPunct="1">
+      <a:lvl3pPr marL="1714729" indent="-342946" algn="l" defTabSz="1371783" rtl="0" eaLnBrk="1" latinLnBrk="0" hangingPunct="1">
         <a:lnSpc>
           <a:spcPct val="90000"/>
         </a:lnSpc>
         <a:spcBef>
-          <a:spcPts val="500"/>
+          <a:spcPts val="750"/>
         </a:spcBef>
         <a:buFont typeface="Arial" panose="020B0604020202020204" pitchFamily="34" charset="0"/>
         <a:buChar char="•"/>
-        <a:defRPr sz="2000" kern="1200">
+        <a:defRPr sz="3000" kern="1200">
           <a:solidFill>
             <a:schemeClr val="tx1"/>
           </a:solidFill>
@@ -598,16 +2749,16 @@
           <a:cs typeface="+mn-cs"/>
         </a:defRPr>
       </a:lvl3pPr>
-      <a:lvl4pPr marL="1600200" indent="-228600" algn="l" defTabSz="914400" rtl="0" eaLnBrk="1" latinLnBrk="0" hangingPunct="1">
+      <a:lvl4pPr marL="2400620" indent="-342946" algn="l" defTabSz="1371783" rtl="0" eaLnBrk="1" latinLnBrk="0" hangingPunct="1">
         <a:lnSpc>
           <a:spcPct val="90000"/>
         </a:lnSpc>
         <a:spcBef>
-          <a:spcPts val="500"/>
+          <a:spcPts val="750"/>
         </a:spcBef>
         <a:buFont typeface="Arial" panose="020B0604020202020204" pitchFamily="34" charset="0"/>
         <a:buChar char="•"/>
-        <a:defRPr sz="1800" kern="1200">
+        <a:defRPr sz="2700" kern="1200">
           <a:solidFill>
             <a:schemeClr val="tx1"/>
           </a:solidFill>
@@ -616,16 +2767,16 @@
           <a:cs typeface="+mn-cs"/>
         </a:defRPr>
       </a:lvl4pPr>
-      <a:lvl5pPr marL="2057400" indent="-228600" algn="l" defTabSz="914400" rtl="0" eaLnBrk="1" latinLnBrk="0" hangingPunct="1">
+      <a:lvl5pPr marL="3086511" indent="-342946" algn="l" defTabSz="1371783" rtl="0" eaLnBrk="1" latinLnBrk="0" hangingPunct="1">
         <a:lnSpc>
           <a:spcPct val="90000"/>
         </a:lnSpc>
         <a:spcBef>
-          <a:spcPts val="500"/>
+          <a:spcPts val="750"/>
         </a:spcBef>
         <a:buFont typeface="Arial" panose="020B0604020202020204" pitchFamily="34" charset="0"/>
         <a:buChar char="•"/>
-        <a:defRPr sz="1800" kern="1200">
+        <a:defRPr sz="2700" kern="1200">
           <a:solidFill>
             <a:schemeClr val="tx1"/>
           </a:solidFill>
@@ -634,16 +2785,16 @@
           <a:cs typeface="+mn-cs"/>
         </a:defRPr>
       </a:lvl5pPr>
-      <a:lvl6pPr marL="2514600" indent="-228600" algn="l" defTabSz="914400" rtl="0" eaLnBrk="1" latinLnBrk="0" hangingPunct="1">
+      <a:lvl6pPr marL="3772403" indent="-342946" algn="l" defTabSz="1371783" rtl="0" eaLnBrk="1" latinLnBrk="0" hangingPunct="1">
         <a:lnSpc>
           <a:spcPct val="90000"/>
         </a:lnSpc>
         <a:spcBef>
-          <a:spcPts val="500"/>
+          <a:spcPts val="750"/>
         </a:spcBef>
         <a:buFont typeface="Arial" panose="020B0604020202020204" pitchFamily="34" charset="0"/>
         <a:buChar char="•"/>
-        <a:defRPr sz="1800" kern="1200">
+        <a:defRPr sz="2700" kern="1200">
           <a:solidFill>
             <a:schemeClr val="tx1"/>
           </a:solidFill>
@@ -652,16 +2803,16 @@
           <a:cs typeface="+mn-cs"/>
         </a:defRPr>
       </a:lvl6pPr>
-      <a:lvl7pPr marL="2971800" indent="-228600" algn="l" defTabSz="914400" rtl="0" eaLnBrk="1" latinLnBrk="0" hangingPunct="1">
+      <a:lvl7pPr marL="4458294" indent="-342946" algn="l" defTabSz="1371783" rtl="0" eaLnBrk="1" latinLnBrk="0" hangingPunct="1">
         <a:lnSpc>
           <a:spcPct val="90000"/>
         </a:lnSpc>
         <a:spcBef>
-          <a:spcPts val="500"/>
+          <a:spcPts val="750"/>
         </a:spcBef>
         <a:buFont typeface="Arial" panose="020B0604020202020204" pitchFamily="34" charset="0"/>
         <a:buChar char="•"/>
-        <a:defRPr sz="1800" kern="1200">
+        <a:defRPr sz="2700" kern="1200">
           <a:solidFill>
             <a:schemeClr val="tx1"/>
           </a:solidFill>
@@ -670,16 +2821,16 @@
           <a:cs typeface="+mn-cs"/>
         </a:defRPr>
       </a:lvl7pPr>
-      <a:lvl8pPr marL="3429000" indent="-228600" algn="l" defTabSz="914400" rtl="0" eaLnBrk="1" latinLnBrk="0" hangingPunct="1">
+      <a:lvl8pPr marL="5144186" indent="-342946" algn="l" defTabSz="1371783" rtl="0" eaLnBrk="1" latinLnBrk="0" hangingPunct="1">
         <a:lnSpc>
           <a:spcPct val="90000"/>
         </a:lnSpc>
         <a:spcBef>
-          <a:spcPts val="500"/>
+          <a:spcPts val="750"/>
         </a:spcBef>
         <a:buFont typeface="Arial" panose="020B0604020202020204" pitchFamily="34" charset="0"/>
         <a:buChar char="•"/>
-        <a:defRPr sz="1800" kern="1200">
+        <a:defRPr sz="2700" kern="1200">
           <a:solidFill>
             <a:schemeClr val="tx1"/>
           </a:solidFill>
@@ -688,16 +2839,16 @@
           <a:cs typeface="+mn-cs"/>
         </a:defRPr>
       </a:lvl8pPr>
-      <a:lvl9pPr marL="3886200" indent="-228600" algn="l" defTabSz="914400" rtl="0" eaLnBrk="1" latinLnBrk="0" hangingPunct="1">
+      <a:lvl9pPr marL="5830077" indent="-342946" algn="l" defTabSz="1371783" rtl="0" eaLnBrk="1" latinLnBrk="0" hangingPunct="1">
         <a:lnSpc>
           <a:spcPct val="90000"/>
         </a:lnSpc>
         <a:spcBef>
-          <a:spcPts val="500"/>
+          <a:spcPts val="750"/>
         </a:spcBef>
         <a:buFont typeface="Arial" panose="020B0604020202020204" pitchFamily="34" charset="0"/>
         <a:buChar char="•"/>
-        <a:defRPr sz="1800" kern="1200">
+        <a:defRPr sz="2700" kern="1200">
           <a:solidFill>
             <a:schemeClr val="tx1"/>
           </a:solidFill>
@@ -711,8 +2862,8 @@
       <a:defPPr>
         <a:defRPr lang="en-US"/>
       </a:defPPr>
-      <a:lvl1pPr marL="0" algn="l" defTabSz="914400" rtl="0" eaLnBrk="1" latinLnBrk="0" hangingPunct="1">
-        <a:defRPr sz="1800" kern="1200">
+      <a:lvl1pPr marL="0" algn="l" defTabSz="1371783" rtl="0" eaLnBrk="1" latinLnBrk="0" hangingPunct="1">
+        <a:defRPr sz="2700" kern="1200">
           <a:solidFill>
             <a:schemeClr val="tx1"/>
           </a:solidFill>
@@ -721,8 +2872,8 @@
           <a:cs typeface="+mn-cs"/>
         </a:defRPr>
       </a:lvl1pPr>
-      <a:lvl2pPr marL="457200" algn="l" defTabSz="914400" rtl="0" eaLnBrk="1" latinLnBrk="0" hangingPunct="1">
-        <a:defRPr sz="1800" kern="1200">
+      <a:lvl2pPr marL="685891" algn="l" defTabSz="1371783" rtl="0" eaLnBrk="1" latinLnBrk="0" hangingPunct="1">
+        <a:defRPr sz="2700" kern="1200">
           <a:solidFill>
             <a:schemeClr val="tx1"/>
           </a:solidFill>
@@ -731,8 +2882,8 @@
           <a:cs typeface="+mn-cs"/>
         </a:defRPr>
       </a:lvl2pPr>
-      <a:lvl3pPr marL="914400" algn="l" defTabSz="914400" rtl="0" eaLnBrk="1" latinLnBrk="0" hangingPunct="1">
-        <a:defRPr sz="1800" kern="1200">
+      <a:lvl3pPr marL="1371783" algn="l" defTabSz="1371783" rtl="0" eaLnBrk="1" latinLnBrk="0" hangingPunct="1">
+        <a:defRPr sz="2700" kern="1200">
           <a:solidFill>
             <a:schemeClr val="tx1"/>
           </a:solidFill>
@@ -741,8 +2892,8 @@
           <a:cs typeface="+mn-cs"/>
         </a:defRPr>
       </a:lvl3pPr>
-      <a:lvl4pPr marL="1371600" algn="l" defTabSz="914400" rtl="0" eaLnBrk="1" latinLnBrk="0" hangingPunct="1">
-        <a:defRPr sz="1800" kern="1200">
+      <a:lvl4pPr marL="2057674" algn="l" defTabSz="1371783" rtl="0" eaLnBrk="1" latinLnBrk="0" hangingPunct="1">
+        <a:defRPr sz="2700" kern="1200">
           <a:solidFill>
             <a:schemeClr val="tx1"/>
           </a:solidFill>
@@ -751,8 +2902,8 @@
           <a:cs typeface="+mn-cs"/>
         </a:defRPr>
       </a:lvl4pPr>
-      <a:lvl5pPr marL="1828800" algn="l" defTabSz="914400" rtl="0" eaLnBrk="1" latinLnBrk="0" hangingPunct="1">
-        <a:defRPr sz="1800" kern="1200">
+      <a:lvl5pPr marL="2743566" algn="l" defTabSz="1371783" rtl="0" eaLnBrk="1" latinLnBrk="0" hangingPunct="1">
+        <a:defRPr sz="2700" kern="1200">
           <a:solidFill>
             <a:schemeClr val="tx1"/>
           </a:solidFill>
@@ -761,8 +2912,8 @@
           <a:cs typeface="+mn-cs"/>
         </a:defRPr>
       </a:lvl5pPr>
-      <a:lvl6pPr marL="2286000" algn="l" defTabSz="914400" rtl="0" eaLnBrk="1" latinLnBrk="0" hangingPunct="1">
-        <a:defRPr sz="1800" kern="1200">
+      <a:lvl6pPr marL="3429457" algn="l" defTabSz="1371783" rtl="0" eaLnBrk="1" latinLnBrk="0" hangingPunct="1">
+        <a:defRPr sz="2700" kern="1200">
           <a:solidFill>
             <a:schemeClr val="tx1"/>
           </a:solidFill>
@@ -771,8 +2922,8 @@
           <a:cs typeface="+mn-cs"/>
         </a:defRPr>
       </a:lvl6pPr>
-      <a:lvl7pPr marL="2743200" algn="l" defTabSz="914400" rtl="0" eaLnBrk="1" latinLnBrk="0" hangingPunct="1">
-        <a:defRPr sz="1800" kern="1200">
+      <a:lvl7pPr marL="4115349" algn="l" defTabSz="1371783" rtl="0" eaLnBrk="1" latinLnBrk="0" hangingPunct="1">
+        <a:defRPr sz="2700" kern="1200">
           <a:solidFill>
             <a:schemeClr val="tx1"/>
           </a:solidFill>
@@ -781,8 +2932,8 @@
           <a:cs typeface="+mn-cs"/>
         </a:defRPr>
       </a:lvl7pPr>
-      <a:lvl8pPr marL="3200400" algn="l" defTabSz="914400" rtl="0" eaLnBrk="1" latinLnBrk="0" hangingPunct="1">
-        <a:defRPr sz="1800" kern="1200">
+      <a:lvl8pPr marL="4801240" algn="l" defTabSz="1371783" rtl="0" eaLnBrk="1" latinLnBrk="0" hangingPunct="1">
+        <a:defRPr sz="2700" kern="1200">
           <a:solidFill>
             <a:schemeClr val="tx1"/>
           </a:solidFill>
@@ -791,8 +2942,8 @@
           <a:cs typeface="+mn-cs"/>
         </a:defRPr>
       </a:lvl8pPr>
-      <a:lvl9pPr marL="3657600" algn="l" defTabSz="914400" rtl="0" eaLnBrk="1" latinLnBrk="0" hangingPunct="1">
-        <a:defRPr sz="1800" kern="1200">
+      <a:lvl9pPr marL="5487132" algn="l" defTabSz="1371783" rtl="0" eaLnBrk="1" latinLnBrk="0" hangingPunct="1">
+        <a:defRPr sz="2700" kern="1200">
           <a:solidFill>
             <a:schemeClr val="tx1"/>
           </a:solidFill>
@@ -840,7 +2991,7 @@
         </p:nvCxnSpPr>
         <p:spPr>
           <a:xfrm rot="10800000">
-            <a:off x="8234291" y="2373685"/>
+            <a:off x="11283878" y="4088979"/>
             <a:ext cx="1453660" cy="477968"/>
           </a:xfrm>
           <a:prstGeom prst="bentConnector3">
@@ -884,7 +3035,7 @@
         </p:nvCxnSpPr>
         <p:spPr>
           <a:xfrm rot="10800000">
-            <a:off x="8459374" y="2611429"/>
+            <a:off x="11508964" y="4326723"/>
             <a:ext cx="1228577" cy="240224"/>
           </a:xfrm>
           <a:prstGeom prst="bentConnector3">
@@ -928,7 +3079,7 @@
         </p:nvCxnSpPr>
         <p:spPr>
           <a:xfrm rot="10800000">
-            <a:off x="8637563" y="2809029"/>
+            <a:off x="11687153" y="4524323"/>
             <a:ext cx="1050387" cy="42624"/>
           </a:xfrm>
           <a:prstGeom prst="bentConnector3">
@@ -969,7 +3120,7 @@
         </p:nvGrpSpPr>
         <p:grpSpPr>
           <a:xfrm>
-            <a:off x="1028441" y="2318428"/>
+            <a:off x="4078031" y="4033725"/>
             <a:ext cx="7205439" cy="1639581"/>
             <a:chOff x="616396" y="2610795"/>
             <a:chExt cx="5404079" cy="1229686"/>
@@ -3318,7 +5469,7 @@
         </p:nvGrpSpPr>
         <p:grpSpPr>
           <a:xfrm>
-            <a:off x="1231641" y="2521628"/>
+            <a:off x="4281231" y="4236925"/>
             <a:ext cx="7205439" cy="1639581"/>
             <a:chOff x="616396" y="2610795"/>
             <a:chExt cx="5404079" cy="1229686"/>
@@ -5667,7 +7818,7 @@
         </p:nvGrpSpPr>
         <p:grpSpPr>
           <a:xfrm>
-            <a:off x="1434841" y="2724828"/>
+            <a:off x="4484431" y="4440125"/>
             <a:ext cx="7205439" cy="1639581"/>
             <a:chOff x="616396" y="2610795"/>
             <a:chExt cx="5404079" cy="1229686"/>
@@ -8016,7 +10167,7 @@
         </p:nvSpPr>
         <p:spPr>
           <a:xfrm>
-            <a:off x="1028440" y="4663255"/>
+            <a:off x="4078027" y="6378549"/>
             <a:ext cx="5878168" cy="418556"/>
           </a:xfrm>
           <a:prstGeom prst="rect">
@@ -8101,7 +10252,7 @@
         </p:nvSpPr>
         <p:spPr>
           <a:xfrm>
-            <a:off x="7362093" y="3975486"/>
+            <a:off x="10411683" y="5690783"/>
             <a:ext cx="1388011" cy="1639581"/>
           </a:xfrm>
           <a:prstGeom prst="rect">
@@ -8186,7 +10337,7 @@
         </p:nvSpPr>
         <p:spPr>
           <a:xfrm>
-            <a:off x="1026039" y="5196511"/>
+            <a:off x="4075626" y="6911805"/>
             <a:ext cx="5878168" cy="418556"/>
           </a:xfrm>
           <a:prstGeom prst="rect">
@@ -8271,7 +10422,7 @@
         </p:nvGrpSpPr>
         <p:grpSpPr>
           <a:xfrm>
-            <a:off x="1638041" y="2928028"/>
+            <a:off x="4687631" y="4643325"/>
             <a:ext cx="7205439" cy="1639581"/>
             <a:chOff x="616396" y="2610795"/>
             <a:chExt cx="5404079" cy="1229686"/>
@@ -10620,7 +12771,7 @@
         </p:nvSpPr>
         <p:spPr>
           <a:xfrm>
-            <a:off x="9687950" y="2509829"/>
+            <a:off x="12737540" y="4225123"/>
             <a:ext cx="1538069" cy="683648"/>
           </a:xfrm>
           <a:prstGeom prst="rect">
@@ -10692,7 +12843,7 @@
         </p:nvCxnSpPr>
         <p:spPr>
           <a:xfrm rot="10800000" flipV="1">
-            <a:off x="8843480" y="2851653"/>
+            <a:off x="11893070" y="4566947"/>
             <a:ext cx="844469" cy="545024"/>
           </a:xfrm>
           <a:prstGeom prst="bentConnector3">
@@ -10735,7 +12886,7 @@
         </p:nvCxnSpPr>
         <p:spPr>
           <a:xfrm rot="5400000">
-            <a:off x="8802646" y="3140936"/>
+            <a:off x="11852236" y="4856230"/>
             <a:ext cx="1601799" cy="1706880"/>
           </a:xfrm>
           <a:prstGeom prst="bentConnector2">
@@ -10778,7 +12929,7 @@
         </p:nvCxnSpPr>
         <p:spPr>
           <a:xfrm rot="10800000" flipV="1">
-            <a:off x="6904209" y="4795276"/>
+            <a:off x="9953799" y="6510573"/>
             <a:ext cx="457887" cy="610513"/>
           </a:xfrm>
           <a:prstGeom prst="bentConnector3">
@@ -10823,7 +12974,7 @@
         </p:nvCxnSpPr>
         <p:spPr>
           <a:xfrm rot="10800000" flipV="1">
-            <a:off x="6906608" y="4795276"/>
+            <a:off x="9956198" y="6510573"/>
             <a:ext cx="455485" cy="77257"/>
           </a:xfrm>
           <a:prstGeom prst="bentConnector3">
@@ -10864,7 +13015,7 @@
         </p:nvSpPr>
         <p:spPr>
           <a:xfrm>
-            <a:off x="1026040" y="1719430"/>
+            <a:off x="4075630" y="3434724"/>
             <a:ext cx="7724065" cy="418556"/>
           </a:xfrm>
           <a:prstGeom prst="rect">
@@ -10932,7 +13083,7 @@
         </p:nvSpPr>
         <p:spPr>
           <a:xfrm>
-            <a:off x="9815952" y="1041747"/>
+            <a:off x="12865542" y="2757041"/>
             <a:ext cx="1282067" cy="227320"/>
           </a:xfrm>
           <a:prstGeom prst="rect">
@@ -11000,7 +13151,7 @@
         </p:nvSpPr>
         <p:spPr>
           <a:xfrm>
-            <a:off x="9815951" y="1351768"/>
+            <a:off x="12865541" y="3067062"/>
             <a:ext cx="1282067" cy="227320"/>
           </a:xfrm>
           <a:prstGeom prst="rect">
@@ -11068,7 +13219,7 @@
         </p:nvSpPr>
         <p:spPr>
           <a:xfrm>
-            <a:off x="9815949" y="1661790"/>
+            <a:off x="12865539" y="3377084"/>
             <a:ext cx="1282067" cy="227320"/>
           </a:xfrm>
           <a:prstGeom prst="rect">
@@ -11135,10 +13286,5239 @@
 </p:sld>
 </file>
 
+<file path=ppt/slides/slide2.xml><?xml version="1.0" encoding="utf-8"?>
+<p:sld xmlns:a="http://schemas.openxmlformats.org/drawingml/2006/main" xmlns:r="http://schemas.openxmlformats.org/officeDocument/2006/relationships" xmlns:p="http://schemas.openxmlformats.org/presentationml/2006/main">
+  <p:cSld>
+    <p:spTree>
+      <p:nvGrpSpPr>
+        <p:cNvPr id="1" name=""/>
+        <p:cNvGrpSpPr/>
+        <p:nvPr/>
+      </p:nvGrpSpPr>
+      <p:grpSpPr>
+        <a:xfrm>
+          <a:off x="0" y="0"/>
+          <a:ext cx="0" cy="0"/>
+          <a:chOff x="0" y="0"/>
+          <a:chExt cx="0" cy="0"/>
+        </a:xfrm>
+      </p:grpSpPr>
+      <p:sp>
+        <p:nvSpPr>
+          <p:cNvPr id="142" name="Rectangle 141">
+            <a:extLst>
+              <a:ext uri="{FF2B5EF4-FFF2-40B4-BE49-F238E27FC236}">
+                <a16:creationId xmlns:a16="http://schemas.microsoft.com/office/drawing/2014/main" id="{793F419D-4B65-824A-A1AB-F566CA3974AE}"/>
+              </a:ext>
+            </a:extLst>
+          </p:cNvPr>
+          <p:cNvSpPr/>
+          <p:nvPr/>
+        </p:nvSpPr>
+        <p:spPr>
+          <a:xfrm>
+            <a:off x="11619918" y="419165"/>
+            <a:ext cx="2968768" cy="8529148"/>
+          </a:xfrm>
+          <a:prstGeom prst="rect">
+            <a:avLst/>
+          </a:prstGeom>
+          <a:solidFill>
+            <a:schemeClr val="bg1"/>
+          </a:solidFill>
+          <a:ln w="9525" cap="flat" cmpd="sng" algn="ctr">
+            <a:solidFill>
+              <a:schemeClr val="dk1"/>
+            </a:solidFill>
+            <a:prstDash val="solid"/>
+            <a:round/>
+            <a:headEnd type="none" w="med" len="med"/>
+            <a:tailEnd type="none" w="med" len="med"/>
+          </a:ln>
+        </p:spPr>
+        <p:style>
+          <a:lnRef idx="0">
+            <a:scrgbClr r="0" g="0" b="0"/>
+          </a:lnRef>
+          <a:fillRef idx="0">
+            <a:scrgbClr r="0" g="0" b="0"/>
+          </a:fillRef>
+          <a:effectRef idx="0">
+            <a:scrgbClr r="0" g="0" b="0"/>
+          </a:effectRef>
+          <a:fontRef idx="minor">
+            <a:schemeClr val="dk1"/>
+          </a:fontRef>
+        </p:style>
+        <p:txBody>
+          <a:bodyPr rot="0" spcFirstLastPara="0" vertOverflow="overflow" horzOverflow="overflow" vert="horz" wrap="square" lIns="91440" tIns="45720" rIns="91440" bIns="45720" numCol="1" spcCol="0" rtlCol="0" fromWordArt="0" anchor="t" anchorCtr="0" forceAA="0" compatLnSpc="1">
+            <a:prstTxWarp prst="textNoShape">
+              <a:avLst/>
+            </a:prstTxWarp>
+            <a:noAutofit/>
+          </a:bodyPr>
+          <a:lstStyle/>
+          <a:p>
+            <a:pPr algn="ctr"/>
+            <a:r>
+              <a:rPr lang="en-GB" dirty="0">
+                <a:latin typeface="Times New Roman" panose="02020603050405020304" pitchFamily="18" charset="0"/>
+                <a:cs typeface="Times New Roman" panose="02020603050405020304" pitchFamily="18" charset="0"/>
+              </a:rPr>
+              <a:t>NFV Management and Orchestration (MANO)</a:t>
+            </a:r>
+          </a:p>
+        </p:txBody>
+      </p:sp>
+      <p:sp>
+        <p:nvSpPr>
+          <p:cNvPr id="105" name="Rectangle 104">
+            <a:extLst>
+              <a:ext uri="{FF2B5EF4-FFF2-40B4-BE49-F238E27FC236}">
+                <a16:creationId xmlns:a16="http://schemas.microsoft.com/office/drawing/2014/main" id="{2AB08709-76DF-9D43-9D55-A09E8189A76B}"/>
+              </a:ext>
+            </a:extLst>
+          </p:cNvPr>
+          <p:cNvSpPr/>
+          <p:nvPr/>
+        </p:nvSpPr>
+        <p:spPr>
+          <a:xfrm>
+            <a:off x="1961102" y="1958358"/>
+            <a:ext cx="6910265" cy="1842224"/>
+          </a:xfrm>
+          <a:prstGeom prst="rect">
+            <a:avLst/>
+          </a:prstGeom>
+          <a:solidFill>
+            <a:schemeClr val="bg1"/>
+          </a:solidFill>
+          <a:ln w="9525" cap="flat" cmpd="sng" algn="ctr">
+            <a:solidFill>
+              <a:schemeClr val="dk1"/>
+            </a:solidFill>
+            <a:prstDash val="solid"/>
+            <a:round/>
+            <a:headEnd type="none" w="med" len="med"/>
+            <a:tailEnd type="none" w="med" len="med"/>
+          </a:ln>
+        </p:spPr>
+        <p:style>
+          <a:lnRef idx="0">
+            <a:scrgbClr r="0" g="0" b="0"/>
+          </a:lnRef>
+          <a:fillRef idx="0">
+            <a:scrgbClr r="0" g="0" b="0"/>
+          </a:fillRef>
+          <a:effectRef idx="0">
+            <a:scrgbClr r="0" g="0" b="0"/>
+          </a:effectRef>
+          <a:fontRef idx="minor">
+            <a:schemeClr val="dk1"/>
+          </a:fontRef>
+        </p:style>
+        <p:txBody>
+          <a:bodyPr rot="0" spcFirstLastPara="0" vertOverflow="overflow" horzOverflow="overflow" vert="horz" wrap="square" lIns="91440" tIns="45720" rIns="91440" bIns="45720" numCol="1" spcCol="0" rtlCol="0" fromWordArt="0" anchor="t" anchorCtr="0" forceAA="0" compatLnSpc="1">
+            <a:prstTxWarp prst="textNoShape">
+              <a:avLst/>
+            </a:prstTxWarp>
+            <a:noAutofit/>
+          </a:bodyPr>
+          <a:lstStyle/>
+          <a:p>
+            <a:r>
+              <a:rPr lang="en-GB" sz="1400" dirty="0">
+                <a:latin typeface="Times New Roman" panose="02020603050405020304" pitchFamily="18" charset="0"/>
+                <a:cs typeface="Times New Roman" panose="02020603050405020304" pitchFamily="18" charset="0"/>
+              </a:rPr>
+              <a:t>VNF</a:t>
+            </a:r>
+          </a:p>
+        </p:txBody>
+      </p:sp>
+      <p:sp>
+        <p:nvSpPr>
+          <p:cNvPr id="16" name="Rectangle 15">
+            <a:extLst>
+              <a:ext uri="{FF2B5EF4-FFF2-40B4-BE49-F238E27FC236}">
+                <a16:creationId xmlns:a16="http://schemas.microsoft.com/office/drawing/2014/main" id="{55CE53AC-F855-B344-86B1-3B8383E83FD0}"/>
+              </a:ext>
+            </a:extLst>
+          </p:cNvPr>
+          <p:cNvSpPr/>
+          <p:nvPr/>
+        </p:nvSpPr>
+        <p:spPr>
+          <a:xfrm>
+            <a:off x="1851399" y="6667648"/>
+            <a:ext cx="8921109" cy="2806996"/>
+          </a:xfrm>
+          <a:prstGeom prst="rect">
+            <a:avLst/>
+          </a:prstGeom>
+          <a:solidFill>
+            <a:schemeClr val="bg1"/>
+          </a:solidFill>
+          <a:ln w="9525" cap="flat" cmpd="sng" algn="ctr">
+            <a:solidFill>
+              <a:schemeClr val="dk1"/>
+            </a:solidFill>
+            <a:prstDash val="solid"/>
+            <a:round/>
+            <a:headEnd type="none" w="med" len="med"/>
+            <a:tailEnd type="none" w="med" len="med"/>
+          </a:ln>
+        </p:spPr>
+        <p:style>
+          <a:lnRef idx="0">
+            <a:scrgbClr r="0" g="0" b="0"/>
+          </a:lnRef>
+          <a:fillRef idx="0">
+            <a:scrgbClr r="0" g="0" b="0"/>
+          </a:fillRef>
+          <a:effectRef idx="0">
+            <a:scrgbClr r="0" g="0" b="0"/>
+          </a:effectRef>
+          <a:fontRef idx="minor">
+            <a:schemeClr val="dk1"/>
+          </a:fontRef>
+        </p:style>
+        <p:txBody>
+          <a:bodyPr rot="0" spcFirstLastPara="0" vertOverflow="overflow" horzOverflow="overflow" vert="horz" wrap="square" lIns="90000" tIns="0" rIns="91440" bIns="45720" numCol="1" spcCol="0" rtlCol="0" fromWordArt="0" anchor="t" anchorCtr="0" forceAA="0" compatLnSpc="1">
+            <a:prstTxWarp prst="textNoShape">
+              <a:avLst/>
+            </a:prstTxWarp>
+            <a:noAutofit/>
+          </a:bodyPr>
+          <a:lstStyle/>
+          <a:p>
+            <a:r>
+              <a:rPr lang="en-GB" dirty="0">
+                <a:latin typeface="Times New Roman" panose="02020603050405020304" pitchFamily="18" charset="0"/>
+                <a:cs typeface="Times New Roman" panose="02020603050405020304" pitchFamily="18" charset="0"/>
+              </a:rPr>
+              <a:t>NFVI</a:t>
+            </a:r>
+          </a:p>
+        </p:txBody>
+      </p:sp>
+      <p:sp>
+        <p:nvSpPr>
+          <p:cNvPr id="10" name="Rectangle 9">
+            <a:extLst>
+              <a:ext uri="{FF2B5EF4-FFF2-40B4-BE49-F238E27FC236}">
+                <a16:creationId xmlns:a16="http://schemas.microsoft.com/office/drawing/2014/main" id="{4047379C-7C2F-5840-9ED9-5840A7586E4C}"/>
+              </a:ext>
+            </a:extLst>
+          </p:cNvPr>
+          <p:cNvSpPr/>
+          <p:nvPr/>
+        </p:nvSpPr>
+        <p:spPr>
+          <a:xfrm>
+            <a:off x="1968358" y="8460541"/>
+            <a:ext cx="8717929" cy="919818"/>
+          </a:xfrm>
+          <a:prstGeom prst="rect">
+            <a:avLst/>
+          </a:prstGeom>
+          <a:solidFill>
+            <a:schemeClr val="bg1"/>
+          </a:solidFill>
+          <a:ln w="9525" cap="flat" cmpd="sng" algn="ctr">
+            <a:solidFill>
+              <a:schemeClr val="dk1"/>
+            </a:solidFill>
+            <a:prstDash val="solid"/>
+            <a:round/>
+            <a:headEnd type="none" w="med" len="med"/>
+            <a:tailEnd type="none" w="med" len="med"/>
+          </a:ln>
+        </p:spPr>
+        <p:style>
+          <a:lnRef idx="0">
+            <a:scrgbClr r="0" g="0" b="0"/>
+          </a:lnRef>
+          <a:fillRef idx="0">
+            <a:scrgbClr r="0" g="0" b="0"/>
+          </a:fillRef>
+          <a:effectRef idx="0">
+            <a:scrgbClr r="0" g="0" b="0"/>
+          </a:effectRef>
+          <a:fontRef idx="minor">
+            <a:schemeClr val="dk1"/>
+          </a:fontRef>
+        </p:style>
+        <p:txBody>
+          <a:bodyPr rot="0" spcFirstLastPara="0" vertOverflow="overflow" horzOverflow="overflow" vert="horz" wrap="square" lIns="90000" tIns="0" rIns="91440" bIns="45720" numCol="1" spcCol="0" rtlCol="0" fromWordArt="0" anchor="t" anchorCtr="0" forceAA="0" compatLnSpc="1">
+            <a:prstTxWarp prst="textNoShape">
+              <a:avLst/>
+            </a:prstTxWarp>
+            <a:noAutofit/>
+          </a:bodyPr>
+          <a:lstStyle/>
+          <a:p>
+            <a:pPr algn="r"/>
+            <a:r>
+              <a:rPr lang="en-GB" dirty="0">
+                <a:latin typeface="Times New Roman" panose="02020603050405020304" pitchFamily="18" charset="0"/>
+                <a:cs typeface="Times New Roman" panose="02020603050405020304" pitchFamily="18" charset="0"/>
+              </a:rPr>
+              <a:t>Hardware Resources</a:t>
+            </a:r>
+          </a:p>
+        </p:txBody>
+      </p:sp>
+      <p:sp>
+        <p:nvSpPr>
+          <p:cNvPr id="6" name="Rectangle 5">
+            <a:extLst>
+              <a:ext uri="{FF2B5EF4-FFF2-40B4-BE49-F238E27FC236}">
+                <a16:creationId xmlns:a16="http://schemas.microsoft.com/office/drawing/2014/main" id="{C0661B75-BB6E-0649-8551-805078A8CB9E}"/>
+              </a:ext>
+            </a:extLst>
+          </p:cNvPr>
+          <p:cNvSpPr/>
+          <p:nvPr/>
+        </p:nvSpPr>
+        <p:spPr>
+          <a:xfrm>
+            <a:off x="12012733" y="2349281"/>
+            <a:ext cx="1487277" cy="687897"/>
+          </a:xfrm>
+          <a:prstGeom prst="rect">
+            <a:avLst/>
+          </a:prstGeom>
+          <a:solidFill>
+            <a:schemeClr val="bg1"/>
+          </a:solidFill>
+          <a:ln w="9525" cap="flat" cmpd="sng" algn="ctr">
+            <a:solidFill>
+              <a:schemeClr val="dk1"/>
+            </a:solidFill>
+            <a:prstDash val="solid"/>
+            <a:round/>
+            <a:headEnd type="none" w="med" len="med"/>
+            <a:tailEnd type="none" w="med" len="med"/>
+          </a:ln>
+        </p:spPr>
+        <p:style>
+          <a:lnRef idx="0">
+            <a:scrgbClr r="0" g="0" b="0"/>
+          </a:lnRef>
+          <a:fillRef idx="0">
+            <a:scrgbClr r="0" g="0" b="0"/>
+          </a:fillRef>
+          <a:effectRef idx="0">
+            <a:scrgbClr r="0" g="0" b="0"/>
+          </a:effectRef>
+          <a:fontRef idx="minor">
+            <a:schemeClr val="dk1"/>
+          </a:fontRef>
+        </p:style>
+        <p:txBody>
+          <a:bodyPr rot="0" spcFirstLastPara="0" vertOverflow="overflow" horzOverflow="overflow" vert="horz" wrap="square" lIns="91440" tIns="45720" rIns="91440" bIns="45720" numCol="1" spcCol="0" rtlCol="0" fromWordArt="0" anchor="ctr" anchorCtr="0" forceAA="0" compatLnSpc="1">
+            <a:prstTxWarp prst="textNoShape">
+              <a:avLst/>
+            </a:prstTxWarp>
+            <a:noAutofit/>
+          </a:bodyPr>
+          <a:lstStyle/>
+          <a:p>
+            <a:pPr algn="ctr"/>
+            <a:endParaRPr lang="en-GB" dirty="0">
+              <a:latin typeface="Times New Roman" panose="02020603050405020304" pitchFamily="18" charset="0"/>
+              <a:cs typeface="Times New Roman" panose="02020603050405020304" pitchFamily="18" charset="0"/>
+            </a:endParaRPr>
+          </a:p>
+        </p:txBody>
+      </p:sp>
+      <p:sp>
+        <p:nvSpPr>
+          <p:cNvPr id="3" name="Rectangle 2">
+            <a:extLst>
+              <a:ext uri="{FF2B5EF4-FFF2-40B4-BE49-F238E27FC236}">
+                <a16:creationId xmlns:a16="http://schemas.microsoft.com/office/drawing/2014/main" id="{9ADD1965-C12A-E246-B5BA-846FB7BB4539}"/>
+              </a:ext>
+            </a:extLst>
+          </p:cNvPr>
+          <p:cNvSpPr/>
+          <p:nvPr/>
+        </p:nvSpPr>
+        <p:spPr>
+          <a:xfrm>
+            <a:off x="11840136" y="7430374"/>
+            <a:ext cx="1487277" cy="1265103"/>
+          </a:xfrm>
+          <a:prstGeom prst="rect">
+            <a:avLst/>
+          </a:prstGeom>
+          <a:solidFill>
+            <a:schemeClr val="bg1"/>
+          </a:solidFill>
+          <a:ln w="9525" cap="flat" cmpd="sng" algn="ctr">
+            <a:solidFill>
+              <a:schemeClr val="dk1"/>
+            </a:solidFill>
+            <a:prstDash val="solid"/>
+            <a:round/>
+            <a:headEnd type="none" w="med" len="med"/>
+            <a:tailEnd type="none" w="med" len="med"/>
+          </a:ln>
+        </p:spPr>
+        <p:style>
+          <a:lnRef idx="0">
+            <a:scrgbClr r="0" g="0" b="0"/>
+          </a:lnRef>
+          <a:fillRef idx="0">
+            <a:scrgbClr r="0" g="0" b="0"/>
+          </a:fillRef>
+          <a:effectRef idx="0">
+            <a:scrgbClr r="0" g="0" b="0"/>
+          </a:effectRef>
+          <a:fontRef idx="minor">
+            <a:schemeClr val="dk1"/>
+          </a:fontRef>
+        </p:style>
+        <p:txBody>
+          <a:bodyPr rot="0" spcFirstLastPara="0" vertOverflow="overflow" horzOverflow="overflow" vert="horz" wrap="square" lIns="91440" tIns="45720" rIns="91440" bIns="45720" numCol="1" spcCol="0" rtlCol="0" fromWordArt="0" anchor="ctr" anchorCtr="0" forceAA="0" compatLnSpc="1">
+            <a:prstTxWarp prst="textNoShape">
+              <a:avLst/>
+            </a:prstTxWarp>
+            <a:noAutofit/>
+          </a:bodyPr>
+          <a:lstStyle/>
+          <a:p>
+            <a:pPr algn="ctr"/>
+            <a:r>
+              <a:rPr lang="en-GB" dirty="0">
+                <a:latin typeface="Times New Roman" panose="02020603050405020304" pitchFamily="18" charset="0"/>
+                <a:cs typeface="Times New Roman" panose="02020603050405020304" pitchFamily="18" charset="0"/>
+              </a:rPr>
+              <a:t>Virtualised Infrastructure Manager(s)</a:t>
+            </a:r>
+          </a:p>
+        </p:txBody>
+      </p:sp>
+      <p:sp>
+        <p:nvSpPr>
+          <p:cNvPr id="4" name="Rectangle 3">
+            <a:extLst>
+              <a:ext uri="{FF2B5EF4-FFF2-40B4-BE49-F238E27FC236}">
+                <a16:creationId xmlns:a16="http://schemas.microsoft.com/office/drawing/2014/main" id="{BBB36BF6-8BB1-F745-9F69-33EEC86629CA}"/>
+              </a:ext>
+            </a:extLst>
+          </p:cNvPr>
+          <p:cNvSpPr/>
+          <p:nvPr/>
+        </p:nvSpPr>
+        <p:spPr>
+          <a:xfrm>
+            <a:off x="11840135" y="1059593"/>
+            <a:ext cx="2374595" cy="787644"/>
+          </a:xfrm>
+          <a:prstGeom prst="rect">
+            <a:avLst/>
+          </a:prstGeom>
+          <a:solidFill>
+            <a:schemeClr val="bg1"/>
+          </a:solidFill>
+          <a:ln w="9525" cap="flat" cmpd="sng" algn="ctr">
+            <a:solidFill>
+              <a:schemeClr val="dk1"/>
+            </a:solidFill>
+            <a:prstDash val="solid"/>
+            <a:round/>
+            <a:headEnd type="none" w="med" len="med"/>
+            <a:tailEnd type="none" w="med" len="med"/>
+          </a:ln>
+        </p:spPr>
+        <p:style>
+          <a:lnRef idx="0">
+            <a:scrgbClr r="0" g="0" b="0"/>
+          </a:lnRef>
+          <a:fillRef idx="0">
+            <a:scrgbClr r="0" g="0" b="0"/>
+          </a:fillRef>
+          <a:effectRef idx="0">
+            <a:scrgbClr r="0" g="0" b="0"/>
+          </a:effectRef>
+          <a:fontRef idx="minor">
+            <a:schemeClr val="dk1"/>
+          </a:fontRef>
+        </p:style>
+        <p:txBody>
+          <a:bodyPr rot="0" spcFirstLastPara="0" vertOverflow="overflow" horzOverflow="overflow" vert="horz" wrap="square" lIns="91440" tIns="45720" rIns="91440" bIns="45720" numCol="1" spcCol="0" rtlCol="0" fromWordArt="0" anchor="ctr" anchorCtr="0" forceAA="0" compatLnSpc="1">
+            <a:prstTxWarp prst="textNoShape">
+              <a:avLst/>
+            </a:prstTxWarp>
+            <a:noAutofit/>
+          </a:bodyPr>
+          <a:lstStyle/>
+          <a:p>
+            <a:pPr algn="ctr"/>
+            <a:r>
+              <a:rPr lang="en-GB" dirty="0">
+                <a:latin typeface="Times New Roman" panose="02020603050405020304" pitchFamily="18" charset="0"/>
+                <a:cs typeface="Times New Roman" panose="02020603050405020304" pitchFamily="18" charset="0"/>
+              </a:rPr>
+              <a:t>NFV Orchestrator</a:t>
+            </a:r>
+          </a:p>
+        </p:txBody>
+      </p:sp>
+      <p:sp>
+        <p:nvSpPr>
+          <p:cNvPr id="5" name="Rectangle 4">
+            <a:extLst>
+              <a:ext uri="{FF2B5EF4-FFF2-40B4-BE49-F238E27FC236}">
+                <a16:creationId xmlns:a16="http://schemas.microsoft.com/office/drawing/2014/main" id="{B4EACDD3-B72B-8440-9338-BBACB650E26E}"/>
+              </a:ext>
+            </a:extLst>
+          </p:cNvPr>
+          <p:cNvSpPr/>
+          <p:nvPr/>
+        </p:nvSpPr>
+        <p:spPr>
+          <a:xfrm>
+            <a:off x="11926434" y="2454858"/>
+            <a:ext cx="1487277" cy="687897"/>
+          </a:xfrm>
+          <a:prstGeom prst="rect">
+            <a:avLst/>
+          </a:prstGeom>
+          <a:solidFill>
+            <a:schemeClr val="bg1"/>
+          </a:solidFill>
+          <a:ln w="9525" cap="flat" cmpd="sng" algn="ctr">
+            <a:solidFill>
+              <a:schemeClr val="dk1"/>
+            </a:solidFill>
+            <a:prstDash val="solid"/>
+            <a:round/>
+            <a:headEnd type="none" w="med" len="med"/>
+            <a:tailEnd type="none" w="med" len="med"/>
+          </a:ln>
+        </p:spPr>
+        <p:style>
+          <a:lnRef idx="0">
+            <a:scrgbClr r="0" g="0" b="0"/>
+          </a:lnRef>
+          <a:fillRef idx="0">
+            <a:scrgbClr r="0" g="0" b="0"/>
+          </a:fillRef>
+          <a:effectRef idx="0">
+            <a:scrgbClr r="0" g="0" b="0"/>
+          </a:effectRef>
+          <a:fontRef idx="minor">
+            <a:schemeClr val="dk1"/>
+          </a:fontRef>
+        </p:style>
+        <p:txBody>
+          <a:bodyPr rot="0" spcFirstLastPara="0" vertOverflow="overflow" horzOverflow="overflow" vert="horz" wrap="square" lIns="91440" tIns="45720" rIns="91440" bIns="45720" numCol="1" spcCol="0" rtlCol="0" fromWordArt="0" anchor="ctr" anchorCtr="0" forceAA="0" compatLnSpc="1">
+            <a:prstTxWarp prst="textNoShape">
+              <a:avLst/>
+            </a:prstTxWarp>
+            <a:noAutofit/>
+          </a:bodyPr>
+          <a:lstStyle/>
+          <a:p>
+            <a:pPr algn="ctr"/>
+            <a:endParaRPr lang="en-GB" dirty="0">
+              <a:latin typeface="Times New Roman" panose="02020603050405020304" pitchFamily="18" charset="0"/>
+              <a:cs typeface="Times New Roman" panose="02020603050405020304" pitchFamily="18" charset="0"/>
+            </a:endParaRPr>
+          </a:p>
+        </p:txBody>
+      </p:sp>
+      <p:sp>
+        <p:nvSpPr>
+          <p:cNvPr id="2" name="Rectangle 1">
+            <a:extLst>
+              <a:ext uri="{FF2B5EF4-FFF2-40B4-BE49-F238E27FC236}">
+                <a16:creationId xmlns:a16="http://schemas.microsoft.com/office/drawing/2014/main" id="{AC1C05FA-A66C-5C4C-9F71-7ED55CD7DA66}"/>
+              </a:ext>
+            </a:extLst>
+          </p:cNvPr>
+          <p:cNvSpPr/>
+          <p:nvPr/>
+        </p:nvSpPr>
+        <p:spPr>
+          <a:xfrm>
+            <a:off x="11840135" y="2566863"/>
+            <a:ext cx="1487277" cy="687897"/>
+          </a:xfrm>
+          <a:prstGeom prst="rect">
+            <a:avLst/>
+          </a:prstGeom>
+          <a:solidFill>
+            <a:schemeClr val="bg1"/>
+          </a:solidFill>
+          <a:ln w="9525" cap="flat" cmpd="sng" algn="ctr">
+            <a:solidFill>
+              <a:schemeClr val="dk1"/>
+            </a:solidFill>
+            <a:prstDash val="solid"/>
+            <a:round/>
+            <a:headEnd type="none" w="med" len="med"/>
+            <a:tailEnd type="none" w="med" len="med"/>
+          </a:ln>
+        </p:spPr>
+        <p:style>
+          <a:lnRef idx="0">
+            <a:scrgbClr r="0" g="0" b="0"/>
+          </a:lnRef>
+          <a:fillRef idx="0">
+            <a:scrgbClr r="0" g="0" b="0"/>
+          </a:fillRef>
+          <a:effectRef idx="0">
+            <a:scrgbClr r="0" g="0" b="0"/>
+          </a:effectRef>
+          <a:fontRef idx="minor">
+            <a:schemeClr val="dk1"/>
+          </a:fontRef>
+        </p:style>
+        <p:txBody>
+          <a:bodyPr rot="0" spcFirstLastPara="0" vertOverflow="overflow" horzOverflow="overflow" vert="horz" wrap="square" lIns="91440" tIns="45720" rIns="91440" bIns="45720" numCol="1" spcCol="0" rtlCol="0" fromWordArt="0" anchor="ctr" anchorCtr="0" forceAA="0" compatLnSpc="1">
+            <a:prstTxWarp prst="textNoShape">
+              <a:avLst/>
+            </a:prstTxWarp>
+            <a:noAutofit/>
+          </a:bodyPr>
+          <a:lstStyle/>
+          <a:p>
+            <a:pPr algn="ctr"/>
+            <a:r>
+              <a:rPr lang="en-GB" dirty="0">
+                <a:latin typeface="Times New Roman" panose="02020603050405020304" pitchFamily="18" charset="0"/>
+                <a:cs typeface="Times New Roman" panose="02020603050405020304" pitchFamily="18" charset="0"/>
+              </a:rPr>
+              <a:t>VNF Manager(s)</a:t>
+            </a:r>
+          </a:p>
+        </p:txBody>
+      </p:sp>
+      <p:sp>
+        <p:nvSpPr>
+          <p:cNvPr id="7" name="Rectangle 6">
+            <a:extLst>
+              <a:ext uri="{FF2B5EF4-FFF2-40B4-BE49-F238E27FC236}">
+                <a16:creationId xmlns:a16="http://schemas.microsoft.com/office/drawing/2014/main" id="{96DC0286-8F38-3843-A915-0329AE5DA876}"/>
+              </a:ext>
+            </a:extLst>
+          </p:cNvPr>
+          <p:cNvSpPr/>
+          <p:nvPr/>
+        </p:nvSpPr>
+        <p:spPr>
+          <a:xfrm>
+            <a:off x="2165202" y="8774431"/>
+            <a:ext cx="2344332" cy="525136"/>
+          </a:xfrm>
+          <a:prstGeom prst="rect">
+            <a:avLst/>
+          </a:prstGeom>
+          <a:solidFill>
+            <a:schemeClr val="bg1"/>
+          </a:solidFill>
+          <a:ln w="9525" cap="flat" cmpd="sng" algn="ctr">
+            <a:solidFill>
+              <a:schemeClr val="dk1"/>
+            </a:solidFill>
+            <a:prstDash val="solid"/>
+            <a:round/>
+            <a:headEnd type="none" w="med" len="med"/>
+            <a:tailEnd type="none" w="med" len="med"/>
+          </a:ln>
+        </p:spPr>
+        <p:style>
+          <a:lnRef idx="0">
+            <a:scrgbClr r="0" g="0" b="0"/>
+          </a:lnRef>
+          <a:fillRef idx="0">
+            <a:scrgbClr r="0" g="0" b="0"/>
+          </a:fillRef>
+          <a:effectRef idx="0">
+            <a:scrgbClr r="0" g="0" b="0"/>
+          </a:effectRef>
+          <a:fontRef idx="minor">
+            <a:schemeClr val="dk1"/>
+          </a:fontRef>
+        </p:style>
+        <p:txBody>
+          <a:bodyPr rot="0" spcFirstLastPara="0" vertOverflow="overflow" horzOverflow="overflow" vert="horz" wrap="square" lIns="91440" tIns="45720" rIns="91440" bIns="45720" numCol="1" spcCol="0" rtlCol="0" fromWordArt="0" anchor="ctr" anchorCtr="0" forceAA="0" compatLnSpc="1">
+            <a:prstTxWarp prst="textNoShape">
+              <a:avLst/>
+            </a:prstTxWarp>
+            <a:noAutofit/>
+          </a:bodyPr>
+          <a:lstStyle/>
+          <a:p>
+            <a:pPr algn="ctr"/>
+            <a:r>
+              <a:rPr lang="en-GB" dirty="0">
+                <a:latin typeface="Times New Roman" panose="02020603050405020304" pitchFamily="18" charset="0"/>
+                <a:cs typeface="Times New Roman" panose="02020603050405020304" pitchFamily="18" charset="0"/>
+              </a:rPr>
+              <a:t>Computing Hardware</a:t>
+            </a:r>
+          </a:p>
+        </p:txBody>
+      </p:sp>
+      <p:sp>
+        <p:nvSpPr>
+          <p:cNvPr id="8" name="Rectangle 7">
+            <a:extLst>
+              <a:ext uri="{FF2B5EF4-FFF2-40B4-BE49-F238E27FC236}">
+                <a16:creationId xmlns:a16="http://schemas.microsoft.com/office/drawing/2014/main" id="{485EF8C1-EB99-EA47-B746-B4CC93618796}"/>
+              </a:ext>
+            </a:extLst>
+          </p:cNvPr>
+          <p:cNvSpPr/>
+          <p:nvPr/>
+        </p:nvSpPr>
+        <p:spPr>
+          <a:xfrm>
+            <a:off x="5155153" y="8774431"/>
+            <a:ext cx="2344332" cy="525136"/>
+          </a:xfrm>
+          <a:prstGeom prst="rect">
+            <a:avLst/>
+          </a:prstGeom>
+          <a:solidFill>
+            <a:schemeClr val="bg1"/>
+          </a:solidFill>
+          <a:ln w="9525" cap="flat" cmpd="sng" algn="ctr">
+            <a:solidFill>
+              <a:schemeClr val="dk1"/>
+            </a:solidFill>
+            <a:prstDash val="solid"/>
+            <a:round/>
+            <a:headEnd type="none" w="med" len="med"/>
+            <a:tailEnd type="none" w="med" len="med"/>
+          </a:ln>
+        </p:spPr>
+        <p:style>
+          <a:lnRef idx="0">
+            <a:scrgbClr r="0" g="0" b="0"/>
+          </a:lnRef>
+          <a:fillRef idx="0">
+            <a:scrgbClr r="0" g="0" b="0"/>
+          </a:fillRef>
+          <a:effectRef idx="0">
+            <a:scrgbClr r="0" g="0" b="0"/>
+          </a:effectRef>
+          <a:fontRef idx="minor">
+            <a:schemeClr val="dk1"/>
+          </a:fontRef>
+        </p:style>
+        <p:txBody>
+          <a:bodyPr rot="0" spcFirstLastPara="0" vertOverflow="overflow" horzOverflow="overflow" vert="horz" wrap="square" lIns="91440" tIns="45720" rIns="91440" bIns="45720" numCol="1" spcCol="0" rtlCol="0" fromWordArt="0" anchor="ctr" anchorCtr="0" forceAA="0" compatLnSpc="1">
+            <a:prstTxWarp prst="textNoShape">
+              <a:avLst/>
+            </a:prstTxWarp>
+            <a:noAutofit/>
+          </a:bodyPr>
+          <a:lstStyle/>
+          <a:p>
+            <a:pPr algn="ctr"/>
+            <a:r>
+              <a:rPr lang="en-GB" dirty="0">
+                <a:latin typeface="Times New Roman" panose="02020603050405020304" pitchFamily="18" charset="0"/>
+                <a:cs typeface="Times New Roman" panose="02020603050405020304" pitchFamily="18" charset="0"/>
+              </a:rPr>
+              <a:t>Storage Hardware</a:t>
+            </a:r>
+          </a:p>
+        </p:txBody>
+      </p:sp>
+      <p:sp>
+        <p:nvSpPr>
+          <p:cNvPr id="9" name="Rectangle 8">
+            <a:extLst>
+              <a:ext uri="{FF2B5EF4-FFF2-40B4-BE49-F238E27FC236}">
+                <a16:creationId xmlns:a16="http://schemas.microsoft.com/office/drawing/2014/main" id="{2D5F389C-DD00-FE4B-9BEC-3A3371C1ACEB}"/>
+              </a:ext>
+            </a:extLst>
+          </p:cNvPr>
+          <p:cNvSpPr/>
+          <p:nvPr/>
+        </p:nvSpPr>
+        <p:spPr>
+          <a:xfrm>
+            <a:off x="8134982" y="8774431"/>
+            <a:ext cx="2344332" cy="525136"/>
+          </a:xfrm>
+          <a:prstGeom prst="rect">
+            <a:avLst/>
+          </a:prstGeom>
+          <a:solidFill>
+            <a:schemeClr val="bg1"/>
+          </a:solidFill>
+          <a:ln w="9525" cap="flat" cmpd="sng" algn="ctr">
+            <a:solidFill>
+              <a:schemeClr val="dk1"/>
+            </a:solidFill>
+            <a:prstDash val="solid"/>
+            <a:round/>
+            <a:headEnd type="none" w="med" len="med"/>
+            <a:tailEnd type="none" w="med" len="med"/>
+          </a:ln>
+        </p:spPr>
+        <p:style>
+          <a:lnRef idx="0">
+            <a:scrgbClr r="0" g="0" b="0"/>
+          </a:lnRef>
+          <a:fillRef idx="0">
+            <a:scrgbClr r="0" g="0" b="0"/>
+          </a:fillRef>
+          <a:effectRef idx="0">
+            <a:scrgbClr r="0" g="0" b="0"/>
+          </a:effectRef>
+          <a:fontRef idx="minor">
+            <a:schemeClr val="dk1"/>
+          </a:fontRef>
+        </p:style>
+        <p:txBody>
+          <a:bodyPr rot="0" spcFirstLastPara="0" vertOverflow="overflow" horzOverflow="overflow" vert="horz" wrap="square" lIns="91440" tIns="45720" rIns="91440" bIns="45720" numCol="1" spcCol="0" rtlCol="0" fromWordArt="0" anchor="ctr" anchorCtr="0" forceAA="0" compatLnSpc="1">
+            <a:prstTxWarp prst="textNoShape">
+              <a:avLst/>
+            </a:prstTxWarp>
+            <a:noAutofit/>
+          </a:bodyPr>
+          <a:lstStyle/>
+          <a:p>
+            <a:pPr algn="ctr"/>
+            <a:r>
+              <a:rPr lang="en-GB" dirty="0">
+                <a:latin typeface="Times New Roman" panose="02020603050405020304" pitchFamily="18" charset="0"/>
+                <a:cs typeface="Times New Roman" panose="02020603050405020304" pitchFamily="18" charset="0"/>
+              </a:rPr>
+              <a:t>Network Hardware</a:t>
+            </a:r>
+          </a:p>
+        </p:txBody>
+      </p:sp>
+      <p:sp>
+        <p:nvSpPr>
+          <p:cNvPr id="11" name="Rectangle 10">
+            <a:extLst>
+              <a:ext uri="{FF2B5EF4-FFF2-40B4-BE49-F238E27FC236}">
+                <a16:creationId xmlns:a16="http://schemas.microsoft.com/office/drawing/2014/main" id="{38642F6D-5EEB-D94A-916E-50F92A2B25CE}"/>
+              </a:ext>
+            </a:extLst>
+          </p:cNvPr>
+          <p:cNvSpPr/>
+          <p:nvPr/>
+        </p:nvSpPr>
+        <p:spPr>
+          <a:xfrm>
+            <a:off x="1968358" y="7913371"/>
+            <a:ext cx="4869455" cy="299111"/>
+          </a:xfrm>
+          <a:prstGeom prst="rect">
+            <a:avLst/>
+          </a:prstGeom>
+          <a:solidFill>
+            <a:schemeClr val="bg1"/>
+          </a:solidFill>
+          <a:ln w="9525" cap="flat" cmpd="sng" algn="ctr">
+            <a:solidFill>
+              <a:schemeClr val="dk1"/>
+            </a:solidFill>
+            <a:prstDash val="solid"/>
+            <a:round/>
+            <a:headEnd type="none" w="med" len="med"/>
+            <a:tailEnd type="none" w="med" len="med"/>
+          </a:ln>
+        </p:spPr>
+        <p:style>
+          <a:lnRef idx="0">
+            <a:scrgbClr r="0" g="0" b="0"/>
+          </a:lnRef>
+          <a:fillRef idx="0">
+            <a:scrgbClr r="0" g="0" b="0"/>
+          </a:fillRef>
+          <a:effectRef idx="0">
+            <a:scrgbClr r="0" g="0" b="0"/>
+          </a:effectRef>
+          <a:fontRef idx="minor">
+            <a:schemeClr val="dk1"/>
+          </a:fontRef>
+        </p:style>
+        <p:txBody>
+          <a:bodyPr rot="0" spcFirstLastPara="0" vertOverflow="overflow" horzOverflow="overflow" vert="horz" wrap="square" lIns="91440" tIns="45720" rIns="91440" bIns="45720" numCol="1" spcCol="0" rtlCol="0" fromWordArt="0" anchor="ctr" anchorCtr="0" forceAA="0" compatLnSpc="1">
+            <a:prstTxWarp prst="textNoShape">
+              <a:avLst/>
+            </a:prstTxWarp>
+            <a:noAutofit/>
+          </a:bodyPr>
+          <a:lstStyle/>
+          <a:p>
+            <a:pPr algn="ctr"/>
+            <a:r>
+              <a:rPr lang="en-GB" dirty="0">
+                <a:latin typeface="Times New Roman" panose="02020603050405020304" pitchFamily="18" charset="0"/>
+                <a:cs typeface="Times New Roman" panose="02020603050405020304" pitchFamily="18" charset="0"/>
+              </a:rPr>
+              <a:t>Virtualisation Layer</a:t>
+            </a:r>
+          </a:p>
+        </p:txBody>
+      </p:sp>
+      <p:sp>
+        <p:nvSpPr>
+          <p:cNvPr id="12" name="Rectangle 11">
+            <a:extLst>
+              <a:ext uri="{FF2B5EF4-FFF2-40B4-BE49-F238E27FC236}">
+                <a16:creationId xmlns:a16="http://schemas.microsoft.com/office/drawing/2014/main" id="{8BC155A7-9EB2-0B4C-A5F0-5916664D2AC0}"/>
+              </a:ext>
+            </a:extLst>
+          </p:cNvPr>
+          <p:cNvSpPr/>
+          <p:nvPr/>
+        </p:nvSpPr>
+        <p:spPr>
+          <a:xfrm>
+            <a:off x="1968358" y="6954729"/>
+            <a:ext cx="4869455" cy="711653"/>
+          </a:xfrm>
+          <a:prstGeom prst="rect">
+            <a:avLst/>
+          </a:prstGeom>
+          <a:solidFill>
+            <a:schemeClr val="bg1"/>
+          </a:solidFill>
+          <a:ln w="9525" cap="flat" cmpd="sng" algn="ctr">
+            <a:solidFill>
+              <a:schemeClr val="dk1"/>
+            </a:solidFill>
+            <a:prstDash val="solid"/>
+            <a:round/>
+            <a:headEnd type="none" w="med" len="med"/>
+            <a:tailEnd type="none" w="med" len="med"/>
+          </a:ln>
+        </p:spPr>
+        <p:style>
+          <a:lnRef idx="0">
+            <a:scrgbClr r="0" g="0" b="0"/>
+          </a:lnRef>
+          <a:fillRef idx="0">
+            <a:scrgbClr r="0" g="0" b="0"/>
+          </a:fillRef>
+          <a:effectRef idx="0">
+            <a:scrgbClr r="0" g="0" b="0"/>
+          </a:effectRef>
+          <a:fontRef idx="minor">
+            <a:schemeClr val="dk1"/>
+          </a:fontRef>
+        </p:style>
+        <p:txBody>
+          <a:bodyPr rot="0" spcFirstLastPara="0" vertOverflow="overflow" horzOverflow="overflow" vert="horz" wrap="square" lIns="91440" tIns="45720" rIns="91440" bIns="45720" numCol="1" spcCol="0" rtlCol="0" fromWordArt="0" anchor="ctr" anchorCtr="0" forceAA="0" compatLnSpc="1">
+            <a:prstTxWarp prst="textNoShape">
+              <a:avLst/>
+            </a:prstTxWarp>
+            <a:noAutofit/>
+          </a:bodyPr>
+          <a:lstStyle/>
+          <a:p>
+            <a:pPr algn="ctr"/>
+            <a:endParaRPr lang="en-GB" dirty="0">
+              <a:latin typeface="Times New Roman" panose="02020603050405020304" pitchFamily="18" charset="0"/>
+              <a:cs typeface="Times New Roman" panose="02020603050405020304" pitchFamily="18" charset="0"/>
+            </a:endParaRPr>
+          </a:p>
+        </p:txBody>
+      </p:sp>
+      <p:sp>
+        <p:nvSpPr>
+          <p:cNvPr id="13" name="Rectangle 12">
+            <a:extLst>
+              <a:ext uri="{FF2B5EF4-FFF2-40B4-BE49-F238E27FC236}">
+                <a16:creationId xmlns:a16="http://schemas.microsoft.com/office/drawing/2014/main" id="{D3D0F2F9-D07D-2848-954A-1334BD6BB46A}"/>
+              </a:ext>
+            </a:extLst>
+          </p:cNvPr>
+          <p:cNvSpPr/>
+          <p:nvPr/>
+        </p:nvSpPr>
+        <p:spPr>
+          <a:xfrm>
+            <a:off x="2074855" y="7060452"/>
+            <a:ext cx="1487277" cy="525136"/>
+          </a:xfrm>
+          <a:prstGeom prst="rect">
+            <a:avLst/>
+          </a:prstGeom>
+          <a:solidFill>
+            <a:schemeClr val="bg1"/>
+          </a:solidFill>
+          <a:ln w="9525" cap="flat" cmpd="sng" algn="ctr">
+            <a:solidFill>
+              <a:schemeClr val="dk1"/>
+            </a:solidFill>
+            <a:prstDash val="solid"/>
+            <a:round/>
+            <a:headEnd type="none" w="med" len="med"/>
+            <a:tailEnd type="none" w="med" len="med"/>
+          </a:ln>
+        </p:spPr>
+        <p:style>
+          <a:lnRef idx="0">
+            <a:scrgbClr r="0" g="0" b="0"/>
+          </a:lnRef>
+          <a:fillRef idx="0">
+            <a:scrgbClr r="0" g="0" b="0"/>
+          </a:fillRef>
+          <a:effectRef idx="0">
+            <a:scrgbClr r="0" g="0" b="0"/>
+          </a:effectRef>
+          <a:fontRef idx="minor">
+            <a:schemeClr val="dk1"/>
+          </a:fontRef>
+        </p:style>
+        <p:txBody>
+          <a:bodyPr rot="0" spcFirstLastPara="0" vertOverflow="overflow" horzOverflow="overflow" vert="horz" wrap="square" lIns="91440" tIns="45720" rIns="91440" bIns="45720" numCol="1" spcCol="0" rtlCol="0" fromWordArt="0" anchor="ctr" anchorCtr="0" forceAA="0" compatLnSpc="1">
+            <a:prstTxWarp prst="textNoShape">
+              <a:avLst/>
+            </a:prstTxWarp>
+            <a:noAutofit/>
+          </a:bodyPr>
+          <a:lstStyle/>
+          <a:p>
+            <a:pPr algn="ctr"/>
+            <a:r>
+              <a:rPr lang="en-GB" dirty="0">
+                <a:latin typeface="Times New Roman" panose="02020603050405020304" pitchFamily="18" charset="0"/>
+                <a:cs typeface="Times New Roman" panose="02020603050405020304" pitchFamily="18" charset="0"/>
+              </a:rPr>
+              <a:t>Virtual Computing</a:t>
+            </a:r>
+          </a:p>
+        </p:txBody>
+      </p:sp>
+      <p:sp>
+        <p:nvSpPr>
+          <p:cNvPr id="14" name="Rectangle 13">
+            <a:extLst>
+              <a:ext uri="{FF2B5EF4-FFF2-40B4-BE49-F238E27FC236}">
+                <a16:creationId xmlns:a16="http://schemas.microsoft.com/office/drawing/2014/main" id="{534DE4A9-FE33-7944-ADEA-049B84A80C28}"/>
+              </a:ext>
+            </a:extLst>
+          </p:cNvPr>
+          <p:cNvSpPr/>
+          <p:nvPr/>
+        </p:nvSpPr>
+        <p:spPr>
+          <a:xfrm>
+            <a:off x="3659448" y="7060452"/>
+            <a:ext cx="1487277" cy="525136"/>
+          </a:xfrm>
+          <a:prstGeom prst="rect">
+            <a:avLst/>
+          </a:prstGeom>
+          <a:solidFill>
+            <a:schemeClr val="bg1"/>
+          </a:solidFill>
+          <a:ln w="9525" cap="flat" cmpd="sng" algn="ctr">
+            <a:solidFill>
+              <a:schemeClr val="dk1"/>
+            </a:solidFill>
+            <a:prstDash val="solid"/>
+            <a:round/>
+            <a:headEnd type="none" w="med" len="med"/>
+            <a:tailEnd type="none" w="med" len="med"/>
+          </a:ln>
+        </p:spPr>
+        <p:style>
+          <a:lnRef idx="0">
+            <a:scrgbClr r="0" g="0" b="0"/>
+          </a:lnRef>
+          <a:fillRef idx="0">
+            <a:scrgbClr r="0" g="0" b="0"/>
+          </a:fillRef>
+          <a:effectRef idx="0">
+            <a:scrgbClr r="0" g="0" b="0"/>
+          </a:effectRef>
+          <a:fontRef idx="minor">
+            <a:schemeClr val="dk1"/>
+          </a:fontRef>
+        </p:style>
+        <p:txBody>
+          <a:bodyPr rot="0" spcFirstLastPara="0" vertOverflow="overflow" horzOverflow="overflow" vert="horz" wrap="square" lIns="91440" tIns="45720" rIns="91440" bIns="45720" numCol="1" spcCol="0" rtlCol="0" fromWordArt="0" anchor="ctr" anchorCtr="0" forceAA="0" compatLnSpc="1">
+            <a:prstTxWarp prst="textNoShape">
+              <a:avLst/>
+            </a:prstTxWarp>
+            <a:noAutofit/>
+          </a:bodyPr>
+          <a:lstStyle/>
+          <a:p>
+            <a:pPr algn="ctr"/>
+            <a:r>
+              <a:rPr lang="en-GB" dirty="0">
+                <a:latin typeface="Times New Roman" panose="02020603050405020304" pitchFamily="18" charset="0"/>
+                <a:cs typeface="Times New Roman" panose="02020603050405020304" pitchFamily="18" charset="0"/>
+              </a:rPr>
+              <a:t>Virtual Storage</a:t>
+            </a:r>
+          </a:p>
+        </p:txBody>
+      </p:sp>
+      <p:sp>
+        <p:nvSpPr>
+          <p:cNvPr id="15" name="Rectangle 14">
+            <a:extLst>
+              <a:ext uri="{FF2B5EF4-FFF2-40B4-BE49-F238E27FC236}">
+                <a16:creationId xmlns:a16="http://schemas.microsoft.com/office/drawing/2014/main" id="{00A6D736-E4BD-4D43-9344-5ABD6D4193CC}"/>
+              </a:ext>
+            </a:extLst>
+          </p:cNvPr>
+          <p:cNvSpPr/>
+          <p:nvPr/>
+        </p:nvSpPr>
+        <p:spPr>
+          <a:xfrm>
+            <a:off x="5244041" y="7060452"/>
+            <a:ext cx="1487277" cy="525136"/>
+          </a:xfrm>
+          <a:prstGeom prst="rect">
+            <a:avLst/>
+          </a:prstGeom>
+          <a:solidFill>
+            <a:schemeClr val="bg1"/>
+          </a:solidFill>
+          <a:ln w="9525" cap="flat" cmpd="sng" algn="ctr">
+            <a:solidFill>
+              <a:schemeClr val="dk1"/>
+            </a:solidFill>
+            <a:prstDash val="solid"/>
+            <a:round/>
+            <a:headEnd type="none" w="med" len="med"/>
+            <a:tailEnd type="none" w="med" len="med"/>
+          </a:ln>
+        </p:spPr>
+        <p:style>
+          <a:lnRef idx="0">
+            <a:scrgbClr r="0" g="0" b="0"/>
+          </a:lnRef>
+          <a:fillRef idx="0">
+            <a:scrgbClr r="0" g="0" b="0"/>
+          </a:fillRef>
+          <a:effectRef idx="0">
+            <a:scrgbClr r="0" g="0" b="0"/>
+          </a:effectRef>
+          <a:fontRef idx="minor">
+            <a:schemeClr val="dk1"/>
+          </a:fontRef>
+        </p:style>
+        <p:txBody>
+          <a:bodyPr rot="0" spcFirstLastPara="0" vertOverflow="overflow" horzOverflow="overflow" vert="horz" wrap="square" lIns="91440" tIns="45720" rIns="91440" bIns="45720" numCol="1" spcCol="0" rtlCol="0" fromWordArt="0" anchor="ctr" anchorCtr="0" forceAA="0" compatLnSpc="1">
+            <a:prstTxWarp prst="textNoShape">
+              <a:avLst/>
+            </a:prstTxWarp>
+            <a:noAutofit/>
+          </a:bodyPr>
+          <a:lstStyle/>
+          <a:p>
+            <a:pPr algn="ctr"/>
+            <a:r>
+              <a:rPr lang="en-GB" dirty="0">
+                <a:latin typeface="Times New Roman" panose="02020603050405020304" pitchFamily="18" charset="0"/>
+                <a:cs typeface="Times New Roman" panose="02020603050405020304" pitchFamily="18" charset="0"/>
+              </a:rPr>
+              <a:t>Virtual Network</a:t>
+            </a:r>
+          </a:p>
+        </p:txBody>
+      </p:sp>
+      <p:cxnSp>
+        <p:nvCxnSpPr>
+          <p:cNvPr id="18" name="Straight Connector 17">
+            <a:extLst>
+              <a:ext uri="{FF2B5EF4-FFF2-40B4-BE49-F238E27FC236}">
+                <a16:creationId xmlns:a16="http://schemas.microsoft.com/office/drawing/2014/main" id="{1E2A2603-3A96-1348-9971-1C15B43FC722}"/>
+              </a:ext>
+            </a:extLst>
+          </p:cNvPr>
+          <p:cNvCxnSpPr>
+            <a:cxnSpLocks/>
+            <a:stCxn id="3" idx="1"/>
+            <a:endCxn id="16" idx="3"/>
+          </p:cNvCxnSpPr>
+          <p:nvPr/>
+        </p:nvCxnSpPr>
+        <p:spPr>
+          <a:xfrm flipH="1">
+            <a:off x="10772507" y="8062926"/>
+            <a:ext cx="1067628" cy="8221"/>
+          </a:xfrm>
+          <a:prstGeom prst="line">
+            <a:avLst/>
+          </a:prstGeom>
+          <a:ln w="38100"/>
+        </p:spPr>
+        <p:style>
+          <a:lnRef idx="3">
+            <a:schemeClr val="dk1"/>
+          </a:lnRef>
+          <a:fillRef idx="0">
+            <a:schemeClr val="dk1"/>
+          </a:fillRef>
+          <a:effectRef idx="2">
+            <a:schemeClr val="dk1"/>
+          </a:effectRef>
+          <a:fontRef idx="minor">
+            <a:schemeClr val="tx1"/>
+          </a:fontRef>
+        </p:style>
+      </p:cxnSp>
+      <p:cxnSp>
+        <p:nvCxnSpPr>
+          <p:cNvPr id="24" name="Elbow Connector 23">
+            <a:extLst>
+              <a:ext uri="{FF2B5EF4-FFF2-40B4-BE49-F238E27FC236}">
+                <a16:creationId xmlns:a16="http://schemas.microsoft.com/office/drawing/2014/main" id="{F8EC7029-96D9-2647-8105-9AC01FCDC90B}"/>
+              </a:ext>
+            </a:extLst>
+          </p:cNvPr>
+          <p:cNvCxnSpPr>
+            <a:cxnSpLocks/>
+            <a:stCxn id="4" idx="3"/>
+            <a:endCxn id="3" idx="3"/>
+          </p:cNvCxnSpPr>
+          <p:nvPr/>
+        </p:nvCxnSpPr>
+        <p:spPr>
+          <a:xfrm flipH="1">
+            <a:off x="13327413" y="1453415"/>
+            <a:ext cx="887317" cy="6609511"/>
+          </a:xfrm>
+          <a:prstGeom prst="bentConnector3">
+            <a:avLst>
+              <a:gd name="adj1" fmla="val -25763"/>
+            </a:avLst>
+          </a:prstGeom>
+          <a:ln w="38100"/>
+        </p:spPr>
+        <p:style>
+          <a:lnRef idx="3">
+            <a:schemeClr val="dk1"/>
+          </a:lnRef>
+          <a:fillRef idx="0">
+            <a:schemeClr val="dk1"/>
+          </a:fillRef>
+          <a:effectRef idx="2">
+            <a:schemeClr val="dk1"/>
+          </a:effectRef>
+          <a:fontRef idx="minor">
+            <a:schemeClr val="tx1"/>
+          </a:fontRef>
+        </p:style>
+      </p:cxnSp>
+      <p:cxnSp>
+        <p:nvCxnSpPr>
+          <p:cNvPr id="26" name="Straight Connector 25">
+            <a:extLst>
+              <a:ext uri="{FF2B5EF4-FFF2-40B4-BE49-F238E27FC236}">
+                <a16:creationId xmlns:a16="http://schemas.microsoft.com/office/drawing/2014/main" id="{7CA30F64-CDC1-4D4E-8B07-B2003F6B4462}"/>
+              </a:ext>
+            </a:extLst>
+          </p:cNvPr>
+          <p:cNvCxnSpPr>
+            <a:cxnSpLocks/>
+            <a:stCxn id="2" idx="0"/>
+            <a:endCxn id="4" idx="2"/>
+          </p:cNvCxnSpPr>
+          <p:nvPr/>
+        </p:nvCxnSpPr>
+        <p:spPr>
+          <a:xfrm flipV="1">
+            <a:off x="12583774" y="1847237"/>
+            <a:ext cx="443659" cy="719626"/>
+          </a:xfrm>
+          <a:prstGeom prst="line">
+            <a:avLst/>
+          </a:prstGeom>
+        </p:spPr>
+        <p:style>
+          <a:lnRef idx="3">
+            <a:schemeClr val="dk1"/>
+          </a:lnRef>
+          <a:fillRef idx="0">
+            <a:schemeClr val="dk1"/>
+          </a:fillRef>
+          <a:effectRef idx="2">
+            <a:schemeClr val="dk1"/>
+          </a:effectRef>
+          <a:fontRef idx="minor">
+            <a:schemeClr val="tx1"/>
+          </a:fontRef>
+        </p:style>
+      </p:cxnSp>
+      <p:sp>
+        <p:nvSpPr>
+          <p:cNvPr id="29" name="Rectangle 28">
+            <a:extLst>
+              <a:ext uri="{FF2B5EF4-FFF2-40B4-BE49-F238E27FC236}">
+                <a16:creationId xmlns:a16="http://schemas.microsoft.com/office/drawing/2014/main" id="{54514DCD-E637-8548-BB36-B46C50917423}"/>
+              </a:ext>
+            </a:extLst>
+          </p:cNvPr>
+          <p:cNvSpPr/>
+          <p:nvPr/>
+        </p:nvSpPr>
+        <p:spPr>
+          <a:xfrm>
+            <a:off x="1968358" y="5551404"/>
+            <a:ext cx="1487277" cy="645719"/>
+          </a:xfrm>
+          <a:prstGeom prst="rect">
+            <a:avLst/>
+          </a:prstGeom>
+          <a:solidFill>
+            <a:schemeClr val="bg1"/>
+          </a:solidFill>
+          <a:ln w="9525" cap="flat" cmpd="sng" algn="ctr">
+            <a:solidFill>
+              <a:schemeClr val="dk1"/>
+            </a:solidFill>
+            <a:prstDash val="solid"/>
+            <a:round/>
+            <a:headEnd type="none" w="med" len="med"/>
+            <a:tailEnd type="none" w="med" len="med"/>
+          </a:ln>
+        </p:spPr>
+        <p:style>
+          <a:lnRef idx="0">
+            <a:scrgbClr r="0" g="0" b="0"/>
+          </a:lnRef>
+          <a:fillRef idx="0">
+            <a:scrgbClr r="0" g="0" b="0"/>
+          </a:fillRef>
+          <a:effectRef idx="0">
+            <a:scrgbClr r="0" g="0" b="0"/>
+          </a:effectRef>
+          <a:fontRef idx="minor">
+            <a:schemeClr val="dk1"/>
+          </a:fontRef>
+        </p:style>
+        <p:txBody>
+          <a:bodyPr rot="0" spcFirstLastPara="0" vertOverflow="overflow" horzOverflow="overflow" vert="horz" wrap="square" lIns="91440" tIns="45720" rIns="91440" bIns="45720" numCol="1" spcCol="0" rtlCol="0" fromWordArt="0" anchor="ctr" anchorCtr="0" forceAA="0" compatLnSpc="1">
+            <a:prstTxWarp prst="textNoShape">
+              <a:avLst/>
+            </a:prstTxWarp>
+            <a:noAutofit/>
+          </a:bodyPr>
+          <a:lstStyle/>
+          <a:p>
+            <a:pPr algn="ctr"/>
+            <a:r>
+              <a:rPr lang="en-GB" sz="1400" dirty="0">
+                <a:latin typeface="Times New Roman" panose="02020603050405020304" pitchFamily="18" charset="0"/>
+                <a:cs typeface="Times New Roman" panose="02020603050405020304" pitchFamily="18" charset="0"/>
+              </a:rPr>
+              <a:t>Container Infrastructure Service Instance</a:t>
+            </a:r>
+          </a:p>
+        </p:txBody>
+      </p:sp>
+      <p:grpSp>
+        <p:nvGrpSpPr>
+          <p:cNvPr id="32" name="Group 31">
+            <a:extLst>
+              <a:ext uri="{FF2B5EF4-FFF2-40B4-BE49-F238E27FC236}">
+                <a16:creationId xmlns:a16="http://schemas.microsoft.com/office/drawing/2014/main" id="{96AE2E5B-C927-954B-A868-DEC569EAB191}"/>
+              </a:ext>
+            </a:extLst>
+          </p:cNvPr>
+          <p:cNvGrpSpPr/>
+          <p:nvPr/>
+        </p:nvGrpSpPr>
+        <p:grpSpPr>
+          <a:xfrm>
+            <a:off x="1882124" y="6274049"/>
+            <a:ext cx="1659745" cy="158334"/>
+            <a:chOff x="278348" y="3115145"/>
+            <a:chExt cx="1659745" cy="158334"/>
+          </a:xfrm>
+        </p:grpSpPr>
+        <p:sp>
+          <p:nvSpPr>
+            <p:cNvPr id="30" name="Left Bracket 29">
+              <a:extLst>
+                <a:ext uri="{FF2B5EF4-FFF2-40B4-BE49-F238E27FC236}">
+                  <a16:creationId xmlns:a16="http://schemas.microsoft.com/office/drawing/2014/main" id="{E1425436-37DD-E546-8996-E30F9BAE3A66}"/>
+                </a:ext>
+              </a:extLst>
+            </p:cNvPr>
+            <p:cNvSpPr/>
+            <p:nvPr/>
+          </p:nvSpPr>
+          <p:spPr>
+            <a:xfrm rot="16200000">
+              <a:off x="1029054" y="2364439"/>
+              <a:ext cx="158334" cy="1659745"/>
+            </a:xfrm>
+            <a:prstGeom prst="leftBracket">
+              <a:avLst/>
+            </a:prstGeom>
+            <a:solidFill>
+              <a:schemeClr val="bg1"/>
+            </a:solidFill>
+            <a:ln w="9525" cap="flat" cmpd="sng" algn="ctr">
+              <a:solidFill>
+                <a:schemeClr val="dk1"/>
+              </a:solidFill>
+              <a:prstDash val="solid"/>
+              <a:round/>
+              <a:headEnd type="none" w="med" len="med"/>
+              <a:tailEnd type="none" w="med" len="med"/>
+            </a:ln>
+          </p:spPr>
+          <p:style>
+            <a:lnRef idx="0">
+              <a:scrgbClr r="0" g="0" b="0"/>
+            </a:lnRef>
+            <a:fillRef idx="0">
+              <a:scrgbClr r="0" g="0" b="0"/>
+            </a:fillRef>
+            <a:effectRef idx="0">
+              <a:scrgbClr r="0" g="0" b="0"/>
+            </a:effectRef>
+            <a:fontRef idx="minor">
+              <a:schemeClr val="dk1"/>
+            </a:fontRef>
+          </p:style>
+          <p:txBody>
+            <a:bodyPr rot="0" spcFirstLastPara="0" vertOverflow="overflow" horzOverflow="overflow" vert="horz" wrap="square" lIns="91440" tIns="45720" rIns="91440" bIns="45720" numCol="1" spcCol="0" rtlCol="0" fromWordArt="0" anchor="ctr" anchorCtr="0" forceAA="0" compatLnSpc="1">
+              <a:prstTxWarp prst="textNoShape">
+                <a:avLst/>
+              </a:prstTxWarp>
+              <a:noAutofit/>
+            </a:bodyPr>
+            <a:lstStyle/>
+            <a:p>
+              <a:pPr algn="ctr"/>
+              <a:endParaRPr lang="en-GB" sz="1400">
+                <a:latin typeface="Times New Roman" panose="02020603050405020304" pitchFamily="18" charset="0"/>
+                <a:cs typeface="Times New Roman" panose="02020603050405020304" pitchFamily="18" charset="0"/>
+              </a:endParaRPr>
+            </a:p>
+          </p:txBody>
+        </p:sp>
+        <p:sp>
+          <p:nvSpPr>
+            <p:cNvPr id="31" name="Rectangle 30">
+              <a:extLst>
+                <a:ext uri="{FF2B5EF4-FFF2-40B4-BE49-F238E27FC236}">
+                  <a16:creationId xmlns:a16="http://schemas.microsoft.com/office/drawing/2014/main" id="{4B6246A5-68D4-7F45-AFA8-8D0E55C2A940}"/>
+                </a:ext>
+              </a:extLst>
+            </p:cNvPr>
+            <p:cNvSpPr/>
+            <p:nvPr/>
+          </p:nvSpPr>
+          <p:spPr>
+            <a:xfrm>
+              <a:off x="278348" y="3143942"/>
+              <a:ext cx="1659745" cy="129537"/>
+            </a:xfrm>
+            <a:prstGeom prst="rect">
+              <a:avLst/>
+            </a:prstGeom>
+            <a:noFill/>
+            <a:ln w="9525" cap="flat" cmpd="sng" algn="ctr">
+              <a:noFill/>
+              <a:prstDash val="solid"/>
+              <a:round/>
+              <a:headEnd type="none" w="med" len="med"/>
+              <a:tailEnd type="none" w="med" len="med"/>
+            </a:ln>
+          </p:spPr>
+          <p:style>
+            <a:lnRef idx="0">
+              <a:scrgbClr r="0" g="0" b="0"/>
+            </a:lnRef>
+            <a:fillRef idx="0">
+              <a:scrgbClr r="0" g="0" b="0"/>
+            </a:fillRef>
+            <a:effectRef idx="0">
+              <a:scrgbClr r="0" g="0" b="0"/>
+            </a:effectRef>
+            <a:fontRef idx="minor">
+              <a:schemeClr val="dk1"/>
+            </a:fontRef>
+          </p:style>
+          <p:txBody>
+            <a:bodyPr rot="0" spcFirstLastPara="0" vertOverflow="overflow" horzOverflow="overflow" vert="horz" wrap="square" lIns="91440" tIns="45720" rIns="91440" bIns="45720" numCol="1" spcCol="0" rtlCol="0" fromWordArt="0" anchor="ctr" anchorCtr="0" forceAA="0" compatLnSpc="1">
+              <a:prstTxWarp prst="textNoShape">
+                <a:avLst/>
+              </a:prstTxWarp>
+              <a:noAutofit/>
+            </a:bodyPr>
+            <a:lstStyle/>
+            <a:p>
+              <a:pPr algn="ctr"/>
+              <a:r>
+                <a:rPr lang="en-GB" sz="1200" dirty="0">
+                  <a:latin typeface="Times New Roman" panose="02020603050405020304" pitchFamily="18" charset="0"/>
+                  <a:cs typeface="Times New Roman" panose="02020603050405020304" pitchFamily="18" charset="0"/>
+                </a:rPr>
+                <a:t>VM / BM</a:t>
+              </a:r>
+            </a:p>
+          </p:txBody>
+        </p:sp>
+      </p:grpSp>
+      <p:sp>
+        <p:nvSpPr>
+          <p:cNvPr id="33" name="Rectangle 32">
+            <a:extLst>
+              <a:ext uri="{FF2B5EF4-FFF2-40B4-BE49-F238E27FC236}">
+                <a16:creationId xmlns:a16="http://schemas.microsoft.com/office/drawing/2014/main" id="{DC86C70F-7F63-7246-9867-31EDA891838A}"/>
+              </a:ext>
+            </a:extLst>
+          </p:cNvPr>
+          <p:cNvSpPr/>
+          <p:nvPr/>
+        </p:nvSpPr>
+        <p:spPr>
+          <a:xfrm>
+            <a:off x="3776021" y="5551404"/>
+            <a:ext cx="1487277" cy="645719"/>
+          </a:xfrm>
+          <a:prstGeom prst="rect">
+            <a:avLst/>
+          </a:prstGeom>
+          <a:solidFill>
+            <a:schemeClr val="bg1"/>
+          </a:solidFill>
+          <a:ln w="9525" cap="flat" cmpd="sng" algn="ctr">
+            <a:solidFill>
+              <a:schemeClr val="dk1"/>
+            </a:solidFill>
+            <a:prstDash val="solid"/>
+            <a:round/>
+            <a:headEnd type="none" w="med" len="med"/>
+            <a:tailEnd type="none" w="med" len="med"/>
+          </a:ln>
+        </p:spPr>
+        <p:style>
+          <a:lnRef idx="0">
+            <a:scrgbClr r="0" g="0" b="0"/>
+          </a:lnRef>
+          <a:fillRef idx="0">
+            <a:scrgbClr r="0" g="0" b="0"/>
+          </a:fillRef>
+          <a:effectRef idx="0">
+            <a:scrgbClr r="0" g="0" b="0"/>
+          </a:effectRef>
+          <a:fontRef idx="minor">
+            <a:schemeClr val="dk1"/>
+          </a:fontRef>
+        </p:style>
+        <p:txBody>
+          <a:bodyPr rot="0" spcFirstLastPara="0" vertOverflow="overflow" horzOverflow="overflow" vert="horz" wrap="square" lIns="91440" tIns="45720" rIns="91440" bIns="45720" numCol="1" spcCol="0" rtlCol="0" fromWordArt="0" anchor="ctr" anchorCtr="0" forceAA="0" compatLnSpc="1">
+            <a:prstTxWarp prst="textNoShape">
+              <a:avLst/>
+            </a:prstTxWarp>
+            <a:noAutofit/>
+          </a:bodyPr>
+          <a:lstStyle/>
+          <a:p>
+            <a:pPr algn="ctr"/>
+            <a:r>
+              <a:rPr lang="en-GB" sz="1400" dirty="0">
+                <a:latin typeface="Times New Roman" panose="02020603050405020304" pitchFamily="18" charset="0"/>
+                <a:cs typeface="Times New Roman" panose="02020603050405020304" pitchFamily="18" charset="0"/>
+              </a:rPr>
+              <a:t>Container Infrastructure Service Instance</a:t>
+            </a:r>
+          </a:p>
+        </p:txBody>
+      </p:sp>
+      <p:grpSp>
+        <p:nvGrpSpPr>
+          <p:cNvPr id="34" name="Group 33">
+            <a:extLst>
+              <a:ext uri="{FF2B5EF4-FFF2-40B4-BE49-F238E27FC236}">
+                <a16:creationId xmlns:a16="http://schemas.microsoft.com/office/drawing/2014/main" id="{7CC85D7D-88A7-2C4C-962A-77F8F02AD119}"/>
+              </a:ext>
+            </a:extLst>
+          </p:cNvPr>
+          <p:cNvGrpSpPr/>
+          <p:nvPr/>
+        </p:nvGrpSpPr>
+        <p:grpSpPr>
+          <a:xfrm>
+            <a:off x="3689787" y="6274049"/>
+            <a:ext cx="1659745" cy="158334"/>
+            <a:chOff x="278348" y="3115145"/>
+            <a:chExt cx="1659745" cy="158334"/>
+          </a:xfrm>
+        </p:grpSpPr>
+        <p:sp>
+          <p:nvSpPr>
+            <p:cNvPr id="35" name="Left Bracket 34">
+              <a:extLst>
+                <a:ext uri="{FF2B5EF4-FFF2-40B4-BE49-F238E27FC236}">
+                  <a16:creationId xmlns:a16="http://schemas.microsoft.com/office/drawing/2014/main" id="{4E150B80-44D3-8943-B4E0-9640A1553F2B}"/>
+                </a:ext>
+              </a:extLst>
+            </p:cNvPr>
+            <p:cNvSpPr/>
+            <p:nvPr/>
+          </p:nvSpPr>
+          <p:spPr>
+            <a:xfrm rot="16200000">
+              <a:off x="1029054" y="2364439"/>
+              <a:ext cx="158334" cy="1659745"/>
+            </a:xfrm>
+            <a:prstGeom prst="leftBracket">
+              <a:avLst/>
+            </a:prstGeom>
+            <a:solidFill>
+              <a:schemeClr val="bg1"/>
+            </a:solidFill>
+            <a:ln w="9525" cap="flat" cmpd="sng" algn="ctr">
+              <a:solidFill>
+                <a:schemeClr val="dk1"/>
+              </a:solidFill>
+              <a:prstDash val="solid"/>
+              <a:round/>
+              <a:headEnd type="none" w="med" len="med"/>
+              <a:tailEnd type="none" w="med" len="med"/>
+            </a:ln>
+          </p:spPr>
+          <p:style>
+            <a:lnRef idx="0">
+              <a:scrgbClr r="0" g="0" b="0"/>
+            </a:lnRef>
+            <a:fillRef idx="0">
+              <a:scrgbClr r="0" g="0" b="0"/>
+            </a:fillRef>
+            <a:effectRef idx="0">
+              <a:scrgbClr r="0" g="0" b="0"/>
+            </a:effectRef>
+            <a:fontRef idx="minor">
+              <a:schemeClr val="dk1"/>
+            </a:fontRef>
+          </p:style>
+          <p:txBody>
+            <a:bodyPr rot="0" spcFirstLastPara="0" vertOverflow="overflow" horzOverflow="overflow" vert="horz" wrap="square" lIns="91440" tIns="45720" rIns="91440" bIns="45720" numCol="1" spcCol="0" rtlCol="0" fromWordArt="0" anchor="ctr" anchorCtr="0" forceAA="0" compatLnSpc="1">
+              <a:prstTxWarp prst="textNoShape">
+                <a:avLst/>
+              </a:prstTxWarp>
+              <a:noAutofit/>
+            </a:bodyPr>
+            <a:lstStyle/>
+            <a:p>
+              <a:pPr algn="ctr"/>
+              <a:endParaRPr lang="en-GB" sz="1400">
+                <a:latin typeface="Times New Roman" panose="02020603050405020304" pitchFamily="18" charset="0"/>
+                <a:cs typeface="Times New Roman" panose="02020603050405020304" pitchFamily="18" charset="0"/>
+              </a:endParaRPr>
+            </a:p>
+          </p:txBody>
+        </p:sp>
+        <p:sp>
+          <p:nvSpPr>
+            <p:cNvPr id="36" name="Rectangle 35">
+              <a:extLst>
+                <a:ext uri="{FF2B5EF4-FFF2-40B4-BE49-F238E27FC236}">
+                  <a16:creationId xmlns:a16="http://schemas.microsoft.com/office/drawing/2014/main" id="{B59A9FD6-FD9F-674A-89FF-670E62C202DC}"/>
+                </a:ext>
+              </a:extLst>
+            </p:cNvPr>
+            <p:cNvSpPr/>
+            <p:nvPr/>
+          </p:nvSpPr>
+          <p:spPr>
+            <a:xfrm>
+              <a:off x="278348" y="3143942"/>
+              <a:ext cx="1659745" cy="129537"/>
+            </a:xfrm>
+            <a:prstGeom prst="rect">
+              <a:avLst/>
+            </a:prstGeom>
+            <a:noFill/>
+            <a:ln w="9525" cap="flat" cmpd="sng" algn="ctr">
+              <a:noFill/>
+              <a:prstDash val="solid"/>
+              <a:round/>
+              <a:headEnd type="none" w="med" len="med"/>
+              <a:tailEnd type="none" w="med" len="med"/>
+            </a:ln>
+          </p:spPr>
+          <p:style>
+            <a:lnRef idx="0">
+              <a:scrgbClr r="0" g="0" b="0"/>
+            </a:lnRef>
+            <a:fillRef idx="0">
+              <a:scrgbClr r="0" g="0" b="0"/>
+            </a:fillRef>
+            <a:effectRef idx="0">
+              <a:scrgbClr r="0" g="0" b="0"/>
+            </a:effectRef>
+            <a:fontRef idx="minor">
+              <a:schemeClr val="dk1"/>
+            </a:fontRef>
+          </p:style>
+          <p:txBody>
+            <a:bodyPr rot="0" spcFirstLastPara="0" vertOverflow="overflow" horzOverflow="overflow" vert="horz" wrap="square" lIns="91440" tIns="45720" rIns="91440" bIns="45720" numCol="1" spcCol="0" rtlCol="0" fromWordArt="0" anchor="ctr" anchorCtr="0" forceAA="0" compatLnSpc="1">
+              <a:prstTxWarp prst="textNoShape">
+                <a:avLst/>
+              </a:prstTxWarp>
+              <a:noAutofit/>
+            </a:bodyPr>
+            <a:lstStyle/>
+            <a:p>
+              <a:pPr algn="ctr"/>
+              <a:r>
+                <a:rPr lang="en-GB" sz="1200" dirty="0">
+                  <a:latin typeface="Times New Roman" panose="02020603050405020304" pitchFamily="18" charset="0"/>
+                  <a:cs typeface="Times New Roman" panose="02020603050405020304" pitchFamily="18" charset="0"/>
+                </a:rPr>
+                <a:t>VM / BM</a:t>
+              </a:r>
+            </a:p>
+          </p:txBody>
+        </p:sp>
+      </p:grpSp>
+      <p:sp>
+        <p:nvSpPr>
+          <p:cNvPr id="37" name="Rectangle 36">
+            <a:extLst>
+              <a:ext uri="{FF2B5EF4-FFF2-40B4-BE49-F238E27FC236}">
+                <a16:creationId xmlns:a16="http://schemas.microsoft.com/office/drawing/2014/main" id="{7EC5B43F-4499-E840-AD4D-18A74CB25B6D}"/>
+              </a:ext>
+            </a:extLst>
+          </p:cNvPr>
+          <p:cNvSpPr/>
+          <p:nvPr/>
+        </p:nvSpPr>
+        <p:spPr>
+          <a:xfrm>
+            <a:off x="5583684" y="5551404"/>
+            <a:ext cx="1487277" cy="645719"/>
+          </a:xfrm>
+          <a:prstGeom prst="rect">
+            <a:avLst/>
+          </a:prstGeom>
+          <a:solidFill>
+            <a:schemeClr val="bg1"/>
+          </a:solidFill>
+          <a:ln w="9525" cap="flat" cmpd="sng" algn="ctr">
+            <a:solidFill>
+              <a:schemeClr val="dk1"/>
+            </a:solidFill>
+            <a:prstDash val="solid"/>
+            <a:round/>
+            <a:headEnd type="none" w="med" len="med"/>
+            <a:tailEnd type="none" w="med" len="med"/>
+          </a:ln>
+        </p:spPr>
+        <p:style>
+          <a:lnRef idx="0">
+            <a:scrgbClr r="0" g="0" b="0"/>
+          </a:lnRef>
+          <a:fillRef idx="0">
+            <a:scrgbClr r="0" g="0" b="0"/>
+          </a:fillRef>
+          <a:effectRef idx="0">
+            <a:scrgbClr r="0" g="0" b="0"/>
+          </a:effectRef>
+          <a:fontRef idx="minor">
+            <a:schemeClr val="dk1"/>
+          </a:fontRef>
+        </p:style>
+        <p:txBody>
+          <a:bodyPr rot="0" spcFirstLastPara="0" vertOverflow="overflow" horzOverflow="overflow" vert="horz" wrap="square" lIns="91440" tIns="45720" rIns="91440" bIns="45720" numCol="1" spcCol="0" rtlCol="0" fromWordArt="0" anchor="ctr" anchorCtr="0" forceAA="0" compatLnSpc="1">
+            <a:prstTxWarp prst="textNoShape">
+              <a:avLst/>
+            </a:prstTxWarp>
+            <a:noAutofit/>
+          </a:bodyPr>
+          <a:lstStyle/>
+          <a:p>
+            <a:pPr algn="ctr"/>
+            <a:r>
+              <a:rPr lang="en-GB" sz="1400" dirty="0">
+                <a:latin typeface="Times New Roman" panose="02020603050405020304" pitchFamily="18" charset="0"/>
+                <a:cs typeface="Times New Roman" panose="02020603050405020304" pitchFamily="18" charset="0"/>
+              </a:rPr>
+              <a:t>Container Infrastructure Service Instance</a:t>
+            </a:r>
+          </a:p>
+        </p:txBody>
+      </p:sp>
+      <p:grpSp>
+        <p:nvGrpSpPr>
+          <p:cNvPr id="38" name="Group 37">
+            <a:extLst>
+              <a:ext uri="{FF2B5EF4-FFF2-40B4-BE49-F238E27FC236}">
+                <a16:creationId xmlns:a16="http://schemas.microsoft.com/office/drawing/2014/main" id="{33851D95-5251-0343-9642-90CC840CDC02}"/>
+              </a:ext>
+            </a:extLst>
+          </p:cNvPr>
+          <p:cNvGrpSpPr/>
+          <p:nvPr/>
+        </p:nvGrpSpPr>
+        <p:grpSpPr>
+          <a:xfrm>
+            <a:off x="5497450" y="6274049"/>
+            <a:ext cx="1659745" cy="158334"/>
+            <a:chOff x="278348" y="3115145"/>
+            <a:chExt cx="1659745" cy="158334"/>
+          </a:xfrm>
+        </p:grpSpPr>
+        <p:sp>
+          <p:nvSpPr>
+            <p:cNvPr id="39" name="Left Bracket 38">
+              <a:extLst>
+                <a:ext uri="{FF2B5EF4-FFF2-40B4-BE49-F238E27FC236}">
+                  <a16:creationId xmlns:a16="http://schemas.microsoft.com/office/drawing/2014/main" id="{572F843D-3BC6-E14E-8AA1-0E98F6869A91}"/>
+                </a:ext>
+              </a:extLst>
+            </p:cNvPr>
+            <p:cNvSpPr/>
+            <p:nvPr/>
+          </p:nvSpPr>
+          <p:spPr>
+            <a:xfrm rot="16200000">
+              <a:off x="1029054" y="2364439"/>
+              <a:ext cx="158334" cy="1659745"/>
+            </a:xfrm>
+            <a:prstGeom prst="leftBracket">
+              <a:avLst/>
+            </a:prstGeom>
+            <a:solidFill>
+              <a:schemeClr val="bg1"/>
+            </a:solidFill>
+            <a:ln w="9525" cap="flat" cmpd="sng" algn="ctr">
+              <a:solidFill>
+                <a:schemeClr val="dk1"/>
+              </a:solidFill>
+              <a:prstDash val="solid"/>
+              <a:round/>
+              <a:headEnd type="none" w="med" len="med"/>
+              <a:tailEnd type="none" w="med" len="med"/>
+            </a:ln>
+          </p:spPr>
+          <p:style>
+            <a:lnRef idx="0">
+              <a:scrgbClr r="0" g="0" b="0"/>
+            </a:lnRef>
+            <a:fillRef idx="0">
+              <a:scrgbClr r="0" g="0" b="0"/>
+            </a:fillRef>
+            <a:effectRef idx="0">
+              <a:scrgbClr r="0" g="0" b="0"/>
+            </a:effectRef>
+            <a:fontRef idx="minor">
+              <a:schemeClr val="dk1"/>
+            </a:fontRef>
+          </p:style>
+          <p:txBody>
+            <a:bodyPr rot="0" spcFirstLastPara="0" vertOverflow="overflow" horzOverflow="overflow" vert="horz" wrap="square" lIns="91440" tIns="45720" rIns="91440" bIns="45720" numCol="1" spcCol="0" rtlCol="0" fromWordArt="0" anchor="ctr" anchorCtr="0" forceAA="0" compatLnSpc="1">
+              <a:prstTxWarp prst="textNoShape">
+                <a:avLst/>
+              </a:prstTxWarp>
+              <a:noAutofit/>
+            </a:bodyPr>
+            <a:lstStyle/>
+            <a:p>
+              <a:pPr algn="ctr"/>
+              <a:endParaRPr lang="en-GB" sz="1400">
+                <a:latin typeface="Times New Roman" panose="02020603050405020304" pitchFamily="18" charset="0"/>
+                <a:cs typeface="Times New Roman" panose="02020603050405020304" pitchFamily="18" charset="0"/>
+              </a:endParaRPr>
+            </a:p>
+          </p:txBody>
+        </p:sp>
+        <p:sp>
+          <p:nvSpPr>
+            <p:cNvPr id="40" name="Rectangle 39">
+              <a:extLst>
+                <a:ext uri="{FF2B5EF4-FFF2-40B4-BE49-F238E27FC236}">
+                  <a16:creationId xmlns:a16="http://schemas.microsoft.com/office/drawing/2014/main" id="{234F7E65-0BF4-8849-8854-A8ABAFCE0224}"/>
+                </a:ext>
+              </a:extLst>
+            </p:cNvPr>
+            <p:cNvSpPr/>
+            <p:nvPr/>
+          </p:nvSpPr>
+          <p:spPr>
+            <a:xfrm>
+              <a:off x="278348" y="3143942"/>
+              <a:ext cx="1659745" cy="129537"/>
+            </a:xfrm>
+            <a:prstGeom prst="rect">
+              <a:avLst/>
+            </a:prstGeom>
+            <a:noFill/>
+            <a:ln w="9525" cap="flat" cmpd="sng" algn="ctr">
+              <a:noFill/>
+              <a:prstDash val="solid"/>
+              <a:round/>
+              <a:headEnd type="none" w="med" len="med"/>
+              <a:tailEnd type="none" w="med" len="med"/>
+            </a:ln>
+          </p:spPr>
+          <p:style>
+            <a:lnRef idx="0">
+              <a:scrgbClr r="0" g="0" b="0"/>
+            </a:lnRef>
+            <a:fillRef idx="0">
+              <a:scrgbClr r="0" g="0" b="0"/>
+            </a:fillRef>
+            <a:effectRef idx="0">
+              <a:scrgbClr r="0" g="0" b="0"/>
+            </a:effectRef>
+            <a:fontRef idx="minor">
+              <a:schemeClr val="dk1"/>
+            </a:fontRef>
+          </p:style>
+          <p:txBody>
+            <a:bodyPr rot="0" spcFirstLastPara="0" vertOverflow="overflow" horzOverflow="overflow" vert="horz" wrap="square" lIns="91440" tIns="45720" rIns="91440" bIns="45720" numCol="1" spcCol="0" rtlCol="0" fromWordArt="0" anchor="ctr" anchorCtr="0" forceAA="0" compatLnSpc="1">
+              <a:prstTxWarp prst="textNoShape">
+                <a:avLst/>
+              </a:prstTxWarp>
+              <a:noAutofit/>
+            </a:bodyPr>
+            <a:lstStyle/>
+            <a:p>
+              <a:pPr algn="ctr"/>
+              <a:r>
+                <a:rPr lang="en-GB" sz="1200" dirty="0">
+                  <a:latin typeface="Times New Roman" panose="02020603050405020304" pitchFamily="18" charset="0"/>
+                  <a:cs typeface="Times New Roman" panose="02020603050405020304" pitchFamily="18" charset="0"/>
+                </a:rPr>
+                <a:t>VM / BM</a:t>
+              </a:r>
+            </a:p>
+          </p:txBody>
+        </p:sp>
+      </p:grpSp>
+      <p:sp>
+        <p:nvSpPr>
+          <p:cNvPr id="41" name="Rectangle 40">
+            <a:extLst>
+              <a:ext uri="{FF2B5EF4-FFF2-40B4-BE49-F238E27FC236}">
+                <a16:creationId xmlns:a16="http://schemas.microsoft.com/office/drawing/2014/main" id="{E39A7154-3B1B-CF4A-8A4F-A6E328CA8990}"/>
+              </a:ext>
+            </a:extLst>
+          </p:cNvPr>
+          <p:cNvSpPr/>
+          <p:nvPr/>
+        </p:nvSpPr>
+        <p:spPr>
+          <a:xfrm>
+            <a:off x="7391347" y="5551404"/>
+            <a:ext cx="1487277" cy="645719"/>
+          </a:xfrm>
+          <a:prstGeom prst="rect">
+            <a:avLst/>
+          </a:prstGeom>
+          <a:solidFill>
+            <a:schemeClr val="bg1"/>
+          </a:solidFill>
+          <a:ln w="9525" cap="flat" cmpd="sng" algn="ctr">
+            <a:solidFill>
+              <a:schemeClr val="dk1"/>
+            </a:solidFill>
+            <a:prstDash val="solid"/>
+            <a:round/>
+            <a:headEnd type="none" w="med" len="med"/>
+            <a:tailEnd type="none" w="med" len="med"/>
+          </a:ln>
+        </p:spPr>
+        <p:style>
+          <a:lnRef idx="0">
+            <a:scrgbClr r="0" g="0" b="0"/>
+          </a:lnRef>
+          <a:fillRef idx="0">
+            <a:scrgbClr r="0" g="0" b="0"/>
+          </a:fillRef>
+          <a:effectRef idx="0">
+            <a:scrgbClr r="0" g="0" b="0"/>
+          </a:effectRef>
+          <a:fontRef idx="minor">
+            <a:schemeClr val="dk1"/>
+          </a:fontRef>
+        </p:style>
+        <p:txBody>
+          <a:bodyPr rot="0" spcFirstLastPara="0" vertOverflow="overflow" horzOverflow="overflow" vert="horz" wrap="square" lIns="91440" tIns="45720" rIns="91440" bIns="45720" numCol="1" spcCol="0" rtlCol="0" fromWordArt="0" anchor="ctr" anchorCtr="0" forceAA="0" compatLnSpc="1">
+            <a:prstTxWarp prst="textNoShape">
+              <a:avLst/>
+            </a:prstTxWarp>
+            <a:noAutofit/>
+          </a:bodyPr>
+          <a:lstStyle/>
+          <a:p>
+            <a:pPr algn="ctr"/>
+            <a:r>
+              <a:rPr lang="en-GB" sz="1400" dirty="0">
+                <a:latin typeface="Times New Roman" panose="02020603050405020304" pitchFamily="18" charset="0"/>
+                <a:cs typeface="Times New Roman" panose="02020603050405020304" pitchFamily="18" charset="0"/>
+              </a:rPr>
+              <a:t>Container Infrastructure Service Instance</a:t>
+            </a:r>
+          </a:p>
+        </p:txBody>
+      </p:sp>
+      <p:grpSp>
+        <p:nvGrpSpPr>
+          <p:cNvPr id="42" name="Group 41">
+            <a:extLst>
+              <a:ext uri="{FF2B5EF4-FFF2-40B4-BE49-F238E27FC236}">
+                <a16:creationId xmlns:a16="http://schemas.microsoft.com/office/drawing/2014/main" id="{6A7BE445-0DD9-C342-9000-F0DB1FD57570}"/>
+              </a:ext>
+            </a:extLst>
+          </p:cNvPr>
+          <p:cNvGrpSpPr/>
+          <p:nvPr/>
+        </p:nvGrpSpPr>
+        <p:grpSpPr>
+          <a:xfrm>
+            <a:off x="7305113" y="6274049"/>
+            <a:ext cx="1659745" cy="158334"/>
+            <a:chOff x="278348" y="3115145"/>
+            <a:chExt cx="1659745" cy="158334"/>
+          </a:xfrm>
+        </p:grpSpPr>
+        <p:sp>
+          <p:nvSpPr>
+            <p:cNvPr id="43" name="Left Bracket 42">
+              <a:extLst>
+                <a:ext uri="{FF2B5EF4-FFF2-40B4-BE49-F238E27FC236}">
+                  <a16:creationId xmlns:a16="http://schemas.microsoft.com/office/drawing/2014/main" id="{FC92120A-799F-554E-B8D5-9331BCE7BB98}"/>
+                </a:ext>
+              </a:extLst>
+            </p:cNvPr>
+            <p:cNvSpPr/>
+            <p:nvPr/>
+          </p:nvSpPr>
+          <p:spPr>
+            <a:xfrm rot="16200000">
+              <a:off x="1029054" y="2364439"/>
+              <a:ext cx="158334" cy="1659745"/>
+            </a:xfrm>
+            <a:prstGeom prst="leftBracket">
+              <a:avLst/>
+            </a:prstGeom>
+            <a:solidFill>
+              <a:schemeClr val="bg1"/>
+            </a:solidFill>
+            <a:ln w="9525" cap="flat" cmpd="sng" algn="ctr">
+              <a:solidFill>
+                <a:schemeClr val="dk1"/>
+              </a:solidFill>
+              <a:prstDash val="solid"/>
+              <a:round/>
+              <a:headEnd type="none" w="med" len="med"/>
+              <a:tailEnd type="none" w="med" len="med"/>
+            </a:ln>
+          </p:spPr>
+          <p:style>
+            <a:lnRef idx="0">
+              <a:scrgbClr r="0" g="0" b="0"/>
+            </a:lnRef>
+            <a:fillRef idx="0">
+              <a:scrgbClr r="0" g="0" b="0"/>
+            </a:fillRef>
+            <a:effectRef idx="0">
+              <a:scrgbClr r="0" g="0" b="0"/>
+            </a:effectRef>
+            <a:fontRef idx="minor">
+              <a:schemeClr val="dk1"/>
+            </a:fontRef>
+          </p:style>
+          <p:txBody>
+            <a:bodyPr rot="0" spcFirstLastPara="0" vertOverflow="overflow" horzOverflow="overflow" vert="horz" wrap="square" lIns="91440" tIns="45720" rIns="91440" bIns="45720" numCol="1" spcCol="0" rtlCol="0" fromWordArt="0" anchor="ctr" anchorCtr="0" forceAA="0" compatLnSpc="1">
+              <a:prstTxWarp prst="textNoShape">
+                <a:avLst/>
+              </a:prstTxWarp>
+              <a:noAutofit/>
+            </a:bodyPr>
+            <a:lstStyle/>
+            <a:p>
+              <a:pPr algn="ctr"/>
+              <a:endParaRPr lang="en-GB" sz="1400">
+                <a:latin typeface="Times New Roman" panose="02020603050405020304" pitchFamily="18" charset="0"/>
+                <a:cs typeface="Times New Roman" panose="02020603050405020304" pitchFamily="18" charset="0"/>
+              </a:endParaRPr>
+            </a:p>
+          </p:txBody>
+        </p:sp>
+        <p:sp>
+          <p:nvSpPr>
+            <p:cNvPr id="44" name="Rectangle 43">
+              <a:extLst>
+                <a:ext uri="{FF2B5EF4-FFF2-40B4-BE49-F238E27FC236}">
+                  <a16:creationId xmlns:a16="http://schemas.microsoft.com/office/drawing/2014/main" id="{B3650EBD-1DC7-C34F-8CA0-260FEF8E8CCB}"/>
+                </a:ext>
+              </a:extLst>
+            </p:cNvPr>
+            <p:cNvSpPr/>
+            <p:nvPr/>
+          </p:nvSpPr>
+          <p:spPr>
+            <a:xfrm>
+              <a:off x="278348" y="3143942"/>
+              <a:ext cx="1659745" cy="129537"/>
+            </a:xfrm>
+            <a:prstGeom prst="rect">
+              <a:avLst/>
+            </a:prstGeom>
+            <a:noFill/>
+            <a:ln w="9525" cap="flat" cmpd="sng" algn="ctr">
+              <a:noFill/>
+              <a:prstDash val="solid"/>
+              <a:round/>
+              <a:headEnd type="none" w="med" len="med"/>
+              <a:tailEnd type="none" w="med" len="med"/>
+            </a:ln>
+          </p:spPr>
+          <p:style>
+            <a:lnRef idx="0">
+              <a:scrgbClr r="0" g="0" b="0"/>
+            </a:lnRef>
+            <a:fillRef idx="0">
+              <a:scrgbClr r="0" g="0" b="0"/>
+            </a:fillRef>
+            <a:effectRef idx="0">
+              <a:scrgbClr r="0" g="0" b="0"/>
+            </a:effectRef>
+            <a:fontRef idx="minor">
+              <a:schemeClr val="dk1"/>
+            </a:fontRef>
+          </p:style>
+          <p:txBody>
+            <a:bodyPr rot="0" spcFirstLastPara="0" vertOverflow="overflow" horzOverflow="overflow" vert="horz" wrap="square" lIns="91440" tIns="45720" rIns="91440" bIns="45720" numCol="1" spcCol="0" rtlCol="0" fromWordArt="0" anchor="ctr" anchorCtr="0" forceAA="0" compatLnSpc="1">
+              <a:prstTxWarp prst="textNoShape">
+                <a:avLst/>
+              </a:prstTxWarp>
+              <a:noAutofit/>
+            </a:bodyPr>
+            <a:lstStyle/>
+            <a:p>
+              <a:pPr algn="ctr"/>
+              <a:r>
+                <a:rPr lang="en-GB" sz="1200" dirty="0">
+                  <a:latin typeface="Times New Roman" panose="02020603050405020304" pitchFamily="18" charset="0"/>
+                  <a:cs typeface="Times New Roman" panose="02020603050405020304" pitchFamily="18" charset="0"/>
+                </a:rPr>
+                <a:t>VM / BM</a:t>
+              </a:r>
+            </a:p>
+          </p:txBody>
+        </p:sp>
+      </p:grpSp>
+      <p:sp>
+        <p:nvSpPr>
+          <p:cNvPr id="45" name="Rectangle 44">
+            <a:extLst>
+              <a:ext uri="{FF2B5EF4-FFF2-40B4-BE49-F238E27FC236}">
+                <a16:creationId xmlns:a16="http://schemas.microsoft.com/office/drawing/2014/main" id="{8971BA34-8044-114B-A0B6-CCA7CADA8DF0}"/>
+              </a:ext>
+            </a:extLst>
+          </p:cNvPr>
+          <p:cNvSpPr/>
+          <p:nvPr/>
+        </p:nvSpPr>
+        <p:spPr>
+          <a:xfrm>
+            <a:off x="9199010" y="5551404"/>
+            <a:ext cx="1487277" cy="645719"/>
+          </a:xfrm>
+          <a:prstGeom prst="rect">
+            <a:avLst/>
+          </a:prstGeom>
+          <a:solidFill>
+            <a:schemeClr val="bg1"/>
+          </a:solidFill>
+          <a:ln w="9525" cap="flat" cmpd="sng" algn="ctr">
+            <a:solidFill>
+              <a:schemeClr val="dk1"/>
+            </a:solidFill>
+            <a:prstDash val="solid"/>
+            <a:round/>
+            <a:headEnd type="none" w="med" len="med"/>
+            <a:tailEnd type="none" w="med" len="med"/>
+          </a:ln>
+        </p:spPr>
+        <p:style>
+          <a:lnRef idx="0">
+            <a:scrgbClr r="0" g="0" b="0"/>
+          </a:lnRef>
+          <a:fillRef idx="0">
+            <a:scrgbClr r="0" g="0" b="0"/>
+          </a:fillRef>
+          <a:effectRef idx="0">
+            <a:scrgbClr r="0" g="0" b="0"/>
+          </a:effectRef>
+          <a:fontRef idx="minor">
+            <a:schemeClr val="dk1"/>
+          </a:fontRef>
+        </p:style>
+        <p:txBody>
+          <a:bodyPr rot="0" spcFirstLastPara="0" vertOverflow="overflow" horzOverflow="overflow" vert="horz" wrap="square" lIns="91440" tIns="45720" rIns="91440" bIns="45720" numCol="1" spcCol="0" rtlCol="0" fromWordArt="0" anchor="ctr" anchorCtr="0" forceAA="0" compatLnSpc="1">
+            <a:prstTxWarp prst="textNoShape">
+              <a:avLst/>
+            </a:prstTxWarp>
+            <a:noAutofit/>
+          </a:bodyPr>
+          <a:lstStyle/>
+          <a:p>
+            <a:pPr algn="ctr"/>
+            <a:r>
+              <a:rPr lang="en-GB" sz="1400" dirty="0">
+                <a:latin typeface="Times New Roman" panose="02020603050405020304" pitchFamily="18" charset="0"/>
+                <a:cs typeface="Times New Roman" panose="02020603050405020304" pitchFamily="18" charset="0"/>
+              </a:rPr>
+              <a:t>Container Infrastructure Service Instance</a:t>
+            </a:r>
+          </a:p>
+        </p:txBody>
+      </p:sp>
+      <p:grpSp>
+        <p:nvGrpSpPr>
+          <p:cNvPr id="46" name="Group 45">
+            <a:extLst>
+              <a:ext uri="{FF2B5EF4-FFF2-40B4-BE49-F238E27FC236}">
+                <a16:creationId xmlns:a16="http://schemas.microsoft.com/office/drawing/2014/main" id="{2514B0BA-049F-C74C-8936-8EC6C888486D}"/>
+              </a:ext>
+            </a:extLst>
+          </p:cNvPr>
+          <p:cNvGrpSpPr/>
+          <p:nvPr/>
+        </p:nvGrpSpPr>
+        <p:grpSpPr>
+          <a:xfrm>
+            <a:off x="9112776" y="6274049"/>
+            <a:ext cx="1659745" cy="158334"/>
+            <a:chOff x="278348" y="3115145"/>
+            <a:chExt cx="1659745" cy="158334"/>
+          </a:xfrm>
+        </p:grpSpPr>
+        <p:sp>
+          <p:nvSpPr>
+            <p:cNvPr id="47" name="Left Bracket 46">
+              <a:extLst>
+                <a:ext uri="{FF2B5EF4-FFF2-40B4-BE49-F238E27FC236}">
+                  <a16:creationId xmlns:a16="http://schemas.microsoft.com/office/drawing/2014/main" id="{58909CBB-A1D8-4D41-8888-89D424B66F4F}"/>
+                </a:ext>
+              </a:extLst>
+            </p:cNvPr>
+            <p:cNvSpPr/>
+            <p:nvPr/>
+          </p:nvSpPr>
+          <p:spPr>
+            <a:xfrm rot="16200000">
+              <a:off x="1029054" y="2364439"/>
+              <a:ext cx="158334" cy="1659745"/>
+            </a:xfrm>
+            <a:prstGeom prst="leftBracket">
+              <a:avLst/>
+            </a:prstGeom>
+            <a:solidFill>
+              <a:schemeClr val="bg1"/>
+            </a:solidFill>
+            <a:ln w="9525" cap="flat" cmpd="sng" algn="ctr">
+              <a:solidFill>
+                <a:schemeClr val="dk1"/>
+              </a:solidFill>
+              <a:prstDash val="solid"/>
+              <a:round/>
+              <a:headEnd type="none" w="med" len="med"/>
+              <a:tailEnd type="none" w="med" len="med"/>
+            </a:ln>
+          </p:spPr>
+          <p:style>
+            <a:lnRef idx="0">
+              <a:scrgbClr r="0" g="0" b="0"/>
+            </a:lnRef>
+            <a:fillRef idx="0">
+              <a:scrgbClr r="0" g="0" b="0"/>
+            </a:fillRef>
+            <a:effectRef idx="0">
+              <a:scrgbClr r="0" g="0" b="0"/>
+            </a:effectRef>
+            <a:fontRef idx="minor">
+              <a:schemeClr val="dk1"/>
+            </a:fontRef>
+          </p:style>
+          <p:txBody>
+            <a:bodyPr rot="0" spcFirstLastPara="0" vertOverflow="overflow" horzOverflow="overflow" vert="horz" wrap="square" lIns="91440" tIns="45720" rIns="91440" bIns="45720" numCol="1" spcCol="0" rtlCol="0" fromWordArt="0" anchor="ctr" anchorCtr="0" forceAA="0" compatLnSpc="1">
+              <a:prstTxWarp prst="textNoShape">
+                <a:avLst/>
+              </a:prstTxWarp>
+              <a:noAutofit/>
+            </a:bodyPr>
+            <a:lstStyle/>
+            <a:p>
+              <a:pPr algn="ctr"/>
+              <a:endParaRPr lang="en-GB" sz="1400">
+                <a:latin typeface="Times New Roman" panose="02020603050405020304" pitchFamily="18" charset="0"/>
+                <a:cs typeface="Times New Roman" panose="02020603050405020304" pitchFamily="18" charset="0"/>
+              </a:endParaRPr>
+            </a:p>
+          </p:txBody>
+        </p:sp>
+        <p:sp>
+          <p:nvSpPr>
+            <p:cNvPr id="48" name="Rectangle 47">
+              <a:extLst>
+                <a:ext uri="{FF2B5EF4-FFF2-40B4-BE49-F238E27FC236}">
+                  <a16:creationId xmlns:a16="http://schemas.microsoft.com/office/drawing/2014/main" id="{68108E05-2801-DF4B-A395-60DB4DED7954}"/>
+                </a:ext>
+              </a:extLst>
+            </p:cNvPr>
+            <p:cNvSpPr/>
+            <p:nvPr/>
+          </p:nvSpPr>
+          <p:spPr>
+            <a:xfrm>
+              <a:off x="278348" y="3143942"/>
+              <a:ext cx="1659745" cy="129537"/>
+            </a:xfrm>
+            <a:prstGeom prst="rect">
+              <a:avLst/>
+            </a:prstGeom>
+            <a:noFill/>
+            <a:ln w="9525" cap="flat" cmpd="sng" algn="ctr">
+              <a:noFill/>
+              <a:prstDash val="solid"/>
+              <a:round/>
+              <a:headEnd type="none" w="med" len="med"/>
+              <a:tailEnd type="none" w="med" len="med"/>
+            </a:ln>
+          </p:spPr>
+          <p:style>
+            <a:lnRef idx="0">
+              <a:scrgbClr r="0" g="0" b="0"/>
+            </a:lnRef>
+            <a:fillRef idx="0">
+              <a:scrgbClr r="0" g="0" b="0"/>
+            </a:fillRef>
+            <a:effectRef idx="0">
+              <a:scrgbClr r="0" g="0" b="0"/>
+            </a:effectRef>
+            <a:fontRef idx="minor">
+              <a:schemeClr val="dk1"/>
+            </a:fontRef>
+          </p:style>
+          <p:txBody>
+            <a:bodyPr rot="0" spcFirstLastPara="0" vertOverflow="overflow" horzOverflow="overflow" vert="horz" wrap="square" lIns="91440" tIns="45720" rIns="91440" bIns="45720" numCol="1" spcCol="0" rtlCol="0" fromWordArt="0" anchor="ctr" anchorCtr="0" forceAA="0" compatLnSpc="1">
+              <a:prstTxWarp prst="textNoShape">
+                <a:avLst/>
+              </a:prstTxWarp>
+              <a:noAutofit/>
+            </a:bodyPr>
+            <a:lstStyle/>
+            <a:p>
+              <a:pPr algn="ctr"/>
+              <a:r>
+                <a:rPr lang="en-GB" sz="1200" dirty="0">
+                  <a:latin typeface="Times New Roman" panose="02020603050405020304" pitchFamily="18" charset="0"/>
+                  <a:cs typeface="Times New Roman" panose="02020603050405020304" pitchFamily="18" charset="0"/>
+                </a:rPr>
+                <a:t>VM / BM</a:t>
+              </a:r>
+            </a:p>
+          </p:txBody>
+        </p:sp>
+      </p:grpSp>
+      <p:sp>
+        <p:nvSpPr>
+          <p:cNvPr id="58" name="Rectangle 57">
+            <a:extLst>
+              <a:ext uri="{FF2B5EF4-FFF2-40B4-BE49-F238E27FC236}">
+                <a16:creationId xmlns:a16="http://schemas.microsoft.com/office/drawing/2014/main" id="{DFC89673-BB78-174F-9FD8-14D5FDD17915}"/>
+              </a:ext>
+            </a:extLst>
+          </p:cNvPr>
+          <p:cNvSpPr/>
+          <p:nvPr/>
+        </p:nvSpPr>
+        <p:spPr>
+          <a:xfrm>
+            <a:off x="9199009" y="4575394"/>
+            <a:ext cx="1487277" cy="841653"/>
+          </a:xfrm>
+          <a:prstGeom prst="rect">
+            <a:avLst/>
+          </a:prstGeom>
+          <a:solidFill>
+            <a:schemeClr val="bg1"/>
+          </a:solidFill>
+          <a:ln w="9525" cap="flat" cmpd="sng" algn="ctr">
+            <a:solidFill>
+              <a:schemeClr val="dk1"/>
+            </a:solidFill>
+            <a:prstDash val="solid"/>
+            <a:round/>
+            <a:headEnd type="none" w="med" len="med"/>
+            <a:tailEnd type="none" w="med" len="med"/>
+          </a:ln>
+        </p:spPr>
+        <p:style>
+          <a:lnRef idx="0">
+            <a:scrgbClr r="0" g="0" b="0"/>
+          </a:lnRef>
+          <a:fillRef idx="0">
+            <a:scrgbClr r="0" g="0" b="0"/>
+          </a:fillRef>
+          <a:effectRef idx="0">
+            <a:scrgbClr r="0" g="0" b="0"/>
+          </a:effectRef>
+          <a:fontRef idx="minor">
+            <a:schemeClr val="dk1"/>
+          </a:fontRef>
+        </p:style>
+        <p:txBody>
+          <a:bodyPr rot="0" spcFirstLastPara="0" vertOverflow="overflow" horzOverflow="overflow" vert="horz" wrap="square" lIns="91440" tIns="45720" rIns="91440" bIns="45720" numCol="1" spcCol="0" rtlCol="0" fromWordArt="0" anchor="ctr" anchorCtr="0" forceAA="0" compatLnSpc="1">
+            <a:prstTxWarp prst="textNoShape">
+              <a:avLst/>
+            </a:prstTxWarp>
+            <a:noAutofit/>
+          </a:bodyPr>
+          <a:lstStyle/>
+          <a:p>
+            <a:pPr algn="ctr"/>
+            <a:r>
+              <a:rPr lang="en-GB" sz="1100" dirty="0">
+                <a:latin typeface="Times New Roman" panose="02020603050405020304" pitchFamily="18" charset="0"/>
+                <a:cs typeface="Times New Roman" panose="02020603050405020304" pitchFamily="18" charset="0"/>
+              </a:rPr>
+              <a:t>Container Infrastructure Service Management (Kubernetes Control Plane)</a:t>
+            </a:r>
+          </a:p>
+        </p:txBody>
+      </p:sp>
+      <p:sp>
+        <p:nvSpPr>
+          <p:cNvPr id="59" name="Rectangle 58">
+            <a:extLst>
+              <a:ext uri="{FF2B5EF4-FFF2-40B4-BE49-F238E27FC236}">
+                <a16:creationId xmlns:a16="http://schemas.microsoft.com/office/drawing/2014/main" id="{D51243DD-DE0E-0247-97A1-7EB35AB347DF}"/>
+              </a:ext>
+            </a:extLst>
+          </p:cNvPr>
+          <p:cNvSpPr/>
+          <p:nvPr/>
+        </p:nvSpPr>
+        <p:spPr>
+          <a:xfrm>
+            <a:off x="1968358" y="4575395"/>
+            <a:ext cx="6910266" cy="841652"/>
+          </a:xfrm>
+          <a:prstGeom prst="rect">
+            <a:avLst/>
+          </a:prstGeom>
+          <a:solidFill>
+            <a:schemeClr val="bg1"/>
+          </a:solidFill>
+          <a:ln w="9525" cap="flat" cmpd="sng" algn="ctr">
+            <a:solidFill>
+              <a:schemeClr val="dk1"/>
+            </a:solidFill>
+            <a:prstDash val="solid"/>
+            <a:round/>
+            <a:headEnd type="none" w="med" len="med"/>
+            <a:tailEnd type="none" w="med" len="med"/>
+          </a:ln>
+        </p:spPr>
+        <p:style>
+          <a:lnRef idx="0">
+            <a:scrgbClr r="0" g="0" b="0"/>
+          </a:lnRef>
+          <a:fillRef idx="0">
+            <a:scrgbClr r="0" g="0" b="0"/>
+          </a:fillRef>
+          <a:effectRef idx="0">
+            <a:scrgbClr r="0" g="0" b="0"/>
+          </a:effectRef>
+          <a:fontRef idx="minor">
+            <a:schemeClr val="dk1"/>
+          </a:fontRef>
+        </p:style>
+        <p:txBody>
+          <a:bodyPr rot="0" spcFirstLastPara="0" vertOverflow="overflow" horzOverflow="overflow" vert="horz" wrap="square" lIns="91440" tIns="45720" rIns="91440" bIns="45720" numCol="1" spcCol="0" rtlCol="0" fromWordArt="0" anchor="ctr" anchorCtr="0" forceAA="0" compatLnSpc="1">
+            <a:prstTxWarp prst="textNoShape">
+              <a:avLst/>
+            </a:prstTxWarp>
+            <a:noAutofit/>
+          </a:bodyPr>
+          <a:lstStyle/>
+          <a:p>
+            <a:pPr algn="ctr"/>
+            <a:r>
+              <a:rPr lang="en-GB" sz="1400" dirty="0">
+                <a:latin typeface="Times New Roman" panose="02020603050405020304" pitchFamily="18" charset="0"/>
+                <a:cs typeface="Times New Roman" panose="02020603050405020304" pitchFamily="18" charset="0"/>
+              </a:rPr>
+              <a:t>Container Infrastructure Service</a:t>
+            </a:r>
+          </a:p>
+          <a:p>
+            <a:pPr algn="ctr"/>
+            <a:r>
+              <a:rPr lang="en-GB" sz="1400" dirty="0">
+                <a:latin typeface="Times New Roman" panose="02020603050405020304" pitchFamily="18" charset="0"/>
+                <a:cs typeface="Times New Roman" panose="02020603050405020304" pitchFamily="18" charset="0"/>
+              </a:rPr>
+              <a:t>(Kubernetes Worker Nodes, including Container Runtime)</a:t>
+            </a:r>
+          </a:p>
+        </p:txBody>
+      </p:sp>
+      <p:sp>
+        <p:nvSpPr>
+          <p:cNvPr id="60" name="Rectangle 59">
+            <a:extLst>
+              <a:ext uri="{FF2B5EF4-FFF2-40B4-BE49-F238E27FC236}">
+                <a16:creationId xmlns:a16="http://schemas.microsoft.com/office/drawing/2014/main" id="{1DFE7BD5-4736-C44F-AFC4-537CE4034043}"/>
+              </a:ext>
+            </a:extLst>
+          </p:cNvPr>
+          <p:cNvSpPr/>
+          <p:nvPr/>
+        </p:nvSpPr>
+        <p:spPr>
+          <a:xfrm>
+            <a:off x="2068108" y="3290330"/>
+            <a:ext cx="880322" cy="441311"/>
+          </a:xfrm>
+          <a:prstGeom prst="rect">
+            <a:avLst/>
+          </a:prstGeom>
+          <a:solidFill>
+            <a:schemeClr val="bg1"/>
+          </a:solidFill>
+          <a:ln w="9525" cap="flat" cmpd="sng" algn="ctr">
+            <a:solidFill>
+              <a:schemeClr val="dk1"/>
+            </a:solidFill>
+            <a:prstDash val="solid"/>
+            <a:round/>
+            <a:headEnd type="none" w="med" len="med"/>
+            <a:tailEnd type="none" w="med" len="med"/>
+          </a:ln>
+        </p:spPr>
+        <p:style>
+          <a:lnRef idx="0">
+            <a:scrgbClr r="0" g="0" b="0"/>
+          </a:lnRef>
+          <a:fillRef idx="0">
+            <a:scrgbClr r="0" g="0" b="0"/>
+          </a:fillRef>
+          <a:effectRef idx="0">
+            <a:scrgbClr r="0" g="0" b="0"/>
+          </a:effectRef>
+          <a:fontRef idx="minor">
+            <a:schemeClr val="dk1"/>
+          </a:fontRef>
+        </p:style>
+        <p:txBody>
+          <a:bodyPr rot="0" spcFirstLastPara="0" vertOverflow="overflow" horzOverflow="overflow" vert="horz" wrap="square" lIns="91440" tIns="45720" rIns="91440" bIns="45720" numCol="1" spcCol="0" rtlCol="0" fromWordArt="0" anchor="ctr" anchorCtr="0" forceAA="0" compatLnSpc="1">
+            <a:prstTxWarp prst="textNoShape">
+              <a:avLst/>
+            </a:prstTxWarp>
+            <a:noAutofit/>
+          </a:bodyPr>
+          <a:lstStyle/>
+          <a:p>
+            <a:pPr algn="ctr"/>
+            <a:r>
+              <a:rPr lang="en-GB" sz="1400" dirty="0">
+                <a:latin typeface="Times New Roman" panose="02020603050405020304" pitchFamily="18" charset="0"/>
+                <a:cs typeface="Times New Roman" panose="02020603050405020304" pitchFamily="18" charset="0"/>
+              </a:rPr>
+              <a:t>Pod</a:t>
+            </a:r>
+          </a:p>
+        </p:txBody>
+      </p:sp>
+      <p:sp>
+        <p:nvSpPr>
+          <p:cNvPr id="64" name="Rectangle 63">
+            <a:extLst>
+              <a:ext uri="{FF2B5EF4-FFF2-40B4-BE49-F238E27FC236}">
+                <a16:creationId xmlns:a16="http://schemas.microsoft.com/office/drawing/2014/main" id="{C9DDD73E-ED0D-CA4A-8851-780585355F2F}"/>
+              </a:ext>
+            </a:extLst>
+          </p:cNvPr>
+          <p:cNvSpPr/>
+          <p:nvPr/>
+        </p:nvSpPr>
+        <p:spPr>
+          <a:xfrm>
+            <a:off x="3216956" y="3290329"/>
+            <a:ext cx="880322" cy="441311"/>
+          </a:xfrm>
+          <a:prstGeom prst="rect">
+            <a:avLst/>
+          </a:prstGeom>
+          <a:solidFill>
+            <a:schemeClr val="bg1"/>
+          </a:solidFill>
+          <a:ln w="9525" cap="flat" cmpd="sng" algn="ctr">
+            <a:solidFill>
+              <a:schemeClr val="dk1"/>
+            </a:solidFill>
+            <a:prstDash val="solid"/>
+            <a:round/>
+            <a:headEnd type="none" w="med" len="med"/>
+            <a:tailEnd type="none" w="med" len="med"/>
+          </a:ln>
+        </p:spPr>
+        <p:style>
+          <a:lnRef idx="0">
+            <a:scrgbClr r="0" g="0" b="0"/>
+          </a:lnRef>
+          <a:fillRef idx="0">
+            <a:scrgbClr r="0" g="0" b="0"/>
+          </a:fillRef>
+          <a:effectRef idx="0">
+            <a:scrgbClr r="0" g="0" b="0"/>
+          </a:effectRef>
+          <a:fontRef idx="minor">
+            <a:schemeClr val="dk1"/>
+          </a:fontRef>
+        </p:style>
+        <p:txBody>
+          <a:bodyPr rot="0" spcFirstLastPara="0" vertOverflow="overflow" horzOverflow="overflow" vert="horz" wrap="square" lIns="91440" tIns="45720" rIns="91440" bIns="45720" numCol="1" spcCol="0" rtlCol="0" fromWordArt="0" anchor="ctr" anchorCtr="0" forceAA="0" compatLnSpc="1">
+            <a:prstTxWarp prst="textNoShape">
+              <a:avLst/>
+            </a:prstTxWarp>
+            <a:noAutofit/>
+          </a:bodyPr>
+          <a:lstStyle/>
+          <a:p>
+            <a:pPr algn="ctr"/>
+            <a:r>
+              <a:rPr lang="en-GB" sz="1400" dirty="0">
+                <a:latin typeface="Times New Roman" panose="02020603050405020304" pitchFamily="18" charset="0"/>
+                <a:cs typeface="Times New Roman" panose="02020603050405020304" pitchFamily="18" charset="0"/>
+              </a:rPr>
+              <a:t>Pod</a:t>
+            </a:r>
+          </a:p>
+        </p:txBody>
+      </p:sp>
+      <p:sp>
+        <p:nvSpPr>
+          <p:cNvPr id="65" name="Rectangle 64">
+            <a:extLst>
+              <a:ext uri="{FF2B5EF4-FFF2-40B4-BE49-F238E27FC236}">
+                <a16:creationId xmlns:a16="http://schemas.microsoft.com/office/drawing/2014/main" id="{45A9F0CF-11C3-7240-898F-631332BFFB73}"/>
+              </a:ext>
+            </a:extLst>
+          </p:cNvPr>
+          <p:cNvSpPr/>
+          <p:nvPr/>
+        </p:nvSpPr>
+        <p:spPr>
+          <a:xfrm>
+            <a:off x="4365804" y="3290328"/>
+            <a:ext cx="880322" cy="441311"/>
+          </a:xfrm>
+          <a:prstGeom prst="rect">
+            <a:avLst/>
+          </a:prstGeom>
+          <a:solidFill>
+            <a:schemeClr val="bg1"/>
+          </a:solidFill>
+          <a:ln w="9525" cap="flat" cmpd="sng" algn="ctr">
+            <a:solidFill>
+              <a:schemeClr val="dk1"/>
+            </a:solidFill>
+            <a:prstDash val="solid"/>
+            <a:round/>
+            <a:headEnd type="none" w="med" len="med"/>
+            <a:tailEnd type="none" w="med" len="med"/>
+          </a:ln>
+        </p:spPr>
+        <p:style>
+          <a:lnRef idx="0">
+            <a:scrgbClr r="0" g="0" b="0"/>
+          </a:lnRef>
+          <a:fillRef idx="0">
+            <a:scrgbClr r="0" g="0" b="0"/>
+          </a:fillRef>
+          <a:effectRef idx="0">
+            <a:scrgbClr r="0" g="0" b="0"/>
+          </a:effectRef>
+          <a:fontRef idx="minor">
+            <a:schemeClr val="dk1"/>
+          </a:fontRef>
+        </p:style>
+        <p:txBody>
+          <a:bodyPr rot="0" spcFirstLastPara="0" vertOverflow="overflow" horzOverflow="overflow" vert="horz" wrap="square" lIns="91440" tIns="45720" rIns="91440" bIns="45720" numCol="1" spcCol="0" rtlCol="0" fromWordArt="0" anchor="ctr" anchorCtr="0" forceAA="0" compatLnSpc="1">
+            <a:prstTxWarp prst="textNoShape">
+              <a:avLst/>
+            </a:prstTxWarp>
+            <a:noAutofit/>
+          </a:bodyPr>
+          <a:lstStyle/>
+          <a:p>
+            <a:pPr algn="ctr"/>
+            <a:r>
+              <a:rPr lang="en-GB" sz="1400" dirty="0">
+                <a:latin typeface="Times New Roman" panose="02020603050405020304" pitchFamily="18" charset="0"/>
+                <a:cs typeface="Times New Roman" panose="02020603050405020304" pitchFamily="18" charset="0"/>
+              </a:rPr>
+              <a:t>Pod</a:t>
+            </a:r>
+          </a:p>
+        </p:txBody>
+      </p:sp>
+      <p:sp>
+        <p:nvSpPr>
+          <p:cNvPr id="66" name="Rectangle 65">
+            <a:extLst>
+              <a:ext uri="{FF2B5EF4-FFF2-40B4-BE49-F238E27FC236}">
+                <a16:creationId xmlns:a16="http://schemas.microsoft.com/office/drawing/2014/main" id="{91952AF2-62FC-1A46-9468-882E1D81D368}"/>
+              </a:ext>
+            </a:extLst>
+          </p:cNvPr>
+          <p:cNvSpPr/>
+          <p:nvPr/>
+        </p:nvSpPr>
+        <p:spPr>
+          <a:xfrm>
+            <a:off x="5514652" y="3290327"/>
+            <a:ext cx="880322" cy="441311"/>
+          </a:xfrm>
+          <a:prstGeom prst="rect">
+            <a:avLst/>
+          </a:prstGeom>
+          <a:solidFill>
+            <a:schemeClr val="bg1"/>
+          </a:solidFill>
+          <a:ln w="9525" cap="flat" cmpd="sng" algn="ctr">
+            <a:solidFill>
+              <a:schemeClr val="dk1"/>
+            </a:solidFill>
+            <a:prstDash val="solid"/>
+            <a:round/>
+            <a:headEnd type="none" w="med" len="med"/>
+            <a:tailEnd type="none" w="med" len="med"/>
+          </a:ln>
+        </p:spPr>
+        <p:style>
+          <a:lnRef idx="0">
+            <a:scrgbClr r="0" g="0" b="0"/>
+          </a:lnRef>
+          <a:fillRef idx="0">
+            <a:scrgbClr r="0" g="0" b="0"/>
+          </a:fillRef>
+          <a:effectRef idx="0">
+            <a:scrgbClr r="0" g="0" b="0"/>
+          </a:effectRef>
+          <a:fontRef idx="minor">
+            <a:schemeClr val="dk1"/>
+          </a:fontRef>
+        </p:style>
+        <p:txBody>
+          <a:bodyPr rot="0" spcFirstLastPara="0" vertOverflow="overflow" horzOverflow="overflow" vert="horz" wrap="square" lIns="91440" tIns="45720" rIns="91440" bIns="45720" numCol="1" spcCol="0" rtlCol="0" fromWordArt="0" anchor="ctr" anchorCtr="0" forceAA="0" compatLnSpc="1">
+            <a:prstTxWarp prst="textNoShape">
+              <a:avLst/>
+            </a:prstTxWarp>
+            <a:noAutofit/>
+          </a:bodyPr>
+          <a:lstStyle/>
+          <a:p>
+            <a:pPr algn="ctr"/>
+            <a:r>
+              <a:rPr lang="en-GB" sz="1400" dirty="0">
+                <a:latin typeface="Times New Roman" panose="02020603050405020304" pitchFamily="18" charset="0"/>
+                <a:cs typeface="Times New Roman" panose="02020603050405020304" pitchFamily="18" charset="0"/>
+              </a:rPr>
+              <a:t>Pod</a:t>
+            </a:r>
+          </a:p>
+        </p:txBody>
+      </p:sp>
+      <p:sp>
+        <p:nvSpPr>
+          <p:cNvPr id="68" name="Rectangle 67">
+            <a:extLst>
+              <a:ext uri="{FF2B5EF4-FFF2-40B4-BE49-F238E27FC236}">
+                <a16:creationId xmlns:a16="http://schemas.microsoft.com/office/drawing/2014/main" id="{678FFB5A-7E96-6C44-BAC8-33C53FB59389}"/>
+              </a:ext>
+            </a:extLst>
+          </p:cNvPr>
+          <p:cNvSpPr/>
+          <p:nvPr/>
+        </p:nvSpPr>
+        <p:spPr>
+          <a:xfrm>
+            <a:off x="6663500" y="3290328"/>
+            <a:ext cx="880322" cy="441311"/>
+          </a:xfrm>
+          <a:prstGeom prst="rect">
+            <a:avLst/>
+          </a:prstGeom>
+          <a:solidFill>
+            <a:schemeClr val="bg1"/>
+          </a:solidFill>
+          <a:ln w="9525" cap="flat" cmpd="sng" algn="ctr">
+            <a:solidFill>
+              <a:schemeClr val="dk1"/>
+            </a:solidFill>
+            <a:prstDash val="solid"/>
+            <a:round/>
+            <a:headEnd type="none" w="med" len="med"/>
+            <a:tailEnd type="none" w="med" len="med"/>
+          </a:ln>
+        </p:spPr>
+        <p:style>
+          <a:lnRef idx="0">
+            <a:scrgbClr r="0" g="0" b="0"/>
+          </a:lnRef>
+          <a:fillRef idx="0">
+            <a:scrgbClr r="0" g="0" b="0"/>
+          </a:fillRef>
+          <a:effectRef idx="0">
+            <a:scrgbClr r="0" g="0" b="0"/>
+          </a:effectRef>
+          <a:fontRef idx="minor">
+            <a:schemeClr val="dk1"/>
+          </a:fontRef>
+        </p:style>
+        <p:txBody>
+          <a:bodyPr rot="0" spcFirstLastPara="0" vertOverflow="overflow" horzOverflow="overflow" vert="horz" wrap="square" lIns="91440" tIns="45720" rIns="91440" bIns="45720" numCol="1" spcCol="0" rtlCol="0" fromWordArt="0" anchor="ctr" anchorCtr="0" forceAA="0" compatLnSpc="1">
+            <a:prstTxWarp prst="textNoShape">
+              <a:avLst/>
+            </a:prstTxWarp>
+            <a:noAutofit/>
+          </a:bodyPr>
+          <a:lstStyle/>
+          <a:p>
+            <a:pPr algn="ctr"/>
+            <a:r>
+              <a:rPr lang="en-GB" sz="1400" dirty="0">
+                <a:latin typeface="Times New Roman" panose="02020603050405020304" pitchFamily="18" charset="0"/>
+                <a:cs typeface="Times New Roman" panose="02020603050405020304" pitchFamily="18" charset="0"/>
+              </a:rPr>
+              <a:t>Pod</a:t>
+            </a:r>
+          </a:p>
+        </p:txBody>
+      </p:sp>
+      <p:sp>
+        <p:nvSpPr>
+          <p:cNvPr id="69" name="Rectangle 68">
+            <a:extLst>
+              <a:ext uri="{FF2B5EF4-FFF2-40B4-BE49-F238E27FC236}">
+                <a16:creationId xmlns:a16="http://schemas.microsoft.com/office/drawing/2014/main" id="{137A3AAF-EDB1-0C4B-9365-7066865B8AB2}"/>
+              </a:ext>
+            </a:extLst>
+          </p:cNvPr>
+          <p:cNvSpPr/>
+          <p:nvPr/>
+        </p:nvSpPr>
+        <p:spPr>
+          <a:xfrm>
+            <a:off x="7812346" y="3290327"/>
+            <a:ext cx="880322" cy="441311"/>
+          </a:xfrm>
+          <a:prstGeom prst="rect">
+            <a:avLst/>
+          </a:prstGeom>
+          <a:solidFill>
+            <a:schemeClr val="bg1"/>
+          </a:solidFill>
+          <a:ln w="9525" cap="flat" cmpd="sng" algn="ctr">
+            <a:solidFill>
+              <a:schemeClr val="dk1"/>
+            </a:solidFill>
+            <a:prstDash val="solid"/>
+            <a:round/>
+            <a:headEnd type="none" w="med" len="med"/>
+            <a:tailEnd type="none" w="med" len="med"/>
+          </a:ln>
+        </p:spPr>
+        <p:style>
+          <a:lnRef idx="0">
+            <a:scrgbClr r="0" g="0" b="0"/>
+          </a:lnRef>
+          <a:fillRef idx="0">
+            <a:scrgbClr r="0" g="0" b="0"/>
+          </a:fillRef>
+          <a:effectRef idx="0">
+            <a:scrgbClr r="0" g="0" b="0"/>
+          </a:effectRef>
+          <a:fontRef idx="minor">
+            <a:schemeClr val="dk1"/>
+          </a:fontRef>
+        </p:style>
+        <p:txBody>
+          <a:bodyPr rot="0" spcFirstLastPara="0" vertOverflow="overflow" horzOverflow="overflow" vert="horz" wrap="square" lIns="91440" tIns="45720" rIns="91440" bIns="45720" numCol="1" spcCol="0" rtlCol="0" fromWordArt="0" anchor="ctr" anchorCtr="0" forceAA="0" compatLnSpc="1">
+            <a:prstTxWarp prst="textNoShape">
+              <a:avLst/>
+            </a:prstTxWarp>
+            <a:noAutofit/>
+          </a:bodyPr>
+          <a:lstStyle/>
+          <a:p>
+            <a:pPr algn="ctr"/>
+            <a:r>
+              <a:rPr lang="en-GB" sz="1400" dirty="0">
+                <a:latin typeface="Times New Roman" panose="02020603050405020304" pitchFamily="18" charset="0"/>
+                <a:cs typeface="Times New Roman" panose="02020603050405020304" pitchFamily="18" charset="0"/>
+              </a:rPr>
+              <a:t>Pod</a:t>
+            </a:r>
+          </a:p>
+        </p:txBody>
+      </p:sp>
+      <p:sp>
+        <p:nvSpPr>
+          <p:cNvPr id="70" name="Rectangle 69">
+            <a:extLst>
+              <a:ext uri="{FF2B5EF4-FFF2-40B4-BE49-F238E27FC236}">
+                <a16:creationId xmlns:a16="http://schemas.microsoft.com/office/drawing/2014/main" id="{157E4140-59C1-CD42-BAE9-4B854CE170DA}"/>
+              </a:ext>
+            </a:extLst>
+          </p:cNvPr>
+          <p:cNvSpPr/>
+          <p:nvPr/>
+        </p:nvSpPr>
+        <p:spPr>
+          <a:xfrm>
+            <a:off x="2068108" y="2838106"/>
+            <a:ext cx="789803" cy="218787"/>
+          </a:xfrm>
+          <a:prstGeom prst="rect">
+            <a:avLst/>
+          </a:prstGeom>
+          <a:solidFill>
+            <a:schemeClr val="bg1"/>
+          </a:solidFill>
+          <a:ln w="9525" cap="flat" cmpd="sng" algn="ctr">
+            <a:solidFill>
+              <a:schemeClr val="dk1"/>
+            </a:solidFill>
+            <a:prstDash val="solid"/>
+            <a:round/>
+            <a:headEnd type="none" w="med" len="med"/>
+            <a:tailEnd type="none" w="med" len="med"/>
+          </a:ln>
+        </p:spPr>
+        <p:style>
+          <a:lnRef idx="0">
+            <a:scrgbClr r="0" g="0" b="0"/>
+          </a:lnRef>
+          <a:fillRef idx="0">
+            <a:scrgbClr r="0" g="0" b="0"/>
+          </a:fillRef>
+          <a:effectRef idx="0">
+            <a:scrgbClr r="0" g="0" b="0"/>
+          </a:effectRef>
+          <a:fontRef idx="minor">
+            <a:schemeClr val="dk1"/>
+          </a:fontRef>
+        </p:style>
+        <p:txBody>
+          <a:bodyPr rot="0" spcFirstLastPara="0" vertOverflow="overflow" horzOverflow="overflow" vert="horz" wrap="square" lIns="91440" tIns="45720" rIns="91440" bIns="45720" numCol="1" spcCol="0" rtlCol="0" fromWordArt="0" anchor="ctr" anchorCtr="0" forceAA="0" compatLnSpc="1">
+            <a:prstTxWarp prst="textNoShape">
+              <a:avLst/>
+            </a:prstTxWarp>
+            <a:noAutofit/>
+          </a:bodyPr>
+          <a:lstStyle/>
+          <a:p>
+            <a:pPr algn="ctr"/>
+            <a:r>
+              <a:rPr lang="en-GB" sz="1100" dirty="0">
+                <a:latin typeface="Times New Roman" panose="02020603050405020304" pitchFamily="18" charset="0"/>
+                <a:cs typeface="Times New Roman" panose="02020603050405020304" pitchFamily="18" charset="0"/>
+              </a:rPr>
+              <a:t>Container</a:t>
+            </a:r>
+          </a:p>
+        </p:txBody>
+      </p:sp>
+      <p:sp>
+        <p:nvSpPr>
+          <p:cNvPr id="72" name="Rectangle 71">
+            <a:extLst>
+              <a:ext uri="{FF2B5EF4-FFF2-40B4-BE49-F238E27FC236}">
+                <a16:creationId xmlns:a16="http://schemas.microsoft.com/office/drawing/2014/main" id="{32AC0059-FF64-9741-B839-423DAEC34386}"/>
+              </a:ext>
+            </a:extLst>
+          </p:cNvPr>
+          <p:cNvSpPr/>
+          <p:nvPr/>
+        </p:nvSpPr>
+        <p:spPr>
+          <a:xfrm>
+            <a:off x="2128440" y="2911044"/>
+            <a:ext cx="789803" cy="218787"/>
+          </a:xfrm>
+          <a:prstGeom prst="rect">
+            <a:avLst/>
+          </a:prstGeom>
+          <a:solidFill>
+            <a:schemeClr val="bg1"/>
+          </a:solidFill>
+          <a:ln w="9525" cap="flat" cmpd="sng" algn="ctr">
+            <a:solidFill>
+              <a:schemeClr val="dk1"/>
+            </a:solidFill>
+            <a:prstDash val="solid"/>
+            <a:round/>
+            <a:headEnd type="none" w="med" len="med"/>
+            <a:tailEnd type="none" w="med" len="med"/>
+          </a:ln>
+        </p:spPr>
+        <p:style>
+          <a:lnRef idx="0">
+            <a:scrgbClr r="0" g="0" b="0"/>
+          </a:lnRef>
+          <a:fillRef idx="0">
+            <a:scrgbClr r="0" g="0" b="0"/>
+          </a:fillRef>
+          <a:effectRef idx="0">
+            <a:scrgbClr r="0" g="0" b="0"/>
+          </a:effectRef>
+          <a:fontRef idx="minor">
+            <a:schemeClr val="dk1"/>
+          </a:fontRef>
+        </p:style>
+        <p:txBody>
+          <a:bodyPr rot="0" spcFirstLastPara="0" vertOverflow="overflow" horzOverflow="overflow" vert="horz" wrap="square" lIns="91440" tIns="45720" rIns="91440" bIns="45720" numCol="1" spcCol="0" rtlCol="0" fromWordArt="0" anchor="ctr" anchorCtr="0" forceAA="0" compatLnSpc="1">
+            <a:prstTxWarp prst="textNoShape">
+              <a:avLst/>
+            </a:prstTxWarp>
+            <a:noAutofit/>
+          </a:bodyPr>
+          <a:lstStyle/>
+          <a:p>
+            <a:pPr algn="ctr"/>
+            <a:r>
+              <a:rPr lang="en-GB" sz="1100" dirty="0">
+                <a:latin typeface="Times New Roman" panose="02020603050405020304" pitchFamily="18" charset="0"/>
+                <a:cs typeface="Times New Roman" panose="02020603050405020304" pitchFamily="18" charset="0"/>
+              </a:rPr>
+              <a:t>Container</a:t>
+            </a:r>
+          </a:p>
+        </p:txBody>
+      </p:sp>
+      <p:sp>
+        <p:nvSpPr>
+          <p:cNvPr id="73" name="Rectangle 72">
+            <a:extLst>
+              <a:ext uri="{FF2B5EF4-FFF2-40B4-BE49-F238E27FC236}">
+                <a16:creationId xmlns:a16="http://schemas.microsoft.com/office/drawing/2014/main" id="{6244D3AF-D00D-F54B-B0C2-71B10A94DCAC}"/>
+              </a:ext>
+            </a:extLst>
+          </p:cNvPr>
+          <p:cNvSpPr/>
+          <p:nvPr/>
+        </p:nvSpPr>
+        <p:spPr>
+          <a:xfrm>
+            <a:off x="3225189" y="2837874"/>
+            <a:ext cx="789803" cy="218787"/>
+          </a:xfrm>
+          <a:prstGeom prst="rect">
+            <a:avLst/>
+          </a:prstGeom>
+          <a:solidFill>
+            <a:schemeClr val="bg1"/>
+          </a:solidFill>
+          <a:ln w="9525" cap="flat" cmpd="sng" algn="ctr">
+            <a:solidFill>
+              <a:schemeClr val="dk1"/>
+            </a:solidFill>
+            <a:prstDash val="solid"/>
+            <a:round/>
+            <a:headEnd type="none" w="med" len="med"/>
+            <a:tailEnd type="none" w="med" len="med"/>
+          </a:ln>
+        </p:spPr>
+        <p:style>
+          <a:lnRef idx="0">
+            <a:scrgbClr r="0" g="0" b="0"/>
+          </a:lnRef>
+          <a:fillRef idx="0">
+            <a:scrgbClr r="0" g="0" b="0"/>
+          </a:fillRef>
+          <a:effectRef idx="0">
+            <a:scrgbClr r="0" g="0" b="0"/>
+          </a:effectRef>
+          <a:fontRef idx="minor">
+            <a:schemeClr val="dk1"/>
+          </a:fontRef>
+        </p:style>
+        <p:txBody>
+          <a:bodyPr rot="0" spcFirstLastPara="0" vertOverflow="overflow" horzOverflow="overflow" vert="horz" wrap="square" lIns="91440" tIns="45720" rIns="91440" bIns="45720" numCol="1" spcCol="0" rtlCol="0" fromWordArt="0" anchor="ctr" anchorCtr="0" forceAA="0" compatLnSpc="1">
+            <a:prstTxWarp prst="textNoShape">
+              <a:avLst/>
+            </a:prstTxWarp>
+            <a:noAutofit/>
+          </a:bodyPr>
+          <a:lstStyle/>
+          <a:p>
+            <a:pPr algn="ctr"/>
+            <a:r>
+              <a:rPr lang="en-GB" sz="1100" dirty="0">
+                <a:latin typeface="Times New Roman" panose="02020603050405020304" pitchFamily="18" charset="0"/>
+                <a:cs typeface="Times New Roman" panose="02020603050405020304" pitchFamily="18" charset="0"/>
+              </a:rPr>
+              <a:t>Container</a:t>
+            </a:r>
+          </a:p>
+        </p:txBody>
+      </p:sp>
+      <p:sp>
+        <p:nvSpPr>
+          <p:cNvPr id="74" name="Rectangle 73">
+            <a:extLst>
+              <a:ext uri="{FF2B5EF4-FFF2-40B4-BE49-F238E27FC236}">
+                <a16:creationId xmlns:a16="http://schemas.microsoft.com/office/drawing/2014/main" id="{29EF44BF-3879-914D-B8D2-300E1D27688E}"/>
+              </a:ext>
+            </a:extLst>
+          </p:cNvPr>
+          <p:cNvSpPr/>
+          <p:nvPr/>
+        </p:nvSpPr>
+        <p:spPr>
+          <a:xfrm>
+            <a:off x="3285521" y="2910812"/>
+            <a:ext cx="789803" cy="218787"/>
+          </a:xfrm>
+          <a:prstGeom prst="rect">
+            <a:avLst/>
+          </a:prstGeom>
+          <a:solidFill>
+            <a:schemeClr val="bg1"/>
+          </a:solidFill>
+          <a:ln w="9525" cap="flat" cmpd="sng" algn="ctr">
+            <a:solidFill>
+              <a:schemeClr val="dk1"/>
+            </a:solidFill>
+            <a:prstDash val="solid"/>
+            <a:round/>
+            <a:headEnd type="none" w="med" len="med"/>
+            <a:tailEnd type="none" w="med" len="med"/>
+          </a:ln>
+        </p:spPr>
+        <p:style>
+          <a:lnRef idx="0">
+            <a:scrgbClr r="0" g="0" b="0"/>
+          </a:lnRef>
+          <a:fillRef idx="0">
+            <a:scrgbClr r="0" g="0" b="0"/>
+          </a:fillRef>
+          <a:effectRef idx="0">
+            <a:scrgbClr r="0" g="0" b="0"/>
+          </a:effectRef>
+          <a:fontRef idx="minor">
+            <a:schemeClr val="dk1"/>
+          </a:fontRef>
+        </p:style>
+        <p:txBody>
+          <a:bodyPr rot="0" spcFirstLastPara="0" vertOverflow="overflow" horzOverflow="overflow" vert="horz" wrap="square" lIns="91440" tIns="45720" rIns="91440" bIns="45720" numCol="1" spcCol="0" rtlCol="0" fromWordArt="0" anchor="ctr" anchorCtr="0" forceAA="0" compatLnSpc="1">
+            <a:prstTxWarp prst="textNoShape">
+              <a:avLst/>
+            </a:prstTxWarp>
+            <a:noAutofit/>
+          </a:bodyPr>
+          <a:lstStyle/>
+          <a:p>
+            <a:pPr algn="ctr"/>
+            <a:r>
+              <a:rPr lang="en-GB" sz="1100" dirty="0">
+                <a:latin typeface="Times New Roman" panose="02020603050405020304" pitchFamily="18" charset="0"/>
+                <a:cs typeface="Times New Roman" panose="02020603050405020304" pitchFamily="18" charset="0"/>
+              </a:rPr>
+              <a:t>Container</a:t>
+            </a:r>
+          </a:p>
+        </p:txBody>
+      </p:sp>
+      <p:sp>
+        <p:nvSpPr>
+          <p:cNvPr id="85" name="Rectangle 84">
+            <a:extLst>
+              <a:ext uri="{FF2B5EF4-FFF2-40B4-BE49-F238E27FC236}">
+                <a16:creationId xmlns:a16="http://schemas.microsoft.com/office/drawing/2014/main" id="{6366BBD2-653C-D647-B627-48CBECC0A104}"/>
+              </a:ext>
+            </a:extLst>
+          </p:cNvPr>
+          <p:cNvSpPr/>
+          <p:nvPr/>
+        </p:nvSpPr>
+        <p:spPr>
+          <a:xfrm>
+            <a:off x="4382270" y="2837874"/>
+            <a:ext cx="789803" cy="218787"/>
+          </a:xfrm>
+          <a:prstGeom prst="rect">
+            <a:avLst/>
+          </a:prstGeom>
+          <a:solidFill>
+            <a:schemeClr val="bg1"/>
+          </a:solidFill>
+          <a:ln w="9525" cap="flat" cmpd="sng" algn="ctr">
+            <a:solidFill>
+              <a:schemeClr val="dk1"/>
+            </a:solidFill>
+            <a:prstDash val="solid"/>
+            <a:round/>
+            <a:headEnd type="none" w="med" len="med"/>
+            <a:tailEnd type="none" w="med" len="med"/>
+          </a:ln>
+        </p:spPr>
+        <p:style>
+          <a:lnRef idx="0">
+            <a:scrgbClr r="0" g="0" b="0"/>
+          </a:lnRef>
+          <a:fillRef idx="0">
+            <a:scrgbClr r="0" g="0" b="0"/>
+          </a:fillRef>
+          <a:effectRef idx="0">
+            <a:scrgbClr r="0" g="0" b="0"/>
+          </a:effectRef>
+          <a:fontRef idx="minor">
+            <a:schemeClr val="dk1"/>
+          </a:fontRef>
+        </p:style>
+        <p:txBody>
+          <a:bodyPr rot="0" spcFirstLastPara="0" vertOverflow="overflow" horzOverflow="overflow" vert="horz" wrap="square" lIns="91440" tIns="45720" rIns="91440" bIns="45720" numCol="1" spcCol="0" rtlCol="0" fromWordArt="0" anchor="ctr" anchorCtr="0" forceAA="0" compatLnSpc="1">
+            <a:prstTxWarp prst="textNoShape">
+              <a:avLst/>
+            </a:prstTxWarp>
+            <a:noAutofit/>
+          </a:bodyPr>
+          <a:lstStyle/>
+          <a:p>
+            <a:pPr algn="ctr"/>
+            <a:r>
+              <a:rPr lang="en-GB" sz="1100" dirty="0">
+                <a:latin typeface="Times New Roman" panose="02020603050405020304" pitchFamily="18" charset="0"/>
+                <a:cs typeface="Times New Roman" panose="02020603050405020304" pitchFamily="18" charset="0"/>
+              </a:rPr>
+              <a:t>Container</a:t>
+            </a:r>
+          </a:p>
+        </p:txBody>
+      </p:sp>
+      <p:sp>
+        <p:nvSpPr>
+          <p:cNvPr id="86" name="Rectangle 85">
+            <a:extLst>
+              <a:ext uri="{FF2B5EF4-FFF2-40B4-BE49-F238E27FC236}">
+                <a16:creationId xmlns:a16="http://schemas.microsoft.com/office/drawing/2014/main" id="{D9AAEC4F-2623-D743-8781-43ECFE26DCAF}"/>
+              </a:ext>
+            </a:extLst>
+          </p:cNvPr>
+          <p:cNvSpPr/>
+          <p:nvPr/>
+        </p:nvSpPr>
+        <p:spPr>
+          <a:xfrm>
+            <a:off x="4442602" y="2910812"/>
+            <a:ext cx="789803" cy="218787"/>
+          </a:xfrm>
+          <a:prstGeom prst="rect">
+            <a:avLst/>
+          </a:prstGeom>
+          <a:solidFill>
+            <a:schemeClr val="bg1"/>
+          </a:solidFill>
+          <a:ln w="9525" cap="flat" cmpd="sng" algn="ctr">
+            <a:solidFill>
+              <a:schemeClr val="dk1"/>
+            </a:solidFill>
+            <a:prstDash val="solid"/>
+            <a:round/>
+            <a:headEnd type="none" w="med" len="med"/>
+            <a:tailEnd type="none" w="med" len="med"/>
+          </a:ln>
+        </p:spPr>
+        <p:style>
+          <a:lnRef idx="0">
+            <a:scrgbClr r="0" g="0" b="0"/>
+          </a:lnRef>
+          <a:fillRef idx="0">
+            <a:scrgbClr r="0" g="0" b="0"/>
+          </a:fillRef>
+          <a:effectRef idx="0">
+            <a:scrgbClr r="0" g="0" b="0"/>
+          </a:effectRef>
+          <a:fontRef idx="minor">
+            <a:schemeClr val="dk1"/>
+          </a:fontRef>
+        </p:style>
+        <p:txBody>
+          <a:bodyPr rot="0" spcFirstLastPara="0" vertOverflow="overflow" horzOverflow="overflow" vert="horz" wrap="square" lIns="91440" tIns="45720" rIns="91440" bIns="45720" numCol="1" spcCol="0" rtlCol="0" fromWordArt="0" anchor="ctr" anchorCtr="0" forceAA="0" compatLnSpc="1">
+            <a:prstTxWarp prst="textNoShape">
+              <a:avLst/>
+            </a:prstTxWarp>
+            <a:noAutofit/>
+          </a:bodyPr>
+          <a:lstStyle/>
+          <a:p>
+            <a:pPr algn="ctr"/>
+            <a:r>
+              <a:rPr lang="en-GB" sz="1100" dirty="0">
+                <a:latin typeface="Times New Roman" panose="02020603050405020304" pitchFamily="18" charset="0"/>
+                <a:cs typeface="Times New Roman" panose="02020603050405020304" pitchFamily="18" charset="0"/>
+              </a:rPr>
+              <a:t>Container</a:t>
+            </a:r>
+          </a:p>
+        </p:txBody>
+      </p:sp>
+      <p:sp>
+        <p:nvSpPr>
+          <p:cNvPr id="87" name="Rectangle 86">
+            <a:extLst>
+              <a:ext uri="{FF2B5EF4-FFF2-40B4-BE49-F238E27FC236}">
+                <a16:creationId xmlns:a16="http://schemas.microsoft.com/office/drawing/2014/main" id="{74D6083D-ABB9-5848-BF01-A5493270FFEC}"/>
+              </a:ext>
+            </a:extLst>
+          </p:cNvPr>
+          <p:cNvSpPr/>
+          <p:nvPr/>
+        </p:nvSpPr>
+        <p:spPr>
+          <a:xfrm>
+            <a:off x="5539351" y="2837874"/>
+            <a:ext cx="789803" cy="218787"/>
+          </a:xfrm>
+          <a:prstGeom prst="rect">
+            <a:avLst/>
+          </a:prstGeom>
+          <a:solidFill>
+            <a:schemeClr val="bg1"/>
+          </a:solidFill>
+          <a:ln w="9525" cap="flat" cmpd="sng" algn="ctr">
+            <a:solidFill>
+              <a:schemeClr val="dk1"/>
+            </a:solidFill>
+            <a:prstDash val="solid"/>
+            <a:round/>
+            <a:headEnd type="none" w="med" len="med"/>
+            <a:tailEnd type="none" w="med" len="med"/>
+          </a:ln>
+        </p:spPr>
+        <p:style>
+          <a:lnRef idx="0">
+            <a:scrgbClr r="0" g="0" b="0"/>
+          </a:lnRef>
+          <a:fillRef idx="0">
+            <a:scrgbClr r="0" g="0" b="0"/>
+          </a:fillRef>
+          <a:effectRef idx="0">
+            <a:scrgbClr r="0" g="0" b="0"/>
+          </a:effectRef>
+          <a:fontRef idx="minor">
+            <a:schemeClr val="dk1"/>
+          </a:fontRef>
+        </p:style>
+        <p:txBody>
+          <a:bodyPr rot="0" spcFirstLastPara="0" vertOverflow="overflow" horzOverflow="overflow" vert="horz" wrap="square" lIns="91440" tIns="45720" rIns="91440" bIns="45720" numCol="1" spcCol="0" rtlCol="0" fromWordArt="0" anchor="ctr" anchorCtr="0" forceAA="0" compatLnSpc="1">
+            <a:prstTxWarp prst="textNoShape">
+              <a:avLst/>
+            </a:prstTxWarp>
+            <a:noAutofit/>
+          </a:bodyPr>
+          <a:lstStyle/>
+          <a:p>
+            <a:pPr algn="ctr"/>
+            <a:r>
+              <a:rPr lang="en-GB" sz="1100" dirty="0">
+                <a:latin typeface="Times New Roman" panose="02020603050405020304" pitchFamily="18" charset="0"/>
+                <a:cs typeface="Times New Roman" panose="02020603050405020304" pitchFamily="18" charset="0"/>
+              </a:rPr>
+              <a:t>Container</a:t>
+            </a:r>
+          </a:p>
+        </p:txBody>
+      </p:sp>
+      <p:sp>
+        <p:nvSpPr>
+          <p:cNvPr id="88" name="Rectangle 87">
+            <a:extLst>
+              <a:ext uri="{FF2B5EF4-FFF2-40B4-BE49-F238E27FC236}">
+                <a16:creationId xmlns:a16="http://schemas.microsoft.com/office/drawing/2014/main" id="{AD498908-8AB1-0A40-8DED-E8EEF0D9422A}"/>
+              </a:ext>
+            </a:extLst>
+          </p:cNvPr>
+          <p:cNvSpPr/>
+          <p:nvPr/>
+        </p:nvSpPr>
+        <p:spPr>
+          <a:xfrm>
+            <a:off x="5599683" y="2910812"/>
+            <a:ext cx="789803" cy="218787"/>
+          </a:xfrm>
+          <a:prstGeom prst="rect">
+            <a:avLst/>
+          </a:prstGeom>
+          <a:solidFill>
+            <a:schemeClr val="bg1"/>
+          </a:solidFill>
+          <a:ln w="9525" cap="flat" cmpd="sng" algn="ctr">
+            <a:solidFill>
+              <a:schemeClr val="dk1"/>
+            </a:solidFill>
+            <a:prstDash val="solid"/>
+            <a:round/>
+            <a:headEnd type="none" w="med" len="med"/>
+            <a:tailEnd type="none" w="med" len="med"/>
+          </a:ln>
+        </p:spPr>
+        <p:style>
+          <a:lnRef idx="0">
+            <a:scrgbClr r="0" g="0" b="0"/>
+          </a:lnRef>
+          <a:fillRef idx="0">
+            <a:scrgbClr r="0" g="0" b="0"/>
+          </a:fillRef>
+          <a:effectRef idx="0">
+            <a:scrgbClr r="0" g="0" b="0"/>
+          </a:effectRef>
+          <a:fontRef idx="minor">
+            <a:schemeClr val="dk1"/>
+          </a:fontRef>
+        </p:style>
+        <p:txBody>
+          <a:bodyPr rot="0" spcFirstLastPara="0" vertOverflow="overflow" horzOverflow="overflow" vert="horz" wrap="square" lIns="91440" tIns="45720" rIns="91440" bIns="45720" numCol="1" spcCol="0" rtlCol="0" fromWordArt="0" anchor="ctr" anchorCtr="0" forceAA="0" compatLnSpc="1">
+            <a:prstTxWarp prst="textNoShape">
+              <a:avLst/>
+            </a:prstTxWarp>
+            <a:noAutofit/>
+          </a:bodyPr>
+          <a:lstStyle/>
+          <a:p>
+            <a:pPr algn="ctr"/>
+            <a:r>
+              <a:rPr lang="en-GB" sz="1100" dirty="0">
+                <a:latin typeface="Times New Roman" panose="02020603050405020304" pitchFamily="18" charset="0"/>
+                <a:cs typeface="Times New Roman" panose="02020603050405020304" pitchFamily="18" charset="0"/>
+              </a:rPr>
+              <a:t>Container</a:t>
+            </a:r>
+          </a:p>
+        </p:txBody>
+      </p:sp>
+      <p:sp>
+        <p:nvSpPr>
+          <p:cNvPr id="91" name="Rectangle 90">
+            <a:extLst>
+              <a:ext uri="{FF2B5EF4-FFF2-40B4-BE49-F238E27FC236}">
+                <a16:creationId xmlns:a16="http://schemas.microsoft.com/office/drawing/2014/main" id="{2EEB4F1C-600B-7C4F-AAAF-066C31C1FC22}"/>
+              </a:ext>
+            </a:extLst>
+          </p:cNvPr>
+          <p:cNvSpPr/>
+          <p:nvPr/>
+        </p:nvSpPr>
+        <p:spPr>
+          <a:xfrm>
+            <a:off x="6696432" y="2837877"/>
+            <a:ext cx="789803" cy="218787"/>
+          </a:xfrm>
+          <a:prstGeom prst="rect">
+            <a:avLst/>
+          </a:prstGeom>
+          <a:solidFill>
+            <a:schemeClr val="bg1"/>
+          </a:solidFill>
+          <a:ln w="9525" cap="flat" cmpd="sng" algn="ctr">
+            <a:solidFill>
+              <a:schemeClr val="dk1"/>
+            </a:solidFill>
+            <a:prstDash val="solid"/>
+            <a:round/>
+            <a:headEnd type="none" w="med" len="med"/>
+            <a:tailEnd type="none" w="med" len="med"/>
+          </a:ln>
+        </p:spPr>
+        <p:style>
+          <a:lnRef idx="0">
+            <a:scrgbClr r="0" g="0" b="0"/>
+          </a:lnRef>
+          <a:fillRef idx="0">
+            <a:scrgbClr r="0" g="0" b="0"/>
+          </a:fillRef>
+          <a:effectRef idx="0">
+            <a:scrgbClr r="0" g="0" b="0"/>
+          </a:effectRef>
+          <a:fontRef idx="minor">
+            <a:schemeClr val="dk1"/>
+          </a:fontRef>
+        </p:style>
+        <p:txBody>
+          <a:bodyPr rot="0" spcFirstLastPara="0" vertOverflow="overflow" horzOverflow="overflow" vert="horz" wrap="square" lIns="91440" tIns="45720" rIns="91440" bIns="45720" numCol="1" spcCol="0" rtlCol="0" fromWordArt="0" anchor="ctr" anchorCtr="0" forceAA="0" compatLnSpc="1">
+            <a:prstTxWarp prst="textNoShape">
+              <a:avLst/>
+            </a:prstTxWarp>
+            <a:noAutofit/>
+          </a:bodyPr>
+          <a:lstStyle/>
+          <a:p>
+            <a:pPr algn="ctr"/>
+            <a:r>
+              <a:rPr lang="en-GB" sz="1100" dirty="0">
+                <a:latin typeface="Times New Roman" panose="02020603050405020304" pitchFamily="18" charset="0"/>
+                <a:cs typeface="Times New Roman" panose="02020603050405020304" pitchFamily="18" charset="0"/>
+              </a:rPr>
+              <a:t>Container</a:t>
+            </a:r>
+          </a:p>
+        </p:txBody>
+      </p:sp>
+      <p:sp>
+        <p:nvSpPr>
+          <p:cNvPr id="92" name="Rectangle 91">
+            <a:extLst>
+              <a:ext uri="{FF2B5EF4-FFF2-40B4-BE49-F238E27FC236}">
+                <a16:creationId xmlns:a16="http://schemas.microsoft.com/office/drawing/2014/main" id="{7B03D43F-06D8-C446-B86F-EE1EA69284C3}"/>
+              </a:ext>
+            </a:extLst>
+          </p:cNvPr>
+          <p:cNvSpPr/>
+          <p:nvPr/>
+        </p:nvSpPr>
+        <p:spPr>
+          <a:xfrm>
+            <a:off x="6756764" y="2910815"/>
+            <a:ext cx="789803" cy="218787"/>
+          </a:xfrm>
+          <a:prstGeom prst="rect">
+            <a:avLst/>
+          </a:prstGeom>
+          <a:solidFill>
+            <a:schemeClr val="bg1"/>
+          </a:solidFill>
+          <a:ln w="9525" cap="flat" cmpd="sng" algn="ctr">
+            <a:solidFill>
+              <a:schemeClr val="dk1"/>
+            </a:solidFill>
+            <a:prstDash val="solid"/>
+            <a:round/>
+            <a:headEnd type="none" w="med" len="med"/>
+            <a:tailEnd type="none" w="med" len="med"/>
+          </a:ln>
+        </p:spPr>
+        <p:style>
+          <a:lnRef idx="0">
+            <a:scrgbClr r="0" g="0" b="0"/>
+          </a:lnRef>
+          <a:fillRef idx="0">
+            <a:scrgbClr r="0" g="0" b="0"/>
+          </a:fillRef>
+          <a:effectRef idx="0">
+            <a:scrgbClr r="0" g="0" b="0"/>
+          </a:effectRef>
+          <a:fontRef idx="minor">
+            <a:schemeClr val="dk1"/>
+          </a:fontRef>
+        </p:style>
+        <p:txBody>
+          <a:bodyPr rot="0" spcFirstLastPara="0" vertOverflow="overflow" horzOverflow="overflow" vert="horz" wrap="square" lIns="91440" tIns="45720" rIns="91440" bIns="45720" numCol="1" spcCol="0" rtlCol="0" fromWordArt="0" anchor="ctr" anchorCtr="0" forceAA="0" compatLnSpc="1">
+            <a:prstTxWarp prst="textNoShape">
+              <a:avLst/>
+            </a:prstTxWarp>
+            <a:noAutofit/>
+          </a:bodyPr>
+          <a:lstStyle/>
+          <a:p>
+            <a:pPr algn="ctr"/>
+            <a:r>
+              <a:rPr lang="en-GB" sz="1100" dirty="0">
+                <a:latin typeface="Times New Roman" panose="02020603050405020304" pitchFamily="18" charset="0"/>
+                <a:cs typeface="Times New Roman" panose="02020603050405020304" pitchFamily="18" charset="0"/>
+              </a:rPr>
+              <a:t>Container</a:t>
+            </a:r>
+          </a:p>
+        </p:txBody>
+      </p:sp>
+      <p:sp>
+        <p:nvSpPr>
+          <p:cNvPr id="93" name="Rectangle 92">
+            <a:extLst>
+              <a:ext uri="{FF2B5EF4-FFF2-40B4-BE49-F238E27FC236}">
+                <a16:creationId xmlns:a16="http://schemas.microsoft.com/office/drawing/2014/main" id="{3009FA8B-33E5-2C41-9BC1-B9B54CF218CE}"/>
+              </a:ext>
+            </a:extLst>
+          </p:cNvPr>
+          <p:cNvSpPr/>
+          <p:nvPr/>
+        </p:nvSpPr>
+        <p:spPr>
+          <a:xfrm>
+            <a:off x="7853513" y="2837877"/>
+            <a:ext cx="789803" cy="218787"/>
+          </a:xfrm>
+          <a:prstGeom prst="rect">
+            <a:avLst/>
+          </a:prstGeom>
+          <a:solidFill>
+            <a:schemeClr val="bg1"/>
+          </a:solidFill>
+          <a:ln w="9525" cap="flat" cmpd="sng" algn="ctr">
+            <a:solidFill>
+              <a:schemeClr val="dk1"/>
+            </a:solidFill>
+            <a:prstDash val="solid"/>
+            <a:round/>
+            <a:headEnd type="none" w="med" len="med"/>
+            <a:tailEnd type="none" w="med" len="med"/>
+          </a:ln>
+        </p:spPr>
+        <p:style>
+          <a:lnRef idx="0">
+            <a:scrgbClr r="0" g="0" b="0"/>
+          </a:lnRef>
+          <a:fillRef idx="0">
+            <a:scrgbClr r="0" g="0" b="0"/>
+          </a:fillRef>
+          <a:effectRef idx="0">
+            <a:scrgbClr r="0" g="0" b="0"/>
+          </a:effectRef>
+          <a:fontRef idx="minor">
+            <a:schemeClr val="dk1"/>
+          </a:fontRef>
+        </p:style>
+        <p:txBody>
+          <a:bodyPr rot="0" spcFirstLastPara="0" vertOverflow="overflow" horzOverflow="overflow" vert="horz" wrap="square" lIns="91440" tIns="45720" rIns="91440" bIns="45720" numCol="1" spcCol="0" rtlCol="0" fromWordArt="0" anchor="ctr" anchorCtr="0" forceAA="0" compatLnSpc="1">
+            <a:prstTxWarp prst="textNoShape">
+              <a:avLst/>
+            </a:prstTxWarp>
+            <a:noAutofit/>
+          </a:bodyPr>
+          <a:lstStyle/>
+          <a:p>
+            <a:pPr algn="ctr"/>
+            <a:r>
+              <a:rPr lang="en-GB" sz="1100" dirty="0">
+                <a:latin typeface="Times New Roman" panose="02020603050405020304" pitchFamily="18" charset="0"/>
+                <a:cs typeface="Times New Roman" panose="02020603050405020304" pitchFamily="18" charset="0"/>
+              </a:rPr>
+              <a:t>Container</a:t>
+            </a:r>
+          </a:p>
+        </p:txBody>
+      </p:sp>
+      <p:sp>
+        <p:nvSpPr>
+          <p:cNvPr id="94" name="Rectangle 93">
+            <a:extLst>
+              <a:ext uri="{FF2B5EF4-FFF2-40B4-BE49-F238E27FC236}">
+                <a16:creationId xmlns:a16="http://schemas.microsoft.com/office/drawing/2014/main" id="{802E7F20-F76A-2247-8120-92C24B09F821}"/>
+              </a:ext>
+            </a:extLst>
+          </p:cNvPr>
+          <p:cNvSpPr/>
+          <p:nvPr/>
+        </p:nvSpPr>
+        <p:spPr>
+          <a:xfrm>
+            <a:off x="7913845" y="2910815"/>
+            <a:ext cx="789803" cy="218787"/>
+          </a:xfrm>
+          <a:prstGeom prst="rect">
+            <a:avLst/>
+          </a:prstGeom>
+          <a:solidFill>
+            <a:schemeClr val="bg1"/>
+          </a:solidFill>
+          <a:ln w="9525" cap="flat" cmpd="sng" algn="ctr">
+            <a:solidFill>
+              <a:schemeClr val="dk1"/>
+            </a:solidFill>
+            <a:prstDash val="solid"/>
+            <a:round/>
+            <a:headEnd type="none" w="med" len="med"/>
+            <a:tailEnd type="none" w="med" len="med"/>
+          </a:ln>
+        </p:spPr>
+        <p:style>
+          <a:lnRef idx="0">
+            <a:scrgbClr r="0" g="0" b="0"/>
+          </a:lnRef>
+          <a:fillRef idx="0">
+            <a:scrgbClr r="0" g="0" b="0"/>
+          </a:fillRef>
+          <a:effectRef idx="0">
+            <a:scrgbClr r="0" g="0" b="0"/>
+          </a:effectRef>
+          <a:fontRef idx="minor">
+            <a:schemeClr val="dk1"/>
+          </a:fontRef>
+        </p:style>
+        <p:txBody>
+          <a:bodyPr rot="0" spcFirstLastPara="0" vertOverflow="overflow" horzOverflow="overflow" vert="horz" wrap="square" lIns="91440" tIns="45720" rIns="91440" bIns="45720" numCol="1" spcCol="0" rtlCol="0" fromWordArt="0" anchor="ctr" anchorCtr="0" forceAA="0" compatLnSpc="1">
+            <a:prstTxWarp prst="textNoShape">
+              <a:avLst/>
+            </a:prstTxWarp>
+            <a:noAutofit/>
+          </a:bodyPr>
+          <a:lstStyle/>
+          <a:p>
+            <a:pPr algn="ctr"/>
+            <a:r>
+              <a:rPr lang="en-GB" sz="1100" dirty="0">
+                <a:latin typeface="Times New Roman" panose="02020603050405020304" pitchFamily="18" charset="0"/>
+                <a:cs typeface="Times New Roman" panose="02020603050405020304" pitchFamily="18" charset="0"/>
+              </a:rPr>
+              <a:t>Container</a:t>
+            </a:r>
+          </a:p>
+        </p:txBody>
+      </p:sp>
+      <p:sp>
+        <p:nvSpPr>
+          <p:cNvPr id="98" name="Rectangle 97">
+            <a:extLst>
+              <a:ext uri="{FF2B5EF4-FFF2-40B4-BE49-F238E27FC236}">
+                <a16:creationId xmlns:a16="http://schemas.microsoft.com/office/drawing/2014/main" id="{37FAF8CC-5E8A-204A-8ED9-220FCD20DE9E}"/>
+              </a:ext>
+            </a:extLst>
+          </p:cNvPr>
+          <p:cNvSpPr/>
+          <p:nvPr/>
+        </p:nvSpPr>
+        <p:spPr>
+          <a:xfrm>
+            <a:off x="2068108" y="2229613"/>
+            <a:ext cx="880322" cy="441311"/>
+          </a:xfrm>
+          <a:prstGeom prst="rect">
+            <a:avLst/>
+          </a:prstGeom>
+          <a:solidFill>
+            <a:schemeClr val="bg1"/>
+          </a:solidFill>
+          <a:ln w="9525" cap="flat" cmpd="sng" algn="ctr">
+            <a:solidFill>
+              <a:schemeClr val="dk1"/>
+            </a:solidFill>
+            <a:prstDash val="solid"/>
+            <a:round/>
+            <a:headEnd type="none" w="med" len="med"/>
+            <a:tailEnd type="none" w="med" len="med"/>
+          </a:ln>
+        </p:spPr>
+        <p:style>
+          <a:lnRef idx="0">
+            <a:scrgbClr r="0" g="0" b="0"/>
+          </a:lnRef>
+          <a:fillRef idx="0">
+            <a:scrgbClr r="0" g="0" b="0"/>
+          </a:fillRef>
+          <a:effectRef idx="0">
+            <a:scrgbClr r="0" g="0" b="0"/>
+          </a:effectRef>
+          <a:fontRef idx="minor">
+            <a:schemeClr val="dk1"/>
+          </a:fontRef>
+        </p:style>
+        <p:txBody>
+          <a:bodyPr rot="0" spcFirstLastPara="0" vertOverflow="overflow" horzOverflow="overflow" vert="horz" wrap="square" lIns="91440" tIns="45720" rIns="91440" bIns="45720" numCol="1" spcCol="0" rtlCol="0" fromWordArt="0" anchor="ctr" anchorCtr="0" forceAA="0" compatLnSpc="1">
+            <a:prstTxWarp prst="textNoShape">
+              <a:avLst/>
+            </a:prstTxWarp>
+            <a:noAutofit/>
+          </a:bodyPr>
+          <a:lstStyle/>
+          <a:p>
+            <a:pPr algn="ctr"/>
+            <a:r>
+              <a:rPr lang="en-GB" sz="1400" dirty="0">
+                <a:latin typeface="Times New Roman" panose="02020603050405020304" pitchFamily="18" charset="0"/>
+                <a:cs typeface="Times New Roman" panose="02020603050405020304" pitchFamily="18" charset="0"/>
+              </a:rPr>
+              <a:t>VNFC</a:t>
+            </a:r>
+          </a:p>
+        </p:txBody>
+      </p:sp>
+      <p:sp>
+        <p:nvSpPr>
+          <p:cNvPr id="99" name="Rectangle 98">
+            <a:extLst>
+              <a:ext uri="{FF2B5EF4-FFF2-40B4-BE49-F238E27FC236}">
+                <a16:creationId xmlns:a16="http://schemas.microsoft.com/office/drawing/2014/main" id="{5FDB0014-FC2A-B849-9AD5-C0779C53DC35}"/>
+              </a:ext>
+            </a:extLst>
+          </p:cNvPr>
+          <p:cNvSpPr/>
+          <p:nvPr/>
+        </p:nvSpPr>
+        <p:spPr>
+          <a:xfrm>
+            <a:off x="3216956" y="2229612"/>
+            <a:ext cx="880322" cy="441311"/>
+          </a:xfrm>
+          <a:prstGeom prst="rect">
+            <a:avLst/>
+          </a:prstGeom>
+          <a:solidFill>
+            <a:schemeClr val="bg1"/>
+          </a:solidFill>
+          <a:ln w="9525" cap="flat" cmpd="sng" algn="ctr">
+            <a:solidFill>
+              <a:schemeClr val="dk1"/>
+            </a:solidFill>
+            <a:prstDash val="solid"/>
+            <a:round/>
+            <a:headEnd type="none" w="med" len="med"/>
+            <a:tailEnd type="none" w="med" len="med"/>
+          </a:ln>
+        </p:spPr>
+        <p:style>
+          <a:lnRef idx="0">
+            <a:scrgbClr r="0" g="0" b="0"/>
+          </a:lnRef>
+          <a:fillRef idx="0">
+            <a:scrgbClr r="0" g="0" b="0"/>
+          </a:fillRef>
+          <a:effectRef idx="0">
+            <a:scrgbClr r="0" g="0" b="0"/>
+          </a:effectRef>
+          <a:fontRef idx="minor">
+            <a:schemeClr val="dk1"/>
+          </a:fontRef>
+        </p:style>
+        <p:txBody>
+          <a:bodyPr rot="0" spcFirstLastPara="0" vertOverflow="overflow" horzOverflow="overflow" vert="horz" wrap="square" lIns="91440" tIns="45720" rIns="91440" bIns="45720" numCol="1" spcCol="0" rtlCol="0" fromWordArt="0" anchor="ctr" anchorCtr="0" forceAA="0" compatLnSpc="1">
+            <a:prstTxWarp prst="textNoShape">
+              <a:avLst/>
+            </a:prstTxWarp>
+            <a:noAutofit/>
+          </a:bodyPr>
+          <a:lstStyle/>
+          <a:p>
+            <a:pPr algn="ctr"/>
+            <a:r>
+              <a:rPr lang="en-GB" sz="1400" dirty="0">
+                <a:latin typeface="Times New Roman" panose="02020603050405020304" pitchFamily="18" charset="0"/>
+                <a:cs typeface="Times New Roman" panose="02020603050405020304" pitchFamily="18" charset="0"/>
+              </a:rPr>
+              <a:t>VNFC</a:t>
+            </a:r>
+          </a:p>
+        </p:txBody>
+      </p:sp>
+      <p:sp>
+        <p:nvSpPr>
+          <p:cNvPr id="100" name="Rectangle 99">
+            <a:extLst>
+              <a:ext uri="{FF2B5EF4-FFF2-40B4-BE49-F238E27FC236}">
+                <a16:creationId xmlns:a16="http://schemas.microsoft.com/office/drawing/2014/main" id="{9C866440-8B06-774D-A329-75DC99891DD7}"/>
+              </a:ext>
+            </a:extLst>
+          </p:cNvPr>
+          <p:cNvSpPr/>
+          <p:nvPr/>
+        </p:nvSpPr>
+        <p:spPr>
+          <a:xfrm>
+            <a:off x="4365804" y="2229611"/>
+            <a:ext cx="880322" cy="441311"/>
+          </a:xfrm>
+          <a:prstGeom prst="rect">
+            <a:avLst/>
+          </a:prstGeom>
+          <a:solidFill>
+            <a:schemeClr val="bg1"/>
+          </a:solidFill>
+          <a:ln w="9525" cap="flat" cmpd="sng" algn="ctr">
+            <a:solidFill>
+              <a:schemeClr val="dk1"/>
+            </a:solidFill>
+            <a:prstDash val="solid"/>
+            <a:round/>
+            <a:headEnd type="none" w="med" len="med"/>
+            <a:tailEnd type="none" w="med" len="med"/>
+          </a:ln>
+        </p:spPr>
+        <p:style>
+          <a:lnRef idx="0">
+            <a:scrgbClr r="0" g="0" b="0"/>
+          </a:lnRef>
+          <a:fillRef idx="0">
+            <a:scrgbClr r="0" g="0" b="0"/>
+          </a:fillRef>
+          <a:effectRef idx="0">
+            <a:scrgbClr r="0" g="0" b="0"/>
+          </a:effectRef>
+          <a:fontRef idx="minor">
+            <a:schemeClr val="dk1"/>
+          </a:fontRef>
+        </p:style>
+        <p:txBody>
+          <a:bodyPr rot="0" spcFirstLastPara="0" vertOverflow="overflow" horzOverflow="overflow" vert="horz" wrap="square" lIns="91440" tIns="45720" rIns="91440" bIns="45720" numCol="1" spcCol="0" rtlCol="0" fromWordArt="0" anchor="ctr" anchorCtr="0" forceAA="0" compatLnSpc="1">
+            <a:prstTxWarp prst="textNoShape">
+              <a:avLst/>
+            </a:prstTxWarp>
+            <a:noAutofit/>
+          </a:bodyPr>
+          <a:lstStyle/>
+          <a:p>
+            <a:pPr algn="ctr"/>
+            <a:r>
+              <a:rPr lang="en-GB" sz="1400" dirty="0">
+                <a:latin typeface="Times New Roman" panose="02020603050405020304" pitchFamily="18" charset="0"/>
+                <a:cs typeface="Times New Roman" panose="02020603050405020304" pitchFamily="18" charset="0"/>
+              </a:rPr>
+              <a:t>VNFC</a:t>
+            </a:r>
+          </a:p>
+        </p:txBody>
+      </p:sp>
+      <p:sp>
+        <p:nvSpPr>
+          <p:cNvPr id="101" name="Rectangle 100">
+            <a:extLst>
+              <a:ext uri="{FF2B5EF4-FFF2-40B4-BE49-F238E27FC236}">
+                <a16:creationId xmlns:a16="http://schemas.microsoft.com/office/drawing/2014/main" id="{2F779980-3BF1-4F40-8361-0E1D1D217B46}"/>
+              </a:ext>
+            </a:extLst>
+          </p:cNvPr>
+          <p:cNvSpPr/>
+          <p:nvPr/>
+        </p:nvSpPr>
+        <p:spPr>
+          <a:xfrm>
+            <a:off x="5514652" y="2229610"/>
+            <a:ext cx="880322" cy="441311"/>
+          </a:xfrm>
+          <a:prstGeom prst="rect">
+            <a:avLst/>
+          </a:prstGeom>
+          <a:solidFill>
+            <a:schemeClr val="bg1"/>
+          </a:solidFill>
+          <a:ln w="9525" cap="flat" cmpd="sng" algn="ctr">
+            <a:solidFill>
+              <a:schemeClr val="dk1"/>
+            </a:solidFill>
+            <a:prstDash val="solid"/>
+            <a:round/>
+            <a:headEnd type="none" w="med" len="med"/>
+            <a:tailEnd type="none" w="med" len="med"/>
+          </a:ln>
+        </p:spPr>
+        <p:style>
+          <a:lnRef idx="0">
+            <a:scrgbClr r="0" g="0" b="0"/>
+          </a:lnRef>
+          <a:fillRef idx="0">
+            <a:scrgbClr r="0" g="0" b="0"/>
+          </a:fillRef>
+          <a:effectRef idx="0">
+            <a:scrgbClr r="0" g="0" b="0"/>
+          </a:effectRef>
+          <a:fontRef idx="minor">
+            <a:schemeClr val="dk1"/>
+          </a:fontRef>
+        </p:style>
+        <p:txBody>
+          <a:bodyPr rot="0" spcFirstLastPara="0" vertOverflow="overflow" horzOverflow="overflow" vert="horz" wrap="square" lIns="91440" tIns="45720" rIns="91440" bIns="45720" numCol="1" spcCol="0" rtlCol="0" fromWordArt="0" anchor="ctr" anchorCtr="0" forceAA="0" compatLnSpc="1">
+            <a:prstTxWarp prst="textNoShape">
+              <a:avLst/>
+            </a:prstTxWarp>
+            <a:noAutofit/>
+          </a:bodyPr>
+          <a:lstStyle/>
+          <a:p>
+            <a:pPr algn="ctr"/>
+            <a:r>
+              <a:rPr lang="en-GB" sz="1400" dirty="0">
+                <a:latin typeface="Times New Roman" panose="02020603050405020304" pitchFamily="18" charset="0"/>
+                <a:cs typeface="Times New Roman" panose="02020603050405020304" pitchFamily="18" charset="0"/>
+              </a:rPr>
+              <a:t>VNFC</a:t>
+            </a:r>
+          </a:p>
+        </p:txBody>
+      </p:sp>
+      <p:sp>
+        <p:nvSpPr>
+          <p:cNvPr id="103" name="Rectangle 102">
+            <a:extLst>
+              <a:ext uri="{FF2B5EF4-FFF2-40B4-BE49-F238E27FC236}">
+                <a16:creationId xmlns:a16="http://schemas.microsoft.com/office/drawing/2014/main" id="{F2D26007-BA4E-B248-A158-200928B424C0}"/>
+              </a:ext>
+            </a:extLst>
+          </p:cNvPr>
+          <p:cNvSpPr/>
+          <p:nvPr/>
+        </p:nvSpPr>
+        <p:spPr>
+          <a:xfrm>
+            <a:off x="6663500" y="2229611"/>
+            <a:ext cx="880322" cy="441311"/>
+          </a:xfrm>
+          <a:prstGeom prst="rect">
+            <a:avLst/>
+          </a:prstGeom>
+          <a:solidFill>
+            <a:schemeClr val="bg1"/>
+          </a:solidFill>
+          <a:ln w="9525" cap="flat" cmpd="sng" algn="ctr">
+            <a:solidFill>
+              <a:schemeClr val="dk1"/>
+            </a:solidFill>
+            <a:prstDash val="solid"/>
+            <a:round/>
+            <a:headEnd type="none" w="med" len="med"/>
+            <a:tailEnd type="none" w="med" len="med"/>
+          </a:ln>
+        </p:spPr>
+        <p:style>
+          <a:lnRef idx="0">
+            <a:scrgbClr r="0" g="0" b="0"/>
+          </a:lnRef>
+          <a:fillRef idx="0">
+            <a:scrgbClr r="0" g="0" b="0"/>
+          </a:fillRef>
+          <a:effectRef idx="0">
+            <a:scrgbClr r="0" g="0" b="0"/>
+          </a:effectRef>
+          <a:fontRef idx="minor">
+            <a:schemeClr val="dk1"/>
+          </a:fontRef>
+        </p:style>
+        <p:txBody>
+          <a:bodyPr rot="0" spcFirstLastPara="0" vertOverflow="overflow" horzOverflow="overflow" vert="horz" wrap="square" lIns="91440" tIns="45720" rIns="91440" bIns="45720" numCol="1" spcCol="0" rtlCol="0" fromWordArt="0" anchor="ctr" anchorCtr="0" forceAA="0" compatLnSpc="1">
+            <a:prstTxWarp prst="textNoShape">
+              <a:avLst/>
+            </a:prstTxWarp>
+            <a:noAutofit/>
+          </a:bodyPr>
+          <a:lstStyle/>
+          <a:p>
+            <a:pPr algn="ctr"/>
+            <a:r>
+              <a:rPr lang="en-GB" sz="1400" dirty="0">
+                <a:latin typeface="Times New Roman" panose="02020603050405020304" pitchFamily="18" charset="0"/>
+                <a:cs typeface="Times New Roman" panose="02020603050405020304" pitchFamily="18" charset="0"/>
+              </a:rPr>
+              <a:t>VNFC</a:t>
+            </a:r>
+          </a:p>
+        </p:txBody>
+      </p:sp>
+      <p:sp>
+        <p:nvSpPr>
+          <p:cNvPr id="104" name="Rectangle 103">
+            <a:extLst>
+              <a:ext uri="{FF2B5EF4-FFF2-40B4-BE49-F238E27FC236}">
+                <a16:creationId xmlns:a16="http://schemas.microsoft.com/office/drawing/2014/main" id="{2A4D4E94-355F-4B4A-8849-32512604C7BF}"/>
+              </a:ext>
+            </a:extLst>
+          </p:cNvPr>
+          <p:cNvSpPr/>
+          <p:nvPr/>
+        </p:nvSpPr>
+        <p:spPr>
+          <a:xfrm>
+            <a:off x="7812346" y="2229610"/>
+            <a:ext cx="880322" cy="441311"/>
+          </a:xfrm>
+          <a:prstGeom prst="rect">
+            <a:avLst/>
+          </a:prstGeom>
+          <a:solidFill>
+            <a:schemeClr val="bg1"/>
+          </a:solidFill>
+          <a:ln w="9525" cap="flat" cmpd="sng" algn="ctr">
+            <a:solidFill>
+              <a:schemeClr val="dk1"/>
+            </a:solidFill>
+            <a:prstDash val="solid"/>
+            <a:round/>
+            <a:headEnd type="none" w="med" len="med"/>
+            <a:tailEnd type="none" w="med" len="med"/>
+          </a:ln>
+        </p:spPr>
+        <p:style>
+          <a:lnRef idx="0">
+            <a:scrgbClr r="0" g="0" b="0"/>
+          </a:lnRef>
+          <a:fillRef idx="0">
+            <a:scrgbClr r="0" g="0" b="0"/>
+          </a:fillRef>
+          <a:effectRef idx="0">
+            <a:scrgbClr r="0" g="0" b="0"/>
+          </a:effectRef>
+          <a:fontRef idx="minor">
+            <a:schemeClr val="dk1"/>
+          </a:fontRef>
+        </p:style>
+        <p:txBody>
+          <a:bodyPr rot="0" spcFirstLastPara="0" vertOverflow="overflow" horzOverflow="overflow" vert="horz" wrap="square" lIns="91440" tIns="45720" rIns="91440" bIns="45720" numCol="1" spcCol="0" rtlCol="0" fromWordArt="0" anchor="ctr" anchorCtr="0" forceAA="0" compatLnSpc="1">
+            <a:prstTxWarp prst="textNoShape">
+              <a:avLst/>
+            </a:prstTxWarp>
+            <a:noAutofit/>
+          </a:bodyPr>
+          <a:lstStyle/>
+          <a:p>
+            <a:pPr algn="ctr"/>
+            <a:r>
+              <a:rPr lang="en-GB" sz="1400" dirty="0">
+                <a:latin typeface="Times New Roman" panose="02020603050405020304" pitchFamily="18" charset="0"/>
+                <a:cs typeface="Times New Roman" panose="02020603050405020304" pitchFamily="18" charset="0"/>
+              </a:rPr>
+              <a:t>VNFC</a:t>
+            </a:r>
+          </a:p>
+        </p:txBody>
+      </p:sp>
+      <p:cxnSp>
+        <p:nvCxnSpPr>
+          <p:cNvPr id="116" name="Straight Connector 115">
+            <a:extLst>
+              <a:ext uri="{FF2B5EF4-FFF2-40B4-BE49-F238E27FC236}">
+                <a16:creationId xmlns:a16="http://schemas.microsoft.com/office/drawing/2014/main" id="{990232D4-0293-D340-AC87-EDF1874FA97A}"/>
+              </a:ext>
+            </a:extLst>
+          </p:cNvPr>
+          <p:cNvCxnSpPr>
+            <a:cxnSpLocks/>
+            <a:stCxn id="2" idx="1"/>
+            <a:endCxn id="105" idx="3"/>
+          </p:cNvCxnSpPr>
+          <p:nvPr/>
+        </p:nvCxnSpPr>
+        <p:spPr>
+          <a:xfrm flipH="1" flipV="1">
+            <a:off x="8871367" y="2879470"/>
+            <a:ext cx="2968768" cy="31342"/>
+          </a:xfrm>
+          <a:prstGeom prst="line">
+            <a:avLst/>
+          </a:prstGeom>
+        </p:spPr>
+        <p:style>
+          <a:lnRef idx="3">
+            <a:schemeClr val="dk1"/>
+          </a:lnRef>
+          <a:fillRef idx="0">
+            <a:schemeClr val="dk1"/>
+          </a:fillRef>
+          <a:effectRef idx="2">
+            <a:schemeClr val="dk1"/>
+          </a:effectRef>
+          <a:fontRef idx="minor">
+            <a:schemeClr val="tx1"/>
+          </a:fontRef>
+        </p:style>
+      </p:cxnSp>
+      <p:cxnSp>
+        <p:nvCxnSpPr>
+          <p:cNvPr id="122" name="Straight Connector 121">
+            <a:extLst>
+              <a:ext uri="{FF2B5EF4-FFF2-40B4-BE49-F238E27FC236}">
+                <a16:creationId xmlns:a16="http://schemas.microsoft.com/office/drawing/2014/main" id="{AFA160AD-FB74-3E41-AE32-9998EF181133}"/>
+              </a:ext>
+            </a:extLst>
+          </p:cNvPr>
+          <p:cNvCxnSpPr>
+            <a:cxnSpLocks/>
+            <a:stCxn id="2" idx="2"/>
+            <a:endCxn id="3" idx="0"/>
+          </p:cNvCxnSpPr>
+          <p:nvPr/>
+        </p:nvCxnSpPr>
+        <p:spPr>
+          <a:xfrm>
+            <a:off x="12583774" y="3254760"/>
+            <a:ext cx="1" cy="4175614"/>
+          </a:xfrm>
+          <a:prstGeom prst="line">
+            <a:avLst/>
+          </a:prstGeom>
+          <a:ln w="38100"/>
+        </p:spPr>
+        <p:style>
+          <a:lnRef idx="3">
+            <a:schemeClr val="dk1"/>
+          </a:lnRef>
+          <a:fillRef idx="0">
+            <a:schemeClr val="dk1"/>
+          </a:fillRef>
+          <a:effectRef idx="2">
+            <a:schemeClr val="dk1"/>
+          </a:effectRef>
+          <a:fontRef idx="minor">
+            <a:schemeClr val="tx1"/>
+          </a:fontRef>
+        </p:style>
+      </p:cxnSp>
+      <p:cxnSp>
+        <p:nvCxnSpPr>
+          <p:cNvPr id="132" name="Straight Connector 131">
+            <a:extLst>
+              <a:ext uri="{FF2B5EF4-FFF2-40B4-BE49-F238E27FC236}">
+                <a16:creationId xmlns:a16="http://schemas.microsoft.com/office/drawing/2014/main" id="{AE6EEF31-A9A5-9841-9898-DB0C1B3AD6A9}"/>
+              </a:ext>
+            </a:extLst>
+          </p:cNvPr>
+          <p:cNvCxnSpPr>
+            <a:cxnSpLocks/>
+            <a:stCxn id="2" idx="2"/>
+            <a:endCxn id="58" idx="3"/>
+          </p:cNvCxnSpPr>
+          <p:nvPr/>
+        </p:nvCxnSpPr>
+        <p:spPr>
+          <a:xfrm flipH="1">
+            <a:off x="10686286" y="3254760"/>
+            <a:ext cx="1897488" cy="1741461"/>
+          </a:xfrm>
+          <a:prstGeom prst="line">
+            <a:avLst/>
+          </a:prstGeom>
+          <a:ln w="38100"/>
+        </p:spPr>
+        <p:style>
+          <a:lnRef idx="3">
+            <a:schemeClr val="dk1"/>
+          </a:lnRef>
+          <a:fillRef idx="0">
+            <a:schemeClr val="dk1"/>
+          </a:fillRef>
+          <a:effectRef idx="2">
+            <a:schemeClr val="dk1"/>
+          </a:effectRef>
+          <a:fontRef idx="minor">
+            <a:schemeClr val="tx1"/>
+          </a:fontRef>
+        </p:style>
+      </p:cxnSp>
+      <p:sp>
+        <p:nvSpPr>
+          <p:cNvPr id="137" name="TextBox 136">
+            <a:extLst>
+              <a:ext uri="{FF2B5EF4-FFF2-40B4-BE49-F238E27FC236}">
+                <a16:creationId xmlns:a16="http://schemas.microsoft.com/office/drawing/2014/main" id="{0B235BB7-5F46-CF49-967B-E19E6BE616CE}"/>
+              </a:ext>
+            </a:extLst>
+          </p:cNvPr>
+          <p:cNvSpPr txBox="1"/>
+          <p:nvPr/>
+        </p:nvSpPr>
+        <p:spPr>
+          <a:xfrm>
+            <a:off x="10977695" y="7657125"/>
+            <a:ext cx="722249" cy="369332"/>
+          </a:xfrm>
+          <a:prstGeom prst="rect">
+            <a:avLst/>
+          </a:prstGeom>
+          <a:noFill/>
+        </p:spPr>
+        <p:txBody>
+          <a:bodyPr wrap="none" rtlCol="0">
+            <a:spAutoFit/>
+          </a:bodyPr>
+          <a:lstStyle/>
+          <a:p>
+            <a:r>
+              <a:rPr lang="en-GB" dirty="0" err="1">
+                <a:latin typeface="Times New Roman" panose="02020603050405020304" pitchFamily="18" charset="0"/>
+                <a:cs typeface="Times New Roman" panose="02020603050405020304" pitchFamily="18" charset="0"/>
+              </a:rPr>
+              <a:t>Nf</a:t>
+            </a:r>
+            <a:r>
+              <a:rPr lang="en-GB" dirty="0">
+                <a:latin typeface="Times New Roman" panose="02020603050405020304" pitchFamily="18" charset="0"/>
+                <a:cs typeface="Times New Roman" panose="02020603050405020304" pitchFamily="18" charset="0"/>
+              </a:rPr>
+              <a:t>-Vi</a:t>
+            </a:r>
+          </a:p>
+        </p:txBody>
+      </p:sp>
+      <p:sp>
+        <p:nvSpPr>
+          <p:cNvPr id="138" name="TextBox 137">
+            <a:extLst>
+              <a:ext uri="{FF2B5EF4-FFF2-40B4-BE49-F238E27FC236}">
+                <a16:creationId xmlns:a16="http://schemas.microsoft.com/office/drawing/2014/main" id="{EDB4E346-247F-8145-A84E-0D556D0CF383}"/>
+              </a:ext>
+            </a:extLst>
+          </p:cNvPr>
+          <p:cNvSpPr txBox="1"/>
+          <p:nvPr/>
+        </p:nvSpPr>
+        <p:spPr>
+          <a:xfrm>
+            <a:off x="12554550" y="3991609"/>
+            <a:ext cx="1017202" cy="369332"/>
+          </a:xfrm>
+          <a:prstGeom prst="rect">
+            <a:avLst/>
+          </a:prstGeom>
+          <a:noFill/>
+        </p:spPr>
+        <p:txBody>
+          <a:bodyPr wrap="none" rtlCol="0">
+            <a:spAutoFit/>
+          </a:bodyPr>
+          <a:lstStyle/>
+          <a:p>
+            <a:r>
+              <a:rPr lang="en-GB" dirty="0">
+                <a:latin typeface="Times New Roman" panose="02020603050405020304" pitchFamily="18" charset="0"/>
+                <a:cs typeface="Times New Roman" panose="02020603050405020304" pitchFamily="18" charset="0"/>
+              </a:rPr>
+              <a:t>Vi-</a:t>
+            </a:r>
+            <a:r>
+              <a:rPr lang="en-GB" dirty="0" err="1">
+                <a:latin typeface="Times New Roman" panose="02020603050405020304" pitchFamily="18" charset="0"/>
+                <a:cs typeface="Times New Roman" panose="02020603050405020304" pitchFamily="18" charset="0"/>
+              </a:rPr>
+              <a:t>Vnfm</a:t>
+            </a:r>
+            <a:endParaRPr lang="en-GB" dirty="0">
+              <a:latin typeface="Times New Roman" panose="02020603050405020304" pitchFamily="18" charset="0"/>
+              <a:cs typeface="Times New Roman" panose="02020603050405020304" pitchFamily="18" charset="0"/>
+            </a:endParaRPr>
+          </a:p>
+        </p:txBody>
+      </p:sp>
+      <p:sp>
+        <p:nvSpPr>
+          <p:cNvPr id="141" name="TextBox 140">
+            <a:extLst>
+              <a:ext uri="{FF2B5EF4-FFF2-40B4-BE49-F238E27FC236}">
+                <a16:creationId xmlns:a16="http://schemas.microsoft.com/office/drawing/2014/main" id="{06CB3997-4A21-2249-B5ED-D75C36745B29}"/>
+              </a:ext>
+            </a:extLst>
+          </p:cNvPr>
+          <p:cNvSpPr txBox="1"/>
+          <p:nvPr/>
+        </p:nvSpPr>
+        <p:spPr>
+          <a:xfrm>
+            <a:off x="13484742" y="7613782"/>
+            <a:ext cx="717632" cy="369332"/>
+          </a:xfrm>
+          <a:prstGeom prst="rect">
+            <a:avLst/>
+          </a:prstGeom>
+          <a:noFill/>
+        </p:spPr>
+        <p:txBody>
+          <a:bodyPr wrap="none" rtlCol="0">
+            <a:spAutoFit/>
+          </a:bodyPr>
+          <a:lstStyle/>
+          <a:p>
+            <a:r>
+              <a:rPr lang="en-GB" dirty="0">
+                <a:latin typeface="Times New Roman" panose="02020603050405020304" pitchFamily="18" charset="0"/>
+                <a:cs typeface="Times New Roman" panose="02020603050405020304" pitchFamily="18" charset="0"/>
+              </a:rPr>
+              <a:t>Or-Vi</a:t>
+            </a:r>
+          </a:p>
+        </p:txBody>
+      </p:sp>
+      <p:sp>
+        <p:nvSpPr>
+          <p:cNvPr id="143" name="TextBox 142">
+            <a:extLst>
+              <a:ext uri="{FF2B5EF4-FFF2-40B4-BE49-F238E27FC236}">
+                <a16:creationId xmlns:a16="http://schemas.microsoft.com/office/drawing/2014/main" id="{0C34EF53-859B-8549-B040-6978ACC1BCB1}"/>
+              </a:ext>
+            </a:extLst>
+          </p:cNvPr>
+          <p:cNvSpPr txBox="1"/>
+          <p:nvPr/>
+        </p:nvSpPr>
+        <p:spPr>
+          <a:xfrm>
+            <a:off x="10193562" y="3912186"/>
+            <a:ext cx="1428596" cy="646331"/>
+          </a:xfrm>
+          <a:prstGeom prst="rect">
+            <a:avLst/>
+          </a:prstGeom>
+          <a:noFill/>
+        </p:spPr>
+        <p:txBody>
+          <a:bodyPr wrap="none" rtlCol="0">
+            <a:spAutoFit/>
+          </a:bodyPr>
+          <a:lstStyle/>
+          <a:p>
+            <a:pPr algn="ctr"/>
+            <a:r>
+              <a:rPr lang="en-GB" b="1" dirty="0" err="1">
+                <a:solidFill>
+                  <a:srgbClr val="FF0000"/>
+                </a:solidFill>
+                <a:latin typeface="Times New Roman" panose="02020603050405020304" pitchFamily="18" charset="0"/>
+                <a:cs typeface="Times New Roman" panose="02020603050405020304" pitchFamily="18" charset="0"/>
+              </a:rPr>
+              <a:t>Vnfm</a:t>
+            </a:r>
+            <a:r>
+              <a:rPr lang="en-GB" b="1" dirty="0">
+                <a:solidFill>
+                  <a:srgbClr val="FF0000"/>
+                </a:solidFill>
+                <a:latin typeface="Times New Roman" panose="02020603050405020304" pitchFamily="18" charset="0"/>
+                <a:cs typeface="Times New Roman" panose="02020603050405020304" pitchFamily="18" charset="0"/>
+              </a:rPr>
+              <a:t>-CISM</a:t>
+            </a:r>
+          </a:p>
+          <a:p>
+            <a:pPr algn="ctr"/>
+            <a:r>
+              <a:rPr lang="en-GB" b="1" dirty="0">
+                <a:solidFill>
+                  <a:srgbClr val="FF0000"/>
+                </a:solidFill>
+                <a:latin typeface="Times New Roman" panose="02020603050405020304" pitchFamily="18" charset="0"/>
+                <a:cs typeface="Times New Roman" panose="02020603050405020304" pitchFamily="18" charset="0"/>
+              </a:rPr>
+              <a:t>(new)</a:t>
+            </a:r>
+          </a:p>
+        </p:txBody>
+      </p:sp>
+      <p:sp>
+        <p:nvSpPr>
+          <p:cNvPr id="144" name="Rounded Rectangle 143">
+            <a:extLst>
+              <a:ext uri="{FF2B5EF4-FFF2-40B4-BE49-F238E27FC236}">
+                <a16:creationId xmlns:a16="http://schemas.microsoft.com/office/drawing/2014/main" id="{35E18571-B9DE-AF46-BCA9-09228FE9A972}"/>
+              </a:ext>
+            </a:extLst>
+          </p:cNvPr>
+          <p:cNvSpPr/>
+          <p:nvPr/>
+        </p:nvSpPr>
+        <p:spPr>
+          <a:xfrm>
+            <a:off x="1698237" y="3879604"/>
+            <a:ext cx="12596843" cy="5989820"/>
+          </a:xfrm>
+          <a:prstGeom prst="roundRect">
+            <a:avLst>
+              <a:gd name="adj" fmla="val 7355"/>
+            </a:avLst>
+          </a:prstGeom>
+          <a:noFill/>
+          <a:ln w="38100">
+            <a:solidFill>
+              <a:srgbClr val="FF0000"/>
+            </a:solidFill>
+          </a:ln>
+        </p:spPr>
+        <p:style>
+          <a:lnRef idx="2">
+            <a:schemeClr val="accent1">
+              <a:shade val="50000"/>
+            </a:schemeClr>
+          </a:lnRef>
+          <a:fillRef idx="1">
+            <a:schemeClr val="accent1"/>
+          </a:fillRef>
+          <a:effectRef idx="0">
+            <a:schemeClr val="accent1"/>
+          </a:effectRef>
+          <a:fontRef idx="minor">
+            <a:schemeClr val="lt1"/>
+          </a:fontRef>
+        </p:style>
+        <p:txBody>
+          <a:bodyPr rtlCol="0" anchor="ctr"/>
+          <a:lstStyle/>
+          <a:p>
+            <a:pPr algn="ctr"/>
+            <a:endParaRPr lang="en-GB"/>
+          </a:p>
+        </p:txBody>
+      </p:sp>
+      <p:sp>
+        <p:nvSpPr>
+          <p:cNvPr id="146" name="Rectangle 145">
+            <a:extLst>
+              <a:ext uri="{FF2B5EF4-FFF2-40B4-BE49-F238E27FC236}">
+                <a16:creationId xmlns:a16="http://schemas.microsoft.com/office/drawing/2014/main" id="{135120D2-78FA-114F-82DE-0A23FADEAE49}"/>
+              </a:ext>
+            </a:extLst>
+          </p:cNvPr>
+          <p:cNvSpPr/>
+          <p:nvPr/>
+        </p:nvSpPr>
+        <p:spPr>
+          <a:xfrm>
+            <a:off x="2104066" y="3958290"/>
+            <a:ext cx="10076528" cy="561918"/>
+          </a:xfrm>
+          <a:prstGeom prst="rect">
+            <a:avLst/>
+          </a:prstGeom>
+          <a:solidFill>
+            <a:srgbClr val="7030A0">
+              <a:alpha val="50000"/>
+            </a:srgbClr>
+          </a:solidFill>
+          <a:ln>
+            <a:noFill/>
+          </a:ln>
+        </p:spPr>
+        <p:style>
+          <a:lnRef idx="2">
+            <a:schemeClr val="accent1">
+              <a:shade val="50000"/>
+            </a:schemeClr>
+          </a:lnRef>
+          <a:fillRef idx="1">
+            <a:schemeClr val="accent1"/>
+          </a:fillRef>
+          <a:effectRef idx="0">
+            <a:schemeClr val="accent1"/>
+          </a:effectRef>
+          <a:fontRef idx="minor">
+            <a:schemeClr val="lt1"/>
+          </a:fontRef>
+        </p:style>
+        <p:txBody>
+          <a:bodyPr rtlCol="0" anchor="ctr"/>
+          <a:lstStyle/>
+          <a:p>
+            <a:pPr algn="ctr"/>
+            <a:endParaRPr lang="en-GB" dirty="0"/>
+          </a:p>
+        </p:txBody>
+      </p:sp>
+      <p:cxnSp>
+        <p:nvCxnSpPr>
+          <p:cNvPr id="147" name="Straight Connector 146">
+            <a:extLst>
+              <a:ext uri="{FF2B5EF4-FFF2-40B4-BE49-F238E27FC236}">
+                <a16:creationId xmlns:a16="http://schemas.microsoft.com/office/drawing/2014/main" id="{487EBBFB-823C-9145-B07C-BCCAD67F7830}"/>
+              </a:ext>
+            </a:extLst>
+          </p:cNvPr>
+          <p:cNvCxnSpPr>
+            <a:cxnSpLocks/>
+            <a:stCxn id="59" idx="0"/>
+            <a:endCxn id="105" idx="2"/>
+          </p:cNvCxnSpPr>
+          <p:nvPr/>
+        </p:nvCxnSpPr>
+        <p:spPr>
+          <a:xfrm flipH="1" flipV="1">
+            <a:off x="5416235" y="3800582"/>
+            <a:ext cx="7256" cy="774813"/>
+          </a:xfrm>
+          <a:prstGeom prst="line">
+            <a:avLst/>
+          </a:prstGeom>
+          <a:ln w="38100">
+            <a:headEnd type="oval"/>
+            <a:tailEnd type="oval"/>
+          </a:ln>
+        </p:spPr>
+        <p:style>
+          <a:lnRef idx="3">
+            <a:schemeClr val="dk1"/>
+          </a:lnRef>
+          <a:fillRef idx="0">
+            <a:schemeClr val="dk1"/>
+          </a:fillRef>
+          <a:effectRef idx="2">
+            <a:schemeClr val="dk1"/>
+          </a:effectRef>
+          <a:fontRef idx="minor">
+            <a:schemeClr val="tx1"/>
+          </a:fontRef>
+        </p:style>
+      </p:cxnSp>
+      <p:cxnSp>
+        <p:nvCxnSpPr>
+          <p:cNvPr id="152" name="Straight Connector 151">
+            <a:extLst>
+              <a:ext uri="{FF2B5EF4-FFF2-40B4-BE49-F238E27FC236}">
+                <a16:creationId xmlns:a16="http://schemas.microsoft.com/office/drawing/2014/main" id="{F5B03968-0866-174F-BDAC-59C3DC23749C}"/>
+              </a:ext>
+            </a:extLst>
+          </p:cNvPr>
+          <p:cNvCxnSpPr>
+            <a:cxnSpLocks/>
+          </p:cNvCxnSpPr>
+          <p:nvPr/>
+        </p:nvCxnSpPr>
+        <p:spPr>
+          <a:xfrm flipV="1">
+            <a:off x="7305113" y="3879604"/>
+            <a:ext cx="0" cy="695791"/>
+          </a:xfrm>
+          <a:prstGeom prst="line">
+            <a:avLst/>
+          </a:prstGeom>
+          <a:ln w="38100">
+            <a:headEnd type="oval"/>
+            <a:tailEnd type="oval"/>
+          </a:ln>
+        </p:spPr>
+        <p:style>
+          <a:lnRef idx="3">
+            <a:schemeClr val="dk1"/>
+          </a:lnRef>
+          <a:fillRef idx="0">
+            <a:schemeClr val="dk1"/>
+          </a:fillRef>
+          <a:effectRef idx="2">
+            <a:schemeClr val="dk1"/>
+          </a:effectRef>
+          <a:fontRef idx="minor">
+            <a:schemeClr val="tx1"/>
+          </a:fontRef>
+        </p:style>
+      </p:cxnSp>
+      <p:cxnSp>
+        <p:nvCxnSpPr>
+          <p:cNvPr id="153" name="Straight Connector 152">
+            <a:extLst>
+              <a:ext uri="{FF2B5EF4-FFF2-40B4-BE49-F238E27FC236}">
+                <a16:creationId xmlns:a16="http://schemas.microsoft.com/office/drawing/2014/main" id="{F6499307-BA21-BA41-ADA4-2B0ECC8B8E08}"/>
+              </a:ext>
+            </a:extLst>
+          </p:cNvPr>
+          <p:cNvCxnSpPr>
+            <a:cxnSpLocks/>
+          </p:cNvCxnSpPr>
+          <p:nvPr/>
+        </p:nvCxnSpPr>
+        <p:spPr>
+          <a:xfrm flipV="1">
+            <a:off x="3455635" y="3800582"/>
+            <a:ext cx="0" cy="774812"/>
+          </a:xfrm>
+          <a:prstGeom prst="line">
+            <a:avLst/>
+          </a:prstGeom>
+          <a:ln w="38100">
+            <a:headEnd type="oval"/>
+            <a:tailEnd type="oval"/>
+          </a:ln>
+        </p:spPr>
+        <p:style>
+          <a:lnRef idx="3">
+            <a:schemeClr val="dk1"/>
+          </a:lnRef>
+          <a:fillRef idx="0">
+            <a:schemeClr val="dk1"/>
+          </a:fillRef>
+          <a:effectRef idx="2">
+            <a:schemeClr val="dk1"/>
+          </a:effectRef>
+          <a:fontRef idx="minor">
+            <a:schemeClr val="tx1"/>
+          </a:fontRef>
+        </p:style>
+      </p:cxnSp>
+      <p:sp>
+        <p:nvSpPr>
+          <p:cNvPr id="154" name="TextBox 153">
+            <a:extLst>
+              <a:ext uri="{FF2B5EF4-FFF2-40B4-BE49-F238E27FC236}">
+                <a16:creationId xmlns:a16="http://schemas.microsoft.com/office/drawing/2014/main" id="{4B7141B8-1C67-5247-8F2A-69153083DED1}"/>
+              </a:ext>
+            </a:extLst>
+          </p:cNvPr>
+          <p:cNvSpPr txBox="1"/>
+          <p:nvPr/>
+        </p:nvSpPr>
+        <p:spPr>
+          <a:xfrm>
+            <a:off x="5430876" y="4125269"/>
+            <a:ext cx="1499128" cy="369332"/>
+          </a:xfrm>
+          <a:prstGeom prst="rect">
+            <a:avLst/>
+          </a:prstGeom>
+          <a:noFill/>
+        </p:spPr>
+        <p:txBody>
+          <a:bodyPr wrap="none" rtlCol="0">
+            <a:spAutoFit/>
+          </a:bodyPr>
+          <a:lstStyle/>
+          <a:p>
+            <a:pPr algn="ctr"/>
+            <a:r>
+              <a:rPr lang="en-GB" b="1" dirty="0">
+                <a:solidFill>
+                  <a:srgbClr val="FF0000"/>
+                </a:solidFill>
+                <a:latin typeface="Times New Roman" panose="02020603050405020304" pitchFamily="18" charset="0"/>
+                <a:cs typeface="Times New Roman" panose="02020603050405020304" pitchFamily="18" charset="0"/>
+              </a:rPr>
+              <a:t>CIS-</a:t>
+            </a:r>
+            <a:r>
+              <a:rPr lang="en-GB" b="1" dirty="0" err="1">
+                <a:solidFill>
+                  <a:srgbClr val="FF0000"/>
+                </a:solidFill>
+                <a:latin typeface="Times New Roman" panose="02020603050405020304" pitchFamily="18" charset="0"/>
+                <a:cs typeface="Times New Roman" panose="02020603050405020304" pitchFamily="18" charset="0"/>
+              </a:rPr>
+              <a:t>Nf</a:t>
+            </a:r>
+            <a:r>
+              <a:rPr lang="en-GB" b="1" dirty="0">
+                <a:solidFill>
+                  <a:srgbClr val="FF0000"/>
+                </a:solidFill>
+                <a:latin typeface="Times New Roman" panose="02020603050405020304" pitchFamily="18" charset="0"/>
+                <a:cs typeface="Times New Roman" panose="02020603050405020304" pitchFamily="18" charset="0"/>
+              </a:rPr>
+              <a:t> (new)</a:t>
+            </a:r>
+          </a:p>
+        </p:txBody>
+      </p:sp>
+      <p:sp>
+        <p:nvSpPr>
+          <p:cNvPr id="155" name="Rectangle 154">
+            <a:extLst>
+              <a:ext uri="{FF2B5EF4-FFF2-40B4-BE49-F238E27FC236}">
+                <a16:creationId xmlns:a16="http://schemas.microsoft.com/office/drawing/2014/main" id="{35C1D449-4DB3-EB4F-91BD-17DB46B6CCC1}"/>
+              </a:ext>
+            </a:extLst>
+          </p:cNvPr>
+          <p:cNvSpPr/>
+          <p:nvPr/>
+        </p:nvSpPr>
+        <p:spPr>
+          <a:xfrm>
+            <a:off x="13454696" y="3958288"/>
+            <a:ext cx="743638" cy="4254194"/>
+          </a:xfrm>
+          <a:prstGeom prst="rect">
+            <a:avLst/>
+          </a:prstGeom>
+          <a:solidFill>
+            <a:srgbClr val="7030A0">
+              <a:alpha val="30000"/>
+            </a:srgbClr>
+          </a:solidFill>
+          <a:ln>
+            <a:noFill/>
+          </a:ln>
+        </p:spPr>
+        <p:style>
+          <a:lnRef idx="2">
+            <a:schemeClr val="accent1">
+              <a:shade val="50000"/>
+            </a:schemeClr>
+          </a:lnRef>
+          <a:fillRef idx="1">
+            <a:schemeClr val="accent1"/>
+          </a:fillRef>
+          <a:effectRef idx="0">
+            <a:schemeClr val="accent1"/>
+          </a:effectRef>
+          <a:fontRef idx="minor">
+            <a:schemeClr val="lt1"/>
+          </a:fontRef>
+        </p:style>
+        <p:txBody>
+          <a:bodyPr rtlCol="0" anchor="ctr"/>
+          <a:lstStyle/>
+          <a:p>
+            <a:pPr algn="ctr"/>
+            <a:endParaRPr lang="en-GB"/>
+          </a:p>
+        </p:txBody>
+      </p:sp>
+      <p:cxnSp>
+        <p:nvCxnSpPr>
+          <p:cNvPr id="156" name="Straight Connector 155">
+            <a:extLst>
+              <a:ext uri="{FF2B5EF4-FFF2-40B4-BE49-F238E27FC236}">
+                <a16:creationId xmlns:a16="http://schemas.microsoft.com/office/drawing/2014/main" id="{74442D55-5802-2943-B42B-FBC79E485326}"/>
+              </a:ext>
+            </a:extLst>
+          </p:cNvPr>
+          <p:cNvCxnSpPr>
+            <a:cxnSpLocks/>
+            <a:stCxn id="11" idx="2"/>
+          </p:cNvCxnSpPr>
+          <p:nvPr/>
+        </p:nvCxnSpPr>
+        <p:spPr>
+          <a:xfrm>
+            <a:off x="4403086" y="8212482"/>
+            <a:ext cx="0" cy="246989"/>
+          </a:xfrm>
+          <a:prstGeom prst="line">
+            <a:avLst/>
+          </a:prstGeom>
+          <a:ln w="38100">
+            <a:headEnd type="oval"/>
+            <a:tailEnd type="oval"/>
+          </a:ln>
+        </p:spPr>
+        <p:style>
+          <a:lnRef idx="3">
+            <a:schemeClr val="dk1"/>
+          </a:lnRef>
+          <a:fillRef idx="0">
+            <a:schemeClr val="dk1"/>
+          </a:fillRef>
+          <a:effectRef idx="2">
+            <a:schemeClr val="dk1"/>
+          </a:effectRef>
+          <a:fontRef idx="minor">
+            <a:schemeClr val="tx1"/>
+          </a:fontRef>
+        </p:style>
+      </p:cxnSp>
+      <p:sp>
+        <p:nvSpPr>
+          <p:cNvPr id="160" name="TextBox 159">
+            <a:extLst>
+              <a:ext uri="{FF2B5EF4-FFF2-40B4-BE49-F238E27FC236}">
+                <a16:creationId xmlns:a16="http://schemas.microsoft.com/office/drawing/2014/main" id="{DB148D99-1127-AC4C-AFA6-D9A5C7DB7FC0}"/>
+              </a:ext>
+            </a:extLst>
+          </p:cNvPr>
+          <p:cNvSpPr txBox="1"/>
+          <p:nvPr/>
+        </p:nvSpPr>
+        <p:spPr>
+          <a:xfrm>
+            <a:off x="3792131" y="8182088"/>
+            <a:ext cx="622735" cy="307777"/>
+          </a:xfrm>
+          <a:prstGeom prst="rect">
+            <a:avLst/>
+          </a:prstGeom>
+          <a:noFill/>
+        </p:spPr>
+        <p:txBody>
+          <a:bodyPr wrap="none" rtlCol="0">
+            <a:spAutoFit/>
+          </a:bodyPr>
+          <a:lstStyle/>
+          <a:p>
+            <a:r>
+              <a:rPr lang="en-GB" sz="1400" dirty="0">
+                <a:latin typeface="Times New Roman" panose="02020603050405020304" pitchFamily="18" charset="0"/>
+                <a:cs typeface="Times New Roman" panose="02020603050405020304" pitchFamily="18" charset="0"/>
+              </a:rPr>
+              <a:t>Vi-Ha</a:t>
+            </a:r>
+          </a:p>
+        </p:txBody>
+      </p:sp>
+      <p:cxnSp>
+        <p:nvCxnSpPr>
+          <p:cNvPr id="173" name="Straight Connector 172">
+            <a:extLst>
+              <a:ext uri="{FF2B5EF4-FFF2-40B4-BE49-F238E27FC236}">
+                <a16:creationId xmlns:a16="http://schemas.microsoft.com/office/drawing/2014/main" id="{D281BF10-990F-734B-B578-F2547D648A4B}"/>
+              </a:ext>
+            </a:extLst>
+          </p:cNvPr>
+          <p:cNvCxnSpPr>
+            <a:cxnSpLocks/>
+            <a:stCxn id="16" idx="0"/>
+            <a:endCxn id="40" idx="2"/>
+          </p:cNvCxnSpPr>
+          <p:nvPr/>
+        </p:nvCxnSpPr>
+        <p:spPr>
+          <a:xfrm flipV="1">
+            <a:off x="6311954" y="6432383"/>
+            <a:ext cx="15369" cy="235265"/>
+          </a:xfrm>
+          <a:prstGeom prst="line">
+            <a:avLst/>
+          </a:prstGeom>
+          <a:ln w="38100">
+            <a:headEnd type="oval"/>
+            <a:tailEnd type="oval"/>
+          </a:ln>
+        </p:spPr>
+        <p:style>
+          <a:lnRef idx="3">
+            <a:schemeClr val="dk1"/>
+          </a:lnRef>
+          <a:fillRef idx="0">
+            <a:schemeClr val="dk1"/>
+          </a:fillRef>
+          <a:effectRef idx="2">
+            <a:schemeClr val="dk1"/>
+          </a:effectRef>
+          <a:fontRef idx="minor">
+            <a:schemeClr val="tx1"/>
+          </a:fontRef>
+        </p:style>
+      </p:cxnSp>
+      <p:sp>
+        <p:nvSpPr>
+          <p:cNvPr id="176" name="TextBox 175">
+            <a:extLst>
+              <a:ext uri="{FF2B5EF4-FFF2-40B4-BE49-F238E27FC236}">
+                <a16:creationId xmlns:a16="http://schemas.microsoft.com/office/drawing/2014/main" id="{0FE5D71A-145F-704E-AC35-C3F4574684F7}"/>
+              </a:ext>
+            </a:extLst>
+          </p:cNvPr>
+          <p:cNvSpPr txBox="1"/>
+          <p:nvPr/>
+        </p:nvSpPr>
+        <p:spPr>
+          <a:xfrm>
+            <a:off x="5688413" y="6422544"/>
+            <a:ext cx="652743" cy="307777"/>
+          </a:xfrm>
+          <a:prstGeom prst="rect">
+            <a:avLst/>
+          </a:prstGeom>
+          <a:noFill/>
+        </p:spPr>
+        <p:txBody>
+          <a:bodyPr wrap="none" rtlCol="0">
+            <a:spAutoFit/>
+          </a:bodyPr>
+          <a:lstStyle/>
+          <a:p>
+            <a:r>
+              <a:rPr lang="en-GB" sz="1400" dirty="0" err="1">
+                <a:latin typeface="Times New Roman" panose="02020603050405020304" pitchFamily="18" charset="0"/>
+                <a:cs typeface="Times New Roman" panose="02020603050405020304" pitchFamily="18" charset="0"/>
+              </a:rPr>
+              <a:t>Vn-Nf</a:t>
+            </a:r>
+            <a:endParaRPr lang="en-GB" sz="1400" dirty="0">
+              <a:latin typeface="Times New Roman" panose="02020603050405020304" pitchFamily="18" charset="0"/>
+              <a:cs typeface="Times New Roman" panose="02020603050405020304" pitchFamily="18" charset="0"/>
+            </a:endParaRPr>
+          </a:p>
+        </p:txBody>
+      </p:sp>
+      <p:sp>
+        <p:nvSpPr>
+          <p:cNvPr id="177" name="Rectangle 176">
+            <a:extLst>
+              <a:ext uri="{FF2B5EF4-FFF2-40B4-BE49-F238E27FC236}">
+                <a16:creationId xmlns:a16="http://schemas.microsoft.com/office/drawing/2014/main" id="{37116767-751E-7841-9AC1-F83DCB61B5DD}"/>
+              </a:ext>
+            </a:extLst>
+          </p:cNvPr>
+          <p:cNvSpPr/>
+          <p:nvPr/>
+        </p:nvSpPr>
+        <p:spPr>
+          <a:xfrm>
+            <a:off x="2104065" y="6481690"/>
+            <a:ext cx="11350631" cy="219410"/>
+          </a:xfrm>
+          <a:prstGeom prst="rect">
+            <a:avLst/>
+          </a:prstGeom>
+          <a:solidFill>
+            <a:srgbClr val="7030A0">
+              <a:alpha val="30000"/>
+            </a:srgbClr>
+          </a:solidFill>
+          <a:ln>
+            <a:noFill/>
+          </a:ln>
+        </p:spPr>
+        <p:style>
+          <a:lnRef idx="2">
+            <a:schemeClr val="accent1">
+              <a:shade val="50000"/>
+            </a:schemeClr>
+          </a:lnRef>
+          <a:fillRef idx="1">
+            <a:schemeClr val="accent1"/>
+          </a:fillRef>
+          <a:effectRef idx="0">
+            <a:schemeClr val="accent1"/>
+          </a:effectRef>
+          <a:fontRef idx="minor">
+            <a:schemeClr val="lt1"/>
+          </a:fontRef>
+        </p:style>
+        <p:txBody>
+          <a:bodyPr rtlCol="0" anchor="ctr"/>
+          <a:lstStyle/>
+          <a:p>
+            <a:pPr algn="ctr"/>
+            <a:endParaRPr lang="en-GB" dirty="0"/>
+          </a:p>
+        </p:txBody>
+      </p:sp>
+      <p:sp>
+        <p:nvSpPr>
+          <p:cNvPr id="178" name="Rectangle 177">
+            <a:extLst>
+              <a:ext uri="{FF2B5EF4-FFF2-40B4-BE49-F238E27FC236}">
+                <a16:creationId xmlns:a16="http://schemas.microsoft.com/office/drawing/2014/main" id="{C5E753A5-6592-5A4E-ACAA-0E9540FC6BA3}"/>
+              </a:ext>
+            </a:extLst>
+          </p:cNvPr>
+          <p:cNvSpPr/>
+          <p:nvPr/>
+        </p:nvSpPr>
+        <p:spPr>
+          <a:xfrm>
+            <a:off x="12180594" y="3958289"/>
+            <a:ext cx="1270061" cy="570055"/>
+          </a:xfrm>
+          <a:prstGeom prst="rect">
+            <a:avLst/>
+          </a:prstGeom>
+          <a:solidFill>
+            <a:srgbClr val="7030A0">
+              <a:alpha val="30000"/>
+            </a:srgbClr>
+          </a:solidFill>
+          <a:ln>
+            <a:noFill/>
+          </a:ln>
+        </p:spPr>
+        <p:style>
+          <a:lnRef idx="2">
+            <a:schemeClr val="accent1">
+              <a:shade val="50000"/>
+            </a:schemeClr>
+          </a:lnRef>
+          <a:fillRef idx="1">
+            <a:schemeClr val="accent1"/>
+          </a:fillRef>
+          <a:effectRef idx="0">
+            <a:schemeClr val="accent1"/>
+          </a:effectRef>
+          <a:fontRef idx="minor">
+            <a:schemeClr val="lt1"/>
+          </a:fontRef>
+        </p:style>
+        <p:txBody>
+          <a:bodyPr rtlCol="0" anchor="ctr"/>
+          <a:lstStyle/>
+          <a:p>
+            <a:pPr algn="ctr"/>
+            <a:endParaRPr lang="en-GB" dirty="0"/>
+          </a:p>
+        </p:txBody>
+      </p:sp>
+      <p:sp>
+        <p:nvSpPr>
+          <p:cNvPr id="180" name="TextBox 179">
+            <a:extLst>
+              <a:ext uri="{FF2B5EF4-FFF2-40B4-BE49-F238E27FC236}">
+                <a16:creationId xmlns:a16="http://schemas.microsoft.com/office/drawing/2014/main" id="{398D588F-DC6C-9047-BCD8-46F2183347B3}"/>
+              </a:ext>
+            </a:extLst>
+          </p:cNvPr>
+          <p:cNvSpPr txBox="1"/>
+          <p:nvPr/>
+        </p:nvSpPr>
+        <p:spPr>
+          <a:xfrm>
+            <a:off x="15038718" y="5439021"/>
+            <a:ext cx="1835689" cy="983523"/>
+          </a:xfrm>
+          <a:prstGeom prst="rect">
+            <a:avLst/>
+          </a:prstGeom>
+          <a:noFill/>
+        </p:spPr>
+        <p:txBody>
+          <a:bodyPr wrap="square" rtlCol="0">
+            <a:normAutofit/>
+          </a:bodyPr>
+          <a:lstStyle/>
+          <a:p>
+            <a:r>
+              <a:rPr lang="en-GB" dirty="0">
+                <a:latin typeface="Times New Roman" panose="02020603050405020304" pitchFamily="18" charset="0"/>
+                <a:cs typeface="Times New Roman" panose="02020603050405020304" pitchFamily="18" charset="0"/>
+              </a:rPr>
+              <a:t>Existing API / Interface scope of CNTT</a:t>
+            </a:r>
+          </a:p>
+        </p:txBody>
+      </p:sp>
+      <p:sp>
+        <p:nvSpPr>
+          <p:cNvPr id="181" name="TextBox 180">
+            <a:extLst>
+              <a:ext uri="{FF2B5EF4-FFF2-40B4-BE49-F238E27FC236}">
+                <a16:creationId xmlns:a16="http://schemas.microsoft.com/office/drawing/2014/main" id="{AFD19C78-A26B-4A4C-9976-E620CA3C6608}"/>
+              </a:ext>
+            </a:extLst>
+          </p:cNvPr>
+          <p:cNvSpPr txBox="1"/>
+          <p:nvPr/>
+        </p:nvSpPr>
+        <p:spPr>
+          <a:xfrm>
+            <a:off x="14902156" y="2504185"/>
+            <a:ext cx="2973871" cy="983524"/>
+          </a:xfrm>
+          <a:prstGeom prst="rect">
+            <a:avLst/>
+          </a:prstGeom>
+          <a:noFill/>
+        </p:spPr>
+        <p:txBody>
+          <a:bodyPr wrap="square" lIns="90000" rtlCol="0">
+            <a:normAutofit/>
+          </a:bodyPr>
+          <a:lstStyle/>
+          <a:p>
+            <a:r>
+              <a:rPr lang="en-GB" dirty="0">
+                <a:latin typeface="Times New Roman" panose="02020603050405020304" pitchFamily="18" charset="0"/>
+                <a:cs typeface="Times New Roman" panose="02020603050405020304" pitchFamily="18" charset="0"/>
+              </a:rPr>
+              <a:t>Additional new API / Interface scope of CNTT for Kubernetes RA</a:t>
+            </a:r>
+          </a:p>
+        </p:txBody>
+      </p:sp>
+      <p:cxnSp>
+        <p:nvCxnSpPr>
+          <p:cNvPr id="183" name="Straight Arrow Connector 182">
+            <a:extLst>
+              <a:ext uri="{FF2B5EF4-FFF2-40B4-BE49-F238E27FC236}">
+                <a16:creationId xmlns:a16="http://schemas.microsoft.com/office/drawing/2014/main" id="{C86E73C7-6EF1-7144-A206-769E6C79E6A0}"/>
+              </a:ext>
+            </a:extLst>
+          </p:cNvPr>
+          <p:cNvCxnSpPr>
+            <a:cxnSpLocks/>
+            <a:stCxn id="181" idx="1"/>
+            <a:endCxn id="146" idx="3"/>
+          </p:cNvCxnSpPr>
+          <p:nvPr/>
+        </p:nvCxnSpPr>
+        <p:spPr>
+          <a:xfrm flipH="1">
+            <a:off x="12180594" y="2995947"/>
+            <a:ext cx="2721562" cy="1243302"/>
+          </a:xfrm>
+          <a:prstGeom prst="straightConnector1">
+            <a:avLst/>
+          </a:prstGeom>
+          <a:ln w="9525" cap="flat" cmpd="sng" algn="ctr">
+            <a:solidFill>
+              <a:schemeClr val="dk1"/>
+            </a:solidFill>
+            <a:prstDash val="solid"/>
+            <a:round/>
+            <a:headEnd type="none" w="med" len="med"/>
+            <a:tailEnd type="arrow" w="med" len="med"/>
+          </a:ln>
+        </p:spPr>
+        <p:style>
+          <a:lnRef idx="0">
+            <a:scrgbClr r="0" g="0" b="0"/>
+          </a:lnRef>
+          <a:fillRef idx="0">
+            <a:scrgbClr r="0" g="0" b="0"/>
+          </a:fillRef>
+          <a:effectRef idx="0">
+            <a:scrgbClr r="0" g="0" b="0"/>
+          </a:effectRef>
+          <a:fontRef idx="minor">
+            <a:schemeClr val="tx1"/>
+          </a:fontRef>
+        </p:style>
+      </p:cxnSp>
+      <p:cxnSp>
+        <p:nvCxnSpPr>
+          <p:cNvPr id="185" name="Straight Arrow Connector 184">
+            <a:extLst>
+              <a:ext uri="{FF2B5EF4-FFF2-40B4-BE49-F238E27FC236}">
+                <a16:creationId xmlns:a16="http://schemas.microsoft.com/office/drawing/2014/main" id="{359DF698-8C88-7F48-9052-EB761C57D685}"/>
+              </a:ext>
+            </a:extLst>
+          </p:cNvPr>
+          <p:cNvCxnSpPr>
+            <a:cxnSpLocks/>
+            <a:stCxn id="180" idx="1"/>
+            <a:endCxn id="155" idx="3"/>
+          </p:cNvCxnSpPr>
+          <p:nvPr/>
+        </p:nvCxnSpPr>
+        <p:spPr>
+          <a:xfrm flipH="1">
+            <a:off x="14198334" y="5930783"/>
+            <a:ext cx="840384" cy="154602"/>
+          </a:xfrm>
+          <a:prstGeom prst="straightConnector1">
+            <a:avLst/>
+          </a:prstGeom>
+          <a:ln w="9525" cap="flat" cmpd="sng" algn="ctr">
+            <a:solidFill>
+              <a:schemeClr val="dk1"/>
+            </a:solidFill>
+            <a:prstDash val="solid"/>
+            <a:round/>
+            <a:headEnd type="none" w="med" len="med"/>
+            <a:tailEnd type="arrow" w="med" len="med"/>
+          </a:ln>
+        </p:spPr>
+        <p:style>
+          <a:lnRef idx="0">
+            <a:scrgbClr r="0" g="0" b="0"/>
+          </a:lnRef>
+          <a:fillRef idx="0">
+            <a:scrgbClr r="0" g="0" b="0"/>
+          </a:fillRef>
+          <a:effectRef idx="0">
+            <a:scrgbClr r="0" g="0" b="0"/>
+          </a:effectRef>
+          <a:fontRef idx="minor">
+            <a:schemeClr val="tx1"/>
+          </a:fontRef>
+        </p:style>
+      </p:cxnSp>
+    </p:spTree>
+    <p:extLst>
+      <p:ext uri="{BB962C8B-B14F-4D97-AF65-F5344CB8AC3E}">
+        <p14:creationId xmlns:p14="http://schemas.microsoft.com/office/powerpoint/2010/main" val="1278311906"/>
+      </p:ext>
+    </p:extLst>
+  </p:cSld>
+  <p:clrMapOvr>
+    <a:masterClrMapping/>
+  </p:clrMapOvr>
+</p:sld>
+</file>
+
 <file path=ppt/theme/theme1.xml><?xml version="1.0" encoding="utf-8"?>
 <a:theme xmlns:a="http://schemas.openxmlformats.org/drawingml/2006/main" name="Office Theme">
   <a:themeElements>
-    <a:clrScheme name="Office">
+    <a:clrScheme name="Office Theme">
       <a:dk1>
         <a:sysClr val="windowText" lastClr="000000"/>
       </a:dk1>
@@ -11176,7 +18556,7 @@
         <a:srgbClr val="954F72"/>
       </a:folHlink>
     </a:clrScheme>
-    <a:fontScheme name="Office">
+    <a:fontScheme name="Office Theme">
       <a:majorFont>
         <a:latin typeface="Calibri Light" panose="020F0302020204030204"/>
         <a:ea typeface=""/>
@@ -11211,23 +18591,6 @@
         <a:font script="Viet" typeface="Times New Roman"/>
         <a:font script="Uigh" typeface="Microsoft Uighur"/>
         <a:font script="Geor" typeface="Sylfaen"/>
-        <a:font script="Armn" typeface="Arial"/>
-        <a:font script="Bugi" typeface="Leelawadee UI"/>
-        <a:font script="Bopo" typeface="Microsoft JhengHei"/>
-        <a:font script="Java" typeface="Javanese Text"/>
-        <a:font script="Lisu" typeface="Segoe UI"/>
-        <a:font script="Mymr" typeface="Myanmar Text"/>
-        <a:font script="Nkoo" typeface="Ebrima"/>
-        <a:font script="Olck" typeface="Nirmala UI"/>
-        <a:font script="Osma" typeface="Ebrima"/>
-        <a:font script="Phag" typeface="Phagspa"/>
-        <a:font script="Syrn" typeface="Estrangelo Edessa"/>
-        <a:font script="Syrj" typeface="Estrangelo Edessa"/>
-        <a:font script="Syre" typeface="Estrangelo Edessa"/>
-        <a:font script="Sora" typeface="Nirmala UI"/>
-        <a:font script="Tale" typeface="Microsoft Tai Le"/>
-        <a:font script="Talu" typeface="Microsoft New Tai Lue"/>
-        <a:font script="Tfng" typeface="Ebrima"/>
       </a:majorFont>
       <a:minorFont>
         <a:latin typeface="Calibri" panose="020F0502020204030204"/>
@@ -11263,26 +18626,9 @@
         <a:font script="Viet" typeface="Arial"/>
         <a:font script="Uigh" typeface="Microsoft Uighur"/>
         <a:font script="Geor" typeface="Sylfaen"/>
-        <a:font script="Armn" typeface="Arial"/>
-        <a:font script="Bugi" typeface="Leelawadee UI"/>
-        <a:font script="Bopo" typeface="Microsoft JhengHei"/>
-        <a:font script="Java" typeface="Javanese Text"/>
-        <a:font script="Lisu" typeface="Segoe UI"/>
-        <a:font script="Mymr" typeface="Myanmar Text"/>
-        <a:font script="Nkoo" typeface="Ebrima"/>
-        <a:font script="Olck" typeface="Nirmala UI"/>
-        <a:font script="Osma" typeface="Ebrima"/>
-        <a:font script="Phag" typeface="Phagspa"/>
-        <a:font script="Syrn" typeface="Estrangelo Edessa"/>
-        <a:font script="Syrj" typeface="Estrangelo Edessa"/>
-        <a:font script="Syre" typeface="Estrangelo Edessa"/>
-        <a:font script="Sora" typeface="Nirmala UI"/>
-        <a:font script="Tale" typeface="Microsoft Tai Le"/>
-        <a:font script="Talu" typeface="Microsoft New Tai Lue"/>
-        <a:font script="Tfng" typeface="Ebrima"/>
       </a:minorFont>
     </a:fontScheme>
-    <a:fmtScheme name="Office">
+    <a:fmtScheme name="Office Theme">
       <a:fillStyleLst>
         <a:solidFill>
           <a:schemeClr val="phClr"/>

--- a/doc/ref_arch/kubernetes/figures/k8s-ref-arch-figures.pptx
+++ b/doc/ref_arch/kubernetes/figures/k8s-ref-arch-figures.pptx
@@ -7,6 +7,8 @@
   <p:sldIdLst>
     <p:sldId id="1078" r:id="rId2"/>
     <p:sldId id="1079" r:id="rId3"/>
+    <p:sldId id="1080" r:id="rId4"/>
+    <p:sldId id="1081" r:id="rId5"/>
   </p:sldIdLst>
   <p:sldSz cx="18291175" cy="10288588"/>
   <p:notesSz cx="6858000" cy="9144000"/>
@@ -244,7 +246,7 @@
           <a:p>
             <a:fld id="{F9D3E6FF-AC24-BE43-AFD3-27417514DD0F}" type="datetimeFigureOut">
               <a:rPr lang="en-GB" smtClean="0"/>
-              <a:t>29/10/2019</a:t>
+              <a:t>04/11/2019</a:t>
             </a:fld>
             <a:endParaRPr lang="en-GB"/>
           </a:p>
@@ -414,7 +416,7 @@
           <a:p>
             <a:fld id="{F9D3E6FF-AC24-BE43-AFD3-27417514DD0F}" type="datetimeFigureOut">
               <a:rPr lang="en-GB" smtClean="0"/>
-              <a:t>29/10/2019</a:t>
+              <a:t>04/11/2019</a:t>
             </a:fld>
             <a:endParaRPr lang="en-GB"/>
           </a:p>
@@ -594,7 +596,7 @@
           <a:p>
             <a:fld id="{F9D3E6FF-AC24-BE43-AFD3-27417514DD0F}" type="datetimeFigureOut">
               <a:rPr lang="en-GB" smtClean="0"/>
-              <a:t>29/10/2019</a:t>
+              <a:t>04/11/2019</a:t>
             </a:fld>
             <a:endParaRPr lang="en-GB"/>
           </a:p>
@@ -764,7 +766,7 @@
           <a:p>
             <a:fld id="{F9D3E6FF-AC24-BE43-AFD3-27417514DD0F}" type="datetimeFigureOut">
               <a:rPr lang="en-GB" smtClean="0"/>
-              <a:t>29/10/2019</a:t>
+              <a:t>04/11/2019</a:t>
             </a:fld>
             <a:endParaRPr lang="en-GB"/>
           </a:p>
@@ -1010,7 +1012,7 @@
           <a:p>
             <a:fld id="{F9D3E6FF-AC24-BE43-AFD3-27417514DD0F}" type="datetimeFigureOut">
               <a:rPr lang="en-GB" smtClean="0"/>
-              <a:t>29/10/2019</a:t>
+              <a:t>04/11/2019</a:t>
             </a:fld>
             <a:endParaRPr lang="en-GB"/>
           </a:p>
@@ -1242,7 +1244,7 @@
           <a:p>
             <a:fld id="{F9D3E6FF-AC24-BE43-AFD3-27417514DD0F}" type="datetimeFigureOut">
               <a:rPr lang="en-GB" smtClean="0"/>
-              <a:t>29/10/2019</a:t>
+              <a:t>04/11/2019</a:t>
             </a:fld>
             <a:endParaRPr lang="en-GB"/>
           </a:p>
@@ -1609,7 +1611,7 @@
           <a:p>
             <a:fld id="{F9D3E6FF-AC24-BE43-AFD3-27417514DD0F}" type="datetimeFigureOut">
               <a:rPr lang="en-GB" smtClean="0"/>
-              <a:t>29/10/2019</a:t>
+              <a:t>04/11/2019</a:t>
             </a:fld>
             <a:endParaRPr lang="en-GB"/>
           </a:p>
@@ -1727,7 +1729,7 @@
           <a:p>
             <a:fld id="{F9D3E6FF-AC24-BE43-AFD3-27417514DD0F}" type="datetimeFigureOut">
               <a:rPr lang="en-GB" smtClean="0"/>
-              <a:t>29/10/2019</a:t>
+              <a:t>04/11/2019</a:t>
             </a:fld>
             <a:endParaRPr lang="en-GB"/>
           </a:p>
@@ -1822,7 +1824,7 @@
           <a:p>
             <a:fld id="{F9D3E6FF-AC24-BE43-AFD3-27417514DD0F}" type="datetimeFigureOut">
               <a:rPr lang="en-GB" smtClean="0"/>
-              <a:t>29/10/2019</a:t>
+              <a:t>04/11/2019</a:t>
             </a:fld>
             <a:endParaRPr lang="en-GB"/>
           </a:p>
@@ -2099,7 +2101,7 @@
           <a:p>
             <a:fld id="{F9D3E6FF-AC24-BE43-AFD3-27417514DD0F}" type="datetimeFigureOut">
               <a:rPr lang="en-GB" smtClean="0"/>
-              <a:t>29/10/2019</a:t>
+              <a:t>04/11/2019</a:t>
             </a:fld>
             <a:endParaRPr lang="en-GB"/>
           </a:p>
@@ -2356,7 +2358,7 @@
           <a:p>
             <a:fld id="{F9D3E6FF-AC24-BE43-AFD3-27417514DD0F}" type="datetimeFigureOut">
               <a:rPr lang="en-GB" smtClean="0"/>
-              <a:t>29/10/2019</a:t>
+              <a:t>04/11/2019</a:t>
             </a:fld>
             <a:endParaRPr lang="en-GB"/>
           </a:p>
@@ -2569,7 +2571,7 @@
           <a:p>
             <a:fld id="{F9D3E6FF-AC24-BE43-AFD3-27417514DD0F}" type="datetimeFigureOut">
               <a:rPr lang="en-GB" smtClean="0"/>
-              <a:t>29/10/2019</a:t>
+              <a:t>04/11/2019</a:t>
             </a:fld>
             <a:endParaRPr lang="en-GB"/>
           </a:p>
@@ -18515,6 +18517,1954 @@
 </p:sld>
 </file>
 
+<file path=ppt/slides/slide3.xml><?xml version="1.0" encoding="utf-8"?>
+<p:sld xmlns:a="http://schemas.openxmlformats.org/drawingml/2006/main" xmlns:r="http://schemas.openxmlformats.org/officeDocument/2006/relationships" xmlns:p="http://schemas.openxmlformats.org/presentationml/2006/main">
+  <p:cSld>
+    <p:spTree>
+      <p:nvGrpSpPr>
+        <p:cNvPr id="1" name=""/>
+        <p:cNvGrpSpPr/>
+        <p:nvPr/>
+      </p:nvGrpSpPr>
+      <p:grpSpPr>
+        <a:xfrm>
+          <a:off x="0" y="0"/>
+          <a:ext cx="0" cy="0"/>
+          <a:chOff x="0" y="0"/>
+          <a:chExt cx="0" cy="0"/>
+        </a:xfrm>
+      </p:grpSpPr>
+      <p:sp>
+        <p:nvSpPr>
+          <p:cNvPr id="3" name="Rectangle 2">
+            <a:extLst>
+              <a:ext uri="{FF2B5EF4-FFF2-40B4-BE49-F238E27FC236}">
+                <a16:creationId xmlns:a16="http://schemas.microsoft.com/office/drawing/2014/main" id="{FA6F9065-698A-A04E-A3AE-068AFFCC8636}"/>
+              </a:ext>
+            </a:extLst>
+          </p:cNvPr>
+          <p:cNvSpPr/>
+          <p:nvPr/>
+        </p:nvSpPr>
+        <p:spPr>
+          <a:xfrm>
+            <a:off x="2079368" y="8271164"/>
+            <a:ext cx="8945648" cy="914400"/>
+          </a:xfrm>
+          <a:prstGeom prst="rect">
+            <a:avLst/>
+          </a:prstGeom>
+          <a:noFill/>
+          <a:ln w="9525" cap="flat" cmpd="sng" algn="ctr">
+            <a:solidFill>
+              <a:schemeClr val="dk1"/>
+            </a:solidFill>
+            <a:prstDash val="solid"/>
+            <a:round/>
+            <a:headEnd type="none" w="med" len="med"/>
+            <a:tailEnd type="none" w="med" len="med"/>
+          </a:ln>
+        </p:spPr>
+        <p:style>
+          <a:lnRef idx="0">
+            <a:scrgbClr r="0" g="0" b="0"/>
+          </a:lnRef>
+          <a:fillRef idx="0">
+            <a:scrgbClr r="0" g="0" b="0"/>
+          </a:fillRef>
+          <a:effectRef idx="0">
+            <a:scrgbClr r="0" g="0" b="0"/>
+          </a:effectRef>
+          <a:fontRef idx="minor">
+            <a:schemeClr val="dk1"/>
+          </a:fontRef>
+        </p:style>
+        <p:txBody>
+          <a:bodyPr rtlCol="0" anchor="ctr"/>
+          <a:lstStyle/>
+          <a:p>
+            <a:pPr algn="ctr"/>
+            <a:r>
+              <a:rPr lang="en-GB" dirty="0"/>
+              <a:t>Physical / virtual compute, storage and network infrastructure</a:t>
+            </a:r>
+          </a:p>
+          <a:p>
+            <a:pPr algn="ctr"/>
+            <a:r>
+              <a:rPr lang="en-GB" dirty="0"/>
+              <a:t>(aligns with NFVI)</a:t>
+            </a:r>
+          </a:p>
+        </p:txBody>
+      </p:sp>
+      <p:sp>
+        <p:nvSpPr>
+          <p:cNvPr id="4" name="Rectangle 3">
+            <a:extLst>
+              <a:ext uri="{FF2B5EF4-FFF2-40B4-BE49-F238E27FC236}">
+                <a16:creationId xmlns:a16="http://schemas.microsoft.com/office/drawing/2014/main" id="{05FE15C6-9888-3649-9E7D-7A1AAF9B2D32}"/>
+              </a:ext>
+            </a:extLst>
+          </p:cNvPr>
+          <p:cNvSpPr/>
+          <p:nvPr/>
+        </p:nvSpPr>
+        <p:spPr>
+          <a:xfrm>
+            <a:off x="13330875" y="8271164"/>
+            <a:ext cx="3405447" cy="914400"/>
+          </a:xfrm>
+          <a:prstGeom prst="rect">
+            <a:avLst/>
+          </a:prstGeom>
+          <a:noFill/>
+          <a:ln w="9525" cap="flat" cmpd="sng" algn="ctr">
+            <a:solidFill>
+              <a:schemeClr val="dk1"/>
+            </a:solidFill>
+            <a:prstDash val="solid"/>
+            <a:round/>
+            <a:headEnd type="none" w="med" len="med"/>
+            <a:tailEnd type="none" w="med" len="med"/>
+          </a:ln>
+        </p:spPr>
+        <p:style>
+          <a:lnRef idx="0">
+            <a:scrgbClr r="0" g="0" b="0"/>
+          </a:lnRef>
+          <a:fillRef idx="0">
+            <a:scrgbClr r="0" g="0" b="0"/>
+          </a:fillRef>
+          <a:effectRef idx="0">
+            <a:scrgbClr r="0" g="0" b="0"/>
+          </a:effectRef>
+          <a:fontRef idx="minor">
+            <a:schemeClr val="dk1"/>
+          </a:fontRef>
+        </p:style>
+        <p:txBody>
+          <a:bodyPr rtlCol="0" anchor="ctr"/>
+          <a:lstStyle/>
+          <a:p>
+            <a:pPr algn="ctr"/>
+            <a:r>
+              <a:rPr lang="en-GB" dirty="0"/>
+              <a:t>Virtual or physical infrastructure management (largely aligns with VIM)</a:t>
+            </a:r>
+          </a:p>
+        </p:txBody>
+      </p:sp>
+      <p:sp>
+        <p:nvSpPr>
+          <p:cNvPr id="6" name="Rectangle 5">
+            <a:extLst>
+              <a:ext uri="{FF2B5EF4-FFF2-40B4-BE49-F238E27FC236}">
+                <a16:creationId xmlns:a16="http://schemas.microsoft.com/office/drawing/2014/main" id="{42D46E01-C510-2D4A-AF49-59A82FAD5160}"/>
+              </a:ext>
+            </a:extLst>
+          </p:cNvPr>
+          <p:cNvSpPr/>
+          <p:nvPr/>
+        </p:nvSpPr>
+        <p:spPr>
+          <a:xfrm>
+            <a:off x="2079368" y="1652646"/>
+            <a:ext cx="4380808" cy="6133610"/>
+          </a:xfrm>
+          <a:prstGeom prst="rect">
+            <a:avLst/>
+          </a:prstGeom>
+          <a:noFill/>
+          <a:ln w="9525" cap="flat" cmpd="sng" algn="ctr">
+            <a:solidFill>
+              <a:schemeClr val="dk1"/>
+            </a:solidFill>
+            <a:prstDash val="solid"/>
+            <a:round/>
+            <a:headEnd type="none" w="med" len="med"/>
+            <a:tailEnd type="none" w="med" len="med"/>
+          </a:ln>
+        </p:spPr>
+        <p:style>
+          <a:lnRef idx="0">
+            <a:scrgbClr r="0" g="0" b="0"/>
+          </a:lnRef>
+          <a:fillRef idx="0">
+            <a:scrgbClr r="0" g="0" b="0"/>
+          </a:fillRef>
+          <a:effectRef idx="0">
+            <a:scrgbClr r="0" g="0" b="0"/>
+          </a:effectRef>
+          <a:fontRef idx="minor">
+            <a:schemeClr val="dk1"/>
+          </a:fontRef>
+        </p:style>
+        <p:txBody>
+          <a:bodyPr rtlCol="0" anchor="b"/>
+          <a:lstStyle/>
+          <a:p>
+            <a:pPr algn="ctr"/>
+            <a:r>
+              <a:rPr lang="en-GB" dirty="0"/>
+              <a:t>Kubernetes Worker Node Machine (Virtual / Physical)</a:t>
+            </a:r>
+          </a:p>
+        </p:txBody>
+      </p:sp>
+      <p:sp>
+        <p:nvSpPr>
+          <p:cNvPr id="10" name="Rectangle 9">
+            <a:extLst>
+              <a:ext uri="{FF2B5EF4-FFF2-40B4-BE49-F238E27FC236}">
+                <a16:creationId xmlns:a16="http://schemas.microsoft.com/office/drawing/2014/main" id="{EE746E1A-5EB0-9841-8C9F-76BF8EFAC252}"/>
+              </a:ext>
+            </a:extLst>
+          </p:cNvPr>
+          <p:cNvSpPr/>
+          <p:nvPr/>
+        </p:nvSpPr>
+        <p:spPr>
+          <a:xfrm>
+            <a:off x="2456209" y="1995058"/>
+            <a:ext cx="3535682" cy="4525634"/>
+          </a:xfrm>
+          <a:prstGeom prst="rect">
+            <a:avLst/>
+          </a:prstGeom>
+          <a:noFill/>
+          <a:ln w="9525" cap="flat" cmpd="sng" algn="ctr">
+            <a:solidFill>
+              <a:schemeClr val="dk1"/>
+            </a:solidFill>
+            <a:prstDash val="solid"/>
+            <a:round/>
+            <a:headEnd type="none" w="med" len="med"/>
+            <a:tailEnd type="none" w="med" len="med"/>
+          </a:ln>
+        </p:spPr>
+        <p:style>
+          <a:lnRef idx="0">
+            <a:scrgbClr r="0" g="0" b="0"/>
+          </a:lnRef>
+          <a:fillRef idx="0">
+            <a:scrgbClr r="0" g="0" b="0"/>
+          </a:fillRef>
+          <a:effectRef idx="0">
+            <a:scrgbClr r="0" g="0" b="0"/>
+          </a:effectRef>
+          <a:fontRef idx="minor">
+            <a:schemeClr val="dk1"/>
+          </a:fontRef>
+        </p:style>
+        <p:txBody>
+          <a:bodyPr rtlCol="0" anchor="b"/>
+          <a:lstStyle/>
+          <a:p>
+            <a:pPr algn="ctr"/>
+            <a:r>
+              <a:rPr lang="en-GB" dirty="0"/>
+              <a:t>Kubernetes Container Runtime</a:t>
+            </a:r>
+          </a:p>
+        </p:txBody>
+      </p:sp>
+      <p:sp>
+        <p:nvSpPr>
+          <p:cNvPr id="13" name="Rectangle 12">
+            <a:extLst>
+              <a:ext uri="{FF2B5EF4-FFF2-40B4-BE49-F238E27FC236}">
+                <a16:creationId xmlns:a16="http://schemas.microsoft.com/office/drawing/2014/main" id="{1E5B8F27-16C3-B34E-883A-7DA6BA78E6AC}"/>
+              </a:ext>
+            </a:extLst>
+          </p:cNvPr>
+          <p:cNvSpPr/>
+          <p:nvPr/>
+        </p:nvSpPr>
+        <p:spPr>
+          <a:xfrm>
+            <a:off x="2217912" y="1829958"/>
+            <a:ext cx="4012277" cy="5177672"/>
+          </a:xfrm>
+          <a:prstGeom prst="rect">
+            <a:avLst/>
+          </a:prstGeom>
+          <a:noFill/>
+          <a:ln w="9525" cap="flat" cmpd="sng" algn="ctr">
+            <a:solidFill>
+              <a:schemeClr val="dk1"/>
+            </a:solidFill>
+            <a:prstDash val="solid"/>
+            <a:round/>
+            <a:headEnd type="none" w="med" len="med"/>
+            <a:tailEnd type="none" w="med" len="med"/>
+          </a:ln>
+        </p:spPr>
+        <p:style>
+          <a:lnRef idx="0">
+            <a:scrgbClr r="0" g="0" b="0"/>
+          </a:lnRef>
+          <a:fillRef idx="0">
+            <a:scrgbClr r="0" g="0" b="0"/>
+          </a:fillRef>
+          <a:effectRef idx="0">
+            <a:scrgbClr r="0" g="0" b="0"/>
+          </a:effectRef>
+          <a:fontRef idx="minor">
+            <a:schemeClr val="dk1"/>
+          </a:fontRef>
+        </p:style>
+        <p:txBody>
+          <a:bodyPr rtlCol="0" anchor="b"/>
+          <a:lstStyle/>
+          <a:p>
+            <a:pPr algn="ctr"/>
+            <a:r>
+              <a:rPr lang="en-GB" dirty="0"/>
+              <a:t>Kubernetes Worker Node OS</a:t>
+            </a:r>
+          </a:p>
+        </p:txBody>
+      </p:sp>
+      <p:sp>
+        <p:nvSpPr>
+          <p:cNvPr id="14" name="Rectangle 13">
+            <a:extLst>
+              <a:ext uri="{FF2B5EF4-FFF2-40B4-BE49-F238E27FC236}">
+                <a16:creationId xmlns:a16="http://schemas.microsoft.com/office/drawing/2014/main" id="{AE4E2F16-6B8B-A543-A910-55AE56ECD280}"/>
+              </a:ext>
+            </a:extLst>
+          </p:cNvPr>
+          <p:cNvSpPr/>
+          <p:nvPr/>
+        </p:nvSpPr>
+        <p:spPr>
+          <a:xfrm>
+            <a:off x="2720028" y="5180212"/>
+            <a:ext cx="3099487" cy="752404"/>
+          </a:xfrm>
+          <a:prstGeom prst="rect">
+            <a:avLst/>
+          </a:prstGeom>
+          <a:noFill/>
+          <a:ln w="9525" cap="flat" cmpd="sng" algn="ctr">
+            <a:solidFill>
+              <a:schemeClr val="dk1"/>
+            </a:solidFill>
+            <a:prstDash val="solid"/>
+            <a:round/>
+            <a:headEnd type="none" w="med" len="med"/>
+            <a:tailEnd type="none" w="med" len="med"/>
+          </a:ln>
+        </p:spPr>
+        <p:style>
+          <a:lnRef idx="0">
+            <a:scrgbClr r="0" g="0" b="0"/>
+          </a:lnRef>
+          <a:fillRef idx="0">
+            <a:scrgbClr r="0" g="0" b="0"/>
+          </a:fillRef>
+          <a:effectRef idx="0">
+            <a:scrgbClr r="0" g="0" b="0"/>
+          </a:effectRef>
+          <a:fontRef idx="minor">
+            <a:schemeClr val="dk1"/>
+          </a:fontRef>
+        </p:style>
+        <p:txBody>
+          <a:bodyPr rtlCol="0" anchor="ctr"/>
+          <a:lstStyle/>
+          <a:p>
+            <a:pPr algn="ctr"/>
+            <a:r>
+              <a:rPr lang="en-GB" dirty="0"/>
+              <a:t>Kubernetes Worker Node Services (</a:t>
+            </a:r>
+            <a:r>
+              <a:rPr lang="en-GB" dirty="0" err="1"/>
+              <a:t>kubelet</a:t>
+            </a:r>
+            <a:r>
+              <a:rPr lang="en-GB" dirty="0"/>
+              <a:t>, </a:t>
+            </a:r>
+            <a:r>
+              <a:rPr lang="en-GB" dirty="0" err="1"/>
+              <a:t>kube</a:t>
+            </a:r>
+            <a:r>
+              <a:rPr lang="en-GB" dirty="0"/>
+              <a:t>-proxy)</a:t>
+            </a:r>
+          </a:p>
+        </p:txBody>
+      </p:sp>
+      <p:sp>
+        <p:nvSpPr>
+          <p:cNvPr id="17" name="Rectangle 16">
+            <a:extLst>
+              <a:ext uri="{FF2B5EF4-FFF2-40B4-BE49-F238E27FC236}">
+                <a16:creationId xmlns:a16="http://schemas.microsoft.com/office/drawing/2014/main" id="{BA0B6D4B-96C2-5D40-A95E-123F8F05FCA0}"/>
+              </a:ext>
+            </a:extLst>
+          </p:cNvPr>
+          <p:cNvSpPr/>
+          <p:nvPr/>
+        </p:nvSpPr>
+        <p:spPr>
+          <a:xfrm>
+            <a:off x="6644208" y="4330700"/>
+            <a:ext cx="4380808" cy="3455555"/>
+          </a:xfrm>
+          <a:prstGeom prst="rect">
+            <a:avLst/>
+          </a:prstGeom>
+          <a:noFill/>
+          <a:ln w="9525" cap="flat" cmpd="sng" algn="ctr">
+            <a:solidFill>
+              <a:schemeClr val="dk1"/>
+            </a:solidFill>
+            <a:prstDash val="solid"/>
+            <a:round/>
+            <a:headEnd type="none" w="med" len="med"/>
+            <a:tailEnd type="none" w="med" len="med"/>
+          </a:ln>
+        </p:spPr>
+        <p:style>
+          <a:lnRef idx="0">
+            <a:scrgbClr r="0" g="0" b="0"/>
+          </a:lnRef>
+          <a:fillRef idx="0">
+            <a:scrgbClr r="0" g="0" b="0"/>
+          </a:fillRef>
+          <a:effectRef idx="0">
+            <a:scrgbClr r="0" g="0" b="0"/>
+          </a:effectRef>
+          <a:fontRef idx="minor">
+            <a:schemeClr val="dk1"/>
+          </a:fontRef>
+        </p:style>
+        <p:txBody>
+          <a:bodyPr rtlCol="0" anchor="b"/>
+          <a:lstStyle/>
+          <a:p>
+            <a:pPr algn="ctr"/>
+            <a:r>
+              <a:rPr lang="en-GB" dirty="0"/>
+              <a:t>Kubernetes Master Machine (Virtual / Physical)</a:t>
+            </a:r>
+          </a:p>
+        </p:txBody>
+      </p:sp>
+      <p:sp>
+        <p:nvSpPr>
+          <p:cNvPr id="18" name="Rectangle 17">
+            <a:extLst>
+              <a:ext uri="{FF2B5EF4-FFF2-40B4-BE49-F238E27FC236}">
+                <a16:creationId xmlns:a16="http://schemas.microsoft.com/office/drawing/2014/main" id="{E3D47BF8-098E-8D42-BC05-8694C7FF7B6B}"/>
+              </a:ext>
+            </a:extLst>
+          </p:cNvPr>
+          <p:cNvSpPr/>
+          <p:nvPr/>
+        </p:nvSpPr>
+        <p:spPr>
+          <a:xfrm>
+            <a:off x="7021049" y="4687094"/>
+            <a:ext cx="3535682" cy="1833597"/>
+          </a:xfrm>
+          <a:prstGeom prst="rect">
+            <a:avLst/>
+          </a:prstGeom>
+          <a:noFill/>
+          <a:ln w="9525" cap="flat" cmpd="sng" algn="ctr">
+            <a:solidFill>
+              <a:schemeClr val="dk1"/>
+            </a:solidFill>
+            <a:prstDash val="solid"/>
+            <a:round/>
+            <a:headEnd type="none" w="med" len="med"/>
+            <a:tailEnd type="none" w="med" len="med"/>
+          </a:ln>
+        </p:spPr>
+        <p:style>
+          <a:lnRef idx="0">
+            <a:scrgbClr r="0" g="0" b="0"/>
+          </a:lnRef>
+          <a:fillRef idx="0">
+            <a:scrgbClr r="0" g="0" b="0"/>
+          </a:fillRef>
+          <a:effectRef idx="0">
+            <a:scrgbClr r="0" g="0" b="0"/>
+          </a:effectRef>
+          <a:fontRef idx="minor">
+            <a:schemeClr val="dk1"/>
+          </a:fontRef>
+        </p:style>
+        <p:txBody>
+          <a:bodyPr rtlCol="0" anchor="b"/>
+          <a:lstStyle/>
+          <a:p>
+            <a:pPr algn="ctr"/>
+            <a:r>
+              <a:rPr lang="en-GB" dirty="0"/>
+              <a:t>Kubernetes Container Runtime</a:t>
+            </a:r>
+          </a:p>
+        </p:txBody>
+      </p:sp>
+      <p:sp>
+        <p:nvSpPr>
+          <p:cNvPr id="19" name="Rectangle 18">
+            <a:extLst>
+              <a:ext uri="{FF2B5EF4-FFF2-40B4-BE49-F238E27FC236}">
+                <a16:creationId xmlns:a16="http://schemas.microsoft.com/office/drawing/2014/main" id="{DE382B4E-2FBA-7B4E-81D3-43E8A6D78F95}"/>
+              </a:ext>
+            </a:extLst>
+          </p:cNvPr>
+          <p:cNvSpPr/>
+          <p:nvPr/>
+        </p:nvSpPr>
+        <p:spPr>
+          <a:xfrm>
+            <a:off x="6782752" y="4508500"/>
+            <a:ext cx="4012277" cy="2499129"/>
+          </a:xfrm>
+          <a:prstGeom prst="rect">
+            <a:avLst/>
+          </a:prstGeom>
+          <a:noFill/>
+          <a:ln w="9525" cap="flat" cmpd="sng" algn="ctr">
+            <a:solidFill>
+              <a:schemeClr val="dk1"/>
+            </a:solidFill>
+            <a:prstDash val="solid"/>
+            <a:round/>
+            <a:headEnd type="none" w="med" len="med"/>
+            <a:tailEnd type="none" w="med" len="med"/>
+          </a:ln>
+        </p:spPr>
+        <p:style>
+          <a:lnRef idx="0">
+            <a:scrgbClr r="0" g="0" b="0"/>
+          </a:lnRef>
+          <a:fillRef idx="0">
+            <a:scrgbClr r="0" g="0" b="0"/>
+          </a:fillRef>
+          <a:effectRef idx="0">
+            <a:scrgbClr r="0" g="0" b="0"/>
+          </a:effectRef>
+          <a:fontRef idx="minor">
+            <a:schemeClr val="dk1"/>
+          </a:fontRef>
+        </p:style>
+        <p:txBody>
+          <a:bodyPr rtlCol="0" anchor="b"/>
+          <a:lstStyle/>
+          <a:p>
+            <a:pPr algn="ctr"/>
+            <a:r>
+              <a:rPr lang="en-GB" dirty="0"/>
+              <a:t>Kubernetes Master OS</a:t>
+            </a:r>
+          </a:p>
+        </p:txBody>
+      </p:sp>
+      <p:sp>
+        <p:nvSpPr>
+          <p:cNvPr id="20" name="Rectangle 19">
+            <a:extLst>
+              <a:ext uri="{FF2B5EF4-FFF2-40B4-BE49-F238E27FC236}">
+                <a16:creationId xmlns:a16="http://schemas.microsoft.com/office/drawing/2014/main" id="{9D2322A2-83B7-ED49-88E2-57D9362128C0}"/>
+              </a:ext>
+            </a:extLst>
+          </p:cNvPr>
+          <p:cNvSpPr/>
+          <p:nvPr/>
+        </p:nvSpPr>
+        <p:spPr>
+          <a:xfrm>
+            <a:off x="7122884" y="4865125"/>
+            <a:ext cx="2113045" cy="1078475"/>
+          </a:xfrm>
+          <a:prstGeom prst="rect">
+            <a:avLst/>
+          </a:prstGeom>
+          <a:noFill/>
+          <a:ln w="9525" cap="flat" cmpd="sng" algn="ctr">
+            <a:solidFill>
+              <a:schemeClr val="dk1"/>
+            </a:solidFill>
+            <a:prstDash val="solid"/>
+            <a:round/>
+            <a:headEnd type="none" w="med" len="med"/>
+            <a:tailEnd type="none" w="med" len="med"/>
+          </a:ln>
+        </p:spPr>
+        <p:style>
+          <a:lnRef idx="0">
+            <a:scrgbClr r="0" g="0" b="0"/>
+          </a:lnRef>
+          <a:fillRef idx="0">
+            <a:scrgbClr r="0" g="0" b="0"/>
+          </a:fillRef>
+          <a:effectRef idx="0">
+            <a:scrgbClr r="0" g="0" b="0"/>
+          </a:effectRef>
+          <a:fontRef idx="minor">
+            <a:schemeClr val="dk1"/>
+          </a:fontRef>
+        </p:style>
+        <p:txBody>
+          <a:bodyPr rtlCol="0" anchor="ctr"/>
+          <a:lstStyle/>
+          <a:p>
+            <a:pPr algn="ctr"/>
+            <a:r>
+              <a:rPr lang="en-GB" sz="1400" dirty="0"/>
+              <a:t>Kubernetes Master Node Services (</a:t>
+            </a:r>
+            <a:r>
+              <a:rPr lang="en-GB" sz="1400" dirty="0" err="1"/>
+              <a:t>kube-apiserver</a:t>
+            </a:r>
+            <a:r>
+              <a:rPr lang="en-GB" sz="1400" dirty="0"/>
+              <a:t>, controller-managers, DNS, CNI, etc.)</a:t>
+            </a:r>
+          </a:p>
+        </p:txBody>
+      </p:sp>
+      <p:sp>
+        <p:nvSpPr>
+          <p:cNvPr id="24" name="Rectangle 23">
+            <a:extLst>
+              <a:ext uri="{FF2B5EF4-FFF2-40B4-BE49-F238E27FC236}">
+                <a16:creationId xmlns:a16="http://schemas.microsoft.com/office/drawing/2014/main" id="{5E7E560E-5377-8644-BE66-4E4AA2BE3C75}"/>
+              </a:ext>
+            </a:extLst>
+          </p:cNvPr>
+          <p:cNvSpPr/>
+          <p:nvPr/>
+        </p:nvSpPr>
+        <p:spPr>
+          <a:xfrm>
+            <a:off x="9235929" y="4865125"/>
+            <a:ext cx="1227056" cy="1078475"/>
+          </a:xfrm>
+          <a:prstGeom prst="rect">
+            <a:avLst/>
+          </a:prstGeom>
+          <a:noFill/>
+          <a:ln w="9525" cap="flat" cmpd="sng" algn="ctr">
+            <a:solidFill>
+              <a:schemeClr val="dk1"/>
+            </a:solidFill>
+            <a:prstDash val="solid"/>
+            <a:round/>
+            <a:headEnd type="none" w="med" len="med"/>
+            <a:tailEnd type="none" w="med" len="med"/>
+          </a:ln>
+        </p:spPr>
+        <p:style>
+          <a:lnRef idx="0">
+            <a:scrgbClr r="0" g="0" b="0"/>
+          </a:lnRef>
+          <a:fillRef idx="0">
+            <a:scrgbClr r="0" g="0" b="0"/>
+          </a:fillRef>
+          <a:effectRef idx="0">
+            <a:scrgbClr r="0" g="0" b="0"/>
+          </a:effectRef>
+          <a:fontRef idx="minor">
+            <a:schemeClr val="dk1"/>
+          </a:fontRef>
+        </p:style>
+        <p:txBody>
+          <a:bodyPr rtlCol="0" anchor="ctr"/>
+          <a:lstStyle/>
+          <a:p>
+            <a:pPr algn="ctr"/>
+            <a:r>
+              <a:rPr lang="en-GB" sz="1400" dirty="0"/>
+              <a:t>Kubernetes configuration store (</a:t>
+            </a:r>
+            <a:r>
+              <a:rPr lang="en-GB" sz="1400" dirty="0" err="1"/>
+              <a:t>etcd</a:t>
+            </a:r>
+            <a:r>
+              <a:rPr lang="en-GB" sz="1400" dirty="0"/>
+              <a:t>)</a:t>
+            </a:r>
+          </a:p>
+        </p:txBody>
+      </p:sp>
+      <p:sp>
+        <p:nvSpPr>
+          <p:cNvPr id="31" name="Rectangle 30">
+            <a:extLst>
+              <a:ext uri="{FF2B5EF4-FFF2-40B4-BE49-F238E27FC236}">
+                <a16:creationId xmlns:a16="http://schemas.microsoft.com/office/drawing/2014/main" id="{7985B355-13C1-5D42-8E5F-B84620FCA782}"/>
+              </a:ext>
+            </a:extLst>
+          </p:cNvPr>
+          <p:cNvSpPr/>
+          <p:nvPr/>
+        </p:nvSpPr>
+        <p:spPr>
+          <a:xfrm>
+            <a:off x="2567628" y="2119089"/>
+            <a:ext cx="1476779" cy="873196"/>
+          </a:xfrm>
+          <a:prstGeom prst="rect">
+            <a:avLst/>
+          </a:prstGeom>
+          <a:solidFill>
+            <a:schemeClr val="bg1"/>
+          </a:solidFill>
+          <a:ln w="9525" cap="flat" cmpd="sng" algn="ctr">
+            <a:solidFill>
+              <a:schemeClr val="dk1"/>
+            </a:solidFill>
+            <a:prstDash val="solid"/>
+            <a:round/>
+            <a:headEnd type="none" w="med" len="med"/>
+            <a:tailEnd type="none" w="med" len="med"/>
+          </a:ln>
+        </p:spPr>
+        <p:style>
+          <a:lnRef idx="0">
+            <a:scrgbClr r="0" g="0" b="0"/>
+          </a:lnRef>
+          <a:fillRef idx="0">
+            <a:scrgbClr r="0" g="0" b="0"/>
+          </a:fillRef>
+          <a:effectRef idx="0">
+            <a:scrgbClr r="0" g="0" b="0"/>
+          </a:effectRef>
+          <a:fontRef idx="minor">
+            <a:schemeClr val="dk1"/>
+          </a:fontRef>
+        </p:style>
+        <p:txBody>
+          <a:bodyPr rtlCol="0" anchor="ctr"/>
+          <a:lstStyle/>
+          <a:p>
+            <a:pPr algn="ctr"/>
+            <a:r>
+              <a:rPr lang="en-GB" sz="1400" dirty="0"/>
+              <a:t>CNF Components (Pods, Volumes, </a:t>
+            </a:r>
+            <a:r>
+              <a:rPr lang="en-GB" sz="1400" dirty="0" err="1"/>
+              <a:t>ConfigMaps</a:t>
+            </a:r>
+            <a:r>
+              <a:rPr lang="en-GB" sz="1400" dirty="0"/>
+              <a:t>, etc.)</a:t>
+            </a:r>
+          </a:p>
+        </p:txBody>
+      </p:sp>
+      <p:sp>
+        <p:nvSpPr>
+          <p:cNvPr id="38" name="Rectangle 37">
+            <a:extLst>
+              <a:ext uri="{FF2B5EF4-FFF2-40B4-BE49-F238E27FC236}">
+                <a16:creationId xmlns:a16="http://schemas.microsoft.com/office/drawing/2014/main" id="{D1EA0BD6-B132-D64C-ABC9-7F4BB845C261}"/>
+              </a:ext>
+            </a:extLst>
+          </p:cNvPr>
+          <p:cNvSpPr/>
+          <p:nvPr/>
+        </p:nvSpPr>
+        <p:spPr>
+          <a:xfrm>
+            <a:off x="1829238" y="1067232"/>
+            <a:ext cx="5191811" cy="2501697"/>
+          </a:xfrm>
+          <a:prstGeom prst="rect">
+            <a:avLst/>
+          </a:prstGeom>
+          <a:noFill/>
+          <a:ln w="9525" cap="flat" cmpd="sng" algn="ctr">
+            <a:solidFill>
+              <a:schemeClr val="dk1"/>
+            </a:solidFill>
+            <a:prstDash val="solid"/>
+            <a:round/>
+            <a:headEnd type="none" w="med" len="med"/>
+            <a:tailEnd type="none" w="med" len="med"/>
+          </a:ln>
+        </p:spPr>
+        <p:style>
+          <a:lnRef idx="0">
+            <a:scrgbClr r="0" g="0" b="0"/>
+          </a:lnRef>
+          <a:fillRef idx="0">
+            <a:scrgbClr r="0" g="0" b="0"/>
+          </a:fillRef>
+          <a:effectRef idx="0">
+            <a:scrgbClr r="0" g="0" b="0"/>
+          </a:effectRef>
+          <a:fontRef idx="minor">
+            <a:schemeClr val="dk1"/>
+          </a:fontRef>
+        </p:style>
+        <p:txBody>
+          <a:bodyPr rtlCol="0" anchor="t"/>
+          <a:lstStyle/>
+          <a:p>
+            <a:pPr algn="ctr"/>
+            <a:r>
+              <a:rPr lang="en-GB" dirty="0"/>
+              <a:t>CNF</a:t>
+            </a:r>
+          </a:p>
+        </p:txBody>
+      </p:sp>
+      <p:sp>
+        <p:nvSpPr>
+          <p:cNvPr id="49" name="Rectangle 48">
+            <a:extLst>
+              <a:ext uri="{FF2B5EF4-FFF2-40B4-BE49-F238E27FC236}">
+                <a16:creationId xmlns:a16="http://schemas.microsoft.com/office/drawing/2014/main" id="{10AE7CE3-1F50-1B4A-AC88-EAF6AF24D2C0}"/>
+              </a:ext>
+            </a:extLst>
+          </p:cNvPr>
+          <p:cNvSpPr/>
+          <p:nvPr/>
+        </p:nvSpPr>
+        <p:spPr>
+          <a:xfrm>
+            <a:off x="2720028" y="2271489"/>
+            <a:ext cx="1476779" cy="873196"/>
+          </a:xfrm>
+          <a:prstGeom prst="rect">
+            <a:avLst/>
+          </a:prstGeom>
+          <a:solidFill>
+            <a:schemeClr val="bg1"/>
+          </a:solidFill>
+          <a:ln w="9525" cap="flat" cmpd="sng" algn="ctr">
+            <a:solidFill>
+              <a:schemeClr val="dk1"/>
+            </a:solidFill>
+            <a:prstDash val="solid"/>
+            <a:round/>
+            <a:headEnd type="none" w="med" len="med"/>
+            <a:tailEnd type="none" w="med" len="med"/>
+          </a:ln>
+        </p:spPr>
+        <p:style>
+          <a:lnRef idx="0">
+            <a:scrgbClr r="0" g="0" b="0"/>
+          </a:lnRef>
+          <a:fillRef idx="0">
+            <a:scrgbClr r="0" g="0" b="0"/>
+          </a:fillRef>
+          <a:effectRef idx="0">
+            <a:scrgbClr r="0" g="0" b="0"/>
+          </a:effectRef>
+          <a:fontRef idx="minor">
+            <a:schemeClr val="dk1"/>
+          </a:fontRef>
+        </p:style>
+        <p:txBody>
+          <a:bodyPr rtlCol="0" anchor="ctr"/>
+          <a:lstStyle/>
+          <a:p>
+            <a:pPr algn="ctr"/>
+            <a:r>
+              <a:rPr lang="en-GB" sz="1400" dirty="0"/>
+              <a:t>CNF Components (Pods, Volumes, </a:t>
+            </a:r>
+            <a:r>
+              <a:rPr lang="en-GB" sz="1400" dirty="0" err="1"/>
+              <a:t>ConfigMaps</a:t>
+            </a:r>
+            <a:r>
+              <a:rPr lang="en-GB" sz="1400" dirty="0"/>
+              <a:t>, etc.)</a:t>
+            </a:r>
+          </a:p>
+        </p:txBody>
+      </p:sp>
+      <p:sp>
+        <p:nvSpPr>
+          <p:cNvPr id="55" name="Rectangle 54">
+            <a:extLst>
+              <a:ext uri="{FF2B5EF4-FFF2-40B4-BE49-F238E27FC236}">
+                <a16:creationId xmlns:a16="http://schemas.microsoft.com/office/drawing/2014/main" id="{805D4465-1E6C-FC4F-A864-D1C1446A6127}"/>
+              </a:ext>
+            </a:extLst>
+          </p:cNvPr>
+          <p:cNvSpPr/>
+          <p:nvPr/>
+        </p:nvSpPr>
+        <p:spPr>
+          <a:xfrm>
+            <a:off x="13330855" y="5631985"/>
+            <a:ext cx="3405447" cy="914400"/>
+          </a:xfrm>
+          <a:prstGeom prst="rect">
+            <a:avLst/>
+          </a:prstGeom>
+          <a:noFill/>
+          <a:ln w="9525" cap="flat" cmpd="sng" algn="ctr">
+            <a:solidFill>
+              <a:schemeClr val="bg2">
+                <a:lumMod val="90000"/>
+              </a:schemeClr>
+            </a:solidFill>
+            <a:prstDash val="dash"/>
+            <a:round/>
+            <a:headEnd type="none" w="med" len="med"/>
+            <a:tailEnd type="none" w="med" len="med"/>
+          </a:ln>
+        </p:spPr>
+        <p:style>
+          <a:lnRef idx="0">
+            <a:scrgbClr r="0" g="0" b="0"/>
+          </a:lnRef>
+          <a:fillRef idx="0">
+            <a:scrgbClr r="0" g="0" b="0"/>
+          </a:fillRef>
+          <a:effectRef idx="0">
+            <a:scrgbClr r="0" g="0" b="0"/>
+          </a:effectRef>
+          <a:fontRef idx="minor">
+            <a:schemeClr val="dk1"/>
+          </a:fontRef>
+        </p:style>
+        <p:txBody>
+          <a:bodyPr rtlCol="0" anchor="ctr"/>
+          <a:lstStyle/>
+          <a:p>
+            <a:pPr algn="ctr"/>
+            <a:r>
+              <a:rPr lang="en-GB" dirty="0">
+                <a:solidFill>
+                  <a:schemeClr val="bg2">
+                    <a:lumMod val="90000"/>
+                  </a:schemeClr>
+                </a:solidFill>
+              </a:rPr>
+              <a:t>Kubernetes cluster lifecycle management (e.g. create, update, upgrade, delete)</a:t>
+            </a:r>
+          </a:p>
+        </p:txBody>
+      </p:sp>
+      <p:sp>
+        <p:nvSpPr>
+          <p:cNvPr id="56" name="Rectangle 55">
+            <a:extLst>
+              <a:ext uri="{FF2B5EF4-FFF2-40B4-BE49-F238E27FC236}">
+                <a16:creationId xmlns:a16="http://schemas.microsoft.com/office/drawing/2014/main" id="{4DA97F62-FCDE-014C-9A01-25DDB697AC11}"/>
+              </a:ext>
+            </a:extLst>
+          </p:cNvPr>
+          <p:cNvSpPr/>
+          <p:nvPr/>
+        </p:nvSpPr>
+        <p:spPr>
+          <a:xfrm rot="16200000">
+            <a:off x="4658624" y="1180636"/>
+            <a:ext cx="3696624" cy="9817099"/>
+          </a:xfrm>
+          <a:prstGeom prst="rect">
+            <a:avLst/>
+          </a:prstGeom>
+          <a:noFill/>
+          <a:ln w="9525" cap="flat" cmpd="sng" algn="ctr">
+            <a:solidFill>
+              <a:schemeClr val="bg2">
+                <a:lumMod val="90000"/>
+              </a:schemeClr>
+            </a:solidFill>
+            <a:prstDash val="dash"/>
+            <a:round/>
+            <a:headEnd type="none" w="med" len="med"/>
+            <a:tailEnd type="none" w="med" len="med"/>
+          </a:ln>
+        </p:spPr>
+        <p:style>
+          <a:lnRef idx="0">
+            <a:scrgbClr r="0" g="0" b="0"/>
+          </a:lnRef>
+          <a:fillRef idx="0">
+            <a:scrgbClr r="0" g="0" b="0"/>
+          </a:fillRef>
+          <a:effectRef idx="0">
+            <a:scrgbClr r="0" g="0" b="0"/>
+          </a:effectRef>
+          <a:fontRef idx="minor">
+            <a:schemeClr val="dk1"/>
+          </a:fontRef>
+        </p:style>
+        <p:txBody>
+          <a:bodyPr rtlCol="0" anchor="t"/>
+          <a:lstStyle/>
+          <a:p>
+            <a:pPr algn="ctr"/>
+            <a:r>
+              <a:rPr lang="en-GB" dirty="0">
+                <a:solidFill>
+                  <a:schemeClr val="bg2">
+                    <a:lumMod val="90000"/>
+                  </a:schemeClr>
+                </a:solidFill>
+              </a:rPr>
+              <a:t>Kubernetes cluster</a:t>
+            </a:r>
+          </a:p>
+        </p:txBody>
+      </p:sp>
+      <p:sp>
+        <p:nvSpPr>
+          <p:cNvPr id="57" name="Rectangle 56">
+            <a:extLst>
+              <a:ext uri="{FF2B5EF4-FFF2-40B4-BE49-F238E27FC236}">
+                <a16:creationId xmlns:a16="http://schemas.microsoft.com/office/drawing/2014/main" id="{6D500C0C-6AF0-7A48-BC9D-F0F404527FBB}"/>
+              </a:ext>
+            </a:extLst>
+          </p:cNvPr>
+          <p:cNvSpPr/>
+          <p:nvPr/>
+        </p:nvSpPr>
+        <p:spPr>
+          <a:xfrm>
+            <a:off x="13330855" y="1652645"/>
+            <a:ext cx="3405447" cy="1360234"/>
+          </a:xfrm>
+          <a:prstGeom prst="rect">
+            <a:avLst/>
+          </a:prstGeom>
+          <a:noFill/>
+          <a:ln w="9525" cap="flat" cmpd="sng" algn="ctr">
+            <a:solidFill>
+              <a:schemeClr val="dk1"/>
+            </a:solidFill>
+            <a:prstDash val="solid"/>
+            <a:round/>
+            <a:headEnd type="none" w="med" len="med"/>
+            <a:tailEnd type="none" w="med" len="med"/>
+          </a:ln>
+        </p:spPr>
+        <p:style>
+          <a:lnRef idx="0">
+            <a:scrgbClr r="0" g="0" b="0"/>
+          </a:lnRef>
+          <a:fillRef idx="0">
+            <a:scrgbClr r="0" g="0" b="0"/>
+          </a:fillRef>
+          <a:effectRef idx="0">
+            <a:scrgbClr r="0" g="0" b="0"/>
+          </a:effectRef>
+          <a:fontRef idx="minor">
+            <a:schemeClr val="dk1"/>
+          </a:fontRef>
+        </p:style>
+        <p:txBody>
+          <a:bodyPr rtlCol="0" anchor="ctr"/>
+          <a:lstStyle/>
+          <a:p>
+            <a:pPr algn="ctr"/>
+            <a:r>
+              <a:rPr lang="en-GB" dirty="0"/>
+              <a:t>Application / VNF Management</a:t>
+            </a:r>
+          </a:p>
+          <a:p>
+            <a:pPr algn="ctr"/>
+            <a:endParaRPr lang="en-GB" dirty="0"/>
+          </a:p>
+          <a:p>
+            <a:pPr algn="ctr"/>
+            <a:endParaRPr lang="en-GB" dirty="0"/>
+          </a:p>
+        </p:txBody>
+      </p:sp>
+      <p:sp>
+        <p:nvSpPr>
+          <p:cNvPr id="59" name="Rectangle 58">
+            <a:extLst>
+              <a:ext uri="{FF2B5EF4-FFF2-40B4-BE49-F238E27FC236}">
+                <a16:creationId xmlns:a16="http://schemas.microsoft.com/office/drawing/2014/main" id="{1A127636-99A4-8B4F-8EDA-4348E9358DF1}"/>
+              </a:ext>
+            </a:extLst>
+          </p:cNvPr>
+          <p:cNvSpPr/>
+          <p:nvPr/>
+        </p:nvSpPr>
+        <p:spPr>
+          <a:xfrm>
+            <a:off x="13999796" y="2357982"/>
+            <a:ext cx="2067563" cy="436597"/>
+          </a:xfrm>
+          <a:prstGeom prst="rect">
+            <a:avLst/>
+          </a:prstGeom>
+          <a:noFill/>
+          <a:ln w="9525" cap="flat" cmpd="sng" algn="ctr">
+            <a:solidFill>
+              <a:schemeClr val="dk1"/>
+            </a:solidFill>
+            <a:prstDash val="solid"/>
+            <a:round/>
+            <a:headEnd type="none" w="med" len="med"/>
+            <a:tailEnd type="none" w="med" len="med"/>
+          </a:ln>
+        </p:spPr>
+        <p:style>
+          <a:lnRef idx="0">
+            <a:scrgbClr r="0" g="0" b="0"/>
+          </a:lnRef>
+          <a:fillRef idx="0">
+            <a:scrgbClr r="0" g="0" b="0"/>
+          </a:fillRef>
+          <a:effectRef idx="0">
+            <a:scrgbClr r="0" g="0" b="0"/>
+          </a:effectRef>
+          <a:fontRef idx="minor">
+            <a:schemeClr val="dk1"/>
+          </a:fontRef>
+        </p:style>
+        <p:txBody>
+          <a:bodyPr rtlCol="0" anchor="ctr"/>
+          <a:lstStyle/>
+          <a:p>
+            <a:pPr algn="ctr"/>
+            <a:r>
+              <a:rPr lang="en-GB" sz="1400" dirty="0"/>
+              <a:t>Kubernetes Application Package Management</a:t>
+            </a:r>
+          </a:p>
+        </p:txBody>
+      </p:sp>
+      <p:cxnSp>
+        <p:nvCxnSpPr>
+          <p:cNvPr id="61" name="Straight Arrow Connector 60">
+            <a:extLst>
+              <a:ext uri="{FF2B5EF4-FFF2-40B4-BE49-F238E27FC236}">
+                <a16:creationId xmlns:a16="http://schemas.microsoft.com/office/drawing/2014/main" id="{23AD5AD7-51EE-1248-9D5B-2729A0856A6A}"/>
+              </a:ext>
+            </a:extLst>
+          </p:cNvPr>
+          <p:cNvCxnSpPr>
+            <a:stCxn id="55" idx="2"/>
+            <a:endCxn id="4" idx="0"/>
+          </p:cNvCxnSpPr>
+          <p:nvPr/>
+        </p:nvCxnSpPr>
+        <p:spPr>
+          <a:xfrm>
+            <a:off x="15033579" y="6546385"/>
+            <a:ext cx="20" cy="1724779"/>
+          </a:xfrm>
+          <a:prstGeom prst="straightConnector1">
+            <a:avLst/>
+          </a:prstGeom>
+          <a:ln>
+            <a:solidFill>
+              <a:schemeClr val="bg2">
+                <a:lumMod val="90000"/>
+              </a:schemeClr>
+            </a:solidFill>
+            <a:tailEnd type="triangle"/>
+          </a:ln>
+        </p:spPr>
+        <p:style>
+          <a:lnRef idx="1">
+            <a:schemeClr val="accent1"/>
+          </a:lnRef>
+          <a:fillRef idx="0">
+            <a:schemeClr val="accent1"/>
+          </a:fillRef>
+          <a:effectRef idx="0">
+            <a:schemeClr val="accent1"/>
+          </a:effectRef>
+          <a:fontRef idx="minor">
+            <a:schemeClr val="tx1"/>
+          </a:fontRef>
+        </p:style>
+      </p:cxnSp>
+      <p:sp>
+        <p:nvSpPr>
+          <p:cNvPr id="62" name="TextBox 61">
+            <a:extLst>
+              <a:ext uri="{FF2B5EF4-FFF2-40B4-BE49-F238E27FC236}">
+                <a16:creationId xmlns:a16="http://schemas.microsoft.com/office/drawing/2014/main" id="{C68837AF-C05B-6D44-8D69-DF78B00930F0}"/>
+              </a:ext>
+            </a:extLst>
+          </p:cNvPr>
+          <p:cNvSpPr txBox="1"/>
+          <p:nvPr/>
+        </p:nvSpPr>
+        <p:spPr>
+          <a:xfrm>
+            <a:off x="15033595" y="6845299"/>
+            <a:ext cx="1702707" cy="1181101"/>
+          </a:xfrm>
+          <a:prstGeom prst="rect">
+            <a:avLst/>
+          </a:prstGeom>
+          <a:noFill/>
+        </p:spPr>
+        <p:txBody>
+          <a:bodyPr wrap="square" rtlCol="0">
+            <a:normAutofit/>
+          </a:bodyPr>
+          <a:lstStyle/>
+          <a:p>
+            <a:r>
+              <a:rPr lang="en-GB" dirty="0">
+                <a:solidFill>
+                  <a:schemeClr val="bg2">
+                    <a:lumMod val="90000"/>
+                  </a:schemeClr>
+                </a:solidFill>
+              </a:rPr>
+              <a:t>K8s LCM talks to VIM for VM/BM LCM</a:t>
+            </a:r>
+          </a:p>
+        </p:txBody>
+      </p:sp>
+      <p:cxnSp>
+        <p:nvCxnSpPr>
+          <p:cNvPr id="63" name="Straight Arrow Connector 62">
+            <a:extLst>
+              <a:ext uri="{FF2B5EF4-FFF2-40B4-BE49-F238E27FC236}">
+                <a16:creationId xmlns:a16="http://schemas.microsoft.com/office/drawing/2014/main" id="{D0DB8C67-8BBB-C443-9227-F9B6C5A2DDE0}"/>
+              </a:ext>
+            </a:extLst>
+          </p:cNvPr>
+          <p:cNvCxnSpPr>
+            <a:cxnSpLocks/>
+            <a:stCxn id="4" idx="1"/>
+            <a:endCxn id="3" idx="3"/>
+          </p:cNvCxnSpPr>
+          <p:nvPr/>
+        </p:nvCxnSpPr>
+        <p:spPr>
+          <a:xfrm flipH="1">
+            <a:off x="11025016" y="8728364"/>
+            <a:ext cx="2305859" cy="0"/>
+          </a:xfrm>
+          <a:prstGeom prst="straightConnector1">
+            <a:avLst/>
+          </a:prstGeom>
+          <a:ln>
+            <a:solidFill>
+              <a:schemeClr val="tx1"/>
+            </a:solidFill>
+            <a:tailEnd type="triangle"/>
+          </a:ln>
+        </p:spPr>
+        <p:style>
+          <a:lnRef idx="1">
+            <a:schemeClr val="accent1"/>
+          </a:lnRef>
+          <a:fillRef idx="0">
+            <a:schemeClr val="accent1"/>
+          </a:fillRef>
+          <a:effectRef idx="0">
+            <a:schemeClr val="accent1"/>
+          </a:effectRef>
+          <a:fontRef idx="minor">
+            <a:schemeClr val="tx1"/>
+          </a:fontRef>
+        </p:style>
+      </p:cxnSp>
+      <p:sp>
+        <p:nvSpPr>
+          <p:cNvPr id="66" name="TextBox 65">
+            <a:extLst>
+              <a:ext uri="{FF2B5EF4-FFF2-40B4-BE49-F238E27FC236}">
+                <a16:creationId xmlns:a16="http://schemas.microsoft.com/office/drawing/2014/main" id="{D9E4624F-5DCB-1043-8D8B-A67892FCA506}"/>
+              </a:ext>
+            </a:extLst>
+          </p:cNvPr>
+          <p:cNvSpPr txBox="1"/>
+          <p:nvPr/>
+        </p:nvSpPr>
+        <p:spPr>
+          <a:xfrm>
+            <a:off x="11909010" y="5715565"/>
+            <a:ext cx="1702707" cy="457193"/>
+          </a:xfrm>
+          <a:prstGeom prst="rect">
+            <a:avLst/>
+          </a:prstGeom>
+          <a:noFill/>
+          <a:ln>
+            <a:noFill/>
+          </a:ln>
+        </p:spPr>
+        <p:txBody>
+          <a:bodyPr wrap="square" rtlCol="0">
+            <a:normAutofit/>
+          </a:bodyPr>
+          <a:lstStyle/>
+          <a:p>
+            <a:r>
+              <a:rPr lang="en-GB" dirty="0">
+                <a:solidFill>
+                  <a:schemeClr val="bg2">
+                    <a:lumMod val="90000"/>
+                  </a:schemeClr>
+                </a:solidFill>
+              </a:rPr>
+              <a:t>Manages</a:t>
+            </a:r>
+          </a:p>
+        </p:txBody>
+      </p:sp>
+      <p:cxnSp>
+        <p:nvCxnSpPr>
+          <p:cNvPr id="67" name="Straight Arrow Connector 66">
+            <a:extLst>
+              <a:ext uri="{FF2B5EF4-FFF2-40B4-BE49-F238E27FC236}">
+                <a16:creationId xmlns:a16="http://schemas.microsoft.com/office/drawing/2014/main" id="{F5F3A46B-5AAC-EA42-AC38-1262CD47E00F}"/>
+              </a:ext>
+            </a:extLst>
+          </p:cNvPr>
+          <p:cNvCxnSpPr>
+            <a:cxnSpLocks/>
+            <a:stCxn id="55" idx="1"/>
+            <a:endCxn id="56" idx="2"/>
+          </p:cNvCxnSpPr>
+          <p:nvPr/>
+        </p:nvCxnSpPr>
+        <p:spPr>
+          <a:xfrm flipH="1">
+            <a:off x="11415486" y="6089185"/>
+            <a:ext cx="1915369" cy="0"/>
+          </a:xfrm>
+          <a:prstGeom prst="straightConnector1">
+            <a:avLst/>
+          </a:prstGeom>
+          <a:ln>
+            <a:solidFill>
+              <a:schemeClr val="bg2">
+                <a:lumMod val="90000"/>
+              </a:schemeClr>
+            </a:solidFill>
+            <a:prstDash val="dash"/>
+            <a:tailEnd type="triangle"/>
+          </a:ln>
+        </p:spPr>
+        <p:style>
+          <a:lnRef idx="1">
+            <a:schemeClr val="accent1"/>
+          </a:lnRef>
+          <a:fillRef idx="0">
+            <a:schemeClr val="accent1"/>
+          </a:fillRef>
+          <a:effectRef idx="0">
+            <a:schemeClr val="accent1"/>
+          </a:effectRef>
+          <a:fontRef idx="minor">
+            <a:schemeClr val="tx1"/>
+          </a:fontRef>
+        </p:style>
+      </p:cxnSp>
+      <p:sp>
+        <p:nvSpPr>
+          <p:cNvPr id="72" name="TextBox 71">
+            <a:extLst>
+              <a:ext uri="{FF2B5EF4-FFF2-40B4-BE49-F238E27FC236}">
+                <a16:creationId xmlns:a16="http://schemas.microsoft.com/office/drawing/2014/main" id="{8369103D-549F-ED45-9F51-DDEB08CF2E7F}"/>
+              </a:ext>
+            </a:extLst>
+          </p:cNvPr>
+          <p:cNvSpPr txBox="1"/>
+          <p:nvPr/>
+        </p:nvSpPr>
+        <p:spPr>
+          <a:xfrm>
+            <a:off x="11780553" y="8423564"/>
+            <a:ext cx="1702707" cy="457193"/>
+          </a:xfrm>
+          <a:prstGeom prst="rect">
+            <a:avLst/>
+          </a:prstGeom>
+          <a:noFill/>
+        </p:spPr>
+        <p:txBody>
+          <a:bodyPr wrap="square" rtlCol="0">
+            <a:normAutofit/>
+          </a:bodyPr>
+          <a:lstStyle/>
+          <a:p>
+            <a:r>
+              <a:rPr lang="en-GB" dirty="0"/>
+              <a:t>Manages</a:t>
+            </a:r>
+          </a:p>
+        </p:txBody>
+      </p:sp>
+      <p:sp>
+        <p:nvSpPr>
+          <p:cNvPr id="83" name="Rectangle 82">
+            <a:extLst>
+              <a:ext uri="{FF2B5EF4-FFF2-40B4-BE49-F238E27FC236}">
+                <a16:creationId xmlns:a16="http://schemas.microsoft.com/office/drawing/2014/main" id="{C6132050-BC45-5A4B-94C6-6E94C771CC70}"/>
+              </a:ext>
+            </a:extLst>
+          </p:cNvPr>
+          <p:cNvSpPr/>
+          <p:nvPr/>
+        </p:nvSpPr>
+        <p:spPr>
+          <a:xfrm>
+            <a:off x="4142137" y="2119089"/>
+            <a:ext cx="1476779" cy="873196"/>
+          </a:xfrm>
+          <a:prstGeom prst="rect">
+            <a:avLst/>
+          </a:prstGeom>
+          <a:solidFill>
+            <a:schemeClr val="bg1"/>
+          </a:solidFill>
+          <a:ln w="9525" cap="flat" cmpd="sng" algn="ctr">
+            <a:solidFill>
+              <a:schemeClr val="dk1"/>
+            </a:solidFill>
+            <a:prstDash val="solid"/>
+            <a:round/>
+            <a:headEnd type="none" w="med" len="med"/>
+            <a:tailEnd type="none" w="med" len="med"/>
+          </a:ln>
+        </p:spPr>
+        <p:style>
+          <a:lnRef idx="0">
+            <a:scrgbClr r="0" g="0" b="0"/>
+          </a:lnRef>
+          <a:fillRef idx="0">
+            <a:scrgbClr r="0" g="0" b="0"/>
+          </a:fillRef>
+          <a:effectRef idx="0">
+            <a:scrgbClr r="0" g="0" b="0"/>
+          </a:effectRef>
+          <a:fontRef idx="minor">
+            <a:schemeClr val="dk1"/>
+          </a:fontRef>
+        </p:style>
+        <p:txBody>
+          <a:bodyPr rtlCol="0" anchor="ctr"/>
+          <a:lstStyle/>
+          <a:p>
+            <a:pPr algn="ctr"/>
+            <a:r>
+              <a:rPr lang="en-GB" sz="1400" dirty="0"/>
+              <a:t>CNF Components (Pods, Volumes, </a:t>
+            </a:r>
+            <a:r>
+              <a:rPr lang="en-GB" sz="1400" dirty="0" err="1"/>
+              <a:t>ConfigMaps</a:t>
+            </a:r>
+            <a:r>
+              <a:rPr lang="en-GB" sz="1400" dirty="0"/>
+              <a:t>, etc.)</a:t>
+            </a:r>
+          </a:p>
+        </p:txBody>
+      </p:sp>
+      <p:sp>
+        <p:nvSpPr>
+          <p:cNvPr id="84" name="Rectangle 83">
+            <a:extLst>
+              <a:ext uri="{FF2B5EF4-FFF2-40B4-BE49-F238E27FC236}">
+                <a16:creationId xmlns:a16="http://schemas.microsoft.com/office/drawing/2014/main" id="{BA2C73CE-29B8-1B46-B68E-8D55EE78F9E0}"/>
+              </a:ext>
+            </a:extLst>
+          </p:cNvPr>
+          <p:cNvSpPr/>
+          <p:nvPr/>
+        </p:nvSpPr>
+        <p:spPr>
+          <a:xfrm>
+            <a:off x="4294537" y="2271489"/>
+            <a:ext cx="1476779" cy="873196"/>
+          </a:xfrm>
+          <a:prstGeom prst="rect">
+            <a:avLst/>
+          </a:prstGeom>
+          <a:solidFill>
+            <a:schemeClr val="bg1"/>
+          </a:solidFill>
+          <a:ln w="9525" cap="flat" cmpd="sng" algn="ctr">
+            <a:solidFill>
+              <a:schemeClr val="dk1"/>
+            </a:solidFill>
+            <a:prstDash val="solid"/>
+            <a:round/>
+            <a:headEnd type="none" w="med" len="med"/>
+            <a:tailEnd type="none" w="med" len="med"/>
+          </a:ln>
+        </p:spPr>
+        <p:style>
+          <a:lnRef idx="0">
+            <a:scrgbClr r="0" g="0" b="0"/>
+          </a:lnRef>
+          <a:fillRef idx="0">
+            <a:scrgbClr r="0" g="0" b="0"/>
+          </a:fillRef>
+          <a:effectRef idx="0">
+            <a:scrgbClr r="0" g="0" b="0"/>
+          </a:effectRef>
+          <a:fontRef idx="minor">
+            <a:schemeClr val="dk1"/>
+          </a:fontRef>
+        </p:style>
+        <p:txBody>
+          <a:bodyPr rtlCol="0" anchor="ctr"/>
+          <a:lstStyle/>
+          <a:p>
+            <a:pPr algn="ctr"/>
+            <a:r>
+              <a:rPr lang="en-GB" sz="1400" dirty="0"/>
+              <a:t>CNF Components (Pods, Volumes, </a:t>
+            </a:r>
+            <a:r>
+              <a:rPr lang="en-GB" sz="1400" dirty="0" err="1"/>
+              <a:t>ConfigMaps</a:t>
+            </a:r>
+            <a:r>
+              <a:rPr lang="en-GB" sz="1400" dirty="0"/>
+              <a:t>, etc.)</a:t>
+            </a:r>
+          </a:p>
+        </p:txBody>
+      </p:sp>
+      <p:sp>
+        <p:nvSpPr>
+          <p:cNvPr id="85" name="Rectangle 84">
+            <a:extLst>
+              <a:ext uri="{FF2B5EF4-FFF2-40B4-BE49-F238E27FC236}">
+                <a16:creationId xmlns:a16="http://schemas.microsoft.com/office/drawing/2014/main" id="{86703C92-46E8-4B48-8DA5-F02C67735368}"/>
+              </a:ext>
+            </a:extLst>
+          </p:cNvPr>
+          <p:cNvSpPr/>
+          <p:nvPr/>
+        </p:nvSpPr>
+        <p:spPr>
+          <a:xfrm>
+            <a:off x="4446937" y="2423889"/>
+            <a:ext cx="1476779" cy="873196"/>
+          </a:xfrm>
+          <a:prstGeom prst="rect">
+            <a:avLst/>
+          </a:prstGeom>
+          <a:solidFill>
+            <a:schemeClr val="bg1"/>
+          </a:solidFill>
+          <a:ln w="9525" cap="flat" cmpd="sng" algn="ctr">
+            <a:solidFill>
+              <a:schemeClr val="dk1"/>
+            </a:solidFill>
+            <a:prstDash val="solid"/>
+            <a:round/>
+            <a:headEnd type="none" w="med" len="med"/>
+            <a:tailEnd type="none" w="med" len="med"/>
+          </a:ln>
+        </p:spPr>
+        <p:style>
+          <a:lnRef idx="0">
+            <a:scrgbClr r="0" g="0" b="0"/>
+          </a:lnRef>
+          <a:fillRef idx="0">
+            <a:scrgbClr r="0" g="0" b="0"/>
+          </a:fillRef>
+          <a:effectRef idx="0">
+            <a:scrgbClr r="0" g="0" b="0"/>
+          </a:effectRef>
+          <a:fontRef idx="minor">
+            <a:schemeClr val="dk1"/>
+          </a:fontRef>
+        </p:style>
+        <p:txBody>
+          <a:bodyPr rtlCol="0" anchor="ctr"/>
+          <a:lstStyle/>
+          <a:p>
+            <a:pPr algn="ctr"/>
+            <a:r>
+              <a:rPr lang="en-GB" sz="1400" dirty="0"/>
+              <a:t>CNF Components (Pods, Volumes, </a:t>
+            </a:r>
+            <a:r>
+              <a:rPr lang="en-GB" sz="1400" dirty="0" err="1"/>
+              <a:t>ConfigMaps</a:t>
+            </a:r>
+            <a:r>
+              <a:rPr lang="en-GB" sz="1400" dirty="0"/>
+              <a:t>, etc.)</a:t>
+            </a:r>
+          </a:p>
+        </p:txBody>
+      </p:sp>
+      <p:sp>
+        <p:nvSpPr>
+          <p:cNvPr id="50" name="Rectangle 49">
+            <a:extLst>
+              <a:ext uri="{FF2B5EF4-FFF2-40B4-BE49-F238E27FC236}">
+                <a16:creationId xmlns:a16="http://schemas.microsoft.com/office/drawing/2014/main" id="{F8075B3C-0780-2340-A7E6-2954D1D56313}"/>
+              </a:ext>
+            </a:extLst>
+          </p:cNvPr>
+          <p:cNvSpPr/>
+          <p:nvPr/>
+        </p:nvSpPr>
+        <p:spPr>
+          <a:xfrm>
+            <a:off x="2872428" y="2423889"/>
+            <a:ext cx="1476779" cy="873196"/>
+          </a:xfrm>
+          <a:prstGeom prst="rect">
+            <a:avLst/>
+          </a:prstGeom>
+          <a:solidFill>
+            <a:schemeClr val="bg1"/>
+          </a:solidFill>
+          <a:ln w="9525" cap="flat" cmpd="sng" algn="ctr">
+            <a:solidFill>
+              <a:schemeClr val="dk1"/>
+            </a:solidFill>
+            <a:prstDash val="solid"/>
+            <a:round/>
+            <a:headEnd type="none" w="med" len="med"/>
+            <a:tailEnd type="none" w="med" len="med"/>
+          </a:ln>
+        </p:spPr>
+        <p:style>
+          <a:lnRef idx="0">
+            <a:scrgbClr r="0" g="0" b="0"/>
+          </a:lnRef>
+          <a:fillRef idx="0">
+            <a:scrgbClr r="0" g="0" b="0"/>
+          </a:fillRef>
+          <a:effectRef idx="0">
+            <a:scrgbClr r="0" g="0" b="0"/>
+          </a:effectRef>
+          <a:fontRef idx="minor">
+            <a:schemeClr val="dk1"/>
+          </a:fontRef>
+        </p:style>
+        <p:txBody>
+          <a:bodyPr rtlCol="0" anchor="ctr"/>
+          <a:lstStyle/>
+          <a:p>
+            <a:pPr algn="ctr"/>
+            <a:r>
+              <a:rPr lang="en-GB" sz="1400" dirty="0"/>
+              <a:t>CNF Components (Pods, Volumes, </a:t>
+            </a:r>
+            <a:r>
+              <a:rPr lang="en-GB" sz="1400" dirty="0" err="1"/>
+              <a:t>ConfigMaps</a:t>
+            </a:r>
+            <a:r>
+              <a:rPr lang="en-GB" sz="1400" dirty="0"/>
+              <a:t>, etc.)</a:t>
+            </a:r>
+          </a:p>
+        </p:txBody>
+      </p:sp>
+      <p:sp>
+        <p:nvSpPr>
+          <p:cNvPr id="86" name="TextBox 85">
+            <a:extLst>
+              <a:ext uri="{FF2B5EF4-FFF2-40B4-BE49-F238E27FC236}">
+                <a16:creationId xmlns:a16="http://schemas.microsoft.com/office/drawing/2014/main" id="{F39C2B41-106B-104B-BF3C-8A5499904E04}"/>
+              </a:ext>
+            </a:extLst>
+          </p:cNvPr>
+          <p:cNvSpPr txBox="1"/>
+          <p:nvPr/>
+        </p:nvSpPr>
+        <p:spPr>
+          <a:xfrm>
+            <a:off x="9421585" y="1890492"/>
+            <a:ext cx="3118410" cy="457193"/>
+          </a:xfrm>
+          <a:prstGeom prst="rect">
+            <a:avLst/>
+          </a:prstGeom>
+          <a:noFill/>
+        </p:spPr>
+        <p:txBody>
+          <a:bodyPr wrap="square" rtlCol="0">
+            <a:normAutofit/>
+          </a:bodyPr>
+          <a:lstStyle/>
+          <a:p>
+            <a:r>
+              <a:rPr lang="en-GB" dirty="0"/>
+              <a:t>Manages (via Kubernetes API)</a:t>
+            </a:r>
+          </a:p>
+        </p:txBody>
+      </p:sp>
+      <p:cxnSp>
+        <p:nvCxnSpPr>
+          <p:cNvPr id="87" name="Straight Arrow Connector 86">
+            <a:extLst>
+              <a:ext uri="{FF2B5EF4-FFF2-40B4-BE49-F238E27FC236}">
+                <a16:creationId xmlns:a16="http://schemas.microsoft.com/office/drawing/2014/main" id="{82FD515C-1EB2-1340-A101-BD757A121F38}"/>
+              </a:ext>
+            </a:extLst>
+          </p:cNvPr>
+          <p:cNvCxnSpPr>
+            <a:cxnSpLocks/>
+            <a:stCxn id="57" idx="1"/>
+            <a:endCxn id="38" idx="3"/>
+          </p:cNvCxnSpPr>
+          <p:nvPr/>
+        </p:nvCxnSpPr>
+        <p:spPr>
+          <a:xfrm flipH="1" flipV="1">
+            <a:off x="7021049" y="2318081"/>
+            <a:ext cx="6309806" cy="14681"/>
+          </a:xfrm>
+          <a:prstGeom prst="straightConnector1">
+            <a:avLst/>
+          </a:prstGeom>
+          <a:ln>
+            <a:solidFill>
+              <a:schemeClr val="tx1"/>
+            </a:solidFill>
+            <a:tailEnd type="triangle"/>
+          </a:ln>
+        </p:spPr>
+        <p:style>
+          <a:lnRef idx="1">
+            <a:schemeClr val="accent1"/>
+          </a:lnRef>
+          <a:fillRef idx="0">
+            <a:schemeClr val="accent1"/>
+          </a:fillRef>
+          <a:effectRef idx="0">
+            <a:schemeClr val="accent1"/>
+          </a:effectRef>
+          <a:fontRef idx="minor">
+            <a:schemeClr val="tx1"/>
+          </a:fontRef>
+        </p:style>
+      </p:cxnSp>
+      <p:cxnSp>
+        <p:nvCxnSpPr>
+          <p:cNvPr id="91" name="Straight Arrow Connector 90">
+            <a:extLst>
+              <a:ext uri="{FF2B5EF4-FFF2-40B4-BE49-F238E27FC236}">
+                <a16:creationId xmlns:a16="http://schemas.microsoft.com/office/drawing/2014/main" id="{99749444-54BC-F947-B248-7430EB06A618}"/>
+              </a:ext>
+            </a:extLst>
+          </p:cNvPr>
+          <p:cNvCxnSpPr>
+            <a:cxnSpLocks/>
+            <a:stCxn id="86" idx="2"/>
+            <a:endCxn id="20" idx="0"/>
+          </p:cNvCxnSpPr>
+          <p:nvPr/>
+        </p:nvCxnSpPr>
+        <p:spPr>
+          <a:xfrm flipH="1">
+            <a:off x="8179407" y="2347685"/>
+            <a:ext cx="2801383" cy="2517440"/>
+          </a:xfrm>
+          <a:prstGeom prst="straightConnector1">
+            <a:avLst/>
+          </a:prstGeom>
+          <a:ln>
+            <a:solidFill>
+              <a:schemeClr val="tx1"/>
+            </a:solidFill>
+            <a:prstDash val="dash"/>
+            <a:tailEnd type="triangle"/>
+          </a:ln>
+        </p:spPr>
+        <p:style>
+          <a:lnRef idx="1">
+            <a:schemeClr val="accent1"/>
+          </a:lnRef>
+          <a:fillRef idx="0">
+            <a:schemeClr val="accent1"/>
+          </a:fillRef>
+          <a:effectRef idx="0">
+            <a:schemeClr val="accent1"/>
+          </a:effectRef>
+          <a:fontRef idx="minor">
+            <a:schemeClr val="tx1"/>
+          </a:fontRef>
+        </p:style>
+      </p:cxnSp>
+      <p:cxnSp>
+        <p:nvCxnSpPr>
+          <p:cNvPr id="95" name="Straight Connector 94">
+            <a:extLst>
+              <a:ext uri="{FF2B5EF4-FFF2-40B4-BE49-F238E27FC236}">
+                <a16:creationId xmlns:a16="http://schemas.microsoft.com/office/drawing/2014/main" id="{2457A996-7B20-244D-A7C2-400A0FCB889F}"/>
+              </a:ext>
+            </a:extLst>
+          </p:cNvPr>
+          <p:cNvCxnSpPr>
+            <a:cxnSpLocks/>
+          </p:cNvCxnSpPr>
+          <p:nvPr/>
+        </p:nvCxnSpPr>
+        <p:spPr>
+          <a:xfrm>
+            <a:off x="1319348" y="3886200"/>
+            <a:ext cx="15525248" cy="0"/>
+          </a:xfrm>
+          <a:prstGeom prst="line">
+            <a:avLst/>
+          </a:prstGeom>
+          <a:ln w="38100">
+            <a:solidFill>
+              <a:srgbClr val="FF0000"/>
+            </a:solidFill>
+          </a:ln>
+        </p:spPr>
+        <p:style>
+          <a:lnRef idx="1">
+            <a:schemeClr val="accent1"/>
+          </a:lnRef>
+          <a:fillRef idx="0">
+            <a:schemeClr val="accent1"/>
+          </a:fillRef>
+          <a:effectRef idx="0">
+            <a:schemeClr val="accent1"/>
+          </a:effectRef>
+          <a:fontRef idx="minor">
+            <a:schemeClr val="tx1"/>
+          </a:fontRef>
+        </p:style>
+      </p:cxnSp>
+      <p:sp>
+        <p:nvSpPr>
+          <p:cNvPr id="96" name="TextBox 95">
+            <a:extLst>
+              <a:ext uri="{FF2B5EF4-FFF2-40B4-BE49-F238E27FC236}">
+                <a16:creationId xmlns:a16="http://schemas.microsoft.com/office/drawing/2014/main" id="{AEF541EC-0287-E941-9F65-8B8FAA28EF80}"/>
+              </a:ext>
+            </a:extLst>
+          </p:cNvPr>
+          <p:cNvSpPr txBox="1"/>
+          <p:nvPr/>
+        </p:nvSpPr>
+        <p:spPr>
+          <a:xfrm>
+            <a:off x="14733359" y="3956518"/>
+            <a:ext cx="2185353" cy="457193"/>
+          </a:xfrm>
+          <a:prstGeom prst="rect">
+            <a:avLst/>
+          </a:prstGeom>
+          <a:noFill/>
+        </p:spPr>
+        <p:txBody>
+          <a:bodyPr wrap="square" rtlCol="0">
+            <a:normAutofit/>
+          </a:bodyPr>
+          <a:lstStyle/>
+          <a:p>
+            <a:r>
+              <a:rPr lang="en-GB" b="1" dirty="0">
+                <a:solidFill>
+                  <a:srgbClr val="FF0000"/>
+                </a:solidFill>
+              </a:rPr>
+              <a:t>In RA2 Scope</a:t>
+            </a:r>
+          </a:p>
+        </p:txBody>
+      </p:sp>
+      <p:sp>
+        <p:nvSpPr>
+          <p:cNvPr id="97" name="TextBox 96">
+            <a:extLst>
+              <a:ext uri="{FF2B5EF4-FFF2-40B4-BE49-F238E27FC236}">
+                <a16:creationId xmlns:a16="http://schemas.microsoft.com/office/drawing/2014/main" id="{109D99C3-FA8F-5B4C-A1E6-F8115297DFE8}"/>
+              </a:ext>
+            </a:extLst>
+          </p:cNvPr>
+          <p:cNvSpPr txBox="1"/>
+          <p:nvPr/>
+        </p:nvSpPr>
+        <p:spPr>
+          <a:xfrm>
+            <a:off x="14734903" y="3439847"/>
+            <a:ext cx="2183810" cy="457193"/>
+          </a:xfrm>
+          <a:prstGeom prst="rect">
+            <a:avLst/>
+          </a:prstGeom>
+          <a:noFill/>
+        </p:spPr>
+        <p:txBody>
+          <a:bodyPr wrap="square" rtlCol="0">
+            <a:normAutofit/>
+          </a:bodyPr>
+          <a:lstStyle/>
+          <a:p>
+            <a:r>
+              <a:rPr lang="en-GB" b="1" dirty="0">
+                <a:solidFill>
+                  <a:srgbClr val="FF0000"/>
+                </a:solidFill>
+              </a:rPr>
+              <a:t>Out of RA2 Scope</a:t>
+            </a:r>
+          </a:p>
+        </p:txBody>
+      </p:sp>
+    </p:spTree>
+    <p:extLst>
+      <p:ext uri="{BB962C8B-B14F-4D97-AF65-F5344CB8AC3E}">
+        <p14:creationId xmlns:p14="http://schemas.microsoft.com/office/powerpoint/2010/main" val="1284490616"/>
+      </p:ext>
+    </p:extLst>
+  </p:cSld>
+  <p:clrMapOvr>
+    <a:masterClrMapping/>
+  </p:clrMapOvr>
+</p:sld>
+</file>
+
+<file path=ppt/slides/slide4.xml><?xml version="1.0" encoding="utf-8"?>
+<p:sld xmlns:a="http://schemas.openxmlformats.org/drawingml/2006/main" xmlns:r="http://schemas.openxmlformats.org/officeDocument/2006/relationships" xmlns:p="http://schemas.openxmlformats.org/presentationml/2006/main">
+  <p:cSld>
+    <p:spTree>
+      <p:nvGrpSpPr>
+        <p:cNvPr id="1" name=""/>
+        <p:cNvGrpSpPr/>
+        <p:nvPr/>
+      </p:nvGrpSpPr>
+      <p:grpSpPr>
+        <a:xfrm>
+          <a:off x="0" y="0"/>
+          <a:ext cx="0" cy="0"/>
+          <a:chOff x="0" y="0"/>
+          <a:chExt cx="0" cy="0"/>
+        </a:xfrm>
+      </p:grpSpPr>
+    </p:spTree>
+    <p:extLst>
+      <p:ext uri="{BB962C8B-B14F-4D97-AF65-F5344CB8AC3E}">
+        <p14:creationId xmlns:p14="http://schemas.microsoft.com/office/powerpoint/2010/main" val="1323390709"/>
+      </p:ext>
+    </p:extLst>
+  </p:cSld>
+  <p:clrMapOvr>
+    <a:masterClrMapping/>
+  </p:clrMapOvr>
+</p:sld>
+</file>
+
 <file path=ppt/theme/theme1.xml><?xml version="1.0" encoding="utf-8"?>
 <a:theme xmlns:a="http://schemas.openxmlformats.org/drawingml/2006/main" name="Office Theme">
   <a:themeElements>

--- a/doc/ref_arch/kubernetes/figures/k8s-ref-arch-figures.pptx
+++ b/doc/ref_arch/kubernetes/figures/k8s-ref-arch-figures.pptx
@@ -19414,11 +19414,9 @@
           <a:noFill/>
           <a:ln w="9525" cap="flat" cmpd="sng" algn="ctr">
             <a:solidFill>
-              <a:schemeClr val="bg2">
-                <a:lumMod val="90000"/>
-              </a:schemeClr>
+              <a:schemeClr val="tx1"/>
             </a:solidFill>
-            <a:prstDash val="dash"/>
+            <a:prstDash val="solid"/>
             <a:round/>
             <a:headEnd type="none" w="med" len="med"/>
             <a:tailEnd type="none" w="med" len="med"/>
@@ -19446,9 +19444,7 @@
             <a:r>
               <a:rPr lang="en-GB" dirty="0">
                 <a:solidFill>
-                  <a:schemeClr val="bg2">
-                    <a:lumMod val="90000"/>
-                  </a:schemeClr>
+                  <a:schemeClr val="tx1"/>
                 </a:solidFill>
               </a:rPr>
               <a:t>Kubernetes cluster lifecycle management (e.g. create, update, upgrade, delete)</a:t>
@@ -19479,11 +19475,9 @@
           <a:noFill/>
           <a:ln w="9525" cap="flat" cmpd="sng" algn="ctr">
             <a:solidFill>
-              <a:schemeClr val="bg2">
-                <a:lumMod val="90000"/>
-              </a:schemeClr>
+              <a:schemeClr val="tx1"/>
             </a:solidFill>
-            <a:prstDash val="dash"/>
+            <a:prstDash val="solid"/>
             <a:round/>
             <a:headEnd type="none" w="med" len="med"/>
             <a:tailEnd type="none" w="med" len="med"/>
@@ -19511,9 +19505,7 @@
             <a:r>
               <a:rPr lang="en-GB" dirty="0">
                 <a:solidFill>
-                  <a:schemeClr val="bg2">
-                    <a:lumMod val="90000"/>
-                  </a:schemeClr>
+                  <a:schemeClr val="tx1"/>
                 </a:solidFill>
               </a:rPr>
               <a:t>Kubernetes cluster</a:t>
@@ -19573,7 +19565,7 @@
             <a:pPr algn="ctr"/>
             <a:r>
               <a:rPr lang="en-GB" dirty="0"/>
-              <a:t>Application / VNF Management</a:t>
+              <a:t>Kubernetes-based Application / VNF Management</a:t>
             </a:r>
           </a:p>
           <a:p>
@@ -19600,8 +19592,8 @@
         </p:nvSpPr>
         <p:spPr>
           <a:xfrm>
-            <a:off x="13999796" y="2357982"/>
-            <a:ext cx="2067563" cy="436597"/>
+            <a:off x="13753418" y="2394113"/>
+            <a:ext cx="2560319" cy="436597"/>
           </a:xfrm>
           <a:prstGeom prst="rect">
             <a:avLst/>
@@ -19638,7 +19630,7 @@
             <a:pPr algn="ctr"/>
             <a:r>
               <a:rPr lang="en-GB" sz="1400" dirty="0"/>
-              <a:t>Kubernetes Application Package Management</a:t>
+              <a:t>Kubernetes-based Application Package Management</a:t>
             </a:r>
           </a:p>
         </p:txBody>
@@ -19668,10 +19660,9 @@
           </a:prstGeom>
           <a:ln>
             <a:solidFill>
-              <a:schemeClr val="bg2">
-                <a:lumMod val="90000"/>
-              </a:schemeClr>
+              <a:schemeClr val="tx1"/>
             </a:solidFill>
+            <a:prstDash val="solid"/>
             <a:tailEnd type="triangle"/>
           </a:ln>
         </p:spPr>
@@ -19711,6 +19702,10 @@
             <a:avLst/>
           </a:prstGeom>
           <a:noFill/>
+          <a:ln>
+            <a:noFill/>
+            <a:prstDash val="solid"/>
+          </a:ln>
         </p:spPr>
         <p:txBody>
           <a:bodyPr wrap="square" rtlCol="0">
@@ -19719,13 +19714,7 @@
           <a:lstStyle/>
           <a:p>
             <a:r>
-              <a:rPr lang="en-GB" dirty="0">
-                <a:solidFill>
-                  <a:schemeClr val="bg2">
-                    <a:lumMod val="90000"/>
-                  </a:schemeClr>
-                </a:solidFill>
-              </a:rPr>
+              <a:rPr lang="en-GB" dirty="0"/>
               <a:t>K8s LCM talks to VIM for VM/BM LCM</a:t>
             </a:r>
           </a:p>
@@ -19800,6 +19789,7 @@
           <a:noFill/>
           <a:ln>
             <a:noFill/>
+            <a:prstDash val="solid"/>
           </a:ln>
         </p:spPr>
         <p:txBody>
@@ -19809,13 +19799,7 @@
           <a:lstStyle/>
           <a:p>
             <a:r>
-              <a:rPr lang="en-GB" dirty="0">
-                <a:solidFill>
-                  <a:schemeClr val="bg2">
-                    <a:lumMod val="90000"/>
-                  </a:schemeClr>
-                </a:solidFill>
-              </a:rPr>
+              <a:rPr lang="en-GB" dirty="0"/>
               <a:t>Manages</a:t>
             </a:r>
           </a:p>
@@ -19847,11 +19831,9 @@
           </a:prstGeom>
           <a:ln>
             <a:solidFill>
-              <a:schemeClr val="bg2">
-                <a:lumMod val="90000"/>
-              </a:schemeClr>
+              <a:schemeClr val="tx1"/>
             </a:solidFill>
-            <a:prstDash val="dash"/>
+            <a:prstDash val="solid"/>
             <a:tailEnd type="triangle"/>
           </a:ln>
         </p:spPr>
@@ -20422,6 +20404,252 @@
           </a:p>
         </p:txBody>
       </p:sp>
+      <p:cxnSp>
+        <p:nvCxnSpPr>
+          <p:cNvPr id="100" name="Straight Arrow Connector 99">
+            <a:extLst>
+              <a:ext uri="{FF2B5EF4-FFF2-40B4-BE49-F238E27FC236}">
+                <a16:creationId xmlns:a16="http://schemas.microsoft.com/office/drawing/2014/main" id="{66E75ED1-19F3-4C40-9044-CE5BBF58F722}"/>
+              </a:ext>
+            </a:extLst>
+          </p:cNvPr>
+          <p:cNvCxnSpPr>
+            <a:cxnSpLocks/>
+          </p:cNvCxnSpPr>
+          <p:nvPr/>
+        </p:nvCxnSpPr>
+        <p:spPr>
+          <a:xfrm>
+            <a:off x="9145587" y="5932616"/>
+            <a:ext cx="4622664" cy="2338548"/>
+          </a:xfrm>
+          <a:prstGeom prst="straightConnector1">
+            <a:avLst/>
+          </a:prstGeom>
+          <a:ln>
+            <a:solidFill>
+              <a:schemeClr val="tx1"/>
+            </a:solidFill>
+            <a:prstDash val="solid"/>
+            <a:tailEnd type="triangle"/>
+          </a:ln>
+        </p:spPr>
+        <p:style>
+          <a:lnRef idx="1">
+            <a:schemeClr val="accent1"/>
+          </a:lnRef>
+          <a:fillRef idx="0">
+            <a:schemeClr val="accent1"/>
+          </a:fillRef>
+          <a:effectRef idx="0">
+            <a:schemeClr val="accent1"/>
+          </a:effectRef>
+          <a:fontRef idx="minor">
+            <a:schemeClr val="tx1"/>
+          </a:fontRef>
+        </p:style>
+      </p:cxnSp>
+      <p:sp>
+        <p:nvSpPr>
+          <p:cNvPr id="102" name="TextBox 101">
+            <a:extLst>
+              <a:ext uri="{FF2B5EF4-FFF2-40B4-BE49-F238E27FC236}">
+                <a16:creationId xmlns:a16="http://schemas.microsoft.com/office/drawing/2014/main" id="{3BE270F4-21E3-AC4B-965D-A4C44B0FD8F7}"/>
+              </a:ext>
+            </a:extLst>
+          </p:cNvPr>
+          <p:cNvSpPr txBox="1"/>
+          <p:nvPr/>
+        </p:nvSpPr>
+        <p:spPr>
+          <a:xfrm>
+            <a:off x="12060577" y="6946137"/>
+            <a:ext cx="2076142" cy="667739"/>
+          </a:xfrm>
+          <a:prstGeom prst="rect">
+            <a:avLst/>
+          </a:prstGeom>
+          <a:noFill/>
+          <a:ln>
+            <a:noFill/>
+            <a:prstDash val="solid"/>
+          </a:ln>
+        </p:spPr>
+        <p:txBody>
+          <a:bodyPr wrap="square" rtlCol="0">
+            <a:normAutofit fontScale="85000" lnSpcReduction="10000"/>
+          </a:bodyPr>
+          <a:lstStyle/>
+          <a:p>
+            <a:r>
+              <a:rPr lang="en-GB" dirty="0"/>
+              <a:t>Manages via Kubernetes Cloud Providers</a:t>
+            </a:r>
+          </a:p>
+        </p:txBody>
+      </p:sp>
+      <p:cxnSp>
+        <p:nvCxnSpPr>
+          <p:cNvPr id="103" name="Straight Arrow Connector 102">
+            <a:extLst>
+              <a:ext uri="{FF2B5EF4-FFF2-40B4-BE49-F238E27FC236}">
+                <a16:creationId xmlns:a16="http://schemas.microsoft.com/office/drawing/2014/main" id="{64FBCF62-2473-4348-BA5E-50515C363FD4}"/>
+              </a:ext>
+            </a:extLst>
+          </p:cNvPr>
+          <p:cNvCxnSpPr>
+            <a:cxnSpLocks/>
+            <a:endCxn id="17" idx="2"/>
+          </p:cNvCxnSpPr>
+          <p:nvPr/>
+        </p:nvCxnSpPr>
+        <p:spPr>
+          <a:xfrm flipV="1">
+            <a:off x="8834612" y="7786255"/>
+            <a:ext cx="0" cy="484909"/>
+          </a:xfrm>
+          <a:prstGeom prst="straightConnector1">
+            <a:avLst/>
+          </a:prstGeom>
+          <a:ln>
+            <a:solidFill>
+              <a:schemeClr val="tx1"/>
+            </a:solidFill>
+            <a:prstDash val="solid"/>
+            <a:tailEnd type="triangle"/>
+          </a:ln>
+        </p:spPr>
+        <p:style>
+          <a:lnRef idx="1">
+            <a:schemeClr val="accent1"/>
+          </a:lnRef>
+          <a:fillRef idx="0">
+            <a:schemeClr val="accent1"/>
+          </a:fillRef>
+          <a:effectRef idx="0">
+            <a:schemeClr val="accent1"/>
+          </a:effectRef>
+          <a:fontRef idx="minor">
+            <a:schemeClr val="tx1"/>
+          </a:fontRef>
+        </p:style>
+      </p:cxnSp>
+      <p:cxnSp>
+        <p:nvCxnSpPr>
+          <p:cNvPr id="107" name="Straight Arrow Connector 106">
+            <a:extLst>
+              <a:ext uri="{FF2B5EF4-FFF2-40B4-BE49-F238E27FC236}">
+                <a16:creationId xmlns:a16="http://schemas.microsoft.com/office/drawing/2014/main" id="{CB83A9B5-CE64-2C41-9023-2A1D31D1A14D}"/>
+              </a:ext>
+            </a:extLst>
+          </p:cNvPr>
+          <p:cNvCxnSpPr>
+            <a:cxnSpLocks/>
+            <a:endCxn id="6" idx="2"/>
+          </p:cNvCxnSpPr>
+          <p:nvPr/>
+        </p:nvCxnSpPr>
+        <p:spPr>
+          <a:xfrm flipV="1">
+            <a:off x="4269771" y="7786256"/>
+            <a:ext cx="1" cy="505914"/>
+          </a:xfrm>
+          <a:prstGeom prst="straightConnector1">
+            <a:avLst/>
+          </a:prstGeom>
+          <a:ln>
+            <a:solidFill>
+              <a:schemeClr val="tx1"/>
+            </a:solidFill>
+            <a:prstDash val="solid"/>
+            <a:tailEnd type="triangle"/>
+          </a:ln>
+        </p:spPr>
+        <p:style>
+          <a:lnRef idx="1">
+            <a:schemeClr val="accent1"/>
+          </a:lnRef>
+          <a:fillRef idx="0">
+            <a:schemeClr val="accent1"/>
+          </a:fillRef>
+          <a:effectRef idx="0">
+            <a:schemeClr val="accent1"/>
+          </a:effectRef>
+          <a:fontRef idx="minor">
+            <a:schemeClr val="tx1"/>
+          </a:fontRef>
+        </p:style>
+      </p:cxnSp>
+      <p:sp>
+        <p:nvSpPr>
+          <p:cNvPr id="110" name="TextBox 109">
+            <a:extLst>
+              <a:ext uri="{FF2B5EF4-FFF2-40B4-BE49-F238E27FC236}">
+                <a16:creationId xmlns:a16="http://schemas.microsoft.com/office/drawing/2014/main" id="{E61D67FB-B72B-6641-8757-80F79518C296}"/>
+              </a:ext>
+            </a:extLst>
+          </p:cNvPr>
+          <p:cNvSpPr txBox="1"/>
+          <p:nvPr/>
+        </p:nvSpPr>
+        <p:spPr>
+          <a:xfrm>
+            <a:off x="7021049" y="7985526"/>
+            <a:ext cx="2527062" cy="285638"/>
+          </a:xfrm>
+          <a:prstGeom prst="rect">
+            <a:avLst/>
+          </a:prstGeom>
+          <a:noFill/>
+        </p:spPr>
+        <p:txBody>
+          <a:bodyPr wrap="square" rtlCol="0">
+            <a:normAutofit fontScale="85000" lnSpcReduction="20000"/>
+          </a:bodyPr>
+          <a:lstStyle/>
+          <a:p>
+            <a:r>
+              <a:rPr lang="en-GB" dirty="0"/>
+              <a:t>Provides resources to</a:t>
+            </a:r>
+          </a:p>
+        </p:txBody>
+      </p:sp>
+      <p:sp>
+        <p:nvSpPr>
+          <p:cNvPr id="111" name="TextBox 110">
+            <a:extLst>
+              <a:ext uri="{FF2B5EF4-FFF2-40B4-BE49-F238E27FC236}">
+                <a16:creationId xmlns:a16="http://schemas.microsoft.com/office/drawing/2014/main" id="{148E96F7-2079-9D40-B2C6-9B5ED73EB8F6}"/>
+              </a:ext>
+            </a:extLst>
+          </p:cNvPr>
+          <p:cNvSpPr txBox="1"/>
+          <p:nvPr/>
+        </p:nvSpPr>
+        <p:spPr>
+          <a:xfrm>
+            <a:off x="2455295" y="8006532"/>
+            <a:ext cx="2527062" cy="285638"/>
+          </a:xfrm>
+          <a:prstGeom prst="rect">
+            <a:avLst/>
+          </a:prstGeom>
+          <a:noFill/>
+        </p:spPr>
+        <p:txBody>
+          <a:bodyPr wrap="square" rtlCol="0">
+            <a:normAutofit fontScale="85000" lnSpcReduction="20000"/>
+          </a:bodyPr>
+          <a:lstStyle/>
+          <a:p>
+            <a:r>
+              <a:rPr lang="en-GB" dirty="0"/>
+              <a:t>Provides resources to</a:t>
+            </a:r>
+          </a:p>
+        </p:txBody>
+      </p:sp>
     </p:spTree>
     <p:extLst>
       <p:ext uri="{BB962C8B-B14F-4D97-AF65-F5344CB8AC3E}">
@@ -20438,6 +20666,14 @@
 <file path=ppt/slides/slide4.xml><?xml version="1.0" encoding="utf-8"?>
 <p:sld xmlns:a="http://schemas.openxmlformats.org/drawingml/2006/main" xmlns:r="http://schemas.openxmlformats.org/officeDocument/2006/relationships" xmlns:p="http://schemas.openxmlformats.org/presentationml/2006/main">
   <p:cSld>
+    <p:bg>
+      <p:bgPr>
+        <a:solidFill>
+          <a:schemeClr val="bg1"/>
+        </a:solidFill>
+        <a:effectLst/>
+      </p:bgPr>
+    </p:bg>
     <p:spTree>
       <p:nvGrpSpPr>
         <p:cNvPr id="1" name=""/>

--- a/doc/ref_arch/kubernetes/figures/k8s-ref-arch-figures.pptx
+++ b/doc/ref_arch/kubernetes/figures/k8s-ref-arch-figures.pptx
@@ -246,7 +246,7 @@
           <a:p>
             <a:fld id="{F9D3E6FF-AC24-BE43-AFD3-27417514DD0F}" type="datetimeFigureOut">
               <a:rPr lang="en-GB" smtClean="0"/>
-              <a:t>04/11/2019</a:t>
+              <a:t>06/11/2019</a:t>
             </a:fld>
             <a:endParaRPr lang="en-GB"/>
           </a:p>
@@ -416,7 +416,7 @@
           <a:p>
             <a:fld id="{F9D3E6FF-AC24-BE43-AFD3-27417514DD0F}" type="datetimeFigureOut">
               <a:rPr lang="en-GB" smtClean="0"/>
-              <a:t>04/11/2019</a:t>
+              <a:t>06/11/2019</a:t>
             </a:fld>
             <a:endParaRPr lang="en-GB"/>
           </a:p>
@@ -596,7 +596,7 @@
           <a:p>
             <a:fld id="{F9D3E6FF-AC24-BE43-AFD3-27417514DD0F}" type="datetimeFigureOut">
               <a:rPr lang="en-GB" smtClean="0"/>
-              <a:t>04/11/2019</a:t>
+              <a:t>06/11/2019</a:t>
             </a:fld>
             <a:endParaRPr lang="en-GB"/>
           </a:p>
@@ -766,7 +766,7 @@
           <a:p>
             <a:fld id="{F9D3E6FF-AC24-BE43-AFD3-27417514DD0F}" type="datetimeFigureOut">
               <a:rPr lang="en-GB" smtClean="0"/>
-              <a:t>04/11/2019</a:t>
+              <a:t>06/11/2019</a:t>
             </a:fld>
             <a:endParaRPr lang="en-GB"/>
           </a:p>
@@ -1012,7 +1012,7 @@
           <a:p>
             <a:fld id="{F9D3E6FF-AC24-BE43-AFD3-27417514DD0F}" type="datetimeFigureOut">
               <a:rPr lang="en-GB" smtClean="0"/>
-              <a:t>04/11/2019</a:t>
+              <a:t>06/11/2019</a:t>
             </a:fld>
             <a:endParaRPr lang="en-GB"/>
           </a:p>
@@ -1244,7 +1244,7 @@
           <a:p>
             <a:fld id="{F9D3E6FF-AC24-BE43-AFD3-27417514DD0F}" type="datetimeFigureOut">
               <a:rPr lang="en-GB" smtClean="0"/>
-              <a:t>04/11/2019</a:t>
+              <a:t>06/11/2019</a:t>
             </a:fld>
             <a:endParaRPr lang="en-GB"/>
           </a:p>
@@ -1611,7 +1611,7 @@
           <a:p>
             <a:fld id="{F9D3E6FF-AC24-BE43-AFD3-27417514DD0F}" type="datetimeFigureOut">
               <a:rPr lang="en-GB" smtClean="0"/>
-              <a:t>04/11/2019</a:t>
+              <a:t>06/11/2019</a:t>
             </a:fld>
             <a:endParaRPr lang="en-GB"/>
           </a:p>
@@ -1729,7 +1729,7 @@
           <a:p>
             <a:fld id="{F9D3E6FF-AC24-BE43-AFD3-27417514DD0F}" type="datetimeFigureOut">
               <a:rPr lang="en-GB" smtClean="0"/>
-              <a:t>04/11/2019</a:t>
+              <a:t>06/11/2019</a:t>
             </a:fld>
             <a:endParaRPr lang="en-GB"/>
           </a:p>
@@ -1824,7 +1824,7 @@
           <a:p>
             <a:fld id="{F9D3E6FF-AC24-BE43-AFD3-27417514DD0F}" type="datetimeFigureOut">
               <a:rPr lang="en-GB" smtClean="0"/>
-              <a:t>04/11/2019</a:t>
+              <a:t>06/11/2019</a:t>
             </a:fld>
             <a:endParaRPr lang="en-GB"/>
           </a:p>
@@ -2101,7 +2101,7 @@
           <a:p>
             <a:fld id="{F9D3E6FF-AC24-BE43-AFD3-27417514DD0F}" type="datetimeFigureOut">
               <a:rPr lang="en-GB" smtClean="0"/>
-              <a:t>04/11/2019</a:t>
+              <a:t>06/11/2019</a:t>
             </a:fld>
             <a:endParaRPr lang="en-GB"/>
           </a:p>
@@ -2358,7 +2358,7 @@
           <a:p>
             <a:fld id="{F9D3E6FF-AC24-BE43-AFD3-27417514DD0F}" type="datetimeFigureOut">
               <a:rPr lang="en-GB" smtClean="0"/>
-              <a:t>04/11/2019</a:t>
+              <a:t>06/11/2019</a:t>
             </a:fld>
             <a:endParaRPr lang="en-GB"/>
           </a:p>
@@ -2571,7 +2571,7 @@
           <a:p>
             <a:fld id="{F9D3E6FF-AC24-BE43-AFD3-27417514DD0F}" type="datetimeFigureOut">
               <a:rPr lang="en-GB" smtClean="0"/>
-              <a:t>04/11/2019</a:t>
+              <a:t>06/11/2019</a:t>
             </a:fld>
             <a:endParaRPr lang="en-GB"/>
           </a:p>
@@ -19414,7 +19414,9 @@
           <a:noFill/>
           <a:ln w="9525" cap="flat" cmpd="sng" algn="ctr">
             <a:solidFill>
-              <a:schemeClr val="tx1"/>
+              <a:schemeClr val="bg2">
+                <a:lumMod val="75000"/>
+              </a:schemeClr>
             </a:solidFill>
             <a:prstDash val="solid"/>
             <a:round/>
@@ -19444,7 +19446,9 @@
             <a:r>
               <a:rPr lang="en-GB" dirty="0">
                 <a:solidFill>
-                  <a:schemeClr val="tx1"/>
+                  <a:schemeClr val="bg2">
+                    <a:lumMod val="75000"/>
+                  </a:schemeClr>
                 </a:solidFill>
               </a:rPr>
               <a:t>Kubernetes cluster lifecycle management (e.g. create, update, upgrade, delete)</a:t>
@@ -19660,7 +19664,9 @@
           </a:prstGeom>
           <a:ln>
             <a:solidFill>
-              <a:schemeClr val="tx1"/>
+              <a:schemeClr val="bg2">
+                <a:lumMod val="75000"/>
+              </a:schemeClr>
             </a:solidFill>
             <a:prstDash val="solid"/>
             <a:tailEnd type="triangle"/>
@@ -19714,7 +19720,13 @@
           <a:lstStyle/>
           <a:p>
             <a:r>
-              <a:rPr lang="en-GB" dirty="0"/>
+              <a:rPr lang="en-GB" dirty="0">
+                <a:solidFill>
+                  <a:schemeClr val="bg2">
+                    <a:lumMod val="75000"/>
+                  </a:schemeClr>
+                </a:solidFill>
+              </a:rPr>
               <a:t>K8s LCM talks to VIM for VM/BM LCM</a:t>
             </a:r>
           </a:p>
@@ -19799,7 +19811,13 @@
           <a:lstStyle/>
           <a:p>
             <a:r>
-              <a:rPr lang="en-GB" dirty="0"/>
+              <a:rPr lang="en-GB" dirty="0">
+                <a:solidFill>
+                  <a:schemeClr val="bg2">
+                    <a:lumMod val="75000"/>
+                  </a:schemeClr>
+                </a:solidFill>
+              </a:rPr>
               <a:t>Manages</a:t>
             </a:r>
           </a:p>
@@ -19831,7 +19849,9 @@
           </a:prstGeom>
           <a:ln>
             <a:solidFill>
-              <a:schemeClr val="tx1"/>
+              <a:schemeClr val="bg2">
+                <a:lumMod val="75000"/>
+              </a:schemeClr>
             </a:solidFill>
             <a:prstDash val="solid"/>
             <a:tailEnd type="triangle"/>
@@ -20463,8 +20483,8 @@
         </p:nvSpPr>
         <p:spPr>
           <a:xfrm>
-            <a:off x="12060577" y="6946137"/>
-            <a:ext cx="2076142" cy="667739"/>
+            <a:off x="12003083" y="6688163"/>
+            <a:ext cx="2076142" cy="889703"/>
           </a:xfrm>
           <a:prstGeom prst="rect">
             <a:avLst/>
@@ -20477,13 +20497,13 @@
         </p:spPr>
         <p:txBody>
           <a:bodyPr wrap="square" rtlCol="0">
-            <a:normAutofit fontScale="85000" lnSpcReduction="10000"/>
+            <a:normAutofit fontScale="85000" lnSpcReduction="20000"/>
           </a:bodyPr>
           <a:lstStyle/>
           <a:p>
             <a:r>
               <a:rPr lang="en-GB" dirty="0"/>
-              <a:t>Manages via Kubernetes Cloud Providers</a:t>
+              <a:t>Manages via Kubernetes Cloud Providers or custom controller (e.g. CRDs, Operator)</a:t>
             </a:r>
           </a:p>
         </p:txBody>
@@ -20646,6 +20666,275 @@
             <a:r>
               <a:rPr lang="en-GB" dirty="0"/>
               <a:t>Provides resources to</a:t>
+            </a:r>
+          </a:p>
+        </p:txBody>
+      </p:sp>
+      <p:sp>
+        <p:nvSpPr>
+          <p:cNvPr id="42" name="Rectangle 41">
+            <a:extLst>
+              <a:ext uri="{FF2B5EF4-FFF2-40B4-BE49-F238E27FC236}">
+                <a16:creationId xmlns:a16="http://schemas.microsoft.com/office/drawing/2014/main" id="{327E9D0D-DE52-6D40-971C-33A04A86994A}"/>
+              </a:ext>
+            </a:extLst>
+          </p:cNvPr>
+          <p:cNvSpPr/>
+          <p:nvPr/>
+        </p:nvSpPr>
+        <p:spPr>
+          <a:xfrm>
+            <a:off x="13330853" y="4379177"/>
+            <a:ext cx="3405447" cy="1152274"/>
+          </a:xfrm>
+          <a:prstGeom prst="rect">
+            <a:avLst/>
+          </a:prstGeom>
+          <a:noFill/>
+          <a:ln w="9525" cap="flat" cmpd="sng" algn="ctr">
+            <a:solidFill>
+              <a:schemeClr val="dk1"/>
+            </a:solidFill>
+            <a:prstDash val="solid"/>
+            <a:round/>
+            <a:headEnd type="none" w="med" len="med"/>
+            <a:tailEnd type="none" w="med" len="med"/>
+          </a:ln>
+        </p:spPr>
+        <p:style>
+          <a:lnRef idx="0">
+            <a:scrgbClr r="0" g="0" b="0"/>
+          </a:lnRef>
+          <a:fillRef idx="0">
+            <a:scrgbClr r="0" g="0" b="0"/>
+          </a:fillRef>
+          <a:effectRef idx="0">
+            <a:scrgbClr r="0" g="0" b="0"/>
+          </a:effectRef>
+          <a:fontRef idx="minor">
+            <a:schemeClr val="dk1"/>
+          </a:fontRef>
+        </p:style>
+        <p:txBody>
+          <a:bodyPr rtlCol="0" anchor="ctr"/>
+          <a:lstStyle/>
+          <a:p>
+            <a:pPr algn="ctr"/>
+            <a:r>
+              <a:rPr lang="en-GB" dirty="0"/>
+              <a:t>Kubernetes-based Application Artefact Storage</a:t>
+            </a:r>
+          </a:p>
+          <a:p>
+            <a:pPr algn="ctr"/>
+            <a:endParaRPr lang="en-GB" dirty="0"/>
+          </a:p>
+          <a:p>
+            <a:pPr algn="ctr"/>
+            <a:endParaRPr lang="en-GB" dirty="0"/>
+          </a:p>
+        </p:txBody>
+      </p:sp>
+      <p:sp>
+        <p:nvSpPr>
+          <p:cNvPr id="43" name="Rectangle 42">
+            <a:extLst>
+              <a:ext uri="{FF2B5EF4-FFF2-40B4-BE49-F238E27FC236}">
+                <a16:creationId xmlns:a16="http://schemas.microsoft.com/office/drawing/2014/main" id="{B4750D78-B07D-C943-A841-C0F1A002D634}"/>
+              </a:ext>
+            </a:extLst>
+          </p:cNvPr>
+          <p:cNvSpPr/>
+          <p:nvPr/>
+        </p:nvSpPr>
+        <p:spPr>
+          <a:xfrm>
+            <a:off x="13686332" y="4974697"/>
+            <a:ext cx="1140011" cy="436597"/>
+          </a:xfrm>
+          <a:prstGeom prst="rect">
+            <a:avLst/>
+          </a:prstGeom>
+          <a:noFill/>
+          <a:ln w="9525" cap="flat" cmpd="sng" algn="ctr">
+            <a:solidFill>
+              <a:schemeClr val="dk1"/>
+            </a:solidFill>
+            <a:prstDash val="solid"/>
+            <a:round/>
+            <a:headEnd type="none" w="med" len="med"/>
+            <a:tailEnd type="none" w="med" len="med"/>
+          </a:ln>
+        </p:spPr>
+        <p:style>
+          <a:lnRef idx="0">
+            <a:scrgbClr r="0" g="0" b="0"/>
+          </a:lnRef>
+          <a:fillRef idx="0">
+            <a:scrgbClr r="0" g="0" b="0"/>
+          </a:fillRef>
+          <a:effectRef idx="0">
+            <a:scrgbClr r="0" g="0" b="0"/>
+          </a:effectRef>
+          <a:fontRef idx="minor">
+            <a:schemeClr val="dk1"/>
+          </a:fontRef>
+        </p:style>
+        <p:txBody>
+          <a:bodyPr rtlCol="0" anchor="ctr"/>
+          <a:lstStyle/>
+          <a:p>
+            <a:pPr algn="ctr"/>
+            <a:r>
+              <a:rPr lang="en-GB" sz="1400" dirty="0"/>
+              <a:t>Container Registry</a:t>
+            </a:r>
+          </a:p>
+        </p:txBody>
+      </p:sp>
+      <p:sp>
+        <p:nvSpPr>
+          <p:cNvPr id="44" name="Rectangle 43">
+            <a:extLst>
+              <a:ext uri="{FF2B5EF4-FFF2-40B4-BE49-F238E27FC236}">
+                <a16:creationId xmlns:a16="http://schemas.microsoft.com/office/drawing/2014/main" id="{C8979C8C-416A-FF45-ADF9-02C4FE657697}"/>
+              </a:ext>
+            </a:extLst>
+          </p:cNvPr>
+          <p:cNvSpPr/>
+          <p:nvPr/>
+        </p:nvSpPr>
+        <p:spPr>
+          <a:xfrm>
+            <a:off x="15256029" y="4967765"/>
+            <a:ext cx="1140011" cy="436597"/>
+          </a:xfrm>
+          <a:prstGeom prst="rect">
+            <a:avLst/>
+          </a:prstGeom>
+          <a:noFill/>
+          <a:ln w="9525" cap="flat" cmpd="sng" algn="ctr">
+            <a:solidFill>
+              <a:schemeClr val="dk1"/>
+            </a:solidFill>
+            <a:prstDash val="solid"/>
+            <a:round/>
+            <a:headEnd type="none" w="med" len="med"/>
+            <a:tailEnd type="none" w="med" len="med"/>
+          </a:ln>
+        </p:spPr>
+        <p:style>
+          <a:lnRef idx="0">
+            <a:scrgbClr r="0" g="0" b="0"/>
+          </a:lnRef>
+          <a:fillRef idx="0">
+            <a:scrgbClr r="0" g="0" b="0"/>
+          </a:fillRef>
+          <a:effectRef idx="0">
+            <a:scrgbClr r="0" g="0" b="0"/>
+          </a:effectRef>
+          <a:fontRef idx="minor">
+            <a:schemeClr val="dk1"/>
+          </a:fontRef>
+        </p:style>
+        <p:txBody>
+          <a:bodyPr rtlCol="0" anchor="ctr"/>
+          <a:lstStyle/>
+          <a:p>
+            <a:pPr algn="ctr"/>
+            <a:r>
+              <a:rPr lang="en-GB" sz="1400" dirty="0"/>
+              <a:t>Helm Chart Repo (e.g.)</a:t>
+            </a:r>
+          </a:p>
+        </p:txBody>
+      </p:sp>
+      <p:cxnSp>
+        <p:nvCxnSpPr>
+          <p:cNvPr id="47" name="Straight Arrow Connector 46">
+            <a:extLst>
+              <a:ext uri="{FF2B5EF4-FFF2-40B4-BE49-F238E27FC236}">
+                <a16:creationId xmlns:a16="http://schemas.microsoft.com/office/drawing/2014/main" id="{847E377B-5101-6D4D-A1DF-BE1548E13CE4}"/>
+              </a:ext>
+            </a:extLst>
+          </p:cNvPr>
+          <p:cNvCxnSpPr>
+            <a:cxnSpLocks/>
+            <a:stCxn id="20" idx="2"/>
+            <a:endCxn id="3" idx="0"/>
+          </p:cNvCxnSpPr>
+          <p:nvPr/>
+        </p:nvCxnSpPr>
+        <p:spPr>
+          <a:xfrm flipH="1">
+            <a:off x="6552192" y="5943600"/>
+            <a:ext cx="1627215" cy="2327564"/>
+          </a:xfrm>
+          <a:prstGeom prst="straightConnector1">
+            <a:avLst/>
+          </a:prstGeom>
+          <a:ln>
+            <a:solidFill>
+              <a:schemeClr val="tx1"/>
+            </a:solidFill>
+            <a:prstDash val="solid"/>
+            <a:tailEnd type="triangle"/>
+          </a:ln>
+        </p:spPr>
+        <p:style>
+          <a:lnRef idx="1">
+            <a:schemeClr val="accent1"/>
+          </a:lnRef>
+          <a:fillRef idx="0">
+            <a:schemeClr val="accent1"/>
+          </a:fillRef>
+          <a:effectRef idx="0">
+            <a:schemeClr val="accent1"/>
+          </a:effectRef>
+          <a:fontRef idx="minor">
+            <a:schemeClr val="tx1"/>
+          </a:fontRef>
+        </p:style>
+      </p:cxnSp>
+      <p:sp>
+        <p:nvSpPr>
+          <p:cNvPr id="51" name="TextBox 50">
+            <a:extLst>
+              <a:ext uri="{FF2B5EF4-FFF2-40B4-BE49-F238E27FC236}">
+                <a16:creationId xmlns:a16="http://schemas.microsoft.com/office/drawing/2014/main" id="{F489BF3C-CA33-174B-B325-C722E0A1161E}"/>
+              </a:ext>
+            </a:extLst>
+          </p:cNvPr>
+          <p:cNvSpPr txBox="1"/>
+          <p:nvPr/>
+        </p:nvSpPr>
+        <p:spPr>
+          <a:xfrm>
+            <a:off x="4812937" y="7944999"/>
+            <a:ext cx="2149055" cy="347171"/>
+          </a:xfrm>
+          <a:prstGeom prst="rect">
+            <a:avLst/>
+          </a:prstGeom>
+          <a:noFill/>
+        </p:spPr>
+        <p:txBody>
+          <a:bodyPr wrap="square" rtlCol="0">
+            <a:normAutofit fontScale="55000" lnSpcReduction="20000"/>
+          </a:bodyPr>
+          <a:lstStyle/>
+          <a:p>
+            <a:r>
+              <a:rPr lang="en-GB" dirty="0"/>
+              <a:t>Manages resources via Kubernetes controller (e.g. </a:t>
+            </a:r>
+            <a:r>
+              <a:rPr lang="en-GB" dirty="0" err="1"/>
+              <a:t>kubevirt</a:t>
+            </a:r>
+            <a:r>
+              <a:rPr lang="en-GB" dirty="0"/>
+              <a:t>)</a:t>
             </a:r>
           </a:p>
         </p:txBody>

--- a/doc/ref_arch/kubernetes/figures/k8s-ref-arch-figures.pptx
+++ b/doc/ref_arch/kubernetes/figures/k8s-ref-arch-figures.pptx
@@ -18536,6 +18536,64 @@
       </p:grpSpPr>
       <p:sp>
         <p:nvSpPr>
+          <p:cNvPr id="52" name="Rectangle 51">
+            <a:extLst>
+              <a:ext uri="{FF2B5EF4-FFF2-40B4-BE49-F238E27FC236}">
+                <a16:creationId xmlns:a16="http://schemas.microsoft.com/office/drawing/2014/main" id="{2457BA25-C44C-4844-8622-AEF72F0CA5F2}"/>
+              </a:ext>
+            </a:extLst>
+          </p:cNvPr>
+          <p:cNvSpPr/>
+          <p:nvPr/>
+        </p:nvSpPr>
+        <p:spPr>
+          <a:xfrm>
+            <a:off x="1319348" y="930442"/>
+            <a:ext cx="15525248" cy="8406063"/>
+          </a:xfrm>
+          <a:prstGeom prst="rect">
+            <a:avLst/>
+          </a:prstGeom>
+          <a:solidFill>
+            <a:schemeClr val="bg1"/>
+          </a:solidFill>
+          <a:ln w="9525" cap="flat" cmpd="sng" algn="ctr">
+            <a:noFill/>
+            <a:prstDash val="solid"/>
+            <a:round/>
+            <a:headEnd type="none" w="med" len="med"/>
+            <a:tailEnd type="none" w="med" len="med"/>
+          </a:ln>
+        </p:spPr>
+        <p:style>
+          <a:lnRef idx="0">
+            <a:scrgbClr r="0" g="0" b="0"/>
+          </a:lnRef>
+          <a:fillRef idx="0">
+            <a:scrgbClr r="0" g="0" b="0"/>
+          </a:fillRef>
+          <a:effectRef idx="0">
+            <a:scrgbClr r="0" g="0" b="0"/>
+          </a:effectRef>
+          <a:fontRef idx="minor">
+            <a:schemeClr val="dk1"/>
+          </a:fontRef>
+        </p:style>
+        <p:txBody>
+          <a:bodyPr rtlCol="0" anchor="ctr"/>
+          <a:lstStyle/>
+          <a:p>
+            <a:pPr algn="ctr"/>
+            <a:endParaRPr lang="en-GB" dirty="0"/>
+          </a:p>
+          <a:p>
+            <a:pPr algn="ctr"/>
+            <a:endParaRPr lang="en-GB" dirty="0"/>
+          </a:p>
+        </p:txBody>
+      </p:sp>
+      <p:sp>
+        <p:nvSpPr>
           <p:cNvPr id="3" name="Rectangle 2">
             <a:extLst>
               <a:ext uri="{FF2B5EF4-FFF2-40B4-BE49-F238E27FC236}">
@@ -20860,15 +20918,14 @@
           </p:cNvPr>
           <p:cNvCxnSpPr>
             <a:cxnSpLocks/>
-            <a:stCxn id="20" idx="2"/>
             <a:endCxn id="3" idx="0"/>
           </p:cNvCxnSpPr>
           <p:nvPr/>
         </p:nvCxnSpPr>
         <p:spPr>
           <a:xfrm flipH="1">
-            <a:off x="6552192" y="5943600"/>
-            <a:ext cx="1627215" cy="2327564"/>
+            <a:off x="6552192" y="6520691"/>
+            <a:ext cx="570692" cy="1750473"/>
           </a:xfrm>
           <a:prstGeom prst="straightConnector1">
             <a:avLst/>

--- a/doc/ref_arch/kubernetes/figures/k8s-ref-arch-figures.pptx
+++ b/doc/ref_arch/kubernetes/figures/k8s-ref-arch-figures.pptx
@@ -113,6 +113,3059 @@
     </p:ext>
   </p:extLst>
 </p:presentation>
+</file>
+
+<file path=ppt/diagrams/colors1.xml><?xml version="1.0" encoding="utf-8"?>
+<dgm:colorsDef xmlns:dgm="http://schemas.openxmlformats.org/drawingml/2006/diagram" xmlns:a="http://schemas.openxmlformats.org/drawingml/2006/main" uniqueId="urn:microsoft.com/office/officeart/2005/8/colors/accent1_2">
+  <dgm:title val=""/>
+  <dgm:desc val=""/>
+  <dgm:catLst>
+    <dgm:cat type="accent1" pri="11200"/>
+  </dgm:catLst>
+  <dgm:styleLbl name="node0">
+    <dgm:fillClrLst meth="repeat">
+      <a:schemeClr val="accent1"/>
+    </dgm:fillClrLst>
+    <dgm:linClrLst meth="repeat">
+      <a:schemeClr val="lt1"/>
+    </dgm:linClrLst>
+    <dgm:effectClrLst/>
+    <dgm:txLinClrLst/>
+    <dgm:txFillClrLst/>
+    <dgm:txEffectClrLst/>
+  </dgm:styleLbl>
+  <dgm:styleLbl name="alignNode1">
+    <dgm:fillClrLst meth="repeat">
+      <a:schemeClr val="accent1"/>
+    </dgm:fillClrLst>
+    <dgm:linClrLst meth="repeat">
+      <a:schemeClr val="accent1"/>
+    </dgm:linClrLst>
+    <dgm:effectClrLst/>
+    <dgm:txLinClrLst/>
+    <dgm:txFillClrLst/>
+    <dgm:txEffectClrLst/>
+  </dgm:styleLbl>
+  <dgm:styleLbl name="node1">
+    <dgm:fillClrLst meth="repeat">
+      <a:schemeClr val="accent1"/>
+    </dgm:fillClrLst>
+    <dgm:linClrLst meth="repeat">
+      <a:schemeClr val="lt1"/>
+    </dgm:linClrLst>
+    <dgm:effectClrLst/>
+    <dgm:txLinClrLst/>
+    <dgm:txFillClrLst/>
+    <dgm:txEffectClrLst/>
+  </dgm:styleLbl>
+  <dgm:styleLbl name="lnNode1">
+    <dgm:fillClrLst meth="repeat">
+      <a:schemeClr val="accent1"/>
+    </dgm:fillClrLst>
+    <dgm:linClrLst meth="repeat">
+      <a:schemeClr val="lt1"/>
+    </dgm:linClrLst>
+    <dgm:effectClrLst/>
+    <dgm:txLinClrLst/>
+    <dgm:txFillClrLst/>
+    <dgm:txEffectClrLst/>
+  </dgm:styleLbl>
+  <dgm:styleLbl name="vennNode1">
+    <dgm:fillClrLst meth="repeat">
+      <a:schemeClr val="accent1">
+        <a:alpha val="50000"/>
+      </a:schemeClr>
+    </dgm:fillClrLst>
+    <dgm:linClrLst meth="repeat">
+      <a:schemeClr val="lt1"/>
+    </dgm:linClrLst>
+    <dgm:effectClrLst/>
+    <dgm:txLinClrLst/>
+    <dgm:txFillClrLst/>
+    <dgm:txEffectClrLst/>
+  </dgm:styleLbl>
+  <dgm:styleLbl name="node2">
+    <dgm:fillClrLst meth="repeat">
+      <a:schemeClr val="accent1"/>
+    </dgm:fillClrLst>
+    <dgm:linClrLst meth="repeat">
+      <a:schemeClr val="lt1"/>
+    </dgm:linClrLst>
+    <dgm:effectClrLst/>
+    <dgm:txLinClrLst/>
+    <dgm:txFillClrLst/>
+    <dgm:txEffectClrLst/>
+  </dgm:styleLbl>
+  <dgm:styleLbl name="node3">
+    <dgm:fillClrLst meth="repeat">
+      <a:schemeClr val="accent1"/>
+    </dgm:fillClrLst>
+    <dgm:linClrLst meth="repeat">
+      <a:schemeClr val="lt1"/>
+    </dgm:linClrLst>
+    <dgm:effectClrLst/>
+    <dgm:txLinClrLst/>
+    <dgm:txFillClrLst/>
+    <dgm:txEffectClrLst/>
+  </dgm:styleLbl>
+  <dgm:styleLbl name="node4">
+    <dgm:fillClrLst meth="repeat">
+      <a:schemeClr val="accent1"/>
+    </dgm:fillClrLst>
+    <dgm:linClrLst meth="repeat">
+      <a:schemeClr val="lt1"/>
+    </dgm:linClrLst>
+    <dgm:effectClrLst/>
+    <dgm:txLinClrLst/>
+    <dgm:txFillClrLst/>
+    <dgm:txEffectClrLst/>
+  </dgm:styleLbl>
+  <dgm:styleLbl name="fgImgPlace1">
+    <dgm:fillClrLst meth="repeat">
+      <a:schemeClr val="accent1">
+        <a:tint val="50000"/>
+      </a:schemeClr>
+    </dgm:fillClrLst>
+    <dgm:linClrLst meth="repeat">
+      <a:schemeClr val="lt1"/>
+    </dgm:linClrLst>
+    <dgm:effectClrLst/>
+    <dgm:txLinClrLst/>
+    <dgm:txFillClrLst meth="repeat">
+      <a:schemeClr val="lt1"/>
+    </dgm:txFillClrLst>
+    <dgm:txEffectClrLst/>
+  </dgm:styleLbl>
+  <dgm:styleLbl name="alignImgPlace1">
+    <dgm:fillClrLst meth="repeat">
+      <a:schemeClr val="accent1">
+        <a:tint val="50000"/>
+      </a:schemeClr>
+    </dgm:fillClrLst>
+    <dgm:linClrLst meth="repeat">
+      <a:schemeClr val="lt1"/>
+    </dgm:linClrLst>
+    <dgm:effectClrLst/>
+    <dgm:txLinClrLst/>
+    <dgm:txFillClrLst meth="repeat">
+      <a:schemeClr val="lt1"/>
+    </dgm:txFillClrLst>
+    <dgm:txEffectClrLst/>
+  </dgm:styleLbl>
+  <dgm:styleLbl name="bgImgPlace1">
+    <dgm:fillClrLst meth="repeat">
+      <a:schemeClr val="accent1">
+        <a:tint val="50000"/>
+      </a:schemeClr>
+    </dgm:fillClrLst>
+    <dgm:linClrLst meth="repeat">
+      <a:schemeClr val="lt1"/>
+    </dgm:linClrLst>
+    <dgm:effectClrLst/>
+    <dgm:txLinClrLst/>
+    <dgm:txFillClrLst meth="repeat">
+      <a:schemeClr val="lt1"/>
+    </dgm:txFillClrLst>
+    <dgm:txEffectClrLst/>
+  </dgm:styleLbl>
+  <dgm:styleLbl name="sibTrans2D1">
+    <dgm:fillClrLst meth="repeat">
+      <a:schemeClr val="accent1">
+        <a:tint val="60000"/>
+      </a:schemeClr>
+    </dgm:fillClrLst>
+    <dgm:linClrLst meth="repeat">
+      <a:schemeClr val="accent1">
+        <a:tint val="60000"/>
+      </a:schemeClr>
+    </dgm:linClrLst>
+    <dgm:effectClrLst/>
+    <dgm:txLinClrLst/>
+    <dgm:txFillClrLst/>
+    <dgm:txEffectClrLst/>
+  </dgm:styleLbl>
+  <dgm:styleLbl name="fgSibTrans2D1">
+    <dgm:fillClrLst meth="repeat">
+      <a:schemeClr val="accent1">
+        <a:tint val="60000"/>
+      </a:schemeClr>
+    </dgm:fillClrLst>
+    <dgm:linClrLst meth="repeat">
+      <a:schemeClr val="accent1">
+        <a:tint val="60000"/>
+      </a:schemeClr>
+    </dgm:linClrLst>
+    <dgm:effectClrLst/>
+    <dgm:txLinClrLst/>
+    <dgm:txFillClrLst/>
+    <dgm:txEffectClrLst/>
+  </dgm:styleLbl>
+  <dgm:styleLbl name="bgSibTrans2D1">
+    <dgm:fillClrLst meth="repeat">
+      <a:schemeClr val="accent1">
+        <a:tint val="60000"/>
+      </a:schemeClr>
+    </dgm:fillClrLst>
+    <dgm:linClrLst meth="repeat">
+      <a:schemeClr val="accent1">
+        <a:tint val="60000"/>
+      </a:schemeClr>
+    </dgm:linClrLst>
+    <dgm:effectClrLst/>
+    <dgm:txLinClrLst/>
+    <dgm:txFillClrLst/>
+    <dgm:txEffectClrLst/>
+  </dgm:styleLbl>
+  <dgm:styleLbl name="sibTrans1D1">
+    <dgm:fillClrLst meth="repeat">
+      <a:schemeClr val="accent1"/>
+    </dgm:fillClrLst>
+    <dgm:linClrLst meth="repeat">
+      <a:schemeClr val="accent1"/>
+    </dgm:linClrLst>
+    <dgm:effectClrLst/>
+    <dgm:txLinClrLst/>
+    <dgm:txFillClrLst meth="repeat">
+      <a:schemeClr val="tx1"/>
+    </dgm:txFillClrLst>
+    <dgm:txEffectClrLst/>
+  </dgm:styleLbl>
+  <dgm:styleLbl name="callout">
+    <dgm:fillClrLst meth="repeat">
+      <a:schemeClr val="accent1"/>
+    </dgm:fillClrLst>
+    <dgm:linClrLst meth="repeat">
+      <a:schemeClr val="accent1">
+        <a:tint val="50000"/>
+      </a:schemeClr>
+    </dgm:linClrLst>
+    <dgm:effectClrLst/>
+    <dgm:txLinClrLst/>
+    <dgm:txFillClrLst meth="repeat">
+      <a:schemeClr val="tx1"/>
+    </dgm:txFillClrLst>
+    <dgm:txEffectClrLst/>
+  </dgm:styleLbl>
+  <dgm:styleLbl name="asst0">
+    <dgm:fillClrLst meth="repeat">
+      <a:schemeClr val="accent1"/>
+    </dgm:fillClrLst>
+    <dgm:linClrLst meth="repeat">
+      <a:schemeClr val="lt1"/>
+    </dgm:linClrLst>
+    <dgm:effectClrLst/>
+    <dgm:txLinClrLst/>
+    <dgm:txFillClrLst/>
+    <dgm:txEffectClrLst/>
+  </dgm:styleLbl>
+  <dgm:styleLbl name="asst1">
+    <dgm:fillClrLst meth="repeat">
+      <a:schemeClr val="accent1"/>
+    </dgm:fillClrLst>
+    <dgm:linClrLst meth="repeat">
+      <a:schemeClr val="lt1"/>
+    </dgm:linClrLst>
+    <dgm:effectClrLst/>
+    <dgm:txLinClrLst/>
+    <dgm:txFillClrLst/>
+    <dgm:txEffectClrLst/>
+  </dgm:styleLbl>
+  <dgm:styleLbl name="asst2">
+    <dgm:fillClrLst meth="repeat">
+      <a:schemeClr val="accent1"/>
+    </dgm:fillClrLst>
+    <dgm:linClrLst meth="repeat">
+      <a:schemeClr val="lt1"/>
+    </dgm:linClrLst>
+    <dgm:effectClrLst/>
+    <dgm:txLinClrLst/>
+    <dgm:txFillClrLst/>
+    <dgm:txEffectClrLst/>
+  </dgm:styleLbl>
+  <dgm:styleLbl name="asst3">
+    <dgm:fillClrLst meth="repeat">
+      <a:schemeClr val="accent1"/>
+    </dgm:fillClrLst>
+    <dgm:linClrLst meth="repeat">
+      <a:schemeClr val="lt1"/>
+    </dgm:linClrLst>
+    <dgm:effectClrLst/>
+    <dgm:txLinClrLst/>
+    <dgm:txFillClrLst/>
+    <dgm:txEffectClrLst/>
+  </dgm:styleLbl>
+  <dgm:styleLbl name="asst4">
+    <dgm:fillClrLst meth="repeat">
+      <a:schemeClr val="accent1"/>
+    </dgm:fillClrLst>
+    <dgm:linClrLst meth="repeat">
+      <a:schemeClr val="lt1"/>
+    </dgm:linClrLst>
+    <dgm:effectClrLst/>
+    <dgm:txLinClrLst/>
+    <dgm:txFillClrLst/>
+    <dgm:txEffectClrLst/>
+  </dgm:styleLbl>
+  <dgm:styleLbl name="parChTrans2D1">
+    <dgm:fillClrLst meth="repeat">
+      <a:schemeClr val="accent1">
+        <a:tint val="60000"/>
+      </a:schemeClr>
+    </dgm:fillClrLst>
+    <dgm:linClrLst meth="repeat">
+      <a:schemeClr val="accent1">
+        <a:tint val="60000"/>
+      </a:schemeClr>
+    </dgm:linClrLst>
+    <dgm:effectClrLst/>
+    <dgm:txLinClrLst/>
+    <dgm:txFillClrLst meth="repeat">
+      <a:schemeClr val="lt1"/>
+    </dgm:txFillClrLst>
+    <dgm:txEffectClrLst/>
+  </dgm:styleLbl>
+  <dgm:styleLbl name="parChTrans2D2">
+    <dgm:fillClrLst meth="repeat">
+      <a:schemeClr val="accent1"/>
+    </dgm:fillClrLst>
+    <dgm:linClrLst meth="repeat">
+      <a:schemeClr val="accent1"/>
+    </dgm:linClrLst>
+    <dgm:effectClrLst/>
+    <dgm:txLinClrLst/>
+    <dgm:txFillClrLst meth="repeat">
+      <a:schemeClr val="lt1"/>
+    </dgm:txFillClrLst>
+    <dgm:txEffectClrLst/>
+  </dgm:styleLbl>
+  <dgm:styleLbl name="parChTrans2D3">
+    <dgm:fillClrLst meth="repeat">
+      <a:schemeClr val="accent1"/>
+    </dgm:fillClrLst>
+    <dgm:linClrLst meth="repeat">
+      <a:schemeClr val="accent1"/>
+    </dgm:linClrLst>
+    <dgm:effectClrLst/>
+    <dgm:txLinClrLst/>
+    <dgm:txFillClrLst meth="repeat">
+      <a:schemeClr val="lt1"/>
+    </dgm:txFillClrLst>
+    <dgm:txEffectClrLst/>
+  </dgm:styleLbl>
+  <dgm:styleLbl name="parChTrans2D4">
+    <dgm:fillClrLst meth="repeat">
+      <a:schemeClr val="accent1"/>
+    </dgm:fillClrLst>
+    <dgm:linClrLst meth="repeat">
+      <a:schemeClr val="accent1"/>
+    </dgm:linClrLst>
+    <dgm:effectClrLst/>
+    <dgm:txLinClrLst/>
+    <dgm:txFillClrLst meth="repeat">
+      <a:schemeClr val="lt1"/>
+    </dgm:txFillClrLst>
+    <dgm:txEffectClrLst/>
+  </dgm:styleLbl>
+  <dgm:styleLbl name="parChTrans1D1">
+    <dgm:fillClrLst meth="repeat">
+      <a:schemeClr val="accent1"/>
+    </dgm:fillClrLst>
+    <dgm:linClrLst meth="repeat">
+      <a:schemeClr val="accent1">
+        <a:shade val="60000"/>
+      </a:schemeClr>
+    </dgm:linClrLst>
+    <dgm:effectClrLst/>
+    <dgm:txLinClrLst/>
+    <dgm:txFillClrLst meth="repeat">
+      <a:schemeClr val="tx1"/>
+    </dgm:txFillClrLst>
+    <dgm:txEffectClrLst/>
+  </dgm:styleLbl>
+  <dgm:styleLbl name="parChTrans1D2">
+    <dgm:fillClrLst meth="repeat">
+      <a:schemeClr val="accent1"/>
+    </dgm:fillClrLst>
+    <dgm:linClrLst meth="repeat">
+      <a:schemeClr val="accent1">
+        <a:shade val="60000"/>
+      </a:schemeClr>
+    </dgm:linClrLst>
+    <dgm:effectClrLst/>
+    <dgm:txLinClrLst/>
+    <dgm:txFillClrLst meth="repeat">
+      <a:schemeClr val="tx1"/>
+    </dgm:txFillClrLst>
+    <dgm:txEffectClrLst/>
+  </dgm:styleLbl>
+  <dgm:styleLbl name="parChTrans1D3">
+    <dgm:fillClrLst meth="repeat">
+      <a:schemeClr val="accent1"/>
+    </dgm:fillClrLst>
+    <dgm:linClrLst meth="repeat">
+      <a:schemeClr val="accent1">
+        <a:shade val="80000"/>
+      </a:schemeClr>
+    </dgm:linClrLst>
+    <dgm:effectClrLst/>
+    <dgm:txLinClrLst/>
+    <dgm:txFillClrLst meth="repeat">
+      <a:schemeClr val="tx1"/>
+    </dgm:txFillClrLst>
+    <dgm:txEffectClrLst/>
+  </dgm:styleLbl>
+  <dgm:styleLbl name="parChTrans1D4">
+    <dgm:fillClrLst meth="repeat">
+      <a:schemeClr val="accent1"/>
+    </dgm:fillClrLst>
+    <dgm:linClrLst meth="repeat">
+      <a:schemeClr val="accent1">
+        <a:shade val="80000"/>
+      </a:schemeClr>
+    </dgm:linClrLst>
+    <dgm:effectClrLst/>
+    <dgm:txLinClrLst/>
+    <dgm:txFillClrLst meth="repeat">
+      <a:schemeClr val="tx1"/>
+    </dgm:txFillClrLst>
+    <dgm:txEffectClrLst/>
+  </dgm:styleLbl>
+  <dgm:styleLbl name="fgAcc1">
+    <dgm:fillClrLst meth="repeat">
+      <a:schemeClr val="lt1">
+        <a:alpha val="90000"/>
+      </a:schemeClr>
+    </dgm:fillClrLst>
+    <dgm:linClrLst meth="repeat">
+      <a:schemeClr val="accent1"/>
+    </dgm:linClrLst>
+    <dgm:effectClrLst/>
+    <dgm:txLinClrLst/>
+    <dgm:txFillClrLst meth="repeat">
+      <a:schemeClr val="dk1"/>
+    </dgm:txFillClrLst>
+    <dgm:txEffectClrLst/>
+  </dgm:styleLbl>
+  <dgm:styleLbl name="conFgAcc1">
+    <dgm:fillClrLst meth="repeat">
+      <a:schemeClr val="lt1">
+        <a:alpha val="90000"/>
+      </a:schemeClr>
+    </dgm:fillClrLst>
+    <dgm:linClrLst meth="repeat">
+      <a:schemeClr val="accent1"/>
+    </dgm:linClrLst>
+    <dgm:effectClrLst/>
+    <dgm:txLinClrLst/>
+    <dgm:txFillClrLst meth="repeat">
+      <a:schemeClr val="dk1"/>
+    </dgm:txFillClrLst>
+    <dgm:txEffectClrLst/>
+  </dgm:styleLbl>
+  <dgm:styleLbl name="alignAcc1">
+    <dgm:fillClrLst meth="repeat">
+      <a:schemeClr val="lt1">
+        <a:alpha val="90000"/>
+      </a:schemeClr>
+    </dgm:fillClrLst>
+    <dgm:linClrLst meth="repeat">
+      <a:schemeClr val="accent1"/>
+    </dgm:linClrLst>
+    <dgm:effectClrLst/>
+    <dgm:txLinClrLst/>
+    <dgm:txFillClrLst meth="repeat">
+      <a:schemeClr val="dk1"/>
+    </dgm:txFillClrLst>
+    <dgm:txEffectClrLst/>
+  </dgm:styleLbl>
+  <dgm:styleLbl name="trAlignAcc1">
+    <dgm:fillClrLst meth="repeat">
+      <a:schemeClr val="lt1">
+        <a:alpha val="40000"/>
+      </a:schemeClr>
+    </dgm:fillClrLst>
+    <dgm:linClrLst meth="repeat">
+      <a:schemeClr val="accent1"/>
+    </dgm:linClrLst>
+    <dgm:effectClrLst/>
+    <dgm:txLinClrLst/>
+    <dgm:txFillClrLst meth="repeat">
+      <a:schemeClr val="dk1"/>
+    </dgm:txFillClrLst>
+    <dgm:txEffectClrLst/>
+  </dgm:styleLbl>
+  <dgm:styleLbl name="bgAcc1">
+    <dgm:fillClrLst meth="repeat">
+      <a:schemeClr val="lt1">
+        <a:alpha val="90000"/>
+      </a:schemeClr>
+    </dgm:fillClrLst>
+    <dgm:linClrLst meth="repeat">
+      <a:schemeClr val="accent1"/>
+    </dgm:linClrLst>
+    <dgm:effectClrLst/>
+    <dgm:txLinClrLst/>
+    <dgm:txFillClrLst meth="repeat">
+      <a:schemeClr val="dk1"/>
+    </dgm:txFillClrLst>
+    <dgm:txEffectClrLst/>
+  </dgm:styleLbl>
+  <dgm:styleLbl name="solidFgAcc1">
+    <dgm:fillClrLst meth="repeat">
+      <a:schemeClr val="lt1"/>
+    </dgm:fillClrLst>
+    <dgm:linClrLst meth="repeat">
+      <a:schemeClr val="accent1"/>
+    </dgm:linClrLst>
+    <dgm:effectClrLst/>
+    <dgm:txLinClrLst/>
+    <dgm:txFillClrLst meth="repeat">
+      <a:schemeClr val="dk1"/>
+    </dgm:txFillClrLst>
+    <dgm:txEffectClrLst/>
+  </dgm:styleLbl>
+  <dgm:styleLbl name="solidAlignAcc1">
+    <dgm:fillClrLst meth="repeat">
+      <a:schemeClr val="lt1"/>
+    </dgm:fillClrLst>
+    <dgm:linClrLst meth="repeat">
+      <a:schemeClr val="accent1"/>
+    </dgm:linClrLst>
+    <dgm:effectClrLst/>
+    <dgm:txLinClrLst/>
+    <dgm:txFillClrLst meth="repeat">
+      <a:schemeClr val="dk1"/>
+    </dgm:txFillClrLst>
+    <dgm:txEffectClrLst/>
+  </dgm:styleLbl>
+  <dgm:styleLbl name="solidBgAcc1">
+    <dgm:fillClrLst meth="repeat">
+      <a:schemeClr val="lt1"/>
+    </dgm:fillClrLst>
+    <dgm:linClrLst meth="repeat">
+      <a:schemeClr val="accent1"/>
+    </dgm:linClrLst>
+    <dgm:effectClrLst/>
+    <dgm:txLinClrLst/>
+    <dgm:txFillClrLst meth="repeat">
+      <a:schemeClr val="dk1"/>
+    </dgm:txFillClrLst>
+    <dgm:txEffectClrLst/>
+  </dgm:styleLbl>
+  <dgm:styleLbl name="fgAccFollowNode1">
+    <dgm:fillClrLst meth="repeat">
+      <a:schemeClr val="accent1">
+        <a:alpha val="90000"/>
+        <a:tint val="40000"/>
+      </a:schemeClr>
+    </dgm:fillClrLst>
+    <dgm:linClrLst meth="repeat">
+      <a:schemeClr val="accent1">
+        <a:alpha val="90000"/>
+        <a:tint val="40000"/>
+      </a:schemeClr>
+    </dgm:linClrLst>
+    <dgm:effectClrLst/>
+    <dgm:txLinClrLst/>
+    <dgm:txFillClrLst meth="repeat">
+      <a:schemeClr val="dk1"/>
+    </dgm:txFillClrLst>
+    <dgm:txEffectClrLst/>
+  </dgm:styleLbl>
+  <dgm:styleLbl name="alignAccFollowNode1">
+    <dgm:fillClrLst meth="repeat">
+      <a:schemeClr val="accent1">
+        <a:alpha val="90000"/>
+        <a:tint val="40000"/>
+      </a:schemeClr>
+    </dgm:fillClrLst>
+    <dgm:linClrLst meth="repeat">
+      <a:schemeClr val="accent1">
+        <a:alpha val="90000"/>
+        <a:tint val="40000"/>
+      </a:schemeClr>
+    </dgm:linClrLst>
+    <dgm:effectClrLst/>
+    <dgm:txLinClrLst/>
+    <dgm:txFillClrLst meth="repeat">
+      <a:schemeClr val="dk1"/>
+    </dgm:txFillClrLst>
+    <dgm:txEffectClrLst/>
+  </dgm:styleLbl>
+  <dgm:styleLbl name="bgAccFollowNode1">
+    <dgm:fillClrLst meth="repeat">
+      <a:schemeClr val="accent1">
+        <a:alpha val="90000"/>
+        <a:tint val="40000"/>
+      </a:schemeClr>
+    </dgm:fillClrLst>
+    <dgm:linClrLst meth="repeat">
+      <a:schemeClr val="accent1">
+        <a:alpha val="90000"/>
+        <a:tint val="40000"/>
+      </a:schemeClr>
+    </dgm:linClrLst>
+    <dgm:effectClrLst/>
+    <dgm:txLinClrLst/>
+    <dgm:txFillClrLst meth="repeat">
+      <a:schemeClr val="dk1"/>
+    </dgm:txFillClrLst>
+    <dgm:txEffectClrLst/>
+  </dgm:styleLbl>
+  <dgm:styleLbl name="fgAcc0">
+    <dgm:fillClrLst meth="repeat">
+      <a:schemeClr val="lt1">
+        <a:alpha val="90000"/>
+      </a:schemeClr>
+    </dgm:fillClrLst>
+    <dgm:linClrLst meth="repeat">
+      <a:schemeClr val="accent1"/>
+    </dgm:linClrLst>
+    <dgm:effectClrLst/>
+    <dgm:txLinClrLst/>
+    <dgm:txFillClrLst meth="repeat">
+      <a:schemeClr val="dk1"/>
+    </dgm:txFillClrLst>
+    <dgm:txEffectClrLst/>
+  </dgm:styleLbl>
+  <dgm:styleLbl name="fgAcc2">
+    <dgm:fillClrLst meth="repeat">
+      <a:schemeClr val="lt1">
+        <a:alpha val="90000"/>
+      </a:schemeClr>
+    </dgm:fillClrLst>
+    <dgm:linClrLst meth="repeat">
+      <a:schemeClr val="accent1"/>
+    </dgm:linClrLst>
+    <dgm:effectClrLst/>
+    <dgm:txLinClrLst/>
+    <dgm:txFillClrLst meth="repeat">
+      <a:schemeClr val="dk1"/>
+    </dgm:txFillClrLst>
+    <dgm:txEffectClrLst/>
+  </dgm:styleLbl>
+  <dgm:styleLbl name="fgAcc3">
+    <dgm:fillClrLst meth="repeat">
+      <a:schemeClr val="lt1">
+        <a:alpha val="90000"/>
+      </a:schemeClr>
+    </dgm:fillClrLst>
+    <dgm:linClrLst meth="repeat">
+      <a:schemeClr val="accent1"/>
+    </dgm:linClrLst>
+    <dgm:effectClrLst/>
+    <dgm:txLinClrLst/>
+    <dgm:txFillClrLst meth="repeat">
+      <a:schemeClr val="dk1"/>
+    </dgm:txFillClrLst>
+    <dgm:txEffectClrLst/>
+  </dgm:styleLbl>
+  <dgm:styleLbl name="fgAcc4">
+    <dgm:fillClrLst meth="repeat">
+      <a:schemeClr val="lt1">
+        <a:alpha val="90000"/>
+      </a:schemeClr>
+    </dgm:fillClrLst>
+    <dgm:linClrLst meth="repeat">
+      <a:schemeClr val="accent1"/>
+    </dgm:linClrLst>
+    <dgm:effectClrLst/>
+    <dgm:txLinClrLst/>
+    <dgm:txFillClrLst meth="repeat">
+      <a:schemeClr val="dk1"/>
+    </dgm:txFillClrLst>
+    <dgm:txEffectClrLst/>
+  </dgm:styleLbl>
+  <dgm:styleLbl name="bgShp">
+    <dgm:fillClrLst meth="repeat">
+      <a:schemeClr val="accent1">
+        <a:tint val="40000"/>
+      </a:schemeClr>
+    </dgm:fillClrLst>
+    <dgm:linClrLst meth="repeat">
+      <a:schemeClr val="accent1"/>
+    </dgm:linClrLst>
+    <dgm:effectClrLst/>
+    <dgm:txLinClrLst/>
+    <dgm:txFillClrLst meth="repeat">
+      <a:schemeClr val="dk1"/>
+    </dgm:txFillClrLst>
+    <dgm:txEffectClrLst/>
+  </dgm:styleLbl>
+  <dgm:styleLbl name="dkBgShp">
+    <dgm:fillClrLst meth="repeat">
+      <a:schemeClr val="accent1">
+        <a:shade val="80000"/>
+      </a:schemeClr>
+    </dgm:fillClrLst>
+    <dgm:linClrLst meth="repeat">
+      <a:schemeClr val="accent1"/>
+    </dgm:linClrLst>
+    <dgm:effectClrLst/>
+    <dgm:txLinClrLst/>
+    <dgm:txFillClrLst meth="repeat">
+      <a:schemeClr val="lt1"/>
+    </dgm:txFillClrLst>
+    <dgm:txEffectClrLst/>
+  </dgm:styleLbl>
+  <dgm:styleLbl name="trBgShp">
+    <dgm:fillClrLst meth="repeat">
+      <a:schemeClr val="accent1">
+        <a:tint val="50000"/>
+        <a:alpha val="40000"/>
+      </a:schemeClr>
+    </dgm:fillClrLst>
+    <dgm:linClrLst meth="repeat">
+      <a:schemeClr val="accent1"/>
+    </dgm:linClrLst>
+    <dgm:effectClrLst/>
+    <dgm:txLinClrLst/>
+    <dgm:txFillClrLst meth="repeat">
+      <a:schemeClr val="lt1"/>
+    </dgm:txFillClrLst>
+    <dgm:txEffectClrLst/>
+  </dgm:styleLbl>
+  <dgm:styleLbl name="fgShp">
+    <dgm:fillClrLst meth="repeat">
+      <a:schemeClr val="accent1">
+        <a:tint val="60000"/>
+      </a:schemeClr>
+    </dgm:fillClrLst>
+    <dgm:linClrLst meth="repeat">
+      <a:schemeClr val="lt1"/>
+    </dgm:linClrLst>
+    <dgm:effectClrLst/>
+    <dgm:txLinClrLst/>
+    <dgm:txFillClrLst meth="repeat">
+      <a:schemeClr val="dk1"/>
+    </dgm:txFillClrLst>
+    <dgm:txEffectClrLst/>
+  </dgm:styleLbl>
+  <dgm:styleLbl name="revTx">
+    <dgm:fillClrLst meth="repeat">
+      <a:schemeClr val="lt1">
+        <a:alpha val="0"/>
+      </a:schemeClr>
+    </dgm:fillClrLst>
+    <dgm:linClrLst meth="repeat">
+      <a:schemeClr val="dk1">
+        <a:alpha val="0"/>
+      </a:schemeClr>
+    </dgm:linClrLst>
+    <dgm:effectClrLst/>
+    <dgm:txLinClrLst/>
+    <dgm:txFillClrLst meth="repeat">
+      <a:schemeClr val="tx1"/>
+    </dgm:txFillClrLst>
+    <dgm:txEffectClrLst/>
+  </dgm:styleLbl>
+</dgm:colorsDef>
+</file>
+
+<file path=ppt/diagrams/data1.xml><?xml version="1.0" encoding="utf-8"?>
+<dgm:dataModel xmlns:dgm="http://schemas.openxmlformats.org/drawingml/2006/diagram" xmlns:a="http://schemas.openxmlformats.org/drawingml/2006/main">
+  <dgm:ptLst>
+    <dgm:pt modelId="{A35D7A88-9133-694F-B399-45807959694F}" type="doc">
+      <dgm:prSet loTypeId="urn:microsoft.com/office/officeart/2005/8/layout/hList1" loCatId="" qsTypeId="urn:microsoft.com/office/officeart/2005/8/quickstyle/simple1" qsCatId="simple" csTypeId="urn:microsoft.com/office/officeart/2005/8/colors/accent1_2" csCatId="accent1" phldr="1"/>
+      <dgm:spPr/>
+      <dgm:t>
+        <a:bodyPr/>
+        <a:lstStyle/>
+        <a:p>
+          <a:endParaRPr lang="en-GB"/>
+        </a:p>
+      </dgm:t>
+    </dgm:pt>
+    <dgm:pt modelId="{F6071E1C-EDAC-9A40-920E-6396D1F3F8B6}">
+      <dgm:prSet phldrT="[Text]"/>
+      <dgm:spPr/>
+      <dgm:t>
+        <a:bodyPr/>
+        <a:lstStyle/>
+        <a:p>
+          <a:r>
+            <a:rPr lang="en-GB" dirty="0" err="1"/>
+            <a:t>Snezka</a:t>
+          </a:r>
+          <a:r>
+            <a:rPr lang="en-GB" dirty="0"/>
+            <a:t> Release</a:t>
+          </a:r>
+          <a:br>
+            <a:rPr lang="en-GB" dirty="0"/>
+          </a:br>
+          <a:r>
+            <a:rPr lang="en-GB" dirty="0"/>
+            <a:t>January 2020</a:t>
+          </a:r>
+        </a:p>
+      </dgm:t>
+    </dgm:pt>
+    <dgm:pt modelId="{B11FCE09-F120-8B49-AA5E-D514E812025E}" type="parTrans" cxnId="{C05F9B6C-1B06-1D4C-929B-E1475DEFCA56}">
+      <dgm:prSet/>
+      <dgm:spPr/>
+      <dgm:t>
+        <a:bodyPr/>
+        <a:lstStyle/>
+        <a:p>
+          <a:endParaRPr lang="en-GB"/>
+        </a:p>
+      </dgm:t>
+    </dgm:pt>
+    <dgm:pt modelId="{14358919-DA4D-1D41-A664-4A9CD28B0FE9}" type="sibTrans" cxnId="{C05F9B6C-1B06-1D4C-929B-E1475DEFCA56}">
+      <dgm:prSet/>
+      <dgm:spPr/>
+      <dgm:t>
+        <a:bodyPr/>
+        <a:lstStyle/>
+        <a:p>
+          <a:endParaRPr lang="en-GB"/>
+        </a:p>
+      </dgm:t>
+    </dgm:pt>
+    <dgm:pt modelId="{77355CEE-F4FB-B145-BA7B-0969D50CE212}">
+      <dgm:prSet phldrT="[Text]"/>
+      <dgm:spPr/>
+      <dgm:t>
+        <a:bodyPr/>
+        <a:lstStyle/>
+        <a:p>
+          <a:r>
+            <a:rPr lang="en-GB" dirty="0"/>
+            <a:t>Table of Contents complete for all chapters</a:t>
+          </a:r>
+        </a:p>
+      </dgm:t>
+    </dgm:pt>
+    <dgm:pt modelId="{F2BDCC11-56D3-4442-A429-5D06472DF069}" type="parTrans" cxnId="{8592FE85-E4E9-8B48-A407-6DADD09EA5B1}">
+      <dgm:prSet/>
+      <dgm:spPr/>
+      <dgm:t>
+        <a:bodyPr/>
+        <a:lstStyle/>
+        <a:p>
+          <a:endParaRPr lang="en-GB"/>
+        </a:p>
+      </dgm:t>
+    </dgm:pt>
+    <dgm:pt modelId="{E6C3A3F3-286E-1A48-A36D-BD1179C07AFF}" type="sibTrans" cxnId="{8592FE85-E4E9-8B48-A407-6DADD09EA5B1}">
+      <dgm:prSet/>
+      <dgm:spPr/>
+      <dgm:t>
+        <a:bodyPr/>
+        <a:lstStyle/>
+        <a:p>
+          <a:endParaRPr lang="en-GB"/>
+        </a:p>
+      </dgm:t>
+    </dgm:pt>
+    <dgm:pt modelId="{E29E2A27-8533-E24F-8C31-5B9521B1439F}">
+      <dgm:prSet phldrT="[Text]"/>
+      <dgm:spPr/>
+      <dgm:t>
+        <a:bodyPr/>
+        <a:lstStyle/>
+        <a:p>
+          <a:r>
+            <a:rPr lang="en-GB" dirty="0"/>
+            <a:t>TBC Release </a:t>
+          </a:r>
+          <a:br>
+            <a:rPr lang="en-GB" dirty="0"/>
+          </a:br>
+          <a:r>
+            <a:rPr lang="en-GB" dirty="0"/>
+            <a:t>April 2020</a:t>
+          </a:r>
+        </a:p>
+      </dgm:t>
+    </dgm:pt>
+    <dgm:pt modelId="{9F65CE4E-3F27-574B-8BF9-5777868BAB69}" type="parTrans" cxnId="{9094B106-AE32-1F4B-AAC1-A6787A1B5D54}">
+      <dgm:prSet/>
+      <dgm:spPr/>
+      <dgm:t>
+        <a:bodyPr/>
+        <a:lstStyle/>
+        <a:p>
+          <a:endParaRPr lang="en-GB"/>
+        </a:p>
+      </dgm:t>
+    </dgm:pt>
+    <dgm:pt modelId="{8EEB82E9-666C-3146-88B9-7686E6360F82}" type="sibTrans" cxnId="{9094B106-AE32-1F4B-AAC1-A6787A1B5D54}">
+      <dgm:prSet/>
+      <dgm:spPr/>
+      <dgm:t>
+        <a:bodyPr/>
+        <a:lstStyle/>
+        <a:p>
+          <a:endParaRPr lang="en-GB"/>
+        </a:p>
+      </dgm:t>
+    </dgm:pt>
+    <dgm:pt modelId="{A42F1D9D-E815-A840-B21A-C8A308A1B242}">
+      <dgm:prSet phldrT="[Text]"/>
+      <dgm:spPr/>
+      <dgm:t>
+        <a:bodyPr/>
+        <a:lstStyle/>
+        <a:p>
+          <a:r>
+            <a:rPr lang="en-GB" dirty="0"/>
+            <a:t>Chapter 2 (Requirements) at “Complete”</a:t>
+          </a:r>
+        </a:p>
+      </dgm:t>
+    </dgm:pt>
+    <dgm:pt modelId="{10F67730-0A55-0E47-B0C8-495B065B6AAE}" type="parTrans" cxnId="{0989B610-916F-E94B-B537-014828527B9D}">
+      <dgm:prSet/>
+      <dgm:spPr/>
+      <dgm:t>
+        <a:bodyPr/>
+        <a:lstStyle/>
+        <a:p>
+          <a:endParaRPr lang="en-GB"/>
+        </a:p>
+      </dgm:t>
+    </dgm:pt>
+    <dgm:pt modelId="{59DC6480-6842-1E42-AD02-3E23098B1587}" type="sibTrans" cxnId="{0989B610-916F-E94B-B537-014828527B9D}">
+      <dgm:prSet/>
+      <dgm:spPr/>
+      <dgm:t>
+        <a:bodyPr/>
+        <a:lstStyle/>
+        <a:p>
+          <a:endParaRPr lang="en-GB"/>
+        </a:p>
+      </dgm:t>
+    </dgm:pt>
+    <dgm:pt modelId="{38B9CEC9-CE5B-5C4B-BB14-05AD30CEFB16}">
+      <dgm:prSet phldrT="[Text]"/>
+      <dgm:spPr/>
+      <dgm:t>
+        <a:bodyPr/>
+        <a:lstStyle/>
+        <a:p>
+          <a:r>
+            <a:rPr lang="en-GB" dirty="0"/>
+            <a:t>TBC Release</a:t>
+          </a:r>
+          <a:br>
+            <a:rPr lang="en-GB" dirty="0"/>
+          </a:br>
+          <a:r>
+            <a:rPr lang="en-GB" dirty="0"/>
+            <a:t>July 2020</a:t>
+          </a:r>
+        </a:p>
+      </dgm:t>
+    </dgm:pt>
+    <dgm:pt modelId="{960ABDB2-224B-2E47-9C3A-81C29589C852}" type="parTrans" cxnId="{B3330C26-D38A-304F-9698-5A710021FFA5}">
+      <dgm:prSet/>
+      <dgm:spPr/>
+      <dgm:t>
+        <a:bodyPr/>
+        <a:lstStyle/>
+        <a:p>
+          <a:endParaRPr lang="en-GB"/>
+        </a:p>
+      </dgm:t>
+    </dgm:pt>
+    <dgm:pt modelId="{92693703-2B0C-9D43-AB0A-839797ADE0B9}" type="sibTrans" cxnId="{B3330C26-D38A-304F-9698-5A710021FFA5}">
+      <dgm:prSet/>
+      <dgm:spPr/>
+      <dgm:t>
+        <a:bodyPr/>
+        <a:lstStyle/>
+        <a:p>
+          <a:endParaRPr lang="en-GB"/>
+        </a:p>
+      </dgm:t>
+    </dgm:pt>
+    <dgm:pt modelId="{8DDEE7E0-DDB7-A24B-89B2-ADACF1815350}">
+      <dgm:prSet phldrT="[Text]"/>
+      <dgm:spPr/>
+      <dgm:t>
+        <a:bodyPr/>
+        <a:lstStyle/>
+        <a:p>
+          <a:r>
+            <a:rPr lang="en-GB" dirty="0"/>
+            <a:t>Include VM orchestration for CNFs</a:t>
+          </a:r>
+        </a:p>
+      </dgm:t>
+    </dgm:pt>
+    <dgm:pt modelId="{4B5C4B37-5F9D-864F-A390-04545835A47D}" type="parTrans" cxnId="{7380BC42-2D37-E747-B2C4-31F0A7DF3963}">
+      <dgm:prSet/>
+      <dgm:spPr/>
+      <dgm:t>
+        <a:bodyPr/>
+        <a:lstStyle/>
+        <a:p>
+          <a:endParaRPr lang="en-GB"/>
+        </a:p>
+      </dgm:t>
+    </dgm:pt>
+    <dgm:pt modelId="{4EF6A7EA-1061-834F-976A-042DFFF32111}" type="sibTrans" cxnId="{7380BC42-2D37-E747-B2C4-31F0A7DF3963}">
+      <dgm:prSet/>
+      <dgm:spPr/>
+      <dgm:t>
+        <a:bodyPr/>
+        <a:lstStyle/>
+        <a:p>
+          <a:endParaRPr lang="en-GB"/>
+        </a:p>
+      </dgm:t>
+    </dgm:pt>
+    <dgm:pt modelId="{8E9C75FF-DB25-164E-A506-DC6D3BD6B9F9}">
+      <dgm:prSet phldrT="[Text]"/>
+      <dgm:spPr/>
+      <dgm:t>
+        <a:bodyPr/>
+        <a:lstStyle/>
+        <a:p>
+          <a:r>
+            <a:rPr lang="en-GB" dirty="0"/>
+            <a:t>Chapters 1,2,3,6 at “Lots of SME feedback” or better</a:t>
+          </a:r>
+        </a:p>
+      </dgm:t>
+    </dgm:pt>
+    <dgm:pt modelId="{D5534814-DD98-9B4A-969A-C516DAF4A0C6}" type="parTrans" cxnId="{9822DB2E-1A45-EA43-873A-798EFDFAAFEA}">
+      <dgm:prSet/>
+      <dgm:spPr/>
+      <dgm:t>
+        <a:bodyPr/>
+        <a:lstStyle/>
+        <a:p>
+          <a:endParaRPr lang="en-GB"/>
+        </a:p>
+      </dgm:t>
+    </dgm:pt>
+    <dgm:pt modelId="{13CA365F-E908-194F-9A99-1F8B0D6C17A9}" type="sibTrans" cxnId="{9822DB2E-1A45-EA43-873A-798EFDFAAFEA}">
+      <dgm:prSet/>
+      <dgm:spPr/>
+      <dgm:t>
+        <a:bodyPr/>
+        <a:lstStyle/>
+        <a:p>
+          <a:endParaRPr lang="en-GB"/>
+        </a:p>
+      </dgm:t>
+    </dgm:pt>
+    <dgm:pt modelId="{502ABEF5-7782-A741-AC6F-58A53F775AD3}">
+      <dgm:prSet phldrT="[Text]"/>
+      <dgm:spPr/>
+      <dgm:t>
+        <a:bodyPr/>
+        <a:lstStyle/>
+        <a:p>
+          <a:r>
+            <a:rPr lang="en-GB" dirty="0"/>
+            <a:t>All other chapters at "Lots of SME feedback" or better</a:t>
+          </a:r>
+        </a:p>
+      </dgm:t>
+    </dgm:pt>
+    <dgm:pt modelId="{DA8B308B-E247-944E-A621-8150EA718556}" type="parTrans" cxnId="{73ED9D5A-F09B-9C4C-A07D-46CD25618CEC}">
+      <dgm:prSet/>
+      <dgm:spPr/>
+      <dgm:t>
+        <a:bodyPr/>
+        <a:lstStyle/>
+        <a:p>
+          <a:endParaRPr lang="en-GB"/>
+        </a:p>
+      </dgm:t>
+    </dgm:pt>
+    <dgm:pt modelId="{0FEE11B4-2D90-4C42-98E1-D9EEEC68621C}" type="sibTrans" cxnId="{73ED9D5A-F09B-9C4C-A07D-46CD25618CEC}">
+      <dgm:prSet/>
+      <dgm:spPr/>
+      <dgm:t>
+        <a:bodyPr/>
+        <a:lstStyle/>
+        <a:p>
+          <a:endParaRPr lang="en-GB"/>
+        </a:p>
+      </dgm:t>
+    </dgm:pt>
+    <dgm:pt modelId="{32345713-D1E2-DD45-A7D5-1E0B73484EB3}">
+      <dgm:prSet phldrT="[Text]"/>
+      <dgm:spPr/>
+      <dgm:t>
+        <a:bodyPr/>
+        <a:lstStyle/>
+        <a:p>
+          <a:r>
+            <a:rPr lang="en-GB" dirty="0"/>
+            <a:t>Mapping of specification to RM Infrastructure Profiles included</a:t>
+          </a:r>
+        </a:p>
+      </dgm:t>
+    </dgm:pt>
+    <dgm:pt modelId="{909F91E8-758A-C547-B85A-B4180D0C532C}" type="parTrans" cxnId="{DA260700-17CE-B94B-AA6B-C95F311CD4E4}">
+      <dgm:prSet/>
+      <dgm:spPr/>
+      <dgm:t>
+        <a:bodyPr/>
+        <a:lstStyle/>
+        <a:p>
+          <a:endParaRPr lang="en-GB"/>
+        </a:p>
+      </dgm:t>
+    </dgm:pt>
+    <dgm:pt modelId="{AAF2275B-5EBD-9641-A7E0-915F5BD29C6F}" type="sibTrans" cxnId="{DA260700-17CE-B94B-AA6B-C95F311CD4E4}">
+      <dgm:prSet/>
+      <dgm:spPr/>
+      <dgm:t>
+        <a:bodyPr/>
+        <a:lstStyle/>
+        <a:p>
+          <a:endParaRPr lang="en-GB"/>
+        </a:p>
+      </dgm:t>
+    </dgm:pt>
+    <dgm:pt modelId="{23FA0D5C-0197-2944-A5C8-19189213DB5B}" type="pres">
+      <dgm:prSet presAssocID="{A35D7A88-9133-694F-B399-45807959694F}" presName="Name0" presStyleCnt="0">
+        <dgm:presLayoutVars>
+          <dgm:dir/>
+          <dgm:animLvl val="lvl"/>
+          <dgm:resizeHandles val="exact"/>
+        </dgm:presLayoutVars>
+      </dgm:prSet>
+      <dgm:spPr/>
+    </dgm:pt>
+    <dgm:pt modelId="{1A22594E-C8FB-D94B-9096-0583C20536F3}" type="pres">
+      <dgm:prSet presAssocID="{F6071E1C-EDAC-9A40-920E-6396D1F3F8B6}" presName="composite" presStyleCnt="0"/>
+      <dgm:spPr/>
+    </dgm:pt>
+    <dgm:pt modelId="{8E556C75-6679-644B-807C-21BB2C474F56}" type="pres">
+      <dgm:prSet presAssocID="{F6071E1C-EDAC-9A40-920E-6396D1F3F8B6}" presName="parTx" presStyleLbl="alignNode1" presStyleIdx="0" presStyleCnt="3">
+        <dgm:presLayoutVars>
+          <dgm:chMax val="0"/>
+          <dgm:chPref val="0"/>
+          <dgm:bulletEnabled val="1"/>
+        </dgm:presLayoutVars>
+      </dgm:prSet>
+      <dgm:spPr/>
+    </dgm:pt>
+    <dgm:pt modelId="{A924A376-1AFF-B249-A073-BE4BC22C232A}" type="pres">
+      <dgm:prSet presAssocID="{F6071E1C-EDAC-9A40-920E-6396D1F3F8B6}" presName="desTx" presStyleLbl="alignAccFollowNode1" presStyleIdx="0" presStyleCnt="3">
+        <dgm:presLayoutVars>
+          <dgm:bulletEnabled val="1"/>
+        </dgm:presLayoutVars>
+      </dgm:prSet>
+      <dgm:spPr/>
+    </dgm:pt>
+    <dgm:pt modelId="{AB1B2BDC-4FAB-AB48-B2CB-9A5C458985E4}" type="pres">
+      <dgm:prSet presAssocID="{14358919-DA4D-1D41-A664-4A9CD28B0FE9}" presName="space" presStyleCnt="0"/>
+      <dgm:spPr/>
+    </dgm:pt>
+    <dgm:pt modelId="{875E6A7F-0A9A-0B42-988C-D4EFC4D15B45}" type="pres">
+      <dgm:prSet presAssocID="{E29E2A27-8533-E24F-8C31-5B9521B1439F}" presName="composite" presStyleCnt="0"/>
+      <dgm:spPr/>
+    </dgm:pt>
+    <dgm:pt modelId="{73CC7069-E204-0A47-9A88-7F587A301723}" type="pres">
+      <dgm:prSet presAssocID="{E29E2A27-8533-E24F-8C31-5B9521B1439F}" presName="parTx" presStyleLbl="alignNode1" presStyleIdx="1" presStyleCnt="3">
+        <dgm:presLayoutVars>
+          <dgm:chMax val="0"/>
+          <dgm:chPref val="0"/>
+          <dgm:bulletEnabled val="1"/>
+        </dgm:presLayoutVars>
+      </dgm:prSet>
+      <dgm:spPr/>
+    </dgm:pt>
+    <dgm:pt modelId="{1707C938-BFB5-BC42-8771-DAEA58EA8DA8}" type="pres">
+      <dgm:prSet presAssocID="{E29E2A27-8533-E24F-8C31-5B9521B1439F}" presName="desTx" presStyleLbl="alignAccFollowNode1" presStyleIdx="1" presStyleCnt="3">
+        <dgm:presLayoutVars>
+          <dgm:bulletEnabled val="1"/>
+        </dgm:presLayoutVars>
+      </dgm:prSet>
+      <dgm:spPr/>
+    </dgm:pt>
+    <dgm:pt modelId="{91CD1BBC-0D9F-0A4A-8220-7D20667F9911}" type="pres">
+      <dgm:prSet presAssocID="{8EEB82E9-666C-3146-88B9-7686E6360F82}" presName="space" presStyleCnt="0"/>
+      <dgm:spPr/>
+    </dgm:pt>
+    <dgm:pt modelId="{EF55E5B8-77A4-3E45-B9EB-1177CAFFA2CF}" type="pres">
+      <dgm:prSet presAssocID="{38B9CEC9-CE5B-5C4B-BB14-05AD30CEFB16}" presName="composite" presStyleCnt="0"/>
+      <dgm:spPr/>
+    </dgm:pt>
+    <dgm:pt modelId="{60720EE3-9CC1-1242-B5CD-82C76E3DFCF1}" type="pres">
+      <dgm:prSet presAssocID="{38B9CEC9-CE5B-5C4B-BB14-05AD30CEFB16}" presName="parTx" presStyleLbl="alignNode1" presStyleIdx="2" presStyleCnt="3">
+        <dgm:presLayoutVars>
+          <dgm:chMax val="0"/>
+          <dgm:chPref val="0"/>
+          <dgm:bulletEnabled val="1"/>
+        </dgm:presLayoutVars>
+      </dgm:prSet>
+      <dgm:spPr/>
+    </dgm:pt>
+    <dgm:pt modelId="{FB02936D-9138-E541-868F-238A92445032}" type="pres">
+      <dgm:prSet presAssocID="{38B9CEC9-CE5B-5C4B-BB14-05AD30CEFB16}" presName="desTx" presStyleLbl="alignAccFollowNode1" presStyleIdx="2" presStyleCnt="3">
+        <dgm:presLayoutVars>
+          <dgm:bulletEnabled val="1"/>
+        </dgm:presLayoutVars>
+      </dgm:prSet>
+      <dgm:spPr/>
+    </dgm:pt>
+  </dgm:ptLst>
+  <dgm:cxnLst>
+    <dgm:cxn modelId="{DA260700-17CE-B94B-AA6B-C95F311CD4E4}" srcId="{38B9CEC9-CE5B-5C4B-BB14-05AD30CEFB16}" destId="{32345713-D1E2-DD45-A7D5-1E0B73484EB3}" srcOrd="1" destOrd="0" parTransId="{909F91E8-758A-C547-B85A-B4180D0C532C}" sibTransId="{AAF2275B-5EBD-9641-A7E0-915F5BD29C6F}"/>
+    <dgm:cxn modelId="{9094B106-AE32-1F4B-AAC1-A6787A1B5D54}" srcId="{A35D7A88-9133-694F-B399-45807959694F}" destId="{E29E2A27-8533-E24F-8C31-5B9521B1439F}" srcOrd="1" destOrd="0" parTransId="{9F65CE4E-3F27-574B-8BF9-5777868BAB69}" sibTransId="{8EEB82E9-666C-3146-88B9-7686E6360F82}"/>
+    <dgm:cxn modelId="{0989B610-916F-E94B-B537-014828527B9D}" srcId="{E29E2A27-8533-E24F-8C31-5B9521B1439F}" destId="{A42F1D9D-E815-A840-B21A-C8A308A1B242}" srcOrd="0" destOrd="0" parTransId="{10F67730-0A55-0E47-B0C8-495B065B6AAE}" sibTransId="{59DC6480-6842-1E42-AD02-3E23098B1587}"/>
+    <dgm:cxn modelId="{AF100C21-C138-BB4F-A0B0-B583DA2BCD9A}" type="presOf" srcId="{502ABEF5-7782-A741-AC6F-58A53F775AD3}" destId="{1707C938-BFB5-BC42-8771-DAEA58EA8DA8}" srcOrd="0" destOrd="1" presId="urn:microsoft.com/office/officeart/2005/8/layout/hList1"/>
+    <dgm:cxn modelId="{B3330C26-D38A-304F-9698-5A710021FFA5}" srcId="{A35D7A88-9133-694F-B399-45807959694F}" destId="{38B9CEC9-CE5B-5C4B-BB14-05AD30CEFB16}" srcOrd="2" destOrd="0" parTransId="{960ABDB2-224B-2E47-9C3A-81C29589C852}" sibTransId="{92693703-2B0C-9D43-AB0A-839797ADE0B9}"/>
+    <dgm:cxn modelId="{FD8EA629-7407-DE4E-9D11-2F61E5BDA84F}" type="presOf" srcId="{38B9CEC9-CE5B-5C4B-BB14-05AD30CEFB16}" destId="{60720EE3-9CC1-1242-B5CD-82C76E3DFCF1}" srcOrd="0" destOrd="0" presId="urn:microsoft.com/office/officeart/2005/8/layout/hList1"/>
+    <dgm:cxn modelId="{9822DB2E-1A45-EA43-873A-798EFDFAAFEA}" srcId="{F6071E1C-EDAC-9A40-920E-6396D1F3F8B6}" destId="{8E9C75FF-DB25-164E-A506-DC6D3BD6B9F9}" srcOrd="1" destOrd="0" parTransId="{D5534814-DD98-9B4A-969A-C516DAF4A0C6}" sibTransId="{13CA365F-E908-194F-9A99-1F8B0D6C17A9}"/>
+    <dgm:cxn modelId="{7D568038-554A-1942-9671-9E17579025B6}" type="presOf" srcId="{8DDEE7E0-DDB7-A24B-89B2-ADACF1815350}" destId="{FB02936D-9138-E541-868F-238A92445032}" srcOrd="0" destOrd="0" presId="urn:microsoft.com/office/officeart/2005/8/layout/hList1"/>
+    <dgm:cxn modelId="{9C9CA33B-94FA-944E-8B82-BCE120CA75FC}" type="presOf" srcId="{A42F1D9D-E815-A840-B21A-C8A308A1B242}" destId="{1707C938-BFB5-BC42-8771-DAEA58EA8DA8}" srcOrd="0" destOrd="0" presId="urn:microsoft.com/office/officeart/2005/8/layout/hList1"/>
+    <dgm:cxn modelId="{7380BC42-2D37-E747-B2C4-31F0A7DF3963}" srcId="{38B9CEC9-CE5B-5C4B-BB14-05AD30CEFB16}" destId="{8DDEE7E0-DDB7-A24B-89B2-ADACF1815350}" srcOrd="0" destOrd="0" parTransId="{4B5C4B37-5F9D-864F-A390-04545835A47D}" sibTransId="{4EF6A7EA-1061-834F-976A-042DFFF32111}"/>
+    <dgm:cxn modelId="{73ED9D5A-F09B-9C4C-A07D-46CD25618CEC}" srcId="{E29E2A27-8533-E24F-8C31-5B9521B1439F}" destId="{502ABEF5-7782-A741-AC6F-58A53F775AD3}" srcOrd="1" destOrd="0" parTransId="{DA8B308B-E247-944E-A621-8150EA718556}" sibTransId="{0FEE11B4-2D90-4C42-98E1-D9EEEC68621C}"/>
+    <dgm:cxn modelId="{C05F9B6C-1B06-1D4C-929B-E1475DEFCA56}" srcId="{A35D7A88-9133-694F-B399-45807959694F}" destId="{F6071E1C-EDAC-9A40-920E-6396D1F3F8B6}" srcOrd="0" destOrd="0" parTransId="{B11FCE09-F120-8B49-AA5E-D514E812025E}" sibTransId="{14358919-DA4D-1D41-A664-4A9CD28B0FE9}"/>
+    <dgm:cxn modelId="{990DE37D-6CEE-8349-BF60-7F61A7416952}" type="presOf" srcId="{32345713-D1E2-DD45-A7D5-1E0B73484EB3}" destId="{FB02936D-9138-E541-868F-238A92445032}" srcOrd="0" destOrd="1" presId="urn:microsoft.com/office/officeart/2005/8/layout/hList1"/>
+    <dgm:cxn modelId="{8592FE85-E4E9-8B48-A407-6DADD09EA5B1}" srcId="{F6071E1C-EDAC-9A40-920E-6396D1F3F8B6}" destId="{77355CEE-F4FB-B145-BA7B-0969D50CE212}" srcOrd="0" destOrd="0" parTransId="{F2BDCC11-56D3-4442-A429-5D06472DF069}" sibTransId="{E6C3A3F3-286E-1A48-A36D-BD1179C07AFF}"/>
+    <dgm:cxn modelId="{8C36C4AB-1953-C244-91AE-167DEB852B08}" type="presOf" srcId="{8E9C75FF-DB25-164E-A506-DC6D3BD6B9F9}" destId="{A924A376-1AFF-B249-A073-BE4BC22C232A}" srcOrd="0" destOrd="1" presId="urn:microsoft.com/office/officeart/2005/8/layout/hList1"/>
+    <dgm:cxn modelId="{25D9F6AB-861C-FB4A-88B4-6A7084DC8BD9}" type="presOf" srcId="{77355CEE-F4FB-B145-BA7B-0969D50CE212}" destId="{A924A376-1AFF-B249-A073-BE4BC22C232A}" srcOrd="0" destOrd="0" presId="urn:microsoft.com/office/officeart/2005/8/layout/hList1"/>
+    <dgm:cxn modelId="{37900FAC-31E5-D040-B661-19590CFA8636}" type="presOf" srcId="{A35D7A88-9133-694F-B399-45807959694F}" destId="{23FA0D5C-0197-2944-A5C8-19189213DB5B}" srcOrd="0" destOrd="0" presId="urn:microsoft.com/office/officeart/2005/8/layout/hList1"/>
+    <dgm:cxn modelId="{8B3BE7C1-8C12-644A-ADCE-FC0DC4A865DA}" type="presOf" srcId="{E29E2A27-8533-E24F-8C31-5B9521B1439F}" destId="{73CC7069-E204-0A47-9A88-7F587A301723}" srcOrd="0" destOrd="0" presId="urn:microsoft.com/office/officeart/2005/8/layout/hList1"/>
+    <dgm:cxn modelId="{E488FCC3-DA08-2A42-A8FF-B2EC61CF377E}" type="presOf" srcId="{F6071E1C-EDAC-9A40-920E-6396D1F3F8B6}" destId="{8E556C75-6679-644B-807C-21BB2C474F56}" srcOrd="0" destOrd="0" presId="urn:microsoft.com/office/officeart/2005/8/layout/hList1"/>
+    <dgm:cxn modelId="{0E430635-6EB8-0549-9DAE-EB2F11183DED}" type="presParOf" srcId="{23FA0D5C-0197-2944-A5C8-19189213DB5B}" destId="{1A22594E-C8FB-D94B-9096-0583C20536F3}" srcOrd="0" destOrd="0" presId="urn:microsoft.com/office/officeart/2005/8/layout/hList1"/>
+    <dgm:cxn modelId="{58A6B990-4382-5A40-93CC-6162412AAC65}" type="presParOf" srcId="{1A22594E-C8FB-D94B-9096-0583C20536F3}" destId="{8E556C75-6679-644B-807C-21BB2C474F56}" srcOrd="0" destOrd="0" presId="urn:microsoft.com/office/officeart/2005/8/layout/hList1"/>
+    <dgm:cxn modelId="{D2089C64-1DCD-D449-9AF6-517645BDD7D2}" type="presParOf" srcId="{1A22594E-C8FB-D94B-9096-0583C20536F3}" destId="{A924A376-1AFF-B249-A073-BE4BC22C232A}" srcOrd="1" destOrd="0" presId="urn:microsoft.com/office/officeart/2005/8/layout/hList1"/>
+    <dgm:cxn modelId="{0B867FAC-C0A1-0147-B03A-DABA6E436540}" type="presParOf" srcId="{23FA0D5C-0197-2944-A5C8-19189213DB5B}" destId="{AB1B2BDC-4FAB-AB48-B2CB-9A5C458985E4}" srcOrd="1" destOrd="0" presId="urn:microsoft.com/office/officeart/2005/8/layout/hList1"/>
+    <dgm:cxn modelId="{EF66201B-D35A-CB40-B823-C0D0F5B65893}" type="presParOf" srcId="{23FA0D5C-0197-2944-A5C8-19189213DB5B}" destId="{875E6A7F-0A9A-0B42-988C-D4EFC4D15B45}" srcOrd="2" destOrd="0" presId="urn:microsoft.com/office/officeart/2005/8/layout/hList1"/>
+    <dgm:cxn modelId="{521A9494-455E-6644-8D6C-ED62F342FA27}" type="presParOf" srcId="{875E6A7F-0A9A-0B42-988C-D4EFC4D15B45}" destId="{73CC7069-E204-0A47-9A88-7F587A301723}" srcOrd="0" destOrd="0" presId="urn:microsoft.com/office/officeart/2005/8/layout/hList1"/>
+    <dgm:cxn modelId="{4A94898F-B1AB-CA4E-82BA-5CA61A6E0650}" type="presParOf" srcId="{875E6A7F-0A9A-0B42-988C-D4EFC4D15B45}" destId="{1707C938-BFB5-BC42-8771-DAEA58EA8DA8}" srcOrd="1" destOrd="0" presId="urn:microsoft.com/office/officeart/2005/8/layout/hList1"/>
+    <dgm:cxn modelId="{84E5D496-E1A8-9441-AFFB-B095721E22B1}" type="presParOf" srcId="{23FA0D5C-0197-2944-A5C8-19189213DB5B}" destId="{91CD1BBC-0D9F-0A4A-8220-7D20667F9911}" srcOrd="3" destOrd="0" presId="urn:microsoft.com/office/officeart/2005/8/layout/hList1"/>
+    <dgm:cxn modelId="{1D5A5C35-493C-DD4C-8673-35E4EFC34D2C}" type="presParOf" srcId="{23FA0D5C-0197-2944-A5C8-19189213DB5B}" destId="{EF55E5B8-77A4-3E45-B9EB-1177CAFFA2CF}" srcOrd="4" destOrd="0" presId="urn:microsoft.com/office/officeart/2005/8/layout/hList1"/>
+    <dgm:cxn modelId="{6A6806CF-43D5-D94B-9544-A0CF0126565E}" type="presParOf" srcId="{EF55E5B8-77A4-3E45-B9EB-1177CAFFA2CF}" destId="{60720EE3-9CC1-1242-B5CD-82C76E3DFCF1}" srcOrd="0" destOrd="0" presId="urn:microsoft.com/office/officeart/2005/8/layout/hList1"/>
+    <dgm:cxn modelId="{B87AE40E-7836-9B4D-B6EA-188C2562B5ED}" type="presParOf" srcId="{EF55E5B8-77A4-3E45-B9EB-1177CAFFA2CF}" destId="{FB02936D-9138-E541-868F-238A92445032}" srcOrd="1" destOrd="0" presId="urn:microsoft.com/office/officeart/2005/8/layout/hList1"/>
+  </dgm:cxnLst>
+  <dgm:bg/>
+  <dgm:whole/>
+  <dgm:extLst>
+    <a:ext uri="http://schemas.microsoft.com/office/drawing/2008/diagram">
+      <dsp:dataModelExt xmlns:dsp="http://schemas.microsoft.com/office/drawing/2008/diagram" relId="rId6" minVer="http://schemas.openxmlformats.org/drawingml/2006/diagram"/>
+    </a:ext>
+  </dgm:extLst>
+</dgm:dataModel>
+</file>
+
+<file path=ppt/diagrams/drawing1.xml><?xml version="1.0" encoding="utf-8"?>
+<dsp:drawing xmlns:dgm="http://schemas.openxmlformats.org/drawingml/2006/diagram" xmlns:dsp="http://schemas.microsoft.com/office/drawing/2008/diagram" xmlns:a="http://schemas.openxmlformats.org/drawingml/2006/main">
+  <dsp:spTree>
+    <dsp:nvGrpSpPr>
+      <dsp:cNvPr id="0" name=""/>
+      <dsp:cNvGrpSpPr/>
+    </dsp:nvGrpSpPr>
+    <dsp:grpSpPr/>
+    <dsp:sp modelId="{8E556C75-6679-644B-807C-21BB2C474F56}">
+      <dsp:nvSpPr>
+        <dsp:cNvPr id="0" name=""/>
+        <dsp:cNvSpPr/>
+      </dsp:nvSpPr>
+      <dsp:spPr>
+        <a:xfrm>
+          <a:off x="5434" y="64105"/>
+          <a:ext cx="5298406" cy="1568760"/>
+        </a:xfrm>
+        <a:prstGeom prst="rect">
+          <a:avLst/>
+        </a:prstGeom>
+        <a:solidFill>
+          <a:schemeClr val="accent1">
+            <a:hueOff val="0"/>
+            <a:satOff val="0"/>
+            <a:lumOff val="0"/>
+            <a:alphaOff val="0"/>
+          </a:schemeClr>
+        </a:solidFill>
+        <a:ln w="12700" cap="flat" cmpd="sng" algn="ctr">
+          <a:solidFill>
+            <a:schemeClr val="accent1">
+              <a:hueOff val="0"/>
+              <a:satOff val="0"/>
+              <a:lumOff val="0"/>
+              <a:alphaOff val="0"/>
+            </a:schemeClr>
+          </a:solidFill>
+          <a:prstDash val="solid"/>
+          <a:miter lim="800000"/>
+        </a:ln>
+        <a:effectLst/>
+      </dsp:spPr>
+      <dsp:style>
+        <a:lnRef idx="2">
+          <a:scrgbClr r="0" g="0" b="0"/>
+        </a:lnRef>
+        <a:fillRef idx="1">
+          <a:scrgbClr r="0" g="0" b="0"/>
+        </a:fillRef>
+        <a:effectRef idx="0">
+          <a:scrgbClr r="0" g="0" b="0"/>
+        </a:effectRef>
+        <a:fontRef idx="minor">
+          <a:schemeClr val="lt1"/>
+        </a:fontRef>
+      </dsp:style>
+      <dsp:txBody>
+        <a:bodyPr spcFirstLastPara="0" vert="horz" wrap="square" lIns="305816" tIns="174752" rIns="305816" bIns="174752" numCol="1" spcCol="1270" anchor="ctr" anchorCtr="0">
+          <a:noAutofit/>
+        </a:bodyPr>
+        <a:lstStyle/>
+        <a:p>
+          <a:pPr marL="0" lvl="0" indent="0" algn="ctr" defTabSz="1911350">
+            <a:lnSpc>
+              <a:spcPct val="90000"/>
+            </a:lnSpc>
+            <a:spcBef>
+              <a:spcPct val="0"/>
+            </a:spcBef>
+            <a:spcAft>
+              <a:spcPct val="35000"/>
+            </a:spcAft>
+            <a:buNone/>
+          </a:pPr>
+          <a:r>
+            <a:rPr lang="en-GB" sz="4300" kern="1200" dirty="0" err="1"/>
+            <a:t>Snezka</a:t>
+          </a:r>
+          <a:r>
+            <a:rPr lang="en-GB" sz="4300" kern="1200" dirty="0"/>
+            <a:t> Release</a:t>
+          </a:r>
+          <a:br>
+            <a:rPr lang="en-GB" sz="4300" kern="1200" dirty="0"/>
+          </a:br>
+          <a:r>
+            <a:rPr lang="en-GB" sz="4300" kern="1200" dirty="0"/>
+            <a:t>January 2020</a:t>
+          </a:r>
+        </a:p>
+      </dsp:txBody>
+      <dsp:txXfrm>
+        <a:off x="5434" y="64105"/>
+        <a:ext cx="5298406" cy="1568760"/>
+      </dsp:txXfrm>
+    </dsp:sp>
+    <dsp:sp modelId="{A924A376-1AFF-B249-A073-BE4BC22C232A}">
+      <dsp:nvSpPr>
+        <dsp:cNvPr id="0" name=""/>
+        <dsp:cNvSpPr/>
+      </dsp:nvSpPr>
+      <dsp:spPr>
+        <a:xfrm>
+          <a:off x="5434" y="1632866"/>
+          <a:ext cx="5298406" cy="4913206"/>
+        </a:xfrm>
+        <a:prstGeom prst="rect">
+          <a:avLst/>
+        </a:prstGeom>
+        <a:solidFill>
+          <a:schemeClr val="accent1">
+            <a:alpha val="90000"/>
+            <a:tint val="40000"/>
+            <a:hueOff val="0"/>
+            <a:satOff val="0"/>
+            <a:lumOff val="0"/>
+            <a:alphaOff val="0"/>
+          </a:schemeClr>
+        </a:solidFill>
+        <a:ln w="12700" cap="flat" cmpd="sng" algn="ctr">
+          <a:solidFill>
+            <a:schemeClr val="accent1">
+              <a:alpha val="90000"/>
+              <a:tint val="40000"/>
+              <a:hueOff val="0"/>
+              <a:satOff val="0"/>
+              <a:lumOff val="0"/>
+              <a:alphaOff val="0"/>
+            </a:schemeClr>
+          </a:solidFill>
+          <a:prstDash val="solid"/>
+          <a:miter lim="800000"/>
+        </a:ln>
+        <a:effectLst/>
+      </dsp:spPr>
+      <dsp:style>
+        <a:lnRef idx="2">
+          <a:scrgbClr r="0" g="0" b="0"/>
+        </a:lnRef>
+        <a:fillRef idx="1">
+          <a:scrgbClr r="0" g="0" b="0"/>
+        </a:fillRef>
+        <a:effectRef idx="0">
+          <a:scrgbClr r="0" g="0" b="0"/>
+        </a:effectRef>
+        <a:fontRef idx="minor"/>
+      </dsp:style>
+      <dsp:txBody>
+        <a:bodyPr spcFirstLastPara="0" vert="horz" wrap="square" lIns="229362" tIns="229362" rIns="305816" bIns="344043" numCol="1" spcCol="1270" anchor="t" anchorCtr="0">
+          <a:noAutofit/>
+        </a:bodyPr>
+        <a:lstStyle/>
+        <a:p>
+          <a:pPr marL="285750" lvl="1" indent="-285750" algn="l" defTabSz="1911350">
+            <a:lnSpc>
+              <a:spcPct val="90000"/>
+            </a:lnSpc>
+            <a:spcBef>
+              <a:spcPct val="0"/>
+            </a:spcBef>
+            <a:spcAft>
+              <a:spcPct val="15000"/>
+            </a:spcAft>
+            <a:buChar char="•"/>
+          </a:pPr>
+          <a:r>
+            <a:rPr lang="en-GB" sz="4300" kern="1200" dirty="0"/>
+            <a:t>Table of Contents complete for all chapters</a:t>
+          </a:r>
+        </a:p>
+        <a:p>
+          <a:pPr marL="285750" lvl="1" indent="-285750" algn="l" defTabSz="1911350">
+            <a:lnSpc>
+              <a:spcPct val="90000"/>
+            </a:lnSpc>
+            <a:spcBef>
+              <a:spcPct val="0"/>
+            </a:spcBef>
+            <a:spcAft>
+              <a:spcPct val="15000"/>
+            </a:spcAft>
+            <a:buChar char="•"/>
+          </a:pPr>
+          <a:r>
+            <a:rPr lang="en-GB" sz="4300" kern="1200" dirty="0"/>
+            <a:t>Chapters 1,2,3,6 at “Lots of SME feedback” or better</a:t>
+          </a:r>
+        </a:p>
+      </dsp:txBody>
+      <dsp:txXfrm>
+        <a:off x="5434" y="1632866"/>
+        <a:ext cx="5298406" cy="4913206"/>
+      </dsp:txXfrm>
+    </dsp:sp>
+    <dsp:sp modelId="{73CC7069-E204-0A47-9A88-7F587A301723}">
+      <dsp:nvSpPr>
+        <dsp:cNvPr id="0" name=""/>
+        <dsp:cNvSpPr/>
+      </dsp:nvSpPr>
+      <dsp:spPr>
+        <a:xfrm>
+          <a:off x="6045617" y="64105"/>
+          <a:ext cx="5298406" cy="1568760"/>
+        </a:xfrm>
+        <a:prstGeom prst="rect">
+          <a:avLst/>
+        </a:prstGeom>
+        <a:solidFill>
+          <a:schemeClr val="accent1">
+            <a:hueOff val="0"/>
+            <a:satOff val="0"/>
+            <a:lumOff val="0"/>
+            <a:alphaOff val="0"/>
+          </a:schemeClr>
+        </a:solidFill>
+        <a:ln w="12700" cap="flat" cmpd="sng" algn="ctr">
+          <a:solidFill>
+            <a:schemeClr val="accent1">
+              <a:hueOff val="0"/>
+              <a:satOff val="0"/>
+              <a:lumOff val="0"/>
+              <a:alphaOff val="0"/>
+            </a:schemeClr>
+          </a:solidFill>
+          <a:prstDash val="solid"/>
+          <a:miter lim="800000"/>
+        </a:ln>
+        <a:effectLst/>
+      </dsp:spPr>
+      <dsp:style>
+        <a:lnRef idx="2">
+          <a:scrgbClr r="0" g="0" b="0"/>
+        </a:lnRef>
+        <a:fillRef idx="1">
+          <a:scrgbClr r="0" g="0" b="0"/>
+        </a:fillRef>
+        <a:effectRef idx="0">
+          <a:scrgbClr r="0" g="0" b="0"/>
+        </a:effectRef>
+        <a:fontRef idx="minor">
+          <a:schemeClr val="lt1"/>
+        </a:fontRef>
+      </dsp:style>
+      <dsp:txBody>
+        <a:bodyPr spcFirstLastPara="0" vert="horz" wrap="square" lIns="305816" tIns="174752" rIns="305816" bIns="174752" numCol="1" spcCol="1270" anchor="ctr" anchorCtr="0">
+          <a:noAutofit/>
+        </a:bodyPr>
+        <a:lstStyle/>
+        <a:p>
+          <a:pPr marL="0" lvl="0" indent="0" algn="ctr" defTabSz="1911350">
+            <a:lnSpc>
+              <a:spcPct val="90000"/>
+            </a:lnSpc>
+            <a:spcBef>
+              <a:spcPct val="0"/>
+            </a:spcBef>
+            <a:spcAft>
+              <a:spcPct val="35000"/>
+            </a:spcAft>
+            <a:buNone/>
+          </a:pPr>
+          <a:r>
+            <a:rPr lang="en-GB" sz="4300" kern="1200" dirty="0"/>
+            <a:t>TBC Release </a:t>
+          </a:r>
+          <a:br>
+            <a:rPr lang="en-GB" sz="4300" kern="1200" dirty="0"/>
+          </a:br>
+          <a:r>
+            <a:rPr lang="en-GB" sz="4300" kern="1200" dirty="0"/>
+            <a:t>April 2020</a:t>
+          </a:r>
+        </a:p>
+      </dsp:txBody>
+      <dsp:txXfrm>
+        <a:off x="6045617" y="64105"/>
+        <a:ext cx="5298406" cy="1568760"/>
+      </dsp:txXfrm>
+    </dsp:sp>
+    <dsp:sp modelId="{1707C938-BFB5-BC42-8771-DAEA58EA8DA8}">
+      <dsp:nvSpPr>
+        <dsp:cNvPr id="0" name=""/>
+        <dsp:cNvSpPr/>
+      </dsp:nvSpPr>
+      <dsp:spPr>
+        <a:xfrm>
+          <a:off x="6045617" y="1632866"/>
+          <a:ext cx="5298406" cy="4913206"/>
+        </a:xfrm>
+        <a:prstGeom prst="rect">
+          <a:avLst/>
+        </a:prstGeom>
+        <a:solidFill>
+          <a:schemeClr val="accent1">
+            <a:alpha val="90000"/>
+            <a:tint val="40000"/>
+            <a:hueOff val="0"/>
+            <a:satOff val="0"/>
+            <a:lumOff val="0"/>
+            <a:alphaOff val="0"/>
+          </a:schemeClr>
+        </a:solidFill>
+        <a:ln w="12700" cap="flat" cmpd="sng" algn="ctr">
+          <a:solidFill>
+            <a:schemeClr val="accent1">
+              <a:alpha val="90000"/>
+              <a:tint val="40000"/>
+              <a:hueOff val="0"/>
+              <a:satOff val="0"/>
+              <a:lumOff val="0"/>
+              <a:alphaOff val="0"/>
+            </a:schemeClr>
+          </a:solidFill>
+          <a:prstDash val="solid"/>
+          <a:miter lim="800000"/>
+        </a:ln>
+        <a:effectLst/>
+      </dsp:spPr>
+      <dsp:style>
+        <a:lnRef idx="2">
+          <a:scrgbClr r="0" g="0" b="0"/>
+        </a:lnRef>
+        <a:fillRef idx="1">
+          <a:scrgbClr r="0" g="0" b="0"/>
+        </a:fillRef>
+        <a:effectRef idx="0">
+          <a:scrgbClr r="0" g="0" b="0"/>
+        </a:effectRef>
+        <a:fontRef idx="minor"/>
+      </dsp:style>
+      <dsp:txBody>
+        <a:bodyPr spcFirstLastPara="0" vert="horz" wrap="square" lIns="229362" tIns="229362" rIns="305816" bIns="344043" numCol="1" spcCol="1270" anchor="t" anchorCtr="0">
+          <a:noAutofit/>
+        </a:bodyPr>
+        <a:lstStyle/>
+        <a:p>
+          <a:pPr marL="285750" lvl="1" indent="-285750" algn="l" defTabSz="1911350">
+            <a:lnSpc>
+              <a:spcPct val="90000"/>
+            </a:lnSpc>
+            <a:spcBef>
+              <a:spcPct val="0"/>
+            </a:spcBef>
+            <a:spcAft>
+              <a:spcPct val="15000"/>
+            </a:spcAft>
+            <a:buChar char="•"/>
+          </a:pPr>
+          <a:r>
+            <a:rPr lang="en-GB" sz="4300" kern="1200" dirty="0"/>
+            <a:t>Chapter 2 (Requirements) at “Complete”</a:t>
+          </a:r>
+        </a:p>
+        <a:p>
+          <a:pPr marL="285750" lvl="1" indent="-285750" algn="l" defTabSz="1911350">
+            <a:lnSpc>
+              <a:spcPct val="90000"/>
+            </a:lnSpc>
+            <a:spcBef>
+              <a:spcPct val="0"/>
+            </a:spcBef>
+            <a:spcAft>
+              <a:spcPct val="15000"/>
+            </a:spcAft>
+            <a:buChar char="•"/>
+          </a:pPr>
+          <a:r>
+            <a:rPr lang="en-GB" sz="4300" kern="1200" dirty="0"/>
+            <a:t>All other chapters at "Lots of SME feedback" or better</a:t>
+          </a:r>
+        </a:p>
+      </dsp:txBody>
+      <dsp:txXfrm>
+        <a:off x="6045617" y="1632866"/>
+        <a:ext cx="5298406" cy="4913206"/>
+      </dsp:txXfrm>
+    </dsp:sp>
+    <dsp:sp modelId="{60720EE3-9CC1-1242-B5CD-82C76E3DFCF1}">
+      <dsp:nvSpPr>
+        <dsp:cNvPr id="0" name=""/>
+        <dsp:cNvSpPr/>
+      </dsp:nvSpPr>
+      <dsp:spPr>
+        <a:xfrm>
+          <a:off x="12085801" y="64105"/>
+          <a:ext cx="5298406" cy="1568760"/>
+        </a:xfrm>
+        <a:prstGeom prst="rect">
+          <a:avLst/>
+        </a:prstGeom>
+        <a:solidFill>
+          <a:schemeClr val="accent1">
+            <a:hueOff val="0"/>
+            <a:satOff val="0"/>
+            <a:lumOff val="0"/>
+            <a:alphaOff val="0"/>
+          </a:schemeClr>
+        </a:solidFill>
+        <a:ln w="12700" cap="flat" cmpd="sng" algn="ctr">
+          <a:solidFill>
+            <a:schemeClr val="accent1">
+              <a:hueOff val="0"/>
+              <a:satOff val="0"/>
+              <a:lumOff val="0"/>
+              <a:alphaOff val="0"/>
+            </a:schemeClr>
+          </a:solidFill>
+          <a:prstDash val="solid"/>
+          <a:miter lim="800000"/>
+        </a:ln>
+        <a:effectLst/>
+      </dsp:spPr>
+      <dsp:style>
+        <a:lnRef idx="2">
+          <a:scrgbClr r="0" g="0" b="0"/>
+        </a:lnRef>
+        <a:fillRef idx="1">
+          <a:scrgbClr r="0" g="0" b="0"/>
+        </a:fillRef>
+        <a:effectRef idx="0">
+          <a:scrgbClr r="0" g="0" b="0"/>
+        </a:effectRef>
+        <a:fontRef idx="minor">
+          <a:schemeClr val="lt1"/>
+        </a:fontRef>
+      </dsp:style>
+      <dsp:txBody>
+        <a:bodyPr spcFirstLastPara="0" vert="horz" wrap="square" lIns="305816" tIns="174752" rIns="305816" bIns="174752" numCol="1" spcCol="1270" anchor="ctr" anchorCtr="0">
+          <a:noAutofit/>
+        </a:bodyPr>
+        <a:lstStyle/>
+        <a:p>
+          <a:pPr marL="0" lvl="0" indent="0" algn="ctr" defTabSz="1911350">
+            <a:lnSpc>
+              <a:spcPct val="90000"/>
+            </a:lnSpc>
+            <a:spcBef>
+              <a:spcPct val="0"/>
+            </a:spcBef>
+            <a:spcAft>
+              <a:spcPct val="35000"/>
+            </a:spcAft>
+            <a:buNone/>
+          </a:pPr>
+          <a:r>
+            <a:rPr lang="en-GB" sz="4300" kern="1200" dirty="0"/>
+            <a:t>TBC Release</a:t>
+          </a:r>
+          <a:br>
+            <a:rPr lang="en-GB" sz="4300" kern="1200" dirty="0"/>
+          </a:br>
+          <a:r>
+            <a:rPr lang="en-GB" sz="4300" kern="1200" dirty="0"/>
+            <a:t>July 2020</a:t>
+          </a:r>
+        </a:p>
+      </dsp:txBody>
+      <dsp:txXfrm>
+        <a:off x="12085801" y="64105"/>
+        <a:ext cx="5298406" cy="1568760"/>
+      </dsp:txXfrm>
+    </dsp:sp>
+    <dsp:sp modelId="{FB02936D-9138-E541-868F-238A92445032}">
+      <dsp:nvSpPr>
+        <dsp:cNvPr id="0" name=""/>
+        <dsp:cNvSpPr/>
+      </dsp:nvSpPr>
+      <dsp:spPr>
+        <a:xfrm>
+          <a:off x="12085801" y="1632866"/>
+          <a:ext cx="5298406" cy="4913206"/>
+        </a:xfrm>
+        <a:prstGeom prst="rect">
+          <a:avLst/>
+        </a:prstGeom>
+        <a:solidFill>
+          <a:schemeClr val="accent1">
+            <a:alpha val="90000"/>
+            <a:tint val="40000"/>
+            <a:hueOff val="0"/>
+            <a:satOff val="0"/>
+            <a:lumOff val="0"/>
+            <a:alphaOff val="0"/>
+          </a:schemeClr>
+        </a:solidFill>
+        <a:ln w="12700" cap="flat" cmpd="sng" algn="ctr">
+          <a:solidFill>
+            <a:schemeClr val="accent1">
+              <a:alpha val="90000"/>
+              <a:tint val="40000"/>
+              <a:hueOff val="0"/>
+              <a:satOff val="0"/>
+              <a:lumOff val="0"/>
+              <a:alphaOff val="0"/>
+            </a:schemeClr>
+          </a:solidFill>
+          <a:prstDash val="solid"/>
+          <a:miter lim="800000"/>
+        </a:ln>
+        <a:effectLst/>
+      </dsp:spPr>
+      <dsp:style>
+        <a:lnRef idx="2">
+          <a:scrgbClr r="0" g="0" b="0"/>
+        </a:lnRef>
+        <a:fillRef idx="1">
+          <a:scrgbClr r="0" g="0" b="0"/>
+        </a:fillRef>
+        <a:effectRef idx="0">
+          <a:scrgbClr r="0" g="0" b="0"/>
+        </a:effectRef>
+        <a:fontRef idx="minor"/>
+      </dsp:style>
+      <dsp:txBody>
+        <a:bodyPr spcFirstLastPara="0" vert="horz" wrap="square" lIns="229362" tIns="229362" rIns="305816" bIns="344043" numCol="1" spcCol="1270" anchor="t" anchorCtr="0">
+          <a:noAutofit/>
+        </a:bodyPr>
+        <a:lstStyle/>
+        <a:p>
+          <a:pPr marL="285750" lvl="1" indent="-285750" algn="l" defTabSz="1911350">
+            <a:lnSpc>
+              <a:spcPct val="90000"/>
+            </a:lnSpc>
+            <a:spcBef>
+              <a:spcPct val="0"/>
+            </a:spcBef>
+            <a:spcAft>
+              <a:spcPct val="15000"/>
+            </a:spcAft>
+            <a:buChar char="•"/>
+          </a:pPr>
+          <a:r>
+            <a:rPr lang="en-GB" sz="4300" kern="1200" dirty="0"/>
+            <a:t>Include VM orchestration for CNFs</a:t>
+          </a:r>
+        </a:p>
+        <a:p>
+          <a:pPr marL="285750" lvl="1" indent="-285750" algn="l" defTabSz="1911350">
+            <a:lnSpc>
+              <a:spcPct val="90000"/>
+            </a:lnSpc>
+            <a:spcBef>
+              <a:spcPct val="0"/>
+            </a:spcBef>
+            <a:spcAft>
+              <a:spcPct val="15000"/>
+            </a:spcAft>
+            <a:buChar char="•"/>
+          </a:pPr>
+          <a:r>
+            <a:rPr lang="en-GB" sz="4300" kern="1200" dirty="0"/>
+            <a:t>Mapping of specification to RM Infrastructure Profiles included</a:t>
+          </a:r>
+        </a:p>
+      </dsp:txBody>
+      <dsp:txXfrm>
+        <a:off x="12085801" y="1632866"/>
+        <a:ext cx="5298406" cy="4913206"/>
+      </dsp:txXfrm>
+    </dsp:sp>
+  </dsp:spTree>
+</dsp:drawing>
+</file>
+
+<file path=ppt/diagrams/layout1.xml><?xml version="1.0" encoding="utf-8"?>
+<dgm:layoutDef xmlns:dgm="http://schemas.openxmlformats.org/drawingml/2006/diagram" xmlns:a="http://schemas.openxmlformats.org/drawingml/2006/main" uniqueId="urn:microsoft.com/office/officeart/2005/8/layout/hList1">
+  <dgm:title val=""/>
+  <dgm:desc val=""/>
+  <dgm:catLst>
+    <dgm:cat type="list" pri="5000"/>
+    <dgm:cat type="convert" pri="5000"/>
+  </dgm:catLst>
+  <dgm:sampData>
+    <dgm:dataModel>
+      <dgm:ptLst>
+        <dgm:pt modelId="0" type="doc"/>
+        <dgm:pt modelId="1">
+          <dgm:prSet phldr="1"/>
+        </dgm:pt>
+        <dgm:pt modelId="11">
+          <dgm:prSet phldr="1"/>
+        </dgm:pt>
+        <dgm:pt modelId="12">
+          <dgm:prSet phldr="1"/>
+        </dgm:pt>
+        <dgm:pt modelId="2">
+          <dgm:prSet phldr="1"/>
+        </dgm:pt>
+        <dgm:pt modelId="21">
+          <dgm:prSet phldr="1"/>
+        </dgm:pt>
+        <dgm:pt modelId="22">
+          <dgm:prSet phldr="1"/>
+        </dgm:pt>
+        <dgm:pt modelId="3">
+          <dgm:prSet phldr="1"/>
+        </dgm:pt>
+        <dgm:pt modelId="31">
+          <dgm:prSet phldr="1"/>
+        </dgm:pt>
+        <dgm:pt modelId="32">
+          <dgm:prSet phldr="1"/>
+        </dgm:pt>
+      </dgm:ptLst>
+      <dgm:cxnLst>
+        <dgm:cxn modelId="4" srcId="0" destId="1" srcOrd="0" destOrd="0"/>
+        <dgm:cxn modelId="5" srcId="0" destId="2" srcOrd="1" destOrd="0"/>
+        <dgm:cxn modelId="6" srcId="0" destId="3" srcOrd="2" destOrd="0"/>
+        <dgm:cxn modelId="13" srcId="1" destId="11" srcOrd="0" destOrd="0"/>
+        <dgm:cxn modelId="14" srcId="1" destId="12" srcOrd="1" destOrd="0"/>
+        <dgm:cxn modelId="23" srcId="2" destId="21" srcOrd="0" destOrd="0"/>
+        <dgm:cxn modelId="24" srcId="2" destId="22" srcOrd="1" destOrd="0"/>
+        <dgm:cxn modelId="33" srcId="3" destId="31" srcOrd="0" destOrd="0"/>
+        <dgm:cxn modelId="34" srcId="3" destId="32" srcOrd="1" destOrd="0"/>
+      </dgm:cxnLst>
+      <dgm:bg/>
+      <dgm:whole/>
+    </dgm:dataModel>
+  </dgm:sampData>
+  <dgm:styleData>
+    <dgm:dataModel>
+      <dgm:ptLst>
+        <dgm:pt modelId="0" type="doc"/>
+        <dgm:pt modelId="1">
+          <dgm:prSet phldr="1"/>
+        </dgm:pt>
+        <dgm:pt modelId="2">
+          <dgm:prSet phldr="1"/>
+        </dgm:pt>
+      </dgm:ptLst>
+      <dgm:cxnLst>
+        <dgm:cxn modelId="3" srcId="0" destId="1" srcOrd="0" destOrd="0"/>
+        <dgm:cxn modelId="4" srcId="0" destId="2" srcOrd="1" destOrd="0"/>
+      </dgm:cxnLst>
+      <dgm:bg/>
+      <dgm:whole/>
+    </dgm:dataModel>
+  </dgm:styleData>
+  <dgm:clrData>
+    <dgm:dataModel>
+      <dgm:ptLst>
+        <dgm:pt modelId="0" type="doc"/>
+        <dgm:pt modelId="1">
+          <dgm:prSet phldr="1"/>
+        </dgm:pt>
+        <dgm:pt modelId="2">
+          <dgm:prSet phldr="1"/>
+        </dgm:pt>
+        <dgm:pt modelId="3">
+          <dgm:prSet phldr="1"/>
+        </dgm:pt>
+        <dgm:pt modelId="4">
+          <dgm:prSet phldr="1"/>
+        </dgm:pt>
+      </dgm:ptLst>
+      <dgm:cxnLst>
+        <dgm:cxn modelId="5" srcId="0" destId="1" srcOrd="0" destOrd="0"/>
+        <dgm:cxn modelId="6" srcId="0" destId="2" srcOrd="1" destOrd="0"/>
+        <dgm:cxn modelId="7" srcId="0" destId="3" srcOrd="2" destOrd="0"/>
+        <dgm:cxn modelId="8" srcId="0" destId="4" srcOrd="3" destOrd="0"/>
+      </dgm:cxnLst>
+      <dgm:bg/>
+      <dgm:whole/>
+    </dgm:dataModel>
+  </dgm:clrData>
+  <dgm:layoutNode name="Name0">
+    <dgm:varLst>
+      <dgm:dir/>
+      <dgm:animLvl val="lvl"/>
+      <dgm:resizeHandles val="exact"/>
+    </dgm:varLst>
+    <dgm:choose name="Name1">
+      <dgm:if name="Name2" func="var" arg="dir" op="equ" val="norm">
+        <dgm:alg type="lin"/>
+      </dgm:if>
+      <dgm:else name="Name3">
+        <dgm:alg type="lin">
+          <dgm:param type="linDir" val="fromR"/>
+        </dgm:alg>
+      </dgm:else>
+    </dgm:choose>
+    <dgm:shape xmlns:r="http://schemas.openxmlformats.org/officeDocument/2006/relationships" r:blip="">
+      <dgm:adjLst/>
+    </dgm:shape>
+    <dgm:presOf/>
+    <dgm:constrLst>
+      <dgm:constr type="h" for="ch" forName="composite" refType="h"/>
+      <dgm:constr type="w" for="ch" forName="composite" refType="w"/>
+      <dgm:constr type="w" for="des" forName="parTx"/>
+      <dgm:constr type="h" for="des" forName="parTx" op="equ"/>
+      <dgm:constr type="w" for="des" forName="desTx"/>
+      <dgm:constr type="h" for="des" forName="desTx" op="equ"/>
+      <dgm:constr type="primFontSz" for="des" forName="parTx" val="65"/>
+      <dgm:constr type="secFontSz" for="des" forName="desTx" refType="primFontSz" refFor="des" refForName="parTx" op="equ"/>
+      <dgm:constr type="h" for="des" forName="parTx" refType="primFontSz" refFor="des" refForName="parTx" fact="0.8"/>
+      <dgm:constr type="h" for="des" forName="desTx" refType="primFontSz" refFor="des" refForName="parTx" fact="1.22"/>
+      <dgm:constr type="w" for="ch" forName="space" refType="w" refFor="ch" refForName="composite" op="equ" fact="0.14"/>
+    </dgm:constrLst>
+    <dgm:ruleLst>
+      <dgm:rule type="w" for="ch" forName="composite" val="0" fact="NaN" max="NaN"/>
+      <dgm:rule type="primFontSz" for="des" forName="parTx" val="5" fact="NaN" max="NaN"/>
+    </dgm:ruleLst>
+    <dgm:forEach name="Name4" axis="ch" ptType="node">
+      <dgm:layoutNode name="composite">
+        <dgm:alg type="composite"/>
+        <dgm:shape xmlns:r="http://schemas.openxmlformats.org/officeDocument/2006/relationships" r:blip="">
+          <dgm:adjLst/>
+        </dgm:shape>
+        <dgm:presOf/>
+        <dgm:constrLst>
+          <dgm:constr type="l" for="ch" forName="parTx"/>
+          <dgm:constr type="w" for="ch" forName="parTx" refType="w"/>
+          <dgm:constr type="t" for="ch" forName="parTx"/>
+          <dgm:constr type="l" for="ch" forName="desTx"/>
+          <dgm:constr type="w" for="ch" forName="desTx" refType="w" refFor="ch" refForName="parTx"/>
+          <dgm:constr type="t" for="ch" forName="desTx" refType="h" refFor="ch" refForName="parTx"/>
+        </dgm:constrLst>
+        <dgm:ruleLst>
+          <dgm:rule type="h" val="INF" fact="NaN" max="NaN"/>
+        </dgm:ruleLst>
+        <dgm:layoutNode name="parTx" styleLbl="alignNode1">
+          <dgm:varLst>
+            <dgm:chMax val="0"/>
+            <dgm:chPref val="0"/>
+            <dgm:bulletEnabled val="1"/>
+          </dgm:varLst>
+          <dgm:alg type="tx"/>
+          <dgm:shape xmlns:r="http://schemas.openxmlformats.org/officeDocument/2006/relationships" type="rect" r:blip="">
+            <dgm:adjLst/>
+          </dgm:shape>
+          <dgm:presOf axis="self" ptType="node"/>
+          <dgm:constrLst>
+            <dgm:constr type="h" refType="w" op="lte" fact="0.4"/>
+            <dgm:constr type="h"/>
+            <dgm:constr type="tMarg" refType="primFontSz" fact="0.32"/>
+            <dgm:constr type="bMarg" refType="primFontSz" fact="0.32"/>
+          </dgm:constrLst>
+          <dgm:ruleLst>
+            <dgm:rule type="h" val="INF" fact="NaN" max="NaN"/>
+          </dgm:ruleLst>
+        </dgm:layoutNode>
+        <dgm:layoutNode name="desTx" styleLbl="alignAccFollowNode1">
+          <dgm:varLst>
+            <dgm:bulletEnabled val="1"/>
+          </dgm:varLst>
+          <dgm:alg type="tx">
+            <dgm:param type="stBulletLvl" val="1"/>
+          </dgm:alg>
+          <dgm:shape xmlns:r="http://schemas.openxmlformats.org/officeDocument/2006/relationships" type="rect" r:blip="">
+            <dgm:adjLst/>
+          </dgm:shape>
+          <dgm:presOf axis="des" ptType="node"/>
+          <dgm:constrLst>
+            <dgm:constr type="secFontSz" val="65"/>
+            <dgm:constr type="primFontSz" refType="secFontSz"/>
+            <dgm:constr type="h"/>
+            <dgm:constr type="lMarg" refType="primFontSz" fact="0.42"/>
+            <dgm:constr type="tMarg" refType="primFontSz" fact="0.42"/>
+            <dgm:constr type="bMarg" refType="primFontSz" fact="0.63"/>
+          </dgm:constrLst>
+          <dgm:ruleLst>
+            <dgm:rule type="h" val="INF" fact="NaN" max="NaN"/>
+          </dgm:ruleLst>
+        </dgm:layoutNode>
+      </dgm:layoutNode>
+      <dgm:forEach name="Name5" axis="followSib" ptType="sibTrans" cnt="1">
+        <dgm:layoutNode name="space">
+          <dgm:alg type="sp"/>
+          <dgm:shape xmlns:r="http://schemas.openxmlformats.org/officeDocument/2006/relationships" r:blip="">
+            <dgm:adjLst/>
+          </dgm:shape>
+          <dgm:presOf/>
+          <dgm:constrLst/>
+          <dgm:ruleLst/>
+        </dgm:layoutNode>
+      </dgm:forEach>
+    </dgm:forEach>
+  </dgm:layoutNode>
+</dgm:layoutDef>
+</file>
+
+<file path=ppt/diagrams/quickStyle1.xml><?xml version="1.0" encoding="utf-8"?>
+<dgm:styleDef xmlns:dgm="http://schemas.openxmlformats.org/drawingml/2006/diagram" xmlns:a="http://schemas.openxmlformats.org/drawingml/2006/main" uniqueId="urn:microsoft.com/office/officeart/2005/8/quickstyle/simple1">
+  <dgm:title val=""/>
+  <dgm:desc val=""/>
+  <dgm:catLst>
+    <dgm:cat type="simple" pri="10100"/>
+  </dgm:catLst>
+  <dgm:scene3d>
+    <a:camera prst="orthographicFront"/>
+    <a:lightRig rig="threePt" dir="t"/>
+  </dgm:scene3d>
+  <dgm:styleLbl name="node0">
+    <dgm:scene3d>
+      <a:camera prst="orthographicFront"/>
+      <a:lightRig rig="threePt" dir="t"/>
+    </dgm:scene3d>
+    <dgm:sp3d/>
+    <dgm:txPr/>
+    <dgm:style>
+      <a:lnRef idx="2">
+        <a:scrgbClr r="0" g="0" b="0"/>
+      </a:lnRef>
+      <a:fillRef idx="1">
+        <a:scrgbClr r="0" g="0" b="0"/>
+      </a:fillRef>
+      <a:effectRef idx="0">
+        <a:scrgbClr r="0" g="0" b="0"/>
+      </a:effectRef>
+      <a:fontRef idx="minor">
+        <a:schemeClr val="lt1"/>
+      </a:fontRef>
+    </dgm:style>
+  </dgm:styleLbl>
+  <dgm:styleLbl name="lnNode1">
+    <dgm:scene3d>
+      <a:camera prst="orthographicFront"/>
+      <a:lightRig rig="threePt" dir="t"/>
+    </dgm:scene3d>
+    <dgm:sp3d/>
+    <dgm:txPr/>
+    <dgm:style>
+      <a:lnRef idx="2">
+        <a:scrgbClr r="0" g="0" b="0"/>
+      </a:lnRef>
+      <a:fillRef idx="1">
+        <a:scrgbClr r="0" g="0" b="0"/>
+      </a:fillRef>
+      <a:effectRef idx="0">
+        <a:scrgbClr r="0" g="0" b="0"/>
+      </a:effectRef>
+      <a:fontRef idx="minor">
+        <a:schemeClr val="lt1"/>
+      </a:fontRef>
+    </dgm:style>
+  </dgm:styleLbl>
+  <dgm:styleLbl name="vennNode1">
+    <dgm:scene3d>
+      <a:camera prst="orthographicFront"/>
+      <a:lightRig rig="threePt" dir="t"/>
+    </dgm:scene3d>
+    <dgm:sp3d/>
+    <dgm:txPr/>
+    <dgm:style>
+      <a:lnRef idx="2">
+        <a:scrgbClr r="0" g="0" b="0"/>
+      </a:lnRef>
+      <a:fillRef idx="1">
+        <a:scrgbClr r="0" g="0" b="0"/>
+      </a:fillRef>
+      <a:effectRef idx="0">
+        <a:scrgbClr r="0" g="0" b="0"/>
+      </a:effectRef>
+      <a:fontRef idx="minor">
+        <a:schemeClr val="tx1"/>
+      </a:fontRef>
+    </dgm:style>
+  </dgm:styleLbl>
+  <dgm:styleLbl name="alignNode1">
+    <dgm:scene3d>
+      <a:camera prst="orthographicFront"/>
+      <a:lightRig rig="threePt" dir="t"/>
+    </dgm:scene3d>
+    <dgm:sp3d/>
+    <dgm:txPr/>
+    <dgm:style>
+      <a:lnRef idx="2">
+        <a:scrgbClr r="0" g="0" b="0"/>
+      </a:lnRef>
+      <a:fillRef idx="1">
+        <a:scrgbClr r="0" g="0" b="0"/>
+      </a:fillRef>
+      <a:effectRef idx="0">
+        <a:scrgbClr r="0" g="0" b="0"/>
+      </a:effectRef>
+      <a:fontRef idx="minor">
+        <a:schemeClr val="lt1"/>
+      </a:fontRef>
+    </dgm:style>
+  </dgm:styleLbl>
+  <dgm:styleLbl name="node1">
+    <dgm:scene3d>
+      <a:camera prst="orthographicFront"/>
+      <a:lightRig rig="threePt" dir="t"/>
+    </dgm:scene3d>
+    <dgm:sp3d/>
+    <dgm:txPr/>
+    <dgm:style>
+      <a:lnRef idx="2">
+        <a:scrgbClr r="0" g="0" b="0"/>
+      </a:lnRef>
+      <a:fillRef idx="1">
+        <a:scrgbClr r="0" g="0" b="0"/>
+      </a:fillRef>
+      <a:effectRef idx="0">
+        <a:scrgbClr r="0" g="0" b="0"/>
+      </a:effectRef>
+      <a:fontRef idx="minor">
+        <a:schemeClr val="lt1"/>
+      </a:fontRef>
+    </dgm:style>
+  </dgm:styleLbl>
+  <dgm:styleLbl name="node2">
+    <dgm:scene3d>
+      <a:camera prst="orthographicFront"/>
+      <a:lightRig rig="threePt" dir="t"/>
+    </dgm:scene3d>
+    <dgm:sp3d/>
+    <dgm:txPr/>
+    <dgm:style>
+      <a:lnRef idx="2">
+        <a:scrgbClr r="0" g="0" b="0"/>
+      </a:lnRef>
+      <a:fillRef idx="1">
+        <a:scrgbClr r="0" g="0" b="0"/>
+      </a:fillRef>
+      <a:effectRef idx="0">
+        <a:scrgbClr r="0" g="0" b="0"/>
+      </a:effectRef>
+      <a:fontRef idx="minor">
+        <a:schemeClr val="lt1"/>
+      </a:fontRef>
+    </dgm:style>
+  </dgm:styleLbl>
+  <dgm:styleLbl name="node3">
+    <dgm:scene3d>
+      <a:camera prst="orthographicFront"/>
+      <a:lightRig rig="threePt" dir="t"/>
+    </dgm:scene3d>
+    <dgm:sp3d/>
+    <dgm:txPr/>
+    <dgm:style>
+      <a:lnRef idx="2">
+        <a:scrgbClr r="0" g="0" b="0"/>
+      </a:lnRef>
+      <a:fillRef idx="1">
+        <a:scrgbClr r="0" g="0" b="0"/>
+      </a:fillRef>
+      <a:effectRef idx="0">
+        <a:scrgbClr r="0" g="0" b="0"/>
+      </a:effectRef>
+      <a:fontRef idx="minor">
+        <a:schemeClr val="lt1"/>
+      </a:fontRef>
+    </dgm:style>
+  </dgm:styleLbl>
+  <dgm:styleLbl name="node4">
+    <dgm:scene3d>
+      <a:camera prst="orthographicFront"/>
+      <a:lightRig rig="threePt" dir="t"/>
+    </dgm:scene3d>
+    <dgm:sp3d/>
+    <dgm:txPr/>
+    <dgm:style>
+      <a:lnRef idx="2">
+        <a:scrgbClr r="0" g="0" b="0"/>
+      </a:lnRef>
+      <a:fillRef idx="1">
+        <a:scrgbClr r="0" g="0" b="0"/>
+      </a:fillRef>
+      <a:effectRef idx="0">
+        <a:scrgbClr r="0" g="0" b="0"/>
+      </a:effectRef>
+      <a:fontRef idx="minor">
+        <a:schemeClr val="lt1"/>
+      </a:fontRef>
+    </dgm:style>
+  </dgm:styleLbl>
+  <dgm:styleLbl name="fgImgPlace1">
+    <dgm:scene3d>
+      <a:camera prst="orthographicFront"/>
+      <a:lightRig rig="threePt" dir="t"/>
+    </dgm:scene3d>
+    <dgm:sp3d/>
+    <dgm:txPr/>
+    <dgm:style>
+      <a:lnRef idx="2">
+        <a:scrgbClr r="0" g="0" b="0"/>
+      </a:lnRef>
+      <a:fillRef idx="1">
+        <a:scrgbClr r="0" g="0" b="0"/>
+      </a:fillRef>
+      <a:effectRef idx="0">
+        <a:scrgbClr r="0" g="0" b="0"/>
+      </a:effectRef>
+      <a:fontRef idx="minor"/>
+    </dgm:style>
+  </dgm:styleLbl>
+  <dgm:styleLbl name="alignImgPlace1">
+    <dgm:scene3d>
+      <a:camera prst="orthographicFront"/>
+      <a:lightRig rig="threePt" dir="t"/>
+    </dgm:scene3d>
+    <dgm:sp3d/>
+    <dgm:txPr/>
+    <dgm:style>
+      <a:lnRef idx="2">
+        <a:scrgbClr r="0" g="0" b="0"/>
+      </a:lnRef>
+      <a:fillRef idx="1">
+        <a:scrgbClr r="0" g="0" b="0"/>
+      </a:fillRef>
+      <a:effectRef idx="0">
+        <a:scrgbClr r="0" g="0" b="0"/>
+      </a:effectRef>
+      <a:fontRef idx="minor"/>
+    </dgm:style>
+  </dgm:styleLbl>
+  <dgm:styleLbl name="bgImgPlace1">
+    <dgm:scene3d>
+      <a:camera prst="orthographicFront"/>
+      <a:lightRig rig="threePt" dir="t"/>
+    </dgm:scene3d>
+    <dgm:sp3d/>
+    <dgm:txPr/>
+    <dgm:style>
+      <a:lnRef idx="2">
+        <a:scrgbClr r="0" g="0" b="0"/>
+      </a:lnRef>
+      <a:fillRef idx="1">
+        <a:scrgbClr r="0" g="0" b="0"/>
+      </a:fillRef>
+      <a:effectRef idx="0">
+        <a:scrgbClr r="0" g="0" b="0"/>
+      </a:effectRef>
+      <a:fontRef idx="minor"/>
+    </dgm:style>
+  </dgm:styleLbl>
+  <dgm:styleLbl name="sibTrans2D1">
+    <dgm:scene3d>
+      <a:camera prst="orthographicFront"/>
+      <a:lightRig rig="threePt" dir="t"/>
+    </dgm:scene3d>
+    <dgm:sp3d/>
+    <dgm:txPr/>
+    <dgm:style>
+      <a:lnRef idx="0">
+        <a:scrgbClr r="0" g="0" b="0"/>
+      </a:lnRef>
+      <a:fillRef idx="1">
+        <a:scrgbClr r="0" g="0" b="0"/>
+      </a:fillRef>
+      <a:effectRef idx="0">
+        <a:scrgbClr r="0" g="0" b="0"/>
+      </a:effectRef>
+      <a:fontRef idx="minor">
+        <a:schemeClr val="lt1"/>
+      </a:fontRef>
+    </dgm:style>
+  </dgm:styleLbl>
+  <dgm:styleLbl name="fgSibTrans2D1">
+    <dgm:scene3d>
+      <a:camera prst="orthographicFront"/>
+      <a:lightRig rig="threePt" dir="t"/>
+    </dgm:scene3d>
+    <dgm:sp3d/>
+    <dgm:txPr/>
+    <dgm:style>
+      <a:lnRef idx="0">
+        <a:scrgbClr r="0" g="0" b="0"/>
+      </a:lnRef>
+      <a:fillRef idx="1">
+        <a:scrgbClr r="0" g="0" b="0"/>
+      </a:fillRef>
+      <a:effectRef idx="0">
+        <a:scrgbClr r="0" g="0" b="0"/>
+      </a:effectRef>
+      <a:fontRef idx="minor">
+        <a:schemeClr val="lt1"/>
+      </a:fontRef>
+    </dgm:style>
+  </dgm:styleLbl>
+  <dgm:styleLbl name="bgSibTrans2D1">
+    <dgm:scene3d>
+      <a:camera prst="orthographicFront"/>
+      <a:lightRig rig="threePt" dir="t"/>
+    </dgm:scene3d>
+    <dgm:sp3d/>
+    <dgm:txPr/>
+    <dgm:style>
+      <a:lnRef idx="0">
+        <a:scrgbClr r="0" g="0" b="0"/>
+      </a:lnRef>
+      <a:fillRef idx="1">
+        <a:scrgbClr r="0" g="0" b="0"/>
+      </a:fillRef>
+      <a:effectRef idx="0">
+        <a:scrgbClr r="0" g="0" b="0"/>
+      </a:effectRef>
+      <a:fontRef idx="minor">
+        <a:schemeClr val="lt1"/>
+      </a:fontRef>
+    </dgm:style>
+  </dgm:styleLbl>
+  <dgm:styleLbl name="sibTrans1D1">
+    <dgm:scene3d>
+      <a:camera prst="orthographicFront"/>
+      <a:lightRig rig="threePt" dir="t"/>
+    </dgm:scene3d>
+    <dgm:sp3d/>
+    <dgm:txPr/>
+    <dgm:style>
+      <a:lnRef idx="1">
+        <a:scrgbClr r="0" g="0" b="0"/>
+      </a:lnRef>
+      <a:fillRef idx="0">
+        <a:scrgbClr r="0" g="0" b="0"/>
+      </a:fillRef>
+      <a:effectRef idx="0">
+        <a:scrgbClr r="0" g="0" b="0"/>
+      </a:effectRef>
+      <a:fontRef idx="minor"/>
+    </dgm:style>
+  </dgm:styleLbl>
+  <dgm:styleLbl name="callout">
+    <dgm:scene3d>
+      <a:camera prst="orthographicFront"/>
+      <a:lightRig rig="threePt" dir="t"/>
+    </dgm:scene3d>
+    <dgm:sp3d/>
+    <dgm:txPr/>
+    <dgm:style>
+      <a:lnRef idx="2">
+        <a:scrgbClr r="0" g="0" b="0"/>
+      </a:lnRef>
+      <a:fillRef idx="1">
+        <a:scrgbClr r="0" g="0" b="0"/>
+      </a:fillRef>
+      <a:effectRef idx="0">
+        <a:scrgbClr r="0" g="0" b="0"/>
+      </a:effectRef>
+      <a:fontRef idx="minor"/>
+    </dgm:style>
+  </dgm:styleLbl>
+  <dgm:styleLbl name="asst0">
+    <dgm:scene3d>
+      <a:camera prst="orthographicFront"/>
+      <a:lightRig rig="threePt" dir="t"/>
+    </dgm:scene3d>
+    <dgm:sp3d/>
+    <dgm:txPr/>
+    <dgm:style>
+      <a:lnRef idx="2">
+        <a:scrgbClr r="0" g="0" b="0"/>
+      </a:lnRef>
+      <a:fillRef idx="1">
+        <a:scrgbClr r="0" g="0" b="0"/>
+      </a:fillRef>
+      <a:effectRef idx="0">
+        <a:scrgbClr r="0" g="0" b="0"/>
+      </a:effectRef>
+      <a:fontRef idx="minor">
+        <a:schemeClr val="lt1"/>
+      </a:fontRef>
+    </dgm:style>
+  </dgm:styleLbl>
+  <dgm:styleLbl name="asst1">
+    <dgm:scene3d>
+      <a:camera prst="orthographicFront"/>
+      <a:lightRig rig="threePt" dir="t"/>
+    </dgm:scene3d>
+    <dgm:sp3d/>
+    <dgm:txPr/>
+    <dgm:style>
+      <a:lnRef idx="2">
+        <a:scrgbClr r="0" g="0" b="0"/>
+      </a:lnRef>
+      <a:fillRef idx="1">
+        <a:scrgbClr r="0" g="0" b="0"/>
+      </a:fillRef>
+      <a:effectRef idx="0">
+        <a:scrgbClr r="0" g="0" b="0"/>
+      </a:effectRef>
+      <a:fontRef idx="minor">
+        <a:schemeClr val="lt1"/>
+      </a:fontRef>
+    </dgm:style>
+  </dgm:styleLbl>
+  <dgm:styleLbl name="asst2">
+    <dgm:scene3d>
+      <a:camera prst="orthographicFront"/>
+      <a:lightRig rig="threePt" dir="t"/>
+    </dgm:scene3d>
+    <dgm:sp3d/>
+    <dgm:txPr/>
+    <dgm:style>
+      <a:lnRef idx="2">
+        <a:scrgbClr r="0" g="0" b="0"/>
+      </a:lnRef>
+      <a:fillRef idx="1">
+        <a:scrgbClr r="0" g="0" b="0"/>
+      </a:fillRef>
+      <a:effectRef idx="0">
+        <a:scrgbClr r="0" g="0" b="0"/>
+      </a:effectRef>
+      <a:fontRef idx="minor">
+        <a:schemeClr val="lt1"/>
+      </a:fontRef>
+    </dgm:style>
+  </dgm:styleLbl>
+  <dgm:styleLbl name="asst3">
+    <dgm:scene3d>
+      <a:camera prst="orthographicFront"/>
+      <a:lightRig rig="threePt" dir="t"/>
+    </dgm:scene3d>
+    <dgm:sp3d/>
+    <dgm:txPr/>
+    <dgm:style>
+      <a:lnRef idx="2">
+        <a:scrgbClr r="0" g="0" b="0"/>
+      </a:lnRef>
+      <a:fillRef idx="1">
+        <a:scrgbClr r="0" g="0" b="0"/>
+      </a:fillRef>
+      <a:effectRef idx="0">
+        <a:scrgbClr r="0" g="0" b="0"/>
+      </a:effectRef>
+      <a:fontRef idx="minor">
+        <a:schemeClr val="lt1"/>
+      </a:fontRef>
+    </dgm:style>
+  </dgm:styleLbl>
+  <dgm:styleLbl name="asst4">
+    <dgm:scene3d>
+      <a:camera prst="orthographicFront"/>
+      <a:lightRig rig="threePt" dir="t"/>
+    </dgm:scene3d>
+    <dgm:sp3d/>
+    <dgm:txPr/>
+    <dgm:style>
+      <a:lnRef idx="2">
+        <a:scrgbClr r="0" g="0" b="0"/>
+      </a:lnRef>
+      <a:fillRef idx="1">
+        <a:scrgbClr r="0" g="0" b="0"/>
+      </a:fillRef>
+      <a:effectRef idx="0">
+        <a:scrgbClr r="0" g="0" b="0"/>
+      </a:effectRef>
+      <a:fontRef idx="minor">
+        <a:schemeClr val="lt1"/>
+      </a:fontRef>
+    </dgm:style>
+  </dgm:styleLbl>
+  <dgm:styleLbl name="parChTrans2D1">
+    <dgm:scene3d>
+      <a:camera prst="orthographicFront"/>
+      <a:lightRig rig="threePt" dir="t"/>
+    </dgm:scene3d>
+    <dgm:sp3d/>
+    <dgm:txPr/>
+    <dgm:style>
+      <a:lnRef idx="2">
+        <a:scrgbClr r="0" g="0" b="0"/>
+      </a:lnRef>
+      <a:fillRef idx="1">
+        <a:scrgbClr r="0" g="0" b="0"/>
+      </a:fillRef>
+      <a:effectRef idx="0">
+        <a:scrgbClr r="0" g="0" b="0"/>
+      </a:effectRef>
+      <a:fontRef idx="minor">
+        <a:schemeClr val="lt1"/>
+      </a:fontRef>
+    </dgm:style>
+  </dgm:styleLbl>
+  <dgm:styleLbl name="parChTrans2D2">
+    <dgm:scene3d>
+      <a:camera prst="orthographicFront"/>
+      <a:lightRig rig="threePt" dir="t"/>
+    </dgm:scene3d>
+    <dgm:sp3d/>
+    <dgm:txPr/>
+    <dgm:style>
+      <a:lnRef idx="2">
+        <a:scrgbClr r="0" g="0" b="0"/>
+      </a:lnRef>
+      <a:fillRef idx="1">
+        <a:scrgbClr r="0" g="0" b="0"/>
+      </a:fillRef>
+      <a:effectRef idx="0">
+        <a:scrgbClr r="0" g="0" b="0"/>
+      </a:effectRef>
+      <a:fontRef idx="minor">
+        <a:schemeClr val="lt1"/>
+      </a:fontRef>
+    </dgm:style>
+  </dgm:styleLbl>
+  <dgm:styleLbl name="parChTrans2D3">
+    <dgm:scene3d>
+      <a:camera prst="orthographicFront"/>
+      <a:lightRig rig="threePt" dir="t"/>
+    </dgm:scene3d>
+    <dgm:sp3d/>
+    <dgm:txPr/>
+    <dgm:style>
+      <a:lnRef idx="2">
+        <a:scrgbClr r="0" g="0" b="0"/>
+      </a:lnRef>
+      <a:fillRef idx="1">
+        <a:scrgbClr r="0" g="0" b="0"/>
+      </a:fillRef>
+      <a:effectRef idx="0">
+        <a:scrgbClr r="0" g="0" b="0"/>
+      </a:effectRef>
+      <a:fontRef idx="minor">
+        <a:schemeClr val="lt1"/>
+      </a:fontRef>
+    </dgm:style>
+  </dgm:styleLbl>
+  <dgm:styleLbl name="parChTrans2D4">
+    <dgm:scene3d>
+      <a:camera prst="orthographicFront"/>
+      <a:lightRig rig="threePt" dir="t"/>
+    </dgm:scene3d>
+    <dgm:sp3d/>
+    <dgm:txPr/>
+    <dgm:style>
+      <a:lnRef idx="2">
+        <a:scrgbClr r="0" g="0" b="0"/>
+      </a:lnRef>
+      <a:fillRef idx="1">
+        <a:scrgbClr r="0" g="0" b="0"/>
+      </a:fillRef>
+      <a:effectRef idx="0">
+        <a:scrgbClr r="0" g="0" b="0"/>
+      </a:effectRef>
+      <a:fontRef idx="minor">
+        <a:schemeClr val="lt1"/>
+      </a:fontRef>
+    </dgm:style>
+  </dgm:styleLbl>
+  <dgm:styleLbl name="parChTrans1D1">
+    <dgm:scene3d>
+      <a:camera prst="orthographicFront"/>
+      <a:lightRig rig="threePt" dir="t"/>
+    </dgm:scene3d>
+    <dgm:sp3d/>
+    <dgm:txPr/>
+    <dgm:style>
+      <a:lnRef idx="2">
+        <a:scrgbClr r="0" g="0" b="0"/>
+      </a:lnRef>
+      <a:fillRef idx="0">
+        <a:scrgbClr r="0" g="0" b="0"/>
+      </a:fillRef>
+      <a:effectRef idx="0">
+        <a:scrgbClr r="0" g="0" b="0"/>
+      </a:effectRef>
+      <a:fontRef idx="minor"/>
+    </dgm:style>
+  </dgm:styleLbl>
+  <dgm:styleLbl name="parChTrans1D2">
+    <dgm:scene3d>
+      <a:camera prst="orthographicFront"/>
+      <a:lightRig rig="threePt" dir="t"/>
+    </dgm:scene3d>
+    <dgm:sp3d/>
+    <dgm:txPr/>
+    <dgm:style>
+      <a:lnRef idx="2">
+        <a:scrgbClr r="0" g="0" b="0"/>
+      </a:lnRef>
+      <a:fillRef idx="0">
+        <a:scrgbClr r="0" g="0" b="0"/>
+      </a:fillRef>
+      <a:effectRef idx="0">
+        <a:scrgbClr r="0" g="0" b="0"/>
+      </a:effectRef>
+      <a:fontRef idx="minor"/>
+    </dgm:style>
+  </dgm:styleLbl>
+  <dgm:styleLbl name="parChTrans1D3">
+    <dgm:scene3d>
+      <a:camera prst="orthographicFront"/>
+      <a:lightRig rig="threePt" dir="t"/>
+    </dgm:scene3d>
+    <dgm:sp3d/>
+    <dgm:txPr/>
+    <dgm:style>
+      <a:lnRef idx="2">
+        <a:scrgbClr r="0" g="0" b="0"/>
+      </a:lnRef>
+      <a:fillRef idx="0">
+        <a:scrgbClr r="0" g="0" b="0"/>
+      </a:fillRef>
+      <a:effectRef idx="0">
+        <a:scrgbClr r="0" g="0" b="0"/>
+      </a:effectRef>
+      <a:fontRef idx="minor"/>
+    </dgm:style>
+  </dgm:styleLbl>
+  <dgm:styleLbl name="parChTrans1D4">
+    <dgm:scene3d>
+      <a:camera prst="orthographicFront"/>
+      <a:lightRig rig="threePt" dir="t"/>
+    </dgm:scene3d>
+    <dgm:sp3d/>
+    <dgm:txPr/>
+    <dgm:style>
+      <a:lnRef idx="2">
+        <a:scrgbClr r="0" g="0" b="0"/>
+      </a:lnRef>
+      <a:fillRef idx="0">
+        <a:scrgbClr r="0" g="0" b="0"/>
+      </a:fillRef>
+      <a:effectRef idx="0">
+        <a:scrgbClr r="0" g="0" b="0"/>
+      </a:effectRef>
+      <a:fontRef idx="minor"/>
+    </dgm:style>
+  </dgm:styleLbl>
+  <dgm:styleLbl name="fgAcc1">
+    <dgm:scene3d>
+      <a:camera prst="orthographicFront"/>
+      <a:lightRig rig="threePt" dir="t"/>
+    </dgm:scene3d>
+    <dgm:sp3d/>
+    <dgm:txPr/>
+    <dgm:style>
+      <a:lnRef idx="2">
+        <a:scrgbClr r="0" g="0" b="0"/>
+      </a:lnRef>
+      <a:fillRef idx="1">
+        <a:scrgbClr r="0" g="0" b="0"/>
+      </a:fillRef>
+      <a:effectRef idx="0">
+        <a:scrgbClr r="0" g="0" b="0"/>
+      </a:effectRef>
+      <a:fontRef idx="minor"/>
+    </dgm:style>
+  </dgm:styleLbl>
+  <dgm:styleLbl name="conFgAcc1">
+    <dgm:scene3d>
+      <a:camera prst="orthographicFront"/>
+      <a:lightRig rig="threePt" dir="t"/>
+    </dgm:scene3d>
+    <dgm:sp3d/>
+    <dgm:txPr/>
+    <dgm:style>
+      <a:lnRef idx="2">
+        <a:scrgbClr r="0" g="0" b="0"/>
+      </a:lnRef>
+      <a:fillRef idx="1">
+        <a:scrgbClr r="0" g="0" b="0"/>
+      </a:fillRef>
+      <a:effectRef idx="0">
+        <a:scrgbClr r="0" g="0" b="0"/>
+      </a:effectRef>
+      <a:fontRef idx="minor"/>
+    </dgm:style>
+  </dgm:styleLbl>
+  <dgm:styleLbl name="alignAcc1">
+    <dgm:scene3d>
+      <a:camera prst="orthographicFront"/>
+      <a:lightRig rig="threePt" dir="t"/>
+    </dgm:scene3d>
+    <dgm:sp3d/>
+    <dgm:txPr/>
+    <dgm:style>
+      <a:lnRef idx="2">
+        <a:scrgbClr r="0" g="0" b="0"/>
+      </a:lnRef>
+      <a:fillRef idx="1">
+        <a:scrgbClr r="0" g="0" b="0"/>
+      </a:fillRef>
+      <a:effectRef idx="0">
+        <a:scrgbClr r="0" g="0" b="0"/>
+      </a:effectRef>
+      <a:fontRef idx="minor"/>
+    </dgm:style>
+  </dgm:styleLbl>
+  <dgm:styleLbl name="trAlignAcc1">
+    <dgm:scene3d>
+      <a:camera prst="orthographicFront"/>
+      <a:lightRig rig="threePt" dir="t"/>
+    </dgm:scene3d>
+    <dgm:sp3d/>
+    <dgm:txPr/>
+    <dgm:style>
+      <a:lnRef idx="1">
+        <a:scrgbClr r="0" g="0" b="0"/>
+      </a:lnRef>
+      <a:fillRef idx="1">
+        <a:scrgbClr r="0" g="0" b="0"/>
+      </a:fillRef>
+      <a:effectRef idx="0">
+        <a:scrgbClr r="0" g="0" b="0"/>
+      </a:effectRef>
+      <a:fontRef idx="minor"/>
+    </dgm:style>
+  </dgm:styleLbl>
+  <dgm:styleLbl name="bgAcc1">
+    <dgm:scene3d>
+      <a:camera prst="orthographicFront"/>
+      <a:lightRig rig="threePt" dir="t"/>
+    </dgm:scene3d>
+    <dgm:sp3d/>
+    <dgm:txPr/>
+    <dgm:style>
+      <a:lnRef idx="2">
+        <a:scrgbClr r="0" g="0" b="0"/>
+      </a:lnRef>
+      <a:fillRef idx="1">
+        <a:scrgbClr r="0" g="0" b="0"/>
+      </a:fillRef>
+      <a:effectRef idx="0">
+        <a:scrgbClr r="0" g="0" b="0"/>
+      </a:effectRef>
+      <a:fontRef idx="minor"/>
+    </dgm:style>
+  </dgm:styleLbl>
+  <dgm:styleLbl name="solidFgAcc1">
+    <dgm:scene3d>
+      <a:camera prst="orthographicFront"/>
+      <a:lightRig rig="threePt" dir="t"/>
+    </dgm:scene3d>
+    <dgm:sp3d/>
+    <dgm:txPr/>
+    <dgm:style>
+      <a:lnRef idx="2">
+        <a:scrgbClr r="0" g="0" b="0"/>
+      </a:lnRef>
+      <a:fillRef idx="1">
+        <a:scrgbClr r="0" g="0" b="0"/>
+      </a:fillRef>
+      <a:effectRef idx="0">
+        <a:scrgbClr r="0" g="0" b="0"/>
+      </a:effectRef>
+      <a:fontRef idx="minor"/>
+    </dgm:style>
+  </dgm:styleLbl>
+  <dgm:styleLbl name="solidAlignAcc1">
+    <dgm:scene3d>
+      <a:camera prst="orthographicFront"/>
+      <a:lightRig rig="threePt" dir="t"/>
+    </dgm:scene3d>
+    <dgm:sp3d/>
+    <dgm:txPr/>
+    <dgm:style>
+      <a:lnRef idx="2">
+        <a:scrgbClr r="0" g="0" b="0"/>
+      </a:lnRef>
+      <a:fillRef idx="1">
+        <a:scrgbClr r="0" g="0" b="0"/>
+      </a:fillRef>
+      <a:effectRef idx="0">
+        <a:scrgbClr r="0" g="0" b="0"/>
+      </a:effectRef>
+      <a:fontRef idx="minor"/>
+    </dgm:style>
+  </dgm:styleLbl>
+  <dgm:styleLbl name="solidBgAcc1">
+    <dgm:scene3d>
+      <a:camera prst="orthographicFront"/>
+      <a:lightRig rig="threePt" dir="t"/>
+    </dgm:scene3d>
+    <dgm:sp3d/>
+    <dgm:txPr/>
+    <dgm:style>
+      <a:lnRef idx="2">
+        <a:scrgbClr r="0" g="0" b="0"/>
+      </a:lnRef>
+      <a:fillRef idx="1">
+        <a:scrgbClr r="0" g="0" b="0"/>
+      </a:fillRef>
+      <a:effectRef idx="0">
+        <a:scrgbClr r="0" g="0" b="0"/>
+      </a:effectRef>
+      <a:fontRef idx="minor"/>
+    </dgm:style>
+  </dgm:styleLbl>
+  <dgm:styleLbl name="fgAccFollowNode1">
+    <dgm:scene3d>
+      <a:camera prst="orthographicFront"/>
+      <a:lightRig rig="threePt" dir="t"/>
+    </dgm:scene3d>
+    <dgm:sp3d/>
+    <dgm:txPr/>
+    <dgm:style>
+      <a:lnRef idx="2">
+        <a:scrgbClr r="0" g="0" b="0"/>
+      </a:lnRef>
+      <a:fillRef idx="1">
+        <a:scrgbClr r="0" g="0" b="0"/>
+      </a:fillRef>
+      <a:effectRef idx="0">
+        <a:scrgbClr r="0" g="0" b="0"/>
+      </a:effectRef>
+      <a:fontRef idx="minor"/>
+    </dgm:style>
+  </dgm:styleLbl>
+  <dgm:styleLbl name="alignAccFollowNode1">
+    <dgm:scene3d>
+      <a:camera prst="orthographicFront"/>
+      <a:lightRig rig="threePt" dir="t"/>
+    </dgm:scene3d>
+    <dgm:sp3d/>
+    <dgm:txPr/>
+    <dgm:style>
+      <a:lnRef idx="2">
+        <a:scrgbClr r="0" g="0" b="0"/>
+      </a:lnRef>
+      <a:fillRef idx="1">
+        <a:scrgbClr r="0" g="0" b="0"/>
+      </a:fillRef>
+      <a:effectRef idx="0">
+        <a:scrgbClr r="0" g="0" b="0"/>
+      </a:effectRef>
+      <a:fontRef idx="minor"/>
+    </dgm:style>
+  </dgm:styleLbl>
+  <dgm:styleLbl name="bgAccFollowNode1">
+    <dgm:scene3d>
+      <a:camera prst="orthographicFront"/>
+      <a:lightRig rig="threePt" dir="t"/>
+    </dgm:scene3d>
+    <dgm:sp3d/>
+    <dgm:txPr/>
+    <dgm:style>
+      <a:lnRef idx="2">
+        <a:scrgbClr r="0" g="0" b="0"/>
+      </a:lnRef>
+      <a:fillRef idx="1">
+        <a:scrgbClr r="0" g="0" b="0"/>
+      </a:fillRef>
+      <a:effectRef idx="0">
+        <a:scrgbClr r="0" g="0" b="0"/>
+      </a:effectRef>
+      <a:fontRef idx="minor"/>
+    </dgm:style>
+  </dgm:styleLbl>
+  <dgm:styleLbl name="fgAcc0">
+    <dgm:scene3d>
+      <a:camera prst="orthographicFront"/>
+      <a:lightRig rig="threePt" dir="t"/>
+    </dgm:scene3d>
+    <dgm:sp3d/>
+    <dgm:txPr/>
+    <dgm:style>
+      <a:lnRef idx="2">
+        <a:scrgbClr r="0" g="0" b="0"/>
+      </a:lnRef>
+      <a:fillRef idx="1">
+        <a:scrgbClr r="0" g="0" b="0"/>
+      </a:fillRef>
+      <a:effectRef idx="0">
+        <a:scrgbClr r="0" g="0" b="0"/>
+      </a:effectRef>
+      <a:fontRef idx="minor"/>
+    </dgm:style>
+  </dgm:styleLbl>
+  <dgm:styleLbl name="fgAcc2">
+    <dgm:scene3d>
+      <a:camera prst="orthographicFront"/>
+      <a:lightRig rig="threePt" dir="t"/>
+    </dgm:scene3d>
+    <dgm:sp3d/>
+    <dgm:txPr/>
+    <dgm:style>
+      <a:lnRef idx="2">
+        <a:scrgbClr r="0" g="0" b="0"/>
+      </a:lnRef>
+      <a:fillRef idx="1">
+        <a:scrgbClr r="0" g="0" b="0"/>
+      </a:fillRef>
+      <a:effectRef idx="0">
+        <a:scrgbClr r="0" g="0" b="0"/>
+      </a:effectRef>
+      <a:fontRef idx="minor"/>
+    </dgm:style>
+  </dgm:styleLbl>
+  <dgm:styleLbl name="fgAcc3">
+    <dgm:scene3d>
+      <a:camera prst="orthographicFront"/>
+      <a:lightRig rig="threePt" dir="t"/>
+    </dgm:scene3d>
+    <dgm:sp3d/>
+    <dgm:txPr/>
+    <dgm:style>
+      <a:lnRef idx="2">
+        <a:scrgbClr r="0" g="0" b="0"/>
+      </a:lnRef>
+      <a:fillRef idx="1">
+        <a:scrgbClr r="0" g="0" b="0"/>
+      </a:fillRef>
+      <a:effectRef idx="0">
+        <a:scrgbClr r="0" g="0" b="0"/>
+      </a:effectRef>
+      <a:fontRef idx="minor"/>
+    </dgm:style>
+  </dgm:styleLbl>
+  <dgm:styleLbl name="fgAcc4">
+    <dgm:scene3d>
+      <a:camera prst="orthographicFront"/>
+      <a:lightRig rig="threePt" dir="t"/>
+    </dgm:scene3d>
+    <dgm:sp3d/>
+    <dgm:txPr/>
+    <dgm:style>
+      <a:lnRef idx="2">
+        <a:scrgbClr r="0" g="0" b="0"/>
+      </a:lnRef>
+      <a:fillRef idx="1">
+        <a:scrgbClr r="0" g="0" b="0"/>
+      </a:fillRef>
+      <a:effectRef idx="0">
+        <a:scrgbClr r="0" g="0" b="0"/>
+      </a:effectRef>
+      <a:fontRef idx="minor"/>
+    </dgm:style>
+  </dgm:styleLbl>
+  <dgm:styleLbl name="bgShp">
+    <dgm:scene3d>
+      <a:camera prst="orthographicFront"/>
+      <a:lightRig rig="threePt" dir="t"/>
+    </dgm:scene3d>
+    <dgm:sp3d/>
+    <dgm:txPr/>
+    <dgm:style>
+      <a:lnRef idx="0">
+        <a:scrgbClr r="0" g="0" b="0"/>
+      </a:lnRef>
+      <a:fillRef idx="1">
+        <a:scrgbClr r="0" g="0" b="0"/>
+      </a:fillRef>
+      <a:effectRef idx="0">
+        <a:scrgbClr r="0" g="0" b="0"/>
+      </a:effectRef>
+      <a:fontRef idx="minor"/>
+    </dgm:style>
+  </dgm:styleLbl>
+  <dgm:styleLbl name="dkBgShp">
+    <dgm:scene3d>
+      <a:camera prst="orthographicFront"/>
+      <a:lightRig rig="threePt" dir="t"/>
+    </dgm:scene3d>
+    <dgm:sp3d/>
+    <dgm:txPr/>
+    <dgm:style>
+      <a:lnRef idx="0">
+        <a:scrgbClr r="0" g="0" b="0"/>
+      </a:lnRef>
+      <a:fillRef idx="1">
+        <a:scrgbClr r="0" g="0" b="0"/>
+      </a:fillRef>
+      <a:effectRef idx="0">
+        <a:scrgbClr r="0" g="0" b="0"/>
+      </a:effectRef>
+      <a:fontRef idx="minor"/>
+    </dgm:style>
+  </dgm:styleLbl>
+  <dgm:styleLbl name="trBgShp">
+    <dgm:scene3d>
+      <a:camera prst="orthographicFront"/>
+      <a:lightRig rig="threePt" dir="t"/>
+    </dgm:scene3d>
+    <dgm:sp3d/>
+    <dgm:txPr/>
+    <dgm:style>
+      <a:lnRef idx="0">
+        <a:scrgbClr r="0" g="0" b="0"/>
+      </a:lnRef>
+      <a:fillRef idx="1">
+        <a:scrgbClr r="0" g="0" b="0"/>
+      </a:fillRef>
+      <a:effectRef idx="0">
+        <a:scrgbClr r="0" g="0" b="0"/>
+      </a:effectRef>
+      <a:fontRef idx="minor"/>
+    </dgm:style>
+  </dgm:styleLbl>
+  <dgm:styleLbl name="fgShp">
+    <dgm:scene3d>
+      <a:camera prst="orthographicFront"/>
+      <a:lightRig rig="threePt" dir="t"/>
+    </dgm:scene3d>
+    <dgm:sp3d/>
+    <dgm:txPr/>
+    <dgm:style>
+      <a:lnRef idx="2">
+        <a:scrgbClr r="0" g="0" b="0"/>
+      </a:lnRef>
+      <a:fillRef idx="1">
+        <a:scrgbClr r="0" g="0" b="0"/>
+      </a:fillRef>
+      <a:effectRef idx="0">
+        <a:scrgbClr r="0" g="0" b="0"/>
+      </a:effectRef>
+      <a:fontRef idx="minor"/>
+    </dgm:style>
+  </dgm:styleLbl>
+  <dgm:styleLbl name="revTx">
+    <dgm:scene3d>
+      <a:camera prst="orthographicFront"/>
+      <a:lightRig rig="threePt" dir="t"/>
+    </dgm:scene3d>
+    <dgm:sp3d/>
+    <dgm:txPr/>
+    <dgm:style>
+      <a:lnRef idx="0">
+        <a:scrgbClr r="0" g="0" b="0"/>
+      </a:lnRef>
+      <a:fillRef idx="0">
+        <a:scrgbClr r="0" g="0" b="0"/>
+      </a:fillRef>
+      <a:effectRef idx="0">
+        <a:scrgbClr r="0" g="0" b="0"/>
+      </a:effectRef>
+      <a:fontRef idx="minor"/>
+    </dgm:style>
+  </dgm:styleLbl>
+</dgm:styleDef>
 </file>
 
 <file path=ppt/slideLayouts/slideLayout1.xml><?xml version="1.0" encoding="utf-8"?>
@@ -246,7 +3299,7 @@
           <a:p>
             <a:fld id="{F9D3E6FF-AC24-BE43-AFD3-27417514DD0F}" type="datetimeFigureOut">
               <a:rPr lang="en-GB" smtClean="0"/>
-              <a:t>06/11/2019</a:t>
+              <a:t>09/01/2020</a:t>
             </a:fld>
             <a:endParaRPr lang="en-GB"/>
           </a:p>
@@ -416,7 +3469,7 @@
           <a:p>
             <a:fld id="{F9D3E6FF-AC24-BE43-AFD3-27417514DD0F}" type="datetimeFigureOut">
               <a:rPr lang="en-GB" smtClean="0"/>
-              <a:t>06/11/2019</a:t>
+              <a:t>09/01/2020</a:t>
             </a:fld>
             <a:endParaRPr lang="en-GB"/>
           </a:p>
@@ -596,7 +3649,7 @@
           <a:p>
             <a:fld id="{F9D3E6FF-AC24-BE43-AFD3-27417514DD0F}" type="datetimeFigureOut">
               <a:rPr lang="en-GB" smtClean="0"/>
-              <a:t>06/11/2019</a:t>
+              <a:t>09/01/2020</a:t>
             </a:fld>
             <a:endParaRPr lang="en-GB"/>
           </a:p>
@@ -766,7 +3819,7 @@
           <a:p>
             <a:fld id="{F9D3E6FF-AC24-BE43-AFD3-27417514DD0F}" type="datetimeFigureOut">
               <a:rPr lang="en-GB" smtClean="0"/>
-              <a:t>06/11/2019</a:t>
+              <a:t>09/01/2020</a:t>
             </a:fld>
             <a:endParaRPr lang="en-GB"/>
           </a:p>
@@ -1012,7 +4065,7 @@
           <a:p>
             <a:fld id="{F9D3E6FF-AC24-BE43-AFD3-27417514DD0F}" type="datetimeFigureOut">
               <a:rPr lang="en-GB" smtClean="0"/>
-              <a:t>06/11/2019</a:t>
+              <a:t>09/01/2020</a:t>
             </a:fld>
             <a:endParaRPr lang="en-GB"/>
           </a:p>
@@ -1244,7 +4297,7 @@
           <a:p>
             <a:fld id="{F9D3E6FF-AC24-BE43-AFD3-27417514DD0F}" type="datetimeFigureOut">
               <a:rPr lang="en-GB" smtClean="0"/>
-              <a:t>06/11/2019</a:t>
+              <a:t>09/01/2020</a:t>
             </a:fld>
             <a:endParaRPr lang="en-GB"/>
           </a:p>
@@ -1611,7 +4664,7 @@
           <a:p>
             <a:fld id="{F9D3E6FF-AC24-BE43-AFD3-27417514DD0F}" type="datetimeFigureOut">
               <a:rPr lang="en-GB" smtClean="0"/>
-              <a:t>06/11/2019</a:t>
+              <a:t>09/01/2020</a:t>
             </a:fld>
             <a:endParaRPr lang="en-GB"/>
           </a:p>
@@ -1729,7 +4782,7 @@
           <a:p>
             <a:fld id="{F9D3E6FF-AC24-BE43-AFD3-27417514DD0F}" type="datetimeFigureOut">
               <a:rPr lang="en-GB" smtClean="0"/>
-              <a:t>06/11/2019</a:t>
+              <a:t>09/01/2020</a:t>
             </a:fld>
             <a:endParaRPr lang="en-GB"/>
           </a:p>
@@ -1824,7 +4877,7 @@
           <a:p>
             <a:fld id="{F9D3E6FF-AC24-BE43-AFD3-27417514DD0F}" type="datetimeFigureOut">
               <a:rPr lang="en-GB" smtClean="0"/>
-              <a:t>06/11/2019</a:t>
+              <a:t>09/01/2020</a:t>
             </a:fld>
             <a:endParaRPr lang="en-GB"/>
           </a:p>
@@ -2101,7 +5154,7 @@
           <a:p>
             <a:fld id="{F9D3E6FF-AC24-BE43-AFD3-27417514DD0F}" type="datetimeFigureOut">
               <a:rPr lang="en-GB" smtClean="0"/>
-              <a:t>06/11/2019</a:t>
+              <a:t>09/01/2020</a:t>
             </a:fld>
             <a:endParaRPr lang="en-GB"/>
           </a:p>
@@ -2358,7 +5411,7 @@
           <a:p>
             <a:fld id="{F9D3E6FF-AC24-BE43-AFD3-27417514DD0F}" type="datetimeFigureOut">
               <a:rPr lang="en-GB" smtClean="0"/>
-              <a:t>06/11/2019</a:t>
+              <a:t>09/01/2020</a:t>
             </a:fld>
             <a:endParaRPr lang="en-GB"/>
           </a:p>
@@ -2571,7 +5624,7 @@
           <a:p>
             <a:fld id="{F9D3E6FF-AC24-BE43-AFD3-27417514DD0F}" type="datetimeFigureOut">
               <a:rPr lang="en-GB" smtClean="0"/>
-              <a:t>06/11/2019</a:t>
+              <a:t>09/01/2020</a:t>
             </a:fld>
             <a:endParaRPr lang="en-GB"/>
           </a:p>
@@ -21034,6 +24087,34 @@
           <a:chExt cx="0" cy="0"/>
         </a:xfrm>
       </p:grpSpPr>
+      <p:graphicFrame>
+        <p:nvGraphicFramePr>
+          <p:cNvPr id="2" name="Diagram 1">
+            <a:extLst>
+              <a:ext uri="{FF2B5EF4-FFF2-40B4-BE49-F238E27FC236}">
+                <a16:creationId xmlns:a16="http://schemas.microsoft.com/office/drawing/2014/main" id="{D0E8EB78-39BC-2244-A340-52E49B144D6D}"/>
+              </a:ext>
+            </a:extLst>
+          </p:cNvPr>
+          <p:cNvGraphicFramePr/>
+          <p:nvPr>
+            <p:extLst>
+              <p:ext uri="{D42A27DB-BD31-4B8C-83A1-F6EECF244321}">
+                <p14:modId xmlns:p14="http://schemas.microsoft.com/office/powerpoint/2010/main" val="2095778700"/>
+              </p:ext>
+            </p:extLst>
+          </p:nvPr>
+        </p:nvGraphicFramePr>
+        <p:xfrm>
+          <a:off x="513347" y="2598821"/>
+          <a:ext cx="17389642" cy="6610178"/>
+        </p:xfrm>
+        <a:graphic>
+          <a:graphicData uri="http://schemas.openxmlformats.org/drawingml/2006/diagram">
+            <dgm:relIds xmlns:dgm="http://schemas.openxmlformats.org/drawingml/2006/diagram" xmlns:r="http://schemas.openxmlformats.org/officeDocument/2006/relationships" r:dm="rId2" r:lo="rId3" r:qs="rId4" r:cs="rId5"/>
+          </a:graphicData>
+        </a:graphic>
+      </p:graphicFrame>
     </p:spTree>
     <p:extLst>
       <p:ext uri="{BB962C8B-B14F-4D97-AF65-F5344CB8AC3E}">

--- a/doc/ref_arch/kubernetes/figures/k8s-ref-arch-figures.pptx
+++ b/doc/ref_arch/kubernetes/figures/k8s-ref-arch-figures.pptx
@@ -8,7 +8,8 @@
     <p:sldId id="1078" r:id="rId2"/>
     <p:sldId id="1079" r:id="rId3"/>
     <p:sldId id="1080" r:id="rId4"/>
-    <p:sldId id="1081" r:id="rId5"/>
+    <p:sldId id="1082" r:id="rId5"/>
+    <p:sldId id="1081" r:id="rId6"/>
   </p:sldIdLst>
   <p:sldSz cx="18291175" cy="10288588"/>
   <p:notesSz cx="6858000" cy="9144000"/>
@@ -3299,7 +3300,7 @@
           <a:p>
             <a:fld id="{F9D3E6FF-AC24-BE43-AFD3-27417514DD0F}" type="datetimeFigureOut">
               <a:rPr lang="en-GB" smtClean="0"/>
-              <a:t>09/01/2020</a:t>
+              <a:t>10/01/2020</a:t>
             </a:fld>
             <a:endParaRPr lang="en-GB"/>
           </a:p>
@@ -3469,7 +3470,7 @@
           <a:p>
             <a:fld id="{F9D3E6FF-AC24-BE43-AFD3-27417514DD0F}" type="datetimeFigureOut">
               <a:rPr lang="en-GB" smtClean="0"/>
-              <a:t>09/01/2020</a:t>
+              <a:t>10/01/2020</a:t>
             </a:fld>
             <a:endParaRPr lang="en-GB"/>
           </a:p>
@@ -3649,7 +3650,7 @@
           <a:p>
             <a:fld id="{F9D3E6FF-AC24-BE43-AFD3-27417514DD0F}" type="datetimeFigureOut">
               <a:rPr lang="en-GB" smtClean="0"/>
-              <a:t>09/01/2020</a:t>
+              <a:t>10/01/2020</a:t>
             </a:fld>
             <a:endParaRPr lang="en-GB"/>
           </a:p>
@@ -3819,7 +3820,7 @@
           <a:p>
             <a:fld id="{F9D3E6FF-AC24-BE43-AFD3-27417514DD0F}" type="datetimeFigureOut">
               <a:rPr lang="en-GB" smtClean="0"/>
-              <a:t>09/01/2020</a:t>
+              <a:t>10/01/2020</a:t>
             </a:fld>
             <a:endParaRPr lang="en-GB"/>
           </a:p>
@@ -4065,7 +4066,7 @@
           <a:p>
             <a:fld id="{F9D3E6FF-AC24-BE43-AFD3-27417514DD0F}" type="datetimeFigureOut">
               <a:rPr lang="en-GB" smtClean="0"/>
-              <a:t>09/01/2020</a:t>
+              <a:t>10/01/2020</a:t>
             </a:fld>
             <a:endParaRPr lang="en-GB"/>
           </a:p>
@@ -4297,7 +4298,7 @@
           <a:p>
             <a:fld id="{F9D3E6FF-AC24-BE43-AFD3-27417514DD0F}" type="datetimeFigureOut">
               <a:rPr lang="en-GB" smtClean="0"/>
-              <a:t>09/01/2020</a:t>
+              <a:t>10/01/2020</a:t>
             </a:fld>
             <a:endParaRPr lang="en-GB"/>
           </a:p>
@@ -4664,7 +4665,7 @@
           <a:p>
             <a:fld id="{F9D3E6FF-AC24-BE43-AFD3-27417514DD0F}" type="datetimeFigureOut">
               <a:rPr lang="en-GB" smtClean="0"/>
-              <a:t>09/01/2020</a:t>
+              <a:t>10/01/2020</a:t>
             </a:fld>
             <a:endParaRPr lang="en-GB"/>
           </a:p>
@@ -4782,7 +4783,7 @@
           <a:p>
             <a:fld id="{F9D3E6FF-AC24-BE43-AFD3-27417514DD0F}" type="datetimeFigureOut">
               <a:rPr lang="en-GB" smtClean="0"/>
-              <a:t>09/01/2020</a:t>
+              <a:t>10/01/2020</a:t>
             </a:fld>
             <a:endParaRPr lang="en-GB"/>
           </a:p>
@@ -4877,7 +4878,7 @@
           <a:p>
             <a:fld id="{F9D3E6FF-AC24-BE43-AFD3-27417514DD0F}" type="datetimeFigureOut">
               <a:rPr lang="en-GB" smtClean="0"/>
-              <a:t>09/01/2020</a:t>
+              <a:t>10/01/2020</a:t>
             </a:fld>
             <a:endParaRPr lang="en-GB"/>
           </a:p>
@@ -5154,7 +5155,7 @@
           <a:p>
             <a:fld id="{F9D3E6FF-AC24-BE43-AFD3-27417514DD0F}" type="datetimeFigureOut">
               <a:rPr lang="en-GB" smtClean="0"/>
-              <a:t>09/01/2020</a:t>
+              <a:t>10/01/2020</a:t>
             </a:fld>
             <a:endParaRPr lang="en-GB"/>
           </a:p>
@@ -5411,7 +5412,7 @@
           <a:p>
             <a:fld id="{F9D3E6FF-AC24-BE43-AFD3-27417514DD0F}" type="datetimeFigureOut">
               <a:rPr lang="en-GB" smtClean="0"/>
-              <a:t>09/01/2020</a:t>
+              <a:t>10/01/2020</a:t>
             </a:fld>
             <a:endParaRPr lang="en-GB"/>
           </a:p>
@@ -5624,7 +5625,7 @@
           <a:p>
             <a:fld id="{F9D3E6FF-AC24-BE43-AFD3-27417514DD0F}" type="datetimeFigureOut">
               <a:rPr lang="en-GB" smtClean="0"/>
-              <a:t>09/01/2020</a:t>
+              <a:t>10/01/2020</a:t>
             </a:fld>
             <a:endParaRPr lang="en-GB"/>
           </a:p>
@@ -24065,14 +24066,1668 @@
 <file path=ppt/slides/slide4.xml><?xml version="1.0" encoding="utf-8"?>
 <p:sld xmlns:a="http://schemas.openxmlformats.org/drawingml/2006/main" xmlns:r="http://schemas.openxmlformats.org/officeDocument/2006/relationships" xmlns:p="http://schemas.openxmlformats.org/presentationml/2006/main">
   <p:cSld>
-    <p:bg>
-      <p:bgPr>
-        <a:solidFill>
-          <a:schemeClr val="bg1"/>
-        </a:solidFill>
-        <a:effectLst/>
-      </p:bgPr>
-    </p:bg>
+    <p:spTree>
+      <p:nvGrpSpPr>
+        <p:cNvPr id="1" name=""/>
+        <p:cNvGrpSpPr/>
+        <p:nvPr/>
+      </p:nvGrpSpPr>
+      <p:grpSpPr>
+        <a:xfrm>
+          <a:off x="0" y="0"/>
+          <a:ext cx="0" cy="0"/>
+          <a:chOff x="0" y="0"/>
+          <a:chExt cx="0" cy="0"/>
+        </a:xfrm>
+      </p:grpSpPr>
+      <p:sp>
+        <p:nvSpPr>
+          <p:cNvPr id="78" name="Rectangle 77">
+            <a:extLst>
+              <a:ext uri="{FF2B5EF4-FFF2-40B4-BE49-F238E27FC236}">
+                <a16:creationId xmlns:a16="http://schemas.microsoft.com/office/drawing/2014/main" id="{D9C614FE-6ACF-AB4D-A41F-F86E774F5CDB}"/>
+              </a:ext>
+            </a:extLst>
+          </p:cNvPr>
+          <p:cNvSpPr/>
+          <p:nvPr/>
+        </p:nvSpPr>
+        <p:spPr>
+          <a:xfrm>
+            <a:off x="1058780" y="2486526"/>
+            <a:ext cx="15399494" cy="5325979"/>
+          </a:xfrm>
+          <a:prstGeom prst="rect">
+            <a:avLst/>
+          </a:prstGeom>
+          <a:solidFill>
+            <a:schemeClr val="bg1"/>
+          </a:solidFill>
+          <a:ln w="9525" cap="flat" cmpd="sng" algn="ctr">
+            <a:noFill/>
+            <a:prstDash val="solid"/>
+            <a:round/>
+            <a:headEnd type="none" w="med" len="med"/>
+            <a:tailEnd type="none" w="med" len="med"/>
+          </a:ln>
+        </p:spPr>
+        <p:style>
+          <a:lnRef idx="0">
+            <a:scrgbClr r="0" g="0" b="0"/>
+          </a:lnRef>
+          <a:fillRef idx="0">
+            <a:scrgbClr r="0" g="0" b="0"/>
+          </a:fillRef>
+          <a:effectRef idx="0">
+            <a:scrgbClr r="0" g="0" b="0"/>
+          </a:effectRef>
+          <a:fontRef idx="minor">
+            <a:schemeClr val="dk1"/>
+          </a:fontRef>
+        </p:style>
+        <p:txBody>
+          <a:bodyPr rtlCol="0" anchor="ctr"/>
+          <a:lstStyle/>
+          <a:p>
+            <a:pPr algn="ctr"/>
+            <a:endParaRPr lang="en-GB" dirty="0"/>
+          </a:p>
+          <a:p>
+            <a:pPr algn="ctr"/>
+            <a:endParaRPr lang="en-GB" dirty="0"/>
+          </a:p>
+        </p:txBody>
+      </p:sp>
+      <p:sp>
+        <p:nvSpPr>
+          <p:cNvPr id="32" name="Rectangle 31">
+            <a:extLst>
+              <a:ext uri="{FF2B5EF4-FFF2-40B4-BE49-F238E27FC236}">
+                <a16:creationId xmlns:a16="http://schemas.microsoft.com/office/drawing/2014/main" id="{6E7A253D-4A85-464F-B905-16EC21F2DF56}"/>
+              </a:ext>
+            </a:extLst>
+          </p:cNvPr>
+          <p:cNvSpPr/>
+          <p:nvPr/>
+        </p:nvSpPr>
+        <p:spPr>
+          <a:xfrm>
+            <a:off x="1694358" y="6715080"/>
+            <a:ext cx="8945648" cy="914400"/>
+          </a:xfrm>
+          <a:prstGeom prst="rect">
+            <a:avLst/>
+          </a:prstGeom>
+          <a:noFill/>
+          <a:ln w="9525" cap="flat" cmpd="sng" algn="ctr">
+            <a:solidFill>
+              <a:schemeClr val="dk1"/>
+            </a:solidFill>
+            <a:prstDash val="solid"/>
+            <a:round/>
+            <a:headEnd type="none" w="med" len="med"/>
+            <a:tailEnd type="none" w="med" len="med"/>
+          </a:ln>
+        </p:spPr>
+        <p:style>
+          <a:lnRef idx="0">
+            <a:scrgbClr r="0" g="0" b="0"/>
+          </a:lnRef>
+          <a:fillRef idx="0">
+            <a:scrgbClr r="0" g="0" b="0"/>
+          </a:fillRef>
+          <a:effectRef idx="0">
+            <a:scrgbClr r="0" g="0" b="0"/>
+          </a:effectRef>
+          <a:fontRef idx="minor">
+            <a:schemeClr val="dk1"/>
+          </a:fontRef>
+        </p:style>
+        <p:txBody>
+          <a:bodyPr rtlCol="0" anchor="ctr"/>
+          <a:lstStyle/>
+          <a:p>
+            <a:pPr algn="ctr"/>
+            <a:r>
+              <a:rPr lang="en-GB" dirty="0"/>
+              <a:t>Physical / virtual compute, storage and network infrastructure</a:t>
+            </a:r>
+          </a:p>
+          <a:p>
+            <a:pPr algn="ctr"/>
+            <a:r>
+              <a:rPr lang="en-GB" dirty="0"/>
+              <a:t>(aligns with NFVI)</a:t>
+            </a:r>
+          </a:p>
+        </p:txBody>
+      </p:sp>
+      <p:sp>
+        <p:nvSpPr>
+          <p:cNvPr id="33" name="Rectangle 32">
+            <a:extLst>
+              <a:ext uri="{FF2B5EF4-FFF2-40B4-BE49-F238E27FC236}">
+                <a16:creationId xmlns:a16="http://schemas.microsoft.com/office/drawing/2014/main" id="{4B378146-B2AF-084B-92D5-0BAB60F8EC08}"/>
+              </a:ext>
+            </a:extLst>
+          </p:cNvPr>
+          <p:cNvSpPr/>
+          <p:nvPr/>
+        </p:nvSpPr>
+        <p:spPr>
+          <a:xfrm>
+            <a:off x="12945865" y="6715080"/>
+            <a:ext cx="3405447" cy="914400"/>
+          </a:xfrm>
+          <a:prstGeom prst="rect">
+            <a:avLst/>
+          </a:prstGeom>
+          <a:noFill/>
+          <a:ln w="9525" cap="flat" cmpd="sng" algn="ctr">
+            <a:solidFill>
+              <a:schemeClr val="dk1"/>
+            </a:solidFill>
+            <a:prstDash val="solid"/>
+            <a:round/>
+            <a:headEnd type="none" w="med" len="med"/>
+            <a:tailEnd type="none" w="med" len="med"/>
+          </a:ln>
+        </p:spPr>
+        <p:style>
+          <a:lnRef idx="0">
+            <a:scrgbClr r="0" g="0" b="0"/>
+          </a:lnRef>
+          <a:fillRef idx="0">
+            <a:scrgbClr r="0" g="0" b="0"/>
+          </a:fillRef>
+          <a:effectRef idx="0">
+            <a:scrgbClr r="0" g="0" b="0"/>
+          </a:effectRef>
+          <a:fontRef idx="minor">
+            <a:schemeClr val="dk1"/>
+          </a:fontRef>
+        </p:style>
+        <p:txBody>
+          <a:bodyPr rtlCol="0" anchor="ctr"/>
+          <a:lstStyle/>
+          <a:p>
+            <a:pPr algn="ctr"/>
+            <a:r>
+              <a:rPr lang="en-GB" dirty="0"/>
+              <a:t>Virtual or physical infrastructure management (largely aligns with VIM)</a:t>
+            </a:r>
+          </a:p>
+        </p:txBody>
+      </p:sp>
+      <p:sp>
+        <p:nvSpPr>
+          <p:cNvPr id="34" name="Rectangle 33">
+            <a:extLst>
+              <a:ext uri="{FF2B5EF4-FFF2-40B4-BE49-F238E27FC236}">
+                <a16:creationId xmlns:a16="http://schemas.microsoft.com/office/drawing/2014/main" id="{AAF9E94A-0E99-3740-A02A-354410EACFBD}"/>
+              </a:ext>
+            </a:extLst>
+          </p:cNvPr>
+          <p:cNvSpPr/>
+          <p:nvPr/>
+        </p:nvSpPr>
+        <p:spPr>
+          <a:xfrm>
+            <a:off x="1694358" y="2774616"/>
+            <a:ext cx="4380808" cy="3455556"/>
+          </a:xfrm>
+          <a:prstGeom prst="rect">
+            <a:avLst/>
+          </a:prstGeom>
+          <a:noFill/>
+          <a:ln w="9525" cap="flat" cmpd="sng" algn="ctr">
+            <a:solidFill>
+              <a:schemeClr val="dk1"/>
+            </a:solidFill>
+            <a:prstDash val="solid"/>
+            <a:round/>
+            <a:headEnd type="none" w="med" len="med"/>
+            <a:tailEnd type="none" w="med" len="med"/>
+          </a:ln>
+        </p:spPr>
+        <p:style>
+          <a:lnRef idx="0">
+            <a:scrgbClr r="0" g="0" b="0"/>
+          </a:lnRef>
+          <a:fillRef idx="0">
+            <a:scrgbClr r="0" g="0" b="0"/>
+          </a:fillRef>
+          <a:effectRef idx="0">
+            <a:scrgbClr r="0" g="0" b="0"/>
+          </a:effectRef>
+          <a:fontRef idx="minor">
+            <a:schemeClr val="dk1"/>
+          </a:fontRef>
+        </p:style>
+        <p:txBody>
+          <a:bodyPr rtlCol="0" anchor="b"/>
+          <a:lstStyle/>
+          <a:p>
+            <a:pPr algn="ctr"/>
+            <a:r>
+              <a:rPr lang="en-GB" dirty="0"/>
+              <a:t>Kubernetes Worker Node Machine (Virtual / Physical)</a:t>
+            </a:r>
+          </a:p>
+        </p:txBody>
+      </p:sp>
+      <p:sp>
+        <p:nvSpPr>
+          <p:cNvPr id="35" name="Rectangle 34">
+            <a:extLst>
+              <a:ext uri="{FF2B5EF4-FFF2-40B4-BE49-F238E27FC236}">
+                <a16:creationId xmlns:a16="http://schemas.microsoft.com/office/drawing/2014/main" id="{60300595-D079-434E-A111-D81143C98E0D}"/>
+              </a:ext>
+            </a:extLst>
+          </p:cNvPr>
+          <p:cNvSpPr/>
+          <p:nvPr/>
+        </p:nvSpPr>
+        <p:spPr>
+          <a:xfrm>
+            <a:off x="2071199" y="3131010"/>
+            <a:ext cx="3535682" cy="1833598"/>
+          </a:xfrm>
+          <a:prstGeom prst="rect">
+            <a:avLst/>
+          </a:prstGeom>
+          <a:noFill/>
+          <a:ln w="9525" cap="flat" cmpd="sng" algn="ctr">
+            <a:solidFill>
+              <a:schemeClr val="dk1"/>
+            </a:solidFill>
+            <a:prstDash val="solid"/>
+            <a:round/>
+            <a:headEnd type="none" w="med" len="med"/>
+            <a:tailEnd type="none" w="med" len="med"/>
+          </a:ln>
+        </p:spPr>
+        <p:style>
+          <a:lnRef idx="0">
+            <a:scrgbClr r="0" g="0" b="0"/>
+          </a:lnRef>
+          <a:fillRef idx="0">
+            <a:scrgbClr r="0" g="0" b="0"/>
+          </a:fillRef>
+          <a:effectRef idx="0">
+            <a:scrgbClr r="0" g="0" b="0"/>
+          </a:effectRef>
+          <a:fontRef idx="minor">
+            <a:schemeClr val="dk1"/>
+          </a:fontRef>
+        </p:style>
+        <p:txBody>
+          <a:bodyPr rtlCol="0" anchor="b"/>
+          <a:lstStyle/>
+          <a:p>
+            <a:pPr algn="ctr"/>
+            <a:r>
+              <a:rPr lang="en-GB" dirty="0"/>
+              <a:t>Kubernetes Container Runtime</a:t>
+            </a:r>
+          </a:p>
+        </p:txBody>
+      </p:sp>
+      <p:sp>
+        <p:nvSpPr>
+          <p:cNvPr id="36" name="Rectangle 35">
+            <a:extLst>
+              <a:ext uri="{FF2B5EF4-FFF2-40B4-BE49-F238E27FC236}">
+                <a16:creationId xmlns:a16="http://schemas.microsoft.com/office/drawing/2014/main" id="{3CE31C79-4CAE-9349-8ABE-86721D12C39F}"/>
+              </a:ext>
+            </a:extLst>
+          </p:cNvPr>
+          <p:cNvSpPr/>
+          <p:nvPr/>
+        </p:nvSpPr>
+        <p:spPr>
+          <a:xfrm>
+            <a:off x="1832902" y="2952416"/>
+            <a:ext cx="4012277" cy="2499130"/>
+          </a:xfrm>
+          <a:prstGeom prst="rect">
+            <a:avLst/>
+          </a:prstGeom>
+          <a:noFill/>
+          <a:ln w="9525" cap="flat" cmpd="sng" algn="ctr">
+            <a:solidFill>
+              <a:schemeClr val="dk1"/>
+            </a:solidFill>
+            <a:prstDash val="solid"/>
+            <a:round/>
+            <a:headEnd type="none" w="med" len="med"/>
+            <a:tailEnd type="none" w="med" len="med"/>
+          </a:ln>
+        </p:spPr>
+        <p:style>
+          <a:lnRef idx="0">
+            <a:scrgbClr r="0" g="0" b="0"/>
+          </a:lnRef>
+          <a:fillRef idx="0">
+            <a:scrgbClr r="0" g="0" b="0"/>
+          </a:fillRef>
+          <a:effectRef idx="0">
+            <a:scrgbClr r="0" g="0" b="0"/>
+          </a:effectRef>
+          <a:fontRef idx="minor">
+            <a:schemeClr val="dk1"/>
+          </a:fontRef>
+        </p:style>
+        <p:txBody>
+          <a:bodyPr rtlCol="0" anchor="b"/>
+          <a:lstStyle/>
+          <a:p>
+            <a:pPr algn="ctr"/>
+            <a:r>
+              <a:rPr lang="en-GB" dirty="0"/>
+              <a:t>Kubernetes Worker Node OS</a:t>
+            </a:r>
+          </a:p>
+        </p:txBody>
+      </p:sp>
+      <p:sp>
+        <p:nvSpPr>
+          <p:cNvPr id="37" name="Rectangle 36">
+            <a:extLst>
+              <a:ext uri="{FF2B5EF4-FFF2-40B4-BE49-F238E27FC236}">
+                <a16:creationId xmlns:a16="http://schemas.microsoft.com/office/drawing/2014/main" id="{D298B356-0DC9-EF41-83BC-4AC205613C75}"/>
+              </a:ext>
+            </a:extLst>
+          </p:cNvPr>
+          <p:cNvSpPr/>
+          <p:nvPr/>
+        </p:nvSpPr>
+        <p:spPr>
+          <a:xfrm>
+            <a:off x="2335018" y="3624128"/>
+            <a:ext cx="3099487" cy="752404"/>
+          </a:xfrm>
+          <a:prstGeom prst="rect">
+            <a:avLst/>
+          </a:prstGeom>
+          <a:noFill/>
+          <a:ln w="9525" cap="flat" cmpd="sng" algn="ctr">
+            <a:solidFill>
+              <a:schemeClr val="dk1"/>
+            </a:solidFill>
+            <a:prstDash val="solid"/>
+            <a:round/>
+            <a:headEnd type="none" w="med" len="med"/>
+            <a:tailEnd type="none" w="med" len="med"/>
+          </a:ln>
+        </p:spPr>
+        <p:style>
+          <a:lnRef idx="0">
+            <a:scrgbClr r="0" g="0" b="0"/>
+          </a:lnRef>
+          <a:fillRef idx="0">
+            <a:scrgbClr r="0" g="0" b="0"/>
+          </a:fillRef>
+          <a:effectRef idx="0">
+            <a:scrgbClr r="0" g="0" b="0"/>
+          </a:effectRef>
+          <a:fontRef idx="minor">
+            <a:schemeClr val="dk1"/>
+          </a:fontRef>
+        </p:style>
+        <p:txBody>
+          <a:bodyPr rtlCol="0" anchor="ctr"/>
+          <a:lstStyle/>
+          <a:p>
+            <a:pPr algn="ctr"/>
+            <a:r>
+              <a:rPr lang="en-GB" dirty="0"/>
+              <a:t>Kubernetes Worker Node Services (</a:t>
+            </a:r>
+            <a:r>
+              <a:rPr lang="en-GB" dirty="0" err="1"/>
+              <a:t>kubelet</a:t>
+            </a:r>
+            <a:r>
+              <a:rPr lang="en-GB" dirty="0"/>
+              <a:t>, </a:t>
+            </a:r>
+            <a:r>
+              <a:rPr lang="en-GB" dirty="0" err="1"/>
+              <a:t>kube</a:t>
+            </a:r>
+            <a:r>
+              <a:rPr lang="en-GB" dirty="0"/>
+              <a:t>-proxy)</a:t>
+            </a:r>
+          </a:p>
+        </p:txBody>
+      </p:sp>
+      <p:sp>
+        <p:nvSpPr>
+          <p:cNvPr id="38" name="Rectangle 37">
+            <a:extLst>
+              <a:ext uri="{FF2B5EF4-FFF2-40B4-BE49-F238E27FC236}">
+                <a16:creationId xmlns:a16="http://schemas.microsoft.com/office/drawing/2014/main" id="{5D2763BD-4157-9143-8B44-26B725491EC8}"/>
+              </a:ext>
+            </a:extLst>
+          </p:cNvPr>
+          <p:cNvSpPr/>
+          <p:nvPr/>
+        </p:nvSpPr>
+        <p:spPr>
+          <a:xfrm>
+            <a:off x="6259198" y="2774616"/>
+            <a:ext cx="4380808" cy="3455555"/>
+          </a:xfrm>
+          <a:prstGeom prst="rect">
+            <a:avLst/>
+          </a:prstGeom>
+          <a:noFill/>
+          <a:ln w="9525" cap="flat" cmpd="sng" algn="ctr">
+            <a:solidFill>
+              <a:schemeClr val="dk1"/>
+            </a:solidFill>
+            <a:prstDash val="solid"/>
+            <a:round/>
+            <a:headEnd type="none" w="med" len="med"/>
+            <a:tailEnd type="none" w="med" len="med"/>
+          </a:ln>
+        </p:spPr>
+        <p:style>
+          <a:lnRef idx="0">
+            <a:scrgbClr r="0" g="0" b="0"/>
+          </a:lnRef>
+          <a:fillRef idx="0">
+            <a:scrgbClr r="0" g="0" b="0"/>
+          </a:fillRef>
+          <a:effectRef idx="0">
+            <a:scrgbClr r="0" g="0" b="0"/>
+          </a:effectRef>
+          <a:fontRef idx="minor">
+            <a:schemeClr val="dk1"/>
+          </a:fontRef>
+        </p:style>
+        <p:txBody>
+          <a:bodyPr rtlCol="0" anchor="b"/>
+          <a:lstStyle/>
+          <a:p>
+            <a:pPr algn="ctr"/>
+            <a:r>
+              <a:rPr lang="en-GB" dirty="0"/>
+              <a:t>Kubernetes Master Machine (Virtual / Physical)</a:t>
+            </a:r>
+          </a:p>
+        </p:txBody>
+      </p:sp>
+      <p:sp>
+        <p:nvSpPr>
+          <p:cNvPr id="39" name="Rectangle 38">
+            <a:extLst>
+              <a:ext uri="{FF2B5EF4-FFF2-40B4-BE49-F238E27FC236}">
+                <a16:creationId xmlns:a16="http://schemas.microsoft.com/office/drawing/2014/main" id="{3587EFFE-1AE8-E24D-B1BB-B0BF979CA98D}"/>
+              </a:ext>
+            </a:extLst>
+          </p:cNvPr>
+          <p:cNvSpPr/>
+          <p:nvPr/>
+        </p:nvSpPr>
+        <p:spPr>
+          <a:xfrm>
+            <a:off x="6636039" y="3131010"/>
+            <a:ext cx="3535682" cy="1833597"/>
+          </a:xfrm>
+          <a:prstGeom prst="rect">
+            <a:avLst/>
+          </a:prstGeom>
+          <a:noFill/>
+          <a:ln w="9525" cap="flat" cmpd="sng" algn="ctr">
+            <a:solidFill>
+              <a:schemeClr val="dk1"/>
+            </a:solidFill>
+            <a:prstDash val="solid"/>
+            <a:round/>
+            <a:headEnd type="none" w="med" len="med"/>
+            <a:tailEnd type="none" w="med" len="med"/>
+          </a:ln>
+        </p:spPr>
+        <p:style>
+          <a:lnRef idx="0">
+            <a:scrgbClr r="0" g="0" b="0"/>
+          </a:lnRef>
+          <a:fillRef idx="0">
+            <a:scrgbClr r="0" g="0" b="0"/>
+          </a:fillRef>
+          <a:effectRef idx="0">
+            <a:scrgbClr r="0" g="0" b="0"/>
+          </a:effectRef>
+          <a:fontRef idx="minor">
+            <a:schemeClr val="dk1"/>
+          </a:fontRef>
+        </p:style>
+        <p:txBody>
+          <a:bodyPr rtlCol="0" anchor="b"/>
+          <a:lstStyle/>
+          <a:p>
+            <a:pPr algn="ctr"/>
+            <a:r>
+              <a:rPr lang="en-GB" dirty="0"/>
+              <a:t>Kubernetes Container Runtime</a:t>
+            </a:r>
+          </a:p>
+        </p:txBody>
+      </p:sp>
+      <p:sp>
+        <p:nvSpPr>
+          <p:cNvPr id="40" name="Rectangle 39">
+            <a:extLst>
+              <a:ext uri="{FF2B5EF4-FFF2-40B4-BE49-F238E27FC236}">
+                <a16:creationId xmlns:a16="http://schemas.microsoft.com/office/drawing/2014/main" id="{AC59748E-B39C-1641-BDC9-EE95F84ECF51}"/>
+              </a:ext>
+            </a:extLst>
+          </p:cNvPr>
+          <p:cNvSpPr/>
+          <p:nvPr/>
+        </p:nvSpPr>
+        <p:spPr>
+          <a:xfrm>
+            <a:off x="6397742" y="2952416"/>
+            <a:ext cx="4012277" cy="2499129"/>
+          </a:xfrm>
+          <a:prstGeom prst="rect">
+            <a:avLst/>
+          </a:prstGeom>
+          <a:noFill/>
+          <a:ln w="9525" cap="flat" cmpd="sng" algn="ctr">
+            <a:solidFill>
+              <a:schemeClr val="dk1"/>
+            </a:solidFill>
+            <a:prstDash val="solid"/>
+            <a:round/>
+            <a:headEnd type="none" w="med" len="med"/>
+            <a:tailEnd type="none" w="med" len="med"/>
+          </a:ln>
+        </p:spPr>
+        <p:style>
+          <a:lnRef idx="0">
+            <a:scrgbClr r="0" g="0" b="0"/>
+          </a:lnRef>
+          <a:fillRef idx="0">
+            <a:scrgbClr r="0" g="0" b="0"/>
+          </a:fillRef>
+          <a:effectRef idx="0">
+            <a:scrgbClr r="0" g="0" b="0"/>
+          </a:effectRef>
+          <a:fontRef idx="minor">
+            <a:schemeClr val="dk1"/>
+          </a:fontRef>
+        </p:style>
+        <p:txBody>
+          <a:bodyPr rtlCol="0" anchor="b"/>
+          <a:lstStyle/>
+          <a:p>
+            <a:pPr algn="ctr"/>
+            <a:r>
+              <a:rPr lang="en-GB" dirty="0"/>
+              <a:t>Kubernetes Master OS</a:t>
+            </a:r>
+          </a:p>
+        </p:txBody>
+      </p:sp>
+      <p:sp>
+        <p:nvSpPr>
+          <p:cNvPr id="41" name="Rectangle 40">
+            <a:extLst>
+              <a:ext uri="{FF2B5EF4-FFF2-40B4-BE49-F238E27FC236}">
+                <a16:creationId xmlns:a16="http://schemas.microsoft.com/office/drawing/2014/main" id="{86D34685-1305-4249-9DF2-ECBA5FBC099E}"/>
+              </a:ext>
+            </a:extLst>
+          </p:cNvPr>
+          <p:cNvSpPr/>
+          <p:nvPr/>
+        </p:nvSpPr>
+        <p:spPr>
+          <a:xfrm>
+            <a:off x="6737874" y="3309041"/>
+            <a:ext cx="2113045" cy="1078475"/>
+          </a:xfrm>
+          <a:prstGeom prst="rect">
+            <a:avLst/>
+          </a:prstGeom>
+          <a:noFill/>
+          <a:ln w="9525" cap="flat" cmpd="sng" algn="ctr">
+            <a:solidFill>
+              <a:schemeClr val="dk1"/>
+            </a:solidFill>
+            <a:prstDash val="solid"/>
+            <a:round/>
+            <a:headEnd type="none" w="med" len="med"/>
+            <a:tailEnd type="none" w="med" len="med"/>
+          </a:ln>
+        </p:spPr>
+        <p:style>
+          <a:lnRef idx="0">
+            <a:scrgbClr r="0" g="0" b="0"/>
+          </a:lnRef>
+          <a:fillRef idx="0">
+            <a:scrgbClr r="0" g="0" b="0"/>
+          </a:fillRef>
+          <a:effectRef idx="0">
+            <a:scrgbClr r="0" g="0" b="0"/>
+          </a:effectRef>
+          <a:fontRef idx="minor">
+            <a:schemeClr val="dk1"/>
+          </a:fontRef>
+        </p:style>
+        <p:txBody>
+          <a:bodyPr rtlCol="0" anchor="ctr"/>
+          <a:lstStyle/>
+          <a:p>
+            <a:pPr algn="ctr"/>
+            <a:r>
+              <a:rPr lang="en-GB" sz="1400" dirty="0"/>
+              <a:t>Kubernetes Master Node Services (</a:t>
+            </a:r>
+            <a:r>
+              <a:rPr lang="en-GB" sz="1400" dirty="0" err="1"/>
+              <a:t>kube-apiserver</a:t>
+            </a:r>
+            <a:r>
+              <a:rPr lang="en-GB" sz="1400" dirty="0"/>
+              <a:t>, controller-managers, DNS, CNI, etc.)</a:t>
+            </a:r>
+          </a:p>
+        </p:txBody>
+      </p:sp>
+      <p:sp>
+        <p:nvSpPr>
+          <p:cNvPr id="42" name="Rectangle 41">
+            <a:extLst>
+              <a:ext uri="{FF2B5EF4-FFF2-40B4-BE49-F238E27FC236}">
+                <a16:creationId xmlns:a16="http://schemas.microsoft.com/office/drawing/2014/main" id="{D9AE07BC-203E-2348-BC31-6DBFFA06BBAC}"/>
+              </a:ext>
+            </a:extLst>
+          </p:cNvPr>
+          <p:cNvSpPr/>
+          <p:nvPr/>
+        </p:nvSpPr>
+        <p:spPr>
+          <a:xfrm>
+            <a:off x="8850919" y="3309041"/>
+            <a:ext cx="1227056" cy="1078475"/>
+          </a:xfrm>
+          <a:prstGeom prst="rect">
+            <a:avLst/>
+          </a:prstGeom>
+          <a:noFill/>
+          <a:ln w="9525" cap="flat" cmpd="sng" algn="ctr">
+            <a:solidFill>
+              <a:schemeClr val="dk1"/>
+            </a:solidFill>
+            <a:prstDash val="solid"/>
+            <a:round/>
+            <a:headEnd type="none" w="med" len="med"/>
+            <a:tailEnd type="none" w="med" len="med"/>
+          </a:ln>
+        </p:spPr>
+        <p:style>
+          <a:lnRef idx="0">
+            <a:scrgbClr r="0" g="0" b="0"/>
+          </a:lnRef>
+          <a:fillRef idx="0">
+            <a:scrgbClr r="0" g="0" b="0"/>
+          </a:fillRef>
+          <a:effectRef idx="0">
+            <a:scrgbClr r="0" g="0" b="0"/>
+          </a:effectRef>
+          <a:fontRef idx="minor">
+            <a:schemeClr val="dk1"/>
+          </a:fontRef>
+        </p:style>
+        <p:txBody>
+          <a:bodyPr rtlCol="0" anchor="ctr"/>
+          <a:lstStyle/>
+          <a:p>
+            <a:pPr algn="ctr"/>
+            <a:r>
+              <a:rPr lang="en-GB" sz="1400" dirty="0"/>
+              <a:t>Kubernetes configuration store (</a:t>
+            </a:r>
+            <a:r>
+              <a:rPr lang="en-GB" sz="1400" dirty="0" err="1"/>
+              <a:t>etcd</a:t>
+            </a:r>
+            <a:r>
+              <a:rPr lang="en-GB" sz="1400" dirty="0"/>
+              <a:t>)</a:t>
+            </a:r>
+          </a:p>
+        </p:txBody>
+      </p:sp>
+      <p:sp>
+        <p:nvSpPr>
+          <p:cNvPr id="46" name="Rectangle 45">
+            <a:extLst>
+              <a:ext uri="{FF2B5EF4-FFF2-40B4-BE49-F238E27FC236}">
+                <a16:creationId xmlns:a16="http://schemas.microsoft.com/office/drawing/2014/main" id="{A3470AC4-8931-0648-A630-2C532630B13B}"/>
+              </a:ext>
+            </a:extLst>
+          </p:cNvPr>
+          <p:cNvSpPr/>
+          <p:nvPr/>
+        </p:nvSpPr>
+        <p:spPr>
+          <a:xfrm>
+            <a:off x="12945845" y="4075901"/>
+            <a:ext cx="3405447" cy="914400"/>
+          </a:xfrm>
+          <a:prstGeom prst="rect">
+            <a:avLst/>
+          </a:prstGeom>
+          <a:noFill/>
+          <a:ln w="9525" cap="flat" cmpd="sng" algn="ctr">
+            <a:solidFill>
+              <a:schemeClr val="bg2">
+                <a:lumMod val="75000"/>
+              </a:schemeClr>
+            </a:solidFill>
+            <a:prstDash val="solid"/>
+            <a:round/>
+            <a:headEnd type="none" w="med" len="med"/>
+            <a:tailEnd type="none" w="med" len="med"/>
+          </a:ln>
+        </p:spPr>
+        <p:style>
+          <a:lnRef idx="0">
+            <a:scrgbClr r="0" g="0" b="0"/>
+          </a:lnRef>
+          <a:fillRef idx="0">
+            <a:scrgbClr r="0" g="0" b="0"/>
+          </a:fillRef>
+          <a:effectRef idx="0">
+            <a:scrgbClr r="0" g="0" b="0"/>
+          </a:effectRef>
+          <a:fontRef idx="minor">
+            <a:schemeClr val="dk1"/>
+          </a:fontRef>
+        </p:style>
+        <p:txBody>
+          <a:bodyPr rtlCol="0" anchor="ctr"/>
+          <a:lstStyle/>
+          <a:p>
+            <a:pPr algn="ctr"/>
+            <a:r>
+              <a:rPr lang="en-GB" dirty="0">
+                <a:solidFill>
+                  <a:schemeClr val="bg2">
+                    <a:lumMod val="75000"/>
+                  </a:schemeClr>
+                </a:solidFill>
+              </a:rPr>
+              <a:t>Kubernetes cluster lifecycle management (e.g. create, update, upgrade, delete)</a:t>
+            </a:r>
+          </a:p>
+        </p:txBody>
+      </p:sp>
+      <p:sp>
+        <p:nvSpPr>
+          <p:cNvPr id="47" name="Rectangle 46">
+            <a:extLst>
+              <a:ext uri="{FF2B5EF4-FFF2-40B4-BE49-F238E27FC236}">
+                <a16:creationId xmlns:a16="http://schemas.microsoft.com/office/drawing/2014/main" id="{9B506133-9556-F943-ACA9-DBED386D82A0}"/>
+              </a:ext>
+            </a:extLst>
+          </p:cNvPr>
+          <p:cNvSpPr/>
+          <p:nvPr/>
+        </p:nvSpPr>
+        <p:spPr>
+          <a:xfrm rot="16200000">
+            <a:off x="4273614" y="-375448"/>
+            <a:ext cx="3696624" cy="9817099"/>
+          </a:xfrm>
+          <a:prstGeom prst="rect">
+            <a:avLst/>
+          </a:prstGeom>
+          <a:noFill/>
+          <a:ln w="9525" cap="flat" cmpd="sng" algn="ctr">
+            <a:solidFill>
+              <a:schemeClr val="tx1"/>
+            </a:solidFill>
+            <a:prstDash val="solid"/>
+            <a:round/>
+            <a:headEnd type="none" w="med" len="med"/>
+            <a:tailEnd type="none" w="med" len="med"/>
+          </a:ln>
+        </p:spPr>
+        <p:style>
+          <a:lnRef idx="0">
+            <a:scrgbClr r="0" g="0" b="0"/>
+          </a:lnRef>
+          <a:fillRef idx="0">
+            <a:scrgbClr r="0" g="0" b="0"/>
+          </a:fillRef>
+          <a:effectRef idx="0">
+            <a:scrgbClr r="0" g="0" b="0"/>
+          </a:effectRef>
+          <a:fontRef idx="minor">
+            <a:schemeClr val="dk1"/>
+          </a:fontRef>
+        </p:style>
+        <p:txBody>
+          <a:bodyPr rtlCol="0" anchor="t"/>
+          <a:lstStyle/>
+          <a:p>
+            <a:pPr algn="ctr"/>
+            <a:r>
+              <a:rPr lang="en-GB" dirty="0">
+                <a:solidFill>
+                  <a:schemeClr val="tx1"/>
+                </a:solidFill>
+              </a:rPr>
+              <a:t>Kubernetes cluster</a:t>
+            </a:r>
+          </a:p>
+        </p:txBody>
+      </p:sp>
+      <p:cxnSp>
+        <p:nvCxnSpPr>
+          <p:cNvPr id="50" name="Straight Arrow Connector 49">
+            <a:extLst>
+              <a:ext uri="{FF2B5EF4-FFF2-40B4-BE49-F238E27FC236}">
+                <a16:creationId xmlns:a16="http://schemas.microsoft.com/office/drawing/2014/main" id="{9F6C6EF4-BC90-6340-BAEB-3DF33D954174}"/>
+              </a:ext>
+            </a:extLst>
+          </p:cNvPr>
+          <p:cNvCxnSpPr>
+            <a:stCxn id="46" idx="2"/>
+            <a:endCxn id="33" idx="0"/>
+          </p:cNvCxnSpPr>
+          <p:nvPr/>
+        </p:nvCxnSpPr>
+        <p:spPr>
+          <a:xfrm>
+            <a:off x="14648569" y="4990301"/>
+            <a:ext cx="20" cy="1724779"/>
+          </a:xfrm>
+          <a:prstGeom prst="straightConnector1">
+            <a:avLst/>
+          </a:prstGeom>
+          <a:ln>
+            <a:solidFill>
+              <a:schemeClr val="bg2">
+                <a:lumMod val="75000"/>
+              </a:schemeClr>
+            </a:solidFill>
+            <a:prstDash val="solid"/>
+            <a:tailEnd type="triangle"/>
+          </a:ln>
+        </p:spPr>
+        <p:style>
+          <a:lnRef idx="1">
+            <a:schemeClr val="accent1"/>
+          </a:lnRef>
+          <a:fillRef idx="0">
+            <a:schemeClr val="accent1"/>
+          </a:fillRef>
+          <a:effectRef idx="0">
+            <a:schemeClr val="accent1"/>
+          </a:effectRef>
+          <a:fontRef idx="minor">
+            <a:schemeClr val="tx1"/>
+          </a:fontRef>
+        </p:style>
+      </p:cxnSp>
+      <p:sp>
+        <p:nvSpPr>
+          <p:cNvPr id="51" name="TextBox 50">
+            <a:extLst>
+              <a:ext uri="{FF2B5EF4-FFF2-40B4-BE49-F238E27FC236}">
+                <a16:creationId xmlns:a16="http://schemas.microsoft.com/office/drawing/2014/main" id="{4FD7CE8C-F401-274F-871D-6E1D6099A535}"/>
+              </a:ext>
+            </a:extLst>
+          </p:cNvPr>
+          <p:cNvSpPr txBox="1"/>
+          <p:nvPr/>
+        </p:nvSpPr>
+        <p:spPr>
+          <a:xfrm>
+            <a:off x="14648585" y="5289215"/>
+            <a:ext cx="1702707" cy="1181101"/>
+          </a:xfrm>
+          <a:prstGeom prst="rect">
+            <a:avLst/>
+          </a:prstGeom>
+          <a:noFill/>
+          <a:ln>
+            <a:noFill/>
+            <a:prstDash val="solid"/>
+          </a:ln>
+        </p:spPr>
+        <p:txBody>
+          <a:bodyPr wrap="square" rtlCol="0">
+            <a:normAutofit/>
+          </a:bodyPr>
+          <a:lstStyle/>
+          <a:p>
+            <a:r>
+              <a:rPr lang="en-GB" dirty="0">
+                <a:solidFill>
+                  <a:schemeClr val="bg2">
+                    <a:lumMod val="75000"/>
+                  </a:schemeClr>
+                </a:solidFill>
+              </a:rPr>
+              <a:t>K8s LCM talks to VIM for VM/BM LCM</a:t>
+            </a:r>
+          </a:p>
+        </p:txBody>
+      </p:sp>
+      <p:cxnSp>
+        <p:nvCxnSpPr>
+          <p:cNvPr id="52" name="Straight Arrow Connector 51">
+            <a:extLst>
+              <a:ext uri="{FF2B5EF4-FFF2-40B4-BE49-F238E27FC236}">
+                <a16:creationId xmlns:a16="http://schemas.microsoft.com/office/drawing/2014/main" id="{2F25D80B-B03F-B44F-9F08-6D49032AAF7C}"/>
+              </a:ext>
+            </a:extLst>
+          </p:cNvPr>
+          <p:cNvCxnSpPr>
+            <a:cxnSpLocks/>
+            <a:stCxn id="33" idx="1"/>
+            <a:endCxn id="32" idx="3"/>
+          </p:cNvCxnSpPr>
+          <p:nvPr/>
+        </p:nvCxnSpPr>
+        <p:spPr>
+          <a:xfrm flipH="1">
+            <a:off x="10640006" y="7172280"/>
+            <a:ext cx="2305859" cy="0"/>
+          </a:xfrm>
+          <a:prstGeom prst="straightConnector1">
+            <a:avLst/>
+          </a:prstGeom>
+          <a:ln>
+            <a:solidFill>
+              <a:schemeClr val="tx1"/>
+            </a:solidFill>
+            <a:tailEnd type="triangle"/>
+          </a:ln>
+        </p:spPr>
+        <p:style>
+          <a:lnRef idx="1">
+            <a:schemeClr val="accent1"/>
+          </a:lnRef>
+          <a:fillRef idx="0">
+            <a:schemeClr val="accent1"/>
+          </a:fillRef>
+          <a:effectRef idx="0">
+            <a:schemeClr val="accent1"/>
+          </a:effectRef>
+          <a:fontRef idx="minor">
+            <a:schemeClr val="tx1"/>
+          </a:fontRef>
+        </p:style>
+      </p:cxnSp>
+      <p:sp>
+        <p:nvSpPr>
+          <p:cNvPr id="53" name="TextBox 52">
+            <a:extLst>
+              <a:ext uri="{FF2B5EF4-FFF2-40B4-BE49-F238E27FC236}">
+                <a16:creationId xmlns:a16="http://schemas.microsoft.com/office/drawing/2014/main" id="{D68806BA-90BE-614E-9F87-9F6026D28433}"/>
+              </a:ext>
+            </a:extLst>
+          </p:cNvPr>
+          <p:cNvSpPr txBox="1"/>
+          <p:nvPr/>
+        </p:nvSpPr>
+        <p:spPr>
+          <a:xfrm>
+            <a:off x="11524000" y="4159481"/>
+            <a:ext cx="1702707" cy="457193"/>
+          </a:xfrm>
+          <a:prstGeom prst="rect">
+            <a:avLst/>
+          </a:prstGeom>
+          <a:noFill/>
+          <a:ln>
+            <a:noFill/>
+            <a:prstDash val="solid"/>
+          </a:ln>
+        </p:spPr>
+        <p:txBody>
+          <a:bodyPr wrap="square" rtlCol="0">
+            <a:normAutofit/>
+          </a:bodyPr>
+          <a:lstStyle/>
+          <a:p>
+            <a:r>
+              <a:rPr lang="en-GB" dirty="0">
+                <a:solidFill>
+                  <a:schemeClr val="bg2">
+                    <a:lumMod val="75000"/>
+                  </a:schemeClr>
+                </a:solidFill>
+              </a:rPr>
+              <a:t>Manages</a:t>
+            </a:r>
+          </a:p>
+        </p:txBody>
+      </p:sp>
+      <p:cxnSp>
+        <p:nvCxnSpPr>
+          <p:cNvPr id="54" name="Straight Arrow Connector 53">
+            <a:extLst>
+              <a:ext uri="{FF2B5EF4-FFF2-40B4-BE49-F238E27FC236}">
+                <a16:creationId xmlns:a16="http://schemas.microsoft.com/office/drawing/2014/main" id="{D53EC704-ADD5-0E44-BEFE-2AFDD0E56CD4}"/>
+              </a:ext>
+            </a:extLst>
+          </p:cNvPr>
+          <p:cNvCxnSpPr>
+            <a:cxnSpLocks/>
+            <a:stCxn id="46" idx="1"/>
+            <a:endCxn id="47" idx="2"/>
+          </p:cNvCxnSpPr>
+          <p:nvPr/>
+        </p:nvCxnSpPr>
+        <p:spPr>
+          <a:xfrm flipH="1">
+            <a:off x="11030476" y="4533101"/>
+            <a:ext cx="1915369" cy="0"/>
+          </a:xfrm>
+          <a:prstGeom prst="straightConnector1">
+            <a:avLst/>
+          </a:prstGeom>
+          <a:ln>
+            <a:solidFill>
+              <a:schemeClr val="bg2">
+                <a:lumMod val="75000"/>
+              </a:schemeClr>
+            </a:solidFill>
+            <a:prstDash val="solid"/>
+            <a:tailEnd type="triangle"/>
+          </a:ln>
+        </p:spPr>
+        <p:style>
+          <a:lnRef idx="1">
+            <a:schemeClr val="accent1"/>
+          </a:lnRef>
+          <a:fillRef idx="0">
+            <a:schemeClr val="accent1"/>
+          </a:fillRef>
+          <a:effectRef idx="0">
+            <a:schemeClr val="accent1"/>
+          </a:effectRef>
+          <a:fontRef idx="minor">
+            <a:schemeClr val="tx1"/>
+          </a:fontRef>
+        </p:style>
+      </p:cxnSp>
+      <p:sp>
+        <p:nvSpPr>
+          <p:cNvPr id="55" name="TextBox 54">
+            <a:extLst>
+              <a:ext uri="{FF2B5EF4-FFF2-40B4-BE49-F238E27FC236}">
+                <a16:creationId xmlns:a16="http://schemas.microsoft.com/office/drawing/2014/main" id="{2C34C372-866D-264A-9930-6BD2C1CE2AFB}"/>
+              </a:ext>
+            </a:extLst>
+          </p:cNvPr>
+          <p:cNvSpPr txBox="1"/>
+          <p:nvPr/>
+        </p:nvSpPr>
+        <p:spPr>
+          <a:xfrm>
+            <a:off x="11395543" y="6867480"/>
+            <a:ext cx="1702707" cy="457193"/>
+          </a:xfrm>
+          <a:prstGeom prst="rect">
+            <a:avLst/>
+          </a:prstGeom>
+          <a:noFill/>
+        </p:spPr>
+        <p:txBody>
+          <a:bodyPr wrap="square" rtlCol="0">
+            <a:normAutofit/>
+          </a:bodyPr>
+          <a:lstStyle/>
+          <a:p>
+            <a:r>
+              <a:rPr lang="en-GB" dirty="0"/>
+              <a:t>Manages</a:t>
+            </a:r>
+          </a:p>
+        </p:txBody>
+      </p:sp>
+      <p:cxnSp>
+        <p:nvCxnSpPr>
+          <p:cNvPr id="66" name="Straight Arrow Connector 65">
+            <a:extLst>
+              <a:ext uri="{FF2B5EF4-FFF2-40B4-BE49-F238E27FC236}">
+                <a16:creationId xmlns:a16="http://schemas.microsoft.com/office/drawing/2014/main" id="{2C336FC4-1527-6D47-ACD1-1143A9B5BE94}"/>
+              </a:ext>
+            </a:extLst>
+          </p:cNvPr>
+          <p:cNvCxnSpPr>
+            <a:cxnSpLocks/>
+          </p:cNvCxnSpPr>
+          <p:nvPr/>
+        </p:nvCxnSpPr>
+        <p:spPr>
+          <a:xfrm>
+            <a:off x="8760577" y="4376532"/>
+            <a:ext cx="4622664" cy="2338548"/>
+          </a:xfrm>
+          <a:prstGeom prst="straightConnector1">
+            <a:avLst/>
+          </a:prstGeom>
+          <a:ln>
+            <a:solidFill>
+              <a:schemeClr val="tx1"/>
+            </a:solidFill>
+            <a:prstDash val="solid"/>
+            <a:tailEnd type="triangle"/>
+          </a:ln>
+        </p:spPr>
+        <p:style>
+          <a:lnRef idx="1">
+            <a:schemeClr val="accent1"/>
+          </a:lnRef>
+          <a:fillRef idx="0">
+            <a:schemeClr val="accent1"/>
+          </a:fillRef>
+          <a:effectRef idx="0">
+            <a:schemeClr val="accent1"/>
+          </a:effectRef>
+          <a:fontRef idx="minor">
+            <a:schemeClr val="tx1"/>
+          </a:fontRef>
+        </p:style>
+      </p:cxnSp>
+      <p:sp>
+        <p:nvSpPr>
+          <p:cNvPr id="67" name="TextBox 66">
+            <a:extLst>
+              <a:ext uri="{FF2B5EF4-FFF2-40B4-BE49-F238E27FC236}">
+                <a16:creationId xmlns:a16="http://schemas.microsoft.com/office/drawing/2014/main" id="{C6F17B0B-A813-1A40-9AAE-ADA4BB7B75BE}"/>
+              </a:ext>
+            </a:extLst>
+          </p:cNvPr>
+          <p:cNvSpPr txBox="1"/>
+          <p:nvPr/>
+        </p:nvSpPr>
+        <p:spPr>
+          <a:xfrm>
+            <a:off x="11618073" y="5132079"/>
+            <a:ext cx="2076142" cy="889703"/>
+          </a:xfrm>
+          <a:prstGeom prst="rect">
+            <a:avLst/>
+          </a:prstGeom>
+          <a:noFill/>
+          <a:ln>
+            <a:noFill/>
+            <a:prstDash val="solid"/>
+          </a:ln>
+        </p:spPr>
+        <p:txBody>
+          <a:bodyPr wrap="square" rtlCol="0">
+            <a:normAutofit fontScale="85000" lnSpcReduction="20000"/>
+          </a:bodyPr>
+          <a:lstStyle/>
+          <a:p>
+            <a:r>
+              <a:rPr lang="en-GB" dirty="0"/>
+              <a:t>Manages via Kubernetes Cloud Providers or custom controller (e.g. CRDs, Operator)</a:t>
+            </a:r>
+          </a:p>
+        </p:txBody>
+      </p:sp>
+      <p:cxnSp>
+        <p:nvCxnSpPr>
+          <p:cNvPr id="68" name="Straight Arrow Connector 67">
+            <a:extLst>
+              <a:ext uri="{FF2B5EF4-FFF2-40B4-BE49-F238E27FC236}">
+                <a16:creationId xmlns:a16="http://schemas.microsoft.com/office/drawing/2014/main" id="{ADFD60E4-A20E-3540-B72C-E57881AF5AFD}"/>
+              </a:ext>
+            </a:extLst>
+          </p:cNvPr>
+          <p:cNvCxnSpPr>
+            <a:cxnSpLocks/>
+            <a:endCxn id="38" idx="2"/>
+          </p:cNvCxnSpPr>
+          <p:nvPr/>
+        </p:nvCxnSpPr>
+        <p:spPr>
+          <a:xfrm flipV="1">
+            <a:off x="8449602" y="6230171"/>
+            <a:ext cx="0" cy="484909"/>
+          </a:xfrm>
+          <a:prstGeom prst="straightConnector1">
+            <a:avLst/>
+          </a:prstGeom>
+          <a:ln>
+            <a:solidFill>
+              <a:schemeClr val="tx1"/>
+            </a:solidFill>
+            <a:prstDash val="solid"/>
+            <a:tailEnd type="triangle"/>
+          </a:ln>
+        </p:spPr>
+        <p:style>
+          <a:lnRef idx="1">
+            <a:schemeClr val="accent1"/>
+          </a:lnRef>
+          <a:fillRef idx="0">
+            <a:schemeClr val="accent1"/>
+          </a:fillRef>
+          <a:effectRef idx="0">
+            <a:schemeClr val="accent1"/>
+          </a:effectRef>
+          <a:fontRef idx="minor">
+            <a:schemeClr val="tx1"/>
+          </a:fontRef>
+        </p:style>
+      </p:cxnSp>
+      <p:cxnSp>
+        <p:nvCxnSpPr>
+          <p:cNvPr id="69" name="Straight Arrow Connector 68">
+            <a:extLst>
+              <a:ext uri="{FF2B5EF4-FFF2-40B4-BE49-F238E27FC236}">
+                <a16:creationId xmlns:a16="http://schemas.microsoft.com/office/drawing/2014/main" id="{80D65529-F862-F84D-B17C-4CFFC4E91C0D}"/>
+              </a:ext>
+            </a:extLst>
+          </p:cNvPr>
+          <p:cNvCxnSpPr>
+            <a:cxnSpLocks/>
+            <a:endCxn id="34" idx="2"/>
+          </p:cNvCxnSpPr>
+          <p:nvPr/>
+        </p:nvCxnSpPr>
+        <p:spPr>
+          <a:xfrm flipV="1">
+            <a:off x="3884761" y="6230172"/>
+            <a:ext cx="1" cy="505914"/>
+          </a:xfrm>
+          <a:prstGeom prst="straightConnector1">
+            <a:avLst/>
+          </a:prstGeom>
+          <a:ln>
+            <a:solidFill>
+              <a:schemeClr val="tx1"/>
+            </a:solidFill>
+            <a:prstDash val="solid"/>
+            <a:tailEnd type="triangle"/>
+          </a:ln>
+        </p:spPr>
+        <p:style>
+          <a:lnRef idx="1">
+            <a:schemeClr val="accent1"/>
+          </a:lnRef>
+          <a:fillRef idx="0">
+            <a:schemeClr val="accent1"/>
+          </a:fillRef>
+          <a:effectRef idx="0">
+            <a:schemeClr val="accent1"/>
+          </a:effectRef>
+          <a:fontRef idx="minor">
+            <a:schemeClr val="tx1"/>
+          </a:fontRef>
+        </p:style>
+      </p:cxnSp>
+      <p:sp>
+        <p:nvSpPr>
+          <p:cNvPr id="70" name="TextBox 69">
+            <a:extLst>
+              <a:ext uri="{FF2B5EF4-FFF2-40B4-BE49-F238E27FC236}">
+                <a16:creationId xmlns:a16="http://schemas.microsoft.com/office/drawing/2014/main" id="{9256ED4A-1216-F448-8E03-13BA6FAE6437}"/>
+              </a:ext>
+            </a:extLst>
+          </p:cNvPr>
+          <p:cNvSpPr txBox="1"/>
+          <p:nvPr/>
+        </p:nvSpPr>
+        <p:spPr>
+          <a:xfrm>
+            <a:off x="6636039" y="6429442"/>
+            <a:ext cx="2527062" cy="285638"/>
+          </a:xfrm>
+          <a:prstGeom prst="rect">
+            <a:avLst/>
+          </a:prstGeom>
+          <a:noFill/>
+        </p:spPr>
+        <p:txBody>
+          <a:bodyPr wrap="square" rtlCol="0">
+            <a:normAutofit fontScale="85000" lnSpcReduction="20000"/>
+          </a:bodyPr>
+          <a:lstStyle/>
+          <a:p>
+            <a:r>
+              <a:rPr lang="en-GB" dirty="0"/>
+              <a:t>Provides resources to</a:t>
+            </a:r>
+          </a:p>
+        </p:txBody>
+      </p:sp>
+      <p:sp>
+        <p:nvSpPr>
+          <p:cNvPr id="71" name="TextBox 70">
+            <a:extLst>
+              <a:ext uri="{FF2B5EF4-FFF2-40B4-BE49-F238E27FC236}">
+                <a16:creationId xmlns:a16="http://schemas.microsoft.com/office/drawing/2014/main" id="{F9C94DD8-B1DD-9B49-BB5C-B1DF6D40E218}"/>
+              </a:ext>
+            </a:extLst>
+          </p:cNvPr>
+          <p:cNvSpPr txBox="1"/>
+          <p:nvPr/>
+        </p:nvSpPr>
+        <p:spPr>
+          <a:xfrm>
+            <a:off x="2070285" y="6450448"/>
+            <a:ext cx="2527062" cy="285638"/>
+          </a:xfrm>
+          <a:prstGeom prst="rect">
+            <a:avLst/>
+          </a:prstGeom>
+          <a:noFill/>
+        </p:spPr>
+        <p:txBody>
+          <a:bodyPr wrap="square" rtlCol="0">
+            <a:normAutofit fontScale="85000" lnSpcReduction="20000"/>
+          </a:bodyPr>
+          <a:lstStyle/>
+          <a:p>
+            <a:r>
+              <a:rPr lang="en-GB" dirty="0"/>
+              <a:t>Provides resources to</a:t>
+            </a:r>
+          </a:p>
+        </p:txBody>
+      </p:sp>
+      <p:sp>
+        <p:nvSpPr>
+          <p:cNvPr id="72" name="Rectangle 71">
+            <a:extLst>
+              <a:ext uri="{FF2B5EF4-FFF2-40B4-BE49-F238E27FC236}">
+                <a16:creationId xmlns:a16="http://schemas.microsoft.com/office/drawing/2014/main" id="{EE44987A-9061-104B-88DB-B12FCB7CFA86}"/>
+              </a:ext>
+            </a:extLst>
+          </p:cNvPr>
+          <p:cNvSpPr/>
+          <p:nvPr/>
+        </p:nvSpPr>
+        <p:spPr>
+          <a:xfrm>
+            <a:off x="12945843" y="2823093"/>
+            <a:ext cx="3405447" cy="1152274"/>
+          </a:xfrm>
+          <a:prstGeom prst="rect">
+            <a:avLst/>
+          </a:prstGeom>
+          <a:noFill/>
+          <a:ln w="9525" cap="flat" cmpd="sng" algn="ctr">
+            <a:solidFill>
+              <a:schemeClr val="dk1"/>
+            </a:solidFill>
+            <a:prstDash val="solid"/>
+            <a:round/>
+            <a:headEnd type="none" w="med" len="med"/>
+            <a:tailEnd type="none" w="med" len="med"/>
+          </a:ln>
+        </p:spPr>
+        <p:style>
+          <a:lnRef idx="0">
+            <a:scrgbClr r="0" g="0" b="0"/>
+          </a:lnRef>
+          <a:fillRef idx="0">
+            <a:scrgbClr r="0" g="0" b="0"/>
+          </a:fillRef>
+          <a:effectRef idx="0">
+            <a:scrgbClr r="0" g="0" b="0"/>
+          </a:effectRef>
+          <a:fontRef idx="minor">
+            <a:schemeClr val="dk1"/>
+          </a:fontRef>
+        </p:style>
+        <p:txBody>
+          <a:bodyPr rtlCol="0" anchor="ctr"/>
+          <a:lstStyle/>
+          <a:p>
+            <a:pPr algn="ctr"/>
+            <a:r>
+              <a:rPr lang="en-GB" dirty="0"/>
+              <a:t>Kubernetes-based Application Artefact Storage</a:t>
+            </a:r>
+          </a:p>
+          <a:p>
+            <a:pPr algn="ctr"/>
+            <a:endParaRPr lang="en-GB" dirty="0"/>
+          </a:p>
+          <a:p>
+            <a:pPr algn="ctr"/>
+            <a:endParaRPr lang="en-GB" dirty="0"/>
+          </a:p>
+        </p:txBody>
+      </p:sp>
+      <p:sp>
+        <p:nvSpPr>
+          <p:cNvPr id="73" name="Rectangle 72">
+            <a:extLst>
+              <a:ext uri="{FF2B5EF4-FFF2-40B4-BE49-F238E27FC236}">
+                <a16:creationId xmlns:a16="http://schemas.microsoft.com/office/drawing/2014/main" id="{1ECCE7F4-7511-6C47-AF3D-B92683941E66}"/>
+              </a:ext>
+            </a:extLst>
+          </p:cNvPr>
+          <p:cNvSpPr/>
+          <p:nvPr/>
+        </p:nvSpPr>
+        <p:spPr>
+          <a:xfrm>
+            <a:off x="13301322" y="3418613"/>
+            <a:ext cx="1140011" cy="436597"/>
+          </a:xfrm>
+          <a:prstGeom prst="rect">
+            <a:avLst/>
+          </a:prstGeom>
+          <a:noFill/>
+          <a:ln w="9525" cap="flat" cmpd="sng" algn="ctr">
+            <a:solidFill>
+              <a:schemeClr val="dk1"/>
+            </a:solidFill>
+            <a:prstDash val="solid"/>
+            <a:round/>
+            <a:headEnd type="none" w="med" len="med"/>
+            <a:tailEnd type="none" w="med" len="med"/>
+          </a:ln>
+        </p:spPr>
+        <p:style>
+          <a:lnRef idx="0">
+            <a:scrgbClr r="0" g="0" b="0"/>
+          </a:lnRef>
+          <a:fillRef idx="0">
+            <a:scrgbClr r="0" g="0" b="0"/>
+          </a:fillRef>
+          <a:effectRef idx="0">
+            <a:scrgbClr r="0" g="0" b="0"/>
+          </a:effectRef>
+          <a:fontRef idx="minor">
+            <a:schemeClr val="dk1"/>
+          </a:fontRef>
+        </p:style>
+        <p:txBody>
+          <a:bodyPr rtlCol="0" anchor="ctr"/>
+          <a:lstStyle/>
+          <a:p>
+            <a:pPr algn="ctr"/>
+            <a:r>
+              <a:rPr lang="en-GB" sz="1400" dirty="0"/>
+              <a:t>Container Registry</a:t>
+            </a:r>
+          </a:p>
+        </p:txBody>
+      </p:sp>
+      <p:sp>
+        <p:nvSpPr>
+          <p:cNvPr id="74" name="Rectangle 73">
+            <a:extLst>
+              <a:ext uri="{FF2B5EF4-FFF2-40B4-BE49-F238E27FC236}">
+                <a16:creationId xmlns:a16="http://schemas.microsoft.com/office/drawing/2014/main" id="{59346FD6-B98A-6248-B05E-4A8635E1AE85}"/>
+              </a:ext>
+            </a:extLst>
+          </p:cNvPr>
+          <p:cNvSpPr/>
+          <p:nvPr/>
+        </p:nvSpPr>
+        <p:spPr>
+          <a:xfrm>
+            <a:off x="14871019" y="3411681"/>
+            <a:ext cx="1140011" cy="436597"/>
+          </a:xfrm>
+          <a:prstGeom prst="rect">
+            <a:avLst/>
+          </a:prstGeom>
+          <a:noFill/>
+          <a:ln w="9525" cap="flat" cmpd="sng" algn="ctr">
+            <a:solidFill>
+              <a:schemeClr val="dk1"/>
+            </a:solidFill>
+            <a:prstDash val="solid"/>
+            <a:round/>
+            <a:headEnd type="none" w="med" len="med"/>
+            <a:tailEnd type="none" w="med" len="med"/>
+          </a:ln>
+        </p:spPr>
+        <p:style>
+          <a:lnRef idx="0">
+            <a:scrgbClr r="0" g="0" b="0"/>
+          </a:lnRef>
+          <a:fillRef idx="0">
+            <a:scrgbClr r="0" g="0" b="0"/>
+          </a:fillRef>
+          <a:effectRef idx="0">
+            <a:scrgbClr r="0" g="0" b="0"/>
+          </a:effectRef>
+          <a:fontRef idx="minor">
+            <a:schemeClr val="dk1"/>
+          </a:fontRef>
+        </p:style>
+        <p:txBody>
+          <a:bodyPr rtlCol="0" anchor="ctr"/>
+          <a:lstStyle/>
+          <a:p>
+            <a:pPr algn="ctr"/>
+            <a:r>
+              <a:rPr lang="en-GB" sz="1400" dirty="0"/>
+              <a:t>Helm Chart Repo (e.g.)</a:t>
+            </a:r>
+          </a:p>
+        </p:txBody>
+      </p:sp>
+      <p:cxnSp>
+        <p:nvCxnSpPr>
+          <p:cNvPr id="75" name="Straight Arrow Connector 74">
+            <a:extLst>
+              <a:ext uri="{FF2B5EF4-FFF2-40B4-BE49-F238E27FC236}">
+                <a16:creationId xmlns:a16="http://schemas.microsoft.com/office/drawing/2014/main" id="{73E830E4-D439-CF43-B1AE-11DCFDE5CE79}"/>
+              </a:ext>
+            </a:extLst>
+          </p:cNvPr>
+          <p:cNvCxnSpPr>
+            <a:cxnSpLocks/>
+            <a:endCxn id="32" idx="0"/>
+          </p:cNvCxnSpPr>
+          <p:nvPr/>
+        </p:nvCxnSpPr>
+        <p:spPr>
+          <a:xfrm flipH="1">
+            <a:off x="6167182" y="4964607"/>
+            <a:ext cx="570692" cy="1750473"/>
+          </a:xfrm>
+          <a:prstGeom prst="straightConnector1">
+            <a:avLst/>
+          </a:prstGeom>
+          <a:ln>
+            <a:solidFill>
+              <a:schemeClr val="tx1"/>
+            </a:solidFill>
+            <a:prstDash val="solid"/>
+            <a:tailEnd type="triangle"/>
+          </a:ln>
+        </p:spPr>
+        <p:style>
+          <a:lnRef idx="1">
+            <a:schemeClr val="accent1"/>
+          </a:lnRef>
+          <a:fillRef idx="0">
+            <a:schemeClr val="accent1"/>
+          </a:fillRef>
+          <a:effectRef idx="0">
+            <a:schemeClr val="accent1"/>
+          </a:effectRef>
+          <a:fontRef idx="minor">
+            <a:schemeClr val="tx1"/>
+          </a:fontRef>
+        </p:style>
+      </p:cxnSp>
+      <p:sp>
+        <p:nvSpPr>
+          <p:cNvPr id="76" name="TextBox 75">
+            <a:extLst>
+              <a:ext uri="{FF2B5EF4-FFF2-40B4-BE49-F238E27FC236}">
+                <a16:creationId xmlns:a16="http://schemas.microsoft.com/office/drawing/2014/main" id="{7EC3FD02-8262-7C4E-A014-0C49C97B63E0}"/>
+              </a:ext>
+            </a:extLst>
+          </p:cNvPr>
+          <p:cNvSpPr txBox="1"/>
+          <p:nvPr/>
+        </p:nvSpPr>
+        <p:spPr>
+          <a:xfrm>
+            <a:off x="4427927" y="6388915"/>
+            <a:ext cx="2149055" cy="347171"/>
+          </a:xfrm>
+          <a:prstGeom prst="rect">
+            <a:avLst/>
+          </a:prstGeom>
+          <a:noFill/>
+        </p:spPr>
+        <p:txBody>
+          <a:bodyPr wrap="square" rtlCol="0">
+            <a:normAutofit fontScale="55000" lnSpcReduction="20000"/>
+          </a:bodyPr>
+          <a:lstStyle/>
+          <a:p>
+            <a:r>
+              <a:rPr lang="en-GB" dirty="0"/>
+              <a:t>Manages resources via Kubernetes controller (e.g. </a:t>
+            </a:r>
+            <a:r>
+              <a:rPr lang="en-GB" dirty="0" err="1"/>
+              <a:t>kubevirt</a:t>
+            </a:r>
+            <a:r>
+              <a:rPr lang="en-GB" dirty="0"/>
+              <a:t>)</a:t>
+            </a:r>
+          </a:p>
+        </p:txBody>
+      </p:sp>
+    </p:spTree>
+    <p:extLst>
+      <p:ext uri="{BB962C8B-B14F-4D97-AF65-F5344CB8AC3E}">
+        <p14:creationId xmlns:p14="http://schemas.microsoft.com/office/powerpoint/2010/main" val="1169532950"/>
+      </p:ext>
+    </p:extLst>
+  </p:cSld>
+  <p:clrMapOvr>
+    <a:masterClrMapping/>
+  </p:clrMapOvr>
+</p:sld>
+</file>
+
+<file path=ppt/slides/slide5.xml><?xml version="1.0" encoding="utf-8"?>
+<p:sld xmlns:a="http://schemas.openxmlformats.org/drawingml/2006/main" xmlns:r="http://schemas.openxmlformats.org/officeDocument/2006/relationships" xmlns:p="http://schemas.openxmlformats.org/presentationml/2006/main">
+  <p:cSld>
     <p:spTree>
       <p:nvGrpSpPr>
         <p:cNvPr id="1" name=""/>
@@ -24097,13 +25752,7 @@
             </a:extLst>
           </p:cNvPr>
           <p:cNvGraphicFramePr/>
-          <p:nvPr>
-            <p:extLst>
-              <p:ext uri="{D42A27DB-BD31-4B8C-83A1-F6EECF244321}">
-                <p14:modId xmlns:p14="http://schemas.microsoft.com/office/powerpoint/2010/main" val="2095778700"/>
-              </p:ext>
-            </p:extLst>
-          </p:nvPr>
+          <p:nvPr/>
         </p:nvGraphicFramePr>
         <p:xfrm>
           <a:off x="513347" y="2598821"/>
@@ -24118,7 +25767,7 @@
     </p:spTree>
     <p:extLst>
       <p:ext uri="{BB962C8B-B14F-4D97-AF65-F5344CB8AC3E}">
-        <p14:creationId xmlns:p14="http://schemas.microsoft.com/office/powerpoint/2010/main" val="1323390709"/>
+        <p14:creationId xmlns:p14="http://schemas.microsoft.com/office/powerpoint/2010/main" val="502639494"/>
       </p:ext>
     </p:extLst>
   </p:cSld>

--- a/doc/ref_arch/kubernetes/figures/k8s-ref-arch-figures.pptx
+++ b/doc/ref_arch/kubernetes/figures/k8s-ref-arch-figures.pptx
@@ -1322,8 +1322,8 @@
     <dgm:cxn modelId="{7D568038-554A-1942-9671-9E17579025B6}" type="presOf" srcId="{8DDEE7E0-DDB7-A24B-89B2-ADACF1815350}" destId="{FB02936D-9138-E541-868F-238A92445032}" srcOrd="0" destOrd="0" presId="urn:microsoft.com/office/officeart/2005/8/layout/hList1"/>
     <dgm:cxn modelId="{9C9CA33B-94FA-944E-8B82-BCE120CA75FC}" type="presOf" srcId="{A42F1D9D-E815-A840-B21A-C8A308A1B242}" destId="{1707C938-BFB5-BC42-8771-DAEA58EA8DA8}" srcOrd="0" destOrd="0" presId="urn:microsoft.com/office/officeart/2005/8/layout/hList1"/>
     <dgm:cxn modelId="{7380BC42-2D37-E747-B2C4-31F0A7DF3963}" srcId="{38B9CEC9-CE5B-5C4B-BB14-05AD30CEFB16}" destId="{8DDEE7E0-DDB7-A24B-89B2-ADACF1815350}" srcOrd="0" destOrd="0" parTransId="{4B5C4B37-5F9D-864F-A390-04545835A47D}" sibTransId="{4EF6A7EA-1061-834F-976A-042DFFF32111}"/>
+    <dgm:cxn modelId="{C05F9B6C-1B06-1D4C-929B-E1475DEFCA56}" srcId="{A35D7A88-9133-694F-B399-45807959694F}" destId="{F6071E1C-EDAC-9A40-920E-6396D1F3F8B6}" srcOrd="0" destOrd="0" parTransId="{B11FCE09-F120-8B49-AA5E-D514E812025E}" sibTransId="{14358919-DA4D-1D41-A664-4A9CD28B0FE9}"/>
     <dgm:cxn modelId="{73ED9D5A-F09B-9C4C-A07D-46CD25618CEC}" srcId="{E29E2A27-8533-E24F-8C31-5B9521B1439F}" destId="{502ABEF5-7782-A741-AC6F-58A53F775AD3}" srcOrd="1" destOrd="0" parTransId="{DA8B308B-E247-944E-A621-8150EA718556}" sibTransId="{0FEE11B4-2D90-4C42-98E1-D9EEEC68621C}"/>
-    <dgm:cxn modelId="{C05F9B6C-1B06-1D4C-929B-E1475DEFCA56}" srcId="{A35D7A88-9133-694F-B399-45807959694F}" destId="{F6071E1C-EDAC-9A40-920E-6396D1F3F8B6}" srcOrd="0" destOrd="0" parTransId="{B11FCE09-F120-8B49-AA5E-D514E812025E}" sibTransId="{14358919-DA4D-1D41-A664-4A9CD28B0FE9}"/>
     <dgm:cxn modelId="{990DE37D-6CEE-8349-BF60-7F61A7416952}" type="presOf" srcId="{32345713-D1E2-DD45-A7D5-1E0B73484EB3}" destId="{FB02936D-9138-E541-868F-238A92445032}" srcOrd="0" destOrd="1" presId="urn:microsoft.com/office/officeart/2005/8/layout/hList1"/>
     <dgm:cxn modelId="{8592FE85-E4E9-8B48-A407-6DADD09EA5B1}" srcId="{F6071E1C-EDAC-9A40-920E-6396D1F3F8B6}" destId="{77355CEE-F4FB-B145-BA7B-0969D50CE212}" srcOrd="0" destOrd="0" parTransId="{F2BDCC11-56D3-4442-A429-5D06472DF069}" sibTransId="{E6C3A3F3-286E-1A48-A36D-BD1179C07AFF}"/>
     <dgm:cxn modelId="{8C36C4AB-1953-C244-91AE-167DEB852B08}" type="presOf" srcId="{8E9C75FF-DB25-164E-A506-DC6D3BD6B9F9}" destId="{A924A376-1AFF-B249-A073-BE4BC22C232A}" srcOrd="0" destOrd="1" presId="urn:microsoft.com/office/officeart/2005/8/layout/hList1"/>
@@ -3300,7 +3300,7 @@
           <a:p>
             <a:fld id="{F9D3E6FF-AC24-BE43-AFD3-27417514DD0F}" type="datetimeFigureOut">
               <a:rPr lang="en-GB" smtClean="0"/>
-              <a:t>10/01/2020</a:t>
+              <a:t>13/05/2021</a:t>
             </a:fld>
             <a:endParaRPr lang="en-GB"/>
           </a:p>
@@ -3470,7 +3470,7 @@
           <a:p>
             <a:fld id="{F9D3E6FF-AC24-BE43-AFD3-27417514DD0F}" type="datetimeFigureOut">
               <a:rPr lang="en-GB" smtClean="0"/>
-              <a:t>10/01/2020</a:t>
+              <a:t>13/05/2021</a:t>
             </a:fld>
             <a:endParaRPr lang="en-GB"/>
           </a:p>
@@ -3650,7 +3650,7 @@
           <a:p>
             <a:fld id="{F9D3E6FF-AC24-BE43-AFD3-27417514DD0F}" type="datetimeFigureOut">
               <a:rPr lang="en-GB" smtClean="0"/>
-              <a:t>10/01/2020</a:t>
+              <a:t>13/05/2021</a:t>
             </a:fld>
             <a:endParaRPr lang="en-GB"/>
           </a:p>
@@ -3820,7 +3820,7 @@
           <a:p>
             <a:fld id="{F9D3E6FF-AC24-BE43-AFD3-27417514DD0F}" type="datetimeFigureOut">
               <a:rPr lang="en-GB" smtClean="0"/>
-              <a:t>10/01/2020</a:t>
+              <a:t>13/05/2021</a:t>
             </a:fld>
             <a:endParaRPr lang="en-GB"/>
           </a:p>
@@ -4066,7 +4066,7 @@
           <a:p>
             <a:fld id="{F9D3E6FF-AC24-BE43-AFD3-27417514DD0F}" type="datetimeFigureOut">
               <a:rPr lang="en-GB" smtClean="0"/>
-              <a:t>10/01/2020</a:t>
+              <a:t>13/05/2021</a:t>
             </a:fld>
             <a:endParaRPr lang="en-GB"/>
           </a:p>
@@ -4298,7 +4298,7 @@
           <a:p>
             <a:fld id="{F9D3E6FF-AC24-BE43-AFD3-27417514DD0F}" type="datetimeFigureOut">
               <a:rPr lang="en-GB" smtClean="0"/>
-              <a:t>10/01/2020</a:t>
+              <a:t>13/05/2021</a:t>
             </a:fld>
             <a:endParaRPr lang="en-GB"/>
           </a:p>
@@ -4665,7 +4665,7 @@
           <a:p>
             <a:fld id="{F9D3E6FF-AC24-BE43-AFD3-27417514DD0F}" type="datetimeFigureOut">
               <a:rPr lang="en-GB" smtClean="0"/>
-              <a:t>10/01/2020</a:t>
+              <a:t>13/05/2021</a:t>
             </a:fld>
             <a:endParaRPr lang="en-GB"/>
           </a:p>
@@ -4783,7 +4783,7 @@
           <a:p>
             <a:fld id="{F9D3E6FF-AC24-BE43-AFD3-27417514DD0F}" type="datetimeFigureOut">
               <a:rPr lang="en-GB" smtClean="0"/>
-              <a:t>10/01/2020</a:t>
+              <a:t>13/05/2021</a:t>
             </a:fld>
             <a:endParaRPr lang="en-GB"/>
           </a:p>
@@ -4878,7 +4878,7 @@
           <a:p>
             <a:fld id="{F9D3E6FF-AC24-BE43-AFD3-27417514DD0F}" type="datetimeFigureOut">
               <a:rPr lang="en-GB" smtClean="0"/>
-              <a:t>10/01/2020</a:t>
+              <a:t>13/05/2021</a:t>
             </a:fld>
             <a:endParaRPr lang="en-GB"/>
           </a:p>
@@ -5155,7 +5155,7 @@
           <a:p>
             <a:fld id="{F9D3E6FF-AC24-BE43-AFD3-27417514DD0F}" type="datetimeFigureOut">
               <a:rPr lang="en-GB" smtClean="0"/>
-              <a:t>10/01/2020</a:t>
+              <a:t>13/05/2021</a:t>
             </a:fld>
             <a:endParaRPr lang="en-GB"/>
           </a:p>
@@ -5412,7 +5412,7 @@
           <a:p>
             <a:fld id="{F9D3E6FF-AC24-BE43-AFD3-27417514DD0F}" type="datetimeFigureOut">
               <a:rPr lang="en-GB" smtClean="0"/>
-              <a:t>10/01/2020</a:t>
+              <a:t>13/05/2021</a:t>
             </a:fld>
             <a:endParaRPr lang="en-GB"/>
           </a:p>
@@ -5625,7 +5625,7 @@
           <a:p>
             <a:fld id="{F9D3E6FF-AC24-BE43-AFD3-27417514DD0F}" type="datetimeFigureOut">
               <a:rPr lang="en-GB" smtClean="0"/>
-              <a:t>10/01/2020</a:t>
+              <a:t>13/05/2021</a:t>
             </a:fld>
             <a:endParaRPr lang="en-GB"/>
           </a:p>
@@ -21698,14 +21698,14 @@
             <a:pPr algn="ctr"/>
             <a:r>
               <a:rPr lang="en-GB" dirty="0"/>
-              <a:t>Physical / virtual compute, storage and network infrastructure</a:t>
+              <a:t>Physical / virtual compute, storage</a:t>
             </a:r>
           </a:p>
           <a:p>
             <a:pPr algn="ctr"/>
             <a:r>
               <a:rPr lang="en-GB" dirty="0"/>
-              <a:t>(aligns with NFVI)</a:t>
+              <a:t>and network hardware resources</a:t>
             </a:r>
           </a:p>
         </p:txBody>
@@ -21762,7 +21762,7 @@
             <a:pPr algn="ctr"/>
             <a:r>
               <a:rPr lang="en-GB" dirty="0"/>
-              <a:t>Virtual or physical infrastructure management (largely aligns with VIM)</a:t>
+              <a:t>Virtual or physical hardware infrastructure manager</a:t>
             </a:r>
           </a:p>
         </p:txBody>
@@ -21819,7 +21819,14 @@
             <a:pPr algn="ctr"/>
             <a:r>
               <a:rPr lang="en-GB" dirty="0"/>
-              <a:t>Kubernetes Worker Node Machine (Virtual / Physical)</a:t>
+              <a:t>Kubernetes Worker Node</a:t>
+            </a:r>
+          </a:p>
+          <a:p>
+            <a:pPr algn="ctr"/>
+            <a:r>
+              <a:rPr lang="en-GB" dirty="0"/>
+              <a:t>(Virtual / Physical)</a:t>
             </a:r>
           </a:p>
         </p:txBody>
@@ -22063,7 +22070,14 @@
             <a:pPr algn="ctr"/>
             <a:r>
               <a:rPr lang="en-GB" dirty="0"/>
-              <a:t>Kubernetes Master Machine (Virtual / Physical)</a:t>
+              <a:t>Kubernetes Control Node</a:t>
+            </a:r>
+            <a:br>
+              <a:rPr lang="en-GB" dirty="0"/>
+            </a:br>
+            <a:r>
+              <a:rPr lang="en-GB" dirty="0"/>
+              <a:t>(Virtual / Physical)</a:t>
             </a:r>
           </a:p>
         </p:txBody>
@@ -22177,7 +22191,7 @@
             <a:pPr algn="ctr"/>
             <a:r>
               <a:rPr lang="en-GB" dirty="0"/>
-              <a:t>Kubernetes Master OS</a:t>
+              <a:t>Kubernetes Control Node OS</a:t>
             </a:r>
           </a:p>
         </p:txBody>
@@ -22234,7 +22248,7 @@
             <a:pPr algn="ctr"/>
             <a:r>
               <a:rPr lang="en-GB" sz="1400" dirty="0"/>
-              <a:t>Kubernetes Master Node Services (</a:t>
+              <a:t>Kubernetes Control Node Services (</a:t>
             </a:r>
             <a:r>
               <a:rPr lang="en-GB" sz="1400" dirty="0" err="1"/>
@@ -24190,14 +24204,14 @@
             <a:pPr algn="ctr"/>
             <a:r>
               <a:rPr lang="en-GB" dirty="0"/>
-              <a:t>Physical / virtual compute, storage and network infrastructure</a:t>
+              <a:t>Physical / virtual compute, storage</a:t>
             </a:r>
           </a:p>
           <a:p>
             <a:pPr algn="ctr"/>
             <a:r>
               <a:rPr lang="en-GB" dirty="0"/>
-              <a:t>(aligns with NFVI)</a:t>
+              <a:t>and network hardware resources</a:t>
             </a:r>
           </a:p>
         </p:txBody>
@@ -24254,7 +24268,7 @@
             <a:pPr algn="ctr"/>
             <a:r>
               <a:rPr lang="en-GB" dirty="0"/>
-              <a:t>Virtual or physical infrastructure management (largely aligns with VIM)</a:t>
+              <a:t>Virtual or physical hardware infrastructure manager</a:t>
             </a:r>
           </a:p>
         </p:txBody>
@@ -24311,7 +24325,14 @@
             <a:pPr algn="ctr"/>
             <a:r>
               <a:rPr lang="en-GB" dirty="0"/>
-              <a:t>Kubernetes Worker Node Machine (Virtual / Physical)</a:t>
+              <a:t>Kubernetes Worker Node</a:t>
+            </a:r>
+          </a:p>
+          <a:p>
+            <a:pPr algn="ctr"/>
+            <a:r>
+              <a:rPr lang="en-GB" dirty="0"/>
+              <a:t>(Virtual / Physical)</a:t>
             </a:r>
           </a:p>
         </p:txBody>
@@ -24555,7 +24576,14 @@
             <a:pPr algn="ctr"/>
             <a:r>
               <a:rPr lang="en-GB" dirty="0"/>
-              <a:t>Kubernetes Master Machine (Virtual / Physical)</a:t>
+              <a:t>Kubernetes Control Node</a:t>
+            </a:r>
+          </a:p>
+          <a:p>
+            <a:pPr algn="ctr"/>
+            <a:r>
+              <a:rPr lang="en-GB" dirty="0"/>
+              <a:t>(Virtual / Physical)</a:t>
             </a:r>
           </a:p>
         </p:txBody>
@@ -24669,7 +24697,7 @@
             <a:pPr algn="ctr"/>
             <a:r>
               <a:rPr lang="en-GB" dirty="0"/>
-              <a:t>Kubernetes Master OS</a:t>
+              <a:t>Kubernetes Control OS</a:t>
             </a:r>
           </a:p>
         </p:txBody>
@@ -24726,7 +24754,7 @@
             <a:pPr algn="ctr"/>
             <a:r>
               <a:rPr lang="en-GB" sz="1400" dirty="0"/>
-              <a:t>Kubernetes Master Node Services (</a:t>
+              <a:t>Kubernetes Control Node Services (</a:t>
             </a:r>
             <a:r>
               <a:rPr lang="en-GB" sz="1400" dirty="0" err="1"/>
